--- a/wireless_network/PaperReading/Report.pptx
+++ b/wireless_network/PaperReading/Report.pptx
@@ -7,6 +7,15 @@
   <p:sldIdLst>
     <p:sldId id="256" r:id="rId2"/>
     <p:sldId id="257" r:id="rId3"/>
+    <p:sldId id="258" r:id="rId4"/>
+    <p:sldId id="262" r:id="rId5"/>
+    <p:sldId id="265" r:id="rId6"/>
+    <p:sldId id="266" r:id="rId7"/>
+    <p:sldId id="259" r:id="rId8"/>
+    <p:sldId id="260" r:id="rId9"/>
+    <p:sldId id="261" r:id="rId10"/>
+    <p:sldId id="264" r:id="rId11"/>
+    <p:sldId id="263" r:id="rId12"/>
   </p:sldIdLst>
   <p:sldSz cx="12192000" cy="6858000"/>
   <p:notesSz cx="6858000" cy="9144000"/>
@@ -105,7 +114,6333 @@
       </a:defRPr>
     </a:lvl9pPr>
   </p:defaultTextStyle>
+  <p:extLst>
+    <p:ext uri="{EFAFB233-063F-42B5-8137-9DF3F51BA10A}">
+      <p15:sldGuideLst xmlns:p15="http://schemas.microsoft.com/office/powerpoint/2012/main"/>
+    </p:ext>
+  </p:extLst>
 </p:presentation>
+</file>
+
+<file path=ppt/diagrams/colors1.xml><?xml version="1.0" encoding="utf-8"?>
+<dgm:colorsDef xmlns:dgm="http://schemas.openxmlformats.org/drawingml/2006/diagram" xmlns:a="http://schemas.openxmlformats.org/drawingml/2006/main" uniqueId="urn:microsoft.com/office/officeart/2005/8/colors/accent3_4">
+  <dgm:title val=""/>
+  <dgm:desc val=""/>
+  <dgm:catLst>
+    <dgm:cat type="accent3" pri="11400"/>
+  </dgm:catLst>
+  <dgm:styleLbl name="node0">
+    <dgm:fillClrLst meth="cycle">
+      <a:schemeClr val="accent3">
+        <a:shade val="60000"/>
+      </a:schemeClr>
+    </dgm:fillClrLst>
+    <dgm:linClrLst meth="repeat">
+      <a:schemeClr val="lt1"/>
+    </dgm:linClrLst>
+    <dgm:effectClrLst/>
+    <dgm:txLinClrLst/>
+    <dgm:txFillClrLst/>
+    <dgm:txEffectClrLst/>
+  </dgm:styleLbl>
+  <dgm:styleLbl name="node1">
+    <dgm:fillClrLst meth="cycle">
+      <a:schemeClr val="accent3">
+        <a:shade val="50000"/>
+      </a:schemeClr>
+      <a:schemeClr val="accent3">
+        <a:tint val="55000"/>
+      </a:schemeClr>
+    </dgm:fillClrLst>
+    <dgm:linClrLst meth="repeat">
+      <a:schemeClr val="lt1"/>
+    </dgm:linClrLst>
+    <dgm:effectClrLst/>
+    <dgm:txLinClrLst/>
+    <dgm:txFillClrLst/>
+    <dgm:txEffectClrLst/>
+  </dgm:styleLbl>
+  <dgm:styleLbl name="alignNode1">
+    <dgm:fillClrLst meth="cycle">
+      <a:schemeClr val="accent3">
+        <a:shade val="50000"/>
+      </a:schemeClr>
+      <a:schemeClr val="accent3">
+        <a:tint val="55000"/>
+      </a:schemeClr>
+    </dgm:fillClrLst>
+    <dgm:linClrLst meth="cycle">
+      <a:schemeClr val="accent3">
+        <a:shade val="50000"/>
+      </a:schemeClr>
+      <a:schemeClr val="accent3">
+        <a:tint val="55000"/>
+      </a:schemeClr>
+    </dgm:linClrLst>
+    <dgm:effectClrLst/>
+    <dgm:txLinClrLst/>
+    <dgm:txFillClrLst/>
+    <dgm:txEffectClrLst/>
+  </dgm:styleLbl>
+  <dgm:styleLbl name="lnNode1">
+    <dgm:fillClrLst meth="cycle">
+      <a:schemeClr val="accent3">
+        <a:shade val="50000"/>
+      </a:schemeClr>
+      <a:schemeClr val="accent3">
+        <a:tint val="55000"/>
+      </a:schemeClr>
+    </dgm:fillClrLst>
+    <dgm:linClrLst meth="repeat">
+      <a:schemeClr val="lt1"/>
+    </dgm:linClrLst>
+    <dgm:effectClrLst/>
+    <dgm:txLinClrLst/>
+    <dgm:txFillClrLst/>
+    <dgm:txEffectClrLst/>
+  </dgm:styleLbl>
+  <dgm:styleLbl name="vennNode1">
+    <dgm:fillClrLst meth="cycle">
+      <a:schemeClr val="accent3">
+        <a:shade val="80000"/>
+        <a:alpha val="50000"/>
+      </a:schemeClr>
+      <a:schemeClr val="accent3">
+        <a:tint val="50000"/>
+        <a:alpha val="50000"/>
+      </a:schemeClr>
+    </dgm:fillClrLst>
+    <dgm:linClrLst meth="repeat">
+      <a:schemeClr val="lt1"/>
+    </dgm:linClrLst>
+    <dgm:effectClrLst/>
+    <dgm:txLinClrLst/>
+    <dgm:txFillClrLst/>
+    <dgm:txEffectClrLst/>
+  </dgm:styleLbl>
+  <dgm:styleLbl name="node2">
+    <dgm:fillClrLst>
+      <a:schemeClr val="accent3">
+        <a:shade val="80000"/>
+      </a:schemeClr>
+    </dgm:fillClrLst>
+    <dgm:linClrLst meth="repeat">
+      <a:schemeClr val="lt1"/>
+    </dgm:linClrLst>
+    <dgm:effectClrLst/>
+    <dgm:txLinClrLst/>
+    <dgm:txFillClrLst/>
+    <dgm:txEffectClrLst/>
+  </dgm:styleLbl>
+  <dgm:styleLbl name="node3">
+    <dgm:fillClrLst>
+      <a:schemeClr val="accent3">
+        <a:tint val="99000"/>
+      </a:schemeClr>
+    </dgm:fillClrLst>
+    <dgm:linClrLst meth="repeat">
+      <a:schemeClr val="lt1"/>
+    </dgm:linClrLst>
+    <dgm:effectClrLst/>
+    <dgm:txLinClrLst/>
+    <dgm:txFillClrLst/>
+    <dgm:txEffectClrLst/>
+  </dgm:styleLbl>
+  <dgm:styleLbl name="node4">
+    <dgm:fillClrLst>
+      <a:schemeClr val="accent3">
+        <a:tint val="70000"/>
+      </a:schemeClr>
+    </dgm:fillClrLst>
+    <dgm:linClrLst meth="repeat">
+      <a:schemeClr val="lt1"/>
+    </dgm:linClrLst>
+    <dgm:effectClrLst/>
+    <dgm:txLinClrLst/>
+    <dgm:txFillClrLst/>
+    <dgm:txEffectClrLst/>
+  </dgm:styleLbl>
+  <dgm:styleLbl name="fgImgPlace1">
+    <dgm:fillClrLst>
+      <a:schemeClr val="accent3">
+        <a:tint val="50000"/>
+      </a:schemeClr>
+      <a:schemeClr val="accent3">
+        <a:tint val="55000"/>
+      </a:schemeClr>
+    </dgm:fillClrLst>
+    <dgm:linClrLst meth="repeat">
+      <a:schemeClr val="lt1"/>
+    </dgm:linClrLst>
+    <dgm:effectClrLst/>
+    <dgm:txLinClrLst/>
+    <dgm:txFillClrLst meth="repeat">
+      <a:schemeClr val="lt1"/>
+    </dgm:txFillClrLst>
+    <dgm:txEffectClrLst/>
+  </dgm:styleLbl>
+  <dgm:styleLbl name="alignImgPlace1">
+    <dgm:fillClrLst>
+      <a:schemeClr val="accent3">
+        <a:tint val="50000"/>
+      </a:schemeClr>
+      <a:schemeClr val="accent3">
+        <a:tint val="55000"/>
+      </a:schemeClr>
+    </dgm:fillClrLst>
+    <dgm:linClrLst meth="repeat">
+      <a:schemeClr val="lt1"/>
+    </dgm:linClrLst>
+    <dgm:effectClrLst/>
+    <dgm:txLinClrLst/>
+    <dgm:txFillClrLst meth="repeat">
+      <a:schemeClr val="lt1"/>
+    </dgm:txFillClrLst>
+    <dgm:txEffectClrLst/>
+  </dgm:styleLbl>
+  <dgm:styleLbl name="bgImgPlace1">
+    <dgm:fillClrLst>
+      <a:schemeClr val="accent3">
+        <a:tint val="50000"/>
+      </a:schemeClr>
+      <a:schemeClr val="accent3">
+        <a:tint val="55000"/>
+      </a:schemeClr>
+    </dgm:fillClrLst>
+    <dgm:linClrLst meth="repeat">
+      <a:schemeClr val="lt1"/>
+    </dgm:linClrLst>
+    <dgm:effectClrLst/>
+    <dgm:txLinClrLst/>
+    <dgm:txFillClrLst meth="repeat">
+      <a:schemeClr val="lt1"/>
+    </dgm:txFillClrLst>
+    <dgm:txEffectClrLst/>
+  </dgm:styleLbl>
+  <dgm:styleLbl name="sibTrans2D1">
+    <dgm:fillClrLst meth="cycle">
+      <a:schemeClr val="accent3">
+        <a:shade val="90000"/>
+      </a:schemeClr>
+      <a:schemeClr val="accent3">
+        <a:tint val="50000"/>
+      </a:schemeClr>
+    </dgm:fillClrLst>
+    <dgm:linClrLst meth="cycle">
+      <a:schemeClr val="accent3">
+        <a:shade val="90000"/>
+      </a:schemeClr>
+      <a:schemeClr val="accent3">
+        <a:tint val="50000"/>
+      </a:schemeClr>
+    </dgm:linClrLst>
+    <dgm:effectClrLst/>
+    <dgm:txLinClrLst/>
+    <dgm:txFillClrLst/>
+    <dgm:txEffectClrLst/>
+  </dgm:styleLbl>
+  <dgm:styleLbl name="fgSibTrans2D1">
+    <dgm:fillClrLst meth="cycle">
+      <a:schemeClr val="accent3">
+        <a:shade val="90000"/>
+      </a:schemeClr>
+      <a:schemeClr val="accent3">
+        <a:tint val="50000"/>
+      </a:schemeClr>
+    </dgm:fillClrLst>
+    <dgm:linClrLst meth="cycle">
+      <a:schemeClr val="accent3">
+        <a:shade val="90000"/>
+      </a:schemeClr>
+      <a:schemeClr val="accent3">
+        <a:tint val="50000"/>
+      </a:schemeClr>
+    </dgm:linClrLst>
+    <dgm:effectClrLst/>
+    <dgm:txLinClrLst/>
+    <dgm:txFillClrLst/>
+    <dgm:txEffectClrLst/>
+  </dgm:styleLbl>
+  <dgm:styleLbl name="bgSibTrans2D1">
+    <dgm:fillClrLst meth="cycle">
+      <a:schemeClr val="accent3">
+        <a:shade val="90000"/>
+      </a:schemeClr>
+      <a:schemeClr val="accent3">
+        <a:tint val="50000"/>
+      </a:schemeClr>
+    </dgm:fillClrLst>
+    <dgm:linClrLst meth="cycle">
+      <a:schemeClr val="accent3">
+        <a:shade val="90000"/>
+      </a:schemeClr>
+      <a:schemeClr val="accent3">
+        <a:tint val="50000"/>
+      </a:schemeClr>
+    </dgm:linClrLst>
+    <dgm:effectClrLst/>
+    <dgm:txLinClrLst/>
+    <dgm:txFillClrLst/>
+    <dgm:txEffectClrLst/>
+  </dgm:styleLbl>
+  <dgm:styleLbl name="sibTrans1D1">
+    <dgm:fillClrLst meth="cycle">
+      <a:schemeClr val="accent3">
+        <a:shade val="90000"/>
+      </a:schemeClr>
+      <a:schemeClr val="accent3">
+        <a:tint val="50000"/>
+      </a:schemeClr>
+    </dgm:fillClrLst>
+    <dgm:linClrLst meth="cycle">
+      <a:schemeClr val="accent3">
+        <a:shade val="90000"/>
+      </a:schemeClr>
+      <a:schemeClr val="accent3">
+        <a:tint val="50000"/>
+      </a:schemeClr>
+    </dgm:linClrLst>
+    <dgm:effectClrLst/>
+    <dgm:txLinClrLst/>
+    <dgm:txFillClrLst meth="repeat">
+      <a:schemeClr val="tx1"/>
+    </dgm:txFillClrLst>
+    <dgm:txEffectClrLst/>
+  </dgm:styleLbl>
+  <dgm:styleLbl name="callout">
+    <dgm:fillClrLst meth="repeat">
+      <a:schemeClr val="accent3"/>
+    </dgm:fillClrLst>
+    <dgm:linClrLst meth="repeat">
+      <a:schemeClr val="accent3"/>
+    </dgm:linClrLst>
+    <dgm:effectClrLst/>
+    <dgm:txLinClrLst/>
+    <dgm:txFillClrLst meth="repeat">
+      <a:schemeClr val="tx1"/>
+    </dgm:txFillClrLst>
+    <dgm:txEffectClrLst/>
+  </dgm:styleLbl>
+  <dgm:styleLbl name="asst0">
+    <dgm:fillClrLst meth="repeat">
+      <a:schemeClr val="accent3">
+        <a:shade val="80000"/>
+      </a:schemeClr>
+    </dgm:fillClrLst>
+    <dgm:linClrLst meth="repeat">
+      <a:schemeClr val="lt1"/>
+    </dgm:linClrLst>
+    <dgm:effectClrLst/>
+    <dgm:txLinClrLst/>
+    <dgm:txFillClrLst/>
+    <dgm:txEffectClrLst/>
+  </dgm:styleLbl>
+  <dgm:styleLbl name="asst1">
+    <dgm:fillClrLst meth="repeat">
+      <a:schemeClr val="accent3">
+        <a:shade val="80000"/>
+      </a:schemeClr>
+    </dgm:fillClrLst>
+    <dgm:linClrLst meth="repeat">
+      <a:schemeClr val="lt1"/>
+    </dgm:linClrLst>
+    <dgm:effectClrLst/>
+    <dgm:txLinClrLst/>
+    <dgm:txFillClrLst/>
+    <dgm:txEffectClrLst/>
+  </dgm:styleLbl>
+  <dgm:styleLbl name="asst2">
+    <dgm:fillClrLst>
+      <a:schemeClr val="accent3">
+        <a:tint val="90000"/>
+      </a:schemeClr>
+    </dgm:fillClrLst>
+    <dgm:linClrLst meth="repeat">
+      <a:schemeClr val="lt1"/>
+    </dgm:linClrLst>
+    <dgm:effectClrLst/>
+    <dgm:txLinClrLst/>
+    <dgm:txFillClrLst/>
+    <dgm:txEffectClrLst/>
+  </dgm:styleLbl>
+  <dgm:styleLbl name="asst3">
+    <dgm:fillClrLst>
+      <a:schemeClr val="accent3">
+        <a:tint val="70000"/>
+      </a:schemeClr>
+    </dgm:fillClrLst>
+    <dgm:linClrLst meth="repeat">
+      <a:schemeClr val="lt1"/>
+    </dgm:linClrLst>
+    <dgm:effectClrLst/>
+    <dgm:txLinClrLst/>
+    <dgm:txFillClrLst/>
+    <dgm:txEffectClrLst/>
+  </dgm:styleLbl>
+  <dgm:styleLbl name="asst4">
+    <dgm:fillClrLst>
+      <a:schemeClr val="accent3">
+        <a:tint val="50000"/>
+      </a:schemeClr>
+    </dgm:fillClrLst>
+    <dgm:linClrLst meth="repeat">
+      <a:schemeClr val="lt1"/>
+    </dgm:linClrLst>
+    <dgm:effectClrLst/>
+    <dgm:txLinClrLst/>
+    <dgm:txFillClrLst/>
+    <dgm:txEffectClrLst/>
+  </dgm:styleLbl>
+  <dgm:styleLbl name="parChTrans2D1">
+    <dgm:fillClrLst meth="repeat">
+      <a:schemeClr val="accent3">
+        <a:tint val="60000"/>
+      </a:schemeClr>
+    </dgm:fillClrLst>
+    <dgm:linClrLst meth="repeat">
+      <a:schemeClr val="accent3">
+        <a:shade val="80000"/>
+      </a:schemeClr>
+    </dgm:linClrLst>
+    <dgm:effectClrLst/>
+    <dgm:txLinClrLst/>
+    <dgm:txFillClrLst/>
+    <dgm:txEffectClrLst/>
+  </dgm:styleLbl>
+  <dgm:styleLbl name="parChTrans2D2">
+    <dgm:fillClrLst meth="repeat">
+      <a:schemeClr val="accent3">
+        <a:tint val="90000"/>
+      </a:schemeClr>
+    </dgm:fillClrLst>
+    <dgm:linClrLst meth="repeat">
+      <a:schemeClr val="accent3">
+        <a:tint val="90000"/>
+      </a:schemeClr>
+    </dgm:linClrLst>
+    <dgm:effectClrLst/>
+    <dgm:txLinClrLst/>
+    <dgm:txFillClrLst/>
+    <dgm:txEffectClrLst/>
+  </dgm:styleLbl>
+  <dgm:styleLbl name="parChTrans2D3">
+    <dgm:fillClrLst meth="repeat">
+      <a:schemeClr val="accent3">
+        <a:tint val="70000"/>
+      </a:schemeClr>
+    </dgm:fillClrLst>
+    <dgm:linClrLst meth="repeat">
+      <a:schemeClr val="accent3">
+        <a:tint val="70000"/>
+      </a:schemeClr>
+    </dgm:linClrLst>
+    <dgm:effectClrLst/>
+    <dgm:txLinClrLst/>
+    <dgm:txFillClrLst/>
+    <dgm:txEffectClrLst/>
+  </dgm:styleLbl>
+  <dgm:styleLbl name="parChTrans2D4">
+    <dgm:fillClrLst meth="repeat">
+      <a:schemeClr val="accent3">
+        <a:tint val="50000"/>
+      </a:schemeClr>
+    </dgm:fillClrLst>
+    <dgm:linClrLst meth="repeat">
+      <a:schemeClr val="accent3">
+        <a:tint val="50000"/>
+      </a:schemeClr>
+    </dgm:linClrLst>
+    <dgm:effectClrLst/>
+    <dgm:txLinClrLst/>
+    <dgm:txFillClrLst meth="repeat">
+      <a:schemeClr val="dk1"/>
+    </dgm:txFillClrLst>
+    <dgm:txEffectClrLst/>
+  </dgm:styleLbl>
+  <dgm:styleLbl name="parChTrans1D1">
+    <dgm:fillClrLst meth="repeat">
+      <a:schemeClr val="accent3">
+        <a:shade val="80000"/>
+      </a:schemeClr>
+    </dgm:fillClrLst>
+    <dgm:linClrLst meth="repeat">
+      <a:schemeClr val="accent3">
+        <a:shade val="80000"/>
+      </a:schemeClr>
+    </dgm:linClrLst>
+    <dgm:effectClrLst/>
+    <dgm:txLinClrLst/>
+    <dgm:txFillClrLst meth="repeat">
+      <a:schemeClr val="tx1"/>
+    </dgm:txFillClrLst>
+    <dgm:txEffectClrLst/>
+  </dgm:styleLbl>
+  <dgm:styleLbl name="parChTrans1D2">
+    <dgm:fillClrLst meth="repeat">
+      <a:schemeClr val="accent3">
+        <a:tint val="90000"/>
+      </a:schemeClr>
+    </dgm:fillClrLst>
+    <dgm:linClrLst meth="repeat">
+      <a:schemeClr val="accent3">
+        <a:tint val="90000"/>
+      </a:schemeClr>
+    </dgm:linClrLst>
+    <dgm:effectClrLst/>
+    <dgm:txLinClrLst/>
+    <dgm:txFillClrLst meth="repeat">
+      <a:schemeClr val="tx1"/>
+    </dgm:txFillClrLst>
+    <dgm:txEffectClrLst/>
+  </dgm:styleLbl>
+  <dgm:styleLbl name="parChTrans1D3">
+    <dgm:fillClrLst meth="repeat">
+      <a:schemeClr val="accent3">
+        <a:tint val="70000"/>
+      </a:schemeClr>
+    </dgm:fillClrLst>
+    <dgm:linClrLst meth="repeat">
+      <a:schemeClr val="accent3">
+        <a:tint val="70000"/>
+      </a:schemeClr>
+    </dgm:linClrLst>
+    <dgm:effectClrLst/>
+    <dgm:txLinClrLst/>
+    <dgm:txFillClrLst meth="repeat">
+      <a:schemeClr val="tx1"/>
+    </dgm:txFillClrLst>
+    <dgm:txEffectClrLst/>
+  </dgm:styleLbl>
+  <dgm:styleLbl name="parChTrans1D4">
+    <dgm:fillClrLst meth="repeat">
+      <a:schemeClr val="accent3">
+        <a:tint val="50000"/>
+      </a:schemeClr>
+    </dgm:fillClrLst>
+    <dgm:linClrLst meth="repeat">
+      <a:schemeClr val="accent3">
+        <a:tint val="50000"/>
+      </a:schemeClr>
+    </dgm:linClrLst>
+    <dgm:effectClrLst/>
+    <dgm:txLinClrLst/>
+    <dgm:txFillClrLst meth="repeat">
+      <a:schemeClr val="tx1"/>
+    </dgm:txFillClrLst>
+    <dgm:txEffectClrLst/>
+  </dgm:styleLbl>
+  <dgm:styleLbl name="fgAcc1">
+    <dgm:fillClrLst meth="repeat">
+      <a:schemeClr val="lt1">
+        <a:alpha val="90000"/>
+      </a:schemeClr>
+    </dgm:fillClrLst>
+    <dgm:linClrLst meth="cycle">
+      <a:schemeClr val="accent3">
+        <a:shade val="50000"/>
+      </a:schemeClr>
+      <a:schemeClr val="accent3">
+        <a:tint val="55000"/>
+      </a:schemeClr>
+    </dgm:linClrLst>
+    <dgm:effectClrLst/>
+    <dgm:txLinClrLst/>
+    <dgm:txFillClrLst meth="repeat">
+      <a:schemeClr val="dk1"/>
+    </dgm:txFillClrLst>
+    <dgm:txEffectClrLst/>
+  </dgm:styleLbl>
+  <dgm:styleLbl name="conFgAcc1">
+    <dgm:fillClrLst meth="repeat">
+      <a:schemeClr val="lt1">
+        <a:alpha val="90000"/>
+      </a:schemeClr>
+    </dgm:fillClrLst>
+    <dgm:linClrLst meth="cycle">
+      <a:schemeClr val="accent3">
+        <a:shade val="50000"/>
+      </a:schemeClr>
+      <a:schemeClr val="accent3">
+        <a:tint val="55000"/>
+      </a:schemeClr>
+    </dgm:linClrLst>
+    <dgm:effectClrLst/>
+    <dgm:txLinClrLst/>
+    <dgm:txFillClrLst meth="repeat">
+      <a:schemeClr val="dk1"/>
+    </dgm:txFillClrLst>
+    <dgm:txEffectClrLst/>
+  </dgm:styleLbl>
+  <dgm:styleLbl name="alignAcc1">
+    <dgm:fillClrLst meth="repeat">
+      <a:schemeClr val="lt1">
+        <a:alpha val="90000"/>
+      </a:schemeClr>
+    </dgm:fillClrLst>
+    <dgm:linClrLst meth="cycle">
+      <a:schemeClr val="accent3">
+        <a:shade val="50000"/>
+      </a:schemeClr>
+      <a:schemeClr val="accent3">
+        <a:tint val="55000"/>
+      </a:schemeClr>
+    </dgm:linClrLst>
+    <dgm:effectClrLst/>
+    <dgm:txLinClrLst/>
+    <dgm:txFillClrLst meth="repeat">
+      <a:schemeClr val="dk1"/>
+    </dgm:txFillClrLst>
+    <dgm:txEffectClrLst/>
+  </dgm:styleLbl>
+  <dgm:styleLbl name="trAlignAcc1">
+    <dgm:fillClrLst meth="repeat">
+      <a:schemeClr val="lt1">
+        <a:alpha val="55000"/>
+      </a:schemeClr>
+    </dgm:fillClrLst>
+    <dgm:linClrLst meth="repeat">
+      <a:schemeClr val="accent3"/>
+    </dgm:linClrLst>
+    <dgm:effectClrLst/>
+    <dgm:txLinClrLst/>
+    <dgm:txFillClrLst meth="repeat">
+      <a:schemeClr val="dk1"/>
+    </dgm:txFillClrLst>
+    <dgm:txEffectClrLst/>
+  </dgm:styleLbl>
+  <dgm:styleLbl name="bgAcc1">
+    <dgm:fillClrLst meth="repeat">
+      <a:schemeClr val="lt1">
+        <a:alpha val="90000"/>
+      </a:schemeClr>
+    </dgm:fillClrLst>
+    <dgm:linClrLst meth="cycle">
+      <a:schemeClr val="accent3">
+        <a:shade val="50000"/>
+      </a:schemeClr>
+      <a:schemeClr val="accent3">
+        <a:tint val="55000"/>
+      </a:schemeClr>
+    </dgm:linClrLst>
+    <dgm:effectClrLst/>
+    <dgm:txLinClrLst/>
+    <dgm:txFillClrLst meth="repeat">
+      <a:schemeClr val="dk1"/>
+    </dgm:txFillClrLst>
+    <dgm:txEffectClrLst/>
+  </dgm:styleLbl>
+  <dgm:styleLbl name="solidFgAcc1">
+    <dgm:fillClrLst meth="repeat">
+      <a:schemeClr val="lt1"/>
+    </dgm:fillClrLst>
+    <dgm:linClrLst meth="cycle">
+      <a:schemeClr val="accent3">
+        <a:shade val="50000"/>
+      </a:schemeClr>
+      <a:schemeClr val="accent3">
+        <a:tint val="55000"/>
+      </a:schemeClr>
+    </dgm:linClrLst>
+    <dgm:effectClrLst/>
+    <dgm:txLinClrLst/>
+    <dgm:txFillClrLst meth="repeat">
+      <a:schemeClr val="dk1"/>
+    </dgm:txFillClrLst>
+    <dgm:txEffectClrLst/>
+  </dgm:styleLbl>
+  <dgm:styleLbl name="solidAlignAcc1">
+    <dgm:fillClrLst meth="repeat">
+      <a:schemeClr val="lt1"/>
+    </dgm:fillClrLst>
+    <dgm:linClrLst meth="repeat">
+      <a:schemeClr val="accent3"/>
+    </dgm:linClrLst>
+    <dgm:effectClrLst/>
+    <dgm:txLinClrLst/>
+    <dgm:txFillClrLst meth="repeat">
+      <a:schemeClr val="dk1"/>
+    </dgm:txFillClrLst>
+    <dgm:txEffectClrLst/>
+  </dgm:styleLbl>
+  <dgm:styleLbl name="solidBgAcc1">
+    <dgm:fillClrLst meth="repeat">
+      <a:schemeClr val="lt1"/>
+    </dgm:fillClrLst>
+    <dgm:linClrLst meth="repeat">
+      <a:schemeClr val="accent3"/>
+    </dgm:linClrLst>
+    <dgm:effectClrLst/>
+    <dgm:txLinClrLst/>
+    <dgm:txFillClrLst meth="repeat">
+      <a:schemeClr val="dk1"/>
+    </dgm:txFillClrLst>
+    <dgm:txEffectClrLst/>
+  </dgm:styleLbl>
+  <dgm:styleLbl name="fgAccFollowNode1">
+    <dgm:fillClrLst meth="repeat">
+      <a:schemeClr val="accent3">
+        <a:alpha val="90000"/>
+        <a:tint val="55000"/>
+      </a:schemeClr>
+    </dgm:fillClrLst>
+    <dgm:linClrLst meth="repeat">
+      <a:schemeClr val="accent3">
+        <a:alpha val="90000"/>
+        <a:tint val="55000"/>
+      </a:schemeClr>
+    </dgm:linClrLst>
+    <dgm:effectClrLst/>
+    <dgm:txLinClrLst/>
+    <dgm:txFillClrLst meth="repeat">
+      <a:schemeClr val="dk1"/>
+    </dgm:txFillClrLst>
+    <dgm:txEffectClrLst/>
+  </dgm:styleLbl>
+  <dgm:styleLbl name="alignAccFollowNode1">
+    <dgm:fillClrLst meth="repeat">
+      <a:schemeClr val="accent3">
+        <a:alpha val="90000"/>
+        <a:tint val="55000"/>
+      </a:schemeClr>
+    </dgm:fillClrLst>
+    <dgm:linClrLst meth="repeat">
+      <a:schemeClr val="accent3">
+        <a:alpha val="90000"/>
+        <a:tint val="55000"/>
+      </a:schemeClr>
+    </dgm:linClrLst>
+    <dgm:effectClrLst/>
+    <dgm:txLinClrLst/>
+    <dgm:txFillClrLst meth="repeat">
+      <a:schemeClr val="dk1"/>
+    </dgm:txFillClrLst>
+    <dgm:txEffectClrLst/>
+  </dgm:styleLbl>
+  <dgm:styleLbl name="bgAccFollowNode1">
+    <dgm:fillClrLst meth="repeat">
+      <a:schemeClr val="accent3">
+        <a:alpha val="90000"/>
+        <a:tint val="55000"/>
+      </a:schemeClr>
+    </dgm:fillClrLst>
+    <dgm:linClrLst meth="repeat">
+      <a:schemeClr val="lt1"/>
+    </dgm:linClrLst>
+    <dgm:effectClrLst/>
+    <dgm:txLinClrLst/>
+    <dgm:txFillClrLst meth="repeat">
+      <a:schemeClr val="dk1"/>
+    </dgm:txFillClrLst>
+    <dgm:txEffectClrLst/>
+  </dgm:styleLbl>
+  <dgm:styleLbl name="fgAcc0">
+    <dgm:fillClrLst meth="repeat">
+      <a:schemeClr val="lt1">
+        <a:alpha val="90000"/>
+      </a:schemeClr>
+    </dgm:fillClrLst>
+    <dgm:linClrLst meth="repeat">
+      <a:schemeClr val="accent3">
+        <a:shade val="80000"/>
+      </a:schemeClr>
+    </dgm:linClrLst>
+    <dgm:effectClrLst/>
+    <dgm:txLinClrLst/>
+    <dgm:txFillClrLst meth="repeat">
+      <a:schemeClr val="dk1"/>
+    </dgm:txFillClrLst>
+    <dgm:txEffectClrLst/>
+  </dgm:styleLbl>
+  <dgm:styleLbl name="fgAcc2">
+    <dgm:fillClrLst meth="repeat">
+      <a:schemeClr val="lt1">
+        <a:alpha val="90000"/>
+      </a:schemeClr>
+    </dgm:fillClrLst>
+    <dgm:linClrLst meth="repeat">
+      <a:schemeClr val="accent3">
+        <a:tint val="90000"/>
+      </a:schemeClr>
+    </dgm:linClrLst>
+    <dgm:effectClrLst/>
+    <dgm:txLinClrLst/>
+    <dgm:txFillClrLst meth="repeat">
+      <a:schemeClr val="dk1"/>
+    </dgm:txFillClrLst>
+    <dgm:txEffectClrLst/>
+  </dgm:styleLbl>
+  <dgm:styleLbl name="fgAcc3">
+    <dgm:fillClrLst meth="repeat">
+      <a:schemeClr val="lt1">
+        <a:alpha val="90000"/>
+      </a:schemeClr>
+    </dgm:fillClrLst>
+    <dgm:linClrLst meth="repeat">
+      <a:schemeClr val="accent3">
+        <a:tint val="70000"/>
+      </a:schemeClr>
+    </dgm:linClrLst>
+    <dgm:effectClrLst/>
+    <dgm:txLinClrLst/>
+    <dgm:txFillClrLst meth="repeat">
+      <a:schemeClr val="dk1"/>
+    </dgm:txFillClrLst>
+    <dgm:txEffectClrLst/>
+  </dgm:styleLbl>
+  <dgm:styleLbl name="fgAcc4">
+    <dgm:fillClrLst meth="repeat">
+      <a:schemeClr val="lt1">
+        <a:alpha val="90000"/>
+      </a:schemeClr>
+    </dgm:fillClrLst>
+    <dgm:linClrLst meth="repeat">
+      <a:schemeClr val="accent3">
+        <a:tint val="50000"/>
+      </a:schemeClr>
+    </dgm:linClrLst>
+    <dgm:effectClrLst/>
+    <dgm:txLinClrLst/>
+    <dgm:txFillClrLst meth="repeat">
+      <a:schemeClr val="dk1"/>
+    </dgm:txFillClrLst>
+    <dgm:txEffectClrLst/>
+  </dgm:styleLbl>
+  <dgm:styleLbl name="bgShp">
+    <dgm:fillClrLst meth="repeat">
+      <a:schemeClr val="accent3">
+        <a:tint val="55000"/>
+      </a:schemeClr>
+    </dgm:fillClrLst>
+    <dgm:linClrLst meth="repeat">
+      <a:schemeClr val="dk1"/>
+    </dgm:linClrLst>
+    <dgm:effectClrLst/>
+    <dgm:txLinClrLst/>
+    <dgm:txFillClrLst meth="repeat">
+      <a:schemeClr val="dk1"/>
+    </dgm:txFillClrLst>
+    <dgm:txEffectClrLst/>
+  </dgm:styleLbl>
+  <dgm:styleLbl name="dkBgShp">
+    <dgm:fillClrLst meth="repeat">
+      <a:schemeClr val="accent3">
+        <a:shade val="90000"/>
+      </a:schemeClr>
+    </dgm:fillClrLst>
+    <dgm:linClrLst meth="repeat">
+      <a:schemeClr val="dk1"/>
+    </dgm:linClrLst>
+    <dgm:effectClrLst/>
+    <dgm:txLinClrLst/>
+    <dgm:txFillClrLst meth="repeat">
+      <a:schemeClr val="lt1"/>
+    </dgm:txFillClrLst>
+    <dgm:txEffectClrLst/>
+  </dgm:styleLbl>
+  <dgm:styleLbl name="trBgShp">
+    <dgm:fillClrLst meth="repeat">
+      <a:schemeClr val="accent3">
+        <a:tint val="50000"/>
+        <a:alpha val="55000"/>
+      </a:schemeClr>
+    </dgm:fillClrLst>
+    <dgm:linClrLst meth="repeat">
+      <a:schemeClr val="accent3"/>
+    </dgm:linClrLst>
+    <dgm:effectClrLst/>
+    <dgm:txLinClrLst/>
+    <dgm:txFillClrLst meth="repeat">
+      <a:schemeClr val="lt1"/>
+    </dgm:txFillClrLst>
+    <dgm:txEffectClrLst/>
+  </dgm:styleLbl>
+  <dgm:styleLbl name="fgShp">
+    <dgm:fillClrLst meth="repeat">
+      <a:schemeClr val="accent3">
+        <a:tint val="55000"/>
+      </a:schemeClr>
+    </dgm:fillClrLst>
+    <dgm:linClrLst meth="repeat">
+      <a:schemeClr val="lt1"/>
+    </dgm:linClrLst>
+    <dgm:effectClrLst/>
+    <dgm:txLinClrLst/>
+    <dgm:txFillClrLst meth="repeat">
+      <a:schemeClr val="dk1"/>
+    </dgm:txFillClrLst>
+    <dgm:txEffectClrLst/>
+  </dgm:styleLbl>
+  <dgm:styleLbl name="revTx">
+    <dgm:fillClrLst meth="repeat">
+      <a:schemeClr val="lt1">
+        <a:alpha val="0"/>
+      </a:schemeClr>
+    </dgm:fillClrLst>
+    <dgm:linClrLst meth="repeat">
+      <a:schemeClr val="dk1">
+        <a:alpha val="0"/>
+      </a:schemeClr>
+    </dgm:linClrLst>
+    <dgm:effectClrLst/>
+    <dgm:txLinClrLst/>
+    <dgm:txFillClrLst meth="repeat">
+      <a:schemeClr val="tx1"/>
+    </dgm:txFillClrLst>
+    <dgm:txEffectClrLst/>
+  </dgm:styleLbl>
+</dgm:colorsDef>
+</file>
+
+<file path=ppt/diagrams/colors2.xml><?xml version="1.0" encoding="utf-8"?>
+<dgm:colorsDef xmlns:dgm="http://schemas.openxmlformats.org/drawingml/2006/diagram" xmlns:a="http://schemas.openxmlformats.org/drawingml/2006/main" uniqueId="urn:microsoft.com/office/officeart/2005/8/colors/accent0_3">
+  <dgm:title val=""/>
+  <dgm:desc val=""/>
+  <dgm:catLst>
+    <dgm:cat type="mainScheme" pri="10300"/>
+  </dgm:catLst>
+  <dgm:styleLbl name="node0">
+    <dgm:fillClrLst meth="repeat">
+      <a:schemeClr val="dk2"/>
+    </dgm:fillClrLst>
+    <dgm:linClrLst meth="repeat">
+      <a:schemeClr val="lt2"/>
+    </dgm:linClrLst>
+    <dgm:effectClrLst/>
+    <dgm:txLinClrLst/>
+    <dgm:txFillClrLst/>
+    <dgm:txEffectClrLst/>
+  </dgm:styleLbl>
+  <dgm:styleLbl name="alignNode1">
+    <dgm:fillClrLst meth="repeat">
+      <a:schemeClr val="dk2"/>
+    </dgm:fillClrLst>
+    <dgm:linClrLst meth="repeat">
+      <a:schemeClr val="dk2"/>
+    </dgm:linClrLst>
+    <dgm:effectClrLst/>
+    <dgm:txLinClrLst/>
+    <dgm:txFillClrLst/>
+    <dgm:txEffectClrLst/>
+  </dgm:styleLbl>
+  <dgm:styleLbl name="node1">
+    <dgm:fillClrLst meth="repeat">
+      <a:schemeClr val="dk2"/>
+    </dgm:fillClrLst>
+    <dgm:linClrLst meth="repeat">
+      <a:schemeClr val="lt2"/>
+    </dgm:linClrLst>
+    <dgm:effectClrLst/>
+    <dgm:txLinClrLst/>
+    <dgm:txFillClrLst/>
+    <dgm:txEffectClrLst/>
+  </dgm:styleLbl>
+  <dgm:styleLbl name="lnNode1">
+    <dgm:fillClrLst meth="repeat">
+      <a:schemeClr val="dk2"/>
+    </dgm:fillClrLst>
+    <dgm:linClrLst meth="repeat">
+      <a:schemeClr val="lt2"/>
+    </dgm:linClrLst>
+    <dgm:effectClrLst/>
+    <dgm:txLinClrLst/>
+    <dgm:txFillClrLst/>
+    <dgm:txEffectClrLst/>
+  </dgm:styleLbl>
+  <dgm:styleLbl name="vennNode1">
+    <dgm:fillClrLst meth="repeat">
+      <a:schemeClr val="dk2">
+        <a:alpha val="50000"/>
+      </a:schemeClr>
+    </dgm:fillClrLst>
+    <dgm:linClrLst meth="repeat">
+      <a:schemeClr val="lt2"/>
+    </dgm:linClrLst>
+    <dgm:effectClrLst/>
+    <dgm:txLinClrLst/>
+    <dgm:txFillClrLst/>
+    <dgm:txEffectClrLst/>
+  </dgm:styleLbl>
+  <dgm:styleLbl name="node2">
+    <dgm:fillClrLst meth="repeat">
+      <a:schemeClr val="dk2"/>
+    </dgm:fillClrLst>
+    <dgm:linClrLst meth="repeat">
+      <a:schemeClr val="lt2"/>
+    </dgm:linClrLst>
+    <dgm:effectClrLst/>
+    <dgm:txLinClrLst/>
+    <dgm:txFillClrLst/>
+    <dgm:txEffectClrLst/>
+  </dgm:styleLbl>
+  <dgm:styleLbl name="node3">
+    <dgm:fillClrLst meth="repeat">
+      <a:schemeClr val="dk2"/>
+    </dgm:fillClrLst>
+    <dgm:linClrLst meth="repeat">
+      <a:schemeClr val="lt2"/>
+    </dgm:linClrLst>
+    <dgm:effectClrLst/>
+    <dgm:txLinClrLst/>
+    <dgm:txFillClrLst/>
+    <dgm:txEffectClrLst/>
+  </dgm:styleLbl>
+  <dgm:styleLbl name="node4">
+    <dgm:fillClrLst meth="repeat">
+      <a:schemeClr val="dk2"/>
+    </dgm:fillClrLst>
+    <dgm:linClrLst meth="repeat">
+      <a:schemeClr val="lt2"/>
+    </dgm:linClrLst>
+    <dgm:effectClrLst/>
+    <dgm:txLinClrLst/>
+    <dgm:txFillClrLst/>
+    <dgm:txEffectClrLst/>
+  </dgm:styleLbl>
+  <dgm:styleLbl name="fgImgPlace1">
+    <dgm:fillClrLst meth="repeat">
+      <a:schemeClr val="dk2">
+        <a:tint val="50000"/>
+      </a:schemeClr>
+    </dgm:fillClrLst>
+    <dgm:linClrLst meth="repeat">
+      <a:schemeClr val="lt2"/>
+    </dgm:linClrLst>
+    <dgm:effectClrLst/>
+    <dgm:txLinClrLst/>
+    <dgm:txFillClrLst meth="repeat">
+      <a:schemeClr val="lt2"/>
+    </dgm:txFillClrLst>
+    <dgm:txEffectClrLst/>
+  </dgm:styleLbl>
+  <dgm:styleLbl name="alignImgPlace1">
+    <dgm:fillClrLst meth="repeat">
+      <a:schemeClr val="dk2">
+        <a:tint val="50000"/>
+      </a:schemeClr>
+    </dgm:fillClrLst>
+    <dgm:linClrLst meth="repeat">
+      <a:schemeClr val="dk2">
+        <a:shade val="80000"/>
+      </a:schemeClr>
+    </dgm:linClrLst>
+    <dgm:effectClrLst/>
+    <dgm:txLinClrLst/>
+    <dgm:txFillClrLst meth="repeat">
+      <a:schemeClr val="lt2"/>
+    </dgm:txFillClrLst>
+    <dgm:txEffectClrLst/>
+  </dgm:styleLbl>
+  <dgm:styleLbl name="bgImgPlace1">
+    <dgm:fillClrLst meth="repeat">
+      <a:schemeClr val="dk2">
+        <a:tint val="50000"/>
+      </a:schemeClr>
+    </dgm:fillClrLst>
+    <dgm:linClrLst meth="repeat">
+      <a:schemeClr val="dk2">
+        <a:shade val="80000"/>
+      </a:schemeClr>
+    </dgm:linClrLst>
+    <dgm:effectClrLst/>
+    <dgm:txLinClrLst/>
+    <dgm:txFillClrLst meth="repeat">
+      <a:schemeClr val="lt2"/>
+    </dgm:txFillClrLst>
+    <dgm:txEffectClrLst/>
+  </dgm:styleLbl>
+  <dgm:styleLbl name="sibTrans2D1">
+    <dgm:fillClrLst meth="repeat">
+      <a:schemeClr val="dk2">
+        <a:tint val="60000"/>
+      </a:schemeClr>
+    </dgm:fillClrLst>
+    <dgm:linClrLst meth="repeat">
+      <a:schemeClr val="dk2">
+        <a:tint val="60000"/>
+      </a:schemeClr>
+    </dgm:linClrLst>
+    <dgm:effectClrLst/>
+    <dgm:txLinClrLst/>
+    <dgm:txFillClrLst/>
+    <dgm:txEffectClrLst/>
+  </dgm:styleLbl>
+  <dgm:styleLbl name="fgSibTrans2D1">
+    <dgm:fillClrLst meth="repeat">
+      <a:schemeClr val="dk2">
+        <a:tint val="60000"/>
+      </a:schemeClr>
+    </dgm:fillClrLst>
+    <dgm:linClrLst meth="repeat">
+      <a:schemeClr val="dk2">
+        <a:tint val="60000"/>
+      </a:schemeClr>
+    </dgm:linClrLst>
+    <dgm:effectClrLst/>
+    <dgm:txLinClrLst/>
+    <dgm:txFillClrLst/>
+    <dgm:txEffectClrLst/>
+  </dgm:styleLbl>
+  <dgm:styleLbl name="bgSibTrans2D1">
+    <dgm:fillClrLst meth="repeat">
+      <a:schemeClr val="dk2">
+        <a:tint val="60000"/>
+      </a:schemeClr>
+    </dgm:fillClrLst>
+    <dgm:linClrLst meth="repeat">
+      <a:schemeClr val="dk2">
+        <a:tint val="60000"/>
+      </a:schemeClr>
+    </dgm:linClrLst>
+    <dgm:effectClrLst/>
+    <dgm:txLinClrLst/>
+    <dgm:txFillClrLst/>
+    <dgm:txEffectClrLst/>
+  </dgm:styleLbl>
+  <dgm:styleLbl name="sibTrans1D1">
+    <dgm:fillClrLst meth="repeat">
+      <a:schemeClr val="dk2"/>
+    </dgm:fillClrLst>
+    <dgm:linClrLst meth="repeat">
+      <a:schemeClr val="dk2"/>
+    </dgm:linClrLst>
+    <dgm:effectClrLst/>
+    <dgm:txLinClrLst/>
+    <dgm:txFillClrLst meth="repeat">
+      <a:schemeClr val="lt2"/>
+    </dgm:txFillClrLst>
+    <dgm:txEffectClrLst/>
+  </dgm:styleLbl>
+  <dgm:styleLbl name="callout">
+    <dgm:fillClrLst meth="repeat">
+      <a:schemeClr val="dk2"/>
+    </dgm:fillClrLst>
+    <dgm:linClrLst meth="repeat">
+      <a:schemeClr val="dk2">
+        <a:tint val="50000"/>
+      </a:schemeClr>
+    </dgm:linClrLst>
+    <dgm:effectClrLst/>
+    <dgm:txLinClrLst/>
+    <dgm:txFillClrLst meth="repeat">
+      <a:schemeClr val="lt2"/>
+    </dgm:txFillClrLst>
+    <dgm:txEffectClrLst/>
+  </dgm:styleLbl>
+  <dgm:styleLbl name="asst0">
+    <dgm:fillClrLst meth="repeat">
+      <a:schemeClr val="dk2"/>
+    </dgm:fillClrLst>
+    <dgm:linClrLst meth="repeat">
+      <a:schemeClr val="lt2"/>
+    </dgm:linClrLst>
+    <dgm:effectClrLst/>
+    <dgm:txLinClrLst/>
+    <dgm:txFillClrLst/>
+    <dgm:txEffectClrLst/>
+  </dgm:styleLbl>
+  <dgm:styleLbl name="asst1">
+    <dgm:fillClrLst meth="repeat">
+      <a:schemeClr val="dk2"/>
+    </dgm:fillClrLst>
+    <dgm:linClrLst meth="repeat">
+      <a:schemeClr val="lt2"/>
+    </dgm:linClrLst>
+    <dgm:effectClrLst/>
+    <dgm:txLinClrLst/>
+    <dgm:txFillClrLst/>
+    <dgm:txEffectClrLst/>
+  </dgm:styleLbl>
+  <dgm:styleLbl name="asst2">
+    <dgm:fillClrLst meth="repeat">
+      <a:schemeClr val="dk2"/>
+    </dgm:fillClrLst>
+    <dgm:linClrLst meth="repeat">
+      <a:schemeClr val="lt2"/>
+    </dgm:linClrLst>
+    <dgm:effectClrLst/>
+    <dgm:txLinClrLst/>
+    <dgm:txFillClrLst/>
+    <dgm:txEffectClrLst/>
+  </dgm:styleLbl>
+  <dgm:styleLbl name="asst3">
+    <dgm:fillClrLst meth="repeat">
+      <a:schemeClr val="dk2"/>
+    </dgm:fillClrLst>
+    <dgm:linClrLst meth="repeat">
+      <a:schemeClr val="lt2"/>
+    </dgm:linClrLst>
+    <dgm:effectClrLst/>
+    <dgm:txLinClrLst/>
+    <dgm:txFillClrLst/>
+    <dgm:txEffectClrLst/>
+  </dgm:styleLbl>
+  <dgm:styleLbl name="asst4">
+    <dgm:fillClrLst meth="repeat">
+      <a:schemeClr val="dk2"/>
+    </dgm:fillClrLst>
+    <dgm:linClrLst meth="repeat">
+      <a:schemeClr val="lt2"/>
+    </dgm:linClrLst>
+    <dgm:effectClrLst/>
+    <dgm:txLinClrLst/>
+    <dgm:txFillClrLst/>
+    <dgm:txEffectClrLst/>
+  </dgm:styleLbl>
+  <dgm:styleLbl name="parChTrans2D1">
+    <dgm:fillClrLst meth="repeat">
+      <a:schemeClr val="dk2">
+        <a:tint val="60000"/>
+      </a:schemeClr>
+    </dgm:fillClrLst>
+    <dgm:linClrLst meth="repeat">
+      <a:schemeClr val="dk2">
+        <a:tint val="60000"/>
+      </a:schemeClr>
+    </dgm:linClrLst>
+    <dgm:effectClrLst/>
+    <dgm:txLinClrLst/>
+    <dgm:txFillClrLst meth="repeat">
+      <a:schemeClr val="lt2"/>
+    </dgm:txFillClrLst>
+    <dgm:txEffectClrLst/>
+  </dgm:styleLbl>
+  <dgm:styleLbl name="parChTrans2D2">
+    <dgm:fillClrLst meth="repeat">
+      <a:schemeClr val="dk2"/>
+    </dgm:fillClrLst>
+    <dgm:linClrLst meth="repeat">
+      <a:schemeClr val="dk2"/>
+    </dgm:linClrLst>
+    <dgm:effectClrLst/>
+    <dgm:txLinClrLst/>
+    <dgm:txFillClrLst meth="repeat">
+      <a:schemeClr val="lt2"/>
+    </dgm:txFillClrLst>
+    <dgm:txEffectClrLst/>
+  </dgm:styleLbl>
+  <dgm:styleLbl name="parChTrans2D3">
+    <dgm:fillClrLst meth="repeat">
+      <a:schemeClr val="dk2"/>
+    </dgm:fillClrLst>
+    <dgm:linClrLst meth="repeat">
+      <a:schemeClr val="dk2"/>
+    </dgm:linClrLst>
+    <dgm:effectClrLst/>
+    <dgm:txLinClrLst/>
+    <dgm:txFillClrLst meth="repeat">
+      <a:schemeClr val="lt2"/>
+    </dgm:txFillClrLst>
+    <dgm:txEffectClrLst/>
+  </dgm:styleLbl>
+  <dgm:styleLbl name="parChTrans2D4">
+    <dgm:fillClrLst meth="repeat">
+      <a:schemeClr val="dk2"/>
+    </dgm:fillClrLst>
+    <dgm:linClrLst meth="repeat">
+      <a:schemeClr val="dk2"/>
+    </dgm:linClrLst>
+    <dgm:effectClrLst/>
+    <dgm:txLinClrLst/>
+    <dgm:txFillClrLst meth="repeat">
+      <a:schemeClr val="lt2"/>
+    </dgm:txFillClrLst>
+    <dgm:txEffectClrLst/>
+  </dgm:styleLbl>
+  <dgm:styleLbl name="parChTrans1D1">
+    <dgm:fillClrLst meth="repeat">
+      <a:schemeClr val="dk2"/>
+    </dgm:fillClrLst>
+    <dgm:linClrLst meth="repeat">
+      <a:schemeClr val="dk2">
+        <a:shade val="60000"/>
+      </a:schemeClr>
+    </dgm:linClrLst>
+    <dgm:effectClrLst/>
+    <dgm:txLinClrLst/>
+    <dgm:txFillClrLst meth="repeat">
+      <a:schemeClr val="tx1"/>
+    </dgm:txFillClrLst>
+    <dgm:txEffectClrLst/>
+  </dgm:styleLbl>
+  <dgm:styleLbl name="parChTrans1D2">
+    <dgm:fillClrLst meth="repeat">
+      <a:schemeClr val="dk2"/>
+    </dgm:fillClrLst>
+    <dgm:linClrLst meth="repeat">
+      <a:schemeClr val="dk2">
+        <a:shade val="60000"/>
+      </a:schemeClr>
+    </dgm:linClrLst>
+    <dgm:effectClrLst/>
+    <dgm:txLinClrLst/>
+    <dgm:txFillClrLst meth="repeat">
+      <a:schemeClr val="tx1"/>
+    </dgm:txFillClrLst>
+    <dgm:txEffectClrLst/>
+  </dgm:styleLbl>
+  <dgm:styleLbl name="parChTrans1D3">
+    <dgm:fillClrLst meth="repeat">
+      <a:schemeClr val="dk2"/>
+    </dgm:fillClrLst>
+    <dgm:linClrLst meth="repeat">
+      <a:schemeClr val="dk2">
+        <a:shade val="80000"/>
+      </a:schemeClr>
+    </dgm:linClrLst>
+    <dgm:effectClrLst/>
+    <dgm:txLinClrLst/>
+    <dgm:txFillClrLst meth="repeat">
+      <a:schemeClr val="tx1"/>
+    </dgm:txFillClrLst>
+    <dgm:txEffectClrLst/>
+  </dgm:styleLbl>
+  <dgm:styleLbl name="parChTrans1D4">
+    <dgm:fillClrLst meth="repeat">
+      <a:schemeClr val="dk2"/>
+    </dgm:fillClrLst>
+    <dgm:linClrLst meth="repeat">
+      <a:schemeClr val="dk2">
+        <a:shade val="80000"/>
+      </a:schemeClr>
+    </dgm:linClrLst>
+    <dgm:effectClrLst/>
+    <dgm:txLinClrLst/>
+    <dgm:txFillClrLst meth="repeat">
+      <a:schemeClr val="tx1"/>
+    </dgm:txFillClrLst>
+    <dgm:txEffectClrLst/>
+  </dgm:styleLbl>
+  <dgm:styleLbl name="fgAcc1">
+    <dgm:fillClrLst meth="repeat">
+      <a:schemeClr val="lt2">
+        <a:alpha val="90000"/>
+      </a:schemeClr>
+    </dgm:fillClrLst>
+    <dgm:linClrLst meth="repeat">
+      <a:schemeClr val="dk2"/>
+    </dgm:linClrLst>
+    <dgm:effectClrLst/>
+    <dgm:txLinClrLst/>
+    <dgm:txFillClrLst meth="repeat">
+      <a:schemeClr val="dk1"/>
+    </dgm:txFillClrLst>
+    <dgm:txEffectClrLst/>
+  </dgm:styleLbl>
+  <dgm:styleLbl name="conFgAcc1">
+    <dgm:fillClrLst meth="repeat">
+      <a:schemeClr val="lt2">
+        <a:alpha val="90000"/>
+      </a:schemeClr>
+    </dgm:fillClrLst>
+    <dgm:linClrLst meth="repeat">
+      <a:schemeClr val="dk2"/>
+    </dgm:linClrLst>
+    <dgm:effectClrLst/>
+    <dgm:txLinClrLst/>
+    <dgm:txFillClrLst meth="repeat">
+      <a:schemeClr val="dk1"/>
+    </dgm:txFillClrLst>
+    <dgm:txEffectClrLst/>
+  </dgm:styleLbl>
+  <dgm:styleLbl name="alignAcc1">
+    <dgm:fillClrLst meth="repeat">
+      <a:schemeClr val="lt2">
+        <a:alpha val="90000"/>
+      </a:schemeClr>
+    </dgm:fillClrLst>
+    <dgm:linClrLst meth="repeat">
+      <a:schemeClr val="dk2"/>
+    </dgm:linClrLst>
+    <dgm:effectClrLst/>
+    <dgm:txLinClrLst/>
+    <dgm:txFillClrLst meth="repeat">
+      <a:schemeClr val="dk1"/>
+    </dgm:txFillClrLst>
+    <dgm:txEffectClrLst/>
+  </dgm:styleLbl>
+  <dgm:styleLbl name="trAlignAcc1">
+    <dgm:fillClrLst meth="repeat">
+      <a:schemeClr val="lt2">
+        <a:alpha val="40000"/>
+      </a:schemeClr>
+    </dgm:fillClrLst>
+    <dgm:linClrLst meth="repeat">
+      <a:schemeClr val="dk2"/>
+    </dgm:linClrLst>
+    <dgm:effectClrLst/>
+    <dgm:txLinClrLst/>
+    <dgm:txFillClrLst meth="repeat">
+      <a:schemeClr val="dk1"/>
+    </dgm:txFillClrLst>
+    <dgm:txEffectClrLst/>
+  </dgm:styleLbl>
+  <dgm:styleLbl name="bgAcc1">
+    <dgm:fillClrLst meth="repeat">
+      <a:schemeClr val="lt2">
+        <a:alpha val="90000"/>
+      </a:schemeClr>
+    </dgm:fillClrLst>
+    <dgm:linClrLst meth="repeat">
+      <a:schemeClr val="dk2"/>
+    </dgm:linClrLst>
+    <dgm:effectClrLst/>
+    <dgm:txLinClrLst/>
+    <dgm:txFillClrLst meth="repeat">
+      <a:schemeClr val="dk1"/>
+    </dgm:txFillClrLst>
+    <dgm:txEffectClrLst/>
+  </dgm:styleLbl>
+  <dgm:styleLbl name="solidFgAcc1">
+    <dgm:fillClrLst meth="repeat">
+      <a:schemeClr val="lt2"/>
+    </dgm:fillClrLst>
+    <dgm:linClrLst meth="repeat">
+      <a:schemeClr val="dk2"/>
+    </dgm:linClrLst>
+    <dgm:effectClrLst/>
+    <dgm:txLinClrLst/>
+    <dgm:txFillClrLst meth="repeat">
+      <a:schemeClr val="dk1"/>
+    </dgm:txFillClrLst>
+    <dgm:txEffectClrLst/>
+  </dgm:styleLbl>
+  <dgm:styleLbl name="solidAlignAcc1">
+    <dgm:fillClrLst meth="repeat">
+      <a:schemeClr val="lt2"/>
+    </dgm:fillClrLst>
+    <dgm:linClrLst meth="repeat">
+      <a:schemeClr val="dk2"/>
+    </dgm:linClrLst>
+    <dgm:effectClrLst/>
+    <dgm:txLinClrLst/>
+    <dgm:txFillClrLst meth="repeat">
+      <a:schemeClr val="dk1"/>
+    </dgm:txFillClrLst>
+    <dgm:txEffectClrLst/>
+  </dgm:styleLbl>
+  <dgm:styleLbl name="solidBgAcc1">
+    <dgm:fillClrLst meth="repeat">
+      <a:schemeClr val="lt2"/>
+    </dgm:fillClrLst>
+    <dgm:linClrLst meth="repeat">
+      <a:schemeClr val="dk2"/>
+    </dgm:linClrLst>
+    <dgm:effectClrLst/>
+    <dgm:txLinClrLst/>
+    <dgm:txFillClrLst meth="repeat">
+      <a:schemeClr val="dk1"/>
+    </dgm:txFillClrLst>
+    <dgm:txEffectClrLst/>
+  </dgm:styleLbl>
+  <dgm:styleLbl name="fgAccFollowNode1">
+    <dgm:fillClrLst meth="repeat">
+      <a:schemeClr val="dk2">
+        <a:alpha val="90000"/>
+        <a:tint val="40000"/>
+      </a:schemeClr>
+    </dgm:fillClrLst>
+    <dgm:linClrLst meth="repeat">
+      <a:schemeClr val="dk2">
+        <a:alpha val="90000"/>
+        <a:tint val="40000"/>
+      </a:schemeClr>
+    </dgm:linClrLst>
+    <dgm:effectClrLst/>
+    <dgm:txLinClrLst/>
+    <dgm:txFillClrLst meth="repeat">
+      <a:schemeClr val="dk1"/>
+    </dgm:txFillClrLst>
+    <dgm:txEffectClrLst/>
+  </dgm:styleLbl>
+  <dgm:styleLbl name="alignAccFollowNode1">
+    <dgm:fillClrLst meth="repeat">
+      <a:schemeClr val="dk2">
+        <a:alpha val="90000"/>
+        <a:tint val="40000"/>
+      </a:schemeClr>
+    </dgm:fillClrLst>
+    <dgm:linClrLst meth="repeat">
+      <a:schemeClr val="dk2">
+        <a:alpha val="90000"/>
+        <a:tint val="40000"/>
+      </a:schemeClr>
+    </dgm:linClrLst>
+    <dgm:effectClrLst/>
+    <dgm:txLinClrLst/>
+    <dgm:txFillClrLst meth="repeat">
+      <a:schemeClr val="dk1"/>
+    </dgm:txFillClrLst>
+    <dgm:txEffectClrLst/>
+  </dgm:styleLbl>
+  <dgm:styleLbl name="bgAccFollowNode1">
+    <dgm:fillClrLst meth="repeat">
+      <a:schemeClr val="dk2">
+        <a:alpha val="90000"/>
+        <a:tint val="40000"/>
+      </a:schemeClr>
+    </dgm:fillClrLst>
+    <dgm:linClrLst meth="repeat">
+      <a:schemeClr val="dk2">
+        <a:alpha val="90000"/>
+        <a:tint val="40000"/>
+      </a:schemeClr>
+    </dgm:linClrLst>
+    <dgm:effectClrLst/>
+    <dgm:txLinClrLst/>
+    <dgm:txFillClrLst meth="repeat">
+      <a:schemeClr val="dk1"/>
+    </dgm:txFillClrLst>
+    <dgm:txEffectClrLst/>
+  </dgm:styleLbl>
+  <dgm:styleLbl name="fgAcc0">
+    <dgm:fillClrLst meth="repeat">
+      <a:schemeClr val="lt2">
+        <a:alpha val="90000"/>
+      </a:schemeClr>
+    </dgm:fillClrLst>
+    <dgm:linClrLst meth="repeat">
+      <a:schemeClr val="dk2"/>
+    </dgm:linClrLst>
+    <dgm:effectClrLst/>
+    <dgm:txLinClrLst/>
+    <dgm:txFillClrLst meth="repeat">
+      <a:schemeClr val="dk1"/>
+    </dgm:txFillClrLst>
+    <dgm:txEffectClrLst/>
+  </dgm:styleLbl>
+  <dgm:styleLbl name="fgAcc2">
+    <dgm:fillClrLst meth="repeat">
+      <a:schemeClr val="lt2">
+        <a:alpha val="90000"/>
+      </a:schemeClr>
+    </dgm:fillClrLst>
+    <dgm:linClrLst meth="repeat">
+      <a:schemeClr val="dk2"/>
+    </dgm:linClrLst>
+    <dgm:effectClrLst/>
+    <dgm:txLinClrLst/>
+    <dgm:txFillClrLst meth="repeat">
+      <a:schemeClr val="dk1"/>
+    </dgm:txFillClrLst>
+    <dgm:txEffectClrLst/>
+  </dgm:styleLbl>
+  <dgm:styleLbl name="fgAcc3">
+    <dgm:fillClrLst meth="repeat">
+      <a:schemeClr val="lt2">
+        <a:alpha val="90000"/>
+      </a:schemeClr>
+    </dgm:fillClrLst>
+    <dgm:linClrLst meth="repeat">
+      <a:schemeClr val="dk2"/>
+    </dgm:linClrLst>
+    <dgm:effectClrLst/>
+    <dgm:txLinClrLst/>
+    <dgm:txFillClrLst meth="repeat">
+      <a:schemeClr val="dk1"/>
+    </dgm:txFillClrLst>
+    <dgm:txEffectClrLst/>
+  </dgm:styleLbl>
+  <dgm:styleLbl name="fgAcc4">
+    <dgm:fillClrLst meth="repeat">
+      <a:schemeClr val="lt2">
+        <a:alpha val="90000"/>
+      </a:schemeClr>
+    </dgm:fillClrLst>
+    <dgm:linClrLst meth="repeat">
+      <a:schemeClr val="dk2"/>
+    </dgm:linClrLst>
+    <dgm:effectClrLst/>
+    <dgm:txLinClrLst/>
+    <dgm:txFillClrLst meth="repeat">
+      <a:schemeClr val="dk1"/>
+    </dgm:txFillClrLst>
+    <dgm:txEffectClrLst/>
+  </dgm:styleLbl>
+  <dgm:styleLbl name="bgShp">
+    <dgm:fillClrLst meth="repeat">
+      <a:schemeClr val="dk2">
+        <a:tint val="40000"/>
+      </a:schemeClr>
+    </dgm:fillClrLst>
+    <dgm:linClrLst meth="repeat">
+      <a:schemeClr val="dk2"/>
+    </dgm:linClrLst>
+    <dgm:effectClrLst/>
+    <dgm:txLinClrLst/>
+    <dgm:txFillClrLst meth="repeat">
+      <a:schemeClr val="dk1"/>
+    </dgm:txFillClrLst>
+    <dgm:txEffectClrLst/>
+  </dgm:styleLbl>
+  <dgm:styleLbl name="dkBgShp">
+    <dgm:fillClrLst meth="repeat">
+      <a:schemeClr val="dk2">
+        <a:shade val="80000"/>
+      </a:schemeClr>
+    </dgm:fillClrLst>
+    <dgm:linClrLst meth="repeat">
+      <a:schemeClr val="dk2"/>
+    </dgm:linClrLst>
+    <dgm:effectClrLst/>
+    <dgm:txLinClrLst/>
+    <dgm:txFillClrLst meth="repeat">
+      <a:schemeClr val="lt1"/>
+    </dgm:txFillClrLst>
+    <dgm:txEffectClrLst/>
+  </dgm:styleLbl>
+  <dgm:styleLbl name="trBgShp">
+    <dgm:fillClrLst meth="repeat">
+      <a:schemeClr val="dk2">
+        <a:tint val="50000"/>
+        <a:alpha val="40000"/>
+      </a:schemeClr>
+    </dgm:fillClrLst>
+    <dgm:linClrLst meth="repeat">
+      <a:schemeClr val="dk2"/>
+    </dgm:linClrLst>
+    <dgm:effectClrLst/>
+    <dgm:txLinClrLst/>
+    <dgm:txFillClrLst meth="repeat">
+      <a:schemeClr val="lt1"/>
+    </dgm:txFillClrLst>
+    <dgm:txEffectClrLst/>
+  </dgm:styleLbl>
+  <dgm:styleLbl name="fgShp">
+    <dgm:fillClrLst meth="repeat">
+      <a:schemeClr val="dk2">
+        <a:tint val="60000"/>
+      </a:schemeClr>
+    </dgm:fillClrLst>
+    <dgm:linClrLst meth="repeat">
+      <a:schemeClr val="lt2"/>
+    </dgm:linClrLst>
+    <dgm:effectClrLst/>
+    <dgm:txLinClrLst/>
+    <dgm:txFillClrLst meth="repeat">
+      <a:schemeClr val="dk1"/>
+    </dgm:txFillClrLst>
+    <dgm:txEffectClrLst/>
+  </dgm:styleLbl>
+  <dgm:styleLbl name="revTx">
+    <dgm:fillClrLst meth="repeat">
+      <a:schemeClr val="lt2">
+        <a:alpha val="0"/>
+      </a:schemeClr>
+    </dgm:fillClrLst>
+    <dgm:linClrLst meth="repeat">
+      <a:schemeClr val="dk1">
+        <a:alpha val="0"/>
+      </a:schemeClr>
+    </dgm:linClrLst>
+    <dgm:effectClrLst/>
+    <dgm:txLinClrLst/>
+    <dgm:txFillClrLst meth="repeat">
+      <a:schemeClr val="tx1"/>
+    </dgm:txFillClrLst>
+    <dgm:txEffectClrLst/>
+  </dgm:styleLbl>
+</dgm:colorsDef>
+</file>
+
+<file path=ppt/diagrams/data1.xml><?xml version="1.0" encoding="utf-8"?>
+<dgm:dataModel xmlns:dgm="http://schemas.openxmlformats.org/drawingml/2006/diagram" xmlns:a="http://schemas.openxmlformats.org/drawingml/2006/main">
+  <dgm:ptLst>
+    <dgm:pt modelId="{66972B8E-A663-4262-B47D-06FA78B80027}" type="doc">
+      <dgm:prSet loTypeId="urn:microsoft.com/office/officeart/2005/8/layout/vList2" loCatId="list" qsTypeId="urn:microsoft.com/office/officeart/2005/8/quickstyle/simple1" qsCatId="simple" csTypeId="urn:microsoft.com/office/officeart/2005/8/colors/accent3_4" csCatId="accent3"/>
+      <dgm:spPr/>
+      <dgm:t>
+        <a:bodyPr/>
+        <a:lstStyle/>
+        <a:p>
+          <a:endParaRPr lang="zh-TW" altLang="en-US"/>
+        </a:p>
+      </dgm:t>
+    </dgm:pt>
+    <dgm:pt modelId="{5892A66C-4C58-4706-B15F-E00200D67969}">
+      <dgm:prSet/>
+      <dgm:spPr/>
+      <dgm:t>
+        <a:bodyPr/>
+        <a:lstStyle/>
+        <a:p>
+          <a:pPr algn="ctr" rtl="0"/>
+          <a:r>
+            <a:rPr lang="en-US" smtClean="0"/>
+            <a:t>CONTENT</a:t>
+          </a:r>
+          <a:endParaRPr lang="zh-TW"/>
+        </a:p>
+      </dgm:t>
+    </dgm:pt>
+    <dgm:pt modelId="{369A40C9-2E68-46CD-A81C-DD1C6FF282C1}" type="parTrans" cxnId="{DB752448-1316-4C68-BA00-42D501798AAE}">
+      <dgm:prSet/>
+      <dgm:spPr/>
+      <dgm:t>
+        <a:bodyPr/>
+        <a:lstStyle/>
+        <a:p>
+          <a:endParaRPr lang="zh-TW" altLang="en-US"/>
+        </a:p>
+      </dgm:t>
+    </dgm:pt>
+    <dgm:pt modelId="{89475EAC-2D52-45F1-85D1-DB458C24D176}" type="sibTrans" cxnId="{DB752448-1316-4C68-BA00-42D501798AAE}">
+      <dgm:prSet/>
+      <dgm:spPr/>
+      <dgm:t>
+        <a:bodyPr/>
+        <a:lstStyle/>
+        <a:p>
+          <a:endParaRPr lang="zh-TW" altLang="en-US"/>
+        </a:p>
+      </dgm:t>
+    </dgm:pt>
+    <dgm:pt modelId="{E59BC148-9A86-4E6F-BFAD-27F78A8E76C4}" type="pres">
+      <dgm:prSet presAssocID="{66972B8E-A663-4262-B47D-06FA78B80027}" presName="linear" presStyleCnt="0">
+        <dgm:presLayoutVars>
+          <dgm:animLvl val="lvl"/>
+          <dgm:resizeHandles val="exact"/>
+        </dgm:presLayoutVars>
+      </dgm:prSet>
+      <dgm:spPr/>
+    </dgm:pt>
+    <dgm:pt modelId="{224B8DAE-B536-4688-8CA7-A36A94A0A869}" type="pres">
+      <dgm:prSet presAssocID="{5892A66C-4C58-4706-B15F-E00200D67969}" presName="parentText" presStyleLbl="node1" presStyleIdx="0" presStyleCnt="1" custLinFactNeighborY="45706">
+        <dgm:presLayoutVars>
+          <dgm:chMax val="0"/>
+          <dgm:bulletEnabled val="1"/>
+        </dgm:presLayoutVars>
+      </dgm:prSet>
+      <dgm:spPr/>
+    </dgm:pt>
+  </dgm:ptLst>
+  <dgm:cxnLst>
+    <dgm:cxn modelId="{DB752448-1316-4C68-BA00-42D501798AAE}" srcId="{66972B8E-A663-4262-B47D-06FA78B80027}" destId="{5892A66C-4C58-4706-B15F-E00200D67969}" srcOrd="0" destOrd="0" parTransId="{369A40C9-2E68-46CD-A81C-DD1C6FF282C1}" sibTransId="{89475EAC-2D52-45F1-85D1-DB458C24D176}"/>
+    <dgm:cxn modelId="{BF76B578-6CED-4D1F-BC05-68C84B91B670}" type="presOf" srcId="{5892A66C-4C58-4706-B15F-E00200D67969}" destId="{224B8DAE-B536-4688-8CA7-A36A94A0A869}" srcOrd="0" destOrd="0" presId="urn:microsoft.com/office/officeart/2005/8/layout/vList2"/>
+    <dgm:cxn modelId="{880D1567-369E-4395-A5FA-24334D4ECC57}" type="presOf" srcId="{66972B8E-A663-4262-B47D-06FA78B80027}" destId="{E59BC148-9A86-4E6F-BFAD-27F78A8E76C4}" srcOrd="0" destOrd="0" presId="urn:microsoft.com/office/officeart/2005/8/layout/vList2"/>
+    <dgm:cxn modelId="{273215FC-4B7D-436F-A268-1C45BD755D1C}" type="presParOf" srcId="{E59BC148-9A86-4E6F-BFAD-27F78A8E76C4}" destId="{224B8DAE-B536-4688-8CA7-A36A94A0A869}" srcOrd="0" destOrd="0" presId="urn:microsoft.com/office/officeart/2005/8/layout/vList2"/>
+  </dgm:cxnLst>
+  <dgm:bg/>
+  <dgm:whole/>
+  <dgm:extLst>
+    <a:ext uri="http://schemas.microsoft.com/office/drawing/2008/diagram">
+      <dsp:dataModelExt xmlns:dsp="http://schemas.microsoft.com/office/drawing/2008/diagram" relId="rId7" minVer="http://schemas.openxmlformats.org/drawingml/2006/diagram"/>
+    </a:ext>
+  </dgm:extLst>
+</dgm:dataModel>
+</file>
+
+<file path=ppt/diagrams/data2.xml><?xml version="1.0" encoding="utf-8"?>
+<dgm:dataModel xmlns:dgm="http://schemas.openxmlformats.org/drawingml/2006/diagram" xmlns:a="http://schemas.openxmlformats.org/drawingml/2006/main">
+  <dgm:ptLst>
+    <dgm:pt modelId="{5905036A-3B31-4AEF-A4F4-2026B345C5B9}" type="doc">
+      <dgm:prSet loTypeId="urn:microsoft.com/office/officeart/2008/layout/VerticalCurvedList" loCatId="list" qsTypeId="urn:microsoft.com/office/officeart/2005/8/quickstyle/simple5" qsCatId="simple" csTypeId="urn:microsoft.com/office/officeart/2005/8/colors/accent0_3" csCatId="mainScheme" phldr="1"/>
+      <dgm:spPr/>
+      <dgm:t>
+        <a:bodyPr/>
+        <a:lstStyle/>
+        <a:p>
+          <a:endParaRPr lang="zh-TW" altLang="en-US"/>
+        </a:p>
+      </dgm:t>
+    </dgm:pt>
+    <dgm:pt modelId="{266A6376-B606-47BF-8686-821D3BA5890C}">
+      <dgm:prSet phldrT="[文字]"/>
+      <dgm:spPr/>
+      <dgm:t>
+        <a:bodyPr/>
+        <a:lstStyle/>
+        <a:p>
+          <a:r>
+            <a:rPr lang="en-US" altLang="zh-TW" dirty="0" smtClean="0">
+              <a:latin typeface="Comic Sans MS" panose="030F0702030302020204" pitchFamily="66" charset="0"/>
+            </a:rPr>
+            <a:t>Introduction</a:t>
+          </a:r>
+          <a:endParaRPr lang="zh-TW" altLang="en-US" dirty="0">
+            <a:latin typeface="Comic Sans MS" panose="030F0702030302020204" pitchFamily="66" charset="0"/>
+          </a:endParaRPr>
+        </a:p>
+      </dgm:t>
+    </dgm:pt>
+    <dgm:pt modelId="{37A8DBCF-C21C-4195-B06E-A20EEED535B7}" type="parTrans" cxnId="{E3D59B6C-E917-4451-A358-97CDF847CE56}">
+      <dgm:prSet/>
+      <dgm:spPr/>
+      <dgm:t>
+        <a:bodyPr/>
+        <a:lstStyle/>
+        <a:p>
+          <a:endParaRPr lang="zh-TW" altLang="en-US"/>
+        </a:p>
+      </dgm:t>
+    </dgm:pt>
+    <dgm:pt modelId="{240F2D9F-0DFB-4E77-864B-DFD81F86F7D0}" type="sibTrans" cxnId="{E3D59B6C-E917-4451-A358-97CDF847CE56}">
+      <dgm:prSet/>
+      <dgm:spPr/>
+      <dgm:t>
+        <a:bodyPr/>
+        <a:lstStyle/>
+        <a:p>
+          <a:endParaRPr lang="zh-TW" altLang="en-US"/>
+        </a:p>
+      </dgm:t>
+    </dgm:pt>
+    <dgm:pt modelId="{3D63EA31-081D-4366-BFAB-D7FBD4101F2A}">
+      <dgm:prSet phldrT="[文字]"/>
+      <dgm:spPr/>
+      <dgm:t>
+        <a:bodyPr/>
+        <a:lstStyle/>
+        <a:p>
+          <a:r>
+            <a:rPr lang="en-US" altLang="zh-TW" dirty="0" smtClean="0">
+              <a:latin typeface="Comic Sans MS" panose="030F0702030302020204" pitchFamily="66" charset="0"/>
+            </a:rPr>
+            <a:t>Method</a:t>
+          </a:r>
+          <a:endParaRPr lang="zh-TW" altLang="en-US" dirty="0">
+            <a:latin typeface="Comic Sans MS" panose="030F0702030302020204" pitchFamily="66" charset="0"/>
+          </a:endParaRPr>
+        </a:p>
+      </dgm:t>
+    </dgm:pt>
+    <dgm:pt modelId="{5C6153CD-C07D-4802-B4E3-F8B36C1F878E}" type="parTrans" cxnId="{4C5EC3E7-E23D-473A-B1B0-C2D04A11BED6}">
+      <dgm:prSet/>
+      <dgm:spPr/>
+      <dgm:t>
+        <a:bodyPr/>
+        <a:lstStyle/>
+        <a:p>
+          <a:endParaRPr lang="zh-TW" altLang="en-US"/>
+        </a:p>
+      </dgm:t>
+    </dgm:pt>
+    <dgm:pt modelId="{27055166-AE81-4C9C-BA75-D6C964C98F8D}" type="sibTrans" cxnId="{4C5EC3E7-E23D-473A-B1B0-C2D04A11BED6}">
+      <dgm:prSet/>
+      <dgm:spPr/>
+      <dgm:t>
+        <a:bodyPr/>
+        <a:lstStyle/>
+        <a:p>
+          <a:endParaRPr lang="zh-TW" altLang="en-US"/>
+        </a:p>
+      </dgm:t>
+    </dgm:pt>
+    <dgm:pt modelId="{35DE9E69-488B-45B0-85ED-B51FEF496CB7}">
+      <dgm:prSet phldrT="[文字]"/>
+      <dgm:spPr/>
+      <dgm:t>
+        <a:bodyPr/>
+        <a:lstStyle/>
+        <a:p>
+          <a:r>
+            <a:rPr lang="en-US" altLang="zh-TW" dirty="0" smtClean="0">
+              <a:latin typeface="Comic Sans MS" panose="030F0702030302020204" pitchFamily="66" charset="0"/>
+            </a:rPr>
+            <a:t>Result</a:t>
+          </a:r>
+          <a:endParaRPr lang="zh-TW" altLang="en-US" dirty="0">
+            <a:latin typeface="Comic Sans MS" panose="030F0702030302020204" pitchFamily="66" charset="0"/>
+          </a:endParaRPr>
+        </a:p>
+      </dgm:t>
+    </dgm:pt>
+    <dgm:pt modelId="{6F151D5A-4957-4672-AA86-03B80978A7BD}" type="parTrans" cxnId="{DAAF2C2B-37B7-454B-94CB-F7436857F029}">
+      <dgm:prSet/>
+      <dgm:spPr/>
+      <dgm:t>
+        <a:bodyPr/>
+        <a:lstStyle/>
+        <a:p>
+          <a:endParaRPr lang="zh-TW" altLang="en-US"/>
+        </a:p>
+      </dgm:t>
+    </dgm:pt>
+    <dgm:pt modelId="{D228953E-7C1C-480E-B8AF-08D9F9A49664}" type="sibTrans" cxnId="{DAAF2C2B-37B7-454B-94CB-F7436857F029}">
+      <dgm:prSet/>
+      <dgm:spPr/>
+      <dgm:t>
+        <a:bodyPr/>
+        <a:lstStyle/>
+        <a:p>
+          <a:endParaRPr lang="zh-TW" altLang="en-US"/>
+        </a:p>
+      </dgm:t>
+    </dgm:pt>
+    <dgm:pt modelId="{A83BB204-0859-4E75-A0E9-73B2963DED79}">
+      <dgm:prSet/>
+      <dgm:spPr/>
+      <dgm:t>
+        <a:bodyPr/>
+        <a:lstStyle/>
+        <a:p>
+          <a:r>
+            <a:rPr lang="en-US" altLang="zh-TW" dirty="0" smtClean="0">
+              <a:latin typeface="Comic Sans MS" panose="030F0702030302020204" pitchFamily="66" charset="0"/>
+            </a:rPr>
+            <a:t>Discussion</a:t>
+          </a:r>
+          <a:endParaRPr lang="zh-TW" altLang="en-US" dirty="0">
+            <a:latin typeface="Comic Sans MS" panose="030F0702030302020204" pitchFamily="66" charset="0"/>
+          </a:endParaRPr>
+        </a:p>
+      </dgm:t>
+    </dgm:pt>
+    <dgm:pt modelId="{D76BDEFC-68F1-4C8A-858D-AF261756CD47}" type="parTrans" cxnId="{CC450F79-E8EF-431E-91A2-ADE5BC4650B4}">
+      <dgm:prSet/>
+      <dgm:spPr/>
+      <dgm:t>
+        <a:bodyPr/>
+        <a:lstStyle/>
+        <a:p>
+          <a:endParaRPr lang="zh-TW" altLang="en-US"/>
+        </a:p>
+      </dgm:t>
+    </dgm:pt>
+    <dgm:pt modelId="{249D3BB4-434E-46DA-BBD3-4F723FD73A01}" type="sibTrans" cxnId="{CC450F79-E8EF-431E-91A2-ADE5BC4650B4}">
+      <dgm:prSet/>
+      <dgm:spPr/>
+      <dgm:t>
+        <a:bodyPr/>
+        <a:lstStyle/>
+        <a:p>
+          <a:endParaRPr lang="zh-TW" altLang="en-US"/>
+        </a:p>
+      </dgm:t>
+    </dgm:pt>
+    <dgm:pt modelId="{F879FDDA-6BE3-4CA5-B49D-3F994057778C}" type="pres">
+      <dgm:prSet presAssocID="{5905036A-3B31-4AEF-A4F4-2026B345C5B9}" presName="Name0" presStyleCnt="0">
+        <dgm:presLayoutVars>
+          <dgm:chMax val="7"/>
+          <dgm:chPref val="7"/>
+          <dgm:dir/>
+        </dgm:presLayoutVars>
+      </dgm:prSet>
+      <dgm:spPr/>
+    </dgm:pt>
+    <dgm:pt modelId="{CF25BAA0-00D6-4DE7-8914-4608B0BD0178}" type="pres">
+      <dgm:prSet presAssocID="{5905036A-3B31-4AEF-A4F4-2026B345C5B9}" presName="Name1" presStyleCnt="0"/>
+      <dgm:spPr/>
+    </dgm:pt>
+    <dgm:pt modelId="{E8FC6E51-B2FF-466A-B7DE-7BA43E7EA2B1}" type="pres">
+      <dgm:prSet presAssocID="{5905036A-3B31-4AEF-A4F4-2026B345C5B9}" presName="cycle" presStyleCnt="0"/>
+      <dgm:spPr/>
+    </dgm:pt>
+    <dgm:pt modelId="{78A8E807-8CD7-4529-857D-2F5484547A13}" type="pres">
+      <dgm:prSet presAssocID="{5905036A-3B31-4AEF-A4F4-2026B345C5B9}" presName="srcNode" presStyleLbl="node1" presStyleIdx="0" presStyleCnt="4"/>
+      <dgm:spPr/>
+    </dgm:pt>
+    <dgm:pt modelId="{34EE4A1C-4C65-467F-8659-17F12CC88CD3}" type="pres">
+      <dgm:prSet presAssocID="{5905036A-3B31-4AEF-A4F4-2026B345C5B9}" presName="conn" presStyleLbl="parChTrans1D2" presStyleIdx="0" presStyleCnt="1"/>
+      <dgm:spPr/>
+    </dgm:pt>
+    <dgm:pt modelId="{96A1FF10-C91A-4D1F-9192-C83F7BEE62EC}" type="pres">
+      <dgm:prSet presAssocID="{5905036A-3B31-4AEF-A4F4-2026B345C5B9}" presName="extraNode" presStyleLbl="node1" presStyleIdx="0" presStyleCnt="4"/>
+      <dgm:spPr/>
+    </dgm:pt>
+    <dgm:pt modelId="{C298EC8C-E93A-4986-B682-C622C9482819}" type="pres">
+      <dgm:prSet presAssocID="{5905036A-3B31-4AEF-A4F4-2026B345C5B9}" presName="dstNode" presStyleLbl="node1" presStyleIdx="0" presStyleCnt="4"/>
+      <dgm:spPr/>
+    </dgm:pt>
+    <dgm:pt modelId="{BEEB0FD1-88CF-4C7C-AE6F-C908415B3C10}" type="pres">
+      <dgm:prSet presAssocID="{266A6376-B606-47BF-8686-821D3BA5890C}" presName="text_1" presStyleLbl="node1" presStyleIdx="0" presStyleCnt="4">
+        <dgm:presLayoutVars>
+          <dgm:bulletEnabled val="1"/>
+        </dgm:presLayoutVars>
+      </dgm:prSet>
+      <dgm:spPr/>
+    </dgm:pt>
+    <dgm:pt modelId="{F7147CC2-EEF2-45BA-ABBA-79666F876B24}" type="pres">
+      <dgm:prSet presAssocID="{266A6376-B606-47BF-8686-821D3BA5890C}" presName="accent_1" presStyleCnt="0"/>
+      <dgm:spPr/>
+    </dgm:pt>
+    <dgm:pt modelId="{F1E52652-9978-4135-B1F0-7E42022878EE}" type="pres">
+      <dgm:prSet presAssocID="{266A6376-B606-47BF-8686-821D3BA5890C}" presName="accentRepeatNode" presStyleLbl="solidFgAcc1" presStyleIdx="0" presStyleCnt="4"/>
+      <dgm:spPr/>
+    </dgm:pt>
+    <dgm:pt modelId="{7FF941B0-CD53-4926-8398-66360BC3C0C8}" type="pres">
+      <dgm:prSet presAssocID="{3D63EA31-081D-4366-BFAB-D7FBD4101F2A}" presName="text_2" presStyleLbl="node1" presStyleIdx="1" presStyleCnt="4">
+        <dgm:presLayoutVars>
+          <dgm:bulletEnabled val="1"/>
+        </dgm:presLayoutVars>
+      </dgm:prSet>
+      <dgm:spPr/>
+    </dgm:pt>
+    <dgm:pt modelId="{6286ED20-D1CE-4EE7-87CD-810EB4F7701D}" type="pres">
+      <dgm:prSet presAssocID="{3D63EA31-081D-4366-BFAB-D7FBD4101F2A}" presName="accent_2" presStyleCnt="0"/>
+      <dgm:spPr/>
+    </dgm:pt>
+    <dgm:pt modelId="{EF9566F5-82F3-4F56-94DB-288EBFC09A9B}" type="pres">
+      <dgm:prSet presAssocID="{3D63EA31-081D-4366-BFAB-D7FBD4101F2A}" presName="accentRepeatNode" presStyleLbl="solidFgAcc1" presStyleIdx="1" presStyleCnt="4"/>
+      <dgm:spPr/>
+    </dgm:pt>
+    <dgm:pt modelId="{6FCA90F5-EE65-4147-8E49-46060CDC601E}" type="pres">
+      <dgm:prSet presAssocID="{35DE9E69-488B-45B0-85ED-B51FEF496CB7}" presName="text_3" presStyleLbl="node1" presStyleIdx="2" presStyleCnt="4">
+        <dgm:presLayoutVars>
+          <dgm:bulletEnabled val="1"/>
+        </dgm:presLayoutVars>
+      </dgm:prSet>
+      <dgm:spPr/>
+      <dgm:t>
+        <a:bodyPr/>
+        <a:lstStyle/>
+        <a:p>
+          <a:endParaRPr lang="zh-TW" altLang="en-US"/>
+        </a:p>
+      </dgm:t>
+    </dgm:pt>
+    <dgm:pt modelId="{A060BF36-8156-4912-8191-AA5A1E24BA15}" type="pres">
+      <dgm:prSet presAssocID="{35DE9E69-488B-45B0-85ED-B51FEF496CB7}" presName="accent_3" presStyleCnt="0"/>
+      <dgm:spPr/>
+    </dgm:pt>
+    <dgm:pt modelId="{955D55E5-7D4A-42F5-B165-EF64A3BD2162}" type="pres">
+      <dgm:prSet presAssocID="{35DE9E69-488B-45B0-85ED-B51FEF496CB7}" presName="accentRepeatNode" presStyleLbl="solidFgAcc1" presStyleIdx="2" presStyleCnt="4"/>
+      <dgm:spPr/>
+    </dgm:pt>
+    <dgm:pt modelId="{336C7A07-16F4-4010-85A2-CD2458B16EBB}" type="pres">
+      <dgm:prSet presAssocID="{A83BB204-0859-4E75-A0E9-73B2963DED79}" presName="text_4" presStyleLbl="node1" presStyleIdx="3" presStyleCnt="4">
+        <dgm:presLayoutVars>
+          <dgm:bulletEnabled val="1"/>
+        </dgm:presLayoutVars>
+      </dgm:prSet>
+      <dgm:spPr/>
+    </dgm:pt>
+    <dgm:pt modelId="{2383D76D-8894-4FC4-B800-79F99F28BCC8}" type="pres">
+      <dgm:prSet presAssocID="{A83BB204-0859-4E75-A0E9-73B2963DED79}" presName="accent_4" presStyleCnt="0"/>
+      <dgm:spPr/>
+    </dgm:pt>
+    <dgm:pt modelId="{9153B626-9CA4-4578-8DC8-47961ECA54AB}" type="pres">
+      <dgm:prSet presAssocID="{A83BB204-0859-4E75-A0E9-73B2963DED79}" presName="accentRepeatNode" presStyleLbl="solidFgAcc1" presStyleIdx="3" presStyleCnt="4"/>
+      <dgm:spPr/>
+    </dgm:pt>
+  </dgm:ptLst>
+  <dgm:cxnLst>
+    <dgm:cxn modelId="{AC5DB5A2-2A6A-4142-A14C-659A59E08969}" type="presOf" srcId="{3D63EA31-081D-4366-BFAB-D7FBD4101F2A}" destId="{7FF941B0-CD53-4926-8398-66360BC3C0C8}" srcOrd="0" destOrd="0" presId="urn:microsoft.com/office/officeart/2008/layout/VerticalCurvedList"/>
+    <dgm:cxn modelId="{3A21F38B-2824-4526-99E8-9DA9302267C1}" type="presOf" srcId="{240F2D9F-0DFB-4E77-864B-DFD81F86F7D0}" destId="{34EE4A1C-4C65-467F-8659-17F12CC88CD3}" srcOrd="0" destOrd="0" presId="urn:microsoft.com/office/officeart/2008/layout/VerticalCurvedList"/>
+    <dgm:cxn modelId="{CC450F79-E8EF-431E-91A2-ADE5BC4650B4}" srcId="{5905036A-3B31-4AEF-A4F4-2026B345C5B9}" destId="{A83BB204-0859-4E75-A0E9-73B2963DED79}" srcOrd="3" destOrd="0" parTransId="{D76BDEFC-68F1-4C8A-858D-AF261756CD47}" sibTransId="{249D3BB4-434E-46DA-BBD3-4F723FD73A01}"/>
+    <dgm:cxn modelId="{35FB9AE4-40AE-49A3-BF97-F59B99AA847F}" type="presOf" srcId="{35DE9E69-488B-45B0-85ED-B51FEF496CB7}" destId="{6FCA90F5-EE65-4147-8E49-46060CDC601E}" srcOrd="0" destOrd="0" presId="urn:microsoft.com/office/officeart/2008/layout/VerticalCurvedList"/>
+    <dgm:cxn modelId="{37650B55-8479-4A19-8F26-1D495EC0190C}" type="presOf" srcId="{A83BB204-0859-4E75-A0E9-73B2963DED79}" destId="{336C7A07-16F4-4010-85A2-CD2458B16EBB}" srcOrd="0" destOrd="0" presId="urn:microsoft.com/office/officeart/2008/layout/VerticalCurvedList"/>
+    <dgm:cxn modelId="{5032D77B-F0C4-46B1-A2BD-51FE8A37A324}" type="presOf" srcId="{266A6376-B606-47BF-8686-821D3BA5890C}" destId="{BEEB0FD1-88CF-4C7C-AE6F-C908415B3C10}" srcOrd="0" destOrd="0" presId="urn:microsoft.com/office/officeart/2008/layout/VerticalCurvedList"/>
+    <dgm:cxn modelId="{DAAF2C2B-37B7-454B-94CB-F7436857F029}" srcId="{5905036A-3B31-4AEF-A4F4-2026B345C5B9}" destId="{35DE9E69-488B-45B0-85ED-B51FEF496CB7}" srcOrd="2" destOrd="0" parTransId="{6F151D5A-4957-4672-AA86-03B80978A7BD}" sibTransId="{D228953E-7C1C-480E-B8AF-08D9F9A49664}"/>
+    <dgm:cxn modelId="{E3D59B6C-E917-4451-A358-97CDF847CE56}" srcId="{5905036A-3B31-4AEF-A4F4-2026B345C5B9}" destId="{266A6376-B606-47BF-8686-821D3BA5890C}" srcOrd="0" destOrd="0" parTransId="{37A8DBCF-C21C-4195-B06E-A20EEED535B7}" sibTransId="{240F2D9F-0DFB-4E77-864B-DFD81F86F7D0}"/>
+    <dgm:cxn modelId="{4C5EC3E7-E23D-473A-B1B0-C2D04A11BED6}" srcId="{5905036A-3B31-4AEF-A4F4-2026B345C5B9}" destId="{3D63EA31-081D-4366-BFAB-D7FBD4101F2A}" srcOrd="1" destOrd="0" parTransId="{5C6153CD-C07D-4802-B4E3-F8B36C1F878E}" sibTransId="{27055166-AE81-4C9C-BA75-D6C964C98F8D}"/>
+    <dgm:cxn modelId="{0D6DC3E3-510F-472D-B15D-A52E6785BAFD}" type="presOf" srcId="{5905036A-3B31-4AEF-A4F4-2026B345C5B9}" destId="{F879FDDA-6BE3-4CA5-B49D-3F994057778C}" srcOrd="0" destOrd="0" presId="urn:microsoft.com/office/officeart/2008/layout/VerticalCurvedList"/>
+    <dgm:cxn modelId="{4AD854E2-AE59-4C5E-9366-115E06EFABEC}" type="presParOf" srcId="{F879FDDA-6BE3-4CA5-B49D-3F994057778C}" destId="{CF25BAA0-00D6-4DE7-8914-4608B0BD0178}" srcOrd="0" destOrd="0" presId="urn:microsoft.com/office/officeart/2008/layout/VerticalCurvedList"/>
+    <dgm:cxn modelId="{6EA53A8F-BA88-491E-8CA7-D3DF3D123CC4}" type="presParOf" srcId="{CF25BAA0-00D6-4DE7-8914-4608B0BD0178}" destId="{E8FC6E51-B2FF-466A-B7DE-7BA43E7EA2B1}" srcOrd="0" destOrd="0" presId="urn:microsoft.com/office/officeart/2008/layout/VerticalCurvedList"/>
+    <dgm:cxn modelId="{77C017F8-25AC-43A2-B479-64240D2B2A2D}" type="presParOf" srcId="{E8FC6E51-B2FF-466A-B7DE-7BA43E7EA2B1}" destId="{78A8E807-8CD7-4529-857D-2F5484547A13}" srcOrd="0" destOrd="0" presId="urn:microsoft.com/office/officeart/2008/layout/VerticalCurvedList"/>
+    <dgm:cxn modelId="{09E793B1-5EC9-495A-A4EA-998AE08871BA}" type="presParOf" srcId="{E8FC6E51-B2FF-466A-B7DE-7BA43E7EA2B1}" destId="{34EE4A1C-4C65-467F-8659-17F12CC88CD3}" srcOrd="1" destOrd="0" presId="urn:microsoft.com/office/officeart/2008/layout/VerticalCurvedList"/>
+    <dgm:cxn modelId="{E5132DC5-AC8C-4CE6-9627-D83886BC5A7D}" type="presParOf" srcId="{E8FC6E51-B2FF-466A-B7DE-7BA43E7EA2B1}" destId="{96A1FF10-C91A-4D1F-9192-C83F7BEE62EC}" srcOrd="2" destOrd="0" presId="urn:microsoft.com/office/officeart/2008/layout/VerticalCurvedList"/>
+    <dgm:cxn modelId="{B24EBD68-1D2F-4E01-83FE-9C8332951C28}" type="presParOf" srcId="{E8FC6E51-B2FF-466A-B7DE-7BA43E7EA2B1}" destId="{C298EC8C-E93A-4986-B682-C622C9482819}" srcOrd="3" destOrd="0" presId="urn:microsoft.com/office/officeart/2008/layout/VerticalCurvedList"/>
+    <dgm:cxn modelId="{CEC6817A-C4F1-4CB2-8F30-0243D0C50E00}" type="presParOf" srcId="{CF25BAA0-00D6-4DE7-8914-4608B0BD0178}" destId="{BEEB0FD1-88CF-4C7C-AE6F-C908415B3C10}" srcOrd="1" destOrd="0" presId="urn:microsoft.com/office/officeart/2008/layout/VerticalCurvedList"/>
+    <dgm:cxn modelId="{74BE511A-560E-4746-BCAF-40E057AEEBAA}" type="presParOf" srcId="{CF25BAA0-00D6-4DE7-8914-4608B0BD0178}" destId="{F7147CC2-EEF2-45BA-ABBA-79666F876B24}" srcOrd="2" destOrd="0" presId="urn:microsoft.com/office/officeart/2008/layout/VerticalCurvedList"/>
+    <dgm:cxn modelId="{EBFF1DA3-B423-4ED6-8C0E-06E0CC4F4B6D}" type="presParOf" srcId="{F7147CC2-EEF2-45BA-ABBA-79666F876B24}" destId="{F1E52652-9978-4135-B1F0-7E42022878EE}" srcOrd="0" destOrd="0" presId="urn:microsoft.com/office/officeart/2008/layout/VerticalCurvedList"/>
+    <dgm:cxn modelId="{200BEDF8-A8DA-4F5A-A807-ED670F572B17}" type="presParOf" srcId="{CF25BAA0-00D6-4DE7-8914-4608B0BD0178}" destId="{7FF941B0-CD53-4926-8398-66360BC3C0C8}" srcOrd="3" destOrd="0" presId="urn:microsoft.com/office/officeart/2008/layout/VerticalCurvedList"/>
+    <dgm:cxn modelId="{91287642-D5D2-42B6-A91A-4C7A4BD0EFC1}" type="presParOf" srcId="{CF25BAA0-00D6-4DE7-8914-4608B0BD0178}" destId="{6286ED20-D1CE-4EE7-87CD-810EB4F7701D}" srcOrd="4" destOrd="0" presId="urn:microsoft.com/office/officeart/2008/layout/VerticalCurvedList"/>
+    <dgm:cxn modelId="{121E48F0-6CC4-41B9-9FE1-0853020C674A}" type="presParOf" srcId="{6286ED20-D1CE-4EE7-87CD-810EB4F7701D}" destId="{EF9566F5-82F3-4F56-94DB-288EBFC09A9B}" srcOrd="0" destOrd="0" presId="urn:microsoft.com/office/officeart/2008/layout/VerticalCurvedList"/>
+    <dgm:cxn modelId="{474E541F-801C-4EA4-B3CF-D4B40F5C472A}" type="presParOf" srcId="{CF25BAA0-00D6-4DE7-8914-4608B0BD0178}" destId="{6FCA90F5-EE65-4147-8E49-46060CDC601E}" srcOrd="5" destOrd="0" presId="urn:microsoft.com/office/officeart/2008/layout/VerticalCurvedList"/>
+    <dgm:cxn modelId="{2341641A-6320-4E03-9305-22E139115F05}" type="presParOf" srcId="{CF25BAA0-00D6-4DE7-8914-4608B0BD0178}" destId="{A060BF36-8156-4912-8191-AA5A1E24BA15}" srcOrd="6" destOrd="0" presId="urn:microsoft.com/office/officeart/2008/layout/VerticalCurvedList"/>
+    <dgm:cxn modelId="{4C94E46F-1FB0-40B5-B807-C6EB65F26839}" type="presParOf" srcId="{A060BF36-8156-4912-8191-AA5A1E24BA15}" destId="{955D55E5-7D4A-42F5-B165-EF64A3BD2162}" srcOrd="0" destOrd="0" presId="urn:microsoft.com/office/officeart/2008/layout/VerticalCurvedList"/>
+    <dgm:cxn modelId="{C565C8E9-AE82-43D9-BFBD-6EB876B4CDB9}" type="presParOf" srcId="{CF25BAA0-00D6-4DE7-8914-4608B0BD0178}" destId="{336C7A07-16F4-4010-85A2-CD2458B16EBB}" srcOrd="7" destOrd="0" presId="urn:microsoft.com/office/officeart/2008/layout/VerticalCurvedList"/>
+    <dgm:cxn modelId="{F3D0AC24-5793-4D8D-A918-C9B97FD1A0FB}" type="presParOf" srcId="{CF25BAA0-00D6-4DE7-8914-4608B0BD0178}" destId="{2383D76D-8894-4FC4-B800-79F99F28BCC8}" srcOrd="8" destOrd="0" presId="urn:microsoft.com/office/officeart/2008/layout/VerticalCurvedList"/>
+    <dgm:cxn modelId="{BD185475-69F4-47C5-B179-D3DA2197D04B}" type="presParOf" srcId="{2383D76D-8894-4FC4-B800-79F99F28BCC8}" destId="{9153B626-9CA4-4578-8DC8-47961ECA54AB}" srcOrd="0" destOrd="0" presId="urn:microsoft.com/office/officeart/2008/layout/VerticalCurvedList"/>
+  </dgm:cxnLst>
+  <dgm:bg/>
+  <dgm:whole/>
+  <dgm:extLst>
+    <a:ext uri="http://schemas.microsoft.com/office/drawing/2008/diagram">
+      <dsp:dataModelExt xmlns:dsp="http://schemas.microsoft.com/office/drawing/2008/diagram" relId="rId12" minVer="http://schemas.openxmlformats.org/drawingml/2006/diagram"/>
+    </a:ext>
+  </dgm:extLst>
+</dgm:dataModel>
+</file>
+
+<file path=ppt/diagrams/drawing1.xml><?xml version="1.0" encoding="utf-8"?>
+<dsp:drawing xmlns:dgm="http://schemas.openxmlformats.org/drawingml/2006/diagram" xmlns:dsp="http://schemas.microsoft.com/office/drawing/2008/diagram" xmlns:a="http://schemas.openxmlformats.org/drawingml/2006/main">
+  <dsp:spTree>
+    <dsp:nvGrpSpPr>
+      <dsp:cNvPr id="0" name=""/>
+      <dsp:cNvGrpSpPr/>
+    </dsp:nvGrpSpPr>
+    <dsp:grpSpPr/>
+    <dsp:sp modelId="{224B8DAE-B536-4688-8CA7-A36A94A0A869}">
+      <dsp:nvSpPr>
+        <dsp:cNvPr id="0" name=""/>
+        <dsp:cNvSpPr/>
+      </dsp:nvSpPr>
+      <dsp:spPr>
+        <a:xfrm>
+          <a:off x="0" y="2115"/>
+          <a:ext cx="2787289" cy="575639"/>
+        </a:xfrm>
+        <a:prstGeom prst="roundRect">
+          <a:avLst/>
+        </a:prstGeom>
+        <a:solidFill>
+          <a:schemeClr val="accent3">
+            <a:shade val="50000"/>
+            <a:hueOff val="0"/>
+            <a:satOff val="0"/>
+            <a:lumOff val="0"/>
+            <a:alphaOff val="0"/>
+          </a:schemeClr>
+        </a:solidFill>
+        <a:ln w="12700" cap="flat" cmpd="sng" algn="ctr">
+          <a:solidFill>
+            <a:schemeClr val="lt1">
+              <a:hueOff val="0"/>
+              <a:satOff val="0"/>
+              <a:lumOff val="0"/>
+              <a:alphaOff val="0"/>
+            </a:schemeClr>
+          </a:solidFill>
+          <a:prstDash val="solid"/>
+          <a:miter lim="800000"/>
+        </a:ln>
+        <a:effectLst/>
+      </dsp:spPr>
+      <dsp:style>
+        <a:lnRef idx="2">
+          <a:scrgbClr r="0" g="0" b="0"/>
+        </a:lnRef>
+        <a:fillRef idx="1">
+          <a:scrgbClr r="0" g="0" b="0"/>
+        </a:fillRef>
+        <a:effectRef idx="0">
+          <a:scrgbClr r="0" g="0" b="0"/>
+        </a:effectRef>
+        <a:fontRef idx="minor">
+          <a:schemeClr val="lt1"/>
+        </a:fontRef>
+      </dsp:style>
+      <dsp:txBody>
+        <a:bodyPr spcFirstLastPara="0" vert="horz" wrap="square" lIns="91440" tIns="91440" rIns="91440" bIns="91440" numCol="1" spcCol="1270" anchor="ctr" anchorCtr="0">
+          <a:noAutofit/>
+        </a:bodyPr>
+        <a:lstStyle/>
+        <a:p>
+          <a:pPr lvl="0" algn="ctr" defTabSz="1066800" rtl="0">
+            <a:lnSpc>
+              <a:spcPct val="90000"/>
+            </a:lnSpc>
+            <a:spcBef>
+              <a:spcPct val="0"/>
+            </a:spcBef>
+            <a:spcAft>
+              <a:spcPct val="35000"/>
+            </a:spcAft>
+          </a:pPr>
+          <a:r>
+            <a:rPr lang="en-US" sz="2400" kern="1200" smtClean="0"/>
+            <a:t>CONTENT</a:t>
+          </a:r>
+          <a:endParaRPr lang="zh-TW" sz="2400" kern="1200"/>
+        </a:p>
+      </dsp:txBody>
+      <dsp:txXfrm>
+        <a:off x="28100" y="30215"/>
+        <a:ext cx="2731089" cy="519439"/>
+      </dsp:txXfrm>
+    </dsp:sp>
+  </dsp:spTree>
+</dsp:drawing>
+</file>
+
+<file path=ppt/diagrams/drawing2.xml><?xml version="1.0" encoding="utf-8"?>
+<dsp:drawing xmlns:dgm="http://schemas.openxmlformats.org/drawingml/2006/diagram" xmlns:dsp="http://schemas.microsoft.com/office/drawing/2008/diagram" xmlns:a="http://schemas.openxmlformats.org/drawingml/2006/main">
+  <dsp:spTree>
+    <dsp:nvGrpSpPr>
+      <dsp:cNvPr id="0" name=""/>
+      <dsp:cNvGrpSpPr/>
+    </dsp:nvGrpSpPr>
+    <dsp:grpSpPr/>
+    <dsp:sp modelId="{34EE4A1C-4C65-467F-8659-17F12CC88CD3}">
+      <dsp:nvSpPr>
+        <dsp:cNvPr id="0" name=""/>
+        <dsp:cNvSpPr/>
+      </dsp:nvSpPr>
+      <dsp:spPr>
+        <a:xfrm>
+          <a:off x="-4262901" y="-654021"/>
+          <a:ext cx="5079096" cy="5079096"/>
+        </a:xfrm>
+        <a:prstGeom prst="blockArc">
+          <a:avLst>
+            <a:gd name="adj1" fmla="val 18900000"/>
+            <a:gd name="adj2" fmla="val 2700000"/>
+            <a:gd name="adj3" fmla="val 425"/>
+          </a:avLst>
+        </a:prstGeom>
+        <a:noFill/>
+        <a:ln w="12700" cap="flat" cmpd="sng" algn="ctr">
+          <a:solidFill>
+            <a:schemeClr val="dk2">
+              <a:shade val="60000"/>
+              <a:hueOff val="0"/>
+              <a:satOff val="0"/>
+              <a:lumOff val="0"/>
+              <a:alphaOff val="0"/>
+            </a:schemeClr>
+          </a:solidFill>
+          <a:prstDash val="solid"/>
+          <a:miter lim="800000"/>
+        </a:ln>
+        <a:effectLst/>
+      </dsp:spPr>
+      <dsp:style>
+        <a:lnRef idx="2">
+          <a:scrgbClr r="0" g="0" b="0"/>
+        </a:lnRef>
+        <a:fillRef idx="0">
+          <a:scrgbClr r="0" g="0" b="0"/>
+        </a:fillRef>
+        <a:effectRef idx="0">
+          <a:scrgbClr r="0" g="0" b="0"/>
+        </a:effectRef>
+        <a:fontRef idx="minor"/>
+      </dsp:style>
+    </dsp:sp>
+    <dsp:sp modelId="{BEEB0FD1-88CF-4C7C-AE6F-C908415B3C10}">
+      <dsp:nvSpPr>
+        <dsp:cNvPr id="0" name=""/>
+        <dsp:cNvSpPr/>
+      </dsp:nvSpPr>
+      <dsp:spPr>
+        <a:xfrm>
+          <a:off x="427609" y="289918"/>
+          <a:ext cx="3819510" cy="580138"/>
+        </a:xfrm>
+        <a:prstGeom prst="rect">
+          <a:avLst/>
+        </a:prstGeom>
+        <a:gradFill rotWithShape="0">
+          <a:gsLst>
+            <a:gs pos="0">
+              <a:schemeClr val="dk2">
+                <a:hueOff val="0"/>
+                <a:satOff val="0"/>
+                <a:lumOff val="0"/>
+                <a:alphaOff val="0"/>
+                <a:satMod val="103000"/>
+                <a:lumMod val="102000"/>
+                <a:tint val="94000"/>
+              </a:schemeClr>
+            </a:gs>
+            <a:gs pos="50000">
+              <a:schemeClr val="dk2">
+                <a:hueOff val="0"/>
+                <a:satOff val="0"/>
+                <a:lumOff val="0"/>
+                <a:alphaOff val="0"/>
+                <a:satMod val="110000"/>
+                <a:lumMod val="100000"/>
+                <a:shade val="100000"/>
+              </a:schemeClr>
+            </a:gs>
+            <a:gs pos="100000">
+              <a:schemeClr val="dk2">
+                <a:hueOff val="0"/>
+                <a:satOff val="0"/>
+                <a:lumOff val="0"/>
+                <a:alphaOff val="0"/>
+                <a:lumMod val="99000"/>
+                <a:satMod val="120000"/>
+                <a:shade val="78000"/>
+              </a:schemeClr>
+            </a:gs>
+          </a:gsLst>
+          <a:lin ang="5400000" scaled="0"/>
+        </a:gradFill>
+        <a:ln>
+          <a:noFill/>
+        </a:ln>
+        <a:effectLst>
+          <a:outerShdw blurRad="57150" dist="19050" dir="5400000" algn="ctr" rotWithShape="0">
+            <a:srgbClr val="000000">
+              <a:alpha val="63000"/>
+            </a:srgbClr>
+          </a:outerShdw>
+        </a:effectLst>
+      </dsp:spPr>
+      <dsp:style>
+        <a:lnRef idx="0">
+          <a:scrgbClr r="0" g="0" b="0"/>
+        </a:lnRef>
+        <a:fillRef idx="3">
+          <a:scrgbClr r="0" g="0" b="0"/>
+        </a:fillRef>
+        <a:effectRef idx="3">
+          <a:scrgbClr r="0" g="0" b="0"/>
+        </a:effectRef>
+        <a:fontRef idx="minor">
+          <a:schemeClr val="lt1"/>
+        </a:fontRef>
+      </dsp:style>
+      <dsp:txBody>
+        <a:bodyPr spcFirstLastPara="0" vert="horz" wrap="square" lIns="460485" tIns="68580" rIns="68580" bIns="68580" numCol="1" spcCol="1270" anchor="ctr" anchorCtr="0">
+          <a:noAutofit/>
+        </a:bodyPr>
+        <a:lstStyle/>
+        <a:p>
+          <a:pPr lvl="0" algn="l" defTabSz="1200150">
+            <a:lnSpc>
+              <a:spcPct val="90000"/>
+            </a:lnSpc>
+            <a:spcBef>
+              <a:spcPct val="0"/>
+            </a:spcBef>
+            <a:spcAft>
+              <a:spcPct val="35000"/>
+            </a:spcAft>
+          </a:pPr>
+          <a:r>
+            <a:rPr lang="en-US" altLang="zh-TW" sz="2700" kern="1200" dirty="0" smtClean="0">
+              <a:latin typeface="Comic Sans MS" panose="030F0702030302020204" pitchFamily="66" charset="0"/>
+            </a:rPr>
+            <a:t>Introduction</a:t>
+          </a:r>
+          <a:endParaRPr lang="zh-TW" altLang="en-US" sz="2700" kern="1200" dirty="0">
+            <a:latin typeface="Comic Sans MS" panose="030F0702030302020204" pitchFamily="66" charset="0"/>
+          </a:endParaRPr>
+        </a:p>
+      </dsp:txBody>
+      <dsp:txXfrm>
+        <a:off x="427609" y="289918"/>
+        <a:ext cx="3819510" cy="580138"/>
+      </dsp:txXfrm>
+    </dsp:sp>
+    <dsp:sp modelId="{F1E52652-9978-4135-B1F0-7E42022878EE}">
+      <dsp:nvSpPr>
+        <dsp:cNvPr id="0" name=""/>
+        <dsp:cNvSpPr/>
+      </dsp:nvSpPr>
+      <dsp:spPr>
+        <a:xfrm>
+          <a:off x="65023" y="217401"/>
+          <a:ext cx="725173" cy="725173"/>
+        </a:xfrm>
+        <a:prstGeom prst="ellipse">
+          <a:avLst/>
+        </a:prstGeom>
+        <a:solidFill>
+          <a:schemeClr val="lt2">
+            <a:hueOff val="0"/>
+            <a:satOff val="0"/>
+            <a:lumOff val="0"/>
+            <a:alphaOff val="0"/>
+          </a:schemeClr>
+        </a:solidFill>
+        <a:ln w="6350" cap="flat" cmpd="sng" algn="ctr">
+          <a:solidFill>
+            <a:schemeClr val="dk2">
+              <a:hueOff val="0"/>
+              <a:satOff val="0"/>
+              <a:lumOff val="0"/>
+              <a:alphaOff val="0"/>
+            </a:schemeClr>
+          </a:solidFill>
+          <a:prstDash val="solid"/>
+          <a:miter lim="800000"/>
+        </a:ln>
+        <a:effectLst/>
+      </dsp:spPr>
+      <dsp:style>
+        <a:lnRef idx="1">
+          <a:scrgbClr r="0" g="0" b="0"/>
+        </a:lnRef>
+        <a:fillRef idx="1">
+          <a:scrgbClr r="0" g="0" b="0"/>
+        </a:fillRef>
+        <a:effectRef idx="2">
+          <a:scrgbClr r="0" g="0" b="0"/>
+        </a:effectRef>
+        <a:fontRef idx="minor"/>
+      </dsp:style>
+    </dsp:sp>
+    <dsp:sp modelId="{7FF941B0-CD53-4926-8398-66360BC3C0C8}">
+      <dsp:nvSpPr>
+        <dsp:cNvPr id="0" name=""/>
+        <dsp:cNvSpPr/>
+      </dsp:nvSpPr>
+      <dsp:spPr>
+        <a:xfrm>
+          <a:off x="760216" y="1160277"/>
+          <a:ext cx="3486903" cy="580138"/>
+        </a:xfrm>
+        <a:prstGeom prst="rect">
+          <a:avLst/>
+        </a:prstGeom>
+        <a:gradFill rotWithShape="0">
+          <a:gsLst>
+            <a:gs pos="0">
+              <a:schemeClr val="dk2">
+                <a:hueOff val="0"/>
+                <a:satOff val="0"/>
+                <a:lumOff val="0"/>
+                <a:alphaOff val="0"/>
+                <a:satMod val="103000"/>
+                <a:lumMod val="102000"/>
+                <a:tint val="94000"/>
+              </a:schemeClr>
+            </a:gs>
+            <a:gs pos="50000">
+              <a:schemeClr val="dk2">
+                <a:hueOff val="0"/>
+                <a:satOff val="0"/>
+                <a:lumOff val="0"/>
+                <a:alphaOff val="0"/>
+                <a:satMod val="110000"/>
+                <a:lumMod val="100000"/>
+                <a:shade val="100000"/>
+              </a:schemeClr>
+            </a:gs>
+            <a:gs pos="100000">
+              <a:schemeClr val="dk2">
+                <a:hueOff val="0"/>
+                <a:satOff val="0"/>
+                <a:lumOff val="0"/>
+                <a:alphaOff val="0"/>
+                <a:lumMod val="99000"/>
+                <a:satMod val="120000"/>
+                <a:shade val="78000"/>
+              </a:schemeClr>
+            </a:gs>
+          </a:gsLst>
+          <a:lin ang="5400000" scaled="0"/>
+        </a:gradFill>
+        <a:ln>
+          <a:noFill/>
+        </a:ln>
+        <a:effectLst>
+          <a:outerShdw blurRad="57150" dist="19050" dir="5400000" algn="ctr" rotWithShape="0">
+            <a:srgbClr val="000000">
+              <a:alpha val="63000"/>
+            </a:srgbClr>
+          </a:outerShdw>
+        </a:effectLst>
+      </dsp:spPr>
+      <dsp:style>
+        <a:lnRef idx="0">
+          <a:scrgbClr r="0" g="0" b="0"/>
+        </a:lnRef>
+        <a:fillRef idx="3">
+          <a:scrgbClr r="0" g="0" b="0"/>
+        </a:fillRef>
+        <a:effectRef idx="3">
+          <a:scrgbClr r="0" g="0" b="0"/>
+        </a:effectRef>
+        <a:fontRef idx="minor">
+          <a:schemeClr val="lt1"/>
+        </a:fontRef>
+      </dsp:style>
+      <dsp:txBody>
+        <a:bodyPr spcFirstLastPara="0" vert="horz" wrap="square" lIns="460485" tIns="68580" rIns="68580" bIns="68580" numCol="1" spcCol="1270" anchor="ctr" anchorCtr="0">
+          <a:noAutofit/>
+        </a:bodyPr>
+        <a:lstStyle/>
+        <a:p>
+          <a:pPr lvl="0" algn="l" defTabSz="1200150">
+            <a:lnSpc>
+              <a:spcPct val="90000"/>
+            </a:lnSpc>
+            <a:spcBef>
+              <a:spcPct val="0"/>
+            </a:spcBef>
+            <a:spcAft>
+              <a:spcPct val="35000"/>
+            </a:spcAft>
+          </a:pPr>
+          <a:r>
+            <a:rPr lang="en-US" altLang="zh-TW" sz="2700" kern="1200" dirty="0" smtClean="0">
+              <a:latin typeface="Comic Sans MS" panose="030F0702030302020204" pitchFamily="66" charset="0"/>
+            </a:rPr>
+            <a:t>Method</a:t>
+          </a:r>
+          <a:endParaRPr lang="zh-TW" altLang="en-US" sz="2700" kern="1200" dirty="0">
+            <a:latin typeface="Comic Sans MS" panose="030F0702030302020204" pitchFamily="66" charset="0"/>
+          </a:endParaRPr>
+        </a:p>
+      </dsp:txBody>
+      <dsp:txXfrm>
+        <a:off x="760216" y="1160277"/>
+        <a:ext cx="3486903" cy="580138"/>
+      </dsp:txXfrm>
+    </dsp:sp>
+    <dsp:sp modelId="{EF9566F5-82F3-4F56-94DB-288EBFC09A9B}">
+      <dsp:nvSpPr>
+        <dsp:cNvPr id="0" name=""/>
+        <dsp:cNvSpPr/>
+      </dsp:nvSpPr>
+      <dsp:spPr>
+        <a:xfrm>
+          <a:off x="397629" y="1087760"/>
+          <a:ext cx="725173" cy="725173"/>
+        </a:xfrm>
+        <a:prstGeom prst="ellipse">
+          <a:avLst/>
+        </a:prstGeom>
+        <a:solidFill>
+          <a:schemeClr val="lt2">
+            <a:hueOff val="0"/>
+            <a:satOff val="0"/>
+            <a:lumOff val="0"/>
+            <a:alphaOff val="0"/>
+          </a:schemeClr>
+        </a:solidFill>
+        <a:ln w="6350" cap="flat" cmpd="sng" algn="ctr">
+          <a:solidFill>
+            <a:schemeClr val="dk2">
+              <a:hueOff val="0"/>
+              <a:satOff val="0"/>
+              <a:lumOff val="0"/>
+              <a:alphaOff val="0"/>
+            </a:schemeClr>
+          </a:solidFill>
+          <a:prstDash val="solid"/>
+          <a:miter lim="800000"/>
+        </a:ln>
+        <a:effectLst/>
+      </dsp:spPr>
+      <dsp:style>
+        <a:lnRef idx="1">
+          <a:scrgbClr r="0" g="0" b="0"/>
+        </a:lnRef>
+        <a:fillRef idx="1">
+          <a:scrgbClr r="0" g="0" b="0"/>
+        </a:fillRef>
+        <a:effectRef idx="2">
+          <a:scrgbClr r="0" g="0" b="0"/>
+        </a:effectRef>
+        <a:fontRef idx="minor"/>
+      </dsp:style>
+    </dsp:sp>
+    <dsp:sp modelId="{6FCA90F5-EE65-4147-8E49-46060CDC601E}">
+      <dsp:nvSpPr>
+        <dsp:cNvPr id="0" name=""/>
+        <dsp:cNvSpPr/>
+      </dsp:nvSpPr>
+      <dsp:spPr>
+        <a:xfrm>
+          <a:off x="760216" y="2030637"/>
+          <a:ext cx="3486903" cy="580138"/>
+        </a:xfrm>
+        <a:prstGeom prst="rect">
+          <a:avLst/>
+        </a:prstGeom>
+        <a:gradFill rotWithShape="0">
+          <a:gsLst>
+            <a:gs pos="0">
+              <a:schemeClr val="dk2">
+                <a:hueOff val="0"/>
+                <a:satOff val="0"/>
+                <a:lumOff val="0"/>
+                <a:alphaOff val="0"/>
+                <a:satMod val="103000"/>
+                <a:lumMod val="102000"/>
+                <a:tint val="94000"/>
+              </a:schemeClr>
+            </a:gs>
+            <a:gs pos="50000">
+              <a:schemeClr val="dk2">
+                <a:hueOff val="0"/>
+                <a:satOff val="0"/>
+                <a:lumOff val="0"/>
+                <a:alphaOff val="0"/>
+                <a:satMod val="110000"/>
+                <a:lumMod val="100000"/>
+                <a:shade val="100000"/>
+              </a:schemeClr>
+            </a:gs>
+            <a:gs pos="100000">
+              <a:schemeClr val="dk2">
+                <a:hueOff val="0"/>
+                <a:satOff val="0"/>
+                <a:lumOff val="0"/>
+                <a:alphaOff val="0"/>
+                <a:lumMod val="99000"/>
+                <a:satMod val="120000"/>
+                <a:shade val="78000"/>
+              </a:schemeClr>
+            </a:gs>
+          </a:gsLst>
+          <a:lin ang="5400000" scaled="0"/>
+        </a:gradFill>
+        <a:ln>
+          <a:noFill/>
+        </a:ln>
+        <a:effectLst>
+          <a:outerShdw blurRad="57150" dist="19050" dir="5400000" algn="ctr" rotWithShape="0">
+            <a:srgbClr val="000000">
+              <a:alpha val="63000"/>
+            </a:srgbClr>
+          </a:outerShdw>
+        </a:effectLst>
+      </dsp:spPr>
+      <dsp:style>
+        <a:lnRef idx="0">
+          <a:scrgbClr r="0" g="0" b="0"/>
+        </a:lnRef>
+        <a:fillRef idx="3">
+          <a:scrgbClr r="0" g="0" b="0"/>
+        </a:fillRef>
+        <a:effectRef idx="3">
+          <a:scrgbClr r="0" g="0" b="0"/>
+        </a:effectRef>
+        <a:fontRef idx="minor">
+          <a:schemeClr val="lt1"/>
+        </a:fontRef>
+      </dsp:style>
+      <dsp:txBody>
+        <a:bodyPr spcFirstLastPara="0" vert="horz" wrap="square" lIns="460485" tIns="68580" rIns="68580" bIns="68580" numCol="1" spcCol="1270" anchor="ctr" anchorCtr="0">
+          <a:noAutofit/>
+        </a:bodyPr>
+        <a:lstStyle/>
+        <a:p>
+          <a:pPr lvl="0" algn="l" defTabSz="1200150">
+            <a:lnSpc>
+              <a:spcPct val="90000"/>
+            </a:lnSpc>
+            <a:spcBef>
+              <a:spcPct val="0"/>
+            </a:spcBef>
+            <a:spcAft>
+              <a:spcPct val="35000"/>
+            </a:spcAft>
+          </a:pPr>
+          <a:r>
+            <a:rPr lang="en-US" altLang="zh-TW" sz="2700" kern="1200" dirty="0" smtClean="0">
+              <a:latin typeface="Comic Sans MS" panose="030F0702030302020204" pitchFamily="66" charset="0"/>
+            </a:rPr>
+            <a:t>Result</a:t>
+          </a:r>
+          <a:endParaRPr lang="zh-TW" altLang="en-US" sz="2700" kern="1200" dirty="0">
+            <a:latin typeface="Comic Sans MS" panose="030F0702030302020204" pitchFamily="66" charset="0"/>
+          </a:endParaRPr>
+        </a:p>
+      </dsp:txBody>
+      <dsp:txXfrm>
+        <a:off x="760216" y="2030637"/>
+        <a:ext cx="3486903" cy="580138"/>
+      </dsp:txXfrm>
+    </dsp:sp>
+    <dsp:sp modelId="{955D55E5-7D4A-42F5-B165-EF64A3BD2162}">
+      <dsp:nvSpPr>
+        <dsp:cNvPr id="0" name=""/>
+        <dsp:cNvSpPr/>
+      </dsp:nvSpPr>
+      <dsp:spPr>
+        <a:xfrm>
+          <a:off x="397629" y="1958119"/>
+          <a:ext cx="725173" cy="725173"/>
+        </a:xfrm>
+        <a:prstGeom prst="ellipse">
+          <a:avLst/>
+        </a:prstGeom>
+        <a:solidFill>
+          <a:schemeClr val="lt2">
+            <a:hueOff val="0"/>
+            <a:satOff val="0"/>
+            <a:lumOff val="0"/>
+            <a:alphaOff val="0"/>
+          </a:schemeClr>
+        </a:solidFill>
+        <a:ln w="6350" cap="flat" cmpd="sng" algn="ctr">
+          <a:solidFill>
+            <a:schemeClr val="dk2">
+              <a:hueOff val="0"/>
+              <a:satOff val="0"/>
+              <a:lumOff val="0"/>
+              <a:alphaOff val="0"/>
+            </a:schemeClr>
+          </a:solidFill>
+          <a:prstDash val="solid"/>
+          <a:miter lim="800000"/>
+        </a:ln>
+        <a:effectLst/>
+      </dsp:spPr>
+      <dsp:style>
+        <a:lnRef idx="1">
+          <a:scrgbClr r="0" g="0" b="0"/>
+        </a:lnRef>
+        <a:fillRef idx="1">
+          <a:scrgbClr r="0" g="0" b="0"/>
+        </a:fillRef>
+        <a:effectRef idx="2">
+          <a:scrgbClr r="0" g="0" b="0"/>
+        </a:effectRef>
+        <a:fontRef idx="minor"/>
+      </dsp:style>
+    </dsp:sp>
+    <dsp:sp modelId="{336C7A07-16F4-4010-85A2-CD2458B16EBB}">
+      <dsp:nvSpPr>
+        <dsp:cNvPr id="0" name=""/>
+        <dsp:cNvSpPr/>
+      </dsp:nvSpPr>
+      <dsp:spPr>
+        <a:xfrm>
+          <a:off x="427609" y="2900996"/>
+          <a:ext cx="3819510" cy="580138"/>
+        </a:xfrm>
+        <a:prstGeom prst="rect">
+          <a:avLst/>
+        </a:prstGeom>
+        <a:gradFill rotWithShape="0">
+          <a:gsLst>
+            <a:gs pos="0">
+              <a:schemeClr val="dk2">
+                <a:hueOff val="0"/>
+                <a:satOff val="0"/>
+                <a:lumOff val="0"/>
+                <a:alphaOff val="0"/>
+                <a:satMod val="103000"/>
+                <a:lumMod val="102000"/>
+                <a:tint val="94000"/>
+              </a:schemeClr>
+            </a:gs>
+            <a:gs pos="50000">
+              <a:schemeClr val="dk2">
+                <a:hueOff val="0"/>
+                <a:satOff val="0"/>
+                <a:lumOff val="0"/>
+                <a:alphaOff val="0"/>
+                <a:satMod val="110000"/>
+                <a:lumMod val="100000"/>
+                <a:shade val="100000"/>
+              </a:schemeClr>
+            </a:gs>
+            <a:gs pos="100000">
+              <a:schemeClr val="dk2">
+                <a:hueOff val="0"/>
+                <a:satOff val="0"/>
+                <a:lumOff val="0"/>
+                <a:alphaOff val="0"/>
+                <a:lumMod val="99000"/>
+                <a:satMod val="120000"/>
+                <a:shade val="78000"/>
+              </a:schemeClr>
+            </a:gs>
+          </a:gsLst>
+          <a:lin ang="5400000" scaled="0"/>
+        </a:gradFill>
+        <a:ln>
+          <a:noFill/>
+        </a:ln>
+        <a:effectLst>
+          <a:outerShdw blurRad="57150" dist="19050" dir="5400000" algn="ctr" rotWithShape="0">
+            <a:srgbClr val="000000">
+              <a:alpha val="63000"/>
+            </a:srgbClr>
+          </a:outerShdw>
+        </a:effectLst>
+      </dsp:spPr>
+      <dsp:style>
+        <a:lnRef idx="0">
+          <a:scrgbClr r="0" g="0" b="0"/>
+        </a:lnRef>
+        <a:fillRef idx="3">
+          <a:scrgbClr r="0" g="0" b="0"/>
+        </a:fillRef>
+        <a:effectRef idx="3">
+          <a:scrgbClr r="0" g="0" b="0"/>
+        </a:effectRef>
+        <a:fontRef idx="minor">
+          <a:schemeClr val="lt1"/>
+        </a:fontRef>
+      </dsp:style>
+      <dsp:txBody>
+        <a:bodyPr spcFirstLastPara="0" vert="horz" wrap="square" lIns="460485" tIns="68580" rIns="68580" bIns="68580" numCol="1" spcCol="1270" anchor="ctr" anchorCtr="0">
+          <a:noAutofit/>
+        </a:bodyPr>
+        <a:lstStyle/>
+        <a:p>
+          <a:pPr lvl="0" algn="l" defTabSz="1200150">
+            <a:lnSpc>
+              <a:spcPct val="90000"/>
+            </a:lnSpc>
+            <a:spcBef>
+              <a:spcPct val="0"/>
+            </a:spcBef>
+            <a:spcAft>
+              <a:spcPct val="35000"/>
+            </a:spcAft>
+          </a:pPr>
+          <a:r>
+            <a:rPr lang="en-US" altLang="zh-TW" sz="2700" kern="1200" dirty="0" smtClean="0">
+              <a:latin typeface="Comic Sans MS" panose="030F0702030302020204" pitchFamily="66" charset="0"/>
+            </a:rPr>
+            <a:t>Discussion</a:t>
+          </a:r>
+          <a:endParaRPr lang="zh-TW" altLang="en-US" sz="2700" kern="1200" dirty="0">
+            <a:latin typeface="Comic Sans MS" panose="030F0702030302020204" pitchFamily="66" charset="0"/>
+          </a:endParaRPr>
+        </a:p>
+      </dsp:txBody>
+      <dsp:txXfrm>
+        <a:off x="427609" y="2900996"/>
+        <a:ext cx="3819510" cy="580138"/>
+      </dsp:txXfrm>
+    </dsp:sp>
+    <dsp:sp modelId="{9153B626-9CA4-4578-8DC8-47961ECA54AB}">
+      <dsp:nvSpPr>
+        <dsp:cNvPr id="0" name=""/>
+        <dsp:cNvSpPr/>
+      </dsp:nvSpPr>
+      <dsp:spPr>
+        <a:xfrm>
+          <a:off x="65023" y="2828479"/>
+          <a:ext cx="725173" cy="725173"/>
+        </a:xfrm>
+        <a:prstGeom prst="ellipse">
+          <a:avLst/>
+        </a:prstGeom>
+        <a:solidFill>
+          <a:schemeClr val="lt2">
+            <a:hueOff val="0"/>
+            <a:satOff val="0"/>
+            <a:lumOff val="0"/>
+            <a:alphaOff val="0"/>
+          </a:schemeClr>
+        </a:solidFill>
+        <a:ln w="6350" cap="flat" cmpd="sng" algn="ctr">
+          <a:solidFill>
+            <a:schemeClr val="dk2">
+              <a:hueOff val="0"/>
+              <a:satOff val="0"/>
+              <a:lumOff val="0"/>
+              <a:alphaOff val="0"/>
+            </a:schemeClr>
+          </a:solidFill>
+          <a:prstDash val="solid"/>
+          <a:miter lim="800000"/>
+        </a:ln>
+        <a:effectLst/>
+      </dsp:spPr>
+      <dsp:style>
+        <a:lnRef idx="1">
+          <a:scrgbClr r="0" g="0" b="0"/>
+        </a:lnRef>
+        <a:fillRef idx="1">
+          <a:scrgbClr r="0" g="0" b="0"/>
+        </a:fillRef>
+        <a:effectRef idx="2">
+          <a:scrgbClr r="0" g="0" b="0"/>
+        </a:effectRef>
+        <a:fontRef idx="minor"/>
+      </dsp:style>
+    </dsp:sp>
+  </dsp:spTree>
+</dsp:drawing>
+</file>
+
+<file path=ppt/diagrams/layout1.xml><?xml version="1.0" encoding="utf-8"?>
+<dgm:layoutDef xmlns:dgm="http://schemas.openxmlformats.org/drawingml/2006/diagram" xmlns:a="http://schemas.openxmlformats.org/drawingml/2006/main" uniqueId="urn:microsoft.com/office/officeart/2005/8/layout/vList2">
+  <dgm:title val=""/>
+  <dgm:desc val=""/>
+  <dgm:catLst>
+    <dgm:cat type="list" pri="3000"/>
+    <dgm:cat type="convert" pri="1000"/>
+  </dgm:catLst>
+  <dgm:sampData>
+    <dgm:dataModel>
+      <dgm:ptLst>
+        <dgm:pt modelId="0" type="doc"/>
+        <dgm:pt modelId="1">
+          <dgm:prSet phldr="1"/>
+        </dgm:pt>
+        <dgm:pt modelId="11">
+          <dgm:prSet phldr="1"/>
+        </dgm:pt>
+        <dgm:pt modelId="2">
+          <dgm:prSet phldr="1"/>
+        </dgm:pt>
+        <dgm:pt modelId="21">
+          <dgm:prSet phldr="1"/>
+        </dgm:pt>
+      </dgm:ptLst>
+      <dgm:cxnLst>
+        <dgm:cxn modelId="4" srcId="0" destId="1" srcOrd="0" destOrd="0"/>
+        <dgm:cxn modelId="5" srcId="0" destId="2" srcOrd="1" destOrd="0"/>
+        <dgm:cxn modelId="12" srcId="1" destId="11" srcOrd="0" destOrd="0"/>
+        <dgm:cxn modelId="23" srcId="2" destId="21" srcOrd="0" destOrd="0"/>
+      </dgm:cxnLst>
+      <dgm:bg/>
+      <dgm:whole/>
+    </dgm:dataModel>
+  </dgm:sampData>
+  <dgm:styleData>
+    <dgm:dataModel>
+      <dgm:ptLst>
+        <dgm:pt modelId="0" type="doc"/>
+        <dgm:pt modelId="1"/>
+        <dgm:pt modelId="2"/>
+      </dgm:ptLst>
+      <dgm:cxnLst>
+        <dgm:cxn modelId="3" srcId="0" destId="1" srcOrd="0" destOrd="0"/>
+        <dgm:cxn modelId="4" srcId="0" destId="2" srcOrd="1" destOrd="0"/>
+      </dgm:cxnLst>
+      <dgm:bg/>
+      <dgm:whole/>
+    </dgm:dataModel>
+  </dgm:styleData>
+  <dgm:clrData>
+    <dgm:dataModel>
+      <dgm:ptLst>
+        <dgm:pt modelId="0" type="doc"/>
+        <dgm:pt modelId="1"/>
+        <dgm:pt modelId="2"/>
+        <dgm:pt modelId="3"/>
+        <dgm:pt modelId="4"/>
+      </dgm:ptLst>
+      <dgm:cxnLst>
+        <dgm:cxn modelId="5" srcId="0" destId="1" srcOrd="0" destOrd="0"/>
+        <dgm:cxn modelId="6" srcId="0" destId="2" srcOrd="1" destOrd="0"/>
+        <dgm:cxn modelId="7" srcId="0" destId="3" srcOrd="2" destOrd="0"/>
+        <dgm:cxn modelId="8" srcId="0" destId="4" srcOrd="3" destOrd="0"/>
+      </dgm:cxnLst>
+      <dgm:bg/>
+      <dgm:whole/>
+    </dgm:dataModel>
+  </dgm:clrData>
+  <dgm:layoutNode name="linear">
+    <dgm:varLst>
+      <dgm:animLvl val="lvl"/>
+      <dgm:resizeHandles val="exact"/>
+    </dgm:varLst>
+    <dgm:alg type="lin">
+      <dgm:param type="linDir" val="fromT"/>
+      <dgm:param type="vertAlign" val="mid"/>
+    </dgm:alg>
+    <dgm:shape xmlns:r="http://schemas.openxmlformats.org/officeDocument/2006/relationships" r:blip="">
+      <dgm:adjLst/>
+    </dgm:shape>
+    <dgm:presOf/>
+    <dgm:constrLst>
+      <dgm:constr type="w" for="ch" forName="parentText" refType="w"/>
+      <dgm:constr type="h" for="ch" forName="parentText" refType="primFontSz" refFor="ch" refForName="parentText" fact="0.52"/>
+      <dgm:constr type="w" for="ch" forName="childText" refType="w"/>
+      <dgm:constr type="h" for="ch" forName="childText" refType="primFontSz" refFor="ch" refForName="parentText" fact="0.46"/>
+      <dgm:constr type="h" for="ch" forName="parentText" op="equ"/>
+      <dgm:constr type="primFontSz" for="ch" forName="parentText" op="equ" val="65"/>
+      <dgm:constr type="primFontSz" for="ch" forName="childText" refType="primFontSz" refFor="ch" refForName="parentText" op="equ"/>
+      <dgm:constr type="h" for="ch" forName="spacer" refType="primFontSz" refFor="ch" refForName="parentText" fact="0.08"/>
+    </dgm:constrLst>
+    <dgm:ruleLst>
+      <dgm:rule type="primFontSz" for="ch" forName="parentText" val="5" fact="NaN" max="NaN"/>
+    </dgm:ruleLst>
+    <dgm:forEach name="Name0" axis="ch" ptType="node">
+      <dgm:layoutNode name="parentText" styleLbl="node1">
+        <dgm:varLst>
+          <dgm:chMax val="0"/>
+          <dgm:bulletEnabled val="1"/>
+        </dgm:varLst>
+        <dgm:alg type="tx">
+          <dgm:param type="parTxLTRAlign" val="l"/>
+          <dgm:param type="parTxRTLAlign" val="r"/>
+        </dgm:alg>
+        <dgm:shape xmlns:r="http://schemas.openxmlformats.org/officeDocument/2006/relationships" type="roundRect" r:blip="">
+          <dgm:adjLst/>
+        </dgm:shape>
+        <dgm:presOf axis="self"/>
+        <dgm:constrLst>
+          <dgm:constr type="tMarg" refType="primFontSz" fact="0.3"/>
+          <dgm:constr type="bMarg" refType="primFontSz" fact="0.3"/>
+          <dgm:constr type="lMarg" refType="primFontSz" fact="0.3"/>
+          <dgm:constr type="rMarg" refType="primFontSz" fact="0.3"/>
+        </dgm:constrLst>
+        <dgm:ruleLst>
+          <dgm:rule type="h" val="INF" fact="NaN" max="NaN"/>
+        </dgm:ruleLst>
+      </dgm:layoutNode>
+      <dgm:choose name="Name1">
+        <dgm:if name="Name2" axis="ch" ptType="node" func="cnt" op="gte" val="1">
+          <dgm:layoutNode name="childText" styleLbl="revTx">
+            <dgm:varLst>
+              <dgm:bulletEnabled val="1"/>
+            </dgm:varLst>
+            <dgm:alg type="tx">
+              <dgm:param type="stBulletLvl" val="1"/>
+              <dgm:param type="lnSpAfChP" val="20"/>
+            </dgm:alg>
+            <dgm:shape xmlns:r="http://schemas.openxmlformats.org/officeDocument/2006/relationships" type="rect" r:blip="">
+              <dgm:adjLst/>
+            </dgm:shape>
+            <dgm:presOf axis="des" ptType="node"/>
+            <dgm:constrLst>
+              <dgm:constr type="tMarg" refType="primFontSz" fact="0.1"/>
+              <dgm:constr type="bMarg" refType="primFontSz" fact="0.1"/>
+              <dgm:constr type="lMarg" refType="w" fact="0.09"/>
+            </dgm:constrLst>
+            <dgm:ruleLst>
+              <dgm:rule type="h" val="INF" fact="NaN" max="NaN"/>
+            </dgm:ruleLst>
+          </dgm:layoutNode>
+        </dgm:if>
+        <dgm:else name="Name3">
+          <dgm:choose name="Name4">
+            <dgm:if name="Name5" axis="par ch" ptType="doc node" func="cnt" op="gte" val="2">
+              <dgm:forEach name="Name6" axis="followSib" ptType="sibTrans" cnt="1">
+                <dgm:layoutNode name="spacer">
+                  <dgm:alg type="sp"/>
+                  <dgm:shape xmlns:r="http://schemas.openxmlformats.org/officeDocument/2006/relationships" r:blip="">
+                    <dgm:adjLst/>
+                  </dgm:shape>
+                  <dgm:presOf/>
+                  <dgm:constrLst/>
+                  <dgm:ruleLst/>
+                </dgm:layoutNode>
+              </dgm:forEach>
+            </dgm:if>
+            <dgm:else name="Name7"/>
+          </dgm:choose>
+        </dgm:else>
+      </dgm:choose>
+    </dgm:forEach>
+  </dgm:layoutNode>
+</dgm:layoutDef>
+</file>
+
+<file path=ppt/diagrams/layout2.xml><?xml version="1.0" encoding="utf-8"?>
+<dgm:layoutDef xmlns:dgm="http://schemas.openxmlformats.org/drawingml/2006/diagram" xmlns:a="http://schemas.openxmlformats.org/drawingml/2006/main" uniqueId="urn:microsoft.com/office/officeart/2008/layout/VerticalCurvedList">
+  <dgm:title val=""/>
+  <dgm:desc val=""/>
+  <dgm:catLst>
+    <dgm:cat type="list" pri="20000"/>
+  </dgm:catLst>
+  <dgm:sampData>
+    <dgm:dataModel>
+      <dgm:ptLst>
+        <dgm:pt modelId="0" type="doc"/>
+        <dgm:pt modelId="1">
+          <dgm:prSet phldr="1"/>
+        </dgm:pt>
+        <dgm:pt modelId="2">
+          <dgm:prSet phldr="1"/>
+        </dgm:pt>
+        <dgm:pt modelId="3">
+          <dgm:prSet phldr="1"/>
+        </dgm:pt>
+      </dgm:ptLst>
+      <dgm:cxnLst>
+        <dgm:cxn modelId="4" srcId="0" destId="1" srcOrd="0" destOrd="0"/>
+        <dgm:cxn modelId="5" srcId="0" destId="2" srcOrd="1" destOrd="0"/>
+        <dgm:cxn modelId="6" srcId="0" destId="3" srcOrd="2" destOrd="0"/>
+      </dgm:cxnLst>
+      <dgm:bg/>
+      <dgm:whole/>
+    </dgm:dataModel>
+  </dgm:sampData>
+  <dgm:styleData>
+    <dgm:dataModel>
+      <dgm:ptLst>
+        <dgm:pt modelId="0" type="doc"/>
+        <dgm:pt modelId="1">
+          <dgm:prSet phldr="1"/>
+        </dgm:pt>
+        <dgm:pt modelId="2">
+          <dgm:prSet phldr="1"/>
+        </dgm:pt>
+      </dgm:ptLst>
+      <dgm:cxnLst>
+        <dgm:cxn modelId="3" srcId="0" destId="1" srcOrd="0" destOrd="0"/>
+        <dgm:cxn modelId="4" srcId="0" destId="2" srcOrd="1" destOrd="0"/>
+      </dgm:cxnLst>
+      <dgm:bg/>
+      <dgm:whole/>
+    </dgm:dataModel>
+  </dgm:styleData>
+  <dgm:clrData>
+    <dgm:dataModel>
+      <dgm:ptLst>
+        <dgm:pt modelId="0" type="doc"/>
+        <dgm:pt modelId="1">
+          <dgm:prSet phldr="1"/>
+        </dgm:pt>
+        <dgm:pt modelId="2">
+          <dgm:prSet phldr="1"/>
+        </dgm:pt>
+        <dgm:pt modelId="3">
+          <dgm:prSet phldr="1"/>
+        </dgm:pt>
+        <dgm:pt modelId="4">
+          <dgm:prSet phldr="1"/>
+        </dgm:pt>
+      </dgm:ptLst>
+      <dgm:cxnLst>
+        <dgm:cxn modelId="5" srcId="0" destId="1" srcOrd="0" destOrd="0"/>
+        <dgm:cxn modelId="6" srcId="0" destId="2" srcOrd="1" destOrd="0"/>
+        <dgm:cxn modelId="7" srcId="0" destId="3" srcOrd="2" destOrd="0"/>
+        <dgm:cxn modelId="8" srcId="0" destId="4" srcOrd="3" destOrd="0"/>
+      </dgm:cxnLst>
+      <dgm:bg/>
+      <dgm:whole/>
+    </dgm:dataModel>
+  </dgm:clrData>
+  <dgm:layoutNode name="Name0">
+    <dgm:varLst>
+      <dgm:chMax val="7"/>
+      <dgm:chPref val="7"/>
+      <dgm:dir/>
+    </dgm:varLst>
+    <dgm:alg type="composite"/>
+    <dgm:shape xmlns:r="http://schemas.openxmlformats.org/officeDocument/2006/relationships" r:blip="">
+      <dgm:adjLst/>
+    </dgm:shape>
+    <dgm:constrLst>
+      <dgm:constr type="w" for="ch" refType="h" refFor="ch" op="gte" fact="0.8"/>
+    </dgm:constrLst>
+    <dgm:layoutNode name="Name1">
+      <dgm:alg type="composite"/>
+      <dgm:shape xmlns:r="http://schemas.openxmlformats.org/officeDocument/2006/relationships" r:blip="">
+        <dgm:adjLst/>
+      </dgm:shape>
+      <dgm:choose name="Name2">
+        <dgm:if name="Name3" func="var" arg="dir" op="equ" val="norm">
+          <dgm:choose name="Name4">
+            <dgm:if name="Name5" axis="ch" ptType="node" func="cnt" op="equ" val="1">
+              <dgm:constrLst>
+                <dgm:constr type="h" for="ch" forName="cycle" refType="h"/>
+                <dgm:constr type="w" for="ch" forName="cycle" refType="h" refFor="ch" refForName="cycle" fact="0.26"/>
+                <dgm:constr type="l" for="ch" forName="cycle"/>
+                <dgm:constr type="ctrY" for="ch" forName="cycle" refType="h" fact="0.5"/>
+                <dgm:constr type="diam" for="ch" forName="cycle" refType="h" fact="1.344"/>
+                <dgm:constr type="h" for="ch" forName="accent_1" refType="h" fact="0.625"/>
+                <dgm:constr type="w" for="ch" forName="accent_1" refType="h" refFor="ch" refForName="accent_1" op="equ"/>
+                <dgm:constr type="ctrY" for="ch" forName="accent_1" refType="h" fact="0.5"/>
+                <dgm:constr type="ctrX" for="ch" forName="accent_1" refType="h" fact="0.2253"/>
+                <dgm:constr type="l" for="ch" forName="text_1" refType="ctrX" refFor="ch" refForName="accent_1"/>
+                <dgm:constr type="r" for="ch" forName="text_1" refType="w"/>
+                <dgm:constr type="w" for="ch" forName="text_1" refType="h" refFor="ch" refForName="text_1" op="gte"/>
+                <dgm:constr type="h" for="ch" forName="text_1" refType="h" refFor="ch" refForName="accent_1" fact="0.8"/>
+                <dgm:constr type="ctrY" for="ch" forName="text_1" refType="ctrY" refFor="ch" refForName="accent_1"/>
+                <dgm:constr type="lMarg" for="ch" forName="text_1" refType="w" refFor="ch" refForName="accent_1" fact="1.8"/>
+                <dgm:constr type="primFontSz" for="ch" ptType="node" op="equ" val="65"/>
+              </dgm:constrLst>
+            </dgm:if>
+            <dgm:if name="Name6" axis="ch" ptType="node" func="cnt" op="equ" val="2">
+              <dgm:constrLst>
+                <dgm:constr type="h" for="ch" forName="cycle" refType="h"/>
+                <dgm:constr type="w" for="ch" forName="cycle" refType="h" refFor="ch" refForName="cycle" fact="0.26"/>
+                <dgm:constr type="l" for="ch" forName="cycle"/>
+                <dgm:constr type="ctrY" for="ch" forName="cycle" refType="h" fact="0.5"/>
+                <dgm:constr type="diam" for="ch" forName="cycle" refType="h" fact="1.344"/>
+                <dgm:constr type="h" for="ch" forName="accent_1" refType="h" fact="0.3571"/>
+                <dgm:constr type="w" for="ch" forName="accent_1" refType="h" refFor="ch" refForName="accent_1" op="equ"/>
+                <dgm:constr type="ctrY" for="ch" forName="accent_1" refType="h" fact="0.2857"/>
+                <dgm:constr type="ctrX" for="ch" forName="accent_1" refType="h" fact="0.1891"/>
+                <dgm:constr type="l" for="ch" forName="text_1" refType="ctrX" refFor="ch" refForName="accent_1"/>
+                <dgm:constr type="r" for="ch" forName="text_1" refType="w"/>
+                <dgm:constr type="w" for="ch" forName="text_1" refType="h" refFor="ch" refForName="text_1" op="gte"/>
+                <dgm:constr type="h" for="ch" forName="text_1" refType="h" refFor="ch" refForName="accent_1" fact="0.8"/>
+                <dgm:constr type="ctrY" for="ch" forName="text_1" refType="ctrY" refFor="ch" refForName="accent_1"/>
+                <dgm:constr type="lMarg" for="ch" forName="text_1" refType="w" refFor="ch" refForName="accent_1" fact="1.8"/>
+                <dgm:constr type="h" for="ch" forName="accent_2" refType="h" fact="0.3571"/>
+                <dgm:constr type="w" for="ch" forName="accent_2" refType="h" refFor="ch" refForName="accent_2" op="equ"/>
+                <dgm:constr type="ctrY" for="ch" forName="accent_2" refType="h" fact="0.7143"/>
+                <dgm:constr type="ctrX" for="ch" forName="accent_2" refType="h" fact="0.1891"/>
+                <dgm:constr type="l" for="ch" forName="text_2" refType="ctrX" refFor="ch" refForName="accent_2"/>
+                <dgm:constr type="r" for="ch" forName="text_2" refType="w"/>
+                <dgm:constr type="w" for="ch" forName="text_2" refType="h" refFor="ch" refForName="text_2" op="gte"/>
+                <dgm:constr type="h" for="ch" forName="text_2" refType="h" refFor="ch" refForName="accent_2" fact="0.8"/>
+                <dgm:constr type="ctrY" for="ch" forName="text_2" refType="ctrY" refFor="ch" refForName="accent_2"/>
+                <dgm:constr type="lMarg" for="ch" forName="text_2" refType="w" refFor="ch" refForName="accent_2" fact="1.8"/>
+                <dgm:constr type="primFontSz" for="ch" ptType="node" op="equ" val="65"/>
+              </dgm:constrLst>
+            </dgm:if>
+            <dgm:if name="Name7" axis="ch" ptType="node" func="cnt" op="equ" val="3">
+              <dgm:constrLst>
+                <dgm:constr type="h" for="ch" forName="cycle" refType="h"/>
+                <dgm:constr type="w" for="ch" forName="cycle" refType="h" refFor="ch" refForName="cycle" fact="0.26"/>
+                <dgm:constr type="l" for="ch" forName="cycle"/>
+                <dgm:constr type="ctrY" for="ch" forName="cycle" refType="h" fact="0.5"/>
+                <dgm:constr type="diam" for="ch" forName="cycle" refType="h" fact="1.344"/>
+                <dgm:constr type="h" for="ch" forName="accent_1" refType="h" fact="0.25"/>
+                <dgm:constr type="w" for="ch" forName="accent_1" refType="h" refFor="ch" refForName="accent_1" op="equ"/>
+                <dgm:constr type="ctrY" for="ch" forName="accent_1" refType="h" fact="0.2"/>
+                <dgm:constr type="ctrX" for="ch" forName="accent_1" refType="h" fact="0.1526"/>
+                <dgm:constr type="l" for="ch" forName="text_1" refType="ctrX" refFor="ch" refForName="accent_1"/>
+                <dgm:constr type="r" for="ch" forName="text_1" refType="w"/>
+                <dgm:constr type="w" for="ch" forName="text_1" refType="h" refFor="ch" refForName="text_1" op="gte"/>
+                <dgm:constr type="h" for="ch" forName="text_1" refType="h" refFor="ch" refForName="accent_1" fact="0.8"/>
+                <dgm:constr type="ctrY" for="ch" forName="text_1" refType="ctrY" refFor="ch" refForName="accent_1"/>
+                <dgm:constr type="lMarg" for="ch" forName="text_1" refType="w" refFor="ch" refForName="accent_1" fact="1.8"/>
+                <dgm:constr type="h" for="ch" forName="accent_2" refType="h" fact="0.25"/>
+                <dgm:constr type="w" for="ch" forName="accent_2" refType="h" refFor="ch" refForName="accent_2" op="equ"/>
+                <dgm:constr type="ctrY" for="ch" forName="accent_2" refType="h" fact="0.5"/>
+                <dgm:constr type="ctrX" for="ch" forName="accent_2" refType="h" fact="0.2253"/>
+                <dgm:constr type="l" for="ch" forName="text_2" refType="ctrX" refFor="ch" refForName="accent_2"/>
+                <dgm:constr type="r" for="ch" forName="text_2" refType="w"/>
+                <dgm:constr type="w" for="ch" forName="text_2" refType="h" refFor="ch" refForName="text_2" op="gte"/>
+                <dgm:constr type="h" for="ch" forName="text_2" refType="h" refFor="ch" refForName="accent_2" fact="0.8"/>
+                <dgm:constr type="ctrY" for="ch" forName="text_2" refType="ctrY" refFor="ch" refForName="accent_2"/>
+                <dgm:constr type="lMarg" for="ch" forName="text_2" refType="w" refFor="ch" refForName="accent_2" fact="1.8"/>
+                <dgm:constr type="h" for="ch" forName="accent_3" refType="h" fact="0.25"/>
+                <dgm:constr type="w" for="ch" forName="accent_3" refType="h" refFor="ch" refForName="accent_3" op="equ"/>
+                <dgm:constr type="ctrY" for="ch" forName="accent_3" refType="h" fact="0.8"/>
+                <dgm:constr type="ctrX" for="ch" forName="accent_3" refType="h" fact="0.1526"/>
+                <dgm:constr type="l" for="ch" forName="text_3" refType="ctrX" refFor="ch" refForName="accent_3"/>
+                <dgm:constr type="r" for="ch" forName="text_3" refType="w"/>
+                <dgm:constr type="w" for="ch" forName="text_3" refType="h" refFor="ch" refForName="text_3" op="gte"/>
+                <dgm:constr type="h" for="ch" forName="text_3" refType="h" refFor="ch" refForName="accent_3" fact="0.8"/>
+                <dgm:constr type="ctrY" for="ch" forName="text_3" refType="ctrY" refFor="ch" refForName="accent_3"/>
+                <dgm:constr type="lMarg" for="ch" forName="text_3" refType="w" refFor="ch" refForName="accent_3" fact="1.8"/>
+                <dgm:constr type="primFontSz" for="ch" ptType="node" op="equ" val="65"/>
+              </dgm:constrLst>
+            </dgm:if>
+            <dgm:if name="Name8" axis="ch" ptType="node" func="cnt" op="equ" val="4">
+              <dgm:constrLst>
+                <dgm:constr type="h" for="ch" forName="cycle" refType="h"/>
+                <dgm:constr type="w" for="ch" forName="cycle" refType="h" refFor="ch" refForName="cycle" fact="0.26"/>
+                <dgm:constr type="l" for="ch" forName="cycle"/>
+                <dgm:constr type="ctrY" for="ch" forName="cycle" refType="h" fact="0.5"/>
+                <dgm:constr type="diam" for="ch" forName="cycle" refType="h" fact="1.344"/>
+                <dgm:constr type="h" for="ch" forName="accent_1" refType="h" fact="0.1923"/>
+                <dgm:constr type="w" for="ch" forName="accent_1" refType="h" refFor="ch" refForName="accent_1" op="equ"/>
+                <dgm:constr type="ctrY" for="ch" forName="accent_1" refType="h" fact="0.1538"/>
+                <dgm:constr type="ctrX" for="ch" forName="accent_1" refType="h" fact="0.1268"/>
+                <dgm:constr type="l" for="ch" forName="text_1" refType="ctrX" refFor="ch" refForName="accent_1"/>
+                <dgm:constr type="r" for="ch" forName="text_1" refType="w"/>
+                <dgm:constr type="w" for="ch" forName="text_1" refType="h" refFor="ch" refForName="text_1" op="gte"/>
+                <dgm:constr type="h" for="ch" forName="text_1" refType="h" refFor="ch" refForName="accent_1" fact="0.8"/>
+                <dgm:constr type="ctrY" for="ch" forName="text_1" refType="ctrY" refFor="ch" refForName="accent_1"/>
+                <dgm:constr type="lMarg" for="ch" forName="text_1" refType="w" refFor="ch" refForName="accent_1" fact="1.8"/>
+                <dgm:constr type="h" for="ch" forName="accent_2" refType="h" fact="0.1923"/>
+                <dgm:constr type="w" for="ch" forName="accent_2" refType="h" refFor="ch" refForName="accent_2" op="equ"/>
+                <dgm:constr type="ctrY" for="ch" forName="accent_2" refType="h" fact="0.3846"/>
+                <dgm:constr type="ctrX" for="ch" forName="accent_2" refType="h" fact="0.215"/>
+                <dgm:constr type="l" for="ch" forName="text_2" refType="ctrX" refFor="ch" refForName="accent_2"/>
+                <dgm:constr type="r" for="ch" forName="text_2" refType="w"/>
+                <dgm:constr type="w" for="ch" forName="text_2" refType="h" refFor="ch" refForName="text_2" op="gte"/>
+                <dgm:constr type="h" for="ch" forName="text_2" refType="h" refFor="ch" refForName="accent_2" fact="0.8"/>
+                <dgm:constr type="ctrY" for="ch" forName="text_2" refType="ctrY" refFor="ch" refForName="accent_2"/>
+                <dgm:constr type="lMarg" for="ch" forName="text_2" refType="w" refFor="ch" refForName="accent_2" fact="1.8"/>
+                <dgm:constr type="h" for="ch" forName="accent_3" refType="h" fact="0.1923"/>
+                <dgm:constr type="w" for="ch" forName="accent_3" refType="h" refFor="ch" refForName="accent_3" op="equ"/>
+                <dgm:constr type="ctrY" for="ch" forName="accent_3" refType="h" fact="0.6154"/>
+                <dgm:constr type="ctrX" for="ch" forName="accent_3" refType="h" fact="0.215"/>
+                <dgm:constr type="l" for="ch" forName="text_3" refType="ctrX" refFor="ch" refForName="accent_3"/>
+                <dgm:constr type="r" for="ch" forName="text_3" refType="w"/>
+                <dgm:constr type="w" for="ch" forName="text_3" refType="h" refFor="ch" refForName="text_3" op="gte"/>
+                <dgm:constr type="h" for="ch" forName="text_3" refType="h" refFor="ch" refForName="accent_3" fact="0.8"/>
+                <dgm:constr type="ctrY" for="ch" forName="text_3" refType="ctrY" refFor="ch" refForName="accent_3"/>
+                <dgm:constr type="lMarg" for="ch" forName="text_3" refType="w" refFor="ch" refForName="accent_3" fact="1.8"/>
+                <dgm:constr type="h" for="ch" forName="accent_4" refType="h" fact="0.1923"/>
+                <dgm:constr type="w" for="ch" forName="accent_4" refType="h" refFor="ch" refForName="accent_4" op="equ"/>
+                <dgm:constr type="ctrY" for="ch" forName="accent_4" refType="h" fact="0.8462"/>
+                <dgm:constr type="ctrX" for="ch" forName="accent_4" refType="h" fact="0.1268"/>
+                <dgm:constr type="l" for="ch" forName="text_4" refType="ctrX" refFor="ch" refForName="accent_4"/>
+                <dgm:constr type="r" for="ch" forName="text_4" refType="w"/>
+                <dgm:constr type="w" for="ch" forName="text_4" refType="h" refFor="ch" refForName="text_4" op="gte"/>
+                <dgm:constr type="h" for="ch" forName="text_4" refType="h" refFor="ch" refForName="accent_4" fact="0.8"/>
+                <dgm:constr type="ctrY" for="ch" forName="text_4" refType="ctrY" refFor="ch" refForName="accent_4"/>
+                <dgm:constr type="lMarg" for="ch" forName="text_4" refType="w" refFor="ch" refForName="accent_4" fact="1.8"/>
+                <dgm:constr type="primFontSz" for="ch" ptType="node" op="equ" val="65"/>
+              </dgm:constrLst>
+            </dgm:if>
+            <dgm:if name="Name9" axis="ch" ptType="node" func="cnt" op="equ" val="5">
+              <dgm:constrLst>
+                <dgm:constr type="h" for="ch" forName="cycle" refType="h"/>
+                <dgm:constr type="w" for="ch" forName="cycle" refType="h" refFor="ch" refForName="cycle" fact="0.26"/>
+                <dgm:constr type="l" for="ch" forName="cycle"/>
+                <dgm:constr type="ctrY" for="ch" forName="cycle" refType="h" fact="0.5"/>
+                <dgm:constr type="diam" for="ch" forName="cycle" refType="h" fact="1.344"/>
+                <dgm:constr type="h" for="ch" forName="accent_1" refType="h" fact="0.1563"/>
+                <dgm:constr type="w" for="ch" forName="accent_1" refType="h" refFor="ch" refForName="accent_1" op="equ"/>
+                <dgm:constr type="ctrY" for="ch" forName="accent_1" refType="h" fact="0.125"/>
+                <dgm:constr type="ctrX" for="ch" forName="accent_1" refType="h" fact="0.1082"/>
+                <dgm:constr type="l" for="ch" forName="text_1" refType="ctrX" refFor="ch" refForName="accent_1"/>
+                <dgm:constr type="r" for="ch" forName="text_1" refType="w"/>
+                <dgm:constr type="w" for="ch" forName="text_1" refType="h" refFor="ch" refForName="text_1" op="gte"/>
+                <dgm:constr type="h" for="ch" forName="text_1" refType="h" refFor="ch" refForName="accent_1" fact="0.8"/>
+                <dgm:constr type="ctrY" for="ch" forName="text_1" refType="ctrY" refFor="ch" refForName="accent_1"/>
+                <dgm:constr type="lMarg" for="ch" forName="text_1" refType="w" refFor="ch" refForName="accent_1" fact="1.8"/>
+                <dgm:constr type="h" for="ch" forName="accent_2" refType="h" fact="0.1563"/>
+                <dgm:constr type="w" for="ch" forName="accent_2" refType="h" refFor="ch" refForName="accent_2" op="equ"/>
+                <dgm:constr type="ctrY" for="ch" forName="accent_2" refType="h" fact="0.3125"/>
+                <dgm:constr type="ctrX" for="ch" forName="accent_2" refType="h" fact="0.1978"/>
+                <dgm:constr type="l" for="ch" forName="text_2" refType="ctrX" refFor="ch" refForName="accent_2"/>
+                <dgm:constr type="r" for="ch" forName="text_2" refType="w"/>
+                <dgm:constr type="w" for="ch" forName="text_2" refType="h" refFor="ch" refForName="text_2" op="gte"/>
+                <dgm:constr type="h" for="ch" forName="text_2" refType="h" refFor="ch" refForName="accent_2" fact="0.8"/>
+                <dgm:constr type="ctrY" for="ch" forName="text_2" refType="ctrY" refFor="ch" refForName="accent_2"/>
+                <dgm:constr type="lMarg" for="ch" forName="text_2" refType="w" refFor="ch" refForName="accent_2" fact="1.8"/>
+                <dgm:constr type="h" for="ch" forName="accent_3" refType="h" fact="0.1563"/>
+                <dgm:constr type="w" for="ch" forName="accent_3" refType="h" refFor="ch" refForName="accent_3" op="equ"/>
+                <dgm:constr type="ctrY" for="ch" forName="accent_3" refType="h" fact="0.5"/>
+                <dgm:constr type="ctrX" for="ch" forName="accent_3" refType="h" fact="0.2253"/>
+                <dgm:constr type="l" for="ch" forName="text_3" refType="ctrX" refFor="ch" refForName="accent_3"/>
+                <dgm:constr type="r" for="ch" forName="text_3" refType="w"/>
+                <dgm:constr type="w" for="ch" forName="text_3" refType="h" refFor="ch" refForName="text_3" op="gte"/>
+                <dgm:constr type="h" for="ch" forName="text_3" refType="h" refFor="ch" refForName="accent_3" fact="0.8"/>
+                <dgm:constr type="ctrY" for="ch" forName="text_3" refType="ctrY" refFor="ch" refForName="accent_3"/>
+                <dgm:constr type="lMarg" for="ch" forName="text_3" refType="w" refFor="ch" refForName="accent_3" fact="1.8"/>
+                <dgm:constr type="h" for="ch" forName="accent_4" refType="h" fact="0.1563"/>
+                <dgm:constr type="w" for="ch" forName="accent_4" refType="h" refFor="ch" refForName="accent_4" op="equ"/>
+                <dgm:constr type="ctrY" for="ch" forName="accent_4" refType="h" fact="0.6875"/>
+                <dgm:constr type="ctrX" for="ch" forName="accent_4" refType="h" fact="0.1978"/>
+                <dgm:constr type="l" for="ch" forName="text_4" refType="ctrX" refFor="ch" refForName="accent_4"/>
+                <dgm:constr type="r" for="ch" forName="text_4" refType="w"/>
+                <dgm:constr type="w" for="ch" forName="text_4" refType="h" refFor="ch" refForName="text_4" op="gte"/>
+                <dgm:constr type="h" for="ch" forName="text_4" refType="h" refFor="ch" refForName="accent_4" fact="0.8"/>
+                <dgm:constr type="ctrY" for="ch" forName="text_4" refType="ctrY" refFor="ch" refForName="accent_4"/>
+                <dgm:constr type="lMarg" for="ch" forName="text_4" refType="w" refFor="ch" refForName="accent_4" fact="1.8"/>
+                <dgm:constr type="h" for="ch" forName="accent_5" refType="h" fact="0.1563"/>
+                <dgm:constr type="w" for="ch" forName="accent_5" refType="h" refFor="ch" refForName="accent_5" op="equ"/>
+                <dgm:constr type="ctrY" for="ch" forName="accent_5" refType="h" fact="0.875"/>
+                <dgm:constr type="ctrX" for="ch" forName="accent_5" refType="h" fact="0.1082"/>
+                <dgm:constr type="l" for="ch" forName="text_5" refType="ctrX" refFor="ch" refForName="accent_5"/>
+                <dgm:constr type="r" for="ch" forName="text_5" refType="w"/>
+                <dgm:constr type="w" for="ch" forName="text_5" refType="h" refFor="ch" refForName="text_5" op="gte"/>
+                <dgm:constr type="h" for="ch" forName="text_5" refType="h" refFor="ch" refForName="accent_5" fact="0.8"/>
+                <dgm:constr type="ctrY" for="ch" forName="text_5" refType="ctrY" refFor="ch" refForName="accent_5"/>
+                <dgm:constr type="lMarg" for="ch" forName="text_5" refType="w" refFor="ch" refForName="accent_5" fact="1.8"/>
+                <dgm:constr type="primFontSz" for="ch" ptType="node" op="equ" val="65"/>
+              </dgm:constrLst>
+            </dgm:if>
+            <dgm:if name="Name10" axis="ch" ptType="node" func="cnt" op="equ" val="6">
+              <dgm:constrLst>
+                <dgm:constr type="h" for="ch" forName="cycle" refType="h"/>
+                <dgm:constr type="w" for="ch" forName="cycle" refType="h" refFor="ch" refForName="cycle" fact="0.26"/>
+                <dgm:constr type="l" for="ch" forName="cycle"/>
+                <dgm:constr type="ctrY" for="ch" forName="cycle" refType="h" fact="0.5"/>
+                <dgm:constr type="diam" for="ch" forName="cycle" refType="h" fact="1.344"/>
+                <dgm:constr type="h" for="ch" forName="accent_1" refType="h" fact="0.1316"/>
+                <dgm:constr type="w" for="ch" forName="accent_1" refType="h" refFor="ch" refForName="accent_1" op="equ"/>
+                <dgm:constr type="ctrY" for="ch" forName="accent_1" refType="h" fact="0.1053"/>
+                <dgm:constr type="ctrX" for="ch" forName="accent_1" refType="h" fact="0.0943"/>
+                <dgm:constr type="l" for="ch" forName="text_1" refType="ctrX" refFor="ch" refForName="accent_1"/>
+                <dgm:constr type="r" for="ch" forName="text_1" refType="w"/>
+                <dgm:constr type="w" for="ch" forName="text_1" refType="h" refFor="ch" refForName="text_1" op="gte"/>
+                <dgm:constr type="h" for="ch" forName="text_1" refType="h" refFor="ch" refForName="accent_1" fact="0.8"/>
+                <dgm:constr type="ctrY" for="ch" forName="text_1" refType="ctrY" refFor="ch" refForName="accent_1"/>
+                <dgm:constr type="lMarg" for="ch" forName="text_1" refType="w" refFor="ch" refForName="accent_1" fact="1.8"/>
+                <dgm:constr type="h" for="ch" forName="accent_2" refType="h" fact="0.1316"/>
+                <dgm:constr type="w" for="ch" forName="accent_2" refType="h" refFor="ch" refForName="accent_2" op="equ"/>
+                <dgm:constr type="ctrY" for="ch" forName="accent_2" refType="h" fact="0.2632"/>
+                <dgm:constr type="ctrX" for="ch" forName="accent_2" refType="h" fact="0.1809"/>
+                <dgm:constr type="l" for="ch" forName="text_2" refType="ctrX" refFor="ch" refForName="accent_2"/>
+                <dgm:constr type="r" for="ch" forName="text_2" refType="w"/>
+                <dgm:constr type="w" for="ch" forName="text_2" refType="h" refFor="ch" refForName="text_2" op="gte"/>
+                <dgm:constr type="h" for="ch" forName="text_2" refType="h" refFor="ch" refForName="accent_2" fact="0.8"/>
+                <dgm:constr type="ctrY" for="ch" forName="text_2" refType="ctrY" refFor="ch" refForName="accent_2"/>
+                <dgm:constr type="lMarg" for="ch" forName="text_2" refType="w" refFor="ch" refForName="accent_2" fact="1.8"/>
+                <dgm:constr type="h" for="ch" forName="accent_3" refType="h" fact="0.1316"/>
+                <dgm:constr type="w" for="ch" forName="accent_3" refType="h" refFor="ch" refForName="accent_3" op="equ"/>
+                <dgm:constr type="ctrY" for="ch" forName="accent_3" refType="h" fact="0.4211"/>
+                <dgm:constr type="ctrX" for="ch" forName="accent_3" refType="h" fact="0.2205"/>
+                <dgm:constr type="l" for="ch" forName="text_3" refType="ctrX" refFor="ch" refForName="accent_3"/>
+                <dgm:constr type="r" for="ch" forName="text_3" refType="w"/>
+                <dgm:constr type="w" for="ch" forName="text_3" refType="h" refFor="ch" refForName="text_3" op="gte"/>
+                <dgm:constr type="h" for="ch" forName="text_3" refType="h" refFor="ch" refForName="accent_3" fact="0.8"/>
+                <dgm:constr type="ctrY" for="ch" forName="text_3" refType="ctrY" refFor="ch" refForName="accent_3"/>
+                <dgm:constr type="lMarg" for="ch" forName="text_3" refType="w" refFor="ch" refForName="accent_3" fact="1.8"/>
+                <dgm:constr type="h" for="ch" forName="accent_4" refType="h" fact="0.1316"/>
+                <dgm:constr type="w" for="ch" forName="accent_4" refType="h" refFor="ch" refForName="accent_4" op="equ"/>
+                <dgm:constr type="ctrY" for="ch" forName="accent_4" refType="h" fact="0.5789"/>
+                <dgm:constr type="ctrX" for="ch" forName="accent_4" refType="h" fact="0.2205"/>
+                <dgm:constr type="l" for="ch" forName="text_4" refType="ctrX" refFor="ch" refForName="accent_4"/>
+                <dgm:constr type="r" for="ch" forName="text_4" refType="w"/>
+                <dgm:constr type="w" for="ch" forName="text_4" refType="h" refFor="ch" refForName="text_4" op="gte"/>
+                <dgm:constr type="h" for="ch" forName="text_4" refType="h" refFor="ch" refForName="accent_4" fact="0.8"/>
+                <dgm:constr type="ctrY" for="ch" forName="text_4" refType="ctrY" refFor="ch" refForName="accent_4"/>
+                <dgm:constr type="lMarg" for="ch" forName="text_4" refType="w" refFor="ch" refForName="accent_4" fact="1.8"/>
+                <dgm:constr type="h" for="ch" forName="accent_5" refType="h" fact="0.1316"/>
+                <dgm:constr type="w" for="ch" forName="accent_5" refType="h" refFor="ch" refForName="accent_5" op="equ"/>
+                <dgm:constr type="ctrY" for="ch" forName="accent_5" refType="h" fact="0.7368"/>
+                <dgm:constr type="ctrX" for="ch" forName="accent_5" refType="h" fact="0.1809"/>
+                <dgm:constr type="l" for="ch" forName="text_5" refType="ctrX" refFor="ch" refForName="accent_5"/>
+                <dgm:constr type="r" for="ch" forName="text_5" refType="w"/>
+                <dgm:constr type="w" for="ch" forName="text_5" refType="h" refFor="ch" refForName="text_5" op="gte"/>
+                <dgm:constr type="h" for="ch" forName="text_5" refType="h" refFor="ch" refForName="accent_5" fact="0.8"/>
+                <dgm:constr type="ctrY" for="ch" forName="text_5" refType="ctrY" refFor="ch" refForName="accent_5"/>
+                <dgm:constr type="lMarg" for="ch" forName="text_5" refType="w" refFor="ch" refForName="accent_5" fact="1.8"/>
+                <dgm:constr type="h" for="ch" forName="accent_6" refType="h" fact="0.1316"/>
+                <dgm:constr type="w" for="ch" forName="accent_6" refType="h" refFor="ch" refForName="accent_6" op="equ"/>
+                <dgm:constr type="ctrY" for="ch" forName="accent_6" refType="h" fact="0.8947"/>
+                <dgm:constr type="ctrX" for="ch" forName="accent_6" refType="h" fact="0.0943"/>
+                <dgm:constr type="l" for="ch" forName="text_6" refType="ctrX" refFor="ch" refForName="accent_6"/>
+                <dgm:constr type="r" for="ch" forName="text_6" refType="w"/>
+                <dgm:constr type="w" for="ch" forName="text_6" refType="h" refFor="ch" refForName="text_6" op="gte"/>
+                <dgm:constr type="h" for="ch" forName="text_6" refType="h" refFor="ch" refForName="accent_6" fact="0.8"/>
+                <dgm:constr type="ctrY" for="ch" forName="text_6" refType="ctrY" refFor="ch" refForName="accent_6"/>
+                <dgm:constr type="lMarg" for="ch" forName="text_6" refType="w" refFor="ch" refForName="accent_6" fact="1.8"/>
+                <dgm:constr type="primFontSz" for="ch" ptType="node" op="equ" val="65"/>
+              </dgm:constrLst>
+            </dgm:if>
+            <dgm:else name="Name11">
+              <dgm:constrLst>
+                <dgm:constr type="h" for="ch" forName="cycle" refType="h"/>
+                <dgm:constr type="w" for="ch" forName="cycle" refType="h" refFor="ch" refForName="cycle" fact="0.26"/>
+                <dgm:constr type="l" for="ch" forName="cycle"/>
+                <dgm:constr type="ctrY" for="ch" forName="cycle" refType="h" fact="0.5"/>
+                <dgm:constr type="diam" for="ch" forName="cycle" refType="h" fact="1.344"/>
+                <dgm:constr type="h" for="ch" forName="accent_1" refType="h" fact="0.1136"/>
+                <dgm:constr type="w" for="ch" forName="accent_1" refType="h" refFor="ch" refForName="accent_1" op="equ"/>
+                <dgm:constr type="ctrY" for="ch" forName="accent_1" refType="h" fact="0.0909"/>
+                <dgm:constr type="ctrX" for="ch" forName="accent_1" refType="h" fact="0.0835"/>
+                <dgm:constr type="l" for="ch" forName="text_1" refType="ctrX" refFor="ch" refForName="accent_1"/>
+                <dgm:constr type="r" for="ch" forName="text_1" refType="w"/>
+                <dgm:constr type="w" for="ch" forName="text_1" refType="h" refFor="ch" refForName="text_1" op="gte"/>
+                <dgm:constr type="h" for="ch" forName="text_1" refType="h" refFor="ch" refForName="accent_1" fact="0.8"/>
+                <dgm:constr type="ctrY" for="ch" forName="text_1" refType="ctrY" refFor="ch" refForName="accent_1"/>
+                <dgm:constr type="lMarg" for="ch" forName="text_1" refType="w" refFor="ch" refForName="accent_1" fact="1.8"/>
+                <dgm:constr type="h" for="ch" forName="accent_2" refType="h" fact="0.1136"/>
+                <dgm:constr type="w" for="ch" forName="accent_2" refType="h" refFor="ch" refForName="accent_2" op="equ"/>
+                <dgm:constr type="ctrY" for="ch" forName="accent_2" refType="h" fact="0.2273"/>
+                <dgm:constr type="ctrX" for="ch" forName="accent_2" refType="h" fact="0.1658"/>
+                <dgm:constr type="l" for="ch" forName="text_2" refType="ctrX" refFor="ch" refForName="accent_2"/>
+                <dgm:constr type="r" for="ch" forName="text_2" refType="w"/>
+                <dgm:constr type="w" for="ch" forName="text_2" refType="h" refFor="ch" refForName="text_2" op="gte"/>
+                <dgm:constr type="h" for="ch" forName="text_2" refType="h" refFor="ch" refForName="accent_2" fact="0.8"/>
+                <dgm:constr type="ctrY" for="ch" forName="text_2" refType="ctrY" refFor="ch" refForName="accent_2"/>
+                <dgm:constr type="lMarg" for="ch" forName="text_2" refType="w" refFor="ch" refForName="accent_2" fact="1.8"/>
+                <dgm:constr type="h" for="ch" forName="accent_3" refType="h" fact="0.1136"/>
+                <dgm:constr type="w" for="ch" forName="accent_3" refType="h" refFor="ch" refForName="accent_3" op="equ"/>
+                <dgm:constr type="ctrY" for="ch" forName="accent_3" refType="h" fact="0.3636"/>
+                <dgm:constr type="ctrX" for="ch" forName="accent_3" refType="h" fact="0.2109"/>
+                <dgm:constr type="l" for="ch" forName="text_3" refType="ctrX" refFor="ch" refForName="accent_3"/>
+                <dgm:constr type="r" for="ch" forName="text_3" refType="w"/>
+                <dgm:constr type="w" for="ch" forName="text_3" refType="h" refFor="ch" refForName="text_3" op="gte"/>
+                <dgm:constr type="h" for="ch" forName="text_3" refType="h" refFor="ch" refForName="accent_3" fact="0.8"/>
+                <dgm:constr type="ctrY" for="ch" forName="text_3" refType="ctrY" refFor="ch" refForName="accent_3"/>
+                <dgm:constr type="lMarg" for="ch" forName="text_3" refType="w" refFor="ch" refForName="accent_3" fact="1.8"/>
+                <dgm:constr type="h" for="ch" forName="accent_4" refType="h" fact="0.1136"/>
+                <dgm:constr type="w" for="ch" forName="accent_4" refType="h" refFor="ch" refForName="accent_4" op="equ"/>
+                <dgm:constr type="ctrY" for="ch" forName="accent_4" refType="h" fact="0.5"/>
+                <dgm:constr type="ctrX" for="ch" forName="accent_4" refType="h" fact="0.2253"/>
+                <dgm:constr type="l" for="ch" forName="text_4" refType="ctrX" refFor="ch" refForName="accent_4"/>
+                <dgm:constr type="r" for="ch" forName="text_4" refType="w"/>
+                <dgm:constr type="w" for="ch" forName="text_4" refType="h" refFor="ch" refForName="text_4" op="gte"/>
+                <dgm:constr type="h" for="ch" forName="text_4" refType="h" refFor="ch" refForName="accent_4" fact="0.8"/>
+                <dgm:constr type="ctrY" for="ch" forName="text_4" refType="ctrY" refFor="ch" refForName="accent_4"/>
+                <dgm:constr type="lMarg" for="ch" forName="text_4" refType="w" refFor="ch" refForName="accent_4" fact="1.8"/>
+                <dgm:constr type="h" for="ch" forName="accent_5" refType="h" fact="0.1136"/>
+                <dgm:constr type="w" for="ch" forName="accent_5" refType="h" refFor="ch" refForName="accent_5" op="equ"/>
+                <dgm:constr type="ctrY" for="ch" forName="accent_5" refType="h" fact="0.6364"/>
+                <dgm:constr type="ctrX" for="ch" forName="accent_5" refType="h" fact="0.2109"/>
+                <dgm:constr type="l" for="ch" forName="text_5" refType="ctrX" refFor="ch" refForName="accent_5"/>
+                <dgm:constr type="r" for="ch" forName="text_5" refType="w"/>
+                <dgm:constr type="w" for="ch" forName="text_5" refType="h" refFor="ch" refForName="text_5" op="gte"/>
+                <dgm:constr type="h" for="ch" forName="text_5" refType="h" refFor="ch" refForName="accent_5" fact="0.8"/>
+                <dgm:constr type="ctrY" for="ch" forName="text_5" refType="ctrY" refFor="ch" refForName="accent_5"/>
+                <dgm:constr type="lMarg" for="ch" forName="text_5" refType="w" refFor="ch" refForName="accent_5" fact="1.8"/>
+                <dgm:constr type="h" for="ch" forName="accent_6" refType="h" fact="0.1136"/>
+                <dgm:constr type="w" for="ch" forName="accent_6" refType="h" refFor="ch" refForName="accent_6" op="equ"/>
+                <dgm:constr type="ctrY" for="ch" forName="accent_6" refType="h" fact="0.7727"/>
+                <dgm:constr type="ctrX" for="ch" forName="accent_6" refType="h" fact="0.1658"/>
+                <dgm:constr type="l" for="ch" forName="text_6" refType="ctrX" refFor="ch" refForName="accent_6"/>
+                <dgm:constr type="r" for="ch" forName="text_6" refType="w"/>
+                <dgm:constr type="w" for="ch" forName="text_6" refType="h" refFor="ch" refForName="text_6" op="gte"/>
+                <dgm:constr type="h" for="ch" forName="text_6" refType="h" refFor="ch" refForName="accent_6" fact="0.8"/>
+                <dgm:constr type="ctrY" for="ch" forName="text_6" refType="ctrY" refFor="ch" refForName="accent_6"/>
+                <dgm:constr type="lMarg" for="ch" forName="text_6" refType="w" refFor="ch" refForName="accent_6" fact="1.8"/>
+                <dgm:constr type="h" for="ch" forName="accent_7" refType="h" fact="0.1136"/>
+                <dgm:constr type="w" for="ch" forName="accent_7" refType="h" refFor="ch" refForName="accent_7" op="equ"/>
+                <dgm:constr type="ctrY" for="ch" forName="accent_7" refType="h" fact="0.9091"/>
+                <dgm:constr type="ctrX" for="ch" forName="accent_7" refType="h" fact="0.0835"/>
+                <dgm:constr type="l" for="ch" forName="text_7" refType="ctrX" refFor="ch" refForName="accent_7"/>
+                <dgm:constr type="r" for="ch" forName="text_7" refType="w"/>
+                <dgm:constr type="w" for="ch" forName="text_7" refType="h" refFor="ch" refForName="text_7" op="gte"/>
+                <dgm:constr type="h" for="ch" forName="text_7" refType="h" refFor="ch" refForName="accent_7" fact="0.8"/>
+                <dgm:constr type="ctrY" for="ch" forName="text_7" refType="ctrY" refFor="ch" refForName="accent_7"/>
+                <dgm:constr type="lMarg" for="ch" forName="text_7" refType="w" refFor="ch" refForName="accent_7" fact="1.8"/>
+                <dgm:constr type="primFontSz" for="ch" ptType="node" op="equ" val="65"/>
+              </dgm:constrLst>
+            </dgm:else>
+          </dgm:choose>
+        </dgm:if>
+        <dgm:else name="Name12">
+          <dgm:choose name="Name13">
+            <dgm:if name="Name14" axis="ch" ptType="node" func="cnt" op="equ" val="1">
+              <dgm:constrLst>
+                <dgm:constr type="h" for="ch" forName="cycle" refType="h"/>
+                <dgm:constr type="w" for="ch" forName="cycle" refType="h" refFor="ch" refForName="cycle" fact="0.26"/>
+                <dgm:constr type="r" for="ch" forName="cycle" refType="w"/>
+                <dgm:constr type="ctrY" for="ch" forName="cycle" refType="h" fact="0.5"/>
+                <dgm:constr type="diam" for="ch" forName="cycle" refType="h" fact="1.344"/>
+                <dgm:constr type="h" for="ch" forName="accent_1" refType="h" fact="0.625"/>
+                <dgm:constr type="w" for="ch" forName="accent_1" refType="h" refFor="ch" refForName="accent_1" op="equ"/>
+                <dgm:constr type="ctrY" for="ch" forName="accent_1" refType="h" fact="0.5"/>
+                <dgm:constr type="ctrX" for="ch" forName="accent_1" refType="w"/>
+                <dgm:constr type="ctrXOff" for="ch" forName="accent_1" refType="h" fact="-0.2253"/>
+                <dgm:constr type="r" for="ch" forName="text_1" refType="ctrX" refFor="ch" refForName="accent_1"/>
+                <dgm:constr type="rOff" for="ch" forName="text_1" refType="ctrXOff" refFor="ch" refForName="accent_1"/>
+                <dgm:constr type="l" for="ch" forName="text_1"/>
+                <dgm:constr type="w" for="ch" forName="text_1" refType="h" refFor="ch" refForName="text_1" op="gte"/>
+                <dgm:constr type="h" for="ch" forName="text_1" refType="h" refFor="ch" refForName="accent_1" fact="0.8"/>
+                <dgm:constr type="ctrY" for="ch" forName="text_1" refType="ctrY" refFor="ch" refForName="accent_1"/>
+                <dgm:constr type="rMarg" for="ch" forName="text_1" refType="w" refFor="ch" refForName="accent_1" fact="1.8"/>
+                <dgm:constr type="primFontSz" for="ch" ptType="node" op="equ" val="65"/>
+              </dgm:constrLst>
+            </dgm:if>
+            <dgm:if name="Name15" axis="ch" ptType="node" func="cnt" op="equ" val="2">
+              <dgm:constrLst>
+                <dgm:constr type="h" for="ch" forName="cycle" refType="h"/>
+                <dgm:constr type="w" for="ch" forName="cycle" refType="h" refFor="ch" refForName="cycle" fact="0.26"/>
+                <dgm:constr type="r" for="ch" forName="cycle" refType="w"/>
+                <dgm:constr type="ctrY" for="ch" forName="cycle" refType="h" fact="0.5"/>
+                <dgm:constr type="diam" for="ch" forName="cycle" refType="h" fact="1.344"/>
+                <dgm:constr type="h" for="ch" forName="accent_1" refType="h" fact="0.3571"/>
+                <dgm:constr type="w" for="ch" forName="accent_1" refType="h" refFor="ch" refForName="accent_1" op="equ"/>
+                <dgm:constr type="ctrY" for="ch" forName="accent_1" refType="h" fact="0.2857"/>
+                <dgm:constr type="ctrX" for="ch" forName="accent_1" refType="w"/>
+                <dgm:constr type="ctrXOff" for="ch" forName="accent_1" refType="h" fact="-0.1891"/>
+                <dgm:constr type="r" for="ch" forName="text_1" refType="ctrX" refFor="ch" refForName="accent_1"/>
+                <dgm:constr type="rOff" for="ch" forName="text_1" refType="ctrXOff" refFor="ch" refForName="accent_1"/>
+                <dgm:constr type="l" for="ch" forName="text_1"/>
+                <dgm:constr type="w" for="ch" forName="text_1" refType="h" refFor="ch" refForName="text_1" op="gte"/>
+                <dgm:constr type="h" for="ch" forName="text_1" refType="h" refFor="ch" refForName="accent_1" fact="0.8"/>
+                <dgm:constr type="ctrY" for="ch" forName="text_1" refType="ctrY" refFor="ch" refForName="accent_1"/>
+                <dgm:constr type="rMarg" for="ch" forName="text_1" refType="w" refFor="ch" refForName="accent_1" fact="1.8"/>
+                <dgm:constr type="h" for="ch" forName="accent_2" refType="h" fact="0.3571"/>
+                <dgm:constr type="w" for="ch" forName="accent_2" refType="h" refFor="ch" refForName="accent_2" op="equ"/>
+                <dgm:constr type="ctrY" for="ch" forName="accent_2" refType="h" fact="0.7143"/>
+                <dgm:constr type="ctrX" for="ch" forName="accent_2" refType="w"/>
+                <dgm:constr type="ctrXOff" for="ch" forName="accent_2" refType="h" fact="-0.1891"/>
+                <dgm:constr type="r" for="ch" forName="text_2" refType="ctrX" refFor="ch" refForName="accent_2"/>
+                <dgm:constr type="rOff" for="ch" forName="text_2" refType="ctrXOff" refFor="ch" refForName="accent_2"/>
+                <dgm:constr type="l" for="ch" forName="text_2"/>
+                <dgm:constr type="w" for="ch" forName="text_2" refType="h" refFor="ch" refForName="text_2" op="gte"/>
+                <dgm:constr type="h" for="ch" forName="text_2" refType="h" refFor="ch" refForName="accent_2" fact="0.8"/>
+                <dgm:constr type="ctrY" for="ch" forName="text_2" refType="ctrY" refFor="ch" refForName="accent_2"/>
+                <dgm:constr type="rMarg" for="ch" forName="text_2" refType="w" refFor="ch" refForName="accent_2" fact="1.8"/>
+                <dgm:constr type="primFontSz" for="ch" ptType="node" op="equ" val="65"/>
+              </dgm:constrLst>
+            </dgm:if>
+            <dgm:if name="Name16" axis="ch" ptType="node" func="cnt" op="equ" val="3">
+              <dgm:constrLst>
+                <dgm:constr type="h" for="ch" forName="cycle" refType="h"/>
+                <dgm:constr type="w" for="ch" forName="cycle" refType="h" refFor="ch" refForName="cycle" fact="0.26"/>
+                <dgm:constr type="r" for="ch" forName="cycle" refType="w"/>
+                <dgm:constr type="ctrY" for="ch" forName="cycle" refType="h" fact="0.5"/>
+                <dgm:constr type="diam" for="ch" forName="cycle" refType="h" fact="1.344"/>
+                <dgm:constr type="h" for="ch" forName="accent_1" refType="h" fact="0.25"/>
+                <dgm:constr type="w" for="ch" forName="accent_1" refType="h" refFor="ch" refForName="accent_1" op="equ"/>
+                <dgm:constr type="ctrY" for="ch" forName="accent_1" refType="h" fact="0.2"/>
+                <dgm:constr type="ctrX" for="ch" forName="accent_1" refType="w"/>
+                <dgm:constr type="ctrXOff" for="ch" forName="accent_1" refType="h" fact="-0.1526"/>
+                <dgm:constr type="r" for="ch" forName="text_1" refType="ctrX" refFor="ch" refForName="accent_1"/>
+                <dgm:constr type="rOff" for="ch" forName="text_1" refType="ctrXOff" refFor="ch" refForName="accent_1"/>
+                <dgm:constr type="l" for="ch" forName="text_1"/>
+                <dgm:constr type="w" for="ch" forName="text_1" refType="h" refFor="ch" refForName="text_1" op="gte"/>
+                <dgm:constr type="h" for="ch" forName="text_1" refType="h" refFor="ch" refForName="accent_1" fact="0.8"/>
+                <dgm:constr type="ctrY" for="ch" forName="text_1" refType="ctrY" refFor="ch" refForName="accent_1"/>
+                <dgm:constr type="rMarg" for="ch" forName="text_1" refType="w" refFor="ch" refForName="accent_1" fact="1.8"/>
+                <dgm:constr type="h" for="ch" forName="accent_2" refType="h" fact="0.25"/>
+                <dgm:constr type="w" for="ch" forName="accent_2" refType="h" refFor="ch" refForName="accent_2" op="equ"/>
+                <dgm:constr type="ctrY" for="ch" forName="accent_2" refType="h" fact="0.5"/>
+                <dgm:constr type="ctrX" for="ch" forName="accent_2" refType="w"/>
+                <dgm:constr type="ctrXOff" for="ch" forName="accent_2" refType="h" fact="-0.2253"/>
+                <dgm:constr type="r" for="ch" forName="text_2" refType="ctrX" refFor="ch" refForName="accent_2"/>
+                <dgm:constr type="rOff" for="ch" forName="text_2" refType="ctrXOff" refFor="ch" refForName="accent_2"/>
+                <dgm:constr type="l" for="ch" forName="text_2"/>
+                <dgm:constr type="w" for="ch" forName="text_2" refType="h" refFor="ch" refForName="text_2" op="gte"/>
+                <dgm:constr type="h" for="ch" forName="text_2" refType="h" refFor="ch" refForName="accent_2" fact="0.8"/>
+                <dgm:constr type="ctrY" for="ch" forName="text_2" refType="ctrY" refFor="ch" refForName="accent_2"/>
+                <dgm:constr type="rMarg" for="ch" forName="text_2" refType="w" refFor="ch" refForName="accent_2" fact="1.8"/>
+                <dgm:constr type="h" for="ch" forName="accent_3" refType="h" fact="0.25"/>
+                <dgm:constr type="w" for="ch" forName="accent_3" refType="h" refFor="ch" refForName="accent_3" op="equ"/>
+                <dgm:constr type="ctrY" for="ch" forName="accent_3" refType="h" fact="0.8"/>
+                <dgm:constr type="ctrX" for="ch" forName="accent_3" refType="w"/>
+                <dgm:constr type="ctrXOff" for="ch" forName="accent_3" refType="h" fact="-0.1526"/>
+                <dgm:constr type="r" for="ch" forName="text_3" refType="ctrX" refFor="ch" refForName="accent_3"/>
+                <dgm:constr type="rOff" for="ch" forName="text_3" refType="ctrXOff" refFor="ch" refForName="accent_3"/>
+                <dgm:constr type="l" for="ch" forName="text_3"/>
+                <dgm:constr type="w" for="ch" forName="text_3" refType="h" refFor="ch" refForName="text_3" op="gte"/>
+                <dgm:constr type="h" for="ch" forName="text_3" refType="h" refFor="ch" refForName="accent_3" fact="0.8"/>
+                <dgm:constr type="ctrY" for="ch" forName="text_3" refType="ctrY" refFor="ch" refForName="accent_3"/>
+                <dgm:constr type="rMarg" for="ch" forName="text_3" refType="w" refFor="ch" refForName="accent_3" fact="1.8"/>
+                <dgm:constr type="primFontSz" for="ch" ptType="node" op="equ" val="65"/>
+              </dgm:constrLst>
+            </dgm:if>
+            <dgm:if name="Name17" axis="ch" ptType="node" func="cnt" op="equ" val="4">
+              <dgm:constrLst>
+                <dgm:constr type="h" for="ch" forName="cycle" refType="h"/>
+                <dgm:constr type="w" for="ch" forName="cycle" refType="h" refFor="ch" refForName="cycle" fact="0.26"/>
+                <dgm:constr type="r" for="ch" forName="cycle" refType="w"/>
+                <dgm:constr type="ctrY" for="ch" forName="cycle" refType="h" fact="0.5"/>
+                <dgm:constr type="diam" for="ch" forName="cycle" refType="h" fact="1.344"/>
+                <dgm:constr type="h" for="ch" forName="accent_1" refType="h" fact="0.1923"/>
+                <dgm:constr type="w" for="ch" forName="accent_1" refType="h" refFor="ch" refForName="accent_1" op="equ"/>
+                <dgm:constr type="ctrY" for="ch" forName="accent_1" refType="h" fact="0.1538"/>
+                <dgm:constr type="ctrX" for="ch" forName="accent_1" refType="w"/>
+                <dgm:constr type="ctrXOff" for="ch" forName="accent_1" refType="h" fact="-0.1268"/>
+                <dgm:constr type="r" for="ch" forName="text_1" refType="ctrX" refFor="ch" refForName="accent_1"/>
+                <dgm:constr type="rOff" for="ch" forName="text_1" refType="ctrXOff" refFor="ch" refForName="accent_1"/>
+                <dgm:constr type="l" for="ch" forName="text_1"/>
+                <dgm:constr type="w" for="ch" forName="text_1" refType="h" refFor="ch" refForName="text_1" op="gte"/>
+                <dgm:constr type="h" for="ch" forName="text_1" refType="h" refFor="ch" refForName="accent_1" fact="0.8"/>
+                <dgm:constr type="ctrY" for="ch" forName="text_1" refType="ctrY" refFor="ch" refForName="accent_1"/>
+                <dgm:constr type="rMarg" for="ch" forName="text_1" refType="w" refFor="ch" refForName="accent_1" fact="1.8"/>
+                <dgm:constr type="h" for="ch" forName="accent_2" refType="h" fact="0.1923"/>
+                <dgm:constr type="w" for="ch" forName="accent_2" refType="h" refFor="ch" refForName="accent_2" op="equ"/>
+                <dgm:constr type="ctrY" for="ch" forName="accent_2" refType="h" fact="0.3846"/>
+                <dgm:constr type="ctrX" for="ch" forName="accent_2" refType="w"/>
+                <dgm:constr type="ctrXOff" for="ch" forName="accent_2" refType="h" fact="-0.215"/>
+                <dgm:constr type="r" for="ch" forName="text_2" refType="ctrX" refFor="ch" refForName="accent_2"/>
+                <dgm:constr type="rOff" for="ch" forName="text_2" refType="ctrXOff" refFor="ch" refForName="accent_2"/>
+                <dgm:constr type="l" for="ch" forName="text_2"/>
+                <dgm:constr type="w" for="ch" forName="text_2" refType="h" refFor="ch" refForName="text_2" op="gte"/>
+                <dgm:constr type="h" for="ch" forName="text_2" refType="h" refFor="ch" refForName="accent_2" fact="0.8"/>
+                <dgm:constr type="ctrY" for="ch" forName="text_2" refType="ctrY" refFor="ch" refForName="accent_2"/>
+                <dgm:constr type="rMarg" for="ch" forName="text_2" refType="w" refFor="ch" refForName="accent_2" fact="1.8"/>
+                <dgm:constr type="h" for="ch" forName="accent_3" refType="h" fact="0.1923"/>
+                <dgm:constr type="w" for="ch" forName="accent_3" refType="h" refFor="ch" refForName="accent_3" op="equ"/>
+                <dgm:constr type="ctrY" for="ch" forName="accent_3" refType="h" fact="0.6154"/>
+                <dgm:constr type="ctrX" for="ch" forName="accent_3" refType="w"/>
+                <dgm:constr type="ctrXOff" for="ch" forName="accent_3" refType="h" fact="-0.215"/>
+                <dgm:constr type="r" for="ch" forName="text_3" refType="ctrX" refFor="ch" refForName="accent_3"/>
+                <dgm:constr type="rOff" for="ch" forName="text_3" refType="ctrXOff" refFor="ch" refForName="accent_3"/>
+                <dgm:constr type="l" for="ch" forName="text_3"/>
+                <dgm:constr type="w" for="ch" forName="text_3" refType="h" refFor="ch" refForName="text_3" op="gte"/>
+                <dgm:constr type="h" for="ch" forName="text_3" refType="h" refFor="ch" refForName="accent_3" fact="0.8"/>
+                <dgm:constr type="ctrY" for="ch" forName="text_3" refType="ctrY" refFor="ch" refForName="accent_3"/>
+                <dgm:constr type="rMarg" for="ch" forName="text_3" refType="w" refFor="ch" refForName="accent_3" fact="1.8"/>
+                <dgm:constr type="h" for="ch" forName="accent_4" refType="h" fact="0.1923"/>
+                <dgm:constr type="w" for="ch" forName="accent_4" refType="h" refFor="ch" refForName="accent_4" op="equ"/>
+                <dgm:constr type="ctrY" for="ch" forName="accent_4" refType="h" fact="0.8462"/>
+                <dgm:constr type="ctrX" for="ch" forName="accent_4" refType="w"/>
+                <dgm:constr type="ctrXOff" for="ch" forName="accent_4" refType="h" fact="-0.1268"/>
+                <dgm:constr type="r" for="ch" forName="text_4" refType="ctrX" refFor="ch" refForName="accent_4"/>
+                <dgm:constr type="rOff" for="ch" forName="text_4" refType="ctrXOff" refFor="ch" refForName="accent_4"/>
+                <dgm:constr type="l" for="ch" forName="text_4"/>
+                <dgm:constr type="w" for="ch" forName="text_4" refType="h" refFor="ch" refForName="text_4" op="gte"/>
+                <dgm:constr type="h" for="ch" forName="text_4" refType="h" refFor="ch" refForName="accent_4" fact="0.8"/>
+                <dgm:constr type="ctrY" for="ch" forName="text_4" refType="ctrY" refFor="ch" refForName="accent_4"/>
+                <dgm:constr type="rMarg" for="ch" forName="text_4" refType="w" refFor="ch" refForName="accent_4" fact="1.8"/>
+                <dgm:constr type="primFontSz" for="ch" ptType="node" op="equ" val="65"/>
+              </dgm:constrLst>
+            </dgm:if>
+            <dgm:if name="Name18" axis="ch" ptType="node" func="cnt" op="equ" val="5">
+              <dgm:constrLst>
+                <dgm:constr type="h" for="ch" forName="cycle" refType="h"/>
+                <dgm:constr type="w" for="ch" forName="cycle" refType="h" refFor="ch" refForName="cycle" fact="0.26"/>
+                <dgm:constr type="r" for="ch" forName="cycle" refType="w"/>
+                <dgm:constr type="ctrY" for="ch" forName="cycle" refType="h" fact="0.5"/>
+                <dgm:constr type="diam" for="ch" forName="cycle" refType="h" fact="1.344"/>
+                <dgm:constr type="h" for="ch" forName="accent_1" refType="h" fact="0.1563"/>
+                <dgm:constr type="w" for="ch" forName="accent_1" refType="h" refFor="ch" refForName="accent_1" op="equ"/>
+                <dgm:constr type="ctrY" for="ch" forName="accent_1" refType="h" fact="0.125"/>
+                <dgm:constr type="ctrX" for="ch" forName="accent_1" refType="w"/>
+                <dgm:constr type="ctrXOff" for="ch" forName="accent_1" refType="h" fact="-0.1082"/>
+                <dgm:constr type="r" for="ch" forName="text_1" refType="ctrX" refFor="ch" refForName="accent_1"/>
+                <dgm:constr type="rOff" for="ch" forName="text_1" refType="ctrXOff" refFor="ch" refForName="accent_1"/>
+                <dgm:constr type="l" for="ch" forName="text_1"/>
+                <dgm:constr type="w" for="ch" forName="text_1" refType="h" refFor="ch" refForName="text_1" op="gte"/>
+                <dgm:constr type="h" for="ch" forName="text_1" refType="h" refFor="ch" refForName="accent_1" fact="0.8"/>
+                <dgm:constr type="ctrY" for="ch" forName="text_1" refType="ctrY" refFor="ch" refForName="accent_1"/>
+                <dgm:constr type="rMarg" for="ch" forName="text_1" refType="w" refFor="ch" refForName="accent_1" fact="1.8"/>
+                <dgm:constr type="h" for="ch" forName="accent_2" refType="h" fact="0.1563"/>
+                <dgm:constr type="w" for="ch" forName="accent_2" refType="h" refFor="ch" refForName="accent_2" op="equ"/>
+                <dgm:constr type="ctrY" for="ch" forName="accent_2" refType="h" fact="0.3125"/>
+                <dgm:constr type="ctrX" for="ch" forName="accent_2" refType="w"/>
+                <dgm:constr type="ctrXOff" for="ch" forName="accent_2" refType="h" fact="-0.1978"/>
+                <dgm:constr type="r" for="ch" forName="text_2" refType="ctrX" refFor="ch" refForName="accent_2"/>
+                <dgm:constr type="rOff" for="ch" forName="text_2" refType="ctrXOff" refFor="ch" refForName="accent_2"/>
+                <dgm:constr type="l" for="ch" forName="text_2"/>
+                <dgm:constr type="w" for="ch" forName="text_2" refType="h" refFor="ch" refForName="text_2" op="gte"/>
+                <dgm:constr type="h" for="ch" forName="text_2" refType="h" refFor="ch" refForName="accent_2" fact="0.8"/>
+                <dgm:constr type="ctrY" for="ch" forName="text_2" refType="ctrY" refFor="ch" refForName="accent_2"/>
+                <dgm:constr type="rMarg" for="ch" forName="text_2" refType="w" refFor="ch" refForName="accent_2" fact="1.8"/>
+                <dgm:constr type="h" for="ch" forName="accent_3" refType="h" fact="0.1563"/>
+                <dgm:constr type="w" for="ch" forName="accent_3" refType="h" refFor="ch" refForName="accent_3" op="equ"/>
+                <dgm:constr type="ctrY" for="ch" forName="accent_3" refType="h" fact="0.5"/>
+                <dgm:constr type="ctrX" for="ch" forName="accent_3" refType="w"/>
+                <dgm:constr type="ctrXOff" for="ch" forName="accent_3" refType="h" fact="-0.2253"/>
+                <dgm:constr type="r" for="ch" forName="text_3" refType="ctrX" refFor="ch" refForName="accent_3"/>
+                <dgm:constr type="rOff" for="ch" forName="text_3" refType="ctrXOff" refFor="ch" refForName="accent_3"/>
+                <dgm:constr type="l" for="ch" forName="text_3"/>
+                <dgm:constr type="w" for="ch" forName="text_3" refType="h" refFor="ch" refForName="text_3" op="gte"/>
+                <dgm:constr type="h" for="ch" forName="text_3" refType="h" refFor="ch" refForName="accent_3" fact="0.8"/>
+                <dgm:constr type="ctrY" for="ch" forName="text_3" refType="ctrY" refFor="ch" refForName="accent_3"/>
+                <dgm:constr type="rMarg" for="ch" forName="text_3" refType="w" refFor="ch" refForName="accent_3" fact="1.8"/>
+                <dgm:constr type="h" for="ch" forName="accent_4" refType="h" fact="0.1563"/>
+                <dgm:constr type="w" for="ch" forName="accent_4" refType="h" refFor="ch" refForName="accent_4" op="equ"/>
+                <dgm:constr type="ctrY" for="ch" forName="accent_4" refType="h" fact="0.6875"/>
+                <dgm:constr type="ctrX" for="ch" forName="accent_4" refType="w"/>
+                <dgm:constr type="ctrXOff" for="ch" forName="accent_4" refType="h" fact="-0.1978"/>
+                <dgm:constr type="r" for="ch" forName="text_4" refType="ctrX" refFor="ch" refForName="accent_4"/>
+                <dgm:constr type="rOff" for="ch" forName="text_4" refType="ctrXOff" refFor="ch" refForName="accent_4"/>
+                <dgm:constr type="l" for="ch" forName="text_4"/>
+                <dgm:constr type="w" for="ch" forName="text_4" refType="h" refFor="ch" refForName="text_4" op="gte"/>
+                <dgm:constr type="h" for="ch" forName="text_4" refType="h" refFor="ch" refForName="accent_4" fact="0.8"/>
+                <dgm:constr type="ctrY" for="ch" forName="text_4" refType="ctrY" refFor="ch" refForName="accent_4"/>
+                <dgm:constr type="rMarg" for="ch" forName="text_4" refType="w" refFor="ch" refForName="accent_4" fact="1.8"/>
+                <dgm:constr type="h" for="ch" forName="accent_5" refType="h" fact="0.1563"/>
+                <dgm:constr type="w" for="ch" forName="accent_5" refType="h" refFor="ch" refForName="accent_5" op="equ"/>
+                <dgm:constr type="ctrY" for="ch" forName="accent_5" refType="h" fact="0.875"/>
+                <dgm:constr type="ctrX" for="ch" forName="accent_5" refType="w"/>
+                <dgm:constr type="ctrXOff" for="ch" forName="accent_5" refType="h" fact="-0.1082"/>
+                <dgm:constr type="r" for="ch" forName="text_5" refType="ctrX" refFor="ch" refForName="accent_5"/>
+                <dgm:constr type="rOff" for="ch" forName="text_5" refType="ctrXOff" refFor="ch" refForName="accent_5"/>
+                <dgm:constr type="l" for="ch" forName="text_5"/>
+                <dgm:constr type="w" for="ch" forName="text_5" refType="h" refFor="ch" refForName="text_5" op="gte"/>
+                <dgm:constr type="h" for="ch" forName="text_5" refType="h" refFor="ch" refForName="accent_5" fact="0.8"/>
+                <dgm:constr type="ctrY" for="ch" forName="text_5" refType="ctrY" refFor="ch" refForName="accent_5"/>
+                <dgm:constr type="rMarg" for="ch" forName="text_5" refType="w" refFor="ch" refForName="accent_5" fact="1.8"/>
+                <dgm:constr type="primFontSz" for="ch" ptType="node" op="equ" val="65"/>
+              </dgm:constrLst>
+            </dgm:if>
+            <dgm:if name="Name19" axis="ch" ptType="node" func="cnt" op="equ" val="6">
+              <dgm:constrLst>
+                <dgm:constr type="h" for="ch" forName="cycle" refType="h"/>
+                <dgm:constr type="w" for="ch" forName="cycle" refType="h" refFor="ch" refForName="cycle" fact="0.26"/>
+                <dgm:constr type="r" for="ch" forName="cycle" refType="w"/>
+                <dgm:constr type="ctrY" for="ch" forName="cycle" refType="h" fact="0.5"/>
+                <dgm:constr type="diam" for="ch" forName="cycle" refType="h" fact="1.344"/>
+                <dgm:constr type="h" for="ch" forName="accent_1" refType="h" fact="0.1316"/>
+                <dgm:constr type="w" for="ch" forName="accent_1" refType="h" refFor="ch" refForName="accent_1" op="equ"/>
+                <dgm:constr type="ctrY" for="ch" forName="accent_1" refType="h" fact="0.1053"/>
+                <dgm:constr type="ctrX" for="ch" forName="accent_1" refType="w"/>
+                <dgm:constr type="ctrXOff" for="ch" forName="accent_1" refType="h" fact="-0.0943"/>
+                <dgm:constr type="r" for="ch" forName="text_1" refType="ctrX" refFor="ch" refForName="accent_1"/>
+                <dgm:constr type="rOff" for="ch" forName="text_1" refType="ctrXOff" refFor="ch" refForName="accent_1"/>
+                <dgm:constr type="l" for="ch" forName="text_1"/>
+                <dgm:constr type="w" for="ch" forName="text_1" refType="h" refFor="ch" refForName="text_1" op="gte"/>
+                <dgm:constr type="h" for="ch" forName="text_1" refType="h" refFor="ch" refForName="accent_1" fact="0.8"/>
+                <dgm:constr type="ctrY" for="ch" forName="text_1" refType="ctrY" refFor="ch" refForName="accent_1"/>
+                <dgm:constr type="rMarg" for="ch" forName="text_1" refType="w" refFor="ch" refForName="accent_1" fact="1.8"/>
+                <dgm:constr type="h" for="ch" forName="accent_2" refType="h" fact="0.1316"/>
+                <dgm:constr type="w" for="ch" forName="accent_2" refType="h" refFor="ch" refForName="accent_2" op="equ"/>
+                <dgm:constr type="ctrY" for="ch" forName="accent_2" refType="h" fact="0.2632"/>
+                <dgm:constr type="ctrX" for="ch" forName="accent_2" refType="w"/>
+                <dgm:constr type="ctrXOff" for="ch" forName="accent_2" refType="h" fact="-0.1809"/>
+                <dgm:constr type="r" for="ch" forName="text_2" refType="ctrX" refFor="ch" refForName="accent_2"/>
+                <dgm:constr type="rOff" for="ch" forName="text_2" refType="ctrXOff" refFor="ch" refForName="accent_2"/>
+                <dgm:constr type="l" for="ch" forName="text_2"/>
+                <dgm:constr type="w" for="ch" forName="text_2" refType="h" refFor="ch" refForName="text_2" op="gte"/>
+                <dgm:constr type="h" for="ch" forName="text_2" refType="h" refFor="ch" refForName="accent_2" fact="0.8"/>
+                <dgm:constr type="ctrY" for="ch" forName="text_2" refType="ctrY" refFor="ch" refForName="accent_2"/>
+                <dgm:constr type="rMarg" for="ch" forName="text_2" refType="w" refFor="ch" refForName="accent_2" fact="1.8"/>
+                <dgm:constr type="h" for="ch" forName="accent_3" refType="h" fact="0.1316"/>
+                <dgm:constr type="w" for="ch" forName="accent_3" refType="h" refFor="ch" refForName="accent_3" op="equ"/>
+                <dgm:constr type="ctrY" for="ch" forName="accent_3" refType="h" fact="0.4211"/>
+                <dgm:constr type="ctrX" for="ch" forName="accent_3" refType="w"/>
+                <dgm:constr type="ctrXOff" for="ch" forName="accent_3" refType="h" fact="-0.2205"/>
+                <dgm:constr type="r" for="ch" forName="text_3" refType="ctrX" refFor="ch" refForName="accent_3"/>
+                <dgm:constr type="rOff" for="ch" forName="text_3" refType="ctrXOff" refFor="ch" refForName="accent_3"/>
+                <dgm:constr type="l" for="ch" forName="text_3"/>
+                <dgm:constr type="w" for="ch" forName="text_3" refType="h" refFor="ch" refForName="text_3" op="gte"/>
+                <dgm:constr type="h" for="ch" forName="text_3" refType="h" refFor="ch" refForName="accent_3" fact="0.8"/>
+                <dgm:constr type="ctrY" for="ch" forName="text_3" refType="ctrY" refFor="ch" refForName="accent_3"/>
+                <dgm:constr type="rMarg" for="ch" forName="text_3" refType="w" refFor="ch" refForName="accent_3" fact="1.8"/>
+                <dgm:constr type="h" for="ch" forName="accent_4" refType="h" fact="0.1316"/>
+                <dgm:constr type="w" for="ch" forName="accent_4" refType="h" refFor="ch" refForName="accent_4" op="equ"/>
+                <dgm:constr type="ctrY" for="ch" forName="accent_4" refType="h" fact="0.5789"/>
+                <dgm:constr type="ctrX" for="ch" forName="accent_4" refType="w"/>
+                <dgm:constr type="ctrXOff" for="ch" forName="accent_4" refType="h" fact="-0.2205"/>
+                <dgm:constr type="r" for="ch" forName="text_4" refType="ctrX" refFor="ch" refForName="accent_4"/>
+                <dgm:constr type="rOff" for="ch" forName="text_4" refType="ctrXOff" refFor="ch" refForName="accent_4"/>
+                <dgm:constr type="l" for="ch" forName="text_4"/>
+                <dgm:constr type="w" for="ch" forName="text_4" refType="h" refFor="ch" refForName="text_4" op="gte"/>
+                <dgm:constr type="h" for="ch" forName="text_4" refType="h" refFor="ch" refForName="accent_4" fact="0.8"/>
+                <dgm:constr type="ctrY" for="ch" forName="text_4" refType="ctrY" refFor="ch" refForName="accent_4"/>
+                <dgm:constr type="rMarg" for="ch" forName="text_4" refType="w" refFor="ch" refForName="accent_4" fact="1.8"/>
+                <dgm:constr type="h" for="ch" forName="accent_5" refType="h" fact="0.1316"/>
+                <dgm:constr type="w" for="ch" forName="accent_5" refType="h" refFor="ch" refForName="accent_5" op="equ"/>
+                <dgm:constr type="ctrY" for="ch" forName="accent_5" refType="h" fact="0.7368"/>
+                <dgm:constr type="ctrX" for="ch" forName="accent_5" refType="w"/>
+                <dgm:constr type="ctrXOff" for="ch" forName="accent_5" refType="h" fact="-0.1809"/>
+                <dgm:constr type="r" for="ch" forName="text_5" refType="ctrX" refFor="ch" refForName="accent_5"/>
+                <dgm:constr type="rOff" for="ch" forName="text_5" refType="ctrXOff" refFor="ch" refForName="accent_5"/>
+                <dgm:constr type="l" for="ch" forName="text_5"/>
+                <dgm:constr type="w" for="ch" forName="text_5" refType="h" refFor="ch" refForName="text_5" op="gte"/>
+                <dgm:constr type="h" for="ch" forName="text_5" refType="h" refFor="ch" refForName="accent_5" fact="0.8"/>
+                <dgm:constr type="ctrY" for="ch" forName="text_5" refType="ctrY" refFor="ch" refForName="accent_5"/>
+                <dgm:constr type="rMarg" for="ch" forName="text_5" refType="w" refFor="ch" refForName="accent_5" fact="1.8"/>
+                <dgm:constr type="h" for="ch" forName="accent_6" refType="h" fact="0.1316"/>
+                <dgm:constr type="w" for="ch" forName="accent_6" refType="h" refFor="ch" refForName="accent_6" op="equ"/>
+                <dgm:constr type="ctrY" for="ch" forName="accent_6" refType="h" fact="0.8947"/>
+                <dgm:constr type="ctrX" for="ch" forName="accent_6" refType="w"/>
+                <dgm:constr type="ctrXOff" for="ch" forName="accent_6" refType="h" fact="-0.0943"/>
+                <dgm:constr type="r" for="ch" forName="text_6" refType="ctrX" refFor="ch" refForName="accent_6"/>
+                <dgm:constr type="rOff" for="ch" forName="text_6" refType="ctrXOff" refFor="ch" refForName="accent_6"/>
+                <dgm:constr type="l" for="ch" forName="text_6"/>
+                <dgm:constr type="w" for="ch" forName="text_6" refType="h" refFor="ch" refForName="text_6" op="gte"/>
+                <dgm:constr type="h" for="ch" forName="text_6" refType="h" refFor="ch" refForName="accent_6" fact="0.8"/>
+                <dgm:constr type="ctrY" for="ch" forName="text_6" refType="ctrY" refFor="ch" refForName="accent_6"/>
+                <dgm:constr type="rMarg" for="ch" forName="text_6" refType="w" refFor="ch" refForName="accent_6" fact="1.8"/>
+                <dgm:constr type="primFontSz" for="ch" ptType="node" op="equ" val="65"/>
+              </dgm:constrLst>
+            </dgm:if>
+            <dgm:else name="Name20">
+              <dgm:constrLst>
+                <dgm:constr type="h" for="ch" forName="cycle" refType="h"/>
+                <dgm:constr type="w" for="ch" forName="cycle" refType="h" refFor="ch" refForName="cycle" fact="0.26"/>
+                <dgm:constr type="r" for="ch" forName="cycle" refType="w"/>
+                <dgm:constr type="ctrY" for="ch" forName="cycle" refType="h" fact="0.5"/>
+                <dgm:constr type="diam" for="ch" forName="cycle" refType="h" fact="1.344"/>
+                <dgm:constr type="h" for="ch" forName="accent_1" refType="h" fact="0.1136"/>
+                <dgm:constr type="w" for="ch" forName="accent_1" refType="h" refFor="ch" refForName="accent_1" op="equ"/>
+                <dgm:constr type="ctrY" for="ch" forName="accent_1" refType="h" fact="0.0909"/>
+                <dgm:constr type="ctrX" for="ch" forName="accent_1" refType="w"/>
+                <dgm:constr type="ctrXOff" for="ch" forName="accent_1" refType="h" fact="-0.0835"/>
+                <dgm:constr type="r" for="ch" forName="text_1" refType="ctrX" refFor="ch" refForName="accent_1"/>
+                <dgm:constr type="rOff" for="ch" forName="text_1" refType="ctrXOff" refFor="ch" refForName="accent_1"/>
+                <dgm:constr type="l" for="ch" forName="text_1"/>
+                <dgm:constr type="w" for="ch" forName="text_1" refType="h" refFor="ch" refForName="text_1" op="gte"/>
+                <dgm:constr type="h" for="ch" forName="text_1" refType="h" refFor="ch" refForName="accent_1" fact="0.8"/>
+                <dgm:constr type="ctrY" for="ch" forName="text_1" refType="ctrY" refFor="ch" refForName="accent_1"/>
+                <dgm:constr type="rMarg" for="ch" forName="text_1" refType="w" refFor="ch" refForName="accent_1" fact="1.8"/>
+                <dgm:constr type="h" for="ch" forName="accent_2" refType="h" fact="0.1136"/>
+                <dgm:constr type="w" for="ch" forName="accent_2" refType="h" refFor="ch" refForName="accent_2" op="equ"/>
+                <dgm:constr type="ctrY" for="ch" forName="accent_2" refType="h" fact="0.2273"/>
+                <dgm:constr type="ctrX" for="ch" forName="accent_2" refType="w"/>
+                <dgm:constr type="ctrXOff" for="ch" forName="accent_2" refType="h" fact="-0.1658"/>
+                <dgm:constr type="r" for="ch" forName="text_2" refType="ctrX" refFor="ch" refForName="accent_2"/>
+                <dgm:constr type="rOff" for="ch" forName="text_2" refType="ctrXOff" refFor="ch" refForName="accent_2"/>
+                <dgm:constr type="l" for="ch" forName="text_2"/>
+                <dgm:constr type="w" for="ch" forName="text_2" refType="h" refFor="ch" refForName="text_2" op="gte"/>
+                <dgm:constr type="h" for="ch" forName="text_2" refType="h" refFor="ch" refForName="accent_2" fact="0.8"/>
+                <dgm:constr type="ctrY" for="ch" forName="text_2" refType="ctrY" refFor="ch" refForName="accent_2"/>
+                <dgm:constr type="rMarg" for="ch" forName="text_2" refType="w" refFor="ch" refForName="accent_2" fact="1.8"/>
+                <dgm:constr type="h" for="ch" forName="accent_3" refType="h" fact="0.1136"/>
+                <dgm:constr type="w" for="ch" forName="accent_3" refType="h" refFor="ch" refForName="accent_3" op="equ"/>
+                <dgm:constr type="ctrY" for="ch" forName="accent_3" refType="h" fact="0.3636"/>
+                <dgm:constr type="ctrX" for="ch" forName="accent_3" refType="w"/>
+                <dgm:constr type="ctrXOff" for="ch" forName="accent_3" refType="h" fact="-0.2109"/>
+                <dgm:constr type="r" for="ch" forName="text_3" refType="ctrX" refFor="ch" refForName="accent_3"/>
+                <dgm:constr type="rOff" for="ch" forName="text_3" refType="ctrXOff" refFor="ch" refForName="accent_3"/>
+                <dgm:constr type="l" for="ch" forName="text_3"/>
+                <dgm:constr type="w" for="ch" forName="text_3" refType="h" refFor="ch" refForName="text_3" op="gte"/>
+                <dgm:constr type="h" for="ch" forName="text_3" refType="h" refFor="ch" refForName="accent_3" fact="0.8"/>
+                <dgm:constr type="ctrY" for="ch" forName="text_3" refType="ctrY" refFor="ch" refForName="accent_3"/>
+                <dgm:constr type="rMarg" for="ch" forName="text_3" refType="w" refFor="ch" refForName="accent_3" fact="1.8"/>
+                <dgm:constr type="h" for="ch" forName="accent_4" refType="h" fact="0.1136"/>
+                <dgm:constr type="w" for="ch" forName="accent_4" refType="h" refFor="ch" refForName="accent_4" op="equ"/>
+                <dgm:constr type="ctrY" for="ch" forName="accent_4" refType="h" fact="0.5"/>
+                <dgm:constr type="ctrX" for="ch" forName="accent_4" refType="w"/>
+                <dgm:constr type="ctrXOff" for="ch" forName="accent_4" refType="h" fact="-0.2253"/>
+                <dgm:constr type="r" for="ch" forName="text_4" refType="ctrX" refFor="ch" refForName="accent_4"/>
+                <dgm:constr type="rOff" for="ch" forName="text_4" refType="ctrXOff" refFor="ch" refForName="accent_4"/>
+                <dgm:constr type="l" for="ch" forName="text_4"/>
+                <dgm:constr type="w" for="ch" forName="text_4" refType="h" refFor="ch" refForName="text_4" op="gte"/>
+                <dgm:constr type="h" for="ch" forName="text_4" refType="h" refFor="ch" refForName="accent_4" fact="0.8"/>
+                <dgm:constr type="ctrY" for="ch" forName="text_4" refType="ctrY" refFor="ch" refForName="accent_4"/>
+                <dgm:constr type="rMarg" for="ch" forName="text_4" refType="w" refFor="ch" refForName="accent_4" fact="1.8"/>
+                <dgm:constr type="h" for="ch" forName="accent_5" refType="h" fact="0.1136"/>
+                <dgm:constr type="w" for="ch" forName="accent_5" refType="h" refFor="ch" refForName="accent_5" op="equ"/>
+                <dgm:constr type="ctrY" for="ch" forName="accent_5" refType="h" fact="0.6364"/>
+                <dgm:constr type="ctrX" for="ch" forName="accent_5" refType="w"/>
+                <dgm:constr type="ctrXOff" for="ch" forName="accent_5" refType="h" fact="-0.2109"/>
+                <dgm:constr type="r" for="ch" forName="text_5" refType="ctrX" refFor="ch" refForName="accent_5"/>
+                <dgm:constr type="rOff" for="ch" forName="text_5" refType="ctrXOff" refFor="ch" refForName="accent_5"/>
+                <dgm:constr type="l" for="ch" forName="text_5"/>
+                <dgm:constr type="w" for="ch" forName="text_5" refType="h" refFor="ch" refForName="text_5" op="gte"/>
+                <dgm:constr type="h" for="ch" forName="text_5" refType="h" refFor="ch" refForName="accent_5" fact="0.8"/>
+                <dgm:constr type="ctrY" for="ch" forName="text_5" refType="ctrY" refFor="ch" refForName="accent_5"/>
+                <dgm:constr type="rMarg" for="ch" forName="text_5" refType="w" refFor="ch" refForName="accent_5" fact="1.8"/>
+                <dgm:constr type="h" for="ch" forName="accent_6" refType="h" fact="0.1136"/>
+                <dgm:constr type="w" for="ch" forName="accent_6" refType="h" refFor="ch" refForName="accent_6" op="equ"/>
+                <dgm:constr type="ctrY" for="ch" forName="accent_6" refType="h" fact="0.7727"/>
+                <dgm:constr type="ctrX" for="ch" forName="accent_6" refType="w"/>
+                <dgm:constr type="ctrXOff" for="ch" forName="accent_6" refType="h" fact="-0.1658"/>
+                <dgm:constr type="r" for="ch" forName="text_6" refType="ctrX" refFor="ch" refForName="accent_6"/>
+                <dgm:constr type="rOff" for="ch" forName="text_6" refType="ctrXOff" refFor="ch" refForName="accent_6"/>
+                <dgm:constr type="l" for="ch" forName="text_6"/>
+                <dgm:constr type="w" for="ch" forName="text_6" refType="h" refFor="ch" refForName="text_6" op="gte"/>
+                <dgm:constr type="h" for="ch" forName="text_6" refType="h" refFor="ch" refForName="accent_6" fact="0.8"/>
+                <dgm:constr type="ctrY" for="ch" forName="text_6" refType="ctrY" refFor="ch" refForName="accent_6"/>
+                <dgm:constr type="rMarg" for="ch" forName="text_6" refType="w" refFor="ch" refForName="accent_6" fact="1.8"/>
+                <dgm:constr type="h" for="ch" forName="accent_7" refType="h" fact="0.1136"/>
+                <dgm:constr type="w" for="ch" forName="accent_7" refType="h" refFor="ch" refForName="accent_7" op="equ"/>
+                <dgm:constr type="ctrY" for="ch" forName="accent_7" refType="h" fact="0.9091"/>
+                <dgm:constr type="ctrX" for="ch" forName="accent_7" refType="w"/>
+                <dgm:constr type="ctrXOff" for="ch" forName="accent_7" refType="h" fact="-0.0835"/>
+                <dgm:constr type="r" for="ch" forName="text_7" refType="ctrX" refFor="ch" refForName="accent_7"/>
+                <dgm:constr type="rOff" for="ch" forName="text_7" refType="ctrXOff" refFor="ch" refForName="accent_7"/>
+                <dgm:constr type="l" for="ch" forName="text_7"/>
+                <dgm:constr type="w" for="ch" forName="text_7" refType="h" refFor="ch" refForName="text_7" op="gte"/>
+                <dgm:constr type="h" for="ch" forName="text_7" refType="h" refFor="ch" refForName="accent_7" fact="0.8"/>
+                <dgm:constr type="ctrY" for="ch" forName="text_7" refType="ctrY" refFor="ch" refForName="accent_7"/>
+                <dgm:constr type="rMarg" for="ch" forName="text_7" refType="w" refFor="ch" refForName="accent_7" fact="1.8"/>
+                <dgm:constr type="primFontSz" for="ch" ptType="node" op="equ" val="65"/>
+              </dgm:constrLst>
+            </dgm:else>
+          </dgm:choose>
+        </dgm:else>
+      </dgm:choose>
+      <dgm:layoutNode name="cycle">
+        <dgm:choose name="Name21">
+          <dgm:if name="Name22" func="var" arg="dir" op="equ" val="norm">
+            <dgm:alg type="cycle">
+              <dgm:param type="stAng" val="45"/>
+              <dgm:param type="spanAng" val="90"/>
+            </dgm:alg>
+          </dgm:if>
+          <dgm:else name="Name23">
+            <dgm:alg type="cycle">
+              <dgm:param type="stAng" val="225"/>
+              <dgm:param type="spanAng" val="90"/>
+            </dgm:alg>
+          </dgm:else>
+        </dgm:choose>
+        <dgm:shape xmlns:r="http://schemas.openxmlformats.org/officeDocument/2006/relationships" r:blip="">
+          <dgm:adjLst/>
+        </dgm:shape>
+        <dgm:presOf/>
+        <dgm:constrLst>
+          <dgm:constr type="w" for="ch" val="1"/>
+          <dgm:constr type="h" for="ch" val="1"/>
+          <dgm:constr type="diam" for="ch" forName="conn" refType="diam"/>
+        </dgm:constrLst>
+        <dgm:layoutNode name="srcNode">
+          <dgm:alg type="sp"/>
+          <dgm:shape xmlns:r="http://schemas.openxmlformats.org/officeDocument/2006/relationships" type="rect" r:blip="" hideGeom="1">
+            <dgm:adjLst/>
+          </dgm:shape>
+          <dgm:presOf/>
+        </dgm:layoutNode>
+        <dgm:layoutNode name="conn" styleLbl="parChTrans1D2">
+          <dgm:alg type="conn">
+            <dgm:param type="connRout" val="curve"/>
+            <dgm:param type="srcNode" val="srcNode"/>
+            <dgm:param type="dstNode" val="dstNode"/>
+            <dgm:param type="begPts" val="ctr"/>
+            <dgm:param type="endPts" val="ctr"/>
+            <dgm:param type="endSty" val="noArr"/>
+          </dgm:alg>
+          <dgm:shape xmlns:r="http://schemas.openxmlformats.org/officeDocument/2006/relationships" type="conn" r:blip="">
+            <dgm:adjLst/>
+          </dgm:shape>
+          <dgm:presOf axis="desOrSelf" ptType="sibTrans" hideLastTrans="0" st="0" cnt="1"/>
+          <dgm:constrLst>
+            <dgm:constr type="begPad"/>
+            <dgm:constr type="endPad"/>
+          </dgm:constrLst>
+        </dgm:layoutNode>
+        <dgm:layoutNode name="extraNode">
+          <dgm:alg type="sp"/>
+          <dgm:shape xmlns:r="http://schemas.openxmlformats.org/officeDocument/2006/relationships" type="rect" r:blip="" hideGeom="1">
+            <dgm:adjLst/>
+          </dgm:shape>
+          <dgm:presOf/>
+        </dgm:layoutNode>
+        <dgm:layoutNode name="dstNode">
+          <dgm:alg type="sp"/>
+          <dgm:shape xmlns:r="http://schemas.openxmlformats.org/officeDocument/2006/relationships" type="rect" r:blip="" hideGeom="1">
+            <dgm:adjLst/>
+          </dgm:shape>
+          <dgm:presOf/>
+        </dgm:layoutNode>
+      </dgm:layoutNode>
+      <dgm:forEach name="wrapper" axis="self" ptType="parTrans">
+        <dgm:forEach name="wrapper2" axis="self" ptType="sibTrans" st="2">
+          <dgm:forEach name="accentRepeat" axis="self">
+            <dgm:layoutNode name="accentRepeatNode" styleLbl="solidFgAcc1">
+              <dgm:alg type="sp"/>
+              <dgm:shape xmlns:r="http://schemas.openxmlformats.org/officeDocument/2006/relationships" type="ellipse" r:blip="">
+                <dgm:adjLst/>
+              </dgm:shape>
+              <dgm:presOf/>
+            </dgm:layoutNode>
+          </dgm:forEach>
+        </dgm:forEach>
+      </dgm:forEach>
+      <dgm:forEach name="Name24" axis="ch" ptType="node" cnt="1">
+        <dgm:layoutNode name="text_1" styleLbl="node1">
+          <dgm:varLst>
+            <dgm:bulletEnabled val="1"/>
+          </dgm:varLst>
+          <dgm:choose name="Name25">
+            <dgm:if name="Name26" func="var" arg="dir" op="equ" val="norm">
+              <dgm:alg type="tx">
+                <dgm:param type="parTxLTRAlign" val="l"/>
+                <dgm:param type="shpTxLTRAlignCh" val="l"/>
+                <dgm:param type="parTxRTLAlign" val="l"/>
+                <dgm:param type="shpTxRTLAlignCh" val="l"/>
+              </dgm:alg>
+            </dgm:if>
+            <dgm:else name="Name27">
+              <dgm:alg type="tx">
+                <dgm:param type="parTxLTRAlign" val="r"/>
+                <dgm:param type="shpTxLTRAlignCh" val="r"/>
+                <dgm:param type="parTxRTLAlign" val="r"/>
+                <dgm:param type="shpTxRTLAlignCh" val="r"/>
+              </dgm:alg>
+            </dgm:else>
+          </dgm:choose>
+          <dgm:shape xmlns:r="http://schemas.openxmlformats.org/officeDocument/2006/relationships" type="rect" r:blip="">
+            <dgm:adjLst/>
+          </dgm:shape>
+          <dgm:presOf axis="desOrSelf" ptType="node"/>
+          <dgm:constrLst>
+            <dgm:constr type="primFontSz" val="65"/>
+            <dgm:constr type="lMarg" refType="primFontSz" fact="0.2"/>
+            <dgm:constr type="rMarg" refType="primFontSz" fact="0.2"/>
+            <dgm:constr type="tMarg" refType="primFontSz" fact="0.2"/>
+            <dgm:constr type="bMarg" refType="primFontSz" fact="0.2"/>
+          </dgm:constrLst>
+          <dgm:ruleLst>
+            <dgm:rule type="primFontSz" val="5" fact="NaN" max="NaN"/>
+          </dgm:ruleLst>
+        </dgm:layoutNode>
+        <dgm:layoutNode name="accent_1">
+          <dgm:alg type="sp"/>
+          <dgm:shape xmlns:r="http://schemas.openxmlformats.org/officeDocument/2006/relationships" r:blip="">
+            <dgm:adjLst/>
+          </dgm:shape>
+          <dgm:presOf/>
+          <dgm:constrLst/>
+          <dgm:forEach name="Name28" ref="accentRepeat"/>
+        </dgm:layoutNode>
+      </dgm:forEach>
+      <dgm:forEach name="Name29" axis="ch" ptType="node" st="2" cnt="1">
+        <dgm:layoutNode name="text_2" styleLbl="node1">
+          <dgm:varLst>
+            <dgm:bulletEnabled val="1"/>
+          </dgm:varLst>
+          <dgm:choose name="Name30">
+            <dgm:if name="Name31" func="var" arg="dir" op="equ" val="norm">
+              <dgm:alg type="tx">
+                <dgm:param type="parTxLTRAlign" val="l"/>
+                <dgm:param type="shpTxLTRAlignCh" val="l"/>
+                <dgm:param type="parTxRTLAlign" val="l"/>
+                <dgm:param type="shpTxRTLAlignCh" val="l"/>
+              </dgm:alg>
+            </dgm:if>
+            <dgm:else name="Name32">
+              <dgm:alg type="tx">
+                <dgm:param type="parTxLTRAlign" val="r"/>
+                <dgm:param type="shpTxLTRAlignCh" val="r"/>
+                <dgm:param type="parTxRTLAlign" val="r"/>
+                <dgm:param type="shpTxRTLAlignCh" val="r"/>
+              </dgm:alg>
+            </dgm:else>
+          </dgm:choose>
+          <dgm:shape xmlns:r="http://schemas.openxmlformats.org/officeDocument/2006/relationships" type="rect" r:blip="">
+            <dgm:adjLst/>
+          </dgm:shape>
+          <dgm:presOf axis="desOrSelf" ptType="node"/>
+          <dgm:constrLst>
+            <dgm:constr type="primFontSz" val="65"/>
+            <dgm:constr type="lMarg" refType="primFontSz" fact="0.2"/>
+            <dgm:constr type="rMarg" refType="primFontSz" fact="0.2"/>
+            <dgm:constr type="tMarg" refType="primFontSz" fact="0.2"/>
+            <dgm:constr type="bMarg" refType="primFontSz" fact="0.2"/>
+          </dgm:constrLst>
+          <dgm:ruleLst>
+            <dgm:rule type="primFontSz" val="5" fact="NaN" max="NaN"/>
+          </dgm:ruleLst>
+        </dgm:layoutNode>
+        <dgm:layoutNode name="accent_2">
+          <dgm:alg type="sp"/>
+          <dgm:shape xmlns:r="http://schemas.openxmlformats.org/officeDocument/2006/relationships" r:blip="">
+            <dgm:adjLst/>
+          </dgm:shape>
+          <dgm:presOf/>
+          <dgm:constrLst/>
+          <dgm:forEach name="Name33" ref="accentRepeat"/>
+        </dgm:layoutNode>
+      </dgm:forEach>
+      <dgm:forEach name="Name34" axis="ch" ptType="node" st="3" cnt="1">
+        <dgm:layoutNode name="text_3" styleLbl="node1">
+          <dgm:varLst>
+            <dgm:bulletEnabled val="1"/>
+          </dgm:varLst>
+          <dgm:choose name="Name35">
+            <dgm:if name="Name36" func="var" arg="dir" op="equ" val="norm">
+              <dgm:alg type="tx">
+                <dgm:param type="parTxLTRAlign" val="l"/>
+                <dgm:param type="shpTxLTRAlignCh" val="l"/>
+                <dgm:param type="parTxRTLAlign" val="l"/>
+                <dgm:param type="shpTxRTLAlignCh" val="l"/>
+              </dgm:alg>
+            </dgm:if>
+            <dgm:else name="Name37">
+              <dgm:alg type="tx">
+                <dgm:param type="parTxLTRAlign" val="r"/>
+                <dgm:param type="shpTxLTRAlignCh" val="r"/>
+                <dgm:param type="parTxRTLAlign" val="r"/>
+                <dgm:param type="shpTxRTLAlignCh" val="r"/>
+              </dgm:alg>
+            </dgm:else>
+          </dgm:choose>
+          <dgm:shape xmlns:r="http://schemas.openxmlformats.org/officeDocument/2006/relationships" type="rect" r:blip="">
+            <dgm:adjLst/>
+          </dgm:shape>
+          <dgm:presOf axis="desOrSelf" ptType="node"/>
+          <dgm:constrLst>
+            <dgm:constr type="primFontSz" val="65"/>
+            <dgm:constr type="lMarg" refType="primFontSz" fact="0.2"/>
+            <dgm:constr type="rMarg" refType="primFontSz" fact="0.2"/>
+            <dgm:constr type="tMarg" refType="primFontSz" fact="0.2"/>
+            <dgm:constr type="bMarg" refType="primFontSz" fact="0.2"/>
+          </dgm:constrLst>
+          <dgm:ruleLst>
+            <dgm:rule type="primFontSz" val="5" fact="NaN" max="NaN"/>
+          </dgm:ruleLst>
+        </dgm:layoutNode>
+        <dgm:layoutNode name="accent_3">
+          <dgm:alg type="sp"/>
+          <dgm:shape xmlns:r="http://schemas.openxmlformats.org/officeDocument/2006/relationships" r:blip="">
+            <dgm:adjLst/>
+          </dgm:shape>
+          <dgm:presOf/>
+          <dgm:constrLst/>
+          <dgm:forEach name="Name38" ref="accentRepeat"/>
+        </dgm:layoutNode>
+      </dgm:forEach>
+      <dgm:forEach name="Name39" axis="ch" ptType="node" st="4" cnt="1">
+        <dgm:layoutNode name="text_4" styleLbl="node1">
+          <dgm:varLst>
+            <dgm:bulletEnabled val="1"/>
+          </dgm:varLst>
+          <dgm:choose name="Name40">
+            <dgm:if name="Name41" func="var" arg="dir" op="equ" val="norm">
+              <dgm:alg type="tx">
+                <dgm:param type="parTxLTRAlign" val="l"/>
+                <dgm:param type="shpTxLTRAlignCh" val="l"/>
+                <dgm:param type="parTxRTLAlign" val="l"/>
+                <dgm:param type="shpTxRTLAlignCh" val="l"/>
+              </dgm:alg>
+            </dgm:if>
+            <dgm:else name="Name42">
+              <dgm:alg type="tx">
+                <dgm:param type="parTxLTRAlign" val="r"/>
+                <dgm:param type="shpTxLTRAlignCh" val="r"/>
+                <dgm:param type="parTxRTLAlign" val="r"/>
+                <dgm:param type="shpTxRTLAlignCh" val="r"/>
+              </dgm:alg>
+            </dgm:else>
+          </dgm:choose>
+          <dgm:shape xmlns:r="http://schemas.openxmlformats.org/officeDocument/2006/relationships" type="rect" r:blip="">
+            <dgm:adjLst/>
+          </dgm:shape>
+          <dgm:presOf axis="desOrSelf" ptType="node"/>
+          <dgm:constrLst>
+            <dgm:constr type="primFontSz" val="65"/>
+            <dgm:constr type="lMarg" refType="primFontSz" fact="0.2"/>
+            <dgm:constr type="rMarg" refType="primFontSz" fact="0.2"/>
+            <dgm:constr type="tMarg" refType="primFontSz" fact="0.2"/>
+            <dgm:constr type="bMarg" refType="primFontSz" fact="0.2"/>
+          </dgm:constrLst>
+          <dgm:ruleLst>
+            <dgm:rule type="primFontSz" val="5" fact="NaN" max="NaN"/>
+          </dgm:ruleLst>
+        </dgm:layoutNode>
+        <dgm:layoutNode name="accent_4">
+          <dgm:alg type="sp"/>
+          <dgm:shape xmlns:r="http://schemas.openxmlformats.org/officeDocument/2006/relationships" r:blip="">
+            <dgm:adjLst/>
+          </dgm:shape>
+          <dgm:presOf/>
+          <dgm:constrLst/>
+          <dgm:forEach name="Name43" ref="accentRepeat"/>
+        </dgm:layoutNode>
+      </dgm:forEach>
+      <dgm:forEach name="Name44" axis="ch" ptType="node" st="5" cnt="1">
+        <dgm:layoutNode name="text_5" styleLbl="node1">
+          <dgm:varLst>
+            <dgm:bulletEnabled val="1"/>
+          </dgm:varLst>
+          <dgm:choose name="Name45">
+            <dgm:if name="Name46" func="var" arg="dir" op="equ" val="norm">
+              <dgm:alg type="tx">
+                <dgm:param type="parTxLTRAlign" val="l"/>
+                <dgm:param type="shpTxLTRAlignCh" val="l"/>
+                <dgm:param type="parTxRTLAlign" val="l"/>
+                <dgm:param type="shpTxRTLAlignCh" val="l"/>
+              </dgm:alg>
+            </dgm:if>
+            <dgm:else name="Name47">
+              <dgm:alg type="tx">
+                <dgm:param type="parTxLTRAlign" val="r"/>
+                <dgm:param type="shpTxLTRAlignCh" val="r"/>
+                <dgm:param type="parTxRTLAlign" val="r"/>
+                <dgm:param type="shpTxRTLAlignCh" val="r"/>
+              </dgm:alg>
+            </dgm:else>
+          </dgm:choose>
+          <dgm:shape xmlns:r="http://schemas.openxmlformats.org/officeDocument/2006/relationships" type="rect" r:blip="">
+            <dgm:adjLst/>
+          </dgm:shape>
+          <dgm:presOf axis="desOrSelf" ptType="node"/>
+          <dgm:constrLst>
+            <dgm:constr type="primFontSz" val="65"/>
+            <dgm:constr type="lMarg" refType="primFontSz" fact="0.2"/>
+            <dgm:constr type="rMarg" refType="primFontSz" fact="0.2"/>
+            <dgm:constr type="tMarg" refType="primFontSz" fact="0.2"/>
+            <dgm:constr type="bMarg" refType="primFontSz" fact="0.2"/>
+          </dgm:constrLst>
+          <dgm:ruleLst>
+            <dgm:rule type="primFontSz" val="5" fact="NaN" max="NaN"/>
+          </dgm:ruleLst>
+        </dgm:layoutNode>
+        <dgm:layoutNode name="accent_5">
+          <dgm:alg type="sp"/>
+          <dgm:shape xmlns:r="http://schemas.openxmlformats.org/officeDocument/2006/relationships" r:blip="">
+            <dgm:adjLst/>
+          </dgm:shape>
+          <dgm:presOf/>
+          <dgm:constrLst/>
+          <dgm:forEach name="Name48" ref="accentRepeat"/>
+        </dgm:layoutNode>
+      </dgm:forEach>
+      <dgm:forEach name="Name49" axis="ch" ptType="node" st="6" cnt="1">
+        <dgm:layoutNode name="text_6" styleLbl="node1">
+          <dgm:varLst>
+            <dgm:bulletEnabled val="1"/>
+          </dgm:varLst>
+          <dgm:choose name="Name50">
+            <dgm:if name="Name51" func="var" arg="dir" op="equ" val="norm">
+              <dgm:alg type="tx">
+                <dgm:param type="parTxLTRAlign" val="l"/>
+                <dgm:param type="shpTxLTRAlignCh" val="l"/>
+                <dgm:param type="parTxRTLAlign" val="l"/>
+                <dgm:param type="shpTxRTLAlignCh" val="l"/>
+              </dgm:alg>
+            </dgm:if>
+            <dgm:else name="Name52">
+              <dgm:alg type="tx">
+                <dgm:param type="parTxLTRAlign" val="r"/>
+                <dgm:param type="shpTxLTRAlignCh" val="r"/>
+                <dgm:param type="parTxRTLAlign" val="r"/>
+                <dgm:param type="shpTxRTLAlignCh" val="r"/>
+              </dgm:alg>
+            </dgm:else>
+          </dgm:choose>
+          <dgm:shape xmlns:r="http://schemas.openxmlformats.org/officeDocument/2006/relationships" type="rect" r:blip="">
+            <dgm:adjLst/>
+          </dgm:shape>
+          <dgm:presOf axis="desOrSelf" ptType="node"/>
+          <dgm:constrLst>
+            <dgm:constr type="primFontSz" val="65"/>
+            <dgm:constr type="lMarg" refType="primFontSz" fact="0.2"/>
+            <dgm:constr type="rMarg" refType="primFontSz" fact="0.2"/>
+            <dgm:constr type="tMarg" refType="primFontSz" fact="0.2"/>
+            <dgm:constr type="bMarg" refType="primFontSz" fact="0.2"/>
+          </dgm:constrLst>
+          <dgm:ruleLst>
+            <dgm:rule type="primFontSz" val="5" fact="NaN" max="NaN"/>
+          </dgm:ruleLst>
+        </dgm:layoutNode>
+        <dgm:layoutNode name="accent_6">
+          <dgm:alg type="sp"/>
+          <dgm:shape xmlns:r="http://schemas.openxmlformats.org/officeDocument/2006/relationships" r:blip="">
+            <dgm:adjLst/>
+          </dgm:shape>
+          <dgm:presOf/>
+          <dgm:constrLst/>
+          <dgm:forEach name="Name53" ref="accentRepeat"/>
+        </dgm:layoutNode>
+      </dgm:forEach>
+      <dgm:forEach name="Name54" axis="ch" ptType="node" st="7" cnt="1">
+        <dgm:layoutNode name="text_7" styleLbl="node1">
+          <dgm:varLst>
+            <dgm:bulletEnabled val="1"/>
+          </dgm:varLst>
+          <dgm:choose name="Name55">
+            <dgm:if name="Name56" func="var" arg="dir" op="equ" val="norm">
+              <dgm:alg type="tx">
+                <dgm:param type="parTxLTRAlign" val="l"/>
+                <dgm:param type="shpTxLTRAlignCh" val="l"/>
+                <dgm:param type="parTxRTLAlign" val="l"/>
+                <dgm:param type="shpTxRTLAlignCh" val="l"/>
+              </dgm:alg>
+            </dgm:if>
+            <dgm:else name="Name57">
+              <dgm:alg type="tx">
+                <dgm:param type="parTxLTRAlign" val="r"/>
+                <dgm:param type="shpTxLTRAlignCh" val="r"/>
+                <dgm:param type="parTxRTLAlign" val="r"/>
+                <dgm:param type="shpTxRTLAlignCh" val="r"/>
+              </dgm:alg>
+            </dgm:else>
+          </dgm:choose>
+          <dgm:shape xmlns:r="http://schemas.openxmlformats.org/officeDocument/2006/relationships" type="rect" r:blip="">
+            <dgm:adjLst/>
+          </dgm:shape>
+          <dgm:presOf axis="desOrSelf" ptType="node"/>
+          <dgm:constrLst>
+            <dgm:constr type="primFontSz" val="65"/>
+            <dgm:constr type="lMarg" refType="primFontSz" fact="0.2"/>
+            <dgm:constr type="rMarg" refType="primFontSz" fact="0.2"/>
+            <dgm:constr type="tMarg" refType="primFontSz" fact="0.2"/>
+            <dgm:constr type="bMarg" refType="primFontSz" fact="0.2"/>
+          </dgm:constrLst>
+          <dgm:ruleLst>
+            <dgm:rule type="primFontSz" val="5" fact="NaN" max="NaN"/>
+          </dgm:ruleLst>
+        </dgm:layoutNode>
+        <dgm:layoutNode name="accent_7">
+          <dgm:alg type="sp"/>
+          <dgm:shape xmlns:r="http://schemas.openxmlformats.org/officeDocument/2006/relationships" r:blip="">
+            <dgm:adjLst/>
+          </dgm:shape>
+          <dgm:presOf/>
+          <dgm:constrLst/>
+          <dgm:forEach name="Name58" ref="accentRepeat"/>
+        </dgm:layoutNode>
+      </dgm:forEach>
+    </dgm:layoutNode>
+  </dgm:layoutNode>
+</dgm:layoutDef>
+</file>
+
+<file path=ppt/diagrams/quickStyle1.xml><?xml version="1.0" encoding="utf-8"?>
+<dgm:styleDef xmlns:dgm="http://schemas.openxmlformats.org/drawingml/2006/diagram" xmlns:a="http://schemas.openxmlformats.org/drawingml/2006/main" uniqueId="urn:microsoft.com/office/officeart/2005/8/quickstyle/simple1">
+  <dgm:title val=""/>
+  <dgm:desc val=""/>
+  <dgm:catLst>
+    <dgm:cat type="simple" pri="10100"/>
+  </dgm:catLst>
+  <dgm:scene3d>
+    <a:camera prst="orthographicFront"/>
+    <a:lightRig rig="threePt" dir="t"/>
+  </dgm:scene3d>
+  <dgm:styleLbl name="node0">
+    <dgm:scene3d>
+      <a:camera prst="orthographicFront"/>
+      <a:lightRig rig="threePt" dir="t"/>
+    </dgm:scene3d>
+    <dgm:sp3d/>
+    <dgm:txPr/>
+    <dgm:style>
+      <a:lnRef idx="2">
+        <a:scrgbClr r="0" g="0" b="0"/>
+      </a:lnRef>
+      <a:fillRef idx="1">
+        <a:scrgbClr r="0" g="0" b="0"/>
+      </a:fillRef>
+      <a:effectRef idx="0">
+        <a:scrgbClr r="0" g="0" b="0"/>
+      </a:effectRef>
+      <a:fontRef idx="minor">
+        <a:schemeClr val="lt1"/>
+      </a:fontRef>
+    </dgm:style>
+  </dgm:styleLbl>
+  <dgm:styleLbl name="lnNode1">
+    <dgm:scene3d>
+      <a:camera prst="orthographicFront"/>
+      <a:lightRig rig="threePt" dir="t"/>
+    </dgm:scene3d>
+    <dgm:sp3d/>
+    <dgm:txPr/>
+    <dgm:style>
+      <a:lnRef idx="2">
+        <a:scrgbClr r="0" g="0" b="0"/>
+      </a:lnRef>
+      <a:fillRef idx="1">
+        <a:scrgbClr r="0" g="0" b="0"/>
+      </a:fillRef>
+      <a:effectRef idx="0">
+        <a:scrgbClr r="0" g="0" b="0"/>
+      </a:effectRef>
+      <a:fontRef idx="minor">
+        <a:schemeClr val="lt1"/>
+      </a:fontRef>
+    </dgm:style>
+  </dgm:styleLbl>
+  <dgm:styleLbl name="vennNode1">
+    <dgm:scene3d>
+      <a:camera prst="orthographicFront"/>
+      <a:lightRig rig="threePt" dir="t"/>
+    </dgm:scene3d>
+    <dgm:sp3d/>
+    <dgm:txPr/>
+    <dgm:style>
+      <a:lnRef idx="2">
+        <a:scrgbClr r="0" g="0" b="0"/>
+      </a:lnRef>
+      <a:fillRef idx="1">
+        <a:scrgbClr r="0" g="0" b="0"/>
+      </a:fillRef>
+      <a:effectRef idx="0">
+        <a:scrgbClr r="0" g="0" b="0"/>
+      </a:effectRef>
+      <a:fontRef idx="minor">
+        <a:schemeClr val="tx1"/>
+      </a:fontRef>
+    </dgm:style>
+  </dgm:styleLbl>
+  <dgm:styleLbl name="alignNode1">
+    <dgm:scene3d>
+      <a:camera prst="orthographicFront"/>
+      <a:lightRig rig="threePt" dir="t"/>
+    </dgm:scene3d>
+    <dgm:sp3d/>
+    <dgm:txPr/>
+    <dgm:style>
+      <a:lnRef idx="2">
+        <a:scrgbClr r="0" g="0" b="0"/>
+      </a:lnRef>
+      <a:fillRef idx="1">
+        <a:scrgbClr r="0" g="0" b="0"/>
+      </a:fillRef>
+      <a:effectRef idx="0">
+        <a:scrgbClr r="0" g="0" b="0"/>
+      </a:effectRef>
+      <a:fontRef idx="minor">
+        <a:schemeClr val="lt1"/>
+      </a:fontRef>
+    </dgm:style>
+  </dgm:styleLbl>
+  <dgm:styleLbl name="node1">
+    <dgm:scene3d>
+      <a:camera prst="orthographicFront"/>
+      <a:lightRig rig="threePt" dir="t"/>
+    </dgm:scene3d>
+    <dgm:sp3d/>
+    <dgm:txPr/>
+    <dgm:style>
+      <a:lnRef idx="2">
+        <a:scrgbClr r="0" g="0" b="0"/>
+      </a:lnRef>
+      <a:fillRef idx="1">
+        <a:scrgbClr r="0" g="0" b="0"/>
+      </a:fillRef>
+      <a:effectRef idx="0">
+        <a:scrgbClr r="0" g="0" b="0"/>
+      </a:effectRef>
+      <a:fontRef idx="minor">
+        <a:schemeClr val="lt1"/>
+      </a:fontRef>
+    </dgm:style>
+  </dgm:styleLbl>
+  <dgm:styleLbl name="node2">
+    <dgm:scene3d>
+      <a:camera prst="orthographicFront"/>
+      <a:lightRig rig="threePt" dir="t"/>
+    </dgm:scene3d>
+    <dgm:sp3d/>
+    <dgm:txPr/>
+    <dgm:style>
+      <a:lnRef idx="2">
+        <a:scrgbClr r="0" g="0" b="0"/>
+      </a:lnRef>
+      <a:fillRef idx="1">
+        <a:scrgbClr r="0" g="0" b="0"/>
+      </a:fillRef>
+      <a:effectRef idx="0">
+        <a:scrgbClr r="0" g="0" b="0"/>
+      </a:effectRef>
+      <a:fontRef idx="minor">
+        <a:schemeClr val="lt1"/>
+      </a:fontRef>
+    </dgm:style>
+  </dgm:styleLbl>
+  <dgm:styleLbl name="node3">
+    <dgm:scene3d>
+      <a:camera prst="orthographicFront"/>
+      <a:lightRig rig="threePt" dir="t"/>
+    </dgm:scene3d>
+    <dgm:sp3d/>
+    <dgm:txPr/>
+    <dgm:style>
+      <a:lnRef idx="2">
+        <a:scrgbClr r="0" g="0" b="0"/>
+      </a:lnRef>
+      <a:fillRef idx="1">
+        <a:scrgbClr r="0" g="0" b="0"/>
+      </a:fillRef>
+      <a:effectRef idx="0">
+        <a:scrgbClr r="0" g="0" b="0"/>
+      </a:effectRef>
+      <a:fontRef idx="minor">
+        <a:schemeClr val="lt1"/>
+      </a:fontRef>
+    </dgm:style>
+  </dgm:styleLbl>
+  <dgm:styleLbl name="node4">
+    <dgm:scene3d>
+      <a:camera prst="orthographicFront"/>
+      <a:lightRig rig="threePt" dir="t"/>
+    </dgm:scene3d>
+    <dgm:sp3d/>
+    <dgm:txPr/>
+    <dgm:style>
+      <a:lnRef idx="2">
+        <a:scrgbClr r="0" g="0" b="0"/>
+      </a:lnRef>
+      <a:fillRef idx="1">
+        <a:scrgbClr r="0" g="0" b="0"/>
+      </a:fillRef>
+      <a:effectRef idx="0">
+        <a:scrgbClr r="0" g="0" b="0"/>
+      </a:effectRef>
+      <a:fontRef idx="minor">
+        <a:schemeClr val="lt1"/>
+      </a:fontRef>
+    </dgm:style>
+  </dgm:styleLbl>
+  <dgm:styleLbl name="fgImgPlace1">
+    <dgm:scene3d>
+      <a:camera prst="orthographicFront"/>
+      <a:lightRig rig="threePt" dir="t"/>
+    </dgm:scene3d>
+    <dgm:sp3d/>
+    <dgm:txPr/>
+    <dgm:style>
+      <a:lnRef idx="2">
+        <a:scrgbClr r="0" g="0" b="0"/>
+      </a:lnRef>
+      <a:fillRef idx="1">
+        <a:scrgbClr r="0" g="0" b="0"/>
+      </a:fillRef>
+      <a:effectRef idx="0">
+        <a:scrgbClr r="0" g="0" b="0"/>
+      </a:effectRef>
+      <a:fontRef idx="minor"/>
+    </dgm:style>
+  </dgm:styleLbl>
+  <dgm:styleLbl name="alignImgPlace1">
+    <dgm:scene3d>
+      <a:camera prst="orthographicFront"/>
+      <a:lightRig rig="threePt" dir="t"/>
+    </dgm:scene3d>
+    <dgm:sp3d/>
+    <dgm:txPr/>
+    <dgm:style>
+      <a:lnRef idx="2">
+        <a:scrgbClr r="0" g="0" b="0"/>
+      </a:lnRef>
+      <a:fillRef idx="1">
+        <a:scrgbClr r="0" g="0" b="0"/>
+      </a:fillRef>
+      <a:effectRef idx="0">
+        <a:scrgbClr r="0" g="0" b="0"/>
+      </a:effectRef>
+      <a:fontRef idx="minor"/>
+    </dgm:style>
+  </dgm:styleLbl>
+  <dgm:styleLbl name="bgImgPlace1">
+    <dgm:scene3d>
+      <a:camera prst="orthographicFront"/>
+      <a:lightRig rig="threePt" dir="t"/>
+    </dgm:scene3d>
+    <dgm:sp3d/>
+    <dgm:txPr/>
+    <dgm:style>
+      <a:lnRef idx="2">
+        <a:scrgbClr r="0" g="0" b="0"/>
+      </a:lnRef>
+      <a:fillRef idx="1">
+        <a:scrgbClr r="0" g="0" b="0"/>
+      </a:fillRef>
+      <a:effectRef idx="0">
+        <a:scrgbClr r="0" g="0" b="0"/>
+      </a:effectRef>
+      <a:fontRef idx="minor"/>
+    </dgm:style>
+  </dgm:styleLbl>
+  <dgm:styleLbl name="sibTrans2D1">
+    <dgm:scene3d>
+      <a:camera prst="orthographicFront"/>
+      <a:lightRig rig="threePt" dir="t"/>
+    </dgm:scene3d>
+    <dgm:sp3d/>
+    <dgm:txPr/>
+    <dgm:style>
+      <a:lnRef idx="0">
+        <a:scrgbClr r="0" g="0" b="0"/>
+      </a:lnRef>
+      <a:fillRef idx="1">
+        <a:scrgbClr r="0" g="0" b="0"/>
+      </a:fillRef>
+      <a:effectRef idx="0">
+        <a:scrgbClr r="0" g="0" b="0"/>
+      </a:effectRef>
+      <a:fontRef idx="minor">
+        <a:schemeClr val="lt1"/>
+      </a:fontRef>
+    </dgm:style>
+  </dgm:styleLbl>
+  <dgm:styleLbl name="fgSibTrans2D1">
+    <dgm:scene3d>
+      <a:camera prst="orthographicFront"/>
+      <a:lightRig rig="threePt" dir="t"/>
+    </dgm:scene3d>
+    <dgm:sp3d/>
+    <dgm:txPr/>
+    <dgm:style>
+      <a:lnRef idx="0">
+        <a:scrgbClr r="0" g="0" b="0"/>
+      </a:lnRef>
+      <a:fillRef idx="1">
+        <a:scrgbClr r="0" g="0" b="0"/>
+      </a:fillRef>
+      <a:effectRef idx="0">
+        <a:scrgbClr r="0" g="0" b="0"/>
+      </a:effectRef>
+      <a:fontRef idx="minor">
+        <a:schemeClr val="lt1"/>
+      </a:fontRef>
+    </dgm:style>
+  </dgm:styleLbl>
+  <dgm:styleLbl name="bgSibTrans2D1">
+    <dgm:scene3d>
+      <a:camera prst="orthographicFront"/>
+      <a:lightRig rig="threePt" dir="t"/>
+    </dgm:scene3d>
+    <dgm:sp3d/>
+    <dgm:txPr/>
+    <dgm:style>
+      <a:lnRef idx="0">
+        <a:scrgbClr r="0" g="0" b="0"/>
+      </a:lnRef>
+      <a:fillRef idx="1">
+        <a:scrgbClr r="0" g="0" b="0"/>
+      </a:fillRef>
+      <a:effectRef idx="0">
+        <a:scrgbClr r="0" g="0" b="0"/>
+      </a:effectRef>
+      <a:fontRef idx="minor">
+        <a:schemeClr val="lt1"/>
+      </a:fontRef>
+    </dgm:style>
+  </dgm:styleLbl>
+  <dgm:styleLbl name="sibTrans1D1">
+    <dgm:scene3d>
+      <a:camera prst="orthographicFront"/>
+      <a:lightRig rig="threePt" dir="t"/>
+    </dgm:scene3d>
+    <dgm:sp3d/>
+    <dgm:txPr/>
+    <dgm:style>
+      <a:lnRef idx="1">
+        <a:scrgbClr r="0" g="0" b="0"/>
+      </a:lnRef>
+      <a:fillRef idx="0">
+        <a:scrgbClr r="0" g="0" b="0"/>
+      </a:fillRef>
+      <a:effectRef idx="0">
+        <a:scrgbClr r="0" g="0" b="0"/>
+      </a:effectRef>
+      <a:fontRef idx="minor"/>
+    </dgm:style>
+  </dgm:styleLbl>
+  <dgm:styleLbl name="callout">
+    <dgm:scene3d>
+      <a:camera prst="orthographicFront"/>
+      <a:lightRig rig="threePt" dir="t"/>
+    </dgm:scene3d>
+    <dgm:sp3d/>
+    <dgm:txPr/>
+    <dgm:style>
+      <a:lnRef idx="2">
+        <a:scrgbClr r="0" g="0" b="0"/>
+      </a:lnRef>
+      <a:fillRef idx="1">
+        <a:scrgbClr r="0" g="0" b="0"/>
+      </a:fillRef>
+      <a:effectRef idx="0">
+        <a:scrgbClr r="0" g="0" b="0"/>
+      </a:effectRef>
+      <a:fontRef idx="minor"/>
+    </dgm:style>
+  </dgm:styleLbl>
+  <dgm:styleLbl name="asst0">
+    <dgm:scene3d>
+      <a:camera prst="orthographicFront"/>
+      <a:lightRig rig="threePt" dir="t"/>
+    </dgm:scene3d>
+    <dgm:sp3d/>
+    <dgm:txPr/>
+    <dgm:style>
+      <a:lnRef idx="2">
+        <a:scrgbClr r="0" g="0" b="0"/>
+      </a:lnRef>
+      <a:fillRef idx="1">
+        <a:scrgbClr r="0" g="0" b="0"/>
+      </a:fillRef>
+      <a:effectRef idx="0">
+        <a:scrgbClr r="0" g="0" b="0"/>
+      </a:effectRef>
+      <a:fontRef idx="minor">
+        <a:schemeClr val="lt1"/>
+      </a:fontRef>
+    </dgm:style>
+  </dgm:styleLbl>
+  <dgm:styleLbl name="asst1">
+    <dgm:scene3d>
+      <a:camera prst="orthographicFront"/>
+      <a:lightRig rig="threePt" dir="t"/>
+    </dgm:scene3d>
+    <dgm:sp3d/>
+    <dgm:txPr/>
+    <dgm:style>
+      <a:lnRef idx="2">
+        <a:scrgbClr r="0" g="0" b="0"/>
+      </a:lnRef>
+      <a:fillRef idx="1">
+        <a:scrgbClr r="0" g="0" b="0"/>
+      </a:fillRef>
+      <a:effectRef idx="0">
+        <a:scrgbClr r="0" g="0" b="0"/>
+      </a:effectRef>
+      <a:fontRef idx="minor">
+        <a:schemeClr val="lt1"/>
+      </a:fontRef>
+    </dgm:style>
+  </dgm:styleLbl>
+  <dgm:styleLbl name="asst2">
+    <dgm:scene3d>
+      <a:camera prst="orthographicFront"/>
+      <a:lightRig rig="threePt" dir="t"/>
+    </dgm:scene3d>
+    <dgm:sp3d/>
+    <dgm:txPr/>
+    <dgm:style>
+      <a:lnRef idx="2">
+        <a:scrgbClr r="0" g="0" b="0"/>
+      </a:lnRef>
+      <a:fillRef idx="1">
+        <a:scrgbClr r="0" g="0" b="0"/>
+      </a:fillRef>
+      <a:effectRef idx="0">
+        <a:scrgbClr r="0" g="0" b="0"/>
+      </a:effectRef>
+      <a:fontRef idx="minor">
+        <a:schemeClr val="lt1"/>
+      </a:fontRef>
+    </dgm:style>
+  </dgm:styleLbl>
+  <dgm:styleLbl name="asst3">
+    <dgm:scene3d>
+      <a:camera prst="orthographicFront"/>
+      <a:lightRig rig="threePt" dir="t"/>
+    </dgm:scene3d>
+    <dgm:sp3d/>
+    <dgm:txPr/>
+    <dgm:style>
+      <a:lnRef idx="2">
+        <a:scrgbClr r="0" g="0" b="0"/>
+      </a:lnRef>
+      <a:fillRef idx="1">
+        <a:scrgbClr r="0" g="0" b="0"/>
+      </a:fillRef>
+      <a:effectRef idx="0">
+        <a:scrgbClr r="0" g="0" b="0"/>
+      </a:effectRef>
+      <a:fontRef idx="minor">
+        <a:schemeClr val="lt1"/>
+      </a:fontRef>
+    </dgm:style>
+  </dgm:styleLbl>
+  <dgm:styleLbl name="asst4">
+    <dgm:scene3d>
+      <a:camera prst="orthographicFront"/>
+      <a:lightRig rig="threePt" dir="t"/>
+    </dgm:scene3d>
+    <dgm:sp3d/>
+    <dgm:txPr/>
+    <dgm:style>
+      <a:lnRef idx="2">
+        <a:scrgbClr r="0" g="0" b="0"/>
+      </a:lnRef>
+      <a:fillRef idx="1">
+        <a:scrgbClr r="0" g="0" b="0"/>
+      </a:fillRef>
+      <a:effectRef idx="0">
+        <a:scrgbClr r="0" g="0" b="0"/>
+      </a:effectRef>
+      <a:fontRef idx="minor">
+        <a:schemeClr val="lt1"/>
+      </a:fontRef>
+    </dgm:style>
+  </dgm:styleLbl>
+  <dgm:styleLbl name="parChTrans2D1">
+    <dgm:scene3d>
+      <a:camera prst="orthographicFront"/>
+      <a:lightRig rig="threePt" dir="t"/>
+    </dgm:scene3d>
+    <dgm:sp3d/>
+    <dgm:txPr/>
+    <dgm:style>
+      <a:lnRef idx="2">
+        <a:scrgbClr r="0" g="0" b="0"/>
+      </a:lnRef>
+      <a:fillRef idx="1">
+        <a:scrgbClr r="0" g="0" b="0"/>
+      </a:fillRef>
+      <a:effectRef idx="0">
+        <a:scrgbClr r="0" g="0" b="0"/>
+      </a:effectRef>
+      <a:fontRef idx="minor">
+        <a:schemeClr val="lt1"/>
+      </a:fontRef>
+    </dgm:style>
+  </dgm:styleLbl>
+  <dgm:styleLbl name="parChTrans2D2">
+    <dgm:scene3d>
+      <a:camera prst="orthographicFront"/>
+      <a:lightRig rig="threePt" dir="t"/>
+    </dgm:scene3d>
+    <dgm:sp3d/>
+    <dgm:txPr/>
+    <dgm:style>
+      <a:lnRef idx="2">
+        <a:scrgbClr r="0" g="0" b="0"/>
+      </a:lnRef>
+      <a:fillRef idx="1">
+        <a:scrgbClr r="0" g="0" b="0"/>
+      </a:fillRef>
+      <a:effectRef idx="0">
+        <a:scrgbClr r="0" g="0" b="0"/>
+      </a:effectRef>
+      <a:fontRef idx="minor">
+        <a:schemeClr val="lt1"/>
+      </a:fontRef>
+    </dgm:style>
+  </dgm:styleLbl>
+  <dgm:styleLbl name="parChTrans2D3">
+    <dgm:scene3d>
+      <a:camera prst="orthographicFront"/>
+      <a:lightRig rig="threePt" dir="t"/>
+    </dgm:scene3d>
+    <dgm:sp3d/>
+    <dgm:txPr/>
+    <dgm:style>
+      <a:lnRef idx="2">
+        <a:scrgbClr r="0" g="0" b="0"/>
+      </a:lnRef>
+      <a:fillRef idx="1">
+        <a:scrgbClr r="0" g="0" b="0"/>
+      </a:fillRef>
+      <a:effectRef idx="0">
+        <a:scrgbClr r="0" g="0" b="0"/>
+      </a:effectRef>
+      <a:fontRef idx="minor">
+        <a:schemeClr val="lt1"/>
+      </a:fontRef>
+    </dgm:style>
+  </dgm:styleLbl>
+  <dgm:styleLbl name="parChTrans2D4">
+    <dgm:scene3d>
+      <a:camera prst="orthographicFront"/>
+      <a:lightRig rig="threePt" dir="t"/>
+    </dgm:scene3d>
+    <dgm:sp3d/>
+    <dgm:txPr/>
+    <dgm:style>
+      <a:lnRef idx="2">
+        <a:scrgbClr r="0" g="0" b="0"/>
+      </a:lnRef>
+      <a:fillRef idx="1">
+        <a:scrgbClr r="0" g="0" b="0"/>
+      </a:fillRef>
+      <a:effectRef idx="0">
+        <a:scrgbClr r="0" g="0" b="0"/>
+      </a:effectRef>
+      <a:fontRef idx="minor">
+        <a:schemeClr val="lt1"/>
+      </a:fontRef>
+    </dgm:style>
+  </dgm:styleLbl>
+  <dgm:styleLbl name="parChTrans1D1">
+    <dgm:scene3d>
+      <a:camera prst="orthographicFront"/>
+      <a:lightRig rig="threePt" dir="t"/>
+    </dgm:scene3d>
+    <dgm:sp3d/>
+    <dgm:txPr/>
+    <dgm:style>
+      <a:lnRef idx="2">
+        <a:scrgbClr r="0" g="0" b="0"/>
+      </a:lnRef>
+      <a:fillRef idx="0">
+        <a:scrgbClr r="0" g="0" b="0"/>
+      </a:fillRef>
+      <a:effectRef idx="0">
+        <a:scrgbClr r="0" g="0" b="0"/>
+      </a:effectRef>
+      <a:fontRef idx="minor"/>
+    </dgm:style>
+  </dgm:styleLbl>
+  <dgm:styleLbl name="parChTrans1D2">
+    <dgm:scene3d>
+      <a:camera prst="orthographicFront"/>
+      <a:lightRig rig="threePt" dir="t"/>
+    </dgm:scene3d>
+    <dgm:sp3d/>
+    <dgm:txPr/>
+    <dgm:style>
+      <a:lnRef idx="2">
+        <a:scrgbClr r="0" g="0" b="0"/>
+      </a:lnRef>
+      <a:fillRef idx="0">
+        <a:scrgbClr r="0" g="0" b="0"/>
+      </a:fillRef>
+      <a:effectRef idx="0">
+        <a:scrgbClr r="0" g="0" b="0"/>
+      </a:effectRef>
+      <a:fontRef idx="minor"/>
+    </dgm:style>
+  </dgm:styleLbl>
+  <dgm:styleLbl name="parChTrans1D3">
+    <dgm:scene3d>
+      <a:camera prst="orthographicFront"/>
+      <a:lightRig rig="threePt" dir="t"/>
+    </dgm:scene3d>
+    <dgm:sp3d/>
+    <dgm:txPr/>
+    <dgm:style>
+      <a:lnRef idx="2">
+        <a:scrgbClr r="0" g="0" b="0"/>
+      </a:lnRef>
+      <a:fillRef idx="0">
+        <a:scrgbClr r="0" g="0" b="0"/>
+      </a:fillRef>
+      <a:effectRef idx="0">
+        <a:scrgbClr r="0" g="0" b="0"/>
+      </a:effectRef>
+      <a:fontRef idx="minor"/>
+    </dgm:style>
+  </dgm:styleLbl>
+  <dgm:styleLbl name="parChTrans1D4">
+    <dgm:scene3d>
+      <a:camera prst="orthographicFront"/>
+      <a:lightRig rig="threePt" dir="t"/>
+    </dgm:scene3d>
+    <dgm:sp3d/>
+    <dgm:txPr/>
+    <dgm:style>
+      <a:lnRef idx="2">
+        <a:scrgbClr r="0" g="0" b="0"/>
+      </a:lnRef>
+      <a:fillRef idx="0">
+        <a:scrgbClr r="0" g="0" b="0"/>
+      </a:fillRef>
+      <a:effectRef idx="0">
+        <a:scrgbClr r="0" g="0" b="0"/>
+      </a:effectRef>
+      <a:fontRef idx="minor"/>
+    </dgm:style>
+  </dgm:styleLbl>
+  <dgm:styleLbl name="fgAcc1">
+    <dgm:scene3d>
+      <a:camera prst="orthographicFront"/>
+      <a:lightRig rig="threePt" dir="t"/>
+    </dgm:scene3d>
+    <dgm:sp3d/>
+    <dgm:txPr/>
+    <dgm:style>
+      <a:lnRef idx="2">
+        <a:scrgbClr r="0" g="0" b="0"/>
+      </a:lnRef>
+      <a:fillRef idx="1">
+        <a:scrgbClr r="0" g="0" b="0"/>
+      </a:fillRef>
+      <a:effectRef idx="0">
+        <a:scrgbClr r="0" g="0" b="0"/>
+      </a:effectRef>
+      <a:fontRef idx="minor"/>
+    </dgm:style>
+  </dgm:styleLbl>
+  <dgm:styleLbl name="conFgAcc1">
+    <dgm:scene3d>
+      <a:camera prst="orthographicFront"/>
+      <a:lightRig rig="threePt" dir="t"/>
+    </dgm:scene3d>
+    <dgm:sp3d/>
+    <dgm:txPr/>
+    <dgm:style>
+      <a:lnRef idx="2">
+        <a:scrgbClr r="0" g="0" b="0"/>
+      </a:lnRef>
+      <a:fillRef idx="1">
+        <a:scrgbClr r="0" g="0" b="0"/>
+      </a:fillRef>
+      <a:effectRef idx="0">
+        <a:scrgbClr r="0" g="0" b="0"/>
+      </a:effectRef>
+      <a:fontRef idx="minor"/>
+    </dgm:style>
+  </dgm:styleLbl>
+  <dgm:styleLbl name="alignAcc1">
+    <dgm:scene3d>
+      <a:camera prst="orthographicFront"/>
+      <a:lightRig rig="threePt" dir="t"/>
+    </dgm:scene3d>
+    <dgm:sp3d/>
+    <dgm:txPr/>
+    <dgm:style>
+      <a:lnRef idx="2">
+        <a:scrgbClr r="0" g="0" b="0"/>
+      </a:lnRef>
+      <a:fillRef idx="1">
+        <a:scrgbClr r="0" g="0" b="0"/>
+      </a:fillRef>
+      <a:effectRef idx="0">
+        <a:scrgbClr r="0" g="0" b="0"/>
+      </a:effectRef>
+      <a:fontRef idx="minor"/>
+    </dgm:style>
+  </dgm:styleLbl>
+  <dgm:styleLbl name="trAlignAcc1">
+    <dgm:scene3d>
+      <a:camera prst="orthographicFront"/>
+      <a:lightRig rig="threePt" dir="t"/>
+    </dgm:scene3d>
+    <dgm:sp3d/>
+    <dgm:txPr/>
+    <dgm:style>
+      <a:lnRef idx="1">
+        <a:scrgbClr r="0" g="0" b="0"/>
+      </a:lnRef>
+      <a:fillRef idx="1">
+        <a:scrgbClr r="0" g="0" b="0"/>
+      </a:fillRef>
+      <a:effectRef idx="0">
+        <a:scrgbClr r="0" g="0" b="0"/>
+      </a:effectRef>
+      <a:fontRef idx="minor"/>
+    </dgm:style>
+  </dgm:styleLbl>
+  <dgm:styleLbl name="bgAcc1">
+    <dgm:scene3d>
+      <a:camera prst="orthographicFront"/>
+      <a:lightRig rig="threePt" dir="t"/>
+    </dgm:scene3d>
+    <dgm:sp3d/>
+    <dgm:txPr/>
+    <dgm:style>
+      <a:lnRef idx="2">
+        <a:scrgbClr r="0" g="0" b="0"/>
+      </a:lnRef>
+      <a:fillRef idx="1">
+        <a:scrgbClr r="0" g="0" b="0"/>
+      </a:fillRef>
+      <a:effectRef idx="0">
+        <a:scrgbClr r="0" g="0" b="0"/>
+      </a:effectRef>
+      <a:fontRef idx="minor"/>
+    </dgm:style>
+  </dgm:styleLbl>
+  <dgm:styleLbl name="solidFgAcc1">
+    <dgm:scene3d>
+      <a:camera prst="orthographicFront"/>
+      <a:lightRig rig="threePt" dir="t"/>
+    </dgm:scene3d>
+    <dgm:sp3d/>
+    <dgm:txPr/>
+    <dgm:style>
+      <a:lnRef idx="2">
+        <a:scrgbClr r="0" g="0" b="0"/>
+      </a:lnRef>
+      <a:fillRef idx="1">
+        <a:scrgbClr r="0" g="0" b="0"/>
+      </a:fillRef>
+      <a:effectRef idx="0">
+        <a:scrgbClr r="0" g="0" b="0"/>
+      </a:effectRef>
+      <a:fontRef idx="minor"/>
+    </dgm:style>
+  </dgm:styleLbl>
+  <dgm:styleLbl name="solidAlignAcc1">
+    <dgm:scene3d>
+      <a:camera prst="orthographicFront"/>
+      <a:lightRig rig="threePt" dir="t"/>
+    </dgm:scene3d>
+    <dgm:sp3d/>
+    <dgm:txPr/>
+    <dgm:style>
+      <a:lnRef idx="2">
+        <a:scrgbClr r="0" g="0" b="0"/>
+      </a:lnRef>
+      <a:fillRef idx="1">
+        <a:scrgbClr r="0" g="0" b="0"/>
+      </a:fillRef>
+      <a:effectRef idx="0">
+        <a:scrgbClr r="0" g="0" b="0"/>
+      </a:effectRef>
+      <a:fontRef idx="minor"/>
+    </dgm:style>
+  </dgm:styleLbl>
+  <dgm:styleLbl name="solidBgAcc1">
+    <dgm:scene3d>
+      <a:camera prst="orthographicFront"/>
+      <a:lightRig rig="threePt" dir="t"/>
+    </dgm:scene3d>
+    <dgm:sp3d/>
+    <dgm:txPr/>
+    <dgm:style>
+      <a:lnRef idx="2">
+        <a:scrgbClr r="0" g="0" b="0"/>
+      </a:lnRef>
+      <a:fillRef idx="1">
+        <a:scrgbClr r="0" g="0" b="0"/>
+      </a:fillRef>
+      <a:effectRef idx="0">
+        <a:scrgbClr r="0" g="0" b="0"/>
+      </a:effectRef>
+      <a:fontRef idx="minor"/>
+    </dgm:style>
+  </dgm:styleLbl>
+  <dgm:styleLbl name="fgAccFollowNode1">
+    <dgm:scene3d>
+      <a:camera prst="orthographicFront"/>
+      <a:lightRig rig="threePt" dir="t"/>
+    </dgm:scene3d>
+    <dgm:sp3d/>
+    <dgm:txPr/>
+    <dgm:style>
+      <a:lnRef idx="2">
+        <a:scrgbClr r="0" g="0" b="0"/>
+      </a:lnRef>
+      <a:fillRef idx="1">
+        <a:scrgbClr r="0" g="0" b="0"/>
+      </a:fillRef>
+      <a:effectRef idx="0">
+        <a:scrgbClr r="0" g="0" b="0"/>
+      </a:effectRef>
+      <a:fontRef idx="minor"/>
+    </dgm:style>
+  </dgm:styleLbl>
+  <dgm:styleLbl name="alignAccFollowNode1">
+    <dgm:scene3d>
+      <a:camera prst="orthographicFront"/>
+      <a:lightRig rig="threePt" dir="t"/>
+    </dgm:scene3d>
+    <dgm:sp3d/>
+    <dgm:txPr/>
+    <dgm:style>
+      <a:lnRef idx="2">
+        <a:scrgbClr r="0" g="0" b="0"/>
+      </a:lnRef>
+      <a:fillRef idx="1">
+        <a:scrgbClr r="0" g="0" b="0"/>
+      </a:fillRef>
+      <a:effectRef idx="0">
+        <a:scrgbClr r="0" g="0" b="0"/>
+      </a:effectRef>
+      <a:fontRef idx="minor"/>
+    </dgm:style>
+  </dgm:styleLbl>
+  <dgm:styleLbl name="bgAccFollowNode1">
+    <dgm:scene3d>
+      <a:camera prst="orthographicFront"/>
+      <a:lightRig rig="threePt" dir="t"/>
+    </dgm:scene3d>
+    <dgm:sp3d/>
+    <dgm:txPr/>
+    <dgm:style>
+      <a:lnRef idx="2">
+        <a:scrgbClr r="0" g="0" b="0"/>
+      </a:lnRef>
+      <a:fillRef idx="1">
+        <a:scrgbClr r="0" g="0" b="0"/>
+      </a:fillRef>
+      <a:effectRef idx="0">
+        <a:scrgbClr r="0" g="0" b="0"/>
+      </a:effectRef>
+      <a:fontRef idx="minor"/>
+    </dgm:style>
+  </dgm:styleLbl>
+  <dgm:styleLbl name="fgAcc0">
+    <dgm:scene3d>
+      <a:camera prst="orthographicFront"/>
+      <a:lightRig rig="threePt" dir="t"/>
+    </dgm:scene3d>
+    <dgm:sp3d/>
+    <dgm:txPr/>
+    <dgm:style>
+      <a:lnRef idx="2">
+        <a:scrgbClr r="0" g="0" b="0"/>
+      </a:lnRef>
+      <a:fillRef idx="1">
+        <a:scrgbClr r="0" g="0" b="0"/>
+      </a:fillRef>
+      <a:effectRef idx="0">
+        <a:scrgbClr r="0" g="0" b="0"/>
+      </a:effectRef>
+      <a:fontRef idx="minor"/>
+    </dgm:style>
+  </dgm:styleLbl>
+  <dgm:styleLbl name="fgAcc2">
+    <dgm:scene3d>
+      <a:camera prst="orthographicFront"/>
+      <a:lightRig rig="threePt" dir="t"/>
+    </dgm:scene3d>
+    <dgm:sp3d/>
+    <dgm:txPr/>
+    <dgm:style>
+      <a:lnRef idx="2">
+        <a:scrgbClr r="0" g="0" b="0"/>
+      </a:lnRef>
+      <a:fillRef idx="1">
+        <a:scrgbClr r="0" g="0" b="0"/>
+      </a:fillRef>
+      <a:effectRef idx="0">
+        <a:scrgbClr r="0" g="0" b="0"/>
+      </a:effectRef>
+      <a:fontRef idx="minor"/>
+    </dgm:style>
+  </dgm:styleLbl>
+  <dgm:styleLbl name="fgAcc3">
+    <dgm:scene3d>
+      <a:camera prst="orthographicFront"/>
+      <a:lightRig rig="threePt" dir="t"/>
+    </dgm:scene3d>
+    <dgm:sp3d/>
+    <dgm:txPr/>
+    <dgm:style>
+      <a:lnRef idx="2">
+        <a:scrgbClr r="0" g="0" b="0"/>
+      </a:lnRef>
+      <a:fillRef idx="1">
+        <a:scrgbClr r="0" g="0" b="0"/>
+      </a:fillRef>
+      <a:effectRef idx="0">
+        <a:scrgbClr r="0" g="0" b="0"/>
+      </a:effectRef>
+      <a:fontRef idx="minor"/>
+    </dgm:style>
+  </dgm:styleLbl>
+  <dgm:styleLbl name="fgAcc4">
+    <dgm:scene3d>
+      <a:camera prst="orthographicFront"/>
+      <a:lightRig rig="threePt" dir="t"/>
+    </dgm:scene3d>
+    <dgm:sp3d/>
+    <dgm:txPr/>
+    <dgm:style>
+      <a:lnRef idx="2">
+        <a:scrgbClr r="0" g="0" b="0"/>
+      </a:lnRef>
+      <a:fillRef idx="1">
+        <a:scrgbClr r="0" g="0" b="0"/>
+      </a:fillRef>
+      <a:effectRef idx="0">
+        <a:scrgbClr r="0" g="0" b="0"/>
+      </a:effectRef>
+      <a:fontRef idx="minor"/>
+    </dgm:style>
+  </dgm:styleLbl>
+  <dgm:styleLbl name="bgShp">
+    <dgm:scene3d>
+      <a:camera prst="orthographicFront"/>
+      <a:lightRig rig="threePt" dir="t"/>
+    </dgm:scene3d>
+    <dgm:sp3d/>
+    <dgm:txPr/>
+    <dgm:style>
+      <a:lnRef idx="0">
+        <a:scrgbClr r="0" g="0" b="0"/>
+      </a:lnRef>
+      <a:fillRef idx="1">
+        <a:scrgbClr r="0" g="0" b="0"/>
+      </a:fillRef>
+      <a:effectRef idx="0">
+        <a:scrgbClr r="0" g="0" b="0"/>
+      </a:effectRef>
+      <a:fontRef idx="minor"/>
+    </dgm:style>
+  </dgm:styleLbl>
+  <dgm:styleLbl name="dkBgShp">
+    <dgm:scene3d>
+      <a:camera prst="orthographicFront"/>
+      <a:lightRig rig="threePt" dir="t"/>
+    </dgm:scene3d>
+    <dgm:sp3d/>
+    <dgm:txPr/>
+    <dgm:style>
+      <a:lnRef idx="0">
+        <a:scrgbClr r="0" g="0" b="0"/>
+      </a:lnRef>
+      <a:fillRef idx="1">
+        <a:scrgbClr r="0" g="0" b="0"/>
+      </a:fillRef>
+      <a:effectRef idx="0">
+        <a:scrgbClr r="0" g="0" b="0"/>
+      </a:effectRef>
+      <a:fontRef idx="minor"/>
+    </dgm:style>
+  </dgm:styleLbl>
+  <dgm:styleLbl name="trBgShp">
+    <dgm:scene3d>
+      <a:camera prst="orthographicFront"/>
+      <a:lightRig rig="threePt" dir="t"/>
+    </dgm:scene3d>
+    <dgm:sp3d/>
+    <dgm:txPr/>
+    <dgm:style>
+      <a:lnRef idx="0">
+        <a:scrgbClr r="0" g="0" b="0"/>
+      </a:lnRef>
+      <a:fillRef idx="1">
+        <a:scrgbClr r="0" g="0" b="0"/>
+      </a:fillRef>
+      <a:effectRef idx="0">
+        <a:scrgbClr r="0" g="0" b="0"/>
+      </a:effectRef>
+      <a:fontRef idx="minor"/>
+    </dgm:style>
+  </dgm:styleLbl>
+  <dgm:styleLbl name="fgShp">
+    <dgm:scene3d>
+      <a:camera prst="orthographicFront"/>
+      <a:lightRig rig="threePt" dir="t"/>
+    </dgm:scene3d>
+    <dgm:sp3d/>
+    <dgm:txPr/>
+    <dgm:style>
+      <a:lnRef idx="2">
+        <a:scrgbClr r="0" g="0" b="0"/>
+      </a:lnRef>
+      <a:fillRef idx="1">
+        <a:scrgbClr r="0" g="0" b="0"/>
+      </a:fillRef>
+      <a:effectRef idx="0">
+        <a:scrgbClr r="0" g="0" b="0"/>
+      </a:effectRef>
+      <a:fontRef idx="minor"/>
+    </dgm:style>
+  </dgm:styleLbl>
+  <dgm:styleLbl name="revTx">
+    <dgm:scene3d>
+      <a:camera prst="orthographicFront"/>
+      <a:lightRig rig="threePt" dir="t"/>
+    </dgm:scene3d>
+    <dgm:sp3d/>
+    <dgm:txPr/>
+    <dgm:style>
+      <a:lnRef idx="0">
+        <a:scrgbClr r="0" g="0" b="0"/>
+      </a:lnRef>
+      <a:fillRef idx="0">
+        <a:scrgbClr r="0" g="0" b="0"/>
+      </a:fillRef>
+      <a:effectRef idx="0">
+        <a:scrgbClr r="0" g="0" b="0"/>
+      </a:effectRef>
+      <a:fontRef idx="minor"/>
+    </dgm:style>
+  </dgm:styleLbl>
+</dgm:styleDef>
+</file>
+
+<file path=ppt/diagrams/quickStyle2.xml><?xml version="1.0" encoding="utf-8"?>
+<dgm:styleDef xmlns:dgm="http://schemas.openxmlformats.org/drawingml/2006/diagram" xmlns:a="http://schemas.openxmlformats.org/drawingml/2006/main" uniqueId="urn:microsoft.com/office/officeart/2005/8/quickstyle/simple5">
+  <dgm:title val=""/>
+  <dgm:desc val=""/>
+  <dgm:catLst>
+    <dgm:cat type="simple" pri="10500"/>
+  </dgm:catLst>
+  <dgm:scene3d>
+    <a:camera prst="orthographicFront"/>
+    <a:lightRig rig="threePt" dir="t"/>
+  </dgm:scene3d>
+  <dgm:styleLbl name="node0">
+    <dgm:scene3d>
+      <a:camera prst="orthographicFront"/>
+      <a:lightRig rig="threePt" dir="t"/>
+    </dgm:scene3d>
+    <dgm:sp3d/>
+    <dgm:txPr/>
+    <dgm:style>
+      <a:lnRef idx="0">
+        <a:scrgbClr r="0" g="0" b="0"/>
+      </a:lnRef>
+      <a:fillRef idx="3">
+        <a:scrgbClr r="0" g="0" b="0"/>
+      </a:fillRef>
+      <a:effectRef idx="3">
+        <a:scrgbClr r="0" g="0" b="0"/>
+      </a:effectRef>
+      <a:fontRef idx="minor">
+        <a:schemeClr val="lt1"/>
+      </a:fontRef>
+    </dgm:style>
+  </dgm:styleLbl>
+  <dgm:styleLbl name="lnNode1">
+    <dgm:scene3d>
+      <a:camera prst="orthographicFront"/>
+      <a:lightRig rig="threePt" dir="t"/>
+    </dgm:scene3d>
+    <dgm:sp3d/>
+    <dgm:txPr/>
+    <dgm:style>
+      <a:lnRef idx="0">
+        <a:scrgbClr r="0" g="0" b="0"/>
+      </a:lnRef>
+      <a:fillRef idx="3">
+        <a:scrgbClr r="0" g="0" b="0"/>
+      </a:fillRef>
+      <a:effectRef idx="3">
+        <a:scrgbClr r="0" g="0" b="0"/>
+      </a:effectRef>
+      <a:fontRef idx="minor">
+        <a:schemeClr val="lt1"/>
+      </a:fontRef>
+    </dgm:style>
+  </dgm:styleLbl>
+  <dgm:styleLbl name="vennNode1">
+    <dgm:scene3d>
+      <a:camera prst="orthographicFront"/>
+      <a:lightRig rig="threePt" dir="t"/>
+    </dgm:scene3d>
+    <dgm:sp3d/>
+    <dgm:txPr/>
+    <dgm:style>
+      <a:lnRef idx="0">
+        <a:scrgbClr r="0" g="0" b="0"/>
+      </a:lnRef>
+      <a:fillRef idx="3">
+        <a:scrgbClr r="0" g="0" b="0"/>
+      </a:fillRef>
+      <a:effectRef idx="3">
+        <a:scrgbClr r="0" g="0" b="0"/>
+      </a:effectRef>
+      <a:fontRef idx="minor">
+        <a:schemeClr val="tx1"/>
+      </a:fontRef>
+    </dgm:style>
+  </dgm:styleLbl>
+  <dgm:styleLbl name="alignNode1">
+    <dgm:scene3d>
+      <a:camera prst="orthographicFront"/>
+      <a:lightRig rig="threePt" dir="t"/>
+    </dgm:scene3d>
+    <dgm:sp3d/>
+    <dgm:txPr/>
+    <dgm:style>
+      <a:lnRef idx="1">
+        <a:scrgbClr r="0" g="0" b="0"/>
+      </a:lnRef>
+      <a:fillRef idx="3">
+        <a:scrgbClr r="0" g="0" b="0"/>
+      </a:fillRef>
+      <a:effectRef idx="3">
+        <a:scrgbClr r="0" g="0" b="0"/>
+      </a:effectRef>
+      <a:fontRef idx="minor">
+        <a:schemeClr val="lt1"/>
+      </a:fontRef>
+    </dgm:style>
+  </dgm:styleLbl>
+  <dgm:styleLbl name="node1">
+    <dgm:scene3d>
+      <a:camera prst="orthographicFront"/>
+      <a:lightRig rig="threePt" dir="t"/>
+    </dgm:scene3d>
+    <dgm:sp3d/>
+    <dgm:txPr/>
+    <dgm:style>
+      <a:lnRef idx="0">
+        <a:scrgbClr r="0" g="0" b="0"/>
+      </a:lnRef>
+      <a:fillRef idx="3">
+        <a:scrgbClr r="0" g="0" b="0"/>
+      </a:fillRef>
+      <a:effectRef idx="3">
+        <a:scrgbClr r="0" g="0" b="0"/>
+      </a:effectRef>
+      <a:fontRef idx="minor">
+        <a:schemeClr val="lt1"/>
+      </a:fontRef>
+    </dgm:style>
+  </dgm:styleLbl>
+  <dgm:styleLbl name="node2">
+    <dgm:scene3d>
+      <a:camera prst="orthographicFront"/>
+      <a:lightRig rig="threePt" dir="t"/>
+    </dgm:scene3d>
+    <dgm:sp3d/>
+    <dgm:txPr/>
+    <dgm:style>
+      <a:lnRef idx="0">
+        <a:scrgbClr r="0" g="0" b="0"/>
+      </a:lnRef>
+      <a:fillRef idx="3">
+        <a:scrgbClr r="0" g="0" b="0"/>
+      </a:fillRef>
+      <a:effectRef idx="3">
+        <a:scrgbClr r="0" g="0" b="0"/>
+      </a:effectRef>
+      <a:fontRef idx="minor">
+        <a:schemeClr val="lt1"/>
+      </a:fontRef>
+    </dgm:style>
+  </dgm:styleLbl>
+  <dgm:styleLbl name="node3">
+    <dgm:scene3d>
+      <a:camera prst="orthographicFront"/>
+      <a:lightRig rig="threePt" dir="t"/>
+    </dgm:scene3d>
+    <dgm:sp3d/>
+    <dgm:txPr/>
+    <dgm:style>
+      <a:lnRef idx="0">
+        <a:scrgbClr r="0" g="0" b="0"/>
+      </a:lnRef>
+      <a:fillRef idx="3">
+        <a:scrgbClr r="0" g="0" b="0"/>
+      </a:fillRef>
+      <a:effectRef idx="3">
+        <a:scrgbClr r="0" g="0" b="0"/>
+      </a:effectRef>
+      <a:fontRef idx="minor">
+        <a:schemeClr val="lt1"/>
+      </a:fontRef>
+    </dgm:style>
+  </dgm:styleLbl>
+  <dgm:styleLbl name="node4">
+    <dgm:scene3d>
+      <a:camera prst="orthographicFront"/>
+      <a:lightRig rig="threePt" dir="t"/>
+    </dgm:scene3d>
+    <dgm:sp3d/>
+    <dgm:txPr/>
+    <dgm:style>
+      <a:lnRef idx="0">
+        <a:scrgbClr r="0" g="0" b="0"/>
+      </a:lnRef>
+      <a:fillRef idx="3">
+        <a:scrgbClr r="0" g="0" b="0"/>
+      </a:fillRef>
+      <a:effectRef idx="3">
+        <a:scrgbClr r="0" g="0" b="0"/>
+      </a:effectRef>
+      <a:fontRef idx="minor">
+        <a:schemeClr val="lt1"/>
+      </a:fontRef>
+    </dgm:style>
+  </dgm:styleLbl>
+  <dgm:styleLbl name="fgImgPlace1">
+    <dgm:scene3d>
+      <a:camera prst="orthographicFront"/>
+      <a:lightRig rig="threePt" dir="t"/>
+    </dgm:scene3d>
+    <dgm:sp3d/>
+    <dgm:txPr/>
+    <dgm:style>
+      <a:lnRef idx="0">
+        <a:scrgbClr r="0" g="0" b="0"/>
+      </a:lnRef>
+      <a:fillRef idx="1">
+        <a:scrgbClr r="0" g="0" b="0"/>
+      </a:fillRef>
+      <a:effectRef idx="3">
+        <a:scrgbClr r="0" g="0" b="0"/>
+      </a:effectRef>
+      <a:fontRef idx="minor"/>
+    </dgm:style>
+  </dgm:styleLbl>
+  <dgm:styleLbl name="alignImgPlace1">
+    <dgm:scene3d>
+      <a:camera prst="orthographicFront"/>
+      <a:lightRig rig="threePt" dir="t"/>
+    </dgm:scene3d>
+    <dgm:sp3d/>
+    <dgm:txPr/>
+    <dgm:style>
+      <a:lnRef idx="0">
+        <a:scrgbClr r="0" g="0" b="0"/>
+      </a:lnRef>
+      <a:fillRef idx="1">
+        <a:scrgbClr r="0" g="0" b="0"/>
+      </a:fillRef>
+      <a:effectRef idx="3">
+        <a:scrgbClr r="0" g="0" b="0"/>
+      </a:effectRef>
+      <a:fontRef idx="minor"/>
+    </dgm:style>
+  </dgm:styleLbl>
+  <dgm:styleLbl name="bgImgPlace1">
+    <dgm:scene3d>
+      <a:camera prst="orthographicFront"/>
+      <a:lightRig rig="threePt" dir="t"/>
+    </dgm:scene3d>
+    <dgm:sp3d/>
+    <dgm:txPr/>
+    <dgm:style>
+      <a:lnRef idx="0">
+        <a:scrgbClr r="0" g="0" b="0"/>
+      </a:lnRef>
+      <a:fillRef idx="1">
+        <a:scrgbClr r="0" g="0" b="0"/>
+      </a:fillRef>
+      <a:effectRef idx="3">
+        <a:scrgbClr r="0" g="0" b="0"/>
+      </a:effectRef>
+      <a:fontRef idx="minor"/>
+    </dgm:style>
+  </dgm:styleLbl>
+  <dgm:styleLbl name="sibTrans2D1">
+    <dgm:scene3d>
+      <a:camera prst="orthographicFront"/>
+      <a:lightRig rig="threePt" dir="t"/>
+    </dgm:scene3d>
+    <dgm:sp3d/>
+    <dgm:txPr/>
+    <dgm:style>
+      <a:lnRef idx="0">
+        <a:scrgbClr r="0" g="0" b="0"/>
+      </a:lnRef>
+      <a:fillRef idx="3">
+        <a:scrgbClr r="0" g="0" b="0"/>
+      </a:fillRef>
+      <a:effectRef idx="3">
+        <a:scrgbClr r="0" g="0" b="0"/>
+      </a:effectRef>
+      <a:fontRef idx="minor">
+        <a:schemeClr val="lt1"/>
+      </a:fontRef>
+    </dgm:style>
+  </dgm:styleLbl>
+  <dgm:styleLbl name="fgSibTrans2D1">
+    <dgm:scene3d>
+      <a:camera prst="orthographicFront"/>
+      <a:lightRig rig="threePt" dir="t"/>
+    </dgm:scene3d>
+    <dgm:sp3d/>
+    <dgm:txPr/>
+    <dgm:style>
+      <a:lnRef idx="0">
+        <a:scrgbClr r="0" g="0" b="0"/>
+      </a:lnRef>
+      <a:fillRef idx="3">
+        <a:scrgbClr r="0" g="0" b="0"/>
+      </a:fillRef>
+      <a:effectRef idx="3">
+        <a:scrgbClr r="0" g="0" b="0"/>
+      </a:effectRef>
+      <a:fontRef idx="minor">
+        <a:schemeClr val="lt1"/>
+      </a:fontRef>
+    </dgm:style>
+  </dgm:styleLbl>
+  <dgm:styleLbl name="bgSibTrans2D1">
+    <dgm:scene3d>
+      <a:camera prst="orthographicFront"/>
+      <a:lightRig rig="threePt" dir="t"/>
+    </dgm:scene3d>
+    <dgm:sp3d/>
+    <dgm:txPr/>
+    <dgm:style>
+      <a:lnRef idx="0">
+        <a:scrgbClr r="0" g="0" b="0"/>
+      </a:lnRef>
+      <a:fillRef idx="3">
+        <a:scrgbClr r="0" g="0" b="0"/>
+      </a:fillRef>
+      <a:effectRef idx="3">
+        <a:scrgbClr r="0" g="0" b="0"/>
+      </a:effectRef>
+      <a:fontRef idx="minor">
+        <a:schemeClr val="lt1"/>
+      </a:fontRef>
+    </dgm:style>
+  </dgm:styleLbl>
+  <dgm:styleLbl name="sibTrans1D1">
+    <dgm:scene3d>
+      <a:camera prst="orthographicFront"/>
+      <a:lightRig rig="threePt" dir="t"/>
+    </dgm:scene3d>
+    <dgm:sp3d/>
+    <dgm:txPr/>
+    <dgm:style>
+      <a:lnRef idx="1">
+        <a:scrgbClr r="0" g="0" b="0"/>
+      </a:lnRef>
+      <a:fillRef idx="0">
+        <a:scrgbClr r="0" g="0" b="0"/>
+      </a:fillRef>
+      <a:effectRef idx="0">
+        <a:scrgbClr r="0" g="0" b="0"/>
+      </a:effectRef>
+      <a:fontRef idx="minor"/>
+    </dgm:style>
+  </dgm:styleLbl>
+  <dgm:styleLbl name="callout">
+    <dgm:scene3d>
+      <a:camera prst="orthographicFront"/>
+      <a:lightRig rig="threePt" dir="t"/>
+    </dgm:scene3d>
+    <dgm:sp3d/>
+    <dgm:txPr/>
+    <dgm:style>
+      <a:lnRef idx="1">
+        <a:scrgbClr r="0" g="0" b="0"/>
+      </a:lnRef>
+      <a:fillRef idx="0">
+        <a:scrgbClr r="0" g="0" b="0"/>
+      </a:fillRef>
+      <a:effectRef idx="1">
+        <a:scrgbClr r="0" g="0" b="0"/>
+      </a:effectRef>
+      <a:fontRef idx="minor"/>
+    </dgm:style>
+  </dgm:styleLbl>
+  <dgm:styleLbl name="asst0">
+    <dgm:scene3d>
+      <a:camera prst="orthographicFront"/>
+      <a:lightRig rig="threePt" dir="t"/>
+    </dgm:scene3d>
+    <dgm:sp3d/>
+    <dgm:txPr/>
+    <dgm:style>
+      <a:lnRef idx="0">
+        <a:scrgbClr r="0" g="0" b="0"/>
+      </a:lnRef>
+      <a:fillRef idx="3">
+        <a:scrgbClr r="0" g="0" b="0"/>
+      </a:fillRef>
+      <a:effectRef idx="3">
+        <a:scrgbClr r="0" g="0" b="0"/>
+      </a:effectRef>
+      <a:fontRef idx="minor">
+        <a:schemeClr val="lt1"/>
+      </a:fontRef>
+    </dgm:style>
+  </dgm:styleLbl>
+  <dgm:styleLbl name="asst1">
+    <dgm:scene3d>
+      <a:camera prst="orthographicFront"/>
+      <a:lightRig rig="threePt" dir="t"/>
+    </dgm:scene3d>
+    <dgm:sp3d/>
+    <dgm:txPr/>
+    <dgm:style>
+      <a:lnRef idx="0">
+        <a:scrgbClr r="0" g="0" b="0"/>
+      </a:lnRef>
+      <a:fillRef idx="3">
+        <a:scrgbClr r="0" g="0" b="0"/>
+      </a:fillRef>
+      <a:effectRef idx="3">
+        <a:scrgbClr r="0" g="0" b="0"/>
+      </a:effectRef>
+      <a:fontRef idx="minor">
+        <a:schemeClr val="lt1"/>
+      </a:fontRef>
+    </dgm:style>
+  </dgm:styleLbl>
+  <dgm:styleLbl name="asst2">
+    <dgm:scene3d>
+      <a:camera prst="orthographicFront"/>
+      <a:lightRig rig="threePt" dir="t"/>
+    </dgm:scene3d>
+    <dgm:sp3d/>
+    <dgm:txPr/>
+    <dgm:style>
+      <a:lnRef idx="0">
+        <a:scrgbClr r="0" g="0" b="0"/>
+      </a:lnRef>
+      <a:fillRef idx="3">
+        <a:scrgbClr r="0" g="0" b="0"/>
+      </a:fillRef>
+      <a:effectRef idx="3">
+        <a:scrgbClr r="0" g="0" b="0"/>
+      </a:effectRef>
+      <a:fontRef idx="minor">
+        <a:schemeClr val="lt1"/>
+      </a:fontRef>
+    </dgm:style>
+  </dgm:styleLbl>
+  <dgm:styleLbl name="asst3">
+    <dgm:scene3d>
+      <a:camera prst="orthographicFront"/>
+      <a:lightRig rig="threePt" dir="t"/>
+    </dgm:scene3d>
+    <dgm:sp3d/>
+    <dgm:txPr/>
+    <dgm:style>
+      <a:lnRef idx="0">
+        <a:scrgbClr r="0" g="0" b="0"/>
+      </a:lnRef>
+      <a:fillRef idx="3">
+        <a:scrgbClr r="0" g="0" b="0"/>
+      </a:fillRef>
+      <a:effectRef idx="3">
+        <a:scrgbClr r="0" g="0" b="0"/>
+      </a:effectRef>
+      <a:fontRef idx="minor">
+        <a:schemeClr val="lt1"/>
+      </a:fontRef>
+    </dgm:style>
+  </dgm:styleLbl>
+  <dgm:styleLbl name="asst4">
+    <dgm:scene3d>
+      <a:camera prst="orthographicFront"/>
+      <a:lightRig rig="threePt" dir="t"/>
+    </dgm:scene3d>
+    <dgm:sp3d/>
+    <dgm:txPr/>
+    <dgm:style>
+      <a:lnRef idx="0">
+        <a:scrgbClr r="0" g="0" b="0"/>
+      </a:lnRef>
+      <a:fillRef idx="3">
+        <a:scrgbClr r="0" g="0" b="0"/>
+      </a:fillRef>
+      <a:effectRef idx="3">
+        <a:scrgbClr r="0" g="0" b="0"/>
+      </a:effectRef>
+      <a:fontRef idx="minor">
+        <a:schemeClr val="lt1"/>
+      </a:fontRef>
+    </dgm:style>
+  </dgm:styleLbl>
+  <dgm:styleLbl name="parChTrans2D1">
+    <dgm:scene3d>
+      <a:camera prst="orthographicFront"/>
+      <a:lightRig rig="threePt" dir="t"/>
+    </dgm:scene3d>
+    <dgm:sp3d/>
+    <dgm:txPr/>
+    <dgm:style>
+      <a:lnRef idx="0">
+        <a:scrgbClr r="0" g="0" b="0"/>
+      </a:lnRef>
+      <a:fillRef idx="3">
+        <a:scrgbClr r="0" g="0" b="0"/>
+      </a:fillRef>
+      <a:effectRef idx="3">
+        <a:scrgbClr r="0" g="0" b="0"/>
+      </a:effectRef>
+      <a:fontRef idx="minor">
+        <a:schemeClr val="lt1"/>
+      </a:fontRef>
+    </dgm:style>
+  </dgm:styleLbl>
+  <dgm:styleLbl name="parChTrans2D2">
+    <dgm:scene3d>
+      <a:camera prst="orthographicFront"/>
+      <a:lightRig rig="threePt" dir="t"/>
+    </dgm:scene3d>
+    <dgm:sp3d/>
+    <dgm:txPr/>
+    <dgm:style>
+      <a:lnRef idx="0">
+        <a:scrgbClr r="0" g="0" b="0"/>
+      </a:lnRef>
+      <a:fillRef idx="3">
+        <a:scrgbClr r="0" g="0" b="0"/>
+      </a:fillRef>
+      <a:effectRef idx="3">
+        <a:scrgbClr r="0" g="0" b="0"/>
+      </a:effectRef>
+      <a:fontRef idx="minor">
+        <a:schemeClr val="lt1"/>
+      </a:fontRef>
+    </dgm:style>
+  </dgm:styleLbl>
+  <dgm:styleLbl name="parChTrans2D3">
+    <dgm:scene3d>
+      <a:camera prst="orthographicFront"/>
+      <a:lightRig rig="threePt" dir="t"/>
+    </dgm:scene3d>
+    <dgm:sp3d/>
+    <dgm:txPr/>
+    <dgm:style>
+      <a:lnRef idx="0">
+        <a:scrgbClr r="0" g="0" b="0"/>
+      </a:lnRef>
+      <a:fillRef idx="3">
+        <a:scrgbClr r="0" g="0" b="0"/>
+      </a:fillRef>
+      <a:effectRef idx="3">
+        <a:scrgbClr r="0" g="0" b="0"/>
+      </a:effectRef>
+      <a:fontRef idx="minor">
+        <a:schemeClr val="lt1"/>
+      </a:fontRef>
+    </dgm:style>
+  </dgm:styleLbl>
+  <dgm:styleLbl name="parChTrans2D4">
+    <dgm:scene3d>
+      <a:camera prst="orthographicFront"/>
+      <a:lightRig rig="threePt" dir="t"/>
+    </dgm:scene3d>
+    <dgm:sp3d/>
+    <dgm:txPr/>
+    <dgm:style>
+      <a:lnRef idx="0">
+        <a:scrgbClr r="0" g="0" b="0"/>
+      </a:lnRef>
+      <a:fillRef idx="3">
+        <a:scrgbClr r="0" g="0" b="0"/>
+      </a:fillRef>
+      <a:effectRef idx="3">
+        <a:scrgbClr r="0" g="0" b="0"/>
+      </a:effectRef>
+      <a:fontRef idx="minor">
+        <a:schemeClr val="lt1"/>
+      </a:fontRef>
+    </dgm:style>
+  </dgm:styleLbl>
+  <dgm:styleLbl name="parChTrans1D1">
+    <dgm:scene3d>
+      <a:camera prst="orthographicFront"/>
+      <a:lightRig rig="threePt" dir="t"/>
+    </dgm:scene3d>
+    <dgm:sp3d/>
+    <dgm:txPr/>
+    <dgm:style>
+      <a:lnRef idx="2">
+        <a:scrgbClr r="0" g="0" b="0"/>
+      </a:lnRef>
+      <a:fillRef idx="0">
+        <a:scrgbClr r="0" g="0" b="0"/>
+      </a:fillRef>
+      <a:effectRef idx="0">
+        <a:scrgbClr r="0" g="0" b="0"/>
+      </a:effectRef>
+      <a:fontRef idx="minor"/>
+    </dgm:style>
+  </dgm:styleLbl>
+  <dgm:styleLbl name="parChTrans1D2">
+    <dgm:scene3d>
+      <a:camera prst="orthographicFront"/>
+      <a:lightRig rig="threePt" dir="t"/>
+    </dgm:scene3d>
+    <dgm:sp3d/>
+    <dgm:txPr/>
+    <dgm:style>
+      <a:lnRef idx="2">
+        <a:scrgbClr r="0" g="0" b="0"/>
+      </a:lnRef>
+      <a:fillRef idx="0">
+        <a:scrgbClr r="0" g="0" b="0"/>
+      </a:fillRef>
+      <a:effectRef idx="0">
+        <a:scrgbClr r="0" g="0" b="0"/>
+      </a:effectRef>
+      <a:fontRef idx="minor"/>
+    </dgm:style>
+  </dgm:styleLbl>
+  <dgm:styleLbl name="parChTrans1D3">
+    <dgm:scene3d>
+      <a:camera prst="orthographicFront"/>
+      <a:lightRig rig="threePt" dir="t"/>
+    </dgm:scene3d>
+    <dgm:sp3d/>
+    <dgm:txPr/>
+    <dgm:style>
+      <a:lnRef idx="2">
+        <a:scrgbClr r="0" g="0" b="0"/>
+      </a:lnRef>
+      <a:fillRef idx="0">
+        <a:scrgbClr r="0" g="0" b="0"/>
+      </a:fillRef>
+      <a:effectRef idx="0">
+        <a:scrgbClr r="0" g="0" b="0"/>
+      </a:effectRef>
+      <a:fontRef idx="minor"/>
+    </dgm:style>
+  </dgm:styleLbl>
+  <dgm:styleLbl name="parChTrans1D4">
+    <dgm:scene3d>
+      <a:camera prst="orthographicFront"/>
+      <a:lightRig rig="threePt" dir="t"/>
+    </dgm:scene3d>
+    <dgm:sp3d/>
+    <dgm:txPr/>
+    <dgm:style>
+      <a:lnRef idx="2">
+        <a:scrgbClr r="0" g="0" b="0"/>
+      </a:lnRef>
+      <a:fillRef idx="0">
+        <a:scrgbClr r="0" g="0" b="0"/>
+      </a:fillRef>
+      <a:effectRef idx="0">
+        <a:scrgbClr r="0" g="0" b="0"/>
+      </a:effectRef>
+      <a:fontRef idx="minor"/>
+    </dgm:style>
+  </dgm:styleLbl>
+  <dgm:styleLbl name="fgAcc1">
+    <dgm:scene3d>
+      <a:camera prst="orthographicFront"/>
+      <a:lightRig rig="threePt" dir="t"/>
+    </dgm:scene3d>
+    <dgm:sp3d/>
+    <dgm:txPr/>
+    <dgm:style>
+      <a:lnRef idx="1">
+        <a:scrgbClr r="0" g="0" b="0"/>
+      </a:lnRef>
+      <a:fillRef idx="1">
+        <a:scrgbClr r="0" g="0" b="0"/>
+      </a:fillRef>
+      <a:effectRef idx="2">
+        <a:scrgbClr r="0" g="0" b="0"/>
+      </a:effectRef>
+      <a:fontRef idx="minor"/>
+    </dgm:style>
+  </dgm:styleLbl>
+  <dgm:styleLbl name="conFgAcc1">
+    <dgm:scene3d>
+      <a:camera prst="orthographicFront"/>
+      <a:lightRig rig="threePt" dir="t"/>
+    </dgm:scene3d>
+    <dgm:sp3d/>
+    <dgm:txPr/>
+    <dgm:style>
+      <a:lnRef idx="1">
+        <a:scrgbClr r="0" g="0" b="0"/>
+      </a:lnRef>
+      <a:fillRef idx="1">
+        <a:scrgbClr r="0" g="0" b="0"/>
+      </a:fillRef>
+      <a:effectRef idx="2">
+        <a:scrgbClr r="0" g="0" b="0"/>
+      </a:effectRef>
+      <a:fontRef idx="minor"/>
+    </dgm:style>
+  </dgm:styleLbl>
+  <dgm:styleLbl name="alignAcc1">
+    <dgm:scene3d>
+      <a:camera prst="orthographicFront"/>
+      <a:lightRig rig="threePt" dir="t"/>
+    </dgm:scene3d>
+    <dgm:sp3d/>
+    <dgm:txPr/>
+    <dgm:style>
+      <a:lnRef idx="1">
+        <a:scrgbClr r="0" g="0" b="0"/>
+      </a:lnRef>
+      <a:fillRef idx="1">
+        <a:scrgbClr r="0" g="0" b="0"/>
+      </a:fillRef>
+      <a:effectRef idx="2">
+        <a:scrgbClr r="0" g="0" b="0"/>
+      </a:effectRef>
+      <a:fontRef idx="minor"/>
+    </dgm:style>
+  </dgm:styleLbl>
+  <dgm:styleLbl name="trAlignAcc1">
+    <dgm:scene3d>
+      <a:camera prst="orthographicFront"/>
+      <a:lightRig rig="threePt" dir="t"/>
+    </dgm:scene3d>
+    <dgm:sp3d/>
+    <dgm:txPr/>
+    <dgm:style>
+      <a:lnRef idx="1">
+        <a:scrgbClr r="0" g="0" b="0"/>
+      </a:lnRef>
+      <a:fillRef idx="1">
+        <a:scrgbClr r="0" g="0" b="0"/>
+      </a:fillRef>
+      <a:effectRef idx="0">
+        <a:scrgbClr r="0" g="0" b="0"/>
+      </a:effectRef>
+      <a:fontRef idx="minor"/>
+    </dgm:style>
+  </dgm:styleLbl>
+  <dgm:styleLbl name="bgAcc1">
+    <dgm:scene3d>
+      <a:camera prst="orthographicFront"/>
+      <a:lightRig rig="threePt" dir="t"/>
+    </dgm:scene3d>
+    <dgm:sp3d/>
+    <dgm:txPr/>
+    <dgm:style>
+      <a:lnRef idx="1">
+        <a:scrgbClr r="0" g="0" b="0"/>
+      </a:lnRef>
+      <a:fillRef idx="1">
+        <a:scrgbClr r="0" g="0" b="0"/>
+      </a:fillRef>
+      <a:effectRef idx="2">
+        <a:scrgbClr r="0" g="0" b="0"/>
+      </a:effectRef>
+      <a:fontRef idx="minor"/>
+    </dgm:style>
+  </dgm:styleLbl>
+  <dgm:styleLbl name="solidFgAcc1">
+    <dgm:scene3d>
+      <a:camera prst="orthographicFront"/>
+      <a:lightRig rig="threePt" dir="t"/>
+    </dgm:scene3d>
+    <dgm:sp3d/>
+    <dgm:txPr/>
+    <dgm:style>
+      <a:lnRef idx="1">
+        <a:scrgbClr r="0" g="0" b="0"/>
+      </a:lnRef>
+      <a:fillRef idx="1">
+        <a:scrgbClr r="0" g="0" b="0"/>
+      </a:fillRef>
+      <a:effectRef idx="2">
+        <a:scrgbClr r="0" g="0" b="0"/>
+      </a:effectRef>
+      <a:fontRef idx="minor"/>
+    </dgm:style>
+  </dgm:styleLbl>
+  <dgm:styleLbl name="solidAlignAcc1">
+    <dgm:scene3d>
+      <a:camera prst="orthographicFront"/>
+      <a:lightRig rig="threePt" dir="t"/>
+    </dgm:scene3d>
+    <dgm:sp3d/>
+    <dgm:txPr/>
+    <dgm:style>
+      <a:lnRef idx="1">
+        <a:scrgbClr r="0" g="0" b="0"/>
+      </a:lnRef>
+      <a:fillRef idx="1">
+        <a:scrgbClr r="0" g="0" b="0"/>
+      </a:fillRef>
+      <a:effectRef idx="3">
+        <a:scrgbClr r="0" g="0" b="0"/>
+      </a:effectRef>
+      <a:fontRef idx="minor"/>
+    </dgm:style>
+  </dgm:styleLbl>
+  <dgm:styleLbl name="solidBgAcc1">
+    <dgm:scene3d>
+      <a:camera prst="orthographicFront"/>
+      <a:lightRig rig="threePt" dir="t"/>
+    </dgm:scene3d>
+    <dgm:sp3d/>
+    <dgm:txPr/>
+    <dgm:style>
+      <a:lnRef idx="1">
+        <a:scrgbClr r="0" g="0" b="0"/>
+      </a:lnRef>
+      <a:fillRef idx="1">
+        <a:scrgbClr r="0" g="0" b="0"/>
+      </a:fillRef>
+      <a:effectRef idx="3">
+        <a:scrgbClr r="0" g="0" b="0"/>
+      </a:effectRef>
+      <a:fontRef idx="minor"/>
+    </dgm:style>
+  </dgm:styleLbl>
+  <dgm:styleLbl name="fgAccFollowNode1">
+    <dgm:scene3d>
+      <a:camera prst="orthographicFront"/>
+      <a:lightRig rig="threePt" dir="t"/>
+    </dgm:scene3d>
+    <dgm:sp3d/>
+    <dgm:txPr/>
+    <dgm:style>
+      <a:lnRef idx="1">
+        <a:scrgbClr r="0" g="0" b="0"/>
+      </a:lnRef>
+      <a:fillRef idx="1">
+        <a:scrgbClr r="0" g="0" b="0"/>
+      </a:fillRef>
+      <a:effectRef idx="2">
+        <a:scrgbClr r="0" g="0" b="0"/>
+      </a:effectRef>
+      <a:fontRef idx="minor"/>
+    </dgm:style>
+  </dgm:styleLbl>
+  <dgm:styleLbl name="alignAccFollowNode1">
+    <dgm:scene3d>
+      <a:camera prst="orthographicFront"/>
+      <a:lightRig rig="threePt" dir="t"/>
+    </dgm:scene3d>
+    <dgm:sp3d/>
+    <dgm:txPr/>
+    <dgm:style>
+      <a:lnRef idx="1">
+        <a:scrgbClr r="0" g="0" b="0"/>
+      </a:lnRef>
+      <a:fillRef idx="1">
+        <a:scrgbClr r="0" g="0" b="0"/>
+      </a:fillRef>
+      <a:effectRef idx="2">
+        <a:scrgbClr r="0" g="0" b="0"/>
+      </a:effectRef>
+      <a:fontRef idx="minor"/>
+    </dgm:style>
+  </dgm:styleLbl>
+  <dgm:styleLbl name="bgAccFollowNode1">
+    <dgm:scene3d>
+      <a:camera prst="orthographicFront"/>
+      <a:lightRig rig="threePt" dir="t"/>
+    </dgm:scene3d>
+    <dgm:sp3d/>
+    <dgm:txPr/>
+    <dgm:style>
+      <a:lnRef idx="1">
+        <a:scrgbClr r="0" g="0" b="0"/>
+      </a:lnRef>
+      <a:fillRef idx="1">
+        <a:scrgbClr r="0" g="0" b="0"/>
+      </a:fillRef>
+      <a:effectRef idx="2">
+        <a:scrgbClr r="0" g="0" b="0"/>
+      </a:effectRef>
+      <a:fontRef idx="minor"/>
+    </dgm:style>
+  </dgm:styleLbl>
+  <dgm:styleLbl name="fgAcc0">
+    <dgm:scene3d>
+      <a:camera prst="orthographicFront"/>
+      <a:lightRig rig="threePt" dir="t"/>
+    </dgm:scene3d>
+    <dgm:sp3d/>
+    <dgm:txPr/>
+    <dgm:style>
+      <a:lnRef idx="1">
+        <a:scrgbClr r="0" g="0" b="0"/>
+      </a:lnRef>
+      <a:fillRef idx="1">
+        <a:scrgbClr r="0" g="0" b="0"/>
+      </a:fillRef>
+      <a:effectRef idx="2">
+        <a:scrgbClr r="0" g="0" b="0"/>
+      </a:effectRef>
+      <a:fontRef idx="minor"/>
+    </dgm:style>
+  </dgm:styleLbl>
+  <dgm:styleLbl name="fgAcc2">
+    <dgm:scene3d>
+      <a:camera prst="orthographicFront"/>
+      <a:lightRig rig="threePt" dir="t"/>
+    </dgm:scene3d>
+    <dgm:sp3d/>
+    <dgm:txPr/>
+    <dgm:style>
+      <a:lnRef idx="1">
+        <a:scrgbClr r="0" g="0" b="0"/>
+      </a:lnRef>
+      <a:fillRef idx="1">
+        <a:scrgbClr r="0" g="0" b="0"/>
+      </a:fillRef>
+      <a:effectRef idx="2">
+        <a:scrgbClr r="0" g="0" b="0"/>
+      </a:effectRef>
+      <a:fontRef idx="minor"/>
+    </dgm:style>
+  </dgm:styleLbl>
+  <dgm:styleLbl name="fgAcc3">
+    <dgm:scene3d>
+      <a:camera prst="orthographicFront"/>
+      <a:lightRig rig="threePt" dir="t"/>
+    </dgm:scene3d>
+    <dgm:sp3d/>
+    <dgm:txPr/>
+    <dgm:style>
+      <a:lnRef idx="1">
+        <a:scrgbClr r="0" g="0" b="0"/>
+      </a:lnRef>
+      <a:fillRef idx="1">
+        <a:scrgbClr r="0" g="0" b="0"/>
+      </a:fillRef>
+      <a:effectRef idx="2">
+        <a:scrgbClr r="0" g="0" b="0"/>
+      </a:effectRef>
+      <a:fontRef idx="minor"/>
+    </dgm:style>
+  </dgm:styleLbl>
+  <dgm:styleLbl name="fgAcc4">
+    <dgm:scene3d>
+      <a:camera prst="orthographicFront"/>
+      <a:lightRig rig="threePt" dir="t"/>
+    </dgm:scene3d>
+    <dgm:sp3d/>
+    <dgm:txPr/>
+    <dgm:style>
+      <a:lnRef idx="1">
+        <a:scrgbClr r="0" g="0" b="0"/>
+      </a:lnRef>
+      <a:fillRef idx="1">
+        <a:scrgbClr r="0" g="0" b="0"/>
+      </a:fillRef>
+      <a:effectRef idx="2">
+        <a:scrgbClr r="0" g="0" b="0"/>
+      </a:effectRef>
+      <a:fontRef idx="minor"/>
+    </dgm:style>
+  </dgm:styleLbl>
+  <dgm:styleLbl name="bgShp">
+    <dgm:scene3d>
+      <a:camera prst="orthographicFront"/>
+      <a:lightRig rig="threePt" dir="t"/>
+    </dgm:scene3d>
+    <dgm:sp3d/>
+    <dgm:txPr/>
+    <dgm:style>
+      <a:lnRef idx="0">
+        <a:scrgbClr r="0" g="0" b="0"/>
+      </a:lnRef>
+      <a:fillRef idx="1">
+        <a:scrgbClr r="0" g="0" b="0"/>
+      </a:fillRef>
+      <a:effectRef idx="2">
+        <a:scrgbClr r="0" g="0" b="0"/>
+      </a:effectRef>
+      <a:fontRef idx="minor"/>
+    </dgm:style>
+  </dgm:styleLbl>
+  <dgm:styleLbl name="dkBgShp">
+    <dgm:scene3d>
+      <a:camera prst="orthographicFront"/>
+      <a:lightRig rig="threePt" dir="t"/>
+    </dgm:scene3d>
+    <dgm:sp3d/>
+    <dgm:txPr/>
+    <dgm:style>
+      <a:lnRef idx="0">
+        <a:scrgbClr r="0" g="0" b="0"/>
+      </a:lnRef>
+      <a:fillRef idx="1">
+        <a:scrgbClr r="0" g="0" b="0"/>
+      </a:fillRef>
+      <a:effectRef idx="3">
+        <a:scrgbClr r="0" g="0" b="0"/>
+      </a:effectRef>
+      <a:fontRef idx="minor"/>
+    </dgm:style>
+  </dgm:styleLbl>
+  <dgm:styleLbl name="trBgShp">
+    <dgm:scene3d>
+      <a:camera prst="orthographicFront"/>
+      <a:lightRig rig="threePt" dir="t"/>
+    </dgm:scene3d>
+    <dgm:sp3d/>
+    <dgm:txPr/>
+    <dgm:style>
+      <a:lnRef idx="0">
+        <a:scrgbClr r="0" g="0" b="0"/>
+      </a:lnRef>
+      <a:fillRef idx="1">
+        <a:scrgbClr r="0" g="0" b="0"/>
+      </a:fillRef>
+      <a:effectRef idx="0">
+        <a:scrgbClr r="0" g="0" b="0"/>
+      </a:effectRef>
+      <a:fontRef idx="minor"/>
+    </dgm:style>
+  </dgm:styleLbl>
+  <dgm:styleLbl name="fgShp">
+    <dgm:scene3d>
+      <a:camera prst="orthographicFront"/>
+      <a:lightRig rig="threePt" dir="t"/>
+    </dgm:scene3d>
+    <dgm:sp3d/>
+    <dgm:txPr/>
+    <dgm:style>
+      <a:lnRef idx="0">
+        <a:scrgbClr r="0" g="0" b="0"/>
+      </a:lnRef>
+      <a:fillRef idx="3">
+        <a:scrgbClr r="0" g="0" b="0"/>
+      </a:fillRef>
+      <a:effectRef idx="3">
+        <a:scrgbClr r="0" g="0" b="0"/>
+      </a:effectRef>
+      <a:fontRef idx="minor"/>
+    </dgm:style>
+  </dgm:styleLbl>
+  <dgm:styleLbl name="revTx">
+    <dgm:scene3d>
+      <a:camera prst="orthographicFront"/>
+      <a:lightRig rig="threePt" dir="t"/>
+    </dgm:scene3d>
+    <dgm:sp3d/>
+    <dgm:txPr/>
+    <dgm:style>
+      <a:lnRef idx="0">
+        <a:scrgbClr r="0" g="0" b="0"/>
+      </a:lnRef>
+      <a:fillRef idx="0">
+        <a:scrgbClr r="0" g="0" b="0"/>
+      </a:fillRef>
+      <a:effectRef idx="0">
+        <a:scrgbClr r="0" g="0" b="0"/>
+      </a:effectRef>
+      <a:fontRef idx="minor"/>
+    </dgm:style>
+  </dgm:styleLbl>
+</dgm:styleDef>
 </file>
 
 <file path=ppt/slideLayouts/slideLayout1.xml><?xml version="1.0" encoding="utf-8"?>
@@ -239,7 +6574,7 @@
           <a:p>
             <a:fld id="{5CEBC81E-C0C5-4252-ABFA-AB48C9DBB844}" type="datetimeFigureOut">
               <a:rPr lang="zh-TW" altLang="en-US" smtClean="0"/>
-              <a:t>2019/11/23</a:t>
+              <a:t>2019/12/22</a:t>
             </a:fld>
             <a:endParaRPr lang="zh-TW" altLang="en-US"/>
           </a:p>
@@ -409,7 +6744,7 @@
           <a:p>
             <a:fld id="{5CEBC81E-C0C5-4252-ABFA-AB48C9DBB844}" type="datetimeFigureOut">
               <a:rPr lang="zh-TW" altLang="en-US" smtClean="0"/>
-              <a:t>2019/11/23</a:t>
+              <a:t>2019/12/22</a:t>
             </a:fld>
             <a:endParaRPr lang="zh-TW" altLang="en-US"/>
           </a:p>
@@ -589,7 +6924,7 @@
           <a:p>
             <a:fld id="{5CEBC81E-C0C5-4252-ABFA-AB48C9DBB844}" type="datetimeFigureOut">
               <a:rPr lang="zh-TW" altLang="en-US" smtClean="0"/>
-              <a:t>2019/11/23</a:t>
+              <a:t>2019/12/22</a:t>
             </a:fld>
             <a:endParaRPr lang="zh-TW" altLang="en-US"/>
           </a:p>
@@ -759,7 +7094,7 @@
           <a:p>
             <a:fld id="{5CEBC81E-C0C5-4252-ABFA-AB48C9DBB844}" type="datetimeFigureOut">
               <a:rPr lang="zh-TW" altLang="en-US" smtClean="0"/>
-              <a:t>2019/11/23</a:t>
+              <a:t>2019/12/22</a:t>
             </a:fld>
             <a:endParaRPr lang="zh-TW" altLang="en-US"/>
           </a:p>
@@ -1005,7 +7340,7 @@
           <a:p>
             <a:fld id="{5CEBC81E-C0C5-4252-ABFA-AB48C9DBB844}" type="datetimeFigureOut">
               <a:rPr lang="zh-TW" altLang="en-US" smtClean="0"/>
-              <a:t>2019/11/23</a:t>
+              <a:t>2019/12/22</a:t>
             </a:fld>
             <a:endParaRPr lang="zh-TW" altLang="en-US"/>
           </a:p>
@@ -1237,7 +7572,7 @@
           <a:p>
             <a:fld id="{5CEBC81E-C0C5-4252-ABFA-AB48C9DBB844}" type="datetimeFigureOut">
               <a:rPr lang="zh-TW" altLang="en-US" smtClean="0"/>
-              <a:t>2019/11/23</a:t>
+              <a:t>2019/12/22</a:t>
             </a:fld>
             <a:endParaRPr lang="zh-TW" altLang="en-US"/>
           </a:p>
@@ -1604,7 +7939,7 @@
           <a:p>
             <a:fld id="{5CEBC81E-C0C5-4252-ABFA-AB48C9DBB844}" type="datetimeFigureOut">
               <a:rPr lang="zh-TW" altLang="en-US" smtClean="0"/>
-              <a:t>2019/11/23</a:t>
+              <a:t>2019/12/22</a:t>
             </a:fld>
             <a:endParaRPr lang="zh-TW" altLang="en-US"/>
           </a:p>
@@ -1722,7 +8057,7 @@
           <a:p>
             <a:fld id="{5CEBC81E-C0C5-4252-ABFA-AB48C9DBB844}" type="datetimeFigureOut">
               <a:rPr lang="zh-TW" altLang="en-US" smtClean="0"/>
-              <a:t>2019/11/23</a:t>
+              <a:t>2019/12/22</a:t>
             </a:fld>
             <a:endParaRPr lang="zh-TW" altLang="en-US"/>
           </a:p>
@@ -1817,7 +8152,7 @@
           <a:p>
             <a:fld id="{5CEBC81E-C0C5-4252-ABFA-AB48C9DBB844}" type="datetimeFigureOut">
               <a:rPr lang="zh-TW" altLang="en-US" smtClean="0"/>
-              <a:t>2019/11/23</a:t>
+              <a:t>2019/12/22</a:t>
             </a:fld>
             <a:endParaRPr lang="zh-TW" altLang="en-US"/>
           </a:p>
@@ -2094,7 +8429,7 @@
           <a:p>
             <a:fld id="{5CEBC81E-C0C5-4252-ABFA-AB48C9DBB844}" type="datetimeFigureOut">
               <a:rPr lang="zh-TW" altLang="en-US" smtClean="0"/>
-              <a:t>2019/11/23</a:t>
+              <a:t>2019/12/22</a:t>
             </a:fld>
             <a:endParaRPr lang="zh-TW" altLang="en-US"/>
           </a:p>
@@ -2347,7 +8682,7 @@
           <a:p>
             <a:fld id="{5CEBC81E-C0C5-4252-ABFA-AB48C9DBB844}" type="datetimeFigureOut">
               <a:rPr lang="zh-TW" altLang="en-US" smtClean="0"/>
-              <a:t>2019/11/23</a:t>
+              <a:t>2019/12/22</a:t>
             </a:fld>
             <a:endParaRPr lang="zh-TW" altLang="en-US"/>
           </a:p>
@@ -2560,7 +8895,7 @@
           <a:p>
             <a:fld id="{5CEBC81E-C0C5-4252-ABFA-AB48C9DBB844}" type="datetimeFigureOut">
               <a:rPr lang="zh-TW" altLang="en-US" smtClean="0"/>
-              <a:t>2019/11/23</a:t>
+              <a:t>2019/12/22</a:t>
             </a:fld>
             <a:endParaRPr lang="zh-TW" altLang="en-US"/>
           </a:p>
@@ -2992,14 +9327,7 @@
                 <a:latin typeface="Times New Roman" panose="02020603050405020304" pitchFamily="18" charset="0"/>
                 <a:cs typeface="Times New Roman" panose="02020603050405020304" pitchFamily="18" charset="0"/>
               </a:rPr>
-              <a:t>UVAs Traffic Control based on Multi-Access Edge </a:t>
-            </a:r>
-            <a:r>
-              <a:rPr lang="en-US" altLang="zh-TW" sz="2400" dirty="0" smtClean="0">
-                <a:latin typeface="Times New Roman" panose="02020603050405020304" pitchFamily="18" charset="0"/>
-                <a:cs typeface="Times New Roman" panose="02020603050405020304" pitchFamily="18" charset="0"/>
-              </a:rPr>
-              <a:t>Computing</a:t>
+              <a:t>UVAs Traffic Control based on Multi-Access Edge Computing</a:t>
             </a:r>
             <a:endParaRPr lang="zh-TW" altLang="en-US" sz="2800" dirty="0">
               <a:latin typeface="Times New Roman" panose="02020603050405020304" pitchFamily="18" charset="0"/>
@@ -3020,7 +9348,7 @@
         </p:nvSpPr>
         <p:spPr>
           <a:xfrm>
-            <a:off x="1451427" y="4519749"/>
+            <a:off x="1517648" y="4976949"/>
             <a:ext cx="9144000" cy="1282430"/>
           </a:xfrm>
         </p:spPr>
@@ -3391,7 +9719,7 @@
 </p:sld>
 </file>
 
-<file path=ppt/slides/slide2.xml><?xml version="1.0" encoding="utf-8"?>
+<file path=ppt/slides/slide10.xml><?xml version="1.0" encoding="utf-8"?>
 <p:sld xmlns:a="http://schemas.openxmlformats.org/drawingml/2006/main" xmlns:r="http://schemas.openxmlformats.org/officeDocument/2006/relationships" xmlns:p="http://schemas.openxmlformats.org/presentationml/2006/main">
   <p:cSld>
     <p:spTree>
@@ -3410,53 +9738,711 @@
       </p:grpSpPr>
       <p:sp>
         <p:nvSpPr>
-          <p:cNvPr id="4" name="標題 1"/>
-          <p:cNvSpPr txBox="1">
-            <a:spLocks/>
-          </p:cNvSpPr>
+          <p:cNvPr id="4" name="矩形 3"/>
+          <p:cNvSpPr/>
           <p:nvPr/>
         </p:nvSpPr>
         <p:spPr>
           <a:xfrm>
-            <a:off x="504551" y="315059"/>
-            <a:ext cx="2787289" cy="577755"/>
+            <a:off x="4962648" y="1778615"/>
+            <a:ext cx="1880643" cy="923330"/>
           </a:xfrm>
           <a:prstGeom prst="rect">
             <a:avLst/>
           </a:prstGeom>
+          <a:noFill/>
         </p:spPr>
         <p:txBody>
-          <a:bodyPr vert="horz" lIns="91440" tIns="45720" rIns="91440" bIns="45720" rtlCol="0" anchor="ctr">
-            <a:noAutofit/>
+          <a:bodyPr wrap="none" lIns="91440" tIns="45720" rIns="91440" bIns="45720">
+            <a:spAutoFit/>
           </a:bodyPr>
-          <a:lstStyle>
-            <a:lvl1pPr algn="l" defTabSz="914400" rtl="0" eaLnBrk="1" latinLnBrk="0" hangingPunct="1">
-              <a:lnSpc>
-                <a:spcPct val="90000"/>
-              </a:lnSpc>
-              <a:spcBef>
-                <a:spcPct val="0"/>
-              </a:spcBef>
-              <a:buNone/>
-              <a:defRPr sz="4400" kern="1200">
+          <a:lstStyle/>
+          <a:p>
+            <a:pPr algn="ctr"/>
+            <a:r>
+              <a:rPr lang="en-US" altLang="zh-TW" sz="5400" b="1" cap="none" spc="0" dirty="0" smtClean="0">
+                <a:ln w="12700">
+                  <a:solidFill>
+                    <a:schemeClr val="tx2">
+                      <a:lumMod val="75000"/>
+                    </a:schemeClr>
+                  </a:solidFill>
+                  <a:prstDash val="solid"/>
+                </a:ln>
+                <a:pattFill prst="dkUpDiag">
+                  <a:fgClr>
+                    <a:schemeClr val="tx2"/>
+                  </a:fgClr>
+                  <a:bgClr>
+                    <a:schemeClr val="tx2">
+                      <a:lumMod val="20000"/>
+                      <a:lumOff val="80000"/>
+                    </a:schemeClr>
+                  </a:bgClr>
+                </a:pattFill>
+                <a:effectLst>
+                  <a:outerShdw dist="38100" dir="2640000" algn="bl" rotWithShape="0">
+                    <a:schemeClr val="tx2">
+                      <a:lumMod val="75000"/>
+                    </a:schemeClr>
+                  </a:outerShdw>
+                </a:effectLst>
+              </a:rPr>
+              <a:t>Q &amp; A</a:t>
+            </a:r>
+            <a:endParaRPr lang="zh-TW" altLang="en-US" sz="5400" b="1" cap="none" spc="0" dirty="0">
+              <a:ln w="12700">
                 <a:solidFill>
-                  <a:schemeClr val="tx1"/>
+                  <a:schemeClr val="tx2">
+                    <a:lumMod val="75000"/>
+                  </a:schemeClr>
                 </a:solidFill>
-                <a:latin typeface="+mj-lt"/>
-                <a:ea typeface="+mj-ea"/>
-                <a:cs typeface="+mj-cs"/>
-              </a:defRPr>
-            </a:lvl1pPr>
-          </a:lstStyle>
+                <a:prstDash val="solid"/>
+              </a:ln>
+              <a:pattFill prst="dkUpDiag">
+                <a:fgClr>
+                  <a:schemeClr val="tx2"/>
+                </a:fgClr>
+                <a:bgClr>
+                  <a:schemeClr val="tx2">
+                    <a:lumMod val="20000"/>
+                    <a:lumOff val="80000"/>
+                  </a:schemeClr>
+                </a:bgClr>
+              </a:pattFill>
+              <a:effectLst>
+                <a:outerShdw dist="38100" dir="2640000" algn="bl" rotWithShape="0">
+                  <a:schemeClr val="tx2">
+                    <a:lumMod val="75000"/>
+                  </a:schemeClr>
+                </a:outerShdw>
+              </a:effectLst>
+            </a:endParaRPr>
+          </a:p>
+        </p:txBody>
+      </p:sp>
+      <p:pic>
+        <p:nvPicPr>
+          <p:cNvPr id="2050" name="Picture 2" descr="「問號」的圖片搜尋結果"/>
+          <p:cNvPicPr>
+            <a:picLocks noChangeAspect="1" noChangeArrowheads="1"/>
+          </p:cNvPicPr>
+          <p:nvPr/>
+        </p:nvPicPr>
+        <p:blipFill>
+          <a:blip r:embed="rId2">
+            <a:extLst>
+              <a:ext uri="{28A0092B-C50C-407E-A947-70E740481C1C}">
+                <a14:useLocalDpi xmlns:a14="http://schemas.microsoft.com/office/drawing/2010/main" val="0"/>
+              </a:ext>
+            </a:extLst>
+          </a:blip>
+          <a:srcRect/>
+          <a:stretch>
+            <a:fillRect/>
+          </a:stretch>
+        </p:blipFill>
+        <p:spPr bwMode="auto">
+          <a:xfrm>
+            <a:off x="4217586" y="3068320"/>
+            <a:ext cx="3533329" cy="1988820"/>
+          </a:xfrm>
+          <a:prstGeom prst="rect">
+            <a:avLst/>
+          </a:prstGeom>
+          <a:noFill/>
+          <a:extLst>
+            <a:ext uri="{909E8E84-426E-40DD-AFC4-6F175D3DCCD1}">
+              <a14:hiddenFill xmlns:a14="http://schemas.microsoft.com/office/drawing/2010/main">
+                <a:solidFill>
+                  <a:srgbClr val="FFFFFF"/>
+                </a:solidFill>
+              </a14:hiddenFill>
+            </a:ext>
+          </a:extLst>
+        </p:spPr>
+      </p:pic>
+    </p:spTree>
+    <p:extLst>
+      <p:ext uri="{BB962C8B-B14F-4D97-AF65-F5344CB8AC3E}">
+        <p14:creationId xmlns:p14="http://schemas.microsoft.com/office/powerpoint/2010/main" val="1357450513"/>
+      </p:ext>
+    </p:extLst>
+  </p:cSld>
+  <p:clrMapOvr>
+    <a:masterClrMapping/>
+  </p:clrMapOvr>
+  <p:timing>
+    <p:tnLst>
+      <p:par>
+        <p:cTn id="1" dur="indefinite" restart="never" nodeType="tmRoot"/>
+      </p:par>
+    </p:tnLst>
+  </p:timing>
+</p:sld>
+</file>
+
+<file path=ppt/slides/slide11.xml><?xml version="1.0" encoding="utf-8"?>
+<p:sld xmlns:a="http://schemas.openxmlformats.org/drawingml/2006/main" xmlns:r="http://schemas.openxmlformats.org/officeDocument/2006/relationships" xmlns:p="http://schemas.openxmlformats.org/presentationml/2006/main">
+  <p:cSld>
+    <p:spTree>
+      <p:nvGrpSpPr>
+        <p:cNvPr id="1" name=""/>
+        <p:cNvGrpSpPr/>
+        <p:nvPr/>
+      </p:nvGrpSpPr>
+      <p:grpSpPr>
+        <a:xfrm>
+          <a:off x="0" y="0"/>
+          <a:ext cx="0" cy="0"/>
+          <a:chOff x="0" y="0"/>
+          <a:chExt cx="0" cy="0"/>
+        </a:xfrm>
+      </p:grpSpPr>
+      <p:sp>
+        <p:nvSpPr>
+          <p:cNvPr id="5" name="矩形 4"/>
+          <p:cNvSpPr/>
+          <p:nvPr/>
+        </p:nvSpPr>
+        <p:spPr>
+          <a:xfrm>
+            <a:off x="1954949" y="2662535"/>
+            <a:ext cx="8444684" cy="923330"/>
+          </a:xfrm>
+          <a:prstGeom prst="rect">
+            <a:avLst/>
+          </a:prstGeom>
+          <a:noFill/>
+        </p:spPr>
+        <p:txBody>
+          <a:bodyPr wrap="none" lIns="91440" tIns="45720" rIns="91440" bIns="45720">
+            <a:spAutoFit/>
+          </a:bodyPr>
+          <a:lstStyle/>
           <a:p>
+            <a:pPr algn="ctr"/>
             <a:r>
-              <a:rPr lang="en-US" altLang="zh-TW" sz="2400" dirty="0" smtClean="0">
+              <a:rPr lang="en-US" altLang="zh-TW" sz="5400" b="1" cap="none" spc="0" dirty="0" smtClean="0">
+                <a:ln w="12700">
+                  <a:solidFill>
+                    <a:schemeClr val="tx2">
+                      <a:lumMod val="75000"/>
+                    </a:schemeClr>
+                  </a:solidFill>
+                  <a:prstDash val="solid"/>
+                </a:ln>
+                <a:pattFill prst="dkUpDiag">
+                  <a:fgClr>
+                    <a:schemeClr val="tx2"/>
+                  </a:fgClr>
+                  <a:bgClr>
+                    <a:schemeClr val="tx2">
+                      <a:lumMod val="20000"/>
+                      <a:lumOff val="80000"/>
+                    </a:schemeClr>
+                  </a:bgClr>
+                </a:pattFill>
+                <a:effectLst>
+                  <a:outerShdw dist="38100" dir="2640000" algn="bl" rotWithShape="0">
+                    <a:schemeClr val="tx2">
+                      <a:lumMod val="75000"/>
+                    </a:schemeClr>
+                  </a:outerShdw>
+                </a:effectLst>
+              </a:rPr>
+              <a:t>Thank you for your attention</a:t>
+            </a:r>
+            <a:endParaRPr lang="zh-TW" altLang="en-US" sz="5400" b="1" cap="none" spc="0" dirty="0">
+              <a:ln w="12700">
+                <a:solidFill>
+                  <a:schemeClr val="tx2">
+                    <a:lumMod val="75000"/>
+                  </a:schemeClr>
+                </a:solidFill>
+                <a:prstDash val="solid"/>
+              </a:ln>
+              <a:pattFill prst="dkUpDiag">
+                <a:fgClr>
+                  <a:schemeClr val="tx2"/>
+                </a:fgClr>
+                <a:bgClr>
+                  <a:schemeClr val="tx2">
+                    <a:lumMod val="20000"/>
+                    <a:lumOff val="80000"/>
+                  </a:schemeClr>
+                </a:bgClr>
+              </a:pattFill>
+              <a:effectLst>
+                <a:outerShdw dist="38100" dir="2640000" algn="bl" rotWithShape="0">
+                  <a:schemeClr val="tx2">
+                    <a:lumMod val="75000"/>
+                  </a:schemeClr>
+                </a:outerShdw>
+              </a:effectLst>
+            </a:endParaRPr>
+          </a:p>
+        </p:txBody>
+      </p:sp>
+    </p:spTree>
+    <p:extLst>
+      <p:ext uri="{BB962C8B-B14F-4D97-AF65-F5344CB8AC3E}">
+        <p14:creationId xmlns:p14="http://schemas.microsoft.com/office/powerpoint/2010/main" val="2006576480"/>
+      </p:ext>
+    </p:extLst>
+  </p:cSld>
+  <p:clrMapOvr>
+    <a:masterClrMapping/>
+  </p:clrMapOvr>
+  <p:timing>
+    <p:tnLst>
+      <p:par>
+        <p:cTn id="1" dur="indefinite" restart="never" nodeType="tmRoot"/>
+      </p:par>
+    </p:tnLst>
+  </p:timing>
+</p:sld>
+</file>
+
+<file path=ppt/slides/slide2.xml><?xml version="1.0" encoding="utf-8"?>
+<p:sld xmlns:a="http://schemas.openxmlformats.org/drawingml/2006/main" xmlns:r="http://schemas.openxmlformats.org/officeDocument/2006/relationships" xmlns:p="http://schemas.openxmlformats.org/presentationml/2006/main">
+  <p:cSld>
+    <p:spTree>
+      <p:nvGrpSpPr>
+        <p:cNvPr id="1" name=""/>
+        <p:cNvGrpSpPr/>
+        <p:nvPr/>
+      </p:nvGrpSpPr>
+      <p:grpSpPr>
+        <a:xfrm>
+          <a:off x="0" y="0"/>
+          <a:ext cx="0" cy="0"/>
+          <a:chOff x="0" y="0"/>
+          <a:chExt cx="0" cy="0"/>
+        </a:xfrm>
+      </p:grpSpPr>
+      <p:pic>
+        <p:nvPicPr>
+          <p:cNvPr id="1026" name="Picture 2" descr="「UAV figure」的圖片搜尋結果"/>
+          <p:cNvPicPr>
+            <a:picLocks noChangeAspect="1" noChangeArrowheads="1"/>
+          </p:cNvPicPr>
+          <p:nvPr/>
+        </p:nvPicPr>
+        <p:blipFill>
+          <a:blip r:embed="rId2">
+            <a:extLst>
+              <a:ext uri="{28A0092B-C50C-407E-A947-70E740481C1C}">
+                <a14:useLocalDpi xmlns:a14="http://schemas.microsoft.com/office/drawing/2010/main" val="0"/>
+              </a:ext>
+            </a:extLst>
+          </a:blip>
+          <a:srcRect/>
+          <a:stretch>
+            <a:fillRect/>
+          </a:stretch>
+        </p:blipFill>
+        <p:spPr bwMode="auto">
+          <a:xfrm>
+            <a:off x="1794768" y="2529361"/>
+            <a:ext cx="3757672" cy="2691666"/>
+          </a:xfrm>
+          <a:prstGeom prst="rect">
+            <a:avLst/>
+          </a:prstGeom>
+          <a:noFill/>
+          <a:extLst>
+            <a:ext uri="{909E8E84-426E-40DD-AFC4-6F175D3DCCD1}">
+              <a14:hiddenFill xmlns:a14="http://schemas.microsoft.com/office/drawing/2010/main">
+                <a:solidFill>
+                  <a:srgbClr val="FFFFFF"/>
+                </a:solidFill>
+              </a14:hiddenFill>
+            </a:ext>
+          </a:extLst>
+        </p:spPr>
+      </p:pic>
+      <p:graphicFrame>
+        <p:nvGraphicFramePr>
+          <p:cNvPr id="5" name="資料庫圖表 4"/>
+          <p:cNvGraphicFramePr/>
+          <p:nvPr>
+            <p:extLst>
+              <p:ext uri="{D42A27DB-BD31-4B8C-83A1-F6EECF244321}">
+                <p14:modId xmlns:p14="http://schemas.microsoft.com/office/powerpoint/2010/main" val="1429138377"/>
+              </p:ext>
+            </p:extLst>
+          </p:nvPr>
+        </p:nvGraphicFramePr>
+        <p:xfrm>
+          <a:off x="4477111" y="558899"/>
+          <a:ext cx="2787289" cy="577755"/>
+        </p:xfrm>
+        <a:graphic>
+          <a:graphicData uri="http://schemas.openxmlformats.org/drawingml/2006/diagram">
+            <dgm:relIds xmlns:dgm="http://schemas.openxmlformats.org/drawingml/2006/diagram" xmlns:r="http://schemas.openxmlformats.org/officeDocument/2006/relationships" r:dm="rId3" r:lo="rId4" r:qs="rId5" r:cs="rId6"/>
+          </a:graphicData>
+        </a:graphic>
+      </p:graphicFrame>
+      <p:graphicFrame>
+        <p:nvGraphicFramePr>
+          <p:cNvPr id="3" name="資料庫圖表 2"/>
+          <p:cNvGraphicFramePr/>
+          <p:nvPr>
+            <p:extLst>
+              <p:ext uri="{D42A27DB-BD31-4B8C-83A1-F6EECF244321}">
+                <p14:modId xmlns:p14="http://schemas.microsoft.com/office/powerpoint/2010/main" val="235533743"/>
+              </p:ext>
+            </p:extLst>
+          </p:nvPr>
+        </p:nvGraphicFramePr>
+        <p:xfrm>
+          <a:off x="5552440" y="1989667"/>
+          <a:ext cx="4297680" cy="3771054"/>
+        </p:xfrm>
+        <a:graphic>
+          <a:graphicData uri="http://schemas.openxmlformats.org/drawingml/2006/diagram">
+            <dgm:relIds xmlns:dgm="http://schemas.openxmlformats.org/drawingml/2006/diagram" xmlns:r="http://schemas.openxmlformats.org/officeDocument/2006/relationships" r:dm="rId8" r:lo="rId9" r:qs="rId10" r:cs="rId11"/>
+          </a:graphicData>
+        </a:graphic>
+      </p:graphicFrame>
+    </p:spTree>
+    <p:extLst>
+      <p:ext uri="{BB962C8B-B14F-4D97-AF65-F5344CB8AC3E}">
+        <p14:creationId xmlns:p14="http://schemas.microsoft.com/office/powerpoint/2010/main" val="2669328465"/>
+      </p:ext>
+    </p:extLst>
+  </p:cSld>
+  <p:clrMapOvr>
+    <a:masterClrMapping/>
+  </p:clrMapOvr>
+  <p:timing>
+    <p:tnLst>
+      <p:par>
+        <p:cTn id="1" dur="indefinite" restart="never" nodeType="tmRoot"/>
+      </p:par>
+    </p:tnLst>
+  </p:timing>
+</p:sld>
+</file>
+
+<file path=ppt/slides/slide3.xml><?xml version="1.0" encoding="utf-8"?>
+<p:sld xmlns:a="http://schemas.openxmlformats.org/drawingml/2006/main" xmlns:r="http://schemas.openxmlformats.org/officeDocument/2006/relationships" xmlns:p="http://schemas.openxmlformats.org/presentationml/2006/main">
+  <p:cSld>
+    <p:spTree>
+      <p:nvGrpSpPr>
+        <p:cNvPr id="1" name=""/>
+        <p:cNvGrpSpPr/>
+        <p:nvPr/>
+      </p:nvGrpSpPr>
+      <p:grpSpPr>
+        <a:xfrm>
+          <a:off x="0" y="0"/>
+          <a:ext cx="0" cy="0"/>
+          <a:chOff x="0" y="0"/>
+          <a:chExt cx="0" cy="0"/>
+        </a:xfrm>
+      </p:grpSpPr>
+      <p:grpSp>
+        <p:nvGrpSpPr>
+          <p:cNvPr id="7" name="群組 6"/>
+          <p:cNvGrpSpPr/>
+          <p:nvPr/>
+        </p:nvGrpSpPr>
+        <p:grpSpPr>
+          <a:xfrm>
+            <a:off x="4194355" y="2765260"/>
+            <a:ext cx="3608525" cy="963460"/>
+            <a:chOff x="0" y="2115"/>
+            <a:chExt cx="2787289" cy="575639"/>
+          </a:xfrm>
+        </p:grpSpPr>
+        <p:sp>
+          <p:nvSpPr>
+            <p:cNvPr id="8" name="圓角矩形 7"/>
+            <p:cNvSpPr/>
+            <p:nvPr/>
+          </p:nvSpPr>
+          <p:spPr>
+            <a:xfrm>
+              <a:off x="0" y="2115"/>
+              <a:ext cx="2787289" cy="575639"/>
+            </a:xfrm>
+            <a:prstGeom prst="roundRect">
+              <a:avLst/>
+            </a:prstGeom>
+          </p:spPr>
+          <p:style>
+            <a:lnRef idx="2">
+              <a:schemeClr val="lt1">
+                <a:hueOff val="0"/>
+                <a:satOff val="0"/>
+                <a:lumOff val="0"/>
+                <a:alphaOff val="0"/>
+              </a:schemeClr>
+            </a:lnRef>
+            <a:fillRef idx="1">
+              <a:schemeClr val="accent3">
+                <a:shade val="50000"/>
+                <a:hueOff val="0"/>
+                <a:satOff val="0"/>
+                <a:lumOff val="0"/>
+                <a:alphaOff val="0"/>
+              </a:schemeClr>
+            </a:fillRef>
+            <a:effectRef idx="0">
+              <a:schemeClr val="accent3">
+                <a:shade val="50000"/>
+                <a:hueOff val="0"/>
+                <a:satOff val="0"/>
+                <a:lumOff val="0"/>
+                <a:alphaOff val="0"/>
+              </a:schemeClr>
+            </a:effectRef>
+            <a:fontRef idx="minor">
+              <a:schemeClr val="lt1"/>
+            </a:fontRef>
+          </p:style>
+        </p:sp>
+        <p:sp>
+          <p:nvSpPr>
+            <p:cNvPr id="9" name="圓角矩形 4"/>
+            <p:cNvSpPr txBox="1"/>
+            <p:nvPr/>
+          </p:nvSpPr>
+          <p:spPr>
+            <a:xfrm>
+              <a:off x="28100" y="30215"/>
+              <a:ext cx="2731089" cy="519439"/>
+            </a:xfrm>
+            <a:prstGeom prst="rect">
+              <a:avLst/>
+            </a:prstGeom>
+            <a:solidFill>
+              <a:schemeClr val="tx2">
+                <a:lumMod val="75000"/>
+              </a:schemeClr>
+            </a:solidFill>
+          </p:spPr>
+          <p:style>
+            <a:lnRef idx="0">
+              <a:scrgbClr r="0" g="0" b="0"/>
+            </a:lnRef>
+            <a:fillRef idx="0">
+              <a:scrgbClr r="0" g="0" b="0"/>
+            </a:fillRef>
+            <a:effectRef idx="0">
+              <a:scrgbClr r="0" g="0" b="0"/>
+            </a:effectRef>
+            <a:fontRef idx="minor">
+              <a:schemeClr val="lt1"/>
+            </a:fontRef>
+          </p:style>
+          <p:txBody>
+            <a:bodyPr spcFirstLastPara="0" vert="horz" wrap="square" lIns="91440" tIns="91440" rIns="91440" bIns="91440" numCol="1" spcCol="1270" anchor="ctr" anchorCtr="0">
+              <a:noAutofit/>
+            </a:bodyPr>
+            <a:lstStyle/>
+            <a:p>
+              <a:pPr lvl="0" algn="ctr" defTabSz="1066800" rtl="0">
+                <a:lnSpc>
+                  <a:spcPct val="90000"/>
+                </a:lnSpc>
+                <a:spcBef>
+                  <a:spcPct val="0"/>
+                </a:spcBef>
+                <a:spcAft>
+                  <a:spcPct val="35000"/>
+                </a:spcAft>
+              </a:pPr>
+              <a:r>
+                <a:rPr lang="en-US" altLang="zh-TW" sz="3200" dirty="0" smtClean="0"/>
+                <a:t>INTRODUCTION</a:t>
+              </a:r>
+              <a:endParaRPr lang="zh-TW" sz="3200" kern="1200" dirty="0"/>
+            </a:p>
+          </p:txBody>
+        </p:sp>
+      </p:grpSp>
+    </p:spTree>
+    <p:extLst>
+      <p:ext uri="{BB962C8B-B14F-4D97-AF65-F5344CB8AC3E}">
+        <p14:creationId xmlns:p14="http://schemas.microsoft.com/office/powerpoint/2010/main" val="2698385786"/>
+      </p:ext>
+    </p:extLst>
+  </p:cSld>
+  <p:clrMapOvr>
+    <a:masterClrMapping/>
+  </p:clrMapOvr>
+  <p:timing>
+    <p:tnLst>
+      <p:par>
+        <p:cTn id="1" dur="indefinite" restart="never" nodeType="tmRoot"/>
+      </p:par>
+    </p:tnLst>
+  </p:timing>
+</p:sld>
+</file>
+
+<file path=ppt/slides/slide4.xml><?xml version="1.0" encoding="utf-8"?>
+<p:sld xmlns:a="http://schemas.openxmlformats.org/drawingml/2006/main" xmlns:r="http://schemas.openxmlformats.org/officeDocument/2006/relationships" xmlns:p="http://schemas.openxmlformats.org/presentationml/2006/main">
+  <p:cSld>
+    <p:spTree>
+      <p:nvGrpSpPr>
+        <p:cNvPr id="1" name=""/>
+        <p:cNvGrpSpPr/>
+        <p:nvPr/>
+      </p:nvGrpSpPr>
+      <p:grpSpPr>
+        <a:xfrm>
+          <a:off x="0" y="0"/>
+          <a:ext cx="0" cy="0"/>
+          <a:chOff x="0" y="0"/>
+          <a:chExt cx="0" cy="0"/>
+        </a:xfrm>
+      </p:grpSpPr>
+      <p:sp>
+        <p:nvSpPr>
+          <p:cNvPr id="4" name="橢圓 3"/>
+          <p:cNvSpPr/>
+          <p:nvPr/>
+        </p:nvSpPr>
+        <p:spPr>
+          <a:xfrm>
+            <a:off x="345688" y="920843"/>
+            <a:ext cx="172720" cy="162560"/>
+          </a:xfrm>
+          <a:prstGeom prst="ellipse">
+            <a:avLst/>
+          </a:prstGeom>
+          <a:solidFill>
+            <a:schemeClr val="tx1">
+              <a:lumMod val="65000"/>
+              <a:lumOff val="35000"/>
+            </a:schemeClr>
+          </a:solidFill>
+          <a:ln>
+            <a:noFill/>
+          </a:ln>
+        </p:spPr>
+        <p:style>
+          <a:lnRef idx="2">
+            <a:schemeClr val="accent1">
+              <a:shade val="50000"/>
+            </a:schemeClr>
+          </a:lnRef>
+          <a:fillRef idx="1">
+            <a:schemeClr val="accent1"/>
+          </a:fillRef>
+          <a:effectRef idx="0">
+            <a:schemeClr val="accent1"/>
+          </a:effectRef>
+          <a:fontRef idx="minor">
+            <a:schemeClr val="lt1"/>
+          </a:fontRef>
+        </p:style>
+        <p:txBody>
+          <a:bodyPr rtlCol="0" anchor="ctr"/>
+          <a:lstStyle/>
+          <a:p>
+            <a:pPr algn="ctr"/>
+            <a:endParaRPr lang="zh-TW" altLang="en-US"/>
+          </a:p>
+        </p:txBody>
+      </p:sp>
+      <p:cxnSp>
+        <p:nvCxnSpPr>
+          <p:cNvPr id="6" name="直線接點 5"/>
+          <p:cNvCxnSpPr>
+            <a:stCxn id="4" idx="6"/>
+          </p:cNvCxnSpPr>
+          <p:nvPr/>
+        </p:nvCxnSpPr>
+        <p:spPr>
+          <a:xfrm>
+            <a:off x="518408" y="1002123"/>
+            <a:ext cx="2200218" cy="0"/>
+          </a:xfrm>
+          <a:prstGeom prst="line">
+            <a:avLst/>
+          </a:prstGeom>
+          <a:ln w="25400">
+            <a:solidFill>
+              <a:schemeClr val="tx1">
+                <a:lumMod val="65000"/>
+                <a:lumOff val="35000"/>
+              </a:schemeClr>
+            </a:solidFill>
+          </a:ln>
+        </p:spPr>
+        <p:style>
+          <a:lnRef idx="1">
+            <a:schemeClr val="accent1"/>
+          </a:lnRef>
+          <a:fillRef idx="0">
+            <a:schemeClr val="accent1"/>
+          </a:fillRef>
+          <a:effectRef idx="0">
+            <a:schemeClr val="accent1"/>
+          </a:effectRef>
+          <a:fontRef idx="minor">
+            <a:schemeClr val="tx1"/>
+          </a:fontRef>
+        </p:style>
+      </p:cxnSp>
+      <p:sp>
+        <p:nvSpPr>
+          <p:cNvPr id="7" name="矩形 6"/>
+          <p:cNvSpPr/>
+          <p:nvPr/>
+        </p:nvSpPr>
+        <p:spPr>
+          <a:xfrm>
+            <a:off x="518408" y="417348"/>
+            <a:ext cx="2200218" cy="584775"/>
+          </a:xfrm>
+          <a:prstGeom prst="rect">
+            <a:avLst/>
+          </a:prstGeom>
+          <a:noFill/>
+        </p:spPr>
+        <p:txBody>
+          <a:bodyPr wrap="none" lIns="91440" tIns="45720" rIns="91440" bIns="45720">
+            <a:spAutoFit/>
+          </a:bodyPr>
+          <a:lstStyle/>
+          <a:p>
+            <a:pPr algn="ctr"/>
+            <a:r>
+              <a:rPr lang="en-US" altLang="zh-TW" sz="3200" b="0" cap="none" spc="0" dirty="0" smtClean="0">
+                <a:ln w="0"/>
+                <a:solidFill>
+                  <a:schemeClr val="accent1"/>
+                </a:solidFill>
+                <a:effectLst>
+                  <a:outerShdw blurRad="38100" dist="25400" dir="5400000" algn="ctr" rotWithShape="0">
+                    <a:srgbClr val="6E747A">
+                      <a:alpha val="43000"/>
+                    </a:srgbClr>
+                  </a:outerShdw>
+                </a:effectLst>
                 <a:latin typeface="Times New Roman" panose="02020603050405020304" pitchFamily="18" charset="0"/>
                 <a:cs typeface="Times New Roman" panose="02020603050405020304" pitchFamily="18" charset="0"/>
               </a:rPr>
-              <a:t>INTRODUCTION</a:t>
+              <a:t>Why UAV ?</a:t>
             </a:r>
-            <a:endParaRPr lang="zh-TW" altLang="en-US" sz="2400" dirty="0">
+            <a:endParaRPr lang="zh-TW" altLang="en-US" sz="3200" b="0" cap="none" spc="0" dirty="0">
+              <a:ln w="0"/>
+              <a:solidFill>
+                <a:schemeClr val="accent1"/>
+              </a:solidFill>
+              <a:effectLst>
+                <a:outerShdw blurRad="38100" dist="25400" dir="5400000" algn="ctr" rotWithShape="0">
+                  <a:srgbClr val="6E747A">
+                    <a:alpha val="43000"/>
+                  </a:srgbClr>
+                </a:outerShdw>
+              </a:effectLst>
               <a:latin typeface="Times New Roman" panose="02020603050405020304" pitchFamily="18" charset="0"/>
               <a:cs typeface="Times New Roman" panose="02020603050405020304" pitchFamily="18" charset="0"/>
             </a:endParaRPr>
@@ -3466,7 +10452,703 @@
     </p:spTree>
     <p:extLst>
       <p:ext uri="{BB962C8B-B14F-4D97-AF65-F5344CB8AC3E}">
-        <p14:creationId xmlns:p14="http://schemas.microsoft.com/office/powerpoint/2010/main" val="2669328465"/>
+        <p14:creationId xmlns:p14="http://schemas.microsoft.com/office/powerpoint/2010/main" val="1852742867"/>
+      </p:ext>
+    </p:extLst>
+  </p:cSld>
+  <p:clrMapOvr>
+    <a:masterClrMapping/>
+  </p:clrMapOvr>
+  <p:timing>
+    <p:tnLst>
+      <p:par>
+        <p:cTn id="1" dur="indefinite" restart="never" nodeType="tmRoot"/>
+      </p:par>
+    </p:tnLst>
+  </p:timing>
+</p:sld>
+</file>
+
+<file path=ppt/slides/slide5.xml><?xml version="1.0" encoding="utf-8"?>
+<p:sld xmlns:a="http://schemas.openxmlformats.org/drawingml/2006/main" xmlns:r="http://schemas.openxmlformats.org/officeDocument/2006/relationships" xmlns:p="http://schemas.openxmlformats.org/presentationml/2006/main">
+  <p:cSld>
+    <p:spTree>
+      <p:nvGrpSpPr>
+        <p:cNvPr id="1" name=""/>
+        <p:cNvGrpSpPr/>
+        <p:nvPr/>
+      </p:nvGrpSpPr>
+      <p:grpSpPr>
+        <a:xfrm>
+          <a:off x="0" y="0"/>
+          <a:ext cx="0" cy="0"/>
+          <a:chOff x="0" y="0"/>
+          <a:chExt cx="0" cy="0"/>
+        </a:xfrm>
+      </p:grpSpPr>
+      <p:sp>
+        <p:nvSpPr>
+          <p:cNvPr id="4" name="橢圓 3"/>
+          <p:cNvSpPr/>
+          <p:nvPr/>
+        </p:nvSpPr>
+        <p:spPr>
+          <a:xfrm>
+            <a:off x="345688" y="920843"/>
+            <a:ext cx="172720" cy="162560"/>
+          </a:xfrm>
+          <a:prstGeom prst="ellipse">
+            <a:avLst/>
+          </a:prstGeom>
+          <a:solidFill>
+            <a:schemeClr val="tx1">
+              <a:lumMod val="65000"/>
+              <a:lumOff val="35000"/>
+            </a:schemeClr>
+          </a:solidFill>
+          <a:ln>
+            <a:noFill/>
+          </a:ln>
+        </p:spPr>
+        <p:style>
+          <a:lnRef idx="2">
+            <a:schemeClr val="accent1">
+              <a:shade val="50000"/>
+            </a:schemeClr>
+          </a:lnRef>
+          <a:fillRef idx="1">
+            <a:schemeClr val="accent1"/>
+          </a:fillRef>
+          <a:effectRef idx="0">
+            <a:schemeClr val="accent1"/>
+          </a:effectRef>
+          <a:fontRef idx="minor">
+            <a:schemeClr val="lt1"/>
+          </a:fontRef>
+        </p:style>
+        <p:txBody>
+          <a:bodyPr rtlCol="0" anchor="ctr"/>
+          <a:lstStyle/>
+          <a:p>
+            <a:pPr algn="ctr"/>
+            <a:endParaRPr lang="zh-TW" altLang="en-US"/>
+          </a:p>
+        </p:txBody>
+      </p:sp>
+      <p:cxnSp>
+        <p:nvCxnSpPr>
+          <p:cNvPr id="5" name="直線接點 4"/>
+          <p:cNvCxnSpPr>
+            <a:stCxn id="4" idx="6"/>
+          </p:cNvCxnSpPr>
+          <p:nvPr/>
+        </p:nvCxnSpPr>
+        <p:spPr>
+          <a:xfrm>
+            <a:off x="518408" y="1002123"/>
+            <a:ext cx="5431873" cy="0"/>
+          </a:xfrm>
+          <a:prstGeom prst="line">
+            <a:avLst/>
+          </a:prstGeom>
+          <a:ln w="25400">
+            <a:solidFill>
+              <a:schemeClr val="tx1">
+                <a:lumMod val="65000"/>
+                <a:lumOff val="35000"/>
+              </a:schemeClr>
+            </a:solidFill>
+          </a:ln>
+        </p:spPr>
+        <p:style>
+          <a:lnRef idx="1">
+            <a:schemeClr val="accent1"/>
+          </a:lnRef>
+          <a:fillRef idx="0">
+            <a:schemeClr val="accent1"/>
+          </a:fillRef>
+          <a:effectRef idx="0">
+            <a:schemeClr val="accent1"/>
+          </a:effectRef>
+          <a:fontRef idx="minor">
+            <a:schemeClr val="tx1"/>
+          </a:fontRef>
+        </p:style>
+      </p:cxnSp>
+      <p:sp>
+        <p:nvSpPr>
+          <p:cNvPr id="6" name="矩形 5"/>
+          <p:cNvSpPr/>
+          <p:nvPr/>
+        </p:nvSpPr>
+        <p:spPr>
+          <a:xfrm>
+            <a:off x="518408" y="417348"/>
+            <a:ext cx="5431873" cy="584775"/>
+          </a:xfrm>
+          <a:prstGeom prst="rect">
+            <a:avLst/>
+          </a:prstGeom>
+          <a:noFill/>
+        </p:spPr>
+        <p:txBody>
+          <a:bodyPr wrap="none" lIns="91440" tIns="45720" rIns="91440" bIns="45720">
+            <a:spAutoFit/>
+          </a:bodyPr>
+          <a:lstStyle/>
+          <a:p>
+            <a:pPr algn="ctr"/>
+            <a:r>
+              <a:rPr lang="en-US" altLang="zh-TW" sz="3200" b="0" cap="none" spc="0" dirty="0" smtClean="0">
+                <a:ln w="0"/>
+                <a:solidFill>
+                  <a:schemeClr val="accent1"/>
+                </a:solidFill>
+                <a:effectLst>
+                  <a:outerShdw blurRad="38100" dist="25400" dir="5400000" algn="ctr" rotWithShape="0">
+                    <a:srgbClr val="6E747A">
+                      <a:alpha val="43000"/>
+                    </a:srgbClr>
+                  </a:outerShdw>
+                </a:effectLst>
+                <a:latin typeface="Times New Roman" panose="02020603050405020304" pitchFamily="18" charset="0"/>
+                <a:cs typeface="Times New Roman" panose="02020603050405020304" pitchFamily="18" charset="0"/>
+              </a:rPr>
+              <a:t>Air Traffic Management (ATM)</a:t>
+            </a:r>
+            <a:endParaRPr lang="zh-TW" altLang="en-US" sz="3200" b="0" cap="none" spc="0" dirty="0">
+              <a:ln w="0"/>
+              <a:solidFill>
+                <a:schemeClr val="accent1"/>
+              </a:solidFill>
+              <a:effectLst>
+                <a:outerShdw blurRad="38100" dist="25400" dir="5400000" algn="ctr" rotWithShape="0">
+                  <a:srgbClr val="6E747A">
+                    <a:alpha val="43000"/>
+                  </a:srgbClr>
+                </a:outerShdw>
+              </a:effectLst>
+              <a:latin typeface="Times New Roman" panose="02020603050405020304" pitchFamily="18" charset="0"/>
+              <a:cs typeface="Times New Roman" panose="02020603050405020304" pitchFamily="18" charset="0"/>
+            </a:endParaRPr>
+          </a:p>
+        </p:txBody>
+      </p:sp>
+    </p:spTree>
+    <p:extLst>
+      <p:ext uri="{BB962C8B-B14F-4D97-AF65-F5344CB8AC3E}">
+        <p14:creationId xmlns:p14="http://schemas.microsoft.com/office/powerpoint/2010/main" val="698789366"/>
+      </p:ext>
+    </p:extLst>
+  </p:cSld>
+  <p:clrMapOvr>
+    <a:masterClrMapping/>
+  </p:clrMapOvr>
+  <p:timing>
+    <p:tnLst>
+      <p:par>
+        <p:cTn id="1" dur="indefinite" restart="never" nodeType="tmRoot"/>
+      </p:par>
+    </p:tnLst>
+  </p:timing>
+</p:sld>
+</file>
+
+<file path=ppt/slides/slide6.xml><?xml version="1.0" encoding="utf-8"?>
+<p:sld xmlns:a="http://schemas.openxmlformats.org/drawingml/2006/main" xmlns:r="http://schemas.openxmlformats.org/officeDocument/2006/relationships" xmlns:p="http://schemas.openxmlformats.org/presentationml/2006/main">
+  <p:cSld>
+    <p:spTree>
+      <p:nvGrpSpPr>
+        <p:cNvPr id="1" name=""/>
+        <p:cNvGrpSpPr/>
+        <p:nvPr/>
+      </p:nvGrpSpPr>
+      <p:grpSpPr>
+        <a:xfrm>
+          <a:off x="0" y="0"/>
+          <a:ext cx="0" cy="0"/>
+          <a:chOff x="0" y="0"/>
+          <a:chExt cx="0" cy="0"/>
+        </a:xfrm>
+      </p:grpSpPr>
+    </p:spTree>
+    <p:extLst>
+      <p:ext uri="{BB962C8B-B14F-4D97-AF65-F5344CB8AC3E}">
+        <p14:creationId xmlns:p14="http://schemas.microsoft.com/office/powerpoint/2010/main" val="2061620429"/>
+      </p:ext>
+    </p:extLst>
+  </p:cSld>
+  <p:clrMapOvr>
+    <a:masterClrMapping/>
+  </p:clrMapOvr>
+  <p:timing>
+    <p:tnLst>
+      <p:par>
+        <p:cTn id="1" dur="indefinite" restart="never" nodeType="tmRoot"/>
+      </p:par>
+    </p:tnLst>
+  </p:timing>
+</p:sld>
+</file>
+
+<file path=ppt/slides/slide7.xml><?xml version="1.0" encoding="utf-8"?>
+<p:sld xmlns:a="http://schemas.openxmlformats.org/drawingml/2006/main" xmlns:r="http://schemas.openxmlformats.org/officeDocument/2006/relationships" xmlns:p="http://schemas.openxmlformats.org/presentationml/2006/main">
+  <p:cSld>
+    <p:spTree>
+      <p:nvGrpSpPr>
+        <p:cNvPr id="1" name=""/>
+        <p:cNvGrpSpPr/>
+        <p:nvPr/>
+      </p:nvGrpSpPr>
+      <p:grpSpPr>
+        <a:xfrm>
+          <a:off x="0" y="0"/>
+          <a:ext cx="0" cy="0"/>
+          <a:chOff x="0" y="0"/>
+          <a:chExt cx="0" cy="0"/>
+        </a:xfrm>
+      </p:grpSpPr>
+      <p:grpSp>
+        <p:nvGrpSpPr>
+          <p:cNvPr id="4" name="群組 3"/>
+          <p:cNvGrpSpPr/>
+          <p:nvPr/>
+        </p:nvGrpSpPr>
+        <p:grpSpPr>
+          <a:xfrm>
+            <a:off x="4194355" y="2765260"/>
+            <a:ext cx="3608525" cy="963460"/>
+            <a:chOff x="0" y="2115"/>
+            <a:chExt cx="2787289" cy="575639"/>
+          </a:xfrm>
+        </p:grpSpPr>
+        <p:sp>
+          <p:nvSpPr>
+            <p:cNvPr id="5" name="圓角矩形 4"/>
+            <p:cNvSpPr/>
+            <p:nvPr/>
+          </p:nvSpPr>
+          <p:spPr>
+            <a:xfrm>
+              <a:off x="0" y="2115"/>
+              <a:ext cx="2787289" cy="575639"/>
+            </a:xfrm>
+            <a:prstGeom prst="roundRect">
+              <a:avLst/>
+            </a:prstGeom>
+          </p:spPr>
+          <p:style>
+            <a:lnRef idx="2">
+              <a:schemeClr val="lt1">
+                <a:hueOff val="0"/>
+                <a:satOff val="0"/>
+                <a:lumOff val="0"/>
+                <a:alphaOff val="0"/>
+              </a:schemeClr>
+            </a:lnRef>
+            <a:fillRef idx="1">
+              <a:schemeClr val="accent3">
+                <a:shade val="50000"/>
+                <a:hueOff val="0"/>
+                <a:satOff val="0"/>
+                <a:lumOff val="0"/>
+                <a:alphaOff val="0"/>
+              </a:schemeClr>
+            </a:fillRef>
+            <a:effectRef idx="0">
+              <a:schemeClr val="accent3">
+                <a:shade val="50000"/>
+                <a:hueOff val="0"/>
+                <a:satOff val="0"/>
+                <a:lumOff val="0"/>
+                <a:alphaOff val="0"/>
+              </a:schemeClr>
+            </a:effectRef>
+            <a:fontRef idx="minor">
+              <a:schemeClr val="lt1"/>
+            </a:fontRef>
+          </p:style>
+        </p:sp>
+        <p:sp>
+          <p:nvSpPr>
+            <p:cNvPr id="6" name="圓角矩形 4"/>
+            <p:cNvSpPr txBox="1"/>
+            <p:nvPr/>
+          </p:nvSpPr>
+          <p:spPr>
+            <a:xfrm>
+              <a:off x="28100" y="30215"/>
+              <a:ext cx="2731089" cy="519439"/>
+            </a:xfrm>
+            <a:prstGeom prst="rect">
+              <a:avLst/>
+            </a:prstGeom>
+            <a:solidFill>
+              <a:schemeClr val="tx2">
+                <a:lumMod val="75000"/>
+              </a:schemeClr>
+            </a:solidFill>
+          </p:spPr>
+          <p:style>
+            <a:lnRef idx="0">
+              <a:scrgbClr r="0" g="0" b="0"/>
+            </a:lnRef>
+            <a:fillRef idx="0">
+              <a:scrgbClr r="0" g="0" b="0"/>
+            </a:fillRef>
+            <a:effectRef idx="0">
+              <a:scrgbClr r="0" g="0" b="0"/>
+            </a:effectRef>
+            <a:fontRef idx="minor">
+              <a:schemeClr val="lt1"/>
+            </a:fontRef>
+          </p:style>
+          <p:txBody>
+            <a:bodyPr spcFirstLastPara="0" vert="horz" wrap="square" lIns="91440" tIns="91440" rIns="91440" bIns="91440" numCol="1" spcCol="1270" anchor="ctr" anchorCtr="0">
+              <a:noAutofit/>
+            </a:bodyPr>
+            <a:lstStyle/>
+            <a:p>
+              <a:pPr lvl="0" algn="ctr" defTabSz="1066800" rtl="0">
+                <a:lnSpc>
+                  <a:spcPct val="90000"/>
+                </a:lnSpc>
+                <a:spcBef>
+                  <a:spcPct val="0"/>
+                </a:spcBef>
+                <a:spcAft>
+                  <a:spcPct val="35000"/>
+                </a:spcAft>
+              </a:pPr>
+              <a:r>
+                <a:rPr lang="en-US" altLang="zh-TW" sz="3200" dirty="0" smtClean="0"/>
+                <a:t>METHOD</a:t>
+              </a:r>
+              <a:endParaRPr lang="zh-TW" sz="3200" kern="1200" dirty="0"/>
+            </a:p>
+          </p:txBody>
+        </p:sp>
+      </p:grpSp>
+    </p:spTree>
+    <p:extLst>
+      <p:ext uri="{BB962C8B-B14F-4D97-AF65-F5344CB8AC3E}">
+        <p14:creationId xmlns:p14="http://schemas.microsoft.com/office/powerpoint/2010/main" val="2734751437"/>
+      </p:ext>
+    </p:extLst>
+  </p:cSld>
+  <p:clrMapOvr>
+    <a:masterClrMapping/>
+  </p:clrMapOvr>
+  <p:timing>
+    <p:tnLst>
+      <p:par>
+        <p:cTn id="1" dur="indefinite" restart="never" nodeType="tmRoot"/>
+      </p:par>
+    </p:tnLst>
+  </p:timing>
+</p:sld>
+</file>
+
+<file path=ppt/slides/slide8.xml><?xml version="1.0" encoding="utf-8"?>
+<p:sld xmlns:a="http://schemas.openxmlformats.org/drawingml/2006/main" xmlns:r="http://schemas.openxmlformats.org/officeDocument/2006/relationships" xmlns:p="http://schemas.openxmlformats.org/presentationml/2006/main">
+  <p:cSld>
+    <p:spTree>
+      <p:nvGrpSpPr>
+        <p:cNvPr id="1" name=""/>
+        <p:cNvGrpSpPr/>
+        <p:nvPr/>
+      </p:nvGrpSpPr>
+      <p:grpSpPr>
+        <a:xfrm>
+          <a:off x="0" y="0"/>
+          <a:ext cx="0" cy="0"/>
+          <a:chOff x="0" y="0"/>
+          <a:chExt cx="0" cy="0"/>
+        </a:xfrm>
+      </p:grpSpPr>
+      <p:grpSp>
+        <p:nvGrpSpPr>
+          <p:cNvPr id="4" name="群組 3"/>
+          <p:cNvGrpSpPr/>
+          <p:nvPr/>
+        </p:nvGrpSpPr>
+        <p:grpSpPr>
+          <a:xfrm>
+            <a:off x="4194355" y="2765260"/>
+            <a:ext cx="3608525" cy="963460"/>
+            <a:chOff x="0" y="2115"/>
+            <a:chExt cx="2787289" cy="575639"/>
+          </a:xfrm>
+        </p:grpSpPr>
+        <p:sp>
+          <p:nvSpPr>
+            <p:cNvPr id="5" name="圓角矩形 4"/>
+            <p:cNvSpPr/>
+            <p:nvPr/>
+          </p:nvSpPr>
+          <p:spPr>
+            <a:xfrm>
+              <a:off x="0" y="2115"/>
+              <a:ext cx="2787289" cy="575639"/>
+            </a:xfrm>
+            <a:prstGeom prst="roundRect">
+              <a:avLst/>
+            </a:prstGeom>
+          </p:spPr>
+          <p:style>
+            <a:lnRef idx="2">
+              <a:schemeClr val="lt1">
+                <a:hueOff val="0"/>
+                <a:satOff val="0"/>
+                <a:lumOff val="0"/>
+                <a:alphaOff val="0"/>
+              </a:schemeClr>
+            </a:lnRef>
+            <a:fillRef idx="1">
+              <a:schemeClr val="accent3">
+                <a:shade val="50000"/>
+                <a:hueOff val="0"/>
+                <a:satOff val="0"/>
+                <a:lumOff val="0"/>
+                <a:alphaOff val="0"/>
+              </a:schemeClr>
+            </a:fillRef>
+            <a:effectRef idx="0">
+              <a:schemeClr val="accent3">
+                <a:shade val="50000"/>
+                <a:hueOff val="0"/>
+                <a:satOff val="0"/>
+                <a:lumOff val="0"/>
+                <a:alphaOff val="0"/>
+              </a:schemeClr>
+            </a:effectRef>
+            <a:fontRef idx="minor">
+              <a:schemeClr val="lt1"/>
+            </a:fontRef>
+          </p:style>
+        </p:sp>
+        <p:sp>
+          <p:nvSpPr>
+            <p:cNvPr id="6" name="圓角矩形 4"/>
+            <p:cNvSpPr txBox="1"/>
+            <p:nvPr/>
+          </p:nvSpPr>
+          <p:spPr>
+            <a:xfrm>
+              <a:off x="28100" y="30215"/>
+              <a:ext cx="2731089" cy="519439"/>
+            </a:xfrm>
+            <a:prstGeom prst="rect">
+              <a:avLst/>
+            </a:prstGeom>
+            <a:solidFill>
+              <a:schemeClr val="tx2">
+                <a:lumMod val="75000"/>
+              </a:schemeClr>
+            </a:solidFill>
+          </p:spPr>
+          <p:style>
+            <a:lnRef idx="0">
+              <a:scrgbClr r="0" g="0" b="0"/>
+            </a:lnRef>
+            <a:fillRef idx="0">
+              <a:scrgbClr r="0" g="0" b="0"/>
+            </a:fillRef>
+            <a:effectRef idx="0">
+              <a:scrgbClr r="0" g="0" b="0"/>
+            </a:effectRef>
+            <a:fontRef idx="minor">
+              <a:schemeClr val="lt1"/>
+            </a:fontRef>
+          </p:style>
+          <p:txBody>
+            <a:bodyPr spcFirstLastPara="0" vert="horz" wrap="square" lIns="91440" tIns="91440" rIns="91440" bIns="91440" numCol="1" spcCol="1270" anchor="ctr" anchorCtr="0">
+              <a:noAutofit/>
+            </a:bodyPr>
+            <a:lstStyle/>
+            <a:p>
+              <a:pPr lvl="0" algn="ctr" defTabSz="1066800" rtl="0">
+                <a:lnSpc>
+                  <a:spcPct val="90000"/>
+                </a:lnSpc>
+                <a:spcBef>
+                  <a:spcPct val="0"/>
+                </a:spcBef>
+                <a:spcAft>
+                  <a:spcPct val="35000"/>
+                </a:spcAft>
+              </a:pPr>
+              <a:r>
+                <a:rPr lang="en-US" altLang="zh-TW" sz="3200" dirty="0" smtClean="0"/>
+                <a:t>RESULT</a:t>
+              </a:r>
+              <a:endParaRPr lang="zh-TW" sz="3200" kern="1200" dirty="0"/>
+            </a:p>
+          </p:txBody>
+        </p:sp>
+      </p:grpSp>
+    </p:spTree>
+    <p:extLst>
+      <p:ext uri="{BB962C8B-B14F-4D97-AF65-F5344CB8AC3E}">
+        <p14:creationId xmlns:p14="http://schemas.microsoft.com/office/powerpoint/2010/main" val="1673562045"/>
+      </p:ext>
+    </p:extLst>
+  </p:cSld>
+  <p:clrMapOvr>
+    <a:masterClrMapping/>
+  </p:clrMapOvr>
+  <p:timing>
+    <p:tnLst>
+      <p:par>
+        <p:cTn id="1" dur="indefinite" restart="never" nodeType="tmRoot"/>
+      </p:par>
+    </p:tnLst>
+  </p:timing>
+</p:sld>
+</file>
+
+<file path=ppt/slides/slide9.xml><?xml version="1.0" encoding="utf-8"?>
+<p:sld xmlns:a="http://schemas.openxmlformats.org/drawingml/2006/main" xmlns:r="http://schemas.openxmlformats.org/officeDocument/2006/relationships" xmlns:p="http://schemas.openxmlformats.org/presentationml/2006/main">
+  <p:cSld>
+    <p:spTree>
+      <p:nvGrpSpPr>
+        <p:cNvPr id="1" name=""/>
+        <p:cNvGrpSpPr/>
+        <p:nvPr/>
+      </p:nvGrpSpPr>
+      <p:grpSpPr>
+        <a:xfrm>
+          <a:off x="0" y="0"/>
+          <a:ext cx="0" cy="0"/>
+          <a:chOff x="0" y="0"/>
+          <a:chExt cx="0" cy="0"/>
+        </a:xfrm>
+      </p:grpSpPr>
+      <p:grpSp>
+        <p:nvGrpSpPr>
+          <p:cNvPr id="4" name="群組 3"/>
+          <p:cNvGrpSpPr/>
+          <p:nvPr/>
+        </p:nvGrpSpPr>
+        <p:grpSpPr>
+          <a:xfrm>
+            <a:off x="4194355" y="2765260"/>
+            <a:ext cx="3608525" cy="963460"/>
+            <a:chOff x="0" y="2115"/>
+            <a:chExt cx="2787289" cy="575639"/>
+          </a:xfrm>
+        </p:grpSpPr>
+        <p:sp>
+          <p:nvSpPr>
+            <p:cNvPr id="5" name="圓角矩形 4"/>
+            <p:cNvSpPr/>
+            <p:nvPr/>
+          </p:nvSpPr>
+          <p:spPr>
+            <a:xfrm>
+              <a:off x="0" y="2115"/>
+              <a:ext cx="2787289" cy="575639"/>
+            </a:xfrm>
+            <a:prstGeom prst="roundRect">
+              <a:avLst/>
+            </a:prstGeom>
+          </p:spPr>
+          <p:style>
+            <a:lnRef idx="2">
+              <a:schemeClr val="lt1">
+                <a:hueOff val="0"/>
+                <a:satOff val="0"/>
+                <a:lumOff val="0"/>
+                <a:alphaOff val="0"/>
+              </a:schemeClr>
+            </a:lnRef>
+            <a:fillRef idx="1">
+              <a:schemeClr val="accent3">
+                <a:shade val="50000"/>
+                <a:hueOff val="0"/>
+                <a:satOff val="0"/>
+                <a:lumOff val="0"/>
+                <a:alphaOff val="0"/>
+              </a:schemeClr>
+            </a:fillRef>
+            <a:effectRef idx="0">
+              <a:schemeClr val="accent3">
+                <a:shade val="50000"/>
+                <a:hueOff val="0"/>
+                <a:satOff val="0"/>
+                <a:lumOff val="0"/>
+                <a:alphaOff val="0"/>
+              </a:schemeClr>
+            </a:effectRef>
+            <a:fontRef idx="minor">
+              <a:schemeClr val="lt1"/>
+            </a:fontRef>
+          </p:style>
+        </p:sp>
+        <p:sp>
+          <p:nvSpPr>
+            <p:cNvPr id="6" name="圓角矩形 4"/>
+            <p:cNvSpPr txBox="1"/>
+            <p:nvPr/>
+          </p:nvSpPr>
+          <p:spPr>
+            <a:xfrm>
+              <a:off x="28100" y="30215"/>
+              <a:ext cx="2731089" cy="519439"/>
+            </a:xfrm>
+            <a:prstGeom prst="rect">
+              <a:avLst/>
+            </a:prstGeom>
+            <a:solidFill>
+              <a:schemeClr val="tx2">
+                <a:lumMod val="75000"/>
+              </a:schemeClr>
+            </a:solidFill>
+          </p:spPr>
+          <p:style>
+            <a:lnRef idx="0">
+              <a:scrgbClr r="0" g="0" b="0"/>
+            </a:lnRef>
+            <a:fillRef idx="0">
+              <a:scrgbClr r="0" g="0" b="0"/>
+            </a:fillRef>
+            <a:effectRef idx="0">
+              <a:scrgbClr r="0" g="0" b="0"/>
+            </a:effectRef>
+            <a:fontRef idx="minor">
+              <a:schemeClr val="lt1"/>
+            </a:fontRef>
+          </p:style>
+          <p:txBody>
+            <a:bodyPr spcFirstLastPara="0" vert="horz" wrap="square" lIns="91440" tIns="91440" rIns="91440" bIns="91440" numCol="1" spcCol="1270" anchor="ctr" anchorCtr="0">
+              <a:noAutofit/>
+            </a:bodyPr>
+            <a:lstStyle/>
+            <a:p>
+              <a:pPr lvl="0" algn="ctr" defTabSz="1066800" rtl="0">
+                <a:lnSpc>
+                  <a:spcPct val="90000"/>
+                </a:lnSpc>
+                <a:spcBef>
+                  <a:spcPct val="0"/>
+                </a:spcBef>
+                <a:spcAft>
+                  <a:spcPct val="35000"/>
+                </a:spcAft>
+              </a:pPr>
+              <a:r>
+                <a:rPr lang="en-US" altLang="zh-TW" sz="3200" dirty="0" smtClean="0"/>
+                <a:t>DISCUSSION</a:t>
+              </a:r>
+              <a:endParaRPr lang="zh-TW" sz="3200" kern="1200" dirty="0"/>
+            </a:p>
+          </p:txBody>
+        </p:sp>
+      </p:grpSp>
+    </p:spTree>
+    <p:extLst>
+      <p:ext uri="{BB962C8B-B14F-4D97-AF65-F5344CB8AC3E}">
+        <p14:creationId xmlns:p14="http://schemas.microsoft.com/office/powerpoint/2010/main" val="676040135"/>
       </p:ext>
     </p:extLst>
   </p:cSld>

--- a/wireless_network/PaperReading/Report.pptx
+++ b/wireless_network/PaperReading/Report.pptx
@@ -4,6 +4,9 @@
   <p:sldMasterIdLst>
     <p:sldMasterId id="2147483648" r:id="rId1"/>
   </p:sldMasterIdLst>
+  <p:notesMasterIdLst>
+    <p:notesMasterId r:id="rId19"/>
+  </p:notesMasterIdLst>
   <p:sldIdLst>
     <p:sldId id="256" r:id="rId2"/>
     <p:sldId id="257" r:id="rId3"/>
@@ -11,11 +14,17 @@
     <p:sldId id="262" r:id="rId5"/>
     <p:sldId id="265" r:id="rId6"/>
     <p:sldId id="266" r:id="rId7"/>
-    <p:sldId id="259" r:id="rId8"/>
-    <p:sldId id="260" r:id="rId9"/>
-    <p:sldId id="261" r:id="rId10"/>
-    <p:sldId id="264" r:id="rId11"/>
-    <p:sldId id="263" r:id="rId12"/>
+    <p:sldId id="267" r:id="rId8"/>
+    <p:sldId id="259" r:id="rId9"/>
+    <p:sldId id="268" r:id="rId10"/>
+    <p:sldId id="269" r:id="rId11"/>
+    <p:sldId id="270" r:id="rId12"/>
+    <p:sldId id="271" r:id="rId13"/>
+    <p:sldId id="260" r:id="rId14"/>
+    <p:sldId id="272" r:id="rId15"/>
+    <p:sldId id="261" r:id="rId16"/>
+    <p:sldId id="264" r:id="rId17"/>
+    <p:sldId id="263" r:id="rId18"/>
   </p:sldIdLst>
   <p:sldSz cx="12192000" cy="6858000"/>
   <p:notesSz cx="6858000" cy="9144000"/>
@@ -1742,6 +1751,757 @@
 </dgm:colorsDef>
 </file>
 
+<file path=ppt/diagrams/colors3.xml><?xml version="1.0" encoding="utf-8"?>
+<dgm:colorsDef xmlns:dgm="http://schemas.openxmlformats.org/drawingml/2006/diagram" xmlns:a="http://schemas.openxmlformats.org/drawingml/2006/main" uniqueId="urn:microsoft.com/office/officeart/2005/8/colors/accent0_3">
+  <dgm:title val=""/>
+  <dgm:desc val=""/>
+  <dgm:catLst>
+    <dgm:cat type="mainScheme" pri="10300"/>
+  </dgm:catLst>
+  <dgm:styleLbl name="node0">
+    <dgm:fillClrLst meth="repeat">
+      <a:schemeClr val="dk2"/>
+    </dgm:fillClrLst>
+    <dgm:linClrLst meth="repeat">
+      <a:schemeClr val="lt2"/>
+    </dgm:linClrLst>
+    <dgm:effectClrLst/>
+    <dgm:txLinClrLst/>
+    <dgm:txFillClrLst/>
+    <dgm:txEffectClrLst/>
+  </dgm:styleLbl>
+  <dgm:styleLbl name="alignNode1">
+    <dgm:fillClrLst meth="repeat">
+      <a:schemeClr val="dk2"/>
+    </dgm:fillClrLst>
+    <dgm:linClrLst meth="repeat">
+      <a:schemeClr val="dk2"/>
+    </dgm:linClrLst>
+    <dgm:effectClrLst/>
+    <dgm:txLinClrLst/>
+    <dgm:txFillClrLst/>
+    <dgm:txEffectClrLst/>
+  </dgm:styleLbl>
+  <dgm:styleLbl name="node1">
+    <dgm:fillClrLst meth="repeat">
+      <a:schemeClr val="dk2"/>
+    </dgm:fillClrLst>
+    <dgm:linClrLst meth="repeat">
+      <a:schemeClr val="lt2"/>
+    </dgm:linClrLst>
+    <dgm:effectClrLst/>
+    <dgm:txLinClrLst/>
+    <dgm:txFillClrLst/>
+    <dgm:txEffectClrLst/>
+  </dgm:styleLbl>
+  <dgm:styleLbl name="lnNode1">
+    <dgm:fillClrLst meth="repeat">
+      <a:schemeClr val="dk2"/>
+    </dgm:fillClrLst>
+    <dgm:linClrLst meth="repeat">
+      <a:schemeClr val="lt2"/>
+    </dgm:linClrLst>
+    <dgm:effectClrLst/>
+    <dgm:txLinClrLst/>
+    <dgm:txFillClrLst/>
+    <dgm:txEffectClrLst/>
+  </dgm:styleLbl>
+  <dgm:styleLbl name="vennNode1">
+    <dgm:fillClrLst meth="repeat">
+      <a:schemeClr val="dk2">
+        <a:alpha val="50000"/>
+      </a:schemeClr>
+    </dgm:fillClrLst>
+    <dgm:linClrLst meth="repeat">
+      <a:schemeClr val="lt2"/>
+    </dgm:linClrLst>
+    <dgm:effectClrLst/>
+    <dgm:txLinClrLst/>
+    <dgm:txFillClrLst/>
+    <dgm:txEffectClrLst/>
+  </dgm:styleLbl>
+  <dgm:styleLbl name="node2">
+    <dgm:fillClrLst meth="repeat">
+      <a:schemeClr val="dk2"/>
+    </dgm:fillClrLst>
+    <dgm:linClrLst meth="repeat">
+      <a:schemeClr val="lt2"/>
+    </dgm:linClrLst>
+    <dgm:effectClrLst/>
+    <dgm:txLinClrLst/>
+    <dgm:txFillClrLst/>
+    <dgm:txEffectClrLst/>
+  </dgm:styleLbl>
+  <dgm:styleLbl name="node3">
+    <dgm:fillClrLst meth="repeat">
+      <a:schemeClr val="dk2"/>
+    </dgm:fillClrLst>
+    <dgm:linClrLst meth="repeat">
+      <a:schemeClr val="lt2"/>
+    </dgm:linClrLst>
+    <dgm:effectClrLst/>
+    <dgm:txLinClrLst/>
+    <dgm:txFillClrLst/>
+    <dgm:txEffectClrLst/>
+  </dgm:styleLbl>
+  <dgm:styleLbl name="node4">
+    <dgm:fillClrLst meth="repeat">
+      <a:schemeClr val="dk2"/>
+    </dgm:fillClrLst>
+    <dgm:linClrLst meth="repeat">
+      <a:schemeClr val="lt2"/>
+    </dgm:linClrLst>
+    <dgm:effectClrLst/>
+    <dgm:txLinClrLst/>
+    <dgm:txFillClrLst/>
+    <dgm:txEffectClrLst/>
+  </dgm:styleLbl>
+  <dgm:styleLbl name="fgImgPlace1">
+    <dgm:fillClrLst meth="repeat">
+      <a:schemeClr val="dk2">
+        <a:tint val="50000"/>
+      </a:schemeClr>
+    </dgm:fillClrLst>
+    <dgm:linClrLst meth="repeat">
+      <a:schemeClr val="lt2"/>
+    </dgm:linClrLst>
+    <dgm:effectClrLst/>
+    <dgm:txLinClrLst/>
+    <dgm:txFillClrLst meth="repeat">
+      <a:schemeClr val="lt2"/>
+    </dgm:txFillClrLst>
+    <dgm:txEffectClrLst/>
+  </dgm:styleLbl>
+  <dgm:styleLbl name="alignImgPlace1">
+    <dgm:fillClrLst meth="repeat">
+      <a:schemeClr val="dk2">
+        <a:tint val="50000"/>
+      </a:schemeClr>
+    </dgm:fillClrLst>
+    <dgm:linClrLst meth="repeat">
+      <a:schemeClr val="dk2">
+        <a:shade val="80000"/>
+      </a:schemeClr>
+    </dgm:linClrLst>
+    <dgm:effectClrLst/>
+    <dgm:txLinClrLst/>
+    <dgm:txFillClrLst meth="repeat">
+      <a:schemeClr val="lt2"/>
+    </dgm:txFillClrLst>
+    <dgm:txEffectClrLst/>
+  </dgm:styleLbl>
+  <dgm:styleLbl name="bgImgPlace1">
+    <dgm:fillClrLst meth="repeat">
+      <a:schemeClr val="dk2">
+        <a:tint val="50000"/>
+      </a:schemeClr>
+    </dgm:fillClrLst>
+    <dgm:linClrLst meth="repeat">
+      <a:schemeClr val="dk2">
+        <a:shade val="80000"/>
+      </a:schemeClr>
+    </dgm:linClrLst>
+    <dgm:effectClrLst/>
+    <dgm:txLinClrLst/>
+    <dgm:txFillClrLst meth="repeat">
+      <a:schemeClr val="lt2"/>
+    </dgm:txFillClrLst>
+    <dgm:txEffectClrLst/>
+  </dgm:styleLbl>
+  <dgm:styleLbl name="sibTrans2D1">
+    <dgm:fillClrLst meth="repeat">
+      <a:schemeClr val="dk2">
+        <a:tint val="60000"/>
+      </a:schemeClr>
+    </dgm:fillClrLst>
+    <dgm:linClrLst meth="repeat">
+      <a:schemeClr val="dk2">
+        <a:tint val="60000"/>
+      </a:schemeClr>
+    </dgm:linClrLst>
+    <dgm:effectClrLst/>
+    <dgm:txLinClrLst/>
+    <dgm:txFillClrLst/>
+    <dgm:txEffectClrLst/>
+  </dgm:styleLbl>
+  <dgm:styleLbl name="fgSibTrans2D1">
+    <dgm:fillClrLst meth="repeat">
+      <a:schemeClr val="dk2">
+        <a:tint val="60000"/>
+      </a:schemeClr>
+    </dgm:fillClrLst>
+    <dgm:linClrLst meth="repeat">
+      <a:schemeClr val="dk2">
+        <a:tint val="60000"/>
+      </a:schemeClr>
+    </dgm:linClrLst>
+    <dgm:effectClrLst/>
+    <dgm:txLinClrLst/>
+    <dgm:txFillClrLst/>
+    <dgm:txEffectClrLst/>
+  </dgm:styleLbl>
+  <dgm:styleLbl name="bgSibTrans2D1">
+    <dgm:fillClrLst meth="repeat">
+      <a:schemeClr val="dk2">
+        <a:tint val="60000"/>
+      </a:schemeClr>
+    </dgm:fillClrLst>
+    <dgm:linClrLst meth="repeat">
+      <a:schemeClr val="dk2">
+        <a:tint val="60000"/>
+      </a:schemeClr>
+    </dgm:linClrLst>
+    <dgm:effectClrLst/>
+    <dgm:txLinClrLst/>
+    <dgm:txFillClrLst/>
+    <dgm:txEffectClrLst/>
+  </dgm:styleLbl>
+  <dgm:styleLbl name="sibTrans1D1">
+    <dgm:fillClrLst meth="repeat">
+      <a:schemeClr val="dk2"/>
+    </dgm:fillClrLst>
+    <dgm:linClrLst meth="repeat">
+      <a:schemeClr val="dk2"/>
+    </dgm:linClrLst>
+    <dgm:effectClrLst/>
+    <dgm:txLinClrLst/>
+    <dgm:txFillClrLst meth="repeat">
+      <a:schemeClr val="lt2"/>
+    </dgm:txFillClrLst>
+    <dgm:txEffectClrLst/>
+  </dgm:styleLbl>
+  <dgm:styleLbl name="callout">
+    <dgm:fillClrLst meth="repeat">
+      <a:schemeClr val="dk2"/>
+    </dgm:fillClrLst>
+    <dgm:linClrLst meth="repeat">
+      <a:schemeClr val="dk2">
+        <a:tint val="50000"/>
+      </a:schemeClr>
+    </dgm:linClrLst>
+    <dgm:effectClrLst/>
+    <dgm:txLinClrLst/>
+    <dgm:txFillClrLst meth="repeat">
+      <a:schemeClr val="lt2"/>
+    </dgm:txFillClrLst>
+    <dgm:txEffectClrLst/>
+  </dgm:styleLbl>
+  <dgm:styleLbl name="asst0">
+    <dgm:fillClrLst meth="repeat">
+      <a:schemeClr val="dk2"/>
+    </dgm:fillClrLst>
+    <dgm:linClrLst meth="repeat">
+      <a:schemeClr val="lt2"/>
+    </dgm:linClrLst>
+    <dgm:effectClrLst/>
+    <dgm:txLinClrLst/>
+    <dgm:txFillClrLst/>
+    <dgm:txEffectClrLst/>
+  </dgm:styleLbl>
+  <dgm:styleLbl name="asst1">
+    <dgm:fillClrLst meth="repeat">
+      <a:schemeClr val="dk2"/>
+    </dgm:fillClrLst>
+    <dgm:linClrLst meth="repeat">
+      <a:schemeClr val="lt2"/>
+    </dgm:linClrLst>
+    <dgm:effectClrLst/>
+    <dgm:txLinClrLst/>
+    <dgm:txFillClrLst/>
+    <dgm:txEffectClrLst/>
+  </dgm:styleLbl>
+  <dgm:styleLbl name="asst2">
+    <dgm:fillClrLst meth="repeat">
+      <a:schemeClr val="dk2"/>
+    </dgm:fillClrLst>
+    <dgm:linClrLst meth="repeat">
+      <a:schemeClr val="lt2"/>
+    </dgm:linClrLst>
+    <dgm:effectClrLst/>
+    <dgm:txLinClrLst/>
+    <dgm:txFillClrLst/>
+    <dgm:txEffectClrLst/>
+  </dgm:styleLbl>
+  <dgm:styleLbl name="asst3">
+    <dgm:fillClrLst meth="repeat">
+      <a:schemeClr val="dk2"/>
+    </dgm:fillClrLst>
+    <dgm:linClrLst meth="repeat">
+      <a:schemeClr val="lt2"/>
+    </dgm:linClrLst>
+    <dgm:effectClrLst/>
+    <dgm:txLinClrLst/>
+    <dgm:txFillClrLst/>
+    <dgm:txEffectClrLst/>
+  </dgm:styleLbl>
+  <dgm:styleLbl name="asst4">
+    <dgm:fillClrLst meth="repeat">
+      <a:schemeClr val="dk2"/>
+    </dgm:fillClrLst>
+    <dgm:linClrLst meth="repeat">
+      <a:schemeClr val="lt2"/>
+    </dgm:linClrLst>
+    <dgm:effectClrLst/>
+    <dgm:txLinClrLst/>
+    <dgm:txFillClrLst/>
+    <dgm:txEffectClrLst/>
+  </dgm:styleLbl>
+  <dgm:styleLbl name="parChTrans2D1">
+    <dgm:fillClrLst meth="repeat">
+      <a:schemeClr val="dk2">
+        <a:tint val="60000"/>
+      </a:schemeClr>
+    </dgm:fillClrLst>
+    <dgm:linClrLst meth="repeat">
+      <a:schemeClr val="dk2">
+        <a:tint val="60000"/>
+      </a:schemeClr>
+    </dgm:linClrLst>
+    <dgm:effectClrLst/>
+    <dgm:txLinClrLst/>
+    <dgm:txFillClrLst meth="repeat">
+      <a:schemeClr val="lt2"/>
+    </dgm:txFillClrLst>
+    <dgm:txEffectClrLst/>
+  </dgm:styleLbl>
+  <dgm:styleLbl name="parChTrans2D2">
+    <dgm:fillClrLst meth="repeat">
+      <a:schemeClr val="dk2"/>
+    </dgm:fillClrLst>
+    <dgm:linClrLst meth="repeat">
+      <a:schemeClr val="dk2"/>
+    </dgm:linClrLst>
+    <dgm:effectClrLst/>
+    <dgm:txLinClrLst/>
+    <dgm:txFillClrLst meth="repeat">
+      <a:schemeClr val="lt2"/>
+    </dgm:txFillClrLst>
+    <dgm:txEffectClrLst/>
+  </dgm:styleLbl>
+  <dgm:styleLbl name="parChTrans2D3">
+    <dgm:fillClrLst meth="repeat">
+      <a:schemeClr val="dk2"/>
+    </dgm:fillClrLst>
+    <dgm:linClrLst meth="repeat">
+      <a:schemeClr val="dk2"/>
+    </dgm:linClrLst>
+    <dgm:effectClrLst/>
+    <dgm:txLinClrLst/>
+    <dgm:txFillClrLst meth="repeat">
+      <a:schemeClr val="lt2"/>
+    </dgm:txFillClrLst>
+    <dgm:txEffectClrLst/>
+  </dgm:styleLbl>
+  <dgm:styleLbl name="parChTrans2D4">
+    <dgm:fillClrLst meth="repeat">
+      <a:schemeClr val="dk2"/>
+    </dgm:fillClrLst>
+    <dgm:linClrLst meth="repeat">
+      <a:schemeClr val="dk2"/>
+    </dgm:linClrLst>
+    <dgm:effectClrLst/>
+    <dgm:txLinClrLst/>
+    <dgm:txFillClrLst meth="repeat">
+      <a:schemeClr val="lt2"/>
+    </dgm:txFillClrLst>
+    <dgm:txEffectClrLst/>
+  </dgm:styleLbl>
+  <dgm:styleLbl name="parChTrans1D1">
+    <dgm:fillClrLst meth="repeat">
+      <a:schemeClr val="dk2"/>
+    </dgm:fillClrLst>
+    <dgm:linClrLst meth="repeat">
+      <a:schemeClr val="dk2">
+        <a:shade val="60000"/>
+      </a:schemeClr>
+    </dgm:linClrLst>
+    <dgm:effectClrLst/>
+    <dgm:txLinClrLst/>
+    <dgm:txFillClrLst meth="repeat">
+      <a:schemeClr val="tx1"/>
+    </dgm:txFillClrLst>
+    <dgm:txEffectClrLst/>
+  </dgm:styleLbl>
+  <dgm:styleLbl name="parChTrans1D2">
+    <dgm:fillClrLst meth="repeat">
+      <a:schemeClr val="dk2"/>
+    </dgm:fillClrLst>
+    <dgm:linClrLst meth="repeat">
+      <a:schemeClr val="dk2">
+        <a:shade val="60000"/>
+      </a:schemeClr>
+    </dgm:linClrLst>
+    <dgm:effectClrLst/>
+    <dgm:txLinClrLst/>
+    <dgm:txFillClrLst meth="repeat">
+      <a:schemeClr val="tx1"/>
+    </dgm:txFillClrLst>
+    <dgm:txEffectClrLst/>
+  </dgm:styleLbl>
+  <dgm:styleLbl name="parChTrans1D3">
+    <dgm:fillClrLst meth="repeat">
+      <a:schemeClr val="dk2"/>
+    </dgm:fillClrLst>
+    <dgm:linClrLst meth="repeat">
+      <a:schemeClr val="dk2">
+        <a:shade val="80000"/>
+      </a:schemeClr>
+    </dgm:linClrLst>
+    <dgm:effectClrLst/>
+    <dgm:txLinClrLst/>
+    <dgm:txFillClrLst meth="repeat">
+      <a:schemeClr val="tx1"/>
+    </dgm:txFillClrLst>
+    <dgm:txEffectClrLst/>
+  </dgm:styleLbl>
+  <dgm:styleLbl name="parChTrans1D4">
+    <dgm:fillClrLst meth="repeat">
+      <a:schemeClr val="dk2"/>
+    </dgm:fillClrLst>
+    <dgm:linClrLst meth="repeat">
+      <a:schemeClr val="dk2">
+        <a:shade val="80000"/>
+      </a:schemeClr>
+    </dgm:linClrLst>
+    <dgm:effectClrLst/>
+    <dgm:txLinClrLst/>
+    <dgm:txFillClrLst meth="repeat">
+      <a:schemeClr val="tx1"/>
+    </dgm:txFillClrLst>
+    <dgm:txEffectClrLst/>
+  </dgm:styleLbl>
+  <dgm:styleLbl name="fgAcc1">
+    <dgm:fillClrLst meth="repeat">
+      <a:schemeClr val="lt2">
+        <a:alpha val="90000"/>
+      </a:schemeClr>
+    </dgm:fillClrLst>
+    <dgm:linClrLst meth="repeat">
+      <a:schemeClr val="dk2"/>
+    </dgm:linClrLst>
+    <dgm:effectClrLst/>
+    <dgm:txLinClrLst/>
+    <dgm:txFillClrLst meth="repeat">
+      <a:schemeClr val="dk1"/>
+    </dgm:txFillClrLst>
+    <dgm:txEffectClrLst/>
+  </dgm:styleLbl>
+  <dgm:styleLbl name="conFgAcc1">
+    <dgm:fillClrLst meth="repeat">
+      <a:schemeClr val="lt2">
+        <a:alpha val="90000"/>
+      </a:schemeClr>
+    </dgm:fillClrLst>
+    <dgm:linClrLst meth="repeat">
+      <a:schemeClr val="dk2"/>
+    </dgm:linClrLst>
+    <dgm:effectClrLst/>
+    <dgm:txLinClrLst/>
+    <dgm:txFillClrLst meth="repeat">
+      <a:schemeClr val="dk1"/>
+    </dgm:txFillClrLst>
+    <dgm:txEffectClrLst/>
+  </dgm:styleLbl>
+  <dgm:styleLbl name="alignAcc1">
+    <dgm:fillClrLst meth="repeat">
+      <a:schemeClr val="lt2">
+        <a:alpha val="90000"/>
+      </a:schemeClr>
+    </dgm:fillClrLst>
+    <dgm:linClrLst meth="repeat">
+      <a:schemeClr val="dk2"/>
+    </dgm:linClrLst>
+    <dgm:effectClrLst/>
+    <dgm:txLinClrLst/>
+    <dgm:txFillClrLst meth="repeat">
+      <a:schemeClr val="dk1"/>
+    </dgm:txFillClrLst>
+    <dgm:txEffectClrLst/>
+  </dgm:styleLbl>
+  <dgm:styleLbl name="trAlignAcc1">
+    <dgm:fillClrLst meth="repeat">
+      <a:schemeClr val="lt2">
+        <a:alpha val="40000"/>
+      </a:schemeClr>
+    </dgm:fillClrLst>
+    <dgm:linClrLst meth="repeat">
+      <a:schemeClr val="dk2"/>
+    </dgm:linClrLst>
+    <dgm:effectClrLst/>
+    <dgm:txLinClrLst/>
+    <dgm:txFillClrLst meth="repeat">
+      <a:schemeClr val="dk1"/>
+    </dgm:txFillClrLst>
+    <dgm:txEffectClrLst/>
+  </dgm:styleLbl>
+  <dgm:styleLbl name="bgAcc1">
+    <dgm:fillClrLst meth="repeat">
+      <a:schemeClr val="lt2">
+        <a:alpha val="90000"/>
+      </a:schemeClr>
+    </dgm:fillClrLst>
+    <dgm:linClrLst meth="repeat">
+      <a:schemeClr val="dk2"/>
+    </dgm:linClrLst>
+    <dgm:effectClrLst/>
+    <dgm:txLinClrLst/>
+    <dgm:txFillClrLst meth="repeat">
+      <a:schemeClr val="dk1"/>
+    </dgm:txFillClrLst>
+    <dgm:txEffectClrLst/>
+  </dgm:styleLbl>
+  <dgm:styleLbl name="solidFgAcc1">
+    <dgm:fillClrLst meth="repeat">
+      <a:schemeClr val="lt2"/>
+    </dgm:fillClrLst>
+    <dgm:linClrLst meth="repeat">
+      <a:schemeClr val="dk2"/>
+    </dgm:linClrLst>
+    <dgm:effectClrLst/>
+    <dgm:txLinClrLst/>
+    <dgm:txFillClrLst meth="repeat">
+      <a:schemeClr val="dk1"/>
+    </dgm:txFillClrLst>
+    <dgm:txEffectClrLst/>
+  </dgm:styleLbl>
+  <dgm:styleLbl name="solidAlignAcc1">
+    <dgm:fillClrLst meth="repeat">
+      <a:schemeClr val="lt2"/>
+    </dgm:fillClrLst>
+    <dgm:linClrLst meth="repeat">
+      <a:schemeClr val="dk2"/>
+    </dgm:linClrLst>
+    <dgm:effectClrLst/>
+    <dgm:txLinClrLst/>
+    <dgm:txFillClrLst meth="repeat">
+      <a:schemeClr val="dk1"/>
+    </dgm:txFillClrLst>
+    <dgm:txEffectClrLst/>
+  </dgm:styleLbl>
+  <dgm:styleLbl name="solidBgAcc1">
+    <dgm:fillClrLst meth="repeat">
+      <a:schemeClr val="lt2"/>
+    </dgm:fillClrLst>
+    <dgm:linClrLst meth="repeat">
+      <a:schemeClr val="dk2"/>
+    </dgm:linClrLst>
+    <dgm:effectClrLst/>
+    <dgm:txLinClrLst/>
+    <dgm:txFillClrLst meth="repeat">
+      <a:schemeClr val="dk1"/>
+    </dgm:txFillClrLst>
+    <dgm:txEffectClrLst/>
+  </dgm:styleLbl>
+  <dgm:styleLbl name="fgAccFollowNode1">
+    <dgm:fillClrLst meth="repeat">
+      <a:schemeClr val="dk2">
+        <a:alpha val="90000"/>
+        <a:tint val="40000"/>
+      </a:schemeClr>
+    </dgm:fillClrLst>
+    <dgm:linClrLst meth="repeat">
+      <a:schemeClr val="dk2">
+        <a:alpha val="90000"/>
+        <a:tint val="40000"/>
+      </a:schemeClr>
+    </dgm:linClrLst>
+    <dgm:effectClrLst/>
+    <dgm:txLinClrLst/>
+    <dgm:txFillClrLst meth="repeat">
+      <a:schemeClr val="dk1"/>
+    </dgm:txFillClrLst>
+    <dgm:txEffectClrLst/>
+  </dgm:styleLbl>
+  <dgm:styleLbl name="alignAccFollowNode1">
+    <dgm:fillClrLst meth="repeat">
+      <a:schemeClr val="dk2">
+        <a:alpha val="90000"/>
+        <a:tint val="40000"/>
+      </a:schemeClr>
+    </dgm:fillClrLst>
+    <dgm:linClrLst meth="repeat">
+      <a:schemeClr val="dk2">
+        <a:alpha val="90000"/>
+        <a:tint val="40000"/>
+      </a:schemeClr>
+    </dgm:linClrLst>
+    <dgm:effectClrLst/>
+    <dgm:txLinClrLst/>
+    <dgm:txFillClrLst meth="repeat">
+      <a:schemeClr val="dk1"/>
+    </dgm:txFillClrLst>
+    <dgm:txEffectClrLst/>
+  </dgm:styleLbl>
+  <dgm:styleLbl name="bgAccFollowNode1">
+    <dgm:fillClrLst meth="repeat">
+      <a:schemeClr val="dk2">
+        <a:alpha val="90000"/>
+        <a:tint val="40000"/>
+      </a:schemeClr>
+    </dgm:fillClrLst>
+    <dgm:linClrLst meth="repeat">
+      <a:schemeClr val="dk2">
+        <a:alpha val="90000"/>
+        <a:tint val="40000"/>
+      </a:schemeClr>
+    </dgm:linClrLst>
+    <dgm:effectClrLst/>
+    <dgm:txLinClrLst/>
+    <dgm:txFillClrLst meth="repeat">
+      <a:schemeClr val="dk1"/>
+    </dgm:txFillClrLst>
+    <dgm:txEffectClrLst/>
+  </dgm:styleLbl>
+  <dgm:styleLbl name="fgAcc0">
+    <dgm:fillClrLst meth="repeat">
+      <a:schemeClr val="lt2">
+        <a:alpha val="90000"/>
+      </a:schemeClr>
+    </dgm:fillClrLst>
+    <dgm:linClrLst meth="repeat">
+      <a:schemeClr val="dk2"/>
+    </dgm:linClrLst>
+    <dgm:effectClrLst/>
+    <dgm:txLinClrLst/>
+    <dgm:txFillClrLst meth="repeat">
+      <a:schemeClr val="dk1"/>
+    </dgm:txFillClrLst>
+    <dgm:txEffectClrLst/>
+  </dgm:styleLbl>
+  <dgm:styleLbl name="fgAcc2">
+    <dgm:fillClrLst meth="repeat">
+      <a:schemeClr val="lt2">
+        <a:alpha val="90000"/>
+      </a:schemeClr>
+    </dgm:fillClrLst>
+    <dgm:linClrLst meth="repeat">
+      <a:schemeClr val="dk2"/>
+    </dgm:linClrLst>
+    <dgm:effectClrLst/>
+    <dgm:txLinClrLst/>
+    <dgm:txFillClrLst meth="repeat">
+      <a:schemeClr val="dk1"/>
+    </dgm:txFillClrLst>
+    <dgm:txEffectClrLst/>
+  </dgm:styleLbl>
+  <dgm:styleLbl name="fgAcc3">
+    <dgm:fillClrLst meth="repeat">
+      <a:schemeClr val="lt2">
+        <a:alpha val="90000"/>
+      </a:schemeClr>
+    </dgm:fillClrLst>
+    <dgm:linClrLst meth="repeat">
+      <a:schemeClr val="dk2"/>
+    </dgm:linClrLst>
+    <dgm:effectClrLst/>
+    <dgm:txLinClrLst/>
+    <dgm:txFillClrLst meth="repeat">
+      <a:schemeClr val="dk1"/>
+    </dgm:txFillClrLst>
+    <dgm:txEffectClrLst/>
+  </dgm:styleLbl>
+  <dgm:styleLbl name="fgAcc4">
+    <dgm:fillClrLst meth="repeat">
+      <a:schemeClr val="lt2">
+        <a:alpha val="90000"/>
+      </a:schemeClr>
+    </dgm:fillClrLst>
+    <dgm:linClrLst meth="repeat">
+      <a:schemeClr val="dk2"/>
+    </dgm:linClrLst>
+    <dgm:effectClrLst/>
+    <dgm:txLinClrLst/>
+    <dgm:txFillClrLst meth="repeat">
+      <a:schemeClr val="dk1"/>
+    </dgm:txFillClrLst>
+    <dgm:txEffectClrLst/>
+  </dgm:styleLbl>
+  <dgm:styleLbl name="bgShp">
+    <dgm:fillClrLst meth="repeat">
+      <a:schemeClr val="dk2">
+        <a:tint val="40000"/>
+      </a:schemeClr>
+    </dgm:fillClrLst>
+    <dgm:linClrLst meth="repeat">
+      <a:schemeClr val="dk2"/>
+    </dgm:linClrLst>
+    <dgm:effectClrLst/>
+    <dgm:txLinClrLst/>
+    <dgm:txFillClrLst meth="repeat">
+      <a:schemeClr val="dk1"/>
+    </dgm:txFillClrLst>
+    <dgm:txEffectClrLst/>
+  </dgm:styleLbl>
+  <dgm:styleLbl name="dkBgShp">
+    <dgm:fillClrLst meth="repeat">
+      <a:schemeClr val="dk2">
+        <a:shade val="80000"/>
+      </a:schemeClr>
+    </dgm:fillClrLst>
+    <dgm:linClrLst meth="repeat">
+      <a:schemeClr val="dk2"/>
+    </dgm:linClrLst>
+    <dgm:effectClrLst/>
+    <dgm:txLinClrLst/>
+    <dgm:txFillClrLst meth="repeat">
+      <a:schemeClr val="lt1"/>
+    </dgm:txFillClrLst>
+    <dgm:txEffectClrLst/>
+  </dgm:styleLbl>
+  <dgm:styleLbl name="trBgShp">
+    <dgm:fillClrLst meth="repeat">
+      <a:schemeClr val="dk2">
+        <a:tint val="50000"/>
+        <a:alpha val="40000"/>
+      </a:schemeClr>
+    </dgm:fillClrLst>
+    <dgm:linClrLst meth="repeat">
+      <a:schemeClr val="dk2"/>
+    </dgm:linClrLst>
+    <dgm:effectClrLst/>
+    <dgm:txLinClrLst/>
+    <dgm:txFillClrLst meth="repeat">
+      <a:schemeClr val="lt1"/>
+    </dgm:txFillClrLst>
+    <dgm:txEffectClrLst/>
+  </dgm:styleLbl>
+  <dgm:styleLbl name="fgShp">
+    <dgm:fillClrLst meth="repeat">
+      <a:schemeClr val="dk2">
+        <a:tint val="60000"/>
+      </a:schemeClr>
+    </dgm:fillClrLst>
+    <dgm:linClrLst meth="repeat">
+      <a:schemeClr val="lt2"/>
+    </dgm:linClrLst>
+    <dgm:effectClrLst/>
+    <dgm:txLinClrLst/>
+    <dgm:txFillClrLst meth="repeat">
+      <a:schemeClr val="dk1"/>
+    </dgm:txFillClrLst>
+    <dgm:txEffectClrLst/>
+  </dgm:styleLbl>
+  <dgm:styleLbl name="revTx">
+    <dgm:fillClrLst meth="repeat">
+      <a:schemeClr val="lt2">
+        <a:alpha val="0"/>
+      </a:schemeClr>
+    </dgm:fillClrLst>
+    <dgm:linClrLst meth="repeat">
+      <a:schemeClr val="dk1">
+        <a:alpha val="0"/>
+      </a:schemeClr>
+    </dgm:linClrLst>
+    <dgm:effectClrLst/>
+    <dgm:txLinClrLst/>
+    <dgm:txFillClrLst meth="repeat">
+      <a:schemeClr val="tx1"/>
+    </dgm:txFillClrLst>
+    <dgm:txEffectClrLst/>
+  </dgm:styleLbl>
+</dgm:colorsDef>
+</file>
+
 <file path=ppt/diagrams/data1.xml><?xml version="1.0" encoding="utf-8"?>
 <dgm:dataModel xmlns:dgm="http://schemas.openxmlformats.org/drawingml/2006/diagram" xmlns:a="http://schemas.openxmlformats.org/drawingml/2006/main">
   <dgm:ptLst>
@@ -1802,6 +2562,13 @@
         </dgm:presLayoutVars>
       </dgm:prSet>
       <dgm:spPr/>
+      <dgm:t>
+        <a:bodyPr/>
+        <a:lstStyle/>
+        <a:p>
+          <a:endParaRPr lang="zh-TW" altLang="en-US"/>
+        </a:p>
+      </dgm:t>
     </dgm:pt>
     <dgm:pt modelId="{224B8DAE-B536-4688-8CA7-A36A94A0A869}" type="pres">
       <dgm:prSet presAssocID="{5892A66C-4C58-4706-B15F-E00200D67969}" presName="parentText" presStyleLbl="node1" presStyleIdx="0" presStyleCnt="1" custLinFactNeighborY="45706">
@@ -1811,6 +2578,13 @@
         </dgm:presLayoutVars>
       </dgm:prSet>
       <dgm:spPr/>
+      <dgm:t>
+        <a:bodyPr/>
+        <a:lstStyle/>
+        <a:p>
+          <a:endParaRPr lang="zh-TW" altLang="en-US"/>
+        </a:p>
+      </dgm:t>
     </dgm:pt>
   </dgm:ptLst>
   <dgm:cxnLst>
@@ -1895,7 +2669,7 @@
             <a:rPr lang="en-US" altLang="zh-TW" dirty="0" smtClean="0">
               <a:latin typeface="Comic Sans MS" panose="030F0702030302020204" pitchFamily="66" charset="0"/>
             </a:rPr>
-            <a:t>Method</a:t>
+            <a:t>Experiment</a:t>
           </a:r>
           <a:endParaRPr lang="zh-TW" altLang="en-US" dirty="0">
             <a:latin typeface="Comic Sans MS" panose="030F0702030302020204" pitchFamily="66" charset="0"/>
@@ -1936,7 +2710,7 @@
             <a:rPr lang="en-US" altLang="zh-TW" dirty="0" smtClean="0">
               <a:latin typeface="Comic Sans MS" panose="030F0702030302020204" pitchFamily="66" charset="0"/>
             </a:rPr>
-            <a:t>Result</a:t>
+            <a:t>Method</a:t>
           </a:r>
           <a:endParaRPr lang="zh-TW" altLang="en-US" dirty="0">
             <a:latin typeface="Comic Sans MS" panose="030F0702030302020204" pitchFamily="66" charset="0"/>
@@ -2016,6 +2790,13 @@
         </dgm:presLayoutVars>
       </dgm:prSet>
       <dgm:spPr/>
+      <dgm:t>
+        <a:bodyPr/>
+        <a:lstStyle/>
+        <a:p>
+          <a:endParaRPr lang="zh-TW" altLang="en-US"/>
+        </a:p>
+      </dgm:t>
     </dgm:pt>
     <dgm:pt modelId="{CF25BAA0-00D6-4DE7-8914-4608B0BD0178}" type="pres">
       <dgm:prSet presAssocID="{5905036A-3B31-4AEF-A4F4-2026B345C5B9}" presName="Name1" presStyleCnt="0"/>
@@ -2032,6 +2813,13 @@
     <dgm:pt modelId="{34EE4A1C-4C65-467F-8659-17F12CC88CD3}" type="pres">
       <dgm:prSet presAssocID="{5905036A-3B31-4AEF-A4F4-2026B345C5B9}" presName="conn" presStyleLbl="parChTrans1D2" presStyleIdx="0" presStyleCnt="1"/>
       <dgm:spPr/>
+      <dgm:t>
+        <a:bodyPr/>
+        <a:lstStyle/>
+        <a:p>
+          <a:endParaRPr lang="zh-TW" altLang="en-US"/>
+        </a:p>
+      </dgm:t>
     </dgm:pt>
     <dgm:pt modelId="{96A1FF10-C91A-4D1F-9192-C83F7BEE62EC}" type="pres">
       <dgm:prSet presAssocID="{5905036A-3B31-4AEF-A4F4-2026B345C5B9}" presName="extraNode" presStyleLbl="node1" presStyleIdx="0" presStyleCnt="4"/>
@@ -2048,6 +2836,13 @@
         </dgm:presLayoutVars>
       </dgm:prSet>
       <dgm:spPr/>
+      <dgm:t>
+        <a:bodyPr/>
+        <a:lstStyle/>
+        <a:p>
+          <a:endParaRPr lang="zh-TW" altLang="en-US"/>
+        </a:p>
+      </dgm:t>
     </dgm:pt>
     <dgm:pt modelId="{F7147CC2-EEF2-45BA-ABBA-79666F876B24}" type="pres">
       <dgm:prSet presAssocID="{266A6376-B606-47BF-8686-821D3BA5890C}" presName="accent_1" presStyleCnt="0"/>
@@ -2064,6 +2859,13 @@
         </dgm:presLayoutVars>
       </dgm:prSet>
       <dgm:spPr/>
+      <dgm:t>
+        <a:bodyPr/>
+        <a:lstStyle/>
+        <a:p>
+          <a:endParaRPr lang="zh-TW" altLang="en-US"/>
+        </a:p>
+      </dgm:t>
     </dgm:pt>
     <dgm:pt modelId="{6286ED20-D1CE-4EE7-87CD-810EB4F7701D}" type="pres">
       <dgm:prSet presAssocID="{3D63EA31-081D-4366-BFAB-D7FBD4101F2A}" presName="accent_2" presStyleCnt="0"/>
@@ -2103,6 +2905,13 @@
         </dgm:presLayoutVars>
       </dgm:prSet>
       <dgm:spPr/>
+      <dgm:t>
+        <a:bodyPr/>
+        <a:lstStyle/>
+        <a:p>
+          <a:endParaRPr lang="zh-TW" altLang="en-US"/>
+        </a:p>
+      </dgm:t>
     </dgm:pt>
     <dgm:pt modelId="{2383D76D-8894-4FC4-B800-79F99F28BCC8}" type="pres">
       <dgm:prSet presAssocID="{A83BB204-0859-4E75-A0E9-73B2963DED79}" presName="accent_4" presStyleCnt="0"/>
@@ -2117,9 +2926,9 @@
     <dgm:cxn modelId="{AC5DB5A2-2A6A-4142-A14C-659A59E08969}" type="presOf" srcId="{3D63EA31-081D-4366-BFAB-D7FBD4101F2A}" destId="{7FF941B0-CD53-4926-8398-66360BC3C0C8}" srcOrd="0" destOrd="0" presId="urn:microsoft.com/office/officeart/2008/layout/VerticalCurvedList"/>
     <dgm:cxn modelId="{3A21F38B-2824-4526-99E8-9DA9302267C1}" type="presOf" srcId="{240F2D9F-0DFB-4E77-864B-DFD81F86F7D0}" destId="{34EE4A1C-4C65-467F-8659-17F12CC88CD3}" srcOrd="0" destOrd="0" presId="urn:microsoft.com/office/officeart/2008/layout/VerticalCurvedList"/>
     <dgm:cxn modelId="{CC450F79-E8EF-431E-91A2-ADE5BC4650B4}" srcId="{5905036A-3B31-4AEF-A4F4-2026B345C5B9}" destId="{A83BB204-0859-4E75-A0E9-73B2963DED79}" srcOrd="3" destOrd="0" parTransId="{D76BDEFC-68F1-4C8A-858D-AF261756CD47}" sibTransId="{249D3BB4-434E-46DA-BBD3-4F723FD73A01}"/>
-    <dgm:cxn modelId="{35FB9AE4-40AE-49A3-BF97-F59B99AA847F}" type="presOf" srcId="{35DE9E69-488B-45B0-85ED-B51FEF496CB7}" destId="{6FCA90F5-EE65-4147-8E49-46060CDC601E}" srcOrd="0" destOrd="0" presId="urn:microsoft.com/office/officeart/2008/layout/VerticalCurvedList"/>
     <dgm:cxn modelId="{37650B55-8479-4A19-8F26-1D495EC0190C}" type="presOf" srcId="{A83BB204-0859-4E75-A0E9-73B2963DED79}" destId="{336C7A07-16F4-4010-85A2-CD2458B16EBB}" srcOrd="0" destOrd="0" presId="urn:microsoft.com/office/officeart/2008/layout/VerticalCurvedList"/>
     <dgm:cxn modelId="{5032D77B-F0C4-46B1-A2BD-51FE8A37A324}" type="presOf" srcId="{266A6376-B606-47BF-8686-821D3BA5890C}" destId="{BEEB0FD1-88CF-4C7C-AE6F-C908415B3C10}" srcOrd="0" destOrd="0" presId="urn:microsoft.com/office/officeart/2008/layout/VerticalCurvedList"/>
+    <dgm:cxn modelId="{35FB9AE4-40AE-49A3-BF97-F59B99AA847F}" type="presOf" srcId="{35DE9E69-488B-45B0-85ED-B51FEF496CB7}" destId="{6FCA90F5-EE65-4147-8E49-46060CDC601E}" srcOrd="0" destOrd="0" presId="urn:microsoft.com/office/officeart/2008/layout/VerticalCurvedList"/>
     <dgm:cxn modelId="{DAAF2C2B-37B7-454B-94CB-F7436857F029}" srcId="{5905036A-3B31-4AEF-A4F4-2026B345C5B9}" destId="{35DE9E69-488B-45B0-85ED-B51FEF496CB7}" srcOrd="2" destOrd="0" parTransId="{6F151D5A-4957-4672-AA86-03B80978A7BD}" sibTransId="{D228953E-7C1C-480E-B8AF-08D9F9A49664}"/>
     <dgm:cxn modelId="{E3D59B6C-E917-4451-A358-97CDF847CE56}" srcId="{5905036A-3B31-4AEF-A4F4-2026B345C5B9}" destId="{266A6376-B606-47BF-8686-821D3BA5890C}" srcOrd="0" destOrd="0" parTransId="{37A8DBCF-C21C-4195-B06E-A20EEED535B7}" sibTransId="{240F2D9F-0DFB-4E77-864B-DFD81F86F7D0}"/>
     <dgm:cxn modelId="{4C5EC3E7-E23D-473A-B1B0-C2D04A11BED6}" srcId="{5905036A-3B31-4AEF-A4F4-2026B345C5B9}" destId="{3D63EA31-081D-4366-BFAB-D7FBD4101F2A}" srcOrd="1" destOrd="0" parTransId="{5C6153CD-C07D-4802-B4E3-F8B36C1F878E}" sibTransId="{27055166-AE81-4C9C-BA75-D6C964C98F8D}"/>
@@ -2148,6 +2957,565 @@
   <dgm:extLst>
     <a:ext uri="http://schemas.microsoft.com/office/drawing/2008/diagram">
       <dsp:dataModelExt xmlns:dsp="http://schemas.microsoft.com/office/drawing/2008/diagram" relId="rId12" minVer="http://schemas.openxmlformats.org/drawingml/2006/diagram"/>
+    </a:ext>
+  </dgm:extLst>
+</dgm:dataModel>
+</file>
+
+<file path=ppt/diagrams/data3.xml><?xml version="1.0" encoding="utf-8"?>
+<dgm:dataModel xmlns:dgm="http://schemas.openxmlformats.org/drawingml/2006/diagram" xmlns:a="http://schemas.openxmlformats.org/drawingml/2006/main">
+  <dgm:ptLst>
+    <dgm:pt modelId="{39742039-D199-48F0-B3C9-65CF46174A37}" type="doc">
+      <dgm:prSet loTypeId="urn:microsoft.com/office/officeart/2005/8/layout/list1" loCatId="list" qsTypeId="urn:microsoft.com/office/officeart/2005/8/quickstyle/simple4" qsCatId="simple" csTypeId="urn:microsoft.com/office/officeart/2005/8/colors/accent0_3" csCatId="mainScheme" phldr="1"/>
+      <dgm:spPr/>
+      <dgm:t>
+        <a:bodyPr/>
+        <a:lstStyle/>
+        <a:p>
+          <a:endParaRPr lang="zh-TW" altLang="en-US"/>
+        </a:p>
+      </dgm:t>
+    </dgm:pt>
+    <dgm:pt modelId="{E3F53DBF-BC6D-4145-9F20-651FA81B3FAA}">
+      <dgm:prSet phldrT="[文字]" custT="1"/>
+      <dgm:spPr/>
+      <dgm:t>
+        <a:bodyPr/>
+        <a:lstStyle/>
+        <a:p>
+          <a:r>
+            <a:rPr lang="en-US" altLang="zh-TW" sz="1400" dirty="0" smtClean="0">
+              <a:latin typeface="Comic Sans MS" panose="030F0702030302020204" pitchFamily="66" charset="0"/>
+            </a:rPr>
+            <a:t>Military Reconnaissance</a:t>
+          </a:r>
+          <a:endParaRPr lang="zh-TW" altLang="en-US" sz="1400" dirty="0">
+            <a:latin typeface="Comic Sans MS" panose="030F0702030302020204" pitchFamily="66" charset="0"/>
+          </a:endParaRPr>
+        </a:p>
+      </dgm:t>
+    </dgm:pt>
+    <dgm:pt modelId="{FAA7BD04-577A-40CD-B082-8A74B1A67DC4}" type="parTrans" cxnId="{4965941B-308F-44CE-8198-8602E67E7E9D}">
+      <dgm:prSet/>
+      <dgm:spPr/>
+      <dgm:t>
+        <a:bodyPr/>
+        <a:lstStyle/>
+        <a:p>
+          <a:endParaRPr lang="zh-TW" altLang="en-US"/>
+        </a:p>
+      </dgm:t>
+    </dgm:pt>
+    <dgm:pt modelId="{6C15A940-9F43-4ACC-96D7-F6BAABE853E6}" type="sibTrans" cxnId="{4965941B-308F-44CE-8198-8602E67E7E9D}">
+      <dgm:prSet/>
+      <dgm:spPr/>
+      <dgm:t>
+        <a:bodyPr/>
+        <a:lstStyle/>
+        <a:p>
+          <a:endParaRPr lang="zh-TW" altLang="en-US"/>
+        </a:p>
+      </dgm:t>
+    </dgm:pt>
+    <dgm:pt modelId="{D46826CE-9073-4114-B747-0AFE44BFD2AD}">
+      <dgm:prSet phldrT="[文字]" custT="1"/>
+      <dgm:spPr/>
+      <dgm:t>
+        <a:bodyPr/>
+        <a:lstStyle/>
+        <a:p>
+          <a:r>
+            <a:rPr lang="en-US" altLang="zh-TW" sz="1400" dirty="0" smtClean="0">
+              <a:latin typeface="Comic Sans MS" panose="030F0702030302020204" pitchFamily="66" charset="0"/>
+            </a:rPr>
+            <a:t>Inspection of Infrastructures</a:t>
+          </a:r>
+          <a:endParaRPr lang="zh-TW" altLang="en-US" sz="1400" dirty="0">
+            <a:latin typeface="Comic Sans MS" panose="030F0702030302020204" pitchFamily="66" charset="0"/>
+          </a:endParaRPr>
+        </a:p>
+      </dgm:t>
+    </dgm:pt>
+    <dgm:pt modelId="{A4562589-CEDA-48F1-89FD-0D8DE370003F}" type="parTrans" cxnId="{DEF3F5BC-9773-4C41-8B68-E248165D5BEB}">
+      <dgm:prSet/>
+      <dgm:spPr/>
+      <dgm:t>
+        <a:bodyPr/>
+        <a:lstStyle/>
+        <a:p>
+          <a:endParaRPr lang="zh-TW" altLang="en-US"/>
+        </a:p>
+      </dgm:t>
+    </dgm:pt>
+    <dgm:pt modelId="{22228A1D-B2E6-48C3-B3A9-E97FC9717BA6}" type="sibTrans" cxnId="{DEF3F5BC-9773-4C41-8B68-E248165D5BEB}">
+      <dgm:prSet/>
+      <dgm:spPr/>
+      <dgm:t>
+        <a:bodyPr/>
+        <a:lstStyle/>
+        <a:p>
+          <a:endParaRPr lang="zh-TW" altLang="en-US"/>
+        </a:p>
+      </dgm:t>
+    </dgm:pt>
+    <dgm:pt modelId="{3100A6B6-92F8-482A-9877-97552F8E6AA2}">
+      <dgm:prSet phldrT="[文字]" custT="1"/>
+      <dgm:spPr/>
+      <dgm:t>
+        <a:bodyPr/>
+        <a:lstStyle/>
+        <a:p>
+          <a:r>
+            <a:rPr lang="en-US" altLang="zh-TW" sz="1400" dirty="0" smtClean="0">
+              <a:latin typeface="Comic Sans MS" panose="030F0702030302020204" pitchFamily="66" charset="0"/>
+            </a:rPr>
+            <a:t>Smart Agriculture</a:t>
+          </a:r>
+          <a:endParaRPr lang="zh-TW" altLang="en-US" sz="1400" dirty="0">
+            <a:latin typeface="Comic Sans MS" panose="030F0702030302020204" pitchFamily="66" charset="0"/>
+          </a:endParaRPr>
+        </a:p>
+      </dgm:t>
+    </dgm:pt>
+    <dgm:pt modelId="{7242473A-65AB-44A3-B820-9169C727D3B3}" type="parTrans" cxnId="{CED8CC1D-4B57-4768-994A-8FA3C19C1F75}">
+      <dgm:prSet/>
+      <dgm:spPr/>
+      <dgm:t>
+        <a:bodyPr/>
+        <a:lstStyle/>
+        <a:p>
+          <a:endParaRPr lang="zh-TW" altLang="en-US"/>
+        </a:p>
+      </dgm:t>
+    </dgm:pt>
+    <dgm:pt modelId="{0DBDA2D3-B3C1-4260-A7B3-69F4E783626E}" type="sibTrans" cxnId="{CED8CC1D-4B57-4768-994A-8FA3C19C1F75}">
+      <dgm:prSet/>
+      <dgm:spPr/>
+      <dgm:t>
+        <a:bodyPr/>
+        <a:lstStyle/>
+        <a:p>
+          <a:endParaRPr lang="zh-TW" altLang="en-US"/>
+        </a:p>
+      </dgm:t>
+    </dgm:pt>
+    <dgm:pt modelId="{9587FA3C-2D7E-408C-9665-216865C1D0F8}">
+      <dgm:prSet phldrT="[文字]" custT="1"/>
+      <dgm:spPr/>
+      <dgm:t>
+        <a:bodyPr/>
+        <a:lstStyle/>
+        <a:p>
+          <a:r>
+            <a:rPr lang="en-US" altLang="zh-TW" sz="1400" dirty="0" smtClean="0">
+              <a:latin typeface="Comic Sans MS" panose="030F0702030302020204" pitchFamily="66" charset="0"/>
+            </a:rPr>
+            <a:t>Traffic Management</a:t>
+          </a:r>
+          <a:endParaRPr lang="zh-TW" altLang="en-US" sz="1400" dirty="0">
+            <a:latin typeface="Comic Sans MS" panose="030F0702030302020204" pitchFamily="66" charset="0"/>
+          </a:endParaRPr>
+        </a:p>
+      </dgm:t>
+    </dgm:pt>
+    <dgm:pt modelId="{8094CF93-2DE8-4E12-BC7F-7017CCB60C17}" type="parTrans" cxnId="{ADDFB1D4-59D3-46DD-91D6-41FF564FDF18}">
+      <dgm:prSet/>
+      <dgm:spPr/>
+      <dgm:t>
+        <a:bodyPr/>
+        <a:lstStyle/>
+        <a:p>
+          <a:endParaRPr lang="zh-TW" altLang="en-US"/>
+        </a:p>
+      </dgm:t>
+    </dgm:pt>
+    <dgm:pt modelId="{F29B28CB-7A12-401C-91B7-0D92E19750DB}" type="sibTrans" cxnId="{ADDFB1D4-59D3-46DD-91D6-41FF564FDF18}">
+      <dgm:prSet/>
+      <dgm:spPr/>
+      <dgm:t>
+        <a:bodyPr/>
+        <a:lstStyle/>
+        <a:p>
+          <a:endParaRPr lang="zh-TW" altLang="en-US"/>
+        </a:p>
+      </dgm:t>
+    </dgm:pt>
+    <dgm:pt modelId="{631AB1C7-01C6-4B9B-8061-180D0E05D977}">
+      <dgm:prSet phldrT="[文字]" custT="1"/>
+      <dgm:spPr/>
+      <dgm:t>
+        <a:bodyPr/>
+        <a:lstStyle/>
+        <a:p>
+          <a:r>
+            <a:rPr lang="en-US" altLang="zh-TW" sz="1400" dirty="0" smtClean="0">
+              <a:latin typeface="Comic Sans MS" panose="030F0702030302020204" pitchFamily="66" charset="0"/>
+            </a:rPr>
+            <a:t>Border surveillance</a:t>
+          </a:r>
+          <a:endParaRPr lang="zh-TW" altLang="en-US" sz="1400" dirty="0">
+            <a:latin typeface="Comic Sans MS" panose="030F0702030302020204" pitchFamily="66" charset="0"/>
+          </a:endParaRPr>
+        </a:p>
+      </dgm:t>
+    </dgm:pt>
+    <dgm:pt modelId="{6EAD4FF9-57E3-44E8-9FE5-2BFE37C55C0C}" type="parTrans" cxnId="{0920734A-E9F1-4522-B0F7-5793DB4B5BC3}">
+      <dgm:prSet/>
+      <dgm:spPr/>
+      <dgm:t>
+        <a:bodyPr/>
+        <a:lstStyle/>
+        <a:p>
+          <a:endParaRPr lang="zh-TW" altLang="en-US"/>
+        </a:p>
+      </dgm:t>
+    </dgm:pt>
+    <dgm:pt modelId="{9603281B-041C-4E9D-97DA-88A6377C4017}" type="sibTrans" cxnId="{0920734A-E9F1-4522-B0F7-5793DB4B5BC3}">
+      <dgm:prSet/>
+      <dgm:spPr/>
+      <dgm:t>
+        <a:bodyPr/>
+        <a:lstStyle/>
+        <a:p>
+          <a:endParaRPr lang="zh-TW" altLang="en-US"/>
+        </a:p>
+      </dgm:t>
+    </dgm:pt>
+    <dgm:pt modelId="{23FAD997-D954-4EF6-95F8-429D3A839711}">
+      <dgm:prSet phldrT="[文字]" custT="1"/>
+      <dgm:spPr/>
+      <dgm:t>
+        <a:bodyPr/>
+        <a:lstStyle/>
+        <a:p>
+          <a:r>
+            <a:rPr lang="en-US" altLang="zh-TW" sz="1400" dirty="0" smtClean="0">
+              <a:latin typeface="Comic Sans MS" panose="030F0702030302020204" pitchFamily="66" charset="0"/>
+            </a:rPr>
+            <a:t>Cargo delivery</a:t>
+          </a:r>
+          <a:endParaRPr lang="zh-TW" altLang="en-US" sz="1400" dirty="0">
+            <a:latin typeface="Comic Sans MS" panose="030F0702030302020204" pitchFamily="66" charset="0"/>
+          </a:endParaRPr>
+        </a:p>
+      </dgm:t>
+    </dgm:pt>
+    <dgm:pt modelId="{544F9581-085E-422F-BE8F-F5432EED151A}" type="parTrans" cxnId="{3244FE73-E61A-4F73-A69F-2027EB2E7239}">
+      <dgm:prSet/>
+      <dgm:spPr/>
+      <dgm:t>
+        <a:bodyPr/>
+        <a:lstStyle/>
+        <a:p>
+          <a:endParaRPr lang="zh-TW" altLang="en-US"/>
+        </a:p>
+      </dgm:t>
+    </dgm:pt>
+    <dgm:pt modelId="{2D75054C-C7F9-4F9E-89B9-693A384CB4B0}" type="sibTrans" cxnId="{3244FE73-E61A-4F73-A69F-2027EB2E7239}">
+      <dgm:prSet/>
+      <dgm:spPr/>
+      <dgm:t>
+        <a:bodyPr/>
+        <a:lstStyle/>
+        <a:p>
+          <a:endParaRPr lang="zh-TW" altLang="en-US"/>
+        </a:p>
+      </dgm:t>
+    </dgm:pt>
+    <dgm:pt modelId="{3B3A0FD9-BC97-45C5-91AC-F8873C4B66E2}" type="pres">
+      <dgm:prSet presAssocID="{39742039-D199-48F0-B3C9-65CF46174A37}" presName="linear" presStyleCnt="0">
+        <dgm:presLayoutVars>
+          <dgm:dir/>
+          <dgm:animLvl val="lvl"/>
+          <dgm:resizeHandles val="exact"/>
+        </dgm:presLayoutVars>
+      </dgm:prSet>
+      <dgm:spPr/>
+    </dgm:pt>
+    <dgm:pt modelId="{8228D403-AE9D-4E50-BFB0-33EC6DB9138A}" type="pres">
+      <dgm:prSet presAssocID="{E3F53DBF-BC6D-4145-9F20-651FA81B3FAA}" presName="parentLin" presStyleCnt="0"/>
+      <dgm:spPr/>
+    </dgm:pt>
+    <dgm:pt modelId="{787066C6-C7AE-4346-89F4-EA5F782C199D}" type="pres">
+      <dgm:prSet presAssocID="{E3F53DBF-BC6D-4145-9F20-651FA81B3FAA}" presName="parentLeftMargin" presStyleLbl="node1" presStyleIdx="0" presStyleCnt="6"/>
+      <dgm:spPr/>
+    </dgm:pt>
+    <dgm:pt modelId="{7D260D49-0D20-4200-9DC7-87523391D85C}" type="pres">
+      <dgm:prSet presAssocID="{E3F53DBF-BC6D-4145-9F20-651FA81B3FAA}" presName="parentText" presStyleLbl="node1" presStyleIdx="0" presStyleCnt="6">
+        <dgm:presLayoutVars>
+          <dgm:chMax val="0"/>
+          <dgm:bulletEnabled val="1"/>
+        </dgm:presLayoutVars>
+      </dgm:prSet>
+      <dgm:spPr/>
+      <dgm:t>
+        <a:bodyPr/>
+        <a:lstStyle/>
+        <a:p>
+          <a:endParaRPr lang="zh-TW" altLang="en-US"/>
+        </a:p>
+      </dgm:t>
+    </dgm:pt>
+    <dgm:pt modelId="{84EDD925-DF65-4BFD-9CA4-AE07435D1220}" type="pres">
+      <dgm:prSet presAssocID="{E3F53DBF-BC6D-4145-9F20-651FA81B3FAA}" presName="negativeSpace" presStyleCnt="0"/>
+      <dgm:spPr/>
+    </dgm:pt>
+    <dgm:pt modelId="{6D395426-5B24-4DDF-99E3-A314BE6FF981}" type="pres">
+      <dgm:prSet presAssocID="{E3F53DBF-BC6D-4145-9F20-651FA81B3FAA}" presName="childText" presStyleLbl="conFgAcc1" presStyleIdx="0" presStyleCnt="6" custScaleX="90845">
+        <dgm:presLayoutVars>
+          <dgm:bulletEnabled val="1"/>
+        </dgm:presLayoutVars>
+      </dgm:prSet>
+      <dgm:spPr/>
+    </dgm:pt>
+    <dgm:pt modelId="{C4EDEC7C-143F-4101-A86F-7D1018475FF7}" type="pres">
+      <dgm:prSet presAssocID="{6C15A940-9F43-4ACC-96D7-F6BAABE853E6}" presName="spaceBetweenRectangles" presStyleCnt="0"/>
+      <dgm:spPr/>
+    </dgm:pt>
+    <dgm:pt modelId="{524711D8-69F5-4229-91C2-C846AA5826DC}" type="pres">
+      <dgm:prSet presAssocID="{D46826CE-9073-4114-B747-0AFE44BFD2AD}" presName="parentLin" presStyleCnt="0"/>
+      <dgm:spPr/>
+    </dgm:pt>
+    <dgm:pt modelId="{3D502BA0-BA0F-40E6-B2C6-858154638667}" type="pres">
+      <dgm:prSet presAssocID="{D46826CE-9073-4114-B747-0AFE44BFD2AD}" presName="parentLeftMargin" presStyleLbl="node1" presStyleIdx="0" presStyleCnt="6"/>
+      <dgm:spPr/>
+    </dgm:pt>
+    <dgm:pt modelId="{0D37081F-1AF6-4DA9-B8A7-3297FA5070C0}" type="pres">
+      <dgm:prSet presAssocID="{D46826CE-9073-4114-B747-0AFE44BFD2AD}" presName="parentText" presStyleLbl="node1" presStyleIdx="1" presStyleCnt="6">
+        <dgm:presLayoutVars>
+          <dgm:chMax val="0"/>
+          <dgm:bulletEnabled val="1"/>
+        </dgm:presLayoutVars>
+      </dgm:prSet>
+      <dgm:spPr/>
+      <dgm:t>
+        <a:bodyPr/>
+        <a:lstStyle/>
+        <a:p>
+          <a:endParaRPr lang="zh-TW" altLang="en-US"/>
+        </a:p>
+      </dgm:t>
+    </dgm:pt>
+    <dgm:pt modelId="{93DA567F-C836-4D6A-9E64-E5504B1AA99F}" type="pres">
+      <dgm:prSet presAssocID="{D46826CE-9073-4114-B747-0AFE44BFD2AD}" presName="negativeSpace" presStyleCnt="0"/>
+      <dgm:spPr/>
+    </dgm:pt>
+    <dgm:pt modelId="{848967E1-4452-4191-B8E9-911E521DEF80}" type="pres">
+      <dgm:prSet presAssocID="{D46826CE-9073-4114-B747-0AFE44BFD2AD}" presName="childText" presStyleLbl="conFgAcc1" presStyleIdx="1" presStyleCnt="6" custScaleX="91086">
+        <dgm:presLayoutVars>
+          <dgm:bulletEnabled val="1"/>
+        </dgm:presLayoutVars>
+      </dgm:prSet>
+      <dgm:spPr/>
+    </dgm:pt>
+    <dgm:pt modelId="{105C88FB-97E3-43E7-BE61-E30F60C80DEE}" type="pres">
+      <dgm:prSet presAssocID="{22228A1D-B2E6-48C3-B3A9-E97FC9717BA6}" presName="spaceBetweenRectangles" presStyleCnt="0"/>
+      <dgm:spPr/>
+    </dgm:pt>
+    <dgm:pt modelId="{51FFDF5D-DAC1-4840-98AC-C0DE570B338F}" type="pres">
+      <dgm:prSet presAssocID="{3100A6B6-92F8-482A-9877-97552F8E6AA2}" presName="parentLin" presStyleCnt="0"/>
+      <dgm:spPr/>
+    </dgm:pt>
+    <dgm:pt modelId="{C373F2DC-F76F-4F81-B2A7-FC4510DB7E13}" type="pres">
+      <dgm:prSet presAssocID="{3100A6B6-92F8-482A-9877-97552F8E6AA2}" presName="parentLeftMargin" presStyleLbl="node1" presStyleIdx="1" presStyleCnt="6"/>
+      <dgm:spPr/>
+    </dgm:pt>
+    <dgm:pt modelId="{A8938B52-4E50-4B77-BEAF-B90AAC008B48}" type="pres">
+      <dgm:prSet presAssocID="{3100A6B6-92F8-482A-9877-97552F8E6AA2}" presName="parentText" presStyleLbl="node1" presStyleIdx="2" presStyleCnt="6">
+        <dgm:presLayoutVars>
+          <dgm:chMax val="0"/>
+          <dgm:bulletEnabled val="1"/>
+        </dgm:presLayoutVars>
+      </dgm:prSet>
+      <dgm:spPr/>
+      <dgm:t>
+        <a:bodyPr/>
+        <a:lstStyle/>
+        <a:p>
+          <a:endParaRPr lang="zh-TW" altLang="en-US"/>
+        </a:p>
+      </dgm:t>
+    </dgm:pt>
+    <dgm:pt modelId="{10FBECF7-3827-4C8A-8F15-CF1365EEA919}" type="pres">
+      <dgm:prSet presAssocID="{3100A6B6-92F8-482A-9877-97552F8E6AA2}" presName="negativeSpace" presStyleCnt="0"/>
+      <dgm:spPr/>
+    </dgm:pt>
+    <dgm:pt modelId="{DF972AEA-135A-462E-812F-1EBA2B4C6FD4}" type="pres">
+      <dgm:prSet presAssocID="{3100A6B6-92F8-482A-9877-97552F8E6AA2}" presName="childText" presStyleLbl="conFgAcc1" presStyleIdx="2" presStyleCnt="6" custScaleX="91243">
+        <dgm:presLayoutVars>
+          <dgm:bulletEnabled val="1"/>
+        </dgm:presLayoutVars>
+      </dgm:prSet>
+      <dgm:spPr/>
+    </dgm:pt>
+    <dgm:pt modelId="{0F53CE89-6A55-4503-80F6-786F905A62D6}" type="pres">
+      <dgm:prSet presAssocID="{0DBDA2D3-B3C1-4260-A7B3-69F4E783626E}" presName="spaceBetweenRectangles" presStyleCnt="0"/>
+      <dgm:spPr/>
+    </dgm:pt>
+    <dgm:pt modelId="{F25FA7F3-015D-49CD-BB42-BDFF3CFD2AFB}" type="pres">
+      <dgm:prSet presAssocID="{9587FA3C-2D7E-408C-9665-216865C1D0F8}" presName="parentLin" presStyleCnt="0"/>
+      <dgm:spPr/>
+    </dgm:pt>
+    <dgm:pt modelId="{E62D6D35-0A96-4F80-8CB4-26D1853A8753}" type="pres">
+      <dgm:prSet presAssocID="{9587FA3C-2D7E-408C-9665-216865C1D0F8}" presName="parentLeftMargin" presStyleLbl="node1" presStyleIdx="2" presStyleCnt="6"/>
+      <dgm:spPr/>
+    </dgm:pt>
+    <dgm:pt modelId="{9953F839-BE67-4285-87C1-9C4CD09B452B}" type="pres">
+      <dgm:prSet presAssocID="{9587FA3C-2D7E-408C-9665-216865C1D0F8}" presName="parentText" presStyleLbl="node1" presStyleIdx="3" presStyleCnt="6">
+        <dgm:presLayoutVars>
+          <dgm:chMax val="0"/>
+          <dgm:bulletEnabled val="1"/>
+        </dgm:presLayoutVars>
+      </dgm:prSet>
+      <dgm:spPr/>
+    </dgm:pt>
+    <dgm:pt modelId="{F8C18606-20D3-4C4A-9244-CED9D0354A79}" type="pres">
+      <dgm:prSet presAssocID="{9587FA3C-2D7E-408C-9665-216865C1D0F8}" presName="negativeSpace" presStyleCnt="0"/>
+      <dgm:spPr/>
+    </dgm:pt>
+    <dgm:pt modelId="{EE437115-7C97-46D4-AF74-3E4491E4C57C}" type="pres">
+      <dgm:prSet presAssocID="{9587FA3C-2D7E-408C-9665-216865C1D0F8}" presName="childText" presStyleLbl="conFgAcc1" presStyleIdx="3" presStyleCnt="6" custScaleX="91381">
+        <dgm:presLayoutVars>
+          <dgm:bulletEnabled val="1"/>
+        </dgm:presLayoutVars>
+      </dgm:prSet>
+      <dgm:spPr/>
+    </dgm:pt>
+    <dgm:pt modelId="{6A5C2A0E-BF59-47A6-A66E-39226E0BF19E}" type="pres">
+      <dgm:prSet presAssocID="{F29B28CB-7A12-401C-91B7-0D92E19750DB}" presName="spaceBetweenRectangles" presStyleCnt="0"/>
+      <dgm:spPr/>
+    </dgm:pt>
+    <dgm:pt modelId="{46203E23-C95D-4845-9CF2-55084886BE27}" type="pres">
+      <dgm:prSet presAssocID="{631AB1C7-01C6-4B9B-8061-180D0E05D977}" presName="parentLin" presStyleCnt="0"/>
+      <dgm:spPr/>
+    </dgm:pt>
+    <dgm:pt modelId="{D9386E0B-A62E-4B95-872C-2C2AAE7AA1AD}" type="pres">
+      <dgm:prSet presAssocID="{631AB1C7-01C6-4B9B-8061-180D0E05D977}" presName="parentLeftMargin" presStyleLbl="node1" presStyleIdx="3" presStyleCnt="6"/>
+      <dgm:spPr/>
+    </dgm:pt>
+    <dgm:pt modelId="{7B1167EB-EDCB-4F83-889E-1A8C486BA576}" type="pres">
+      <dgm:prSet presAssocID="{631AB1C7-01C6-4B9B-8061-180D0E05D977}" presName="parentText" presStyleLbl="node1" presStyleIdx="4" presStyleCnt="6">
+        <dgm:presLayoutVars>
+          <dgm:chMax val="0"/>
+          <dgm:bulletEnabled val="1"/>
+        </dgm:presLayoutVars>
+      </dgm:prSet>
+      <dgm:spPr/>
+      <dgm:t>
+        <a:bodyPr/>
+        <a:lstStyle/>
+        <a:p>
+          <a:endParaRPr lang="zh-TW" altLang="en-US"/>
+        </a:p>
+      </dgm:t>
+    </dgm:pt>
+    <dgm:pt modelId="{5F12D73D-568A-4DE2-B1E7-DD937F4B4D26}" type="pres">
+      <dgm:prSet presAssocID="{631AB1C7-01C6-4B9B-8061-180D0E05D977}" presName="negativeSpace" presStyleCnt="0"/>
+      <dgm:spPr/>
+    </dgm:pt>
+    <dgm:pt modelId="{CAD06041-978C-4B86-9D49-119EDD74D69B}" type="pres">
+      <dgm:prSet presAssocID="{631AB1C7-01C6-4B9B-8061-180D0E05D977}" presName="childText" presStyleLbl="conFgAcc1" presStyleIdx="4" presStyleCnt="6" custScaleX="91380">
+        <dgm:presLayoutVars>
+          <dgm:bulletEnabled val="1"/>
+        </dgm:presLayoutVars>
+      </dgm:prSet>
+      <dgm:spPr/>
+    </dgm:pt>
+    <dgm:pt modelId="{61563C13-AA8D-4802-AEF2-4792D2FBCD66}" type="pres">
+      <dgm:prSet presAssocID="{9603281B-041C-4E9D-97DA-88A6377C4017}" presName="spaceBetweenRectangles" presStyleCnt="0"/>
+      <dgm:spPr/>
+    </dgm:pt>
+    <dgm:pt modelId="{4A3579AF-DF23-4832-97ED-D6F9BCFB4F29}" type="pres">
+      <dgm:prSet presAssocID="{23FAD997-D954-4EF6-95F8-429D3A839711}" presName="parentLin" presStyleCnt="0"/>
+      <dgm:spPr/>
+    </dgm:pt>
+    <dgm:pt modelId="{4C4A9F59-C5D6-47C5-872D-47CFF0262320}" type="pres">
+      <dgm:prSet presAssocID="{23FAD997-D954-4EF6-95F8-429D3A839711}" presName="parentLeftMargin" presStyleLbl="node1" presStyleIdx="4" presStyleCnt="6"/>
+      <dgm:spPr/>
+    </dgm:pt>
+    <dgm:pt modelId="{B00105C3-0411-41B2-9D02-27041BD9AAD1}" type="pres">
+      <dgm:prSet presAssocID="{23FAD997-D954-4EF6-95F8-429D3A839711}" presName="parentText" presStyleLbl="node1" presStyleIdx="5" presStyleCnt="6">
+        <dgm:presLayoutVars>
+          <dgm:chMax val="0"/>
+          <dgm:bulletEnabled val="1"/>
+        </dgm:presLayoutVars>
+      </dgm:prSet>
+      <dgm:spPr/>
+    </dgm:pt>
+    <dgm:pt modelId="{4E7016B0-1F1D-4B28-97C2-D2EDFD96AF29}" type="pres">
+      <dgm:prSet presAssocID="{23FAD997-D954-4EF6-95F8-429D3A839711}" presName="negativeSpace" presStyleCnt="0"/>
+      <dgm:spPr/>
+    </dgm:pt>
+    <dgm:pt modelId="{19134652-90B3-4B3E-8179-6843774B6D52}" type="pres">
+      <dgm:prSet presAssocID="{23FAD997-D954-4EF6-95F8-429D3A839711}" presName="childText" presStyleLbl="conFgAcc1" presStyleIdx="5" presStyleCnt="6" custScaleX="91699">
+        <dgm:presLayoutVars>
+          <dgm:bulletEnabled val="1"/>
+        </dgm:presLayoutVars>
+      </dgm:prSet>
+      <dgm:spPr/>
+    </dgm:pt>
+  </dgm:ptLst>
+  <dgm:cxnLst>
+    <dgm:cxn modelId="{E21897ED-56D4-45B2-B254-74307EEA68A0}" type="presOf" srcId="{39742039-D199-48F0-B3C9-65CF46174A37}" destId="{3B3A0FD9-BC97-45C5-91AC-F8873C4B66E2}" srcOrd="0" destOrd="0" presId="urn:microsoft.com/office/officeart/2005/8/layout/list1"/>
+    <dgm:cxn modelId="{CED8CC1D-4B57-4768-994A-8FA3C19C1F75}" srcId="{39742039-D199-48F0-B3C9-65CF46174A37}" destId="{3100A6B6-92F8-482A-9877-97552F8E6AA2}" srcOrd="2" destOrd="0" parTransId="{7242473A-65AB-44A3-B820-9169C727D3B3}" sibTransId="{0DBDA2D3-B3C1-4260-A7B3-69F4E783626E}"/>
+    <dgm:cxn modelId="{32115369-97AA-495F-AF67-F5B7B22519A0}" type="presOf" srcId="{23FAD997-D954-4EF6-95F8-429D3A839711}" destId="{4C4A9F59-C5D6-47C5-872D-47CFF0262320}" srcOrd="0" destOrd="0" presId="urn:microsoft.com/office/officeart/2005/8/layout/list1"/>
+    <dgm:cxn modelId="{B2ED7AC7-7F5E-4D21-8E40-4A8844F60B18}" type="presOf" srcId="{631AB1C7-01C6-4B9B-8061-180D0E05D977}" destId="{D9386E0B-A62E-4B95-872C-2C2AAE7AA1AD}" srcOrd="0" destOrd="0" presId="urn:microsoft.com/office/officeart/2005/8/layout/list1"/>
+    <dgm:cxn modelId="{0920734A-E9F1-4522-B0F7-5793DB4B5BC3}" srcId="{39742039-D199-48F0-B3C9-65CF46174A37}" destId="{631AB1C7-01C6-4B9B-8061-180D0E05D977}" srcOrd="4" destOrd="0" parTransId="{6EAD4FF9-57E3-44E8-9FE5-2BFE37C55C0C}" sibTransId="{9603281B-041C-4E9D-97DA-88A6377C4017}"/>
+    <dgm:cxn modelId="{ADDFB1D4-59D3-46DD-91D6-41FF564FDF18}" srcId="{39742039-D199-48F0-B3C9-65CF46174A37}" destId="{9587FA3C-2D7E-408C-9665-216865C1D0F8}" srcOrd="3" destOrd="0" parTransId="{8094CF93-2DE8-4E12-BC7F-7017CCB60C17}" sibTransId="{F29B28CB-7A12-401C-91B7-0D92E19750DB}"/>
+    <dgm:cxn modelId="{6A991D20-B001-4F66-86BA-A1167312A107}" type="presOf" srcId="{631AB1C7-01C6-4B9B-8061-180D0E05D977}" destId="{7B1167EB-EDCB-4F83-889E-1A8C486BA576}" srcOrd="1" destOrd="0" presId="urn:microsoft.com/office/officeart/2005/8/layout/list1"/>
+    <dgm:cxn modelId="{93CEE9E9-D9BA-430C-B1E9-1CE5E8313A72}" type="presOf" srcId="{3100A6B6-92F8-482A-9877-97552F8E6AA2}" destId="{A8938B52-4E50-4B77-BEAF-B90AAC008B48}" srcOrd="1" destOrd="0" presId="urn:microsoft.com/office/officeart/2005/8/layout/list1"/>
+    <dgm:cxn modelId="{3244FE73-E61A-4F73-A69F-2027EB2E7239}" srcId="{39742039-D199-48F0-B3C9-65CF46174A37}" destId="{23FAD997-D954-4EF6-95F8-429D3A839711}" srcOrd="5" destOrd="0" parTransId="{544F9581-085E-422F-BE8F-F5432EED151A}" sibTransId="{2D75054C-C7F9-4F9E-89B9-693A384CB4B0}"/>
+    <dgm:cxn modelId="{44288D0C-9995-4381-BAD9-28B221A9BA56}" type="presOf" srcId="{9587FA3C-2D7E-408C-9665-216865C1D0F8}" destId="{E62D6D35-0A96-4F80-8CB4-26D1853A8753}" srcOrd="0" destOrd="0" presId="urn:microsoft.com/office/officeart/2005/8/layout/list1"/>
+    <dgm:cxn modelId="{90A6EAB9-7718-4C86-AFA5-7B61AECAB6CF}" type="presOf" srcId="{3100A6B6-92F8-482A-9877-97552F8E6AA2}" destId="{C373F2DC-F76F-4F81-B2A7-FC4510DB7E13}" srcOrd="0" destOrd="0" presId="urn:microsoft.com/office/officeart/2005/8/layout/list1"/>
+    <dgm:cxn modelId="{DEF3F5BC-9773-4C41-8B68-E248165D5BEB}" srcId="{39742039-D199-48F0-B3C9-65CF46174A37}" destId="{D46826CE-9073-4114-B747-0AFE44BFD2AD}" srcOrd="1" destOrd="0" parTransId="{A4562589-CEDA-48F1-89FD-0D8DE370003F}" sibTransId="{22228A1D-B2E6-48C3-B3A9-E97FC9717BA6}"/>
+    <dgm:cxn modelId="{4965941B-308F-44CE-8198-8602E67E7E9D}" srcId="{39742039-D199-48F0-B3C9-65CF46174A37}" destId="{E3F53DBF-BC6D-4145-9F20-651FA81B3FAA}" srcOrd="0" destOrd="0" parTransId="{FAA7BD04-577A-40CD-B082-8A74B1A67DC4}" sibTransId="{6C15A940-9F43-4ACC-96D7-F6BAABE853E6}"/>
+    <dgm:cxn modelId="{E7DF8A49-A93F-4E36-90AF-97E4F9952D80}" type="presOf" srcId="{9587FA3C-2D7E-408C-9665-216865C1D0F8}" destId="{9953F839-BE67-4285-87C1-9C4CD09B452B}" srcOrd="1" destOrd="0" presId="urn:microsoft.com/office/officeart/2005/8/layout/list1"/>
+    <dgm:cxn modelId="{1A448FDA-CDFD-4A36-9679-A19E9D365B90}" type="presOf" srcId="{D46826CE-9073-4114-B747-0AFE44BFD2AD}" destId="{0D37081F-1AF6-4DA9-B8A7-3297FA5070C0}" srcOrd="1" destOrd="0" presId="urn:microsoft.com/office/officeart/2005/8/layout/list1"/>
+    <dgm:cxn modelId="{D5CB08CF-1773-4BFD-9855-25CC8F5068FB}" type="presOf" srcId="{D46826CE-9073-4114-B747-0AFE44BFD2AD}" destId="{3D502BA0-BA0F-40E6-B2C6-858154638667}" srcOrd="0" destOrd="0" presId="urn:microsoft.com/office/officeart/2005/8/layout/list1"/>
+    <dgm:cxn modelId="{21ACAADE-5747-4580-96F1-76EAE153F816}" type="presOf" srcId="{E3F53DBF-BC6D-4145-9F20-651FA81B3FAA}" destId="{7D260D49-0D20-4200-9DC7-87523391D85C}" srcOrd="1" destOrd="0" presId="urn:microsoft.com/office/officeart/2005/8/layout/list1"/>
+    <dgm:cxn modelId="{6E7D865F-AA08-408F-BF9D-507F2D4BCB12}" type="presOf" srcId="{23FAD997-D954-4EF6-95F8-429D3A839711}" destId="{B00105C3-0411-41B2-9D02-27041BD9AAD1}" srcOrd="1" destOrd="0" presId="urn:microsoft.com/office/officeart/2005/8/layout/list1"/>
+    <dgm:cxn modelId="{9F5C8464-C41A-42EE-AB08-6B5E0A408CE2}" type="presOf" srcId="{E3F53DBF-BC6D-4145-9F20-651FA81B3FAA}" destId="{787066C6-C7AE-4346-89F4-EA5F782C199D}" srcOrd="0" destOrd="0" presId="urn:microsoft.com/office/officeart/2005/8/layout/list1"/>
+    <dgm:cxn modelId="{BCA39563-8110-4520-93D3-8D87982EF1E1}" type="presParOf" srcId="{3B3A0FD9-BC97-45C5-91AC-F8873C4B66E2}" destId="{8228D403-AE9D-4E50-BFB0-33EC6DB9138A}" srcOrd="0" destOrd="0" presId="urn:microsoft.com/office/officeart/2005/8/layout/list1"/>
+    <dgm:cxn modelId="{64E3D82E-6B62-44D6-AB31-DFA1F1A2B8D8}" type="presParOf" srcId="{8228D403-AE9D-4E50-BFB0-33EC6DB9138A}" destId="{787066C6-C7AE-4346-89F4-EA5F782C199D}" srcOrd="0" destOrd="0" presId="urn:microsoft.com/office/officeart/2005/8/layout/list1"/>
+    <dgm:cxn modelId="{7D3E371E-1B72-458C-915D-7CB12F3830F6}" type="presParOf" srcId="{8228D403-AE9D-4E50-BFB0-33EC6DB9138A}" destId="{7D260D49-0D20-4200-9DC7-87523391D85C}" srcOrd="1" destOrd="0" presId="urn:microsoft.com/office/officeart/2005/8/layout/list1"/>
+    <dgm:cxn modelId="{E2857390-8D42-480F-9607-600D67215F3A}" type="presParOf" srcId="{3B3A0FD9-BC97-45C5-91AC-F8873C4B66E2}" destId="{84EDD925-DF65-4BFD-9CA4-AE07435D1220}" srcOrd="1" destOrd="0" presId="urn:microsoft.com/office/officeart/2005/8/layout/list1"/>
+    <dgm:cxn modelId="{43A6A7EC-F2F6-409D-8912-1999C80EAC83}" type="presParOf" srcId="{3B3A0FD9-BC97-45C5-91AC-F8873C4B66E2}" destId="{6D395426-5B24-4DDF-99E3-A314BE6FF981}" srcOrd="2" destOrd="0" presId="urn:microsoft.com/office/officeart/2005/8/layout/list1"/>
+    <dgm:cxn modelId="{2E428143-B7C9-4117-9671-78F2CD1A6764}" type="presParOf" srcId="{3B3A0FD9-BC97-45C5-91AC-F8873C4B66E2}" destId="{C4EDEC7C-143F-4101-A86F-7D1018475FF7}" srcOrd="3" destOrd="0" presId="urn:microsoft.com/office/officeart/2005/8/layout/list1"/>
+    <dgm:cxn modelId="{B6FF28D1-7718-492B-B9B9-15CBC8C4D089}" type="presParOf" srcId="{3B3A0FD9-BC97-45C5-91AC-F8873C4B66E2}" destId="{524711D8-69F5-4229-91C2-C846AA5826DC}" srcOrd="4" destOrd="0" presId="urn:microsoft.com/office/officeart/2005/8/layout/list1"/>
+    <dgm:cxn modelId="{9BFECA5D-34F2-449F-9354-9A1012876EA2}" type="presParOf" srcId="{524711D8-69F5-4229-91C2-C846AA5826DC}" destId="{3D502BA0-BA0F-40E6-B2C6-858154638667}" srcOrd="0" destOrd="0" presId="urn:microsoft.com/office/officeart/2005/8/layout/list1"/>
+    <dgm:cxn modelId="{CFE1B3CE-23D6-4585-BDF7-CC483C260869}" type="presParOf" srcId="{524711D8-69F5-4229-91C2-C846AA5826DC}" destId="{0D37081F-1AF6-4DA9-B8A7-3297FA5070C0}" srcOrd="1" destOrd="0" presId="urn:microsoft.com/office/officeart/2005/8/layout/list1"/>
+    <dgm:cxn modelId="{CF6F8847-CE12-4431-A664-D10381E41D1B}" type="presParOf" srcId="{3B3A0FD9-BC97-45C5-91AC-F8873C4B66E2}" destId="{93DA567F-C836-4D6A-9E64-E5504B1AA99F}" srcOrd="5" destOrd="0" presId="urn:microsoft.com/office/officeart/2005/8/layout/list1"/>
+    <dgm:cxn modelId="{C4B1901C-6D7A-4B6A-AF62-D675CBDC8807}" type="presParOf" srcId="{3B3A0FD9-BC97-45C5-91AC-F8873C4B66E2}" destId="{848967E1-4452-4191-B8E9-911E521DEF80}" srcOrd="6" destOrd="0" presId="urn:microsoft.com/office/officeart/2005/8/layout/list1"/>
+    <dgm:cxn modelId="{69A237C7-9FF4-4336-A2B4-80696DCB4A6D}" type="presParOf" srcId="{3B3A0FD9-BC97-45C5-91AC-F8873C4B66E2}" destId="{105C88FB-97E3-43E7-BE61-E30F60C80DEE}" srcOrd="7" destOrd="0" presId="urn:microsoft.com/office/officeart/2005/8/layout/list1"/>
+    <dgm:cxn modelId="{290FC805-C78C-40DA-95B4-6A9955124693}" type="presParOf" srcId="{3B3A0FD9-BC97-45C5-91AC-F8873C4B66E2}" destId="{51FFDF5D-DAC1-4840-98AC-C0DE570B338F}" srcOrd="8" destOrd="0" presId="urn:microsoft.com/office/officeart/2005/8/layout/list1"/>
+    <dgm:cxn modelId="{C35FA794-2190-40CD-A0E5-BFE904F19928}" type="presParOf" srcId="{51FFDF5D-DAC1-4840-98AC-C0DE570B338F}" destId="{C373F2DC-F76F-4F81-B2A7-FC4510DB7E13}" srcOrd="0" destOrd="0" presId="urn:microsoft.com/office/officeart/2005/8/layout/list1"/>
+    <dgm:cxn modelId="{FA097099-51DA-4E45-835B-0B2C9F9DD85B}" type="presParOf" srcId="{51FFDF5D-DAC1-4840-98AC-C0DE570B338F}" destId="{A8938B52-4E50-4B77-BEAF-B90AAC008B48}" srcOrd="1" destOrd="0" presId="urn:microsoft.com/office/officeart/2005/8/layout/list1"/>
+    <dgm:cxn modelId="{1AD44CB7-75D8-40D1-99AC-2EA5D29E7FA6}" type="presParOf" srcId="{3B3A0FD9-BC97-45C5-91AC-F8873C4B66E2}" destId="{10FBECF7-3827-4C8A-8F15-CF1365EEA919}" srcOrd="9" destOrd="0" presId="urn:microsoft.com/office/officeart/2005/8/layout/list1"/>
+    <dgm:cxn modelId="{C4AE8EEB-6DDB-4110-BF85-C9DAECF3A234}" type="presParOf" srcId="{3B3A0FD9-BC97-45C5-91AC-F8873C4B66E2}" destId="{DF972AEA-135A-462E-812F-1EBA2B4C6FD4}" srcOrd="10" destOrd="0" presId="urn:microsoft.com/office/officeart/2005/8/layout/list1"/>
+    <dgm:cxn modelId="{F859897F-5618-4754-9E9C-F31E03C36151}" type="presParOf" srcId="{3B3A0FD9-BC97-45C5-91AC-F8873C4B66E2}" destId="{0F53CE89-6A55-4503-80F6-786F905A62D6}" srcOrd="11" destOrd="0" presId="urn:microsoft.com/office/officeart/2005/8/layout/list1"/>
+    <dgm:cxn modelId="{725BB804-905C-44F8-AC30-5ED95641DD5E}" type="presParOf" srcId="{3B3A0FD9-BC97-45C5-91AC-F8873C4B66E2}" destId="{F25FA7F3-015D-49CD-BB42-BDFF3CFD2AFB}" srcOrd="12" destOrd="0" presId="urn:microsoft.com/office/officeart/2005/8/layout/list1"/>
+    <dgm:cxn modelId="{784EA9E9-93C4-4A8E-A87E-CF4D7B16E0A6}" type="presParOf" srcId="{F25FA7F3-015D-49CD-BB42-BDFF3CFD2AFB}" destId="{E62D6D35-0A96-4F80-8CB4-26D1853A8753}" srcOrd="0" destOrd="0" presId="urn:microsoft.com/office/officeart/2005/8/layout/list1"/>
+    <dgm:cxn modelId="{59F787AA-E86E-4CF5-885E-673FA2396467}" type="presParOf" srcId="{F25FA7F3-015D-49CD-BB42-BDFF3CFD2AFB}" destId="{9953F839-BE67-4285-87C1-9C4CD09B452B}" srcOrd="1" destOrd="0" presId="urn:microsoft.com/office/officeart/2005/8/layout/list1"/>
+    <dgm:cxn modelId="{674E9F81-EBDB-497F-8015-71BB1D523F15}" type="presParOf" srcId="{3B3A0FD9-BC97-45C5-91AC-F8873C4B66E2}" destId="{F8C18606-20D3-4C4A-9244-CED9D0354A79}" srcOrd="13" destOrd="0" presId="urn:microsoft.com/office/officeart/2005/8/layout/list1"/>
+    <dgm:cxn modelId="{1708F668-E3E0-43C7-9CE8-EDCD0A44F749}" type="presParOf" srcId="{3B3A0FD9-BC97-45C5-91AC-F8873C4B66E2}" destId="{EE437115-7C97-46D4-AF74-3E4491E4C57C}" srcOrd="14" destOrd="0" presId="urn:microsoft.com/office/officeart/2005/8/layout/list1"/>
+    <dgm:cxn modelId="{AC945A67-6AD4-4065-9959-030B7F499FCB}" type="presParOf" srcId="{3B3A0FD9-BC97-45C5-91AC-F8873C4B66E2}" destId="{6A5C2A0E-BF59-47A6-A66E-39226E0BF19E}" srcOrd="15" destOrd="0" presId="urn:microsoft.com/office/officeart/2005/8/layout/list1"/>
+    <dgm:cxn modelId="{BF345C1F-1B02-4E64-8EA7-4022B1E3528F}" type="presParOf" srcId="{3B3A0FD9-BC97-45C5-91AC-F8873C4B66E2}" destId="{46203E23-C95D-4845-9CF2-55084886BE27}" srcOrd="16" destOrd="0" presId="urn:microsoft.com/office/officeart/2005/8/layout/list1"/>
+    <dgm:cxn modelId="{F7ED013C-9DF4-443D-867F-49CD6CC837EC}" type="presParOf" srcId="{46203E23-C95D-4845-9CF2-55084886BE27}" destId="{D9386E0B-A62E-4B95-872C-2C2AAE7AA1AD}" srcOrd="0" destOrd="0" presId="urn:microsoft.com/office/officeart/2005/8/layout/list1"/>
+    <dgm:cxn modelId="{537602E0-2316-4CC5-9D3B-146EE88DCF4D}" type="presParOf" srcId="{46203E23-C95D-4845-9CF2-55084886BE27}" destId="{7B1167EB-EDCB-4F83-889E-1A8C486BA576}" srcOrd="1" destOrd="0" presId="urn:microsoft.com/office/officeart/2005/8/layout/list1"/>
+    <dgm:cxn modelId="{496256B6-4B23-4E4B-AEBE-75A161E1606F}" type="presParOf" srcId="{3B3A0FD9-BC97-45C5-91AC-F8873C4B66E2}" destId="{5F12D73D-568A-4DE2-B1E7-DD937F4B4D26}" srcOrd="17" destOrd="0" presId="urn:microsoft.com/office/officeart/2005/8/layout/list1"/>
+    <dgm:cxn modelId="{357256B9-515F-4993-ACAE-6171829742EE}" type="presParOf" srcId="{3B3A0FD9-BC97-45C5-91AC-F8873C4B66E2}" destId="{CAD06041-978C-4B86-9D49-119EDD74D69B}" srcOrd="18" destOrd="0" presId="urn:microsoft.com/office/officeart/2005/8/layout/list1"/>
+    <dgm:cxn modelId="{57C6681F-F600-4DE5-9C93-EA053F509FCC}" type="presParOf" srcId="{3B3A0FD9-BC97-45C5-91AC-F8873C4B66E2}" destId="{61563C13-AA8D-4802-AEF2-4792D2FBCD66}" srcOrd="19" destOrd="0" presId="urn:microsoft.com/office/officeart/2005/8/layout/list1"/>
+    <dgm:cxn modelId="{928863FA-212B-4ACB-8AF7-9B8222CAA731}" type="presParOf" srcId="{3B3A0FD9-BC97-45C5-91AC-F8873C4B66E2}" destId="{4A3579AF-DF23-4832-97ED-D6F9BCFB4F29}" srcOrd="20" destOrd="0" presId="urn:microsoft.com/office/officeart/2005/8/layout/list1"/>
+    <dgm:cxn modelId="{ED566FA2-4C60-4F61-9FE2-4E623C28C903}" type="presParOf" srcId="{4A3579AF-DF23-4832-97ED-D6F9BCFB4F29}" destId="{4C4A9F59-C5D6-47C5-872D-47CFF0262320}" srcOrd="0" destOrd="0" presId="urn:microsoft.com/office/officeart/2005/8/layout/list1"/>
+    <dgm:cxn modelId="{E64B8102-8B03-43DA-8759-F5D6EE70F440}" type="presParOf" srcId="{4A3579AF-DF23-4832-97ED-D6F9BCFB4F29}" destId="{B00105C3-0411-41B2-9D02-27041BD9AAD1}" srcOrd="1" destOrd="0" presId="urn:microsoft.com/office/officeart/2005/8/layout/list1"/>
+    <dgm:cxn modelId="{4355DC1B-D2B5-4613-8AA4-1E1B13560704}" type="presParOf" srcId="{3B3A0FD9-BC97-45C5-91AC-F8873C4B66E2}" destId="{4E7016B0-1F1D-4B28-97C2-D2EDFD96AF29}" srcOrd="21" destOrd="0" presId="urn:microsoft.com/office/officeart/2005/8/layout/list1"/>
+    <dgm:cxn modelId="{C2ACFDED-B570-4C6B-AB9C-A5BF5C7983D1}" type="presParOf" srcId="{3B3A0FD9-BC97-45C5-91AC-F8873C4B66E2}" destId="{19134652-90B3-4B3E-8179-6843774B6D52}" srcOrd="22" destOrd="0" presId="urn:microsoft.com/office/officeart/2005/8/layout/list1"/>
+  </dgm:cxnLst>
+  <dgm:bg/>
+  <dgm:whole/>
+  <dgm:extLst>
+    <a:ext uri="http://schemas.microsoft.com/office/drawing/2008/diagram">
+      <dsp:dataModelExt xmlns:dsp="http://schemas.microsoft.com/office/drawing/2008/diagram" relId="rId7" minVer="http://schemas.openxmlformats.org/drawingml/2006/diagram"/>
     </a:ext>
   </dgm:extLst>
 </dgm:dataModel>
@@ -2552,7 +3920,7 @@
             <a:rPr lang="en-US" altLang="zh-TW" sz="2700" kern="1200" dirty="0" smtClean="0">
               <a:latin typeface="Comic Sans MS" panose="030F0702030302020204" pitchFamily="66" charset="0"/>
             </a:rPr>
-            <a:t>Method</a:t>
+            <a:t>Experiment</a:t>
           </a:r>
           <a:endParaRPr lang="zh-TW" altLang="en-US" sz="2700" kern="1200" dirty="0">
             <a:latin typeface="Comic Sans MS" panose="030F0702030302020204" pitchFamily="66" charset="0"/>
@@ -2709,7 +4077,7 @@
             <a:rPr lang="en-US" altLang="zh-TW" sz="2700" kern="1200" dirty="0" smtClean="0">
               <a:latin typeface="Comic Sans MS" panose="030F0702030302020204" pitchFamily="66" charset="0"/>
             </a:rPr>
-            <a:t>Result</a:t>
+            <a:t>Method</a:t>
           </a:r>
           <a:endParaRPr lang="zh-TW" altLang="en-US" sz="2700" kern="1200" dirty="0">
             <a:latin typeface="Comic Sans MS" panose="030F0702030302020204" pitchFamily="66" charset="0"/>
@@ -2925,6 +4293,930 @@
         </a:effectRef>
         <a:fontRef idx="minor"/>
       </dsp:style>
+    </dsp:sp>
+  </dsp:spTree>
+</dsp:drawing>
+</file>
+
+<file path=ppt/diagrams/drawing3.xml><?xml version="1.0" encoding="utf-8"?>
+<dsp:drawing xmlns:dgm="http://schemas.openxmlformats.org/drawingml/2006/diagram" xmlns:dsp="http://schemas.microsoft.com/office/drawing/2008/diagram" xmlns:a="http://schemas.openxmlformats.org/drawingml/2006/main">
+  <dsp:spTree>
+    <dsp:nvGrpSpPr>
+      <dsp:cNvPr id="0" name=""/>
+      <dsp:cNvGrpSpPr/>
+    </dsp:nvGrpSpPr>
+    <dsp:grpSpPr/>
+    <dsp:sp modelId="{6D395426-5B24-4DDF-99E3-A314BE6FF981}">
+      <dsp:nvSpPr>
+        <dsp:cNvPr id="0" name=""/>
+        <dsp:cNvSpPr/>
+      </dsp:nvSpPr>
+      <dsp:spPr>
+        <a:xfrm>
+          <a:off x="0" y="333450"/>
+          <a:ext cx="3651400" cy="352800"/>
+        </a:xfrm>
+        <a:prstGeom prst="rect">
+          <a:avLst/>
+        </a:prstGeom>
+        <a:solidFill>
+          <a:schemeClr val="lt2">
+            <a:alpha val="90000"/>
+            <a:hueOff val="0"/>
+            <a:satOff val="0"/>
+            <a:lumOff val="0"/>
+            <a:alphaOff val="0"/>
+          </a:schemeClr>
+        </a:solidFill>
+        <a:ln w="6350" cap="flat" cmpd="sng" algn="ctr">
+          <a:solidFill>
+            <a:schemeClr val="dk2">
+              <a:hueOff val="0"/>
+              <a:satOff val="0"/>
+              <a:lumOff val="0"/>
+              <a:alphaOff val="0"/>
+            </a:schemeClr>
+          </a:solidFill>
+          <a:prstDash val="solid"/>
+          <a:miter lim="800000"/>
+        </a:ln>
+        <a:effectLst/>
+      </dsp:spPr>
+      <dsp:style>
+        <a:lnRef idx="1">
+          <a:scrgbClr r="0" g="0" b="0"/>
+        </a:lnRef>
+        <a:fillRef idx="1">
+          <a:scrgbClr r="0" g="0" b="0"/>
+        </a:fillRef>
+        <a:effectRef idx="0">
+          <a:scrgbClr r="0" g="0" b="0"/>
+        </a:effectRef>
+        <a:fontRef idx="minor"/>
+      </dsp:style>
+    </dsp:sp>
+    <dsp:sp modelId="{7D260D49-0D20-4200-9DC7-87523391D85C}">
+      <dsp:nvSpPr>
+        <dsp:cNvPr id="0" name=""/>
+        <dsp:cNvSpPr/>
+      </dsp:nvSpPr>
+      <dsp:spPr>
+        <a:xfrm>
+          <a:off x="200968" y="126810"/>
+          <a:ext cx="2813561" cy="413280"/>
+        </a:xfrm>
+        <a:prstGeom prst="roundRect">
+          <a:avLst/>
+        </a:prstGeom>
+        <a:gradFill rotWithShape="0">
+          <a:gsLst>
+            <a:gs pos="0">
+              <a:schemeClr val="dk2">
+                <a:hueOff val="0"/>
+                <a:satOff val="0"/>
+                <a:lumOff val="0"/>
+                <a:alphaOff val="0"/>
+                <a:satMod val="103000"/>
+                <a:lumMod val="102000"/>
+                <a:tint val="94000"/>
+              </a:schemeClr>
+            </a:gs>
+            <a:gs pos="50000">
+              <a:schemeClr val="dk2">
+                <a:hueOff val="0"/>
+                <a:satOff val="0"/>
+                <a:lumOff val="0"/>
+                <a:alphaOff val="0"/>
+                <a:satMod val="110000"/>
+                <a:lumMod val="100000"/>
+                <a:shade val="100000"/>
+              </a:schemeClr>
+            </a:gs>
+            <a:gs pos="100000">
+              <a:schemeClr val="dk2">
+                <a:hueOff val="0"/>
+                <a:satOff val="0"/>
+                <a:lumOff val="0"/>
+                <a:alphaOff val="0"/>
+                <a:lumMod val="99000"/>
+                <a:satMod val="120000"/>
+                <a:shade val="78000"/>
+              </a:schemeClr>
+            </a:gs>
+          </a:gsLst>
+          <a:lin ang="5400000" scaled="0"/>
+        </a:gradFill>
+        <a:ln>
+          <a:noFill/>
+        </a:ln>
+        <a:effectLst/>
+      </dsp:spPr>
+      <dsp:style>
+        <a:lnRef idx="0">
+          <a:scrgbClr r="0" g="0" b="0"/>
+        </a:lnRef>
+        <a:fillRef idx="3">
+          <a:scrgbClr r="0" g="0" b="0"/>
+        </a:fillRef>
+        <a:effectRef idx="2">
+          <a:scrgbClr r="0" g="0" b="0"/>
+        </a:effectRef>
+        <a:fontRef idx="minor">
+          <a:schemeClr val="lt1"/>
+        </a:fontRef>
+      </dsp:style>
+      <dsp:txBody>
+        <a:bodyPr spcFirstLastPara="0" vert="horz" wrap="square" lIns="106346" tIns="0" rIns="106346" bIns="0" numCol="1" spcCol="1270" anchor="ctr" anchorCtr="0">
+          <a:noAutofit/>
+        </a:bodyPr>
+        <a:lstStyle/>
+        <a:p>
+          <a:pPr lvl="0" algn="l" defTabSz="622300">
+            <a:lnSpc>
+              <a:spcPct val="90000"/>
+            </a:lnSpc>
+            <a:spcBef>
+              <a:spcPct val="0"/>
+            </a:spcBef>
+            <a:spcAft>
+              <a:spcPct val="35000"/>
+            </a:spcAft>
+          </a:pPr>
+          <a:r>
+            <a:rPr lang="en-US" altLang="zh-TW" sz="1400" kern="1200" dirty="0" smtClean="0">
+              <a:latin typeface="Comic Sans MS" panose="030F0702030302020204" pitchFamily="66" charset="0"/>
+            </a:rPr>
+            <a:t>Military Reconnaissance</a:t>
+          </a:r>
+          <a:endParaRPr lang="zh-TW" altLang="en-US" sz="1400" kern="1200" dirty="0">
+            <a:latin typeface="Comic Sans MS" panose="030F0702030302020204" pitchFamily="66" charset="0"/>
+          </a:endParaRPr>
+        </a:p>
+      </dsp:txBody>
+      <dsp:txXfrm>
+        <a:off x="221143" y="146985"/>
+        <a:ext cx="2773211" cy="372930"/>
+      </dsp:txXfrm>
+    </dsp:sp>
+    <dsp:sp modelId="{848967E1-4452-4191-B8E9-911E521DEF80}">
+      <dsp:nvSpPr>
+        <dsp:cNvPr id="0" name=""/>
+        <dsp:cNvSpPr/>
+      </dsp:nvSpPr>
+      <dsp:spPr>
+        <a:xfrm>
+          <a:off x="0" y="968491"/>
+          <a:ext cx="3661087" cy="352800"/>
+        </a:xfrm>
+        <a:prstGeom prst="rect">
+          <a:avLst/>
+        </a:prstGeom>
+        <a:solidFill>
+          <a:schemeClr val="lt2">
+            <a:alpha val="90000"/>
+            <a:hueOff val="0"/>
+            <a:satOff val="0"/>
+            <a:lumOff val="0"/>
+            <a:alphaOff val="0"/>
+          </a:schemeClr>
+        </a:solidFill>
+        <a:ln w="6350" cap="flat" cmpd="sng" algn="ctr">
+          <a:solidFill>
+            <a:schemeClr val="dk2">
+              <a:hueOff val="0"/>
+              <a:satOff val="0"/>
+              <a:lumOff val="0"/>
+              <a:alphaOff val="0"/>
+            </a:schemeClr>
+          </a:solidFill>
+          <a:prstDash val="solid"/>
+          <a:miter lim="800000"/>
+        </a:ln>
+        <a:effectLst/>
+      </dsp:spPr>
+      <dsp:style>
+        <a:lnRef idx="1">
+          <a:scrgbClr r="0" g="0" b="0"/>
+        </a:lnRef>
+        <a:fillRef idx="1">
+          <a:scrgbClr r="0" g="0" b="0"/>
+        </a:fillRef>
+        <a:effectRef idx="0">
+          <a:scrgbClr r="0" g="0" b="0"/>
+        </a:effectRef>
+        <a:fontRef idx="minor"/>
+      </dsp:style>
+    </dsp:sp>
+    <dsp:sp modelId="{0D37081F-1AF6-4DA9-B8A7-3297FA5070C0}">
+      <dsp:nvSpPr>
+        <dsp:cNvPr id="0" name=""/>
+        <dsp:cNvSpPr/>
+      </dsp:nvSpPr>
+      <dsp:spPr>
+        <a:xfrm>
+          <a:off x="200968" y="761850"/>
+          <a:ext cx="2813561" cy="413280"/>
+        </a:xfrm>
+        <a:prstGeom prst="roundRect">
+          <a:avLst/>
+        </a:prstGeom>
+        <a:gradFill rotWithShape="0">
+          <a:gsLst>
+            <a:gs pos="0">
+              <a:schemeClr val="dk2">
+                <a:hueOff val="0"/>
+                <a:satOff val="0"/>
+                <a:lumOff val="0"/>
+                <a:alphaOff val="0"/>
+                <a:satMod val="103000"/>
+                <a:lumMod val="102000"/>
+                <a:tint val="94000"/>
+              </a:schemeClr>
+            </a:gs>
+            <a:gs pos="50000">
+              <a:schemeClr val="dk2">
+                <a:hueOff val="0"/>
+                <a:satOff val="0"/>
+                <a:lumOff val="0"/>
+                <a:alphaOff val="0"/>
+                <a:satMod val="110000"/>
+                <a:lumMod val="100000"/>
+                <a:shade val="100000"/>
+              </a:schemeClr>
+            </a:gs>
+            <a:gs pos="100000">
+              <a:schemeClr val="dk2">
+                <a:hueOff val="0"/>
+                <a:satOff val="0"/>
+                <a:lumOff val="0"/>
+                <a:alphaOff val="0"/>
+                <a:lumMod val="99000"/>
+                <a:satMod val="120000"/>
+                <a:shade val="78000"/>
+              </a:schemeClr>
+            </a:gs>
+          </a:gsLst>
+          <a:lin ang="5400000" scaled="0"/>
+        </a:gradFill>
+        <a:ln>
+          <a:noFill/>
+        </a:ln>
+        <a:effectLst/>
+      </dsp:spPr>
+      <dsp:style>
+        <a:lnRef idx="0">
+          <a:scrgbClr r="0" g="0" b="0"/>
+        </a:lnRef>
+        <a:fillRef idx="3">
+          <a:scrgbClr r="0" g="0" b="0"/>
+        </a:fillRef>
+        <a:effectRef idx="2">
+          <a:scrgbClr r="0" g="0" b="0"/>
+        </a:effectRef>
+        <a:fontRef idx="minor">
+          <a:schemeClr val="lt1"/>
+        </a:fontRef>
+      </dsp:style>
+      <dsp:txBody>
+        <a:bodyPr spcFirstLastPara="0" vert="horz" wrap="square" lIns="106346" tIns="0" rIns="106346" bIns="0" numCol="1" spcCol="1270" anchor="ctr" anchorCtr="0">
+          <a:noAutofit/>
+        </a:bodyPr>
+        <a:lstStyle/>
+        <a:p>
+          <a:pPr lvl="0" algn="l" defTabSz="622300">
+            <a:lnSpc>
+              <a:spcPct val="90000"/>
+            </a:lnSpc>
+            <a:spcBef>
+              <a:spcPct val="0"/>
+            </a:spcBef>
+            <a:spcAft>
+              <a:spcPct val="35000"/>
+            </a:spcAft>
+          </a:pPr>
+          <a:r>
+            <a:rPr lang="en-US" altLang="zh-TW" sz="1400" kern="1200" dirty="0" smtClean="0">
+              <a:latin typeface="Comic Sans MS" panose="030F0702030302020204" pitchFamily="66" charset="0"/>
+            </a:rPr>
+            <a:t>Inspection of Infrastructures</a:t>
+          </a:r>
+          <a:endParaRPr lang="zh-TW" altLang="en-US" sz="1400" kern="1200" dirty="0">
+            <a:latin typeface="Comic Sans MS" panose="030F0702030302020204" pitchFamily="66" charset="0"/>
+          </a:endParaRPr>
+        </a:p>
+      </dsp:txBody>
+      <dsp:txXfrm>
+        <a:off x="221143" y="782025"/>
+        <a:ext cx="2773211" cy="372930"/>
+      </dsp:txXfrm>
+    </dsp:sp>
+    <dsp:sp modelId="{DF972AEA-135A-462E-812F-1EBA2B4C6FD4}">
+      <dsp:nvSpPr>
+        <dsp:cNvPr id="0" name=""/>
+        <dsp:cNvSpPr/>
+      </dsp:nvSpPr>
+      <dsp:spPr>
+        <a:xfrm>
+          <a:off x="0" y="1603531"/>
+          <a:ext cx="3667397" cy="352800"/>
+        </a:xfrm>
+        <a:prstGeom prst="rect">
+          <a:avLst/>
+        </a:prstGeom>
+        <a:solidFill>
+          <a:schemeClr val="lt2">
+            <a:alpha val="90000"/>
+            <a:hueOff val="0"/>
+            <a:satOff val="0"/>
+            <a:lumOff val="0"/>
+            <a:alphaOff val="0"/>
+          </a:schemeClr>
+        </a:solidFill>
+        <a:ln w="6350" cap="flat" cmpd="sng" algn="ctr">
+          <a:solidFill>
+            <a:schemeClr val="dk2">
+              <a:hueOff val="0"/>
+              <a:satOff val="0"/>
+              <a:lumOff val="0"/>
+              <a:alphaOff val="0"/>
+            </a:schemeClr>
+          </a:solidFill>
+          <a:prstDash val="solid"/>
+          <a:miter lim="800000"/>
+        </a:ln>
+        <a:effectLst/>
+      </dsp:spPr>
+      <dsp:style>
+        <a:lnRef idx="1">
+          <a:scrgbClr r="0" g="0" b="0"/>
+        </a:lnRef>
+        <a:fillRef idx="1">
+          <a:scrgbClr r="0" g="0" b="0"/>
+        </a:fillRef>
+        <a:effectRef idx="0">
+          <a:scrgbClr r="0" g="0" b="0"/>
+        </a:effectRef>
+        <a:fontRef idx="minor"/>
+      </dsp:style>
+    </dsp:sp>
+    <dsp:sp modelId="{A8938B52-4E50-4B77-BEAF-B90AAC008B48}">
+      <dsp:nvSpPr>
+        <dsp:cNvPr id="0" name=""/>
+        <dsp:cNvSpPr/>
+      </dsp:nvSpPr>
+      <dsp:spPr>
+        <a:xfrm>
+          <a:off x="200968" y="1396891"/>
+          <a:ext cx="2813561" cy="413280"/>
+        </a:xfrm>
+        <a:prstGeom prst="roundRect">
+          <a:avLst/>
+        </a:prstGeom>
+        <a:gradFill rotWithShape="0">
+          <a:gsLst>
+            <a:gs pos="0">
+              <a:schemeClr val="dk2">
+                <a:hueOff val="0"/>
+                <a:satOff val="0"/>
+                <a:lumOff val="0"/>
+                <a:alphaOff val="0"/>
+                <a:satMod val="103000"/>
+                <a:lumMod val="102000"/>
+                <a:tint val="94000"/>
+              </a:schemeClr>
+            </a:gs>
+            <a:gs pos="50000">
+              <a:schemeClr val="dk2">
+                <a:hueOff val="0"/>
+                <a:satOff val="0"/>
+                <a:lumOff val="0"/>
+                <a:alphaOff val="0"/>
+                <a:satMod val="110000"/>
+                <a:lumMod val="100000"/>
+                <a:shade val="100000"/>
+              </a:schemeClr>
+            </a:gs>
+            <a:gs pos="100000">
+              <a:schemeClr val="dk2">
+                <a:hueOff val="0"/>
+                <a:satOff val="0"/>
+                <a:lumOff val="0"/>
+                <a:alphaOff val="0"/>
+                <a:lumMod val="99000"/>
+                <a:satMod val="120000"/>
+                <a:shade val="78000"/>
+              </a:schemeClr>
+            </a:gs>
+          </a:gsLst>
+          <a:lin ang="5400000" scaled="0"/>
+        </a:gradFill>
+        <a:ln>
+          <a:noFill/>
+        </a:ln>
+        <a:effectLst/>
+      </dsp:spPr>
+      <dsp:style>
+        <a:lnRef idx="0">
+          <a:scrgbClr r="0" g="0" b="0"/>
+        </a:lnRef>
+        <a:fillRef idx="3">
+          <a:scrgbClr r="0" g="0" b="0"/>
+        </a:fillRef>
+        <a:effectRef idx="2">
+          <a:scrgbClr r="0" g="0" b="0"/>
+        </a:effectRef>
+        <a:fontRef idx="minor">
+          <a:schemeClr val="lt1"/>
+        </a:fontRef>
+      </dsp:style>
+      <dsp:txBody>
+        <a:bodyPr spcFirstLastPara="0" vert="horz" wrap="square" lIns="106346" tIns="0" rIns="106346" bIns="0" numCol="1" spcCol="1270" anchor="ctr" anchorCtr="0">
+          <a:noAutofit/>
+        </a:bodyPr>
+        <a:lstStyle/>
+        <a:p>
+          <a:pPr lvl="0" algn="l" defTabSz="622300">
+            <a:lnSpc>
+              <a:spcPct val="90000"/>
+            </a:lnSpc>
+            <a:spcBef>
+              <a:spcPct val="0"/>
+            </a:spcBef>
+            <a:spcAft>
+              <a:spcPct val="35000"/>
+            </a:spcAft>
+          </a:pPr>
+          <a:r>
+            <a:rPr lang="en-US" altLang="zh-TW" sz="1400" kern="1200" dirty="0" smtClean="0">
+              <a:latin typeface="Comic Sans MS" panose="030F0702030302020204" pitchFamily="66" charset="0"/>
+            </a:rPr>
+            <a:t>Smart Agriculture</a:t>
+          </a:r>
+          <a:endParaRPr lang="zh-TW" altLang="en-US" sz="1400" kern="1200" dirty="0">
+            <a:latin typeface="Comic Sans MS" panose="030F0702030302020204" pitchFamily="66" charset="0"/>
+          </a:endParaRPr>
+        </a:p>
+      </dsp:txBody>
+      <dsp:txXfrm>
+        <a:off x="221143" y="1417066"/>
+        <a:ext cx="2773211" cy="372930"/>
+      </dsp:txXfrm>
+    </dsp:sp>
+    <dsp:sp modelId="{EE437115-7C97-46D4-AF74-3E4491E4C57C}">
+      <dsp:nvSpPr>
+        <dsp:cNvPr id="0" name=""/>
+        <dsp:cNvSpPr/>
+      </dsp:nvSpPr>
+      <dsp:spPr>
+        <a:xfrm>
+          <a:off x="0" y="2238571"/>
+          <a:ext cx="3672944" cy="352800"/>
+        </a:xfrm>
+        <a:prstGeom prst="rect">
+          <a:avLst/>
+        </a:prstGeom>
+        <a:solidFill>
+          <a:schemeClr val="lt2">
+            <a:alpha val="90000"/>
+            <a:hueOff val="0"/>
+            <a:satOff val="0"/>
+            <a:lumOff val="0"/>
+            <a:alphaOff val="0"/>
+          </a:schemeClr>
+        </a:solidFill>
+        <a:ln w="6350" cap="flat" cmpd="sng" algn="ctr">
+          <a:solidFill>
+            <a:schemeClr val="dk2">
+              <a:hueOff val="0"/>
+              <a:satOff val="0"/>
+              <a:lumOff val="0"/>
+              <a:alphaOff val="0"/>
+            </a:schemeClr>
+          </a:solidFill>
+          <a:prstDash val="solid"/>
+          <a:miter lim="800000"/>
+        </a:ln>
+        <a:effectLst/>
+      </dsp:spPr>
+      <dsp:style>
+        <a:lnRef idx="1">
+          <a:scrgbClr r="0" g="0" b="0"/>
+        </a:lnRef>
+        <a:fillRef idx="1">
+          <a:scrgbClr r="0" g="0" b="0"/>
+        </a:fillRef>
+        <a:effectRef idx="0">
+          <a:scrgbClr r="0" g="0" b="0"/>
+        </a:effectRef>
+        <a:fontRef idx="minor"/>
+      </dsp:style>
+    </dsp:sp>
+    <dsp:sp modelId="{9953F839-BE67-4285-87C1-9C4CD09B452B}">
+      <dsp:nvSpPr>
+        <dsp:cNvPr id="0" name=""/>
+        <dsp:cNvSpPr/>
+      </dsp:nvSpPr>
+      <dsp:spPr>
+        <a:xfrm>
+          <a:off x="200968" y="2031931"/>
+          <a:ext cx="2813561" cy="413280"/>
+        </a:xfrm>
+        <a:prstGeom prst="roundRect">
+          <a:avLst/>
+        </a:prstGeom>
+        <a:gradFill rotWithShape="0">
+          <a:gsLst>
+            <a:gs pos="0">
+              <a:schemeClr val="dk2">
+                <a:hueOff val="0"/>
+                <a:satOff val="0"/>
+                <a:lumOff val="0"/>
+                <a:alphaOff val="0"/>
+                <a:satMod val="103000"/>
+                <a:lumMod val="102000"/>
+                <a:tint val="94000"/>
+              </a:schemeClr>
+            </a:gs>
+            <a:gs pos="50000">
+              <a:schemeClr val="dk2">
+                <a:hueOff val="0"/>
+                <a:satOff val="0"/>
+                <a:lumOff val="0"/>
+                <a:alphaOff val="0"/>
+                <a:satMod val="110000"/>
+                <a:lumMod val="100000"/>
+                <a:shade val="100000"/>
+              </a:schemeClr>
+            </a:gs>
+            <a:gs pos="100000">
+              <a:schemeClr val="dk2">
+                <a:hueOff val="0"/>
+                <a:satOff val="0"/>
+                <a:lumOff val="0"/>
+                <a:alphaOff val="0"/>
+                <a:lumMod val="99000"/>
+                <a:satMod val="120000"/>
+                <a:shade val="78000"/>
+              </a:schemeClr>
+            </a:gs>
+          </a:gsLst>
+          <a:lin ang="5400000" scaled="0"/>
+        </a:gradFill>
+        <a:ln>
+          <a:noFill/>
+        </a:ln>
+        <a:effectLst/>
+      </dsp:spPr>
+      <dsp:style>
+        <a:lnRef idx="0">
+          <a:scrgbClr r="0" g="0" b="0"/>
+        </a:lnRef>
+        <a:fillRef idx="3">
+          <a:scrgbClr r="0" g="0" b="0"/>
+        </a:fillRef>
+        <a:effectRef idx="2">
+          <a:scrgbClr r="0" g="0" b="0"/>
+        </a:effectRef>
+        <a:fontRef idx="minor">
+          <a:schemeClr val="lt1"/>
+        </a:fontRef>
+      </dsp:style>
+      <dsp:txBody>
+        <a:bodyPr spcFirstLastPara="0" vert="horz" wrap="square" lIns="106346" tIns="0" rIns="106346" bIns="0" numCol="1" spcCol="1270" anchor="ctr" anchorCtr="0">
+          <a:noAutofit/>
+        </a:bodyPr>
+        <a:lstStyle/>
+        <a:p>
+          <a:pPr lvl="0" algn="l" defTabSz="622300">
+            <a:lnSpc>
+              <a:spcPct val="90000"/>
+            </a:lnSpc>
+            <a:spcBef>
+              <a:spcPct val="0"/>
+            </a:spcBef>
+            <a:spcAft>
+              <a:spcPct val="35000"/>
+            </a:spcAft>
+          </a:pPr>
+          <a:r>
+            <a:rPr lang="en-US" altLang="zh-TW" sz="1400" kern="1200" dirty="0" smtClean="0">
+              <a:latin typeface="Comic Sans MS" panose="030F0702030302020204" pitchFamily="66" charset="0"/>
+            </a:rPr>
+            <a:t>Traffic Management</a:t>
+          </a:r>
+          <a:endParaRPr lang="zh-TW" altLang="en-US" sz="1400" kern="1200" dirty="0">
+            <a:latin typeface="Comic Sans MS" panose="030F0702030302020204" pitchFamily="66" charset="0"/>
+          </a:endParaRPr>
+        </a:p>
+      </dsp:txBody>
+      <dsp:txXfrm>
+        <a:off x="221143" y="2052106"/>
+        <a:ext cx="2773211" cy="372930"/>
+      </dsp:txXfrm>
+    </dsp:sp>
+    <dsp:sp modelId="{CAD06041-978C-4B86-9D49-119EDD74D69B}">
+      <dsp:nvSpPr>
+        <dsp:cNvPr id="0" name=""/>
+        <dsp:cNvSpPr/>
+      </dsp:nvSpPr>
+      <dsp:spPr>
+        <a:xfrm>
+          <a:off x="0" y="2873611"/>
+          <a:ext cx="3672903" cy="352800"/>
+        </a:xfrm>
+        <a:prstGeom prst="rect">
+          <a:avLst/>
+        </a:prstGeom>
+        <a:solidFill>
+          <a:schemeClr val="lt2">
+            <a:alpha val="90000"/>
+            <a:hueOff val="0"/>
+            <a:satOff val="0"/>
+            <a:lumOff val="0"/>
+            <a:alphaOff val="0"/>
+          </a:schemeClr>
+        </a:solidFill>
+        <a:ln w="6350" cap="flat" cmpd="sng" algn="ctr">
+          <a:solidFill>
+            <a:schemeClr val="dk2">
+              <a:hueOff val="0"/>
+              <a:satOff val="0"/>
+              <a:lumOff val="0"/>
+              <a:alphaOff val="0"/>
+            </a:schemeClr>
+          </a:solidFill>
+          <a:prstDash val="solid"/>
+          <a:miter lim="800000"/>
+        </a:ln>
+        <a:effectLst/>
+      </dsp:spPr>
+      <dsp:style>
+        <a:lnRef idx="1">
+          <a:scrgbClr r="0" g="0" b="0"/>
+        </a:lnRef>
+        <a:fillRef idx="1">
+          <a:scrgbClr r="0" g="0" b="0"/>
+        </a:fillRef>
+        <a:effectRef idx="0">
+          <a:scrgbClr r="0" g="0" b="0"/>
+        </a:effectRef>
+        <a:fontRef idx="minor"/>
+      </dsp:style>
+    </dsp:sp>
+    <dsp:sp modelId="{7B1167EB-EDCB-4F83-889E-1A8C486BA576}">
+      <dsp:nvSpPr>
+        <dsp:cNvPr id="0" name=""/>
+        <dsp:cNvSpPr/>
+      </dsp:nvSpPr>
+      <dsp:spPr>
+        <a:xfrm>
+          <a:off x="200968" y="2666971"/>
+          <a:ext cx="2813561" cy="413280"/>
+        </a:xfrm>
+        <a:prstGeom prst="roundRect">
+          <a:avLst/>
+        </a:prstGeom>
+        <a:gradFill rotWithShape="0">
+          <a:gsLst>
+            <a:gs pos="0">
+              <a:schemeClr val="dk2">
+                <a:hueOff val="0"/>
+                <a:satOff val="0"/>
+                <a:lumOff val="0"/>
+                <a:alphaOff val="0"/>
+                <a:satMod val="103000"/>
+                <a:lumMod val="102000"/>
+                <a:tint val="94000"/>
+              </a:schemeClr>
+            </a:gs>
+            <a:gs pos="50000">
+              <a:schemeClr val="dk2">
+                <a:hueOff val="0"/>
+                <a:satOff val="0"/>
+                <a:lumOff val="0"/>
+                <a:alphaOff val="0"/>
+                <a:satMod val="110000"/>
+                <a:lumMod val="100000"/>
+                <a:shade val="100000"/>
+              </a:schemeClr>
+            </a:gs>
+            <a:gs pos="100000">
+              <a:schemeClr val="dk2">
+                <a:hueOff val="0"/>
+                <a:satOff val="0"/>
+                <a:lumOff val="0"/>
+                <a:alphaOff val="0"/>
+                <a:lumMod val="99000"/>
+                <a:satMod val="120000"/>
+                <a:shade val="78000"/>
+              </a:schemeClr>
+            </a:gs>
+          </a:gsLst>
+          <a:lin ang="5400000" scaled="0"/>
+        </a:gradFill>
+        <a:ln>
+          <a:noFill/>
+        </a:ln>
+        <a:effectLst/>
+      </dsp:spPr>
+      <dsp:style>
+        <a:lnRef idx="0">
+          <a:scrgbClr r="0" g="0" b="0"/>
+        </a:lnRef>
+        <a:fillRef idx="3">
+          <a:scrgbClr r="0" g="0" b="0"/>
+        </a:fillRef>
+        <a:effectRef idx="2">
+          <a:scrgbClr r="0" g="0" b="0"/>
+        </a:effectRef>
+        <a:fontRef idx="minor">
+          <a:schemeClr val="lt1"/>
+        </a:fontRef>
+      </dsp:style>
+      <dsp:txBody>
+        <a:bodyPr spcFirstLastPara="0" vert="horz" wrap="square" lIns="106346" tIns="0" rIns="106346" bIns="0" numCol="1" spcCol="1270" anchor="ctr" anchorCtr="0">
+          <a:noAutofit/>
+        </a:bodyPr>
+        <a:lstStyle/>
+        <a:p>
+          <a:pPr lvl="0" algn="l" defTabSz="622300">
+            <a:lnSpc>
+              <a:spcPct val="90000"/>
+            </a:lnSpc>
+            <a:spcBef>
+              <a:spcPct val="0"/>
+            </a:spcBef>
+            <a:spcAft>
+              <a:spcPct val="35000"/>
+            </a:spcAft>
+          </a:pPr>
+          <a:r>
+            <a:rPr lang="en-US" altLang="zh-TW" sz="1400" kern="1200" dirty="0" smtClean="0">
+              <a:latin typeface="Comic Sans MS" panose="030F0702030302020204" pitchFamily="66" charset="0"/>
+            </a:rPr>
+            <a:t>Border surveillance</a:t>
+          </a:r>
+          <a:endParaRPr lang="zh-TW" altLang="en-US" sz="1400" kern="1200" dirty="0">
+            <a:latin typeface="Comic Sans MS" panose="030F0702030302020204" pitchFamily="66" charset="0"/>
+          </a:endParaRPr>
+        </a:p>
+      </dsp:txBody>
+      <dsp:txXfrm>
+        <a:off x="221143" y="2687146"/>
+        <a:ext cx="2773211" cy="372930"/>
+      </dsp:txXfrm>
+    </dsp:sp>
+    <dsp:sp modelId="{19134652-90B3-4B3E-8179-6843774B6D52}">
+      <dsp:nvSpPr>
+        <dsp:cNvPr id="0" name=""/>
+        <dsp:cNvSpPr/>
+      </dsp:nvSpPr>
+      <dsp:spPr>
+        <a:xfrm>
+          <a:off x="0" y="3508651"/>
+          <a:ext cx="3685725" cy="352800"/>
+        </a:xfrm>
+        <a:prstGeom prst="rect">
+          <a:avLst/>
+        </a:prstGeom>
+        <a:solidFill>
+          <a:schemeClr val="lt2">
+            <a:alpha val="90000"/>
+            <a:hueOff val="0"/>
+            <a:satOff val="0"/>
+            <a:lumOff val="0"/>
+            <a:alphaOff val="0"/>
+          </a:schemeClr>
+        </a:solidFill>
+        <a:ln w="6350" cap="flat" cmpd="sng" algn="ctr">
+          <a:solidFill>
+            <a:schemeClr val="dk2">
+              <a:hueOff val="0"/>
+              <a:satOff val="0"/>
+              <a:lumOff val="0"/>
+              <a:alphaOff val="0"/>
+            </a:schemeClr>
+          </a:solidFill>
+          <a:prstDash val="solid"/>
+          <a:miter lim="800000"/>
+        </a:ln>
+        <a:effectLst/>
+      </dsp:spPr>
+      <dsp:style>
+        <a:lnRef idx="1">
+          <a:scrgbClr r="0" g="0" b="0"/>
+        </a:lnRef>
+        <a:fillRef idx="1">
+          <a:scrgbClr r="0" g="0" b="0"/>
+        </a:fillRef>
+        <a:effectRef idx="0">
+          <a:scrgbClr r="0" g="0" b="0"/>
+        </a:effectRef>
+        <a:fontRef idx="minor"/>
+      </dsp:style>
+    </dsp:sp>
+    <dsp:sp modelId="{B00105C3-0411-41B2-9D02-27041BD9AAD1}">
+      <dsp:nvSpPr>
+        <dsp:cNvPr id="0" name=""/>
+        <dsp:cNvSpPr/>
+      </dsp:nvSpPr>
+      <dsp:spPr>
+        <a:xfrm>
+          <a:off x="200968" y="3302010"/>
+          <a:ext cx="2813561" cy="413280"/>
+        </a:xfrm>
+        <a:prstGeom prst="roundRect">
+          <a:avLst/>
+        </a:prstGeom>
+        <a:gradFill rotWithShape="0">
+          <a:gsLst>
+            <a:gs pos="0">
+              <a:schemeClr val="dk2">
+                <a:hueOff val="0"/>
+                <a:satOff val="0"/>
+                <a:lumOff val="0"/>
+                <a:alphaOff val="0"/>
+                <a:satMod val="103000"/>
+                <a:lumMod val="102000"/>
+                <a:tint val="94000"/>
+              </a:schemeClr>
+            </a:gs>
+            <a:gs pos="50000">
+              <a:schemeClr val="dk2">
+                <a:hueOff val="0"/>
+                <a:satOff val="0"/>
+                <a:lumOff val="0"/>
+                <a:alphaOff val="0"/>
+                <a:satMod val="110000"/>
+                <a:lumMod val="100000"/>
+                <a:shade val="100000"/>
+              </a:schemeClr>
+            </a:gs>
+            <a:gs pos="100000">
+              <a:schemeClr val="dk2">
+                <a:hueOff val="0"/>
+                <a:satOff val="0"/>
+                <a:lumOff val="0"/>
+                <a:alphaOff val="0"/>
+                <a:lumMod val="99000"/>
+                <a:satMod val="120000"/>
+                <a:shade val="78000"/>
+              </a:schemeClr>
+            </a:gs>
+          </a:gsLst>
+          <a:lin ang="5400000" scaled="0"/>
+        </a:gradFill>
+        <a:ln>
+          <a:noFill/>
+        </a:ln>
+        <a:effectLst/>
+      </dsp:spPr>
+      <dsp:style>
+        <a:lnRef idx="0">
+          <a:scrgbClr r="0" g="0" b="0"/>
+        </a:lnRef>
+        <a:fillRef idx="3">
+          <a:scrgbClr r="0" g="0" b="0"/>
+        </a:fillRef>
+        <a:effectRef idx="2">
+          <a:scrgbClr r="0" g="0" b="0"/>
+        </a:effectRef>
+        <a:fontRef idx="minor">
+          <a:schemeClr val="lt1"/>
+        </a:fontRef>
+      </dsp:style>
+      <dsp:txBody>
+        <a:bodyPr spcFirstLastPara="0" vert="horz" wrap="square" lIns="106346" tIns="0" rIns="106346" bIns="0" numCol="1" spcCol="1270" anchor="ctr" anchorCtr="0">
+          <a:noAutofit/>
+        </a:bodyPr>
+        <a:lstStyle/>
+        <a:p>
+          <a:pPr lvl="0" algn="l" defTabSz="622300">
+            <a:lnSpc>
+              <a:spcPct val="90000"/>
+            </a:lnSpc>
+            <a:spcBef>
+              <a:spcPct val="0"/>
+            </a:spcBef>
+            <a:spcAft>
+              <a:spcPct val="35000"/>
+            </a:spcAft>
+          </a:pPr>
+          <a:r>
+            <a:rPr lang="en-US" altLang="zh-TW" sz="1400" kern="1200" dirty="0" smtClean="0">
+              <a:latin typeface="Comic Sans MS" panose="030F0702030302020204" pitchFamily="66" charset="0"/>
+            </a:rPr>
+            <a:t>Cargo delivery</a:t>
+          </a:r>
+          <a:endParaRPr lang="zh-TW" altLang="en-US" sz="1400" kern="1200" dirty="0">
+            <a:latin typeface="Comic Sans MS" panose="030F0702030302020204" pitchFamily="66" charset="0"/>
+          </a:endParaRPr>
+        </a:p>
+      </dsp:txBody>
+      <dsp:txXfrm>
+        <a:off x="221143" y="3322185"/>
+        <a:ext cx="2773211" cy="372930"/>
+      </dsp:txXfrm>
     </dsp:sp>
   </dsp:spTree>
 </dsp:drawing>
@@ -4375,6 +6667,231 @@
 </dgm:layoutDef>
 </file>
 
+<file path=ppt/diagrams/layout3.xml><?xml version="1.0" encoding="utf-8"?>
+<dgm:layoutDef xmlns:dgm="http://schemas.openxmlformats.org/drawingml/2006/diagram" xmlns:a="http://schemas.openxmlformats.org/drawingml/2006/main" uniqueId="urn:microsoft.com/office/officeart/2005/8/layout/list1">
+  <dgm:title val=""/>
+  <dgm:desc val=""/>
+  <dgm:catLst>
+    <dgm:cat type="list" pri="4000"/>
+  </dgm:catLst>
+  <dgm:sampData>
+    <dgm:dataModel>
+      <dgm:ptLst>
+        <dgm:pt modelId="0" type="doc"/>
+        <dgm:pt modelId="1">
+          <dgm:prSet phldr="1"/>
+        </dgm:pt>
+        <dgm:pt modelId="2">
+          <dgm:prSet phldr="1"/>
+        </dgm:pt>
+        <dgm:pt modelId="3">
+          <dgm:prSet phldr="1"/>
+        </dgm:pt>
+      </dgm:ptLst>
+      <dgm:cxnLst>
+        <dgm:cxn modelId="4" srcId="0" destId="1" srcOrd="0" destOrd="0"/>
+        <dgm:cxn modelId="5" srcId="0" destId="2" srcOrd="1" destOrd="0"/>
+        <dgm:cxn modelId="6" srcId="0" destId="3" srcOrd="2" destOrd="0"/>
+      </dgm:cxnLst>
+      <dgm:bg/>
+      <dgm:whole/>
+    </dgm:dataModel>
+  </dgm:sampData>
+  <dgm:styleData>
+    <dgm:dataModel>
+      <dgm:ptLst>
+        <dgm:pt modelId="0" type="doc"/>
+        <dgm:pt modelId="1"/>
+        <dgm:pt modelId="2"/>
+      </dgm:ptLst>
+      <dgm:cxnLst>
+        <dgm:cxn modelId="4" srcId="0" destId="1" srcOrd="0" destOrd="0"/>
+        <dgm:cxn modelId="5" srcId="0" destId="2" srcOrd="1" destOrd="0"/>
+      </dgm:cxnLst>
+      <dgm:bg/>
+      <dgm:whole/>
+    </dgm:dataModel>
+  </dgm:styleData>
+  <dgm:clrData>
+    <dgm:dataModel>
+      <dgm:ptLst>
+        <dgm:pt modelId="0" type="doc"/>
+        <dgm:pt modelId="1"/>
+        <dgm:pt modelId="2"/>
+        <dgm:pt modelId="3"/>
+        <dgm:pt modelId="4"/>
+      </dgm:ptLst>
+      <dgm:cxnLst>
+        <dgm:cxn modelId="5" srcId="0" destId="1" srcOrd="0" destOrd="0"/>
+        <dgm:cxn modelId="6" srcId="0" destId="2" srcOrd="1" destOrd="0"/>
+        <dgm:cxn modelId="7" srcId="0" destId="3" srcOrd="2" destOrd="0"/>
+        <dgm:cxn modelId="8" srcId="0" destId="4" srcOrd="3" destOrd="0"/>
+      </dgm:cxnLst>
+      <dgm:bg/>
+      <dgm:whole/>
+    </dgm:dataModel>
+  </dgm:clrData>
+  <dgm:layoutNode name="linear">
+    <dgm:varLst>
+      <dgm:dir/>
+      <dgm:animLvl val="lvl"/>
+      <dgm:resizeHandles val="exact"/>
+    </dgm:varLst>
+    <dgm:choose name="Name0">
+      <dgm:if name="Name1" func="var" arg="dir" op="equ" val="norm">
+        <dgm:alg type="lin">
+          <dgm:param type="linDir" val="fromT"/>
+          <dgm:param type="vertAlign" val="mid"/>
+          <dgm:param type="horzAlign" val="l"/>
+          <dgm:param type="nodeHorzAlign" val="l"/>
+        </dgm:alg>
+      </dgm:if>
+      <dgm:else name="Name2">
+        <dgm:alg type="lin">
+          <dgm:param type="linDir" val="fromT"/>
+          <dgm:param type="vertAlign" val="mid"/>
+          <dgm:param type="horzAlign" val="r"/>
+          <dgm:param type="nodeHorzAlign" val="r"/>
+        </dgm:alg>
+      </dgm:else>
+    </dgm:choose>
+    <dgm:shape xmlns:r="http://schemas.openxmlformats.org/officeDocument/2006/relationships" r:blip="">
+      <dgm:adjLst/>
+    </dgm:shape>
+    <dgm:presOf/>
+    <dgm:constrLst>
+      <dgm:constr type="w" for="ch" forName="parentLin" refType="w"/>
+      <dgm:constr type="h" for="ch" forName="parentLin" val="INF"/>
+      <dgm:constr type="w" for="des" forName="parentLeftMargin" refType="w" fact="0.05"/>
+      <dgm:constr type="w" for="des" forName="parentText" refType="w" fact="0.7"/>
+      <dgm:constr type="h" for="des" forName="parentText" refType="primFontSz" refFor="des" refForName="parentText" fact="0.82"/>
+      <dgm:constr type="h" for="ch" forName="negativeSpace" refType="primFontSz" refFor="des" refForName="parentText" fact="-0.41"/>
+      <dgm:constr type="h" for="ch" forName="negativeSpace" refType="h" refFor="des" refForName="parentText" op="lte" fact="-0.82"/>
+      <dgm:constr type="h" for="ch" forName="negativeSpace" refType="h" refFor="des" refForName="parentText" op="gte" fact="-0.82"/>
+      <dgm:constr type="w" for="ch" forName="childText" refType="w"/>
+      <dgm:constr type="h" for="ch" forName="childText" refType="primFontSz" refFor="des" refForName="parentText" fact="0.7"/>
+      <dgm:constr type="primFontSz" for="des" forName="parentText" val="65"/>
+      <dgm:constr type="primFontSz" for="ch" forName="childText" refType="primFontSz" refFor="des" refForName="parentText"/>
+      <dgm:constr type="tMarg" for="ch" forName="childText" refType="primFontSz" refFor="des" refForName="parentText" fact="1.64"/>
+      <dgm:constr type="tMarg" for="ch" forName="childText" refType="h" refFor="des" refForName="parentText" op="lte" fact="3.28"/>
+      <dgm:constr type="tMarg" for="ch" forName="childText" refType="h" refFor="des" refForName="parentText" op="gte" fact="3.28"/>
+      <dgm:constr type="lMarg" for="ch" forName="childText" refType="w" fact="0.22"/>
+      <dgm:constr type="rMarg" for="ch" forName="childText" refType="lMarg" refFor="ch" refForName="childText"/>
+      <dgm:constr type="lMarg" for="des" forName="parentText" refType="w" fact="0.075"/>
+      <dgm:constr type="rMarg" for="des" forName="parentText" refType="lMarg" refFor="des" refForName="parentText"/>
+      <dgm:constr type="h" for="ch" forName="spaceBetweenRectangles" refType="primFontSz" refFor="des" refForName="parentText" fact="0.15"/>
+    </dgm:constrLst>
+    <dgm:ruleLst>
+      <dgm:rule type="primFontSz" for="des" forName="parentText" val="5" fact="NaN" max="NaN"/>
+    </dgm:ruleLst>
+    <dgm:forEach name="Name3" axis="ch" ptType="node">
+      <dgm:layoutNode name="parentLin">
+        <dgm:choose name="Name4">
+          <dgm:if name="Name5" func="var" arg="dir" op="equ" val="norm">
+            <dgm:alg type="lin">
+              <dgm:param type="linDir" val="fromL"/>
+              <dgm:param type="horzAlign" val="l"/>
+              <dgm:param type="nodeHorzAlign" val="l"/>
+            </dgm:alg>
+          </dgm:if>
+          <dgm:else name="Name6">
+            <dgm:alg type="lin">
+              <dgm:param type="linDir" val="fromR"/>
+              <dgm:param type="horzAlign" val="r"/>
+              <dgm:param type="nodeHorzAlign" val="r"/>
+            </dgm:alg>
+          </dgm:else>
+        </dgm:choose>
+        <dgm:shape xmlns:r="http://schemas.openxmlformats.org/officeDocument/2006/relationships" r:blip="">
+          <dgm:adjLst/>
+        </dgm:shape>
+        <dgm:presOf/>
+        <dgm:constrLst/>
+        <dgm:ruleLst/>
+        <dgm:layoutNode name="parentLeftMargin">
+          <dgm:alg type="sp"/>
+          <dgm:shape xmlns:r="http://schemas.openxmlformats.org/officeDocument/2006/relationships" type="rect" r:blip="" hideGeom="1">
+            <dgm:adjLst/>
+          </dgm:shape>
+          <dgm:presOf axis="self"/>
+          <dgm:constrLst>
+            <dgm:constr type="h"/>
+          </dgm:constrLst>
+          <dgm:ruleLst/>
+        </dgm:layoutNode>
+        <dgm:layoutNode name="parentText" styleLbl="node1">
+          <dgm:varLst>
+            <dgm:chMax val="0"/>
+            <dgm:bulletEnabled val="1"/>
+          </dgm:varLst>
+          <dgm:choose name="Name7">
+            <dgm:if name="Name8" func="var" arg="dir" op="equ" val="norm">
+              <dgm:alg type="tx">
+                <dgm:param type="parTxLTRAlign" val="l"/>
+                <dgm:param type="parTxRTLAlign" val="l"/>
+              </dgm:alg>
+            </dgm:if>
+            <dgm:else name="Name9">
+              <dgm:alg type="tx">
+                <dgm:param type="parTxLTRAlign" val="r"/>
+                <dgm:param type="parTxRTLAlign" val="r"/>
+              </dgm:alg>
+            </dgm:else>
+          </dgm:choose>
+          <dgm:shape xmlns:r="http://schemas.openxmlformats.org/officeDocument/2006/relationships" type="roundRect" r:blip="">
+            <dgm:adjLst/>
+          </dgm:shape>
+          <dgm:presOf axis="self" ptType="node"/>
+          <dgm:constrLst>
+            <dgm:constr type="tMarg"/>
+            <dgm:constr type="bMarg"/>
+          </dgm:constrLst>
+          <dgm:ruleLst/>
+        </dgm:layoutNode>
+      </dgm:layoutNode>
+      <dgm:layoutNode name="negativeSpace">
+        <dgm:alg type="sp"/>
+        <dgm:shape xmlns:r="http://schemas.openxmlformats.org/officeDocument/2006/relationships" r:blip="">
+          <dgm:adjLst/>
+        </dgm:shape>
+        <dgm:presOf/>
+        <dgm:constrLst/>
+        <dgm:ruleLst/>
+      </dgm:layoutNode>
+      <dgm:layoutNode name="childText" styleLbl="conFgAcc1">
+        <dgm:varLst>
+          <dgm:bulletEnabled val="1"/>
+        </dgm:varLst>
+        <dgm:alg type="tx">
+          <dgm:param type="stBulletLvl" val="1"/>
+        </dgm:alg>
+        <dgm:shape xmlns:r="http://schemas.openxmlformats.org/officeDocument/2006/relationships" type="rect" r:blip="" zOrderOff="-2">
+          <dgm:adjLst/>
+        </dgm:shape>
+        <dgm:presOf axis="des" ptType="node"/>
+        <dgm:constrLst>
+          <dgm:constr type="secFontSz" refType="primFontSz"/>
+        </dgm:constrLst>
+        <dgm:ruleLst>
+          <dgm:rule type="h" val="INF" fact="NaN" max="NaN"/>
+        </dgm:ruleLst>
+      </dgm:layoutNode>
+      <dgm:forEach name="Name10" axis="followSib" ptType="sibTrans" cnt="1">
+        <dgm:layoutNode name="spaceBetweenRectangles">
+          <dgm:alg type="sp"/>
+          <dgm:shape xmlns:r="http://schemas.openxmlformats.org/officeDocument/2006/relationships" r:blip="">
+            <dgm:adjLst/>
+          </dgm:shape>
+          <dgm:presOf/>
+          <dgm:constrLst/>
+          <dgm:ruleLst/>
+        </dgm:layoutNode>
+      </dgm:forEach>
+    </dgm:forEach>
+  </dgm:layoutNode>
+</dgm:layoutDef>
+</file>
+
 <file path=ppt/diagrams/quickStyle1.xml><?xml version="1.0" encoding="utf-8"?>
 <dgm:styleDef xmlns:dgm="http://schemas.openxmlformats.org/drawingml/2006/diagram" xmlns:a="http://schemas.openxmlformats.org/drawingml/2006/main" uniqueId="urn:microsoft.com/office/officeart/2005/8/quickstyle/simple1">
   <dgm:title val=""/>
@@ -6441,6 +8958,1390 @@
     </dgm:style>
   </dgm:styleLbl>
 </dgm:styleDef>
+</file>
+
+<file path=ppt/diagrams/quickStyle3.xml><?xml version="1.0" encoding="utf-8"?>
+<dgm:styleDef xmlns:dgm="http://schemas.openxmlformats.org/drawingml/2006/diagram" xmlns:a="http://schemas.openxmlformats.org/drawingml/2006/main" uniqueId="urn:microsoft.com/office/officeart/2005/8/quickstyle/simple4">
+  <dgm:title val=""/>
+  <dgm:desc val=""/>
+  <dgm:catLst>
+    <dgm:cat type="simple" pri="10400"/>
+  </dgm:catLst>
+  <dgm:scene3d>
+    <a:camera prst="orthographicFront"/>
+    <a:lightRig rig="threePt" dir="t"/>
+  </dgm:scene3d>
+  <dgm:styleLbl name="node0">
+    <dgm:scene3d>
+      <a:camera prst="orthographicFront"/>
+      <a:lightRig rig="threePt" dir="t"/>
+    </dgm:scene3d>
+    <dgm:sp3d/>
+    <dgm:txPr/>
+    <dgm:style>
+      <a:lnRef idx="0">
+        <a:scrgbClr r="0" g="0" b="0"/>
+      </a:lnRef>
+      <a:fillRef idx="3">
+        <a:scrgbClr r="0" g="0" b="0"/>
+      </a:fillRef>
+      <a:effectRef idx="2">
+        <a:scrgbClr r="0" g="0" b="0"/>
+      </a:effectRef>
+      <a:fontRef idx="minor">
+        <a:schemeClr val="lt1"/>
+      </a:fontRef>
+    </dgm:style>
+  </dgm:styleLbl>
+  <dgm:styleLbl name="lnNode1">
+    <dgm:scene3d>
+      <a:camera prst="orthographicFront"/>
+      <a:lightRig rig="threePt" dir="t"/>
+    </dgm:scene3d>
+    <dgm:sp3d/>
+    <dgm:txPr/>
+    <dgm:style>
+      <a:lnRef idx="1">
+        <a:scrgbClr r="0" g="0" b="0"/>
+      </a:lnRef>
+      <a:fillRef idx="3">
+        <a:scrgbClr r="0" g="0" b="0"/>
+      </a:fillRef>
+      <a:effectRef idx="2">
+        <a:scrgbClr r="0" g="0" b="0"/>
+      </a:effectRef>
+      <a:fontRef idx="minor">
+        <a:schemeClr val="lt1"/>
+      </a:fontRef>
+    </dgm:style>
+  </dgm:styleLbl>
+  <dgm:styleLbl name="vennNode1">
+    <dgm:scene3d>
+      <a:camera prst="orthographicFront"/>
+      <a:lightRig rig="threePt" dir="t"/>
+    </dgm:scene3d>
+    <dgm:sp3d/>
+    <dgm:txPr/>
+    <dgm:style>
+      <a:lnRef idx="0">
+        <a:scrgbClr r="0" g="0" b="0"/>
+      </a:lnRef>
+      <a:fillRef idx="3">
+        <a:scrgbClr r="0" g="0" b="0"/>
+      </a:fillRef>
+      <a:effectRef idx="0">
+        <a:scrgbClr r="0" g="0" b="0"/>
+      </a:effectRef>
+      <a:fontRef idx="minor">
+        <a:schemeClr val="tx1"/>
+      </a:fontRef>
+    </dgm:style>
+  </dgm:styleLbl>
+  <dgm:styleLbl name="alignNode1">
+    <dgm:scene3d>
+      <a:camera prst="orthographicFront"/>
+      <a:lightRig rig="threePt" dir="t"/>
+    </dgm:scene3d>
+    <dgm:sp3d/>
+    <dgm:txPr/>
+    <dgm:style>
+      <a:lnRef idx="1">
+        <a:scrgbClr r="0" g="0" b="0"/>
+      </a:lnRef>
+      <a:fillRef idx="3">
+        <a:scrgbClr r="0" g="0" b="0"/>
+      </a:fillRef>
+      <a:effectRef idx="2">
+        <a:scrgbClr r="0" g="0" b="0"/>
+      </a:effectRef>
+      <a:fontRef idx="minor">
+        <a:schemeClr val="lt1"/>
+      </a:fontRef>
+    </dgm:style>
+  </dgm:styleLbl>
+  <dgm:styleLbl name="node1">
+    <dgm:scene3d>
+      <a:camera prst="orthographicFront"/>
+      <a:lightRig rig="threePt" dir="t"/>
+    </dgm:scene3d>
+    <dgm:sp3d/>
+    <dgm:txPr/>
+    <dgm:style>
+      <a:lnRef idx="0">
+        <a:scrgbClr r="0" g="0" b="0"/>
+      </a:lnRef>
+      <a:fillRef idx="3">
+        <a:scrgbClr r="0" g="0" b="0"/>
+      </a:fillRef>
+      <a:effectRef idx="2">
+        <a:scrgbClr r="0" g="0" b="0"/>
+      </a:effectRef>
+      <a:fontRef idx="minor">
+        <a:schemeClr val="lt1"/>
+      </a:fontRef>
+    </dgm:style>
+  </dgm:styleLbl>
+  <dgm:styleLbl name="node2">
+    <dgm:scene3d>
+      <a:camera prst="orthographicFront"/>
+      <a:lightRig rig="threePt" dir="t"/>
+    </dgm:scene3d>
+    <dgm:sp3d/>
+    <dgm:txPr/>
+    <dgm:style>
+      <a:lnRef idx="0">
+        <a:scrgbClr r="0" g="0" b="0"/>
+      </a:lnRef>
+      <a:fillRef idx="3">
+        <a:scrgbClr r="0" g="0" b="0"/>
+      </a:fillRef>
+      <a:effectRef idx="2">
+        <a:scrgbClr r="0" g="0" b="0"/>
+      </a:effectRef>
+      <a:fontRef idx="minor">
+        <a:schemeClr val="lt1"/>
+      </a:fontRef>
+    </dgm:style>
+  </dgm:styleLbl>
+  <dgm:styleLbl name="node3">
+    <dgm:scene3d>
+      <a:camera prst="orthographicFront"/>
+      <a:lightRig rig="threePt" dir="t"/>
+    </dgm:scene3d>
+    <dgm:sp3d/>
+    <dgm:txPr/>
+    <dgm:style>
+      <a:lnRef idx="0">
+        <a:scrgbClr r="0" g="0" b="0"/>
+      </a:lnRef>
+      <a:fillRef idx="3">
+        <a:scrgbClr r="0" g="0" b="0"/>
+      </a:fillRef>
+      <a:effectRef idx="2">
+        <a:scrgbClr r="0" g="0" b="0"/>
+      </a:effectRef>
+      <a:fontRef idx="minor">
+        <a:schemeClr val="lt1"/>
+      </a:fontRef>
+    </dgm:style>
+  </dgm:styleLbl>
+  <dgm:styleLbl name="node4">
+    <dgm:scene3d>
+      <a:camera prst="orthographicFront"/>
+      <a:lightRig rig="threePt" dir="t"/>
+    </dgm:scene3d>
+    <dgm:sp3d/>
+    <dgm:txPr/>
+    <dgm:style>
+      <a:lnRef idx="0">
+        <a:scrgbClr r="0" g="0" b="0"/>
+      </a:lnRef>
+      <a:fillRef idx="3">
+        <a:scrgbClr r="0" g="0" b="0"/>
+      </a:fillRef>
+      <a:effectRef idx="2">
+        <a:scrgbClr r="0" g="0" b="0"/>
+      </a:effectRef>
+      <a:fontRef idx="minor">
+        <a:schemeClr val="lt1"/>
+      </a:fontRef>
+    </dgm:style>
+  </dgm:styleLbl>
+  <dgm:styleLbl name="fgImgPlace1">
+    <dgm:scene3d>
+      <a:camera prst="orthographicFront"/>
+      <a:lightRig rig="threePt" dir="t"/>
+    </dgm:scene3d>
+    <dgm:sp3d/>
+    <dgm:txPr/>
+    <dgm:style>
+      <a:lnRef idx="0">
+        <a:scrgbClr r="0" g="0" b="0"/>
+      </a:lnRef>
+      <a:fillRef idx="1">
+        <a:scrgbClr r="0" g="0" b="0"/>
+      </a:fillRef>
+      <a:effectRef idx="2">
+        <a:scrgbClr r="0" g="0" b="0"/>
+      </a:effectRef>
+      <a:fontRef idx="minor"/>
+    </dgm:style>
+  </dgm:styleLbl>
+  <dgm:styleLbl name="alignImgPlace1">
+    <dgm:scene3d>
+      <a:camera prst="orthographicFront"/>
+      <a:lightRig rig="threePt" dir="t"/>
+    </dgm:scene3d>
+    <dgm:sp3d/>
+    <dgm:txPr/>
+    <dgm:style>
+      <a:lnRef idx="0">
+        <a:scrgbClr r="0" g="0" b="0"/>
+      </a:lnRef>
+      <a:fillRef idx="1">
+        <a:scrgbClr r="0" g="0" b="0"/>
+      </a:fillRef>
+      <a:effectRef idx="2">
+        <a:scrgbClr r="0" g="0" b="0"/>
+      </a:effectRef>
+      <a:fontRef idx="minor"/>
+    </dgm:style>
+  </dgm:styleLbl>
+  <dgm:styleLbl name="bgImgPlace1">
+    <dgm:scene3d>
+      <a:camera prst="orthographicFront"/>
+      <a:lightRig rig="threePt" dir="t"/>
+    </dgm:scene3d>
+    <dgm:sp3d/>
+    <dgm:txPr/>
+    <dgm:style>
+      <a:lnRef idx="0">
+        <a:scrgbClr r="0" g="0" b="0"/>
+      </a:lnRef>
+      <a:fillRef idx="1">
+        <a:scrgbClr r="0" g="0" b="0"/>
+      </a:fillRef>
+      <a:effectRef idx="2">
+        <a:scrgbClr r="0" g="0" b="0"/>
+      </a:effectRef>
+      <a:fontRef idx="minor"/>
+    </dgm:style>
+  </dgm:styleLbl>
+  <dgm:styleLbl name="sibTrans2D1">
+    <dgm:scene3d>
+      <a:camera prst="orthographicFront"/>
+      <a:lightRig rig="threePt" dir="t"/>
+    </dgm:scene3d>
+    <dgm:sp3d/>
+    <dgm:txPr/>
+    <dgm:style>
+      <a:lnRef idx="0">
+        <a:scrgbClr r="0" g="0" b="0"/>
+      </a:lnRef>
+      <a:fillRef idx="3">
+        <a:scrgbClr r="0" g="0" b="0"/>
+      </a:fillRef>
+      <a:effectRef idx="2">
+        <a:scrgbClr r="0" g="0" b="0"/>
+      </a:effectRef>
+      <a:fontRef idx="minor">
+        <a:schemeClr val="lt1"/>
+      </a:fontRef>
+    </dgm:style>
+  </dgm:styleLbl>
+  <dgm:styleLbl name="fgSibTrans2D1">
+    <dgm:scene3d>
+      <a:camera prst="orthographicFront"/>
+      <a:lightRig rig="threePt" dir="t"/>
+    </dgm:scene3d>
+    <dgm:sp3d/>
+    <dgm:txPr/>
+    <dgm:style>
+      <a:lnRef idx="0">
+        <a:scrgbClr r="0" g="0" b="0"/>
+      </a:lnRef>
+      <a:fillRef idx="3">
+        <a:scrgbClr r="0" g="0" b="0"/>
+      </a:fillRef>
+      <a:effectRef idx="2">
+        <a:scrgbClr r="0" g="0" b="0"/>
+      </a:effectRef>
+      <a:fontRef idx="minor">
+        <a:schemeClr val="lt1"/>
+      </a:fontRef>
+    </dgm:style>
+  </dgm:styleLbl>
+  <dgm:styleLbl name="bgSibTrans2D1">
+    <dgm:scene3d>
+      <a:camera prst="orthographicFront"/>
+      <a:lightRig rig="threePt" dir="t"/>
+    </dgm:scene3d>
+    <dgm:sp3d/>
+    <dgm:txPr/>
+    <dgm:style>
+      <a:lnRef idx="0">
+        <a:scrgbClr r="0" g="0" b="0"/>
+      </a:lnRef>
+      <a:fillRef idx="3">
+        <a:scrgbClr r="0" g="0" b="0"/>
+      </a:fillRef>
+      <a:effectRef idx="2">
+        <a:scrgbClr r="0" g="0" b="0"/>
+      </a:effectRef>
+      <a:fontRef idx="minor">
+        <a:schemeClr val="lt1"/>
+      </a:fontRef>
+    </dgm:style>
+  </dgm:styleLbl>
+  <dgm:styleLbl name="sibTrans1D1">
+    <dgm:scene3d>
+      <a:camera prst="orthographicFront"/>
+      <a:lightRig rig="threePt" dir="t"/>
+    </dgm:scene3d>
+    <dgm:sp3d/>
+    <dgm:txPr/>
+    <dgm:style>
+      <a:lnRef idx="1">
+        <a:scrgbClr r="0" g="0" b="0"/>
+      </a:lnRef>
+      <a:fillRef idx="0">
+        <a:scrgbClr r="0" g="0" b="0"/>
+      </a:fillRef>
+      <a:effectRef idx="0">
+        <a:scrgbClr r="0" g="0" b="0"/>
+      </a:effectRef>
+      <a:fontRef idx="minor"/>
+    </dgm:style>
+  </dgm:styleLbl>
+  <dgm:styleLbl name="callout">
+    <dgm:scene3d>
+      <a:camera prst="orthographicFront"/>
+      <a:lightRig rig="threePt" dir="t"/>
+    </dgm:scene3d>
+    <dgm:sp3d/>
+    <dgm:txPr/>
+    <dgm:style>
+      <a:lnRef idx="2">
+        <a:scrgbClr r="0" g="0" b="0"/>
+      </a:lnRef>
+      <a:fillRef idx="1">
+        <a:scrgbClr r="0" g="0" b="0"/>
+      </a:fillRef>
+      <a:effectRef idx="1">
+        <a:scrgbClr r="0" g="0" b="0"/>
+      </a:effectRef>
+      <a:fontRef idx="minor"/>
+    </dgm:style>
+  </dgm:styleLbl>
+  <dgm:styleLbl name="asst0">
+    <dgm:scene3d>
+      <a:camera prst="orthographicFront"/>
+      <a:lightRig rig="threePt" dir="t"/>
+    </dgm:scene3d>
+    <dgm:sp3d/>
+    <dgm:txPr/>
+    <dgm:style>
+      <a:lnRef idx="0">
+        <a:scrgbClr r="0" g="0" b="0"/>
+      </a:lnRef>
+      <a:fillRef idx="3">
+        <a:scrgbClr r="0" g="0" b="0"/>
+      </a:fillRef>
+      <a:effectRef idx="2">
+        <a:scrgbClr r="0" g="0" b="0"/>
+      </a:effectRef>
+      <a:fontRef idx="minor">
+        <a:schemeClr val="lt1"/>
+      </a:fontRef>
+    </dgm:style>
+  </dgm:styleLbl>
+  <dgm:styleLbl name="asst1">
+    <dgm:scene3d>
+      <a:camera prst="orthographicFront"/>
+      <a:lightRig rig="threePt" dir="t"/>
+    </dgm:scene3d>
+    <dgm:sp3d/>
+    <dgm:txPr/>
+    <dgm:style>
+      <a:lnRef idx="0">
+        <a:scrgbClr r="0" g="0" b="0"/>
+      </a:lnRef>
+      <a:fillRef idx="3">
+        <a:scrgbClr r="0" g="0" b="0"/>
+      </a:fillRef>
+      <a:effectRef idx="2">
+        <a:scrgbClr r="0" g="0" b="0"/>
+      </a:effectRef>
+      <a:fontRef idx="minor">
+        <a:schemeClr val="lt1"/>
+      </a:fontRef>
+    </dgm:style>
+  </dgm:styleLbl>
+  <dgm:styleLbl name="asst2">
+    <dgm:scene3d>
+      <a:camera prst="orthographicFront"/>
+      <a:lightRig rig="threePt" dir="t"/>
+    </dgm:scene3d>
+    <dgm:sp3d/>
+    <dgm:txPr/>
+    <dgm:style>
+      <a:lnRef idx="0">
+        <a:scrgbClr r="0" g="0" b="0"/>
+      </a:lnRef>
+      <a:fillRef idx="3">
+        <a:scrgbClr r="0" g="0" b="0"/>
+      </a:fillRef>
+      <a:effectRef idx="2">
+        <a:scrgbClr r="0" g="0" b="0"/>
+      </a:effectRef>
+      <a:fontRef idx="minor">
+        <a:schemeClr val="lt1"/>
+      </a:fontRef>
+    </dgm:style>
+  </dgm:styleLbl>
+  <dgm:styleLbl name="asst3">
+    <dgm:scene3d>
+      <a:camera prst="orthographicFront"/>
+      <a:lightRig rig="threePt" dir="t"/>
+    </dgm:scene3d>
+    <dgm:sp3d/>
+    <dgm:txPr/>
+    <dgm:style>
+      <a:lnRef idx="0">
+        <a:scrgbClr r="0" g="0" b="0"/>
+      </a:lnRef>
+      <a:fillRef idx="3">
+        <a:scrgbClr r="0" g="0" b="0"/>
+      </a:fillRef>
+      <a:effectRef idx="2">
+        <a:scrgbClr r="0" g="0" b="0"/>
+      </a:effectRef>
+      <a:fontRef idx="minor">
+        <a:schemeClr val="lt1"/>
+      </a:fontRef>
+    </dgm:style>
+  </dgm:styleLbl>
+  <dgm:styleLbl name="asst4">
+    <dgm:scene3d>
+      <a:camera prst="orthographicFront"/>
+      <a:lightRig rig="threePt" dir="t"/>
+    </dgm:scene3d>
+    <dgm:sp3d/>
+    <dgm:txPr/>
+    <dgm:style>
+      <a:lnRef idx="0">
+        <a:scrgbClr r="0" g="0" b="0"/>
+      </a:lnRef>
+      <a:fillRef idx="3">
+        <a:scrgbClr r="0" g="0" b="0"/>
+      </a:fillRef>
+      <a:effectRef idx="2">
+        <a:scrgbClr r="0" g="0" b="0"/>
+      </a:effectRef>
+      <a:fontRef idx="minor">
+        <a:schemeClr val="lt1"/>
+      </a:fontRef>
+    </dgm:style>
+  </dgm:styleLbl>
+  <dgm:styleLbl name="parChTrans2D1">
+    <dgm:scene3d>
+      <a:camera prst="orthographicFront"/>
+      <a:lightRig rig="threePt" dir="t"/>
+    </dgm:scene3d>
+    <dgm:sp3d/>
+    <dgm:txPr/>
+    <dgm:style>
+      <a:lnRef idx="0">
+        <a:scrgbClr r="0" g="0" b="0"/>
+      </a:lnRef>
+      <a:fillRef idx="3">
+        <a:scrgbClr r="0" g="0" b="0"/>
+      </a:fillRef>
+      <a:effectRef idx="2">
+        <a:scrgbClr r="0" g="0" b="0"/>
+      </a:effectRef>
+      <a:fontRef idx="minor">
+        <a:schemeClr val="lt1"/>
+      </a:fontRef>
+    </dgm:style>
+  </dgm:styleLbl>
+  <dgm:styleLbl name="parChTrans2D2">
+    <dgm:scene3d>
+      <a:camera prst="orthographicFront"/>
+      <a:lightRig rig="threePt" dir="t"/>
+    </dgm:scene3d>
+    <dgm:sp3d/>
+    <dgm:txPr/>
+    <dgm:style>
+      <a:lnRef idx="0">
+        <a:scrgbClr r="0" g="0" b="0"/>
+      </a:lnRef>
+      <a:fillRef idx="3">
+        <a:scrgbClr r="0" g="0" b="0"/>
+      </a:fillRef>
+      <a:effectRef idx="2">
+        <a:scrgbClr r="0" g="0" b="0"/>
+      </a:effectRef>
+      <a:fontRef idx="minor">
+        <a:schemeClr val="lt1"/>
+      </a:fontRef>
+    </dgm:style>
+  </dgm:styleLbl>
+  <dgm:styleLbl name="parChTrans2D3">
+    <dgm:scene3d>
+      <a:camera prst="orthographicFront"/>
+      <a:lightRig rig="threePt" dir="t"/>
+    </dgm:scene3d>
+    <dgm:sp3d/>
+    <dgm:txPr/>
+    <dgm:style>
+      <a:lnRef idx="1">
+        <a:scrgbClr r="0" g="0" b="0"/>
+      </a:lnRef>
+      <a:fillRef idx="3">
+        <a:scrgbClr r="0" g="0" b="0"/>
+      </a:fillRef>
+      <a:effectRef idx="2">
+        <a:scrgbClr r="0" g="0" b="0"/>
+      </a:effectRef>
+      <a:fontRef idx="minor">
+        <a:schemeClr val="lt1"/>
+      </a:fontRef>
+    </dgm:style>
+  </dgm:styleLbl>
+  <dgm:styleLbl name="parChTrans2D4">
+    <dgm:scene3d>
+      <a:camera prst="orthographicFront"/>
+      <a:lightRig rig="threePt" dir="t"/>
+    </dgm:scene3d>
+    <dgm:sp3d/>
+    <dgm:txPr/>
+    <dgm:style>
+      <a:lnRef idx="1">
+        <a:scrgbClr r="0" g="0" b="0"/>
+      </a:lnRef>
+      <a:fillRef idx="3">
+        <a:scrgbClr r="0" g="0" b="0"/>
+      </a:fillRef>
+      <a:effectRef idx="2">
+        <a:scrgbClr r="0" g="0" b="0"/>
+      </a:effectRef>
+      <a:fontRef idx="minor">
+        <a:schemeClr val="lt1"/>
+      </a:fontRef>
+    </dgm:style>
+  </dgm:styleLbl>
+  <dgm:styleLbl name="parChTrans1D1">
+    <dgm:scene3d>
+      <a:camera prst="orthographicFront"/>
+      <a:lightRig rig="threePt" dir="t"/>
+    </dgm:scene3d>
+    <dgm:sp3d/>
+    <dgm:txPr/>
+    <dgm:style>
+      <a:lnRef idx="1">
+        <a:scrgbClr r="0" g="0" b="0"/>
+      </a:lnRef>
+      <a:fillRef idx="0">
+        <a:scrgbClr r="0" g="0" b="0"/>
+      </a:fillRef>
+      <a:effectRef idx="0">
+        <a:scrgbClr r="0" g="0" b="0"/>
+      </a:effectRef>
+      <a:fontRef idx="minor"/>
+    </dgm:style>
+  </dgm:styleLbl>
+  <dgm:styleLbl name="parChTrans1D2">
+    <dgm:scene3d>
+      <a:camera prst="orthographicFront"/>
+      <a:lightRig rig="threePt" dir="t"/>
+    </dgm:scene3d>
+    <dgm:sp3d/>
+    <dgm:txPr/>
+    <dgm:style>
+      <a:lnRef idx="1">
+        <a:scrgbClr r="0" g="0" b="0"/>
+      </a:lnRef>
+      <a:fillRef idx="0">
+        <a:scrgbClr r="0" g="0" b="0"/>
+      </a:fillRef>
+      <a:effectRef idx="0">
+        <a:scrgbClr r="0" g="0" b="0"/>
+      </a:effectRef>
+      <a:fontRef idx="minor"/>
+    </dgm:style>
+  </dgm:styleLbl>
+  <dgm:styleLbl name="parChTrans1D3">
+    <dgm:scene3d>
+      <a:camera prst="orthographicFront"/>
+      <a:lightRig rig="threePt" dir="t"/>
+    </dgm:scene3d>
+    <dgm:sp3d/>
+    <dgm:txPr/>
+    <dgm:style>
+      <a:lnRef idx="1">
+        <a:scrgbClr r="0" g="0" b="0"/>
+      </a:lnRef>
+      <a:fillRef idx="0">
+        <a:scrgbClr r="0" g="0" b="0"/>
+      </a:fillRef>
+      <a:effectRef idx="0">
+        <a:scrgbClr r="0" g="0" b="0"/>
+      </a:effectRef>
+      <a:fontRef idx="minor"/>
+    </dgm:style>
+  </dgm:styleLbl>
+  <dgm:styleLbl name="parChTrans1D4">
+    <dgm:scene3d>
+      <a:camera prst="orthographicFront"/>
+      <a:lightRig rig="threePt" dir="t"/>
+    </dgm:scene3d>
+    <dgm:sp3d/>
+    <dgm:txPr/>
+    <dgm:style>
+      <a:lnRef idx="1">
+        <a:scrgbClr r="0" g="0" b="0"/>
+      </a:lnRef>
+      <a:fillRef idx="0">
+        <a:scrgbClr r="0" g="0" b="0"/>
+      </a:fillRef>
+      <a:effectRef idx="0">
+        <a:scrgbClr r="0" g="0" b="0"/>
+      </a:effectRef>
+      <a:fontRef idx="minor"/>
+    </dgm:style>
+  </dgm:styleLbl>
+  <dgm:styleLbl name="fgAcc1">
+    <dgm:scene3d>
+      <a:camera prst="orthographicFront"/>
+      <a:lightRig rig="threePt" dir="t"/>
+    </dgm:scene3d>
+    <dgm:sp3d/>
+    <dgm:txPr/>
+    <dgm:style>
+      <a:lnRef idx="1">
+        <a:scrgbClr r="0" g="0" b="0"/>
+      </a:lnRef>
+      <a:fillRef idx="1">
+        <a:scrgbClr r="0" g="0" b="0"/>
+      </a:fillRef>
+      <a:effectRef idx="0">
+        <a:scrgbClr r="0" g="0" b="0"/>
+      </a:effectRef>
+      <a:fontRef idx="minor"/>
+    </dgm:style>
+  </dgm:styleLbl>
+  <dgm:styleLbl name="conFgAcc1">
+    <dgm:scene3d>
+      <a:camera prst="orthographicFront"/>
+      <a:lightRig rig="threePt" dir="t"/>
+    </dgm:scene3d>
+    <dgm:sp3d/>
+    <dgm:txPr/>
+    <dgm:style>
+      <a:lnRef idx="1">
+        <a:scrgbClr r="0" g="0" b="0"/>
+      </a:lnRef>
+      <a:fillRef idx="1">
+        <a:scrgbClr r="0" g="0" b="0"/>
+      </a:fillRef>
+      <a:effectRef idx="0">
+        <a:scrgbClr r="0" g="0" b="0"/>
+      </a:effectRef>
+      <a:fontRef idx="minor"/>
+    </dgm:style>
+  </dgm:styleLbl>
+  <dgm:styleLbl name="alignAcc1">
+    <dgm:scene3d>
+      <a:camera prst="orthographicFront"/>
+      <a:lightRig rig="threePt" dir="t"/>
+    </dgm:scene3d>
+    <dgm:sp3d/>
+    <dgm:txPr/>
+    <dgm:style>
+      <a:lnRef idx="1">
+        <a:scrgbClr r="0" g="0" b="0"/>
+      </a:lnRef>
+      <a:fillRef idx="1">
+        <a:scrgbClr r="0" g="0" b="0"/>
+      </a:fillRef>
+      <a:effectRef idx="0">
+        <a:scrgbClr r="0" g="0" b="0"/>
+      </a:effectRef>
+      <a:fontRef idx="minor"/>
+    </dgm:style>
+  </dgm:styleLbl>
+  <dgm:styleLbl name="trAlignAcc1">
+    <dgm:scene3d>
+      <a:camera prst="orthographicFront"/>
+      <a:lightRig rig="threePt" dir="t"/>
+    </dgm:scene3d>
+    <dgm:sp3d/>
+    <dgm:txPr/>
+    <dgm:style>
+      <a:lnRef idx="1">
+        <a:scrgbClr r="0" g="0" b="0"/>
+      </a:lnRef>
+      <a:fillRef idx="1">
+        <a:scrgbClr r="0" g="0" b="0"/>
+      </a:fillRef>
+      <a:effectRef idx="0">
+        <a:scrgbClr r="0" g="0" b="0"/>
+      </a:effectRef>
+      <a:fontRef idx="minor"/>
+    </dgm:style>
+  </dgm:styleLbl>
+  <dgm:styleLbl name="bgAcc1">
+    <dgm:scene3d>
+      <a:camera prst="orthographicFront"/>
+      <a:lightRig rig="threePt" dir="t"/>
+    </dgm:scene3d>
+    <dgm:sp3d/>
+    <dgm:txPr/>
+    <dgm:style>
+      <a:lnRef idx="1">
+        <a:scrgbClr r="0" g="0" b="0"/>
+      </a:lnRef>
+      <a:fillRef idx="1">
+        <a:scrgbClr r="0" g="0" b="0"/>
+      </a:fillRef>
+      <a:effectRef idx="0">
+        <a:scrgbClr r="0" g="0" b="0"/>
+      </a:effectRef>
+      <a:fontRef idx="minor"/>
+    </dgm:style>
+  </dgm:styleLbl>
+  <dgm:styleLbl name="solidFgAcc1">
+    <dgm:scene3d>
+      <a:camera prst="orthographicFront"/>
+      <a:lightRig rig="threePt" dir="t"/>
+    </dgm:scene3d>
+    <dgm:sp3d/>
+    <dgm:txPr/>
+    <dgm:style>
+      <a:lnRef idx="1">
+        <a:scrgbClr r="0" g="0" b="0"/>
+      </a:lnRef>
+      <a:fillRef idx="1">
+        <a:scrgbClr r="0" g="0" b="0"/>
+      </a:fillRef>
+      <a:effectRef idx="0">
+        <a:scrgbClr r="0" g="0" b="0"/>
+      </a:effectRef>
+      <a:fontRef idx="minor"/>
+    </dgm:style>
+  </dgm:styleLbl>
+  <dgm:styleLbl name="solidAlignAcc1">
+    <dgm:scene3d>
+      <a:camera prst="orthographicFront"/>
+      <a:lightRig rig="threePt" dir="t"/>
+    </dgm:scene3d>
+    <dgm:sp3d/>
+    <dgm:txPr/>
+    <dgm:style>
+      <a:lnRef idx="1">
+        <a:scrgbClr r="0" g="0" b="0"/>
+      </a:lnRef>
+      <a:fillRef idx="1">
+        <a:scrgbClr r="0" g="0" b="0"/>
+      </a:fillRef>
+      <a:effectRef idx="0">
+        <a:scrgbClr r="0" g="0" b="0"/>
+      </a:effectRef>
+      <a:fontRef idx="minor"/>
+    </dgm:style>
+  </dgm:styleLbl>
+  <dgm:styleLbl name="solidBgAcc1">
+    <dgm:scene3d>
+      <a:camera prst="orthographicFront"/>
+      <a:lightRig rig="threePt" dir="t"/>
+    </dgm:scene3d>
+    <dgm:sp3d/>
+    <dgm:txPr/>
+    <dgm:style>
+      <a:lnRef idx="1">
+        <a:scrgbClr r="0" g="0" b="0"/>
+      </a:lnRef>
+      <a:fillRef idx="1">
+        <a:scrgbClr r="0" g="0" b="0"/>
+      </a:fillRef>
+      <a:effectRef idx="0">
+        <a:scrgbClr r="0" g="0" b="0"/>
+      </a:effectRef>
+      <a:fontRef idx="minor"/>
+    </dgm:style>
+  </dgm:styleLbl>
+  <dgm:styleLbl name="fgAccFollowNode1">
+    <dgm:scene3d>
+      <a:camera prst="orthographicFront"/>
+      <a:lightRig rig="threePt" dir="t"/>
+    </dgm:scene3d>
+    <dgm:sp3d/>
+    <dgm:txPr/>
+    <dgm:style>
+      <a:lnRef idx="1">
+        <a:scrgbClr r="0" g="0" b="0"/>
+      </a:lnRef>
+      <a:fillRef idx="1">
+        <a:scrgbClr r="0" g="0" b="0"/>
+      </a:fillRef>
+      <a:effectRef idx="0">
+        <a:scrgbClr r="0" g="0" b="0"/>
+      </a:effectRef>
+      <a:fontRef idx="minor"/>
+    </dgm:style>
+  </dgm:styleLbl>
+  <dgm:styleLbl name="alignAccFollowNode1">
+    <dgm:scene3d>
+      <a:camera prst="orthographicFront"/>
+      <a:lightRig rig="threePt" dir="t"/>
+    </dgm:scene3d>
+    <dgm:sp3d/>
+    <dgm:txPr/>
+    <dgm:style>
+      <a:lnRef idx="1">
+        <a:scrgbClr r="0" g="0" b="0"/>
+      </a:lnRef>
+      <a:fillRef idx="1">
+        <a:scrgbClr r="0" g="0" b="0"/>
+      </a:fillRef>
+      <a:effectRef idx="0">
+        <a:scrgbClr r="0" g="0" b="0"/>
+      </a:effectRef>
+      <a:fontRef idx="minor"/>
+    </dgm:style>
+  </dgm:styleLbl>
+  <dgm:styleLbl name="bgAccFollowNode1">
+    <dgm:scene3d>
+      <a:camera prst="orthographicFront"/>
+      <a:lightRig rig="threePt" dir="t"/>
+    </dgm:scene3d>
+    <dgm:sp3d/>
+    <dgm:txPr/>
+    <dgm:style>
+      <a:lnRef idx="1">
+        <a:scrgbClr r="0" g="0" b="0"/>
+      </a:lnRef>
+      <a:fillRef idx="1">
+        <a:scrgbClr r="0" g="0" b="0"/>
+      </a:fillRef>
+      <a:effectRef idx="0">
+        <a:scrgbClr r="0" g="0" b="0"/>
+      </a:effectRef>
+      <a:fontRef idx="minor"/>
+    </dgm:style>
+  </dgm:styleLbl>
+  <dgm:styleLbl name="fgAcc0">
+    <dgm:scene3d>
+      <a:camera prst="orthographicFront"/>
+      <a:lightRig rig="threePt" dir="t"/>
+    </dgm:scene3d>
+    <dgm:sp3d/>
+    <dgm:txPr/>
+    <dgm:style>
+      <a:lnRef idx="1">
+        <a:scrgbClr r="0" g="0" b="0"/>
+      </a:lnRef>
+      <a:fillRef idx="1">
+        <a:scrgbClr r="0" g="0" b="0"/>
+      </a:fillRef>
+      <a:effectRef idx="0">
+        <a:scrgbClr r="0" g="0" b="0"/>
+      </a:effectRef>
+      <a:fontRef idx="minor"/>
+    </dgm:style>
+  </dgm:styleLbl>
+  <dgm:styleLbl name="fgAcc2">
+    <dgm:scene3d>
+      <a:camera prst="orthographicFront"/>
+      <a:lightRig rig="threePt" dir="t"/>
+    </dgm:scene3d>
+    <dgm:sp3d/>
+    <dgm:txPr/>
+    <dgm:style>
+      <a:lnRef idx="1">
+        <a:scrgbClr r="0" g="0" b="0"/>
+      </a:lnRef>
+      <a:fillRef idx="1">
+        <a:scrgbClr r="0" g="0" b="0"/>
+      </a:fillRef>
+      <a:effectRef idx="0">
+        <a:scrgbClr r="0" g="0" b="0"/>
+      </a:effectRef>
+      <a:fontRef idx="minor"/>
+    </dgm:style>
+  </dgm:styleLbl>
+  <dgm:styleLbl name="fgAcc3">
+    <dgm:scene3d>
+      <a:camera prst="orthographicFront"/>
+      <a:lightRig rig="threePt" dir="t"/>
+    </dgm:scene3d>
+    <dgm:sp3d/>
+    <dgm:txPr/>
+    <dgm:style>
+      <a:lnRef idx="1">
+        <a:scrgbClr r="0" g="0" b="0"/>
+      </a:lnRef>
+      <a:fillRef idx="1">
+        <a:scrgbClr r="0" g="0" b="0"/>
+      </a:fillRef>
+      <a:effectRef idx="0">
+        <a:scrgbClr r="0" g="0" b="0"/>
+      </a:effectRef>
+      <a:fontRef idx="minor"/>
+    </dgm:style>
+  </dgm:styleLbl>
+  <dgm:styleLbl name="fgAcc4">
+    <dgm:scene3d>
+      <a:camera prst="orthographicFront"/>
+      <a:lightRig rig="threePt" dir="t"/>
+    </dgm:scene3d>
+    <dgm:sp3d/>
+    <dgm:txPr/>
+    <dgm:style>
+      <a:lnRef idx="1">
+        <a:scrgbClr r="0" g="0" b="0"/>
+      </a:lnRef>
+      <a:fillRef idx="1">
+        <a:scrgbClr r="0" g="0" b="0"/>
+      </a:fillRef>
+      <a:effectRef idx="0">
+        <a:scrgbClr r="0" g="0" b="0"/>
+      </a:effectRef>
+      <a:fontRef idx="minor"/>
+    </dgm:style>
+  </dgm:styleLbl>
+  <dgm:styleLbl name="bgShp">
+    <dgm:scene3d>
+      <a:camera prst="orthographicFront"/>
+      <a:lightRig rig="threePt" dir="t"/>
+    </dgm:scene3d>
+    <dgm:sp3d/>
+    <dgm:txPr/>
+    <dgm:style>
+      <a:lnRef idx="0">
+        <a:scrgbClr r="0" g="0" b="0"/>
+      </a:lnRef>
+      <a:fillRef idx="1">
+        <a:scrgbClr r="0" g="0" b="0"/>
+      </a:fillRef>
+      <a:effectRef idx="2">
+        <a:scrgbClr r="0" g="0" b="0"/>
+      </a:effectRef>
+      <a:fontRef idx="minor"/>
+    </dgm:style>
+  </dgm:styleLbl>
+  <dgm:styleLbl name="dkBgShp">
+    <dgm:scene3d>
+      <a:camera prst="orthographicFront"/>
+      <a:lightRig rig="threePt" dir="t"/>
+    </dgm:scene3d>
+    <dgm:sp3d/>
+    <dgm:txPr/>
+    <dgm:style>
+      <a:lnRef idx="0">
+        <a:scrgbClr r="0" g="0" b="0"/>
+      </a:lnRef>
+      <a:fillRef idx="1">
+        <a:scrgbClr r="0" g="0" b="0"/>
+      </a:fillRef>
+      <a:effectRef idx="2">
+        <a:scrgbClr r="0" g="0" b="0"/>
+      </a:effectRef>
+      <a:fontRef idx="minor"/>
+    </dgm:style>
+  </dgm:styleLbl>
+  <dgm:styleLbl name="trBgShp">
+    <dgm:scene3d>
+      <a:camera prst="orthographicFront"/>
+      <a:lightRig rig="threePt" dir="t"/>
+    </dgm:scene3d>
+    <dgm:sp3d/>
+    <dgm:txPr/>
+    <dgm:style>
+      <a:lnRef idx="0">
+        <a:scrgbClr r="0" g="0" b="0"/>
+      </a:lnRef>
+      <a:fillRef idx="1">
+        <a:scrgbClr r="0" g="0" b="0"/>
+      </a:fillRef>
+      <a:effectRef idx="0">
+        <a:scrgbClr r="0" g="0" b="0"/>
+      </a:effectRef>
+      <a:fontRef idx="minor"/>
+    </dgm:style>
+  </dgm:styleLbl>
+  <dgm:styleLbl name="fgShp">
+    <dgm:scene3d>
+      <a:camera prst="orthographicFront"/>
+      <a:lightRig rig="threePt" dir="t"/>
+    </dgm:scene3d>
+    <dgm:sp3d/>
+    <dgm:txPr/>
+    <dgm:style>
+      <a:lnRef idx="0">
+        <a:scrgbClr r="0" g="0" b="0"/>
+      </a:lnRef>
+      <a:fillRef idx="3">
+        <a:scrgbClr r="0" g="0" b="0"/>
+      </a:fillRef>
+      <a:effectRef idx="2">
+        <a:scrgbClr r="0" g="0" b="0"/>
+      </a:effectRef>
+      <a:fontRef idx="minor"/>
+    </dgm:style>
+  </dgm:styleLbl>
+  <dgm:styleLbl name="revTx">
+    <dgm:scene3d>
+      <a:camera prst="orthographicFront"/>
+      <a:lightRig rig="threePt" dir="t"/>
+    </dgm:scene3d>
+    <dgm:sp3d/>
+    <dgm:txPr/>
+    <dgm:style>
+      <a:lnRef idx="0">
+        <a:scrgbClr r="0" g="0" b="0"/>
+      </a:lnRef>
+      <a:fillRef idx="0">
+        <a:scrgbClr r="0" g="0" b="0"/>
+      </a:fillRef>
+      <a:effectRef idx="0">
+        <a:scrgbClr r="0" g="0" b="0"/>
+      </a:effectRef>
+      <a:fontRef idx="minor"/>
+    </dgm:style>
+  </dgm:styleLbl>
+</dgm:styleDef>
+</file>
+
+<file path=ppt/notesMasters/notesMaster1.xml><?xml version="1.0" encoding="utf-8"?>
+<p:notesMaster xmlns:a="http://schemas.openxmlformats.org/drawingml/2006/main" xmlns:r="http://schemas.openxmlformats.org/officeDocument/2006/relationships" xmlns:p="http://schemas.openxmlformats.org/presentationml/2006/main">
+  <p:cSld>
+    <p:bg>
+      <p:bgRef idx="1001">
+        <a:schemeClr val="bg1"/>
+      </p:bgRef>
+    </p:bg>
+    <p:spTree>
+      <p:nvGrpSpPr>
+        <p:cNvPr id="1" name=""/>
+        <p:cNvGrpSpPr/>
+        <p:nvPr/>
+      </p:nvGrpSpPr>
+      <p:grpSpPr>
+        <a:xfrm>
+          <a:off x="0" y="0"/>
+          <a:ext cx="0" cy="0"/>
+          <a:chOff x="0" y="0"/>
+          <a:chExt cx="0" cy="0"/>
+        </a:xfrm>
+      </p:grpSpPr>
+      <p:sp>
+        <p:nvSpPr>
+          <p:cNvPr id="2" name="頁首版面配置區 1"/>
+          <p:cNvSpPr>
+            <a:spLocks noGrp="1"/>
+          </p:cNvSpPr>
+          <p:nvPr>
+            <p:ph type="hdr" sz="quarter"/>
+          </p:nvPr>
+        </p:nvSpPr>
+        <p:spPr>
+          <a:xfrm>
+            <a:off x="0" y="0"/>
+            <a:ext cx="2971800" cy="458788"/>
+          </a:xfrm>
+          <a:prstGeom prst="rect">
+            <a:avLst/>
+          </a:prstGeom>
+        </p:spPr>
+        <p:txBody>
+          <a:bodyPr vert="horz" lIns="91440" tIns="45720" rIns="91440" bIns="45720" rtlCol="0"/>
+          <a:lstStyle>
+            <a:lvl1pPr algn="l">
+              <a:defRPr sz="1200"/>
+            </a:lvl1pPr>
+          </a:lstStyle>
+          <a:p>
+            <a:endParaRPr lang="zh-TW" altLang="en-US"/>
+          </a:p>
+        </p:txBody>
+      </p:sp>
+      <p:sp>
+        <p:nvSpPr>
+          <p:cNvPr id="3" name="日期版面配置區 2"/>
+          <p:cNvSpPr>
+            <a:spLocks noGrp="1"/>
+          </p:cNvSpPr>
+          <p:nvPr>
+            <p:ph type="dt" idx="1"/>
+          </p:nvPr>
+        </p:nvSpPr>
+        <p:spPr>
+          <a:xfrm>
+            <a:off x="3884613" y="0"/>
+            <a:ext cx="2971800" cy="458788"/>
+          </a:xfrm>
+          <a:prstGeom prst="rect">
+            <a:avLst/>
+          </a:prstGeom>
+        </p:spPr>
+        <p:txBody>
+          <a:bodyPr vert="horz" lIns="91440" tIns="45720" rIns="91440" bIns="45720" rtlCol="0"/>
+          <a:lstStyle>
+            <a:lvl1pPr algn="r">
+              <a:defRPr sz="1200"/>
+            </a:lvl1pPr>
+          </a:lstStyle>
+          <a:p>
+            <a:fld id="{90AE32B7-19C5-4095-9C95-F277E30D1456}" type="datetimeFigureOut">
+              <a:rPr lang="zh-TW" altLang="en-US" smtClean="0"/>
+              <a:t>2019/12/23</a:t>
+            </a:fld>
+            <a:endParaRPr lang="zh-TW" altLang="en-US"/>
+          </a:p>
+        </p:txBody>
+      </p:sp>
+      <p:sp>
+        <p:nvSpPr>
+          <p:cNvPr id="4" name="投影片圖像版面配置區 3"/>
+          <p:cNvSpPr>
+            <a:spLocks noGrp="1" noRot="1" noChangeAspect="1"/>
+          </p:cNvSpPr>
+          <p:nvPr>
+            <p:ph type="sldImg" idx="2"/>
+          </p:nvPr>
+        </p:nvSpPr>
+        <p:spPr>
+          <a:xfrm>
+            <a:off x="685800" y="1143000"/>
+            <a:ext cx="5486400" cy="3086100"/>
+          </a:xfrm>
+          <a:prstGeom prst="rect">
+            <a:avLst/>
+          </a:prstGeom>
+          <a:noFill/>
+          <a:ln w="12700">
+            <a:solidFill>
+              <a:prstClr val="black"/>
+            </a:solidFill>
+          </a:ln>
+        </p:spPr>
+        <p:txBody>
+          <a:bodyPr vert="horz" lIns="91440" tIns="45720" rIns="91440" bIns="45720" rtlCol="0" anchor="ctr"/>
+          <a:lstStyle/>
+          <a:p>
+            <a:endParaRPr lang="zh-TW" altLang="en-US"/>
+          </a:p>
+        </p:txBody>
+      </p:sp>
+      <p:sp>
+        <p:nvSpPr>
+          <p:cNvPr id="5" name="備忘稿版面配置區 4"/>
+          <p:cNvSpPr>
+            <a:spLocks noGrp="1"/>
+          </p:cNvSpPr>
+          <p:nvPr>
+            <p:ph type="body" sz="quarter" idx="3"/>
+          </p:nvPr>
+        </p:nvSpPr>
+        <p:spPr>
+          <a:xfrm>
+            <a:off x="685800" y="4400550"/>
+            <a:ext cx="5486400" cy="3600450"/>
+          </a:xfrm>
+          <a:prstGeom prst="rect">
+            <a:avLst/>
+          </a:prstGeom>
+        </p:spPr>
+        <p:txBody>
+          <a:bodyPr vert="horz" lIns="91440" tIns="45720" rIns="91440" bIns="45720" rtlCol="0"/>
+          <a:lstStyle/>
+          <a:p>
+            <a:pPr lvl="0"/>
+            <a:r>
+              <a:rPr lang="zh-TW" altLang="en-US" smtClean="0"/>
+              <a:t>編輯母片文字樣式</a:t>
+            </a:r>
+          </a:p>
+          <a:p>
+            <a:pPr lvl="1"/>
+            <a:r>
+              <a:rPr lang="zh-TW" altLang="en-US" smtClean="0"/>
+              <a:t>第二層</a:t>
+            </a:r>
+          </a:p>
+          <a:p>
+            <a:pPr lvl="2"/>
+            <a:r>
+              <a:rPr lang="zh-TW" altLang="en-US" smtClean="0"/>
+              <a:t>第三層</a:t>
+            </a:r>
+          </a:p>
+          <a:p>
+            <a:pPr lvl="3"/>
+            <a:r>
+              <a:rPr lang="zh-TW" altLang="en-US" smtClean="0"/>
+              <a:t>第四層</a:t>
+            </a:r>
+          </a:p>
+          <a:p>
+            <a:pPr lvl="4"/>
+            <a:r>
+              <a:rPr lang="zh-TW" altLang="en-US" smtClean="0"/>
+              <a:t>第五層</a:t>
+            </a:r>
+            <a:endParaRPr lang="zh-TW" altLang="en-US"/>
+          </a:p>
+        </p:txBody>
+      </p:sp>
+      <p:sp>
+        <p:nvSpPr>
+          <p:cNvPr id="6" name="頁尾版面配置區 5"/>
+          <p:cNvSpPr>
+            <a:spLocks noGrp="1"/>
+          </p:cNvSpPr>
+          <p:nvPr>
+            <p:ph type="ftr" sz="quarter" idx="4"/>
+          </p:nvPr>
+        </p:nvSpPr>
+        <p:spPr>
+          <a:xfrm>
+            <a:off x="0" y="8685213"/>
+            <a:ext cx="2971800" cy="458787"/>
+          </a:xfrm>
+          <a:prstGeom prst="rect">
+            <a:avLst/>
+          </a:prstGeom>
+        </p:spPr>
+        <p:txBody>
+          <a:bodyPr vert="horz" lIns="91440" tIns="45720" rIns="91440" bIns="45720" rtlCol="0" anchor="b"/>
+          <a:lstStyle>
+            <a:lvl1pPr algn="l">
+              <a:defRPr sz="1200"/>
+            </a:lvl1pPr>
+          </a:lstStyle>
+          <a:p>
+            <a:endParaRPr lang="zh-TW" altLang="en-US"/>
+          </a:p>
+        </p:txBody>
+      </p:sp>
+      <p:sp>
+        <p:nvSpPr>
+          <p:cNvPr id="7" name="投影片編號版面配置區 6"/>
+          <p:cNvSpPr>
+            <a:spLocks noGrp="1"/>
+          </p:cNvSpPr>
+          <p:nvPr>
+            <p:ph type="sldNum" sz="quarter" idx="5"/>
+          </p:nvPr>
+        </p:nvSpPr>
+        <p:spPr>
+          <a:xfrm>
+            <a:off x="3884613" y="8685213"/>
+            <a:ext cx="2971800" cy="458787"/>
+          </a:xfrm>
+          <a:prstGeom prst="rect">
+            <a:avLst/>
+          </a:prstGeom>
+        </p:spPr>
+        <p:txBody>
+          <a:bodyPr vert="horz" lIns="91440" tIns="45720" rIns="91440" bIns="45720" rtlCol="0" anchor="b"/>
+          <a:lstStyle>
+            <a:lvl1pPr algn="r">
+              <a:defRPr sz="1200"/>
+            </a:lvl1pPr>
+          </a:lstStyle>
+          <a:p>
+            <a:fld id="{44447162-ED96-4A84-A335-5A9AFCA350A4}" type="slidenum">
+              <a:rPr lang="zh-TW" altLang="en-US" smtClean="0"/>
+              <a:t>‹#›</a:t>
+            </a:fld>
+            <a:endParaRPr lang="zh-TW" altLang="en-US"/>
+          </a:p>
+        </p:txBody>
+      </p:sp>
+    </p:spTree>
+    <p:extLst>
+      <p:ext uri="{BB962C8B-B14F-4D97-AF65-F5344CB8AC3E}">
+        <p14:creationId xmlns:p14="http://schemas.microsoft.com/office/powerpoint/2010/main" val="3349631472"/>
+      </p:ext>
+    </p:extLst>
+  </p:cSld>
+  <p:clrMap bg1="lt1" tx1="dk1" bg2="lt2" tx2="dk2" accent1="accent1" accent2="accent2" accent3="accent3" accent4="accent4" accent5="accent5" accent6="accent6" hlink="hlink" folHlink="folHlink"/>
+  <p:notesStyle>
+    <a:lvl1pPr marL="0" algn="l" defTabSz="914400" rtl="0" eaLnBrk="1" latinLnBrk="0" hangingPunct="1">
+      <a:defRPr sz="1200" kern="1200">
+        <a:solidFill>
+          <a:schemeClr val="tx1"/>
+        </a:solidFill>
+        <a:latin typeface="+mn-lt"/>
+        <a:ea typeface="+mn-ea"/>
+        <a:cs typeface="+mn-cs"/>
+      </a:defRPr>
+    </a:lvl1pPr>
+    <a:lvl2pPr marL="457200" algn="l" defTabSz="914400" rtl="0" eaLnBrk="1" latinLnBrk="0" hangingPunct="1">
+      <a:defRPr sz="1200" kern="1200">
+        <a:solidFill>
+          <a:schemeClr val="tx1"/>
+        </a:solidFill>
+        <a:latin typeface="+mn-lt"/>
+        <a:ea typeface="+mn-ea"/>
+        <a:cs typeface="+mn-cs"/>
+      </a:defRPr>
+    </a:lvl2pPr>
+    <a:lvl3pPr marL="914400" algn="l" defTabSz="914400" rtl="0" eaLnBrk="1" latinLnBrk="0" hangingPunct="1">
+      <a:defRPr sz="1200" kern="1200">
+        <a:solidFill>
+          <a:schemeClr val="tx1"/>
+        </a:solidFill>
+        <a:latin typeface="+mn-lt"/>
+        <a:ea typeface="+mn-ea"/>
+        <a:cs typeface="+mn-cs"/>
+      </a:defRPr>
+    </a:lvl3pPr>
+    <a:lvl4pPr marL="1371600" algn="l" defTabSz="914400" rtl="0" eaLnBrk="1" latinLnBrk="0" hangingPunct="1">
+      <a:defRPr sz="1200" kern="1200">
+        <a:solidFill>
+          <a:schemeClr val="tx1"/>
+        </a:solidFill>
+        <a:latin typeface="+mn-lt"/>
+        <a:ea typeface="+mn-ea"/>
+        <a:cs typeface="+mn-cs"/>
+      </a:defRPr>
+    </a:lvl4pPr>
+    <a:lvl5pPr marL="1828800" algn="l" defTabSz="914400" rtl="0" eaLnBrk="1" latinLnBrk="0" hangingPunct="1">
+      <a:defRPr sz="1200" kern="1200">
+        <a:solidFill>
+          <a:schemeClr val="tx1"/>
+        </a:solidFill>
+        <a:latin typeface="+mn-lt"/>
+        <a:ea typeface="+mn-ea"/>
+        <a:cs typeface="+mn-cs"/>
+      </a:defRPr>
+    </a:lvl5pPr>
+    <a:lvl6pPr marL="2286000" algn="l" defTabSz="914400" rtl="0" eaLnBrk="1" latinLnBrk="0" hangingPunct="1">
+      <a:defRPr sz="1200" kern="1200">
+        <a:solidFill>
+          <a:schemeClr val="tx1"/>
+        </a:solidFill>
+        <a:latin typeface="+mn-lt"/>
+        <a:ea typeface="+mn-ea"/>
+        <a:cs typeface="+mn-cs"/>
+      </a:defRPr>
+    </a:lvl6pPr>
+    <a:lvl7pPr marL="2743200" algn="l" defTabSz="914400" rtl="0" eaLnBrk="1" latinLnBrk="0" hangingPunct="1">
+      <a:defRPr sz="1200" kern="1200">
+        <a:solidFill>
+          <a:schemeClr val="tx1"/>
+        </a:solidFill>
+        <a:latin typeface="+mn-lt"/>
+        <a:ea typeface="+mn-ea"/>
+        <a:cs typeface="+mn-cs"/>
+      </a:defRPr>
+    </a:lvl7pPr>
+    <a:lvl8pPr marL="3200400" algn="l" defTabSz="914400" rtl="0" eaLnBrk="1" latinLnBrk="0" hangingPunct="1">
+      <a:defRPr sz="1200" kern="1200">
+        <a:solidFill>
+          <a:schemeClr val="tx1"/>
+        </a:solidFill>
+        <a:latin typeface="+mn-lt"/>
+        <a:ea typeface="+mn-ea"/>
+        <a:cs typeface="+mn-cs"/>
+      </a:defRPr>
+    </a:lvl8pPr>
+    <a:lvl9pPr marL="3657600" algn="l" defTabSz="914400" rtl="0" eaLnBrk="1" latinLnBrk="0" hangingPunct="1">
+      <a:defRPr sz="1200" kern="1200">
+        <a:solidFill>
+          <a:schemeClr val="tx1"/>
+        </a:solidFill>
+        <a:latin typeface="+mn-lt"/>
+        <a:ea typeface="+mn-ea"/>
+        <a:cs typeface="+mn-cs"/>
+      </a:defRPr>
+    </a:lvl9pPr>
+  </p:notesStyle>
+</p:notesMaster>
 </file>
 
 <file path=ppt/slideLayouts/slideLayout1.xml><?xml version="1.0" encoding="utf-8"?>
@@ -6572,9 +10473,9 @@
           <a:bodyPr/>
           <a:lstStyle/>
           <a:p>
-            <a:fld id="{5CEBC81E-C0C5-4252-ABFA-AB48C9DBB844}" type="datetimeFigureOut">
+            <a:fld id="{D0C519A4-C899-4FE3-B2C0-EA32C1E2A373}" type="datetime1">
               <a:rPr lang="zh-TW" altLang="en-US" smtClean="0"/>
-              <a:t>2019/12/22</a:t>
+              <a:t>2019/12/23</a:t>
             </a:fld>
             <a:endParaRPr lang="zh-TW" altLang="en-US"/>
           </a:p>
@@ -6742,9 +10643,9 @@
           <a:bodyPr/>
           <a:lstStyle/>
           <a:p>
-            <a:fld id="{5CEBC81E-C0C5-4252-ABFA-AB48C9DBB844}" type="datetimeFigureOut">
+            <a:fld id="{AAF725E2-3DF1-496F-923B-ADC93C1FF91E}" type="datetime1">
               <a:rPr lang="zh-TW" altLang="en-US" smtClean="0"/>
-              <a:t>2019/12/22</a:t>
+              <a:t>2019/12/23</a:t>
             </a:fld>
             <a:endParaRPr lang="zh-TW" altLang="en-US"/>
           </a:p>
@@ -6922,9 +10823,9 @@
           <a:bodyPr/>
           <a:lstStyle/>
           <a:p>
-            <a:fld id="{5CEBC81E-C0C5-4252-ABFA-AB48C9DBB844}" type="datetimeFigureOut">
+            <a:fld id="{BA639709-0C54-4055-B8A5-334E3C574642}" type="datetime1">
               <a:rPr lang="zh-TW" altLang="en-US" smtClean="0"/>
-              <a:t>2019/12/22</a:t>
+              <a:t>2019/12/23</a:t>
             </a:fld>
             <a:endParaRPr lang="zh-TW" altLang="en-US"/>
           </a:p>
@@ -7092,9 +10993,9 @@
           <a:bodyPr/>
           <a:lstStyle/>
           <a:p>
-            <a:fld id="{5CEBC81E-C0C5-4252-ABFA-AB48C9DBB844}" type="datetimeFigureOut">
+            <a:fld id="{529E66E2-A720-4114-9EAD-35F33426C266}" type="datetime1">
               <a:rPr lang="zh-TW" altLang="en-US" smtClean="0"/>
-              <a:t>2019/12/22</a:t>
+              <a:t>2019/12/23</a:t>
             </a:fld>
             <a:endParaRPr lang="zh-TW" altLang="en-US"/>
           </a:p>
@@ -7338,9 +11239,9 @@
           <a:bodyPr/>
           <a:lstStyle/>
           <a:p>
-            <a:fld id="{5CEBC81E-C0C5-4252-ABFA-AB48C9DBB844}" type="datetimeFigureOut">
+            <a:fld id="{EC6CA15E-6041-4E19-A88F-713A849FAB1F}" type="datetime1">
               <a:rPr lang="zh-TW" altLang="en-US" smtClean="0"/>
-              <a:t>2019/12/22</a:t>
+              <a:t>2019/12/23</a:t>
             </a:fld>
             <a:endParaRPr lang="zh-TW" altLang="en-US"/>
           </a:p>
@@ -7570,9 +11471,9 @@
           <a:bodyPr/>
           <a:lstStyle/>
           <a:p>
-            <a:fld id="{5CEBC81E-C0C5-4252-ABFA-AB48C9DBB844}" type="datetimeFigureOut">
+            <a:fld id="{ED1B1673-2459-4015-8514-10CC325F640F}" type="datetime1">
               <a:rPr lang="zh-TW" altLang="en-US" smtClean="0"/>
-              <a:t>2019/12/22</a:t>
+              <a:t>2019/12/23</a:t>
             </a:fld>
             <a:endParaRPr lang="zh-TW" altLang="en-US"/>
           </a:p>
@@ -7937,9 +11838,9 @@
           <a:bodyPr/>
           <a:lstStyle/>
           <a:p>
-            <a:fld id="{5CEBC81E-C0C5-4252-ABFA-AB48C9DBB844}" type="datetimeFigureOut">
+            <a:fld id="{14BBF4F7-C57C-4105-9534-84A0BF80F02F}" type="datetime1">
               <a:rPr lang="zh-TW" altLang="en-US" smtClean="0"/>
-              <a:t>2019/12/22</a:t>
+              <a:t>2019/12/23</a:t>
             </a:fld>
             <a:endParaRPr lang="zh-TW" altLang="en-US"/>
           </a:p>
@@ -8055,9 +11956,9 @@
           <a:bodyPr/>
           <a:lstStyle/>
           <a:p>
-            <a:fld id="{5CEBC81E-C0C5-4252-ABFA-AB48C9DBB844}" type="datetimeFigureOut">
+            <a:fld id="{973340D1-97F9-4595-91A4-880B1C854E40}" type="datetime1">
               <a:rPr lang="zh-TW" altLang="en-US" smtClean="0"/>
-              <a:t>2019/12/22</a:t>
+              <a:t>2019/12/23</a:t>
             </a:fld>
             <a:endParaRPr lang="zh-TW" altLang="en-US"/>
           </a:p>
@@ -8150,9 +12051,9 @@
           <a:bodyPr/>
           <a:lstStyle/>
           <a:p>
-            <a:fld id="{5CEBC81E-C0C5-4252-ABFA-AB48C9DBB844}" type="datetimeFigureOut">
+            <a:fld id="{017D0E3B-C414-4A74-9F90-82C22692D280}" type="datetime1">
               <a:rPr lang="zh-TW" altLang="en-US" smtClean="0"/>
-              <a:t>2019/12/22</a:t>
+              <a:t>2019/12/23</a:t>
             </a:fld>
             <a:endParaRPr lang="zh-TW" altLang="en-US"/>
           </a:p>
@@ -8427,9 +12328,9 @@
           <a:bodyPr/>
           <a:lstStyle/>
           <a:p>
-            <a:fld id="{5CEBC81E-C0C5-4252-ABFA-AB48C9DBB844}" type="datetimeFigureOut">
+            <a:fld id="{2C132A8D-7E8C-45E9-AF19-479C7BF98E21}" type="datetime1">
               <a:rPr lang="zh-TW" altLang="en-US" smtClean="0"/>
-              <a:t>2019/12/22</a:t>
+              <a:t>2019/12/23</a:t>
             </a:fld>
             <a:endParaRPr lang="zh-TW" altLang="en-US"/>
           </a:p>
@@ -8680,9 +12581,9 @@
           <a:bodyPr/>
           <a:lstStyle/>
           <a:p>
-            <a:fld id="{5CEBC81E-C0C5-4252-ABFA-AB48C9DBB844}" type="datetimeFigureOut">
+            <a:fld id="{E5E4FAB2-8603-4182-B607-B8D4C5ACF843}" type="datetime1">
               <a:rPr lang="zh-TW" altLang="en-US" smtClean="0"/>
-              <a:t>2019/12/22</a:t>
+              <a:t>2019/12/23</a:t>
             </a:fld>
             <a:endParaRPr lang="zh-TW" altLang="en-US"/>
           </a:p>
@@ -8893,9 +12794,9 @@
             </a:lvl1pPr>
           </a:lstStyle>
           <a:p>
-            <a:fld id="{5CEBC81E-C0C5-4252-ABFA-AB48C9DBB844}" type="datetimeFigureOut">
+            <a:fld id="{01AA6340-B1F5-49D0-BCE2-BF206B87664B}" type="datetime1">
               <a:rPr lang="zh-TW" altLang="en-US" smtClean="0"/>
-              <a:t>2019/12/22</a:t>
+              <a:t>2019/12/23</a:t>
             </a:fld>
             <a:endParaRPr lang="zh-TW" altLang="en-US"/>
           </a:p>
@@ -9000,6 +12901,7 @@
     <p:sldLayoutId id="2147483658" r:id="rId10"/>
     <p:sldLayoutId id="2147483659" r:id="rId11"/>
   </p:sldLayoutIdLst>
+  <p:hf hdr="0" ftr="0" dt="0"/>
   <p:txStyles>
     <p:titleStyle>
       <a:lvl1pPr algn="l" defTabSz="914400" rtl="0" eaLnBrk="1" latinLnBrk="0" hangingPunct="1">
@@ -9365,6 +13267,17 @@
               </a:rPr>
               <a:t>Date : </a:t>
             </a:r>
+            <a:r>
+              <a:rPr lang="en-US" altLang="zh-TW" sz="2000" dirty="0" smtClean="0">
+                <a:latin typeface="Times New Roman" panose="02020603050405020304" pitchFamily="18" charset="0"/>
+                <a:cs typeface="Times New Roman" panose="02020603050405020304" pitchFamily="18" charset="0"/>
+              </a:rPr>
+              <a:t>2019 / 12 /30</a:t>
+            </a:r>
+            <a:endParaRPr lang="en-US" altLang="zh-TW" sz="2000" dirty="0" smtClean="0">
+              <a:latin typeface="Times New Roman" panose="02020603050405020304" pitchFamily="18" charset="0"/>
+              <a:cs typeface="Times New Roman" panose="02020603050405020304" pitchFamily="18" charset="0"/>
+            </a:endParaRPr>
           </a:p>
           <a:p>
             <a:r>
@@ -9699,6 +13612,29 @@
           </a:graphicData>
         </a:graphic>
       </p:graphicFrame>
+      <p:sp>
+        <p:nvSpPr>
+          <p:cNvPr id="6" name="投影片編號版面配置區 5"/>
+          <p:cNvSpPr>
+            <a:spLocks noGrp="1"/>
+          </p:cNvSpPr>
+          <p:nvPr>
+            <p:ph type="sldNum" sz="quarter" idx="12"/>
+          </p:nvPr>
+        </p:nvSpPr>
+        <p:spPr/>
+        <p:txBody>
+          <a:bodyPr/>
+          <a:lstStyle/>
+          <a:p>
+            <a:fld id="{C128DF73-0FD1-4EFB-B6B9-20BE1557E8C1}" type="slidenum">
+              <a:rPr lang="zh-TW" altLang="en-US" smtClean="0"/>
+              <a:t>1</a:t>
+            </a:fld>
+            <a:endParaRPr lang="zh-TW" altLang="en-US"/>
+          </a:p>
+        </p:txBody>
+      </p:sp>
     </p:spTree>
     <p:extLst>
       <p:ext uri="{BB962C8B-B14F-4D97-AF65-F5344CB8AC3E}">
@@ -9720,6 +13656,1179 @@
 </file>
 
 <file path=ppt/slides/slide10.xml><?xml version="1.0" encoding="utf-8"?>
+<p:sld xmlns:a="http://schemas.openxmlformats.org/drawingml/2006/main" xmlns:r="http://schemas.openxmlformats.org/officeDocument/2006/relationships" xmlns:p="http://schemas.openxmlformats.org/presentationml/2006/main">
+  <p:cSld>
+    <p:spTree>
+      <p:nvGrpSpPr>
+        <p:cNvPr id="1" name=""/>
+        <p:cNvGrpSpPr/>
+        <p:nvPr/>
+      </p:nvGrpSpPr>
+      <p:grpSpPr>
+        <a:xfrm>
+          <a:off x="0" y="0"/>
+          <a:ext cx="0" cy="0"/>
+          <a:chOff x="0" y="0"/>
+          <a:chExt cx="0" cy="0"/>
+        </a:xfrm>
+      </p:grpSpPr>
+      <p:sp>
+        <p:nvSpPr>
+          <p:cNvPr id="4" name="橢圓 3"/>
+          <p:cNvSpPr/>
+          <p:nvPr/>
+        </p:nvSpPr>
+        <p:spPr>
+          <a:xfrm>
+            <a:off x="345688" y="920843"/>
+            <a:ext cx="172720" cy="162560"/>
+          </a:xfrm>
+          <a:prstGeom prst="ellipse">
+            <a:avLst/>
+          </a:prstGeom>
+          <a:solidFill>
+            <a:schemeClr val="tx1">
+              <a:lumMod val="65000"/>
+              <a:lumOff val="35000"/>
+            </a:schemeClr>
+          </a:solidFill>
+          <a:ln>
+            <a:noFill/>
+          </a:ln>
+        </p:spPr>
+        <p:style>
+          <a:lnRef idx="2">
+            <a:schemeClr val="accent1">
+              <a:shade val="50000"/>
+            </a:schemeClr>
+          </a:lnRef>
+          <a:fillRef idx="1">
+            <a:schemeClr val="accent1"/>
+          </a:fillRef>
+          <a:effectRef idx="0">
+            <a:schemeClr val="accent1"/>
+          </a:effectRef>
+          <a:fontRef idx="minor">
+            <a:schemeClr val="lt1"/>
+          </a:fontRef>
+        </p:style>
+        <p:txBody>
+          <a:bodyPr rtlCol="0" anchor="ctr"/>
+          <a:lstStyle/>
+          <a:p>
+            <a:pPr algn="ctr"/>
+            <a:endParaRPr lang="zh-TW" altLang="en-US"/>
+          </a:p>
+        </p:txBody>
+      </p:sp>
+      <p:cxnSp>
+        <p:nvCxnSpPr>
+          <p:cNvPr id="5" name="直線接點 4"/>
+          <p:cNvCxnSpPr>
+            <a:stCxn id="4" idx="6"/>
+          </p:cNvCxnSpPr>
+          <p:nvPr/>
+        </p:nvCxnSpPr>
+        <p:spPr>
+          <a:xfrm>
+            <a:off x="518408" y="1002123"/>
+            <a:ext cx="4152538" cy="0"/>
+          </a:xfrm>
+          <a:prstGeom prst="line">
+            <a:avLst/>
+          </a:prstGeom>
+          <a:ln w="25400">
+            <a:solidFill>
+              <a:schemeClr val="tx1">
+                <a:lumMod val="65000"/>
+                <a:lumOff val="35000"/>
+              </a:schemeClr>
+            </a:solidFill>
+          </a:ln>
+        </p:spPr>
+        <p:style>
+          <a:lnRef idx="1">
+            <a:schemeClr val="accent1"/>
+          </a:lnRef>
+          <a:fillRef idx="0">
+            <a:schemeClr val="accent1"/>
+          </a:fillRef>
+          <a:effectRef idx="0">
+            <a:schemeClr val="accent1"/>
+          </a:effectRef>
+          <a:fontRef idx="minor">
+            <a:schemeClr val="tx1"/>
+          </a:fontRef>
+        </p:style>
+      </p:cxnSp>
+      <p:sp>
+        <p:nvSpPr>
+          <p:cNvPr id="6" name="矩形 5"/>
+          <p:cNvSpPr/>
+          <p:nvPr/>
+        </p:nvSpPr>
+        <p:spPr>
+          <a:xfrm>
+            <a:off x="419461" y="417348"/>
+            <a:ext cx="4251485" cy="584775"/>
+          </a:xfrm>
+          <a:prstGeom prst="rect">
+            <a:avLst/>
+          </a:prstGeom>
+          <a:noFill/>
+        </p:spPr>
+        <p:txBody>
+          <a:bodyPr wrap="none" lIns="91440" tIns="45720" rIns="91440" bIns="45720">
+            <a:spAutoFit/>
+          </a:bodyPr>
+          <a:lstStyle/>
+          <a:p>
+            <a:pPr algn="ctr"/>
+            <a:r>
+              <a:rPr lang="en-US" altLang="zh-TW" sz="3200" b="1" cap="none" spc="0" dirty="0" smtClean="0">
+                <a:ln w="0"/>
+                <a:solidFill>
+                  <a:schemeClr val="accent1"/>
+                </a:solidFill>
+                <a:effectLst>
+                  <a:outerShdw blurRad="38100" dist="25400" dir="5400000" algn="ctr" rotWithShape="0">
+                    <a:srgbClr val="6E747A">
+                      <a:alpha val="43000"/>
+                    </a:srgbClr>
+                  </a:outerShdw>
+                </a:effectLst>
+                <a:latin typeface="Times New Roman" panose="02020603050405020304" pitchFamily="18" charset="0"/>
+                <a:cs typeface="Times New Roman" panose="02020603050405020304" pitchFamily="18" charset="0"/>
+              </a:rPr>
+              <a:t>Experimentation Setup</a:t>
+            </a:r>
+            <a:endParaRPr lang="zh-TW" altLang="en-US" sz="3200" b="1" cap="none" spc="0" dirty="0">
+              <a:ln w="0"/>
+              <a:solidFill>
+                <a:schemeClr val="accent1"/>
+              </a:solidFill>
+              <a:effectLst>
+                <a:outerShdw blurRad="38100" dist="25400" dir="5400000" algn="ctr" rotWithShape="0">
+                  <a:srgbClr val="6E747A">
+                    <a:alpha val="43000"/>
+                  </a:srgbClr>
+                </a:outerShdw>
+              </a:effectLst>
+              <a:latin typeface="Times New Roman" panose="02020603050405020304" pitchFamily="18" charset="0"/>
+              <a:cs typeface="Times New Roman" panose="02020603050405020304" pitchFamily="18" charset="0"/>
+            </a:endParaRPr>
+          </a:p>
+        </p:txBody>
+      </p:sp>
+      <p:sp>
+        <p:nvSpPr>
+          <p:cNvPr id="10" name="投影片編號版面配置區 9"/>
+          <p:cNvSpPr>
+            <a:spLocks noGrp="1"/>
+          </p:cNvSpPr>
+          <p:nvPr>
+            <p:ph type="sldNum" sz="quarter" idx="12"/>
+          </p:nvPr>
+        </p:nvSpPr>
+        <p:spPr/>
+        <p:txBody>
+          <a:bodyPr/>
+          <a:lstStyle/>
+          <a:p>
+            <a:fld id="{C128DF73-0FD1-4EFB-B6B9-20BE1557E8C1}" type="slidenum">
+              <a:rPr lang="zh-TW" altLang="en-US" smtClean="0"/>
+              <a:t>10</a:t>
+            </a:fld>
+            <a:endParaRPr lang="zh-TW" altLang="en-US"/>
+          </a:p>
+        </p:txBody>
+      </p:sp>
+    </p:spTree>
+    <p:extLst>
+      <p:ext uri="{BB962C8B-B14F-4D97-AF65-F5344CB8AC3E}">
+        <p14:creationId xmlns:p14="http://schemas.microsoft.com/office/powerpoint/2010/main" val="216678036"/>
+      </p:ext>
+    </p:extLst>
+  </p:cSld>
+  <p:clrMapOvr>
+    <a:masterClrMapping/>
+  </p:clrMapOvr>
+  <p:timing>
+    <p:tnLst>
+      <p:par>
+        <p:cTn id="1" dur="indefinite" restart="never" nodeType="tmRoot"/>
+      </p:par>
+    </p:tnLst>
+  </p:timing>
+</p:sld>
+</file>
+
+<file path=ppt/slides/slide11.xml><?xml version="1.0" encoding="utf-8"?>
+<p:sld xmlns:a="http://schemas.openxmlformats.org/drawingml/2006/main" xmlns:r="http://schemas.openxmlformats.org/officeDocument/2006/relationships" xmlns:p="http://schemas.openxmlformats.org/presentationml/2006/main">
+  <p:cSld>
+    <p:spTree>
+      <p:nvGrpSpPr>
+        <p:cNvPr id="1" name=""/>
+        <p:cNvGrpSpPr/>
+        <p:nvPr/>
+      </p:nvGrpSpPr>
+      <p:grpSpPr>
+        <a:xfrm>
+          <a:off x="0" y="0"/>
+          <a:ext cx="0" cy="0"/>
+          <a:chOff x="0" y="0"/>
+          <a:chExt cx="0" cy="0"/>
+        </a:xfrm>
+      </p:grpSpPr>
+      <p:sp>
+        <p:nvSpPr>
+          <p:cNvPr id="4" name="橢圓 3"/>
+          <p:cNvSpPr/>
+          <p:nvPr/>
+        </p:nvSpPr>
+        <p:spPr>
+          <a:xfrm>
+            <a:off x="345688" y="920843"/>
+            <a:ext cx="172720" cy="162560"/>
+          </a:xfrm>
+          <a:prstGeom prst="ellipse">
+            <a:avLst/>
+          </a:prstGeom>
+          <a:solidFill>
+            <a:schemeClr val="tx1">
+              <a:lumMod val="65000"/>
+              <a:lumOff val="35000"/>
+            </a:schemeClr>
+          </a:solidFill>
+          <a:ln>
+            <a:noFill/>
+          </a:ln>
+        </p:spPr>
+        <p:style>
+          <a:lnRef idx="2">
+            <a:schemeClr val="accent1">
+              <a:shade val="50000"/>
+            </a:schemeClr>
+          </a:lnRef>
+          <a:fillRef idx="1">
+            <a:schemeClr val="accent1"/>
+          </a:fillRef>
+          <a:effectRef idx="0">
+            <a:schemeClr val="accent1"/>
+          </a:effectRef>
+          <a:fontRef idx="minor">
+            <a:schemeClr val="lt1"/>
+          </a:fontRef>
+        </p:style>
+        <p:txBody>
+          <a:bodyPr rtlCol="0" anchor="ctr"/>
+          <a:lstStyle/>
+          <a:p>
+            <a:pPr algn="ctr"/>
+            <a:endParaRPr lang="zh-TW" altLang="en-US"/>
+          </a:p>
+        </p:txBody>
+      </p:sp>
+      <p:cxnSp>
+        <p:nvCxnSpPr>
+          <p:cNvPr id="5" name="直線接點 4"/>
+          <p:cNvCxnSpPr>
+            <a:stCxn id="4" idx="6"/>
+          </p:cNvCxnSpPr>
+          <p:nvPr/>
+        </p:nvCxnSpPr>
+        <p:spPr>
+          <a:xfrm>
+            <a:off x="518408" y="1002123"/>
+            <a:ext cx="5368586" cy="0"/>
+          </a:xfrm>
+          <a:prstGeom prst="line">
+            <a:avLst/>
+          </a:prstGeom>
+          <a:ln w="25400">
+            <a:solidFill>
+              <a:schemeClr val="tx1">
+                <a:lumMod val="65000"/>
+                <a:lumOff val="35000"/>
+              </a:schemeClr>
+            </a:solidFill>
+          </a:ln>
+        </p:spPr>
+        <p:style>
+          <a:lnRef idx="1">
+            <a:schemeClr val="accent1"/>
+          </a:lnRef>
+          <a:fillRef idx="0">
+            <a:schemeClr val="accent1"/>
+          </a:fillRef>
+          <a:effectRef idx="0">
+            <a:schemeClr val="accent1"/>
+          </a:effectRef>
+          <a:fontRef idx="minor">
+            <a:schemeClr val="tx1"/>
+          </a:fontRef>
+        </p:style>
+      </p:cxnSp>
+      <p:sp>
+        <p:nvSpPr>
+          <p:cNvPr id="6" name="矩形 5"/>
+          <p:cNvSpPr/>
+          <p:nvPr/>
+        </p:nvSpPr>
+        <p:spPr>
+          <a:xfrm>
+            <a:off x="432048" y="417348"/>
+            <a:ext cx="5551521" cy="584775"/>
+          </a:xfrm>
+          <a:prstGeom prst="rect">
+            <a:avLst/>
+          </a:prstGeom>
+          <a:noFill/>
+        </p:spPr>
+        <p:txBody>
+          <a:bodyPr wrap="none" lIns="91440" tIns="45720" rIns="91440" bIns="45720">
+            <a:spAutoFit/>
+          </a:bodyPr>
+          <a:lstStyle/>
+          <a:p>
+            <a:pPr algn="ctr"/>
+            <a:r>
+              <a:rPr lang="en-US" altLang="zh-TW" sz="3200" b="1" cap="none" spc="0" dirty="0" smtClean="0">
+                <a:ln w="0"/>
+                <a:solidFill>
+                  <a:schemeClr val="accent1"/>
+                </a:solidFill>
+                <a:effectLst>
+                  <a:outerShdw blurRad="38100" dist="25400" dir="5400000" algn="ctr" rotWithShape="0">
+                    <a:srgbClr val="6E747A">
+                      <a:alpha val="43000"/>
+                    </a:srgbClr>
+                  </a:outerShdw>
+                </a:effectLst>
+                <a:latin typeface="Times New Roman" panose="02020603050405020304" pitchFamily="18" charset="0"/>
+                <a:cs typeface="Times New Roman" panose="02020603050405020304" pitchFamily="18" charset="0"/>
+              </a:rPr>
+              <a:t>Experimentation Methodology</a:t>
+            </a:r>
+            <a:endParaRPr lang="zh-TW" altLang="en-US" sz="3200" b="1" cap="none" spc="0" dirty="0">
+              <a:ln w="0"/>
+              <a:solidFill>
+                <a:schemeClr val="accent1"/>
+              </a:solidFill>
+              <a:effectLst>
+                <a:outerShdw blurRad="38100" dist="25400" dir="5400000" algn="ctr" rotWithShape="0">
+                  <a:srgbClr val="6E747A">
+                    <a:alpha val="43000"/>
+                  </a:srgbClr>
+                </a:outerShdw>
+              </a:effectLst>
+              <a:latin typeface="Times New Roman" panose="02020603050405020304" pitchFamily="18" charset="0"/>
+              <a:cs typeface="Times New Roman" panose="02020603050405020304" pitchFamily="18" charset="0"/>
+            </a:endParaRPr>
+          </a:p>
+        </p:txBody>
+      </p:sp>
+      <p:sp>
+        <p:nvSpPr>
+          <p:cNvPr id="9" name="投影片編號版面配置區 8"/>
+          <p:cNvSpPr>
+            <a:spLocks noGrp="1"/>
+          </p:cNvSpPr>
+          <p:nvPr>
+            <p:ph type="sldNum" sz="quarter" idx="12"/>
+          </p:nvPr>
+        </p:nvSpPr>
+        <p:spPr/>
+        <p:txBody>
+          <a:bodyPr/>
+          <a:lstStyle/>
+          <a:p>
+            <a:fld id="{C128DF73-0FD1-4EFB-B6B9-20BE1557E8C1}" type="slidenum">
+              <a:rPr lang="zh-TW" altLang="en-US" smtClean="0"/>
+              <a:t>11</a:t>
+            </a:fld>
+            <a:endParaRPr lang="zh-TW" altLang="en-US"/>
+          </a:p>
+        </p:txBody>
+      </p:sp>
+    </p:spTree>
+    <p:extLst>
+      <p:ext uri="{BB962C8B-B14F-4D97-AF65-F5344CB8AC3E}">
+        <p14:creationId xmlns:p14="http://schemas.microsoft.com/office/powerpoint/2010/main" val="1908816381"/>
+      </p:ext>
+    </p:extLst>
+  </p:cSld>
+  <p:clrMapOvr>
+    <a:masterClrMapping/>
+  </p:clrMapOvr>
+</p:sld>
+</file>
+
+<file path=ppt/slides/slide12.xml><?xml version="1.0" encoding="utf-8"?>
+<p:sld xmlns:a="http://schemas.openxmlformats.org/drawingml/2006/main" xmlns:r="http://schemas.openxmlformats.org/officeDocument/2006/relationships" xmlns:p="http://schemas.openxmlformats.org/presentationml/2006/main">
+  <p:cSld>
+    <p:spTree>
+      <p:nvGrpSpPr>
+        <p:cNvPr id="1" name=""/>
+        <p:cNvGrpSpPr/>
+        <p:nvPr/>
+      </p:nvGrpSpPr>
+      <p:grpSpPr>
+        <a:xfrm>
+          <a:off x="0" y="0"/>
+          <a:ext cx="0" cy="0"/>
+          <a:chOff x="0" y="0"/>
+          <a:chExt cx="0" cy="0"/>
+        </a:xfrm>
+      </p:grpSpPr>
+      <p:sp>
+        <p:nvSpPr>
+          <p:cNvPr id="4" name="橢圓 3"/>
+          <p:cNvSpPr/>
+          <p:nvPr/>
+        </p:nvSpPr>
+        <p:spPr>
+          <a:xfrm>
+            <a:off x="345688" y="920843"/>
+            <a:ext cx="172720" cy="162560"/>
+          </a:xfrm>
+          <a:prstGeom prst="ellipse">
+            <a:avLst/>
+          </a:prstGeom>
+          <a:solidFill>
+            <a:schemeClr val="tx1">
+              <a:lumMod val="65000"/>
+              <a:lumOff val="35000"/>
+            </a:schemeClr>
+          </a:solidFill>
+          <a:ln>
+            <a:noFill/>
+          </a:ln>
+        </p:spPr>
+        <p:style>
+          <a:lnRef idx="2">
+            <a:schemeClr val="accent1">
+              <a:shade val="50000"/>
+            </a:schemeClr>
+          </a:lnRef>
+          <a:fillRef idx="1">
+            <a:schemeClr val="accent1"/>
+          </a:fillRef>
+          <a:effectRef idx="0">
+            <a:schemeClr val="accent1"/>
+          </a:effectRef>
+          <a:fontRef idx="minor">
+            <a:schemeClr val="lt1"/>
+          </a:fontRef>
+        </p:style>
+        <p:txBody>
+          <a:bodyPr rtlCol="0" anchor="ctr"/>
+          <a:lstStyle/>
+          <a:p>
+            <a:pPr algn="ctr"/>
+            <a:endParaRPr lang="zh-TW" altLang="en-US"/>
+          </a:p>
+        </p:txBody>
+      </p:sp>
+      <p:cxnSp>
+        <p:nvCxnSpPr>
+          <p:cNvPr id="5" name="直線接點 4"/>
+          <p:cNvCxnSpPr>
+            <a:stCxn id="4" idx="6"/>
+          </p:cNvCxnSpPr>
+          <p:nvPr/>
+        </p:nvCxnSpPr>
+        <p:spPr>
+          <a:xfrm>
+            <a:off x="518408" y="1002123"/>
+            <a:ext cx="3610486" cy="0"/>
+          </a:xfrm>
+          <a:prstGeom prst="line">
+            <a:avLst/>
+          </a:prstGeom>
+          <a:ln w="25400">
+            <a:solidFill>
+              <a:schemeClr val="tx1">
+                <a:lumMod val="65000"/>
+                <a:lumOff val="35000"/>
+              </a:schemeClr>
+            </a:solidFill>
+          </a:ln>
+        </p:spPr>
+        <p:style>
+          <a:lnRef idx="1">
+            <a:schemeClr val="accent1"/>
+          </a:lnRef>
+          <a:fillRef idx="0">
+            <a:schemeClr val="accent1"/>
+          </a:fillRef>
+          <a:effectRef idx="0">
+            <a:schemeClr val="accent1"/>
+          </a:effectRef>
+          <a:fontRef idx="minor">
+            <a:schemeClr val="tx1"/>
+          </a:fontRef>
+        </p:style>
+      </p:cxnSp>
+      <p:sp>
+        <p:nvSpPr>
+          <p:cNvPr id="6" name="矩形 5"/>
+          <p:cNvSpPr/>
+          <p:nvPr/>
+        </p:nvSpPr>
+        <p:spPr>
+          <a:xfrm>
+            <a:off x="432048" y="417348"/>
+            <a:ext cx="3696846" cy="584775"/>
+          </a:xfrm>
+          <a:prstGeom prst="rect">
+            <a:avLst/>
+          </a:prstGeom>
+          <a:noFill/>
+        </p:spPr>
+        <p:txBody>
+          <a:bodyPr wrap="none" lIns="91440" tIns="45720" rIns="91440" bIns="45720">
+            <a:spAutoFit/>
+          </a:bodyPr>
+          <a:lstStyle/>
+          <a:p>
+            <a:pPr algn="ctr"/>
+            <a:r>
+              <a:rPr lang="en-US" altLang="zh-TW" sz="3200" b="1" dirty="0" smtClean="0">
+                <a:ln w="0"/>
+                <a:solidFill>
+                  <a:schemeClr val="accent1"/>
+                </a:solidFill>
+                <a:effectLst>
+                  <a:outerShdw blurRad="38100" dist="25400" dir="5400000" algn="ctr" rotWithShape="0">
+                    <a:srgbClr val="6E747A">
+                      <a:alpha val="43000"/>
+                    </a:srgbClr>
+                  </a:outerShdw>
+                </a:effectLst>
+                <a:latin typeface="Times New Roman" panose="02020603050405020304" pitchFamily="18" charset="0"/>
+                <a:cs typeface="Times New Roman" panose="02020603050405020304" pitchFamily="18" charset="0"/>
+              </a:rPr>
+              <a:t>Result &amp; Discussion</a:t>
+            </a:r>
+            <a:endParaRPr lang="zh-TW" altLang="en-US" sz="3200" b="1" cap="none" spc="0" dirty="0">
+              <a:ln w="0"/>
+              <a:solidFill>
+                <a:schemeClr val="accent1"/>
+              </a:solidFill>
+              <a:effectLst>
+                <a:outerShdw blurRad="38100" dist="25400" dir="5400000" algn="ctr" rotWithShape="0">
+                  <a:srgbClr val="6E747A">
+                    <a:alpha val="43000"/>
+                  </a:srgbClr>
+                </a:outerShdw>
+              </a:effectLst>
+              <a:latin typeface="Times New Roman" panose="02020603050405020304" pitchFamily="18" charset="0"/>
+              <a:cs typeface="Times New Roman" panose="02020603050405020304" pitchFamily="18" charset="0"/>
+            </a:endParaRPr>
+          </a:p>
+        </p:txBody>
+      </p:sp>
+      <p:sp>
+        <p:nvSpPr>
+          <p:cNvPr id="9" name="投影片編號版面配置區 8"/>
+          <p:cNvSpPr>
+            <a:spLocks noGrp="1"/>
+          </p:cNvSpPr>
+          <p:nvPr>
+            <p:ph type="sldNum" sz="quarter" idx="12"/>
+          </p:nvPr>
+        </p:nvSpPr>
+        <p:spPr/>
+        <p:txBody>
+          <a:bodyPr/>
+          <a:lstStyle/>
+          <a:p>
+            <a:fld id="{C128DF73-0FD1-4EFB-B6B9-20BE1557E8C1}" type="slidenum">
+              <a:rPr lang="zh-TW" altLang="en-US" smtClean="0"/>
+              <a:t>12</a:t>
+            </a:fld>
+            <a:endParaRPr lang="zh-TW" altLang="en-US"/>
+          </a:p>
+        </p:txBody>
+      </p:sp>
+    </p:spTree>
+    <p:extLst>
+      <p:ext uri="{BB962C8B-B14F-4D97-AF65-F5344CB8AC3E}">
+        <p14:creationId xmlns:p14="http://schemas.microsoft.com/office/powerpoint/2010/main" val="4075557776"/>
+      </p:ext>
+    </p:extLst>
+  </p:cSld>
+  <p:clrMapOvr>
+    <a:masterClrMapping/>
+  </p:clrMapOvr>
+</p:sld>
+</file>
+
+<file path=ppt/slides/slide13.xml><?xml version="1.0" encoding="utf-8"?>
+<p:sld xmlns:a="http://schemas.openxmlformats.org/drawingml/2006/main" xmlns:r="http://schemas.openxmlformats.org/officeDocument/2006/relationships" xmlns:p="http://schemas.openxmlformats.org/presentationml/2006/main">
+  <p:cSld>
+    <p:spTree>
+      <p:nvGrpSpPr>
+        <p:cNvPr id="1" name=""/>
+        <p:cNvGrpSpPr/>
+        <p:nvPr/>
+      </p:nvGrpSpPr>
+      <p:grpSpPr>
+        <a:xfrm>
+          <a:off x="0" y="0"/>
+          <a:ext cx="0" cy="0"/>
+          <a:chOff x="0" y="0"/>
+          <a:chExt cx="0" cy="0"/>
+        </a:xfrm>
+      </p:grpSpPr>
+      <p:grpSp>
+        <p:nvGrpSpPr>
+          <p:cNvPr id="4" name="群組 3"/>
+          <p:cNvGrpSpPr/>
+          <p:nvPr/>
+        </p:nvGrpSpPr>
+        <p:grpSpPr>
+          <a:xfrm>
+            <a:off x="4194355" y="2765260"/>
+            <a:ext cx="3608525" cy="963460"/>
+            <a:chOff x="0" y="2115"/>
+            <a:chExt cx="2787289" cy="575639"/>
+          </a:xfrm>
+        </p:grpSpPr>
+        <p:sp>
+          <p:nvSpPr>
+            <p:cNvPr id="5" name="圓角矩形 4"/>
+            <p:cNvSpPr/>
+            <p:nvPr/>
+          </p:nvSpPr>
+          <p:spPr>
+            <a:xfrm>
+              <a:off x="0" y="2115"/>
+              <a:ext cx="2787289" cy="575639"/>
+            </a:xfrm>
+            <a:prstGeom prst="roundRect">
+              <a:avLst/>
+            </a:prstGeom>
+          </p:spPr>
+          <p:style>
+            <a:lnRef idx="2">
+              <a:schemeClr val="lt1">
+                <a:hueOff val="0"/>
+                <a:satOff val="0"/>
+                <a:lumOff val="0"/>
+                <a:alphaOff val="0"/>
+              </a:schemeClr>
+            </a:lnRef>
+            <a:fillRef idx="1">
+              <a:schemeClr val="accent3">
+                <a:shade val="50000"/>
+                <a:hueOff val="0"/>
+                <a:satOff val="0"/>
+                <a:lumOff val="0"/>
+                <a:alphaOff val="0"/>
+              </a:schemeClr>
+            </a:fillRef>
+            <a:effectRef idx="0">
+              <a:schemeClr val="accent3">
+                <a:shade val="50000"/>
+                <a:hueOff val="0"/>
+                <a:satOff val="0"/>
+                <a:lumOff val="0"/>
+                <a:alphaOff val="0"/>
+              </a:schemeClr>
+            </a:effectRef>
+            <a:fontRef idx="minor">
+              <a:schemeClr val="lt1"/>
+            </a:fontRef>
+          </p:style>
+        </p:sp>
+        <p:sp>
+          <p:nvSpPr>
+            <p:cNvPr id="6" name="圓角矩形 4"/>
+            <p:cNvSpPr txBox="1"/>
+            <p:nvPr/>
+          </p:nvSpPr>
+          <p:spPr>
+            <a:xfrm>
+              <a:off x="28100" y="30215"/>
+              <a:ext cx="2731089" cy="519439"/>
+            </a:xfrm>
+            <a:prstGeom prst="rect">
+              <a:avLst/>
+            </a:prstGeom>
+            <a:solidFill>
+              <a:schemeClr val="tx2">
+                <a:lumMod val="75000"/>
+              </a:schemeClr>
+            </a:solidFill>
+          </p:spPr>
+          <p:style>
+            <a:lnRef idx="0">
+              <a:scrgbClr r="0" g="0" b="0"/>
+            </a:lnRef>
+            <a:fillRef idx="0">
+              <a:scrgbClr r="0" g="0" b="0"/>
+            </a:fillRef>
+            <a:effectRef idx="0">
+              <a:scrgbClr r="0" g="0" b="0"/>
+            </a:effectRef>
+            <a:fontRef idx="minor">
+              <a:schemeClr val="lt1"/>
+            </a:fontRef>
+          </p:style>
+          <p:txBody>
+            <a:bodyPr spcFirstLastPara="0" vert="horz" wrap="square" lIns="91440" tIns="91440" rIns="91440" bIns="91440" numCol="1" spcCol="1270" anchor="ctr" anchorCtr="0">
+              <a:noAutofit/>
+            </a:bodyPr>
+            <a:lstStyle/>
+            <a:p>
+              <a:pPr lvl="0" algn="ctr" defTabSz="1066800" rtl="0">
+                <a:lnSpc>
+                  <a:spcPct val="90000"/>
+                </a:lnSpc>
+                <a:spcBef>
+                  <a:spcPct val="0"/>
+                </a:spcBef>
+                <a:spcAft>
+                  <a:spcPct val="35000"/>
+                </a:spcAft>
+              </a:pPr>
+              <a:r>
+                <a:rPr lang="en-US" altLang="zh-TW" sz="3200" dirty="0" smtClean="0"/>
+                <a:t>METHOD</a:t>
+              </a:r>
+              <a:endParaRPr lang="zh-TW" sz="3200" kern="1200" dirty="0"/>
+            </a:p>
+          </p:txBody>
+        </p:sp>
+      </p:grpSp>
+      <p:sp>
+        <p:nvSpPr>
+          <p:cNvPr id="2" name="投影片編號版面配置區 1"/>
+          <p:cNvSpPr>
+            <a:spLocks noGrp="1"/>
+          </p:cNvSpPr>
+          <p:nvPr>
+            <p:ph type="sldNum" sz="quarter" idx="12"/>
+          </p:nvPr>
+        </p:nvSpPr>
+        <p:spPr/>
+        <p:txBody>
+          <a:bodyPr/>
+          <a:lstStyle/>
+          <a:p>
+            <a:fld id="{C128DF73-0FD1-4EFB-B6B9-20BE1557E8C1}" type="slidenum">
+              <a:rPr lang="zh-TW" altLang="en-US" smtClean="0"/>
+              <a:t>13</a:t>
+            </a:fld>
+            <a:endParaRPr lang="zh-TW" altLang="en-US"/>
+          </a:p>
+        </p:txBody>
+      </p:sp>
+    </p:spTree>
+    <p:extLst>
+      <p:ext uri="{BB962C8B-B14F-4D97-AF65-F5344CB8AC3E}">
+        <p14:creationId xmlns:p14="http://schemas.microsoft.com/office/powerpoint/2010/main" val="1673562045"/>
+      </p:ext>
+    </p:extLst>
+  </p:cSld>
+  <p:clrMapOvr>
+    <a:masterClrMapping/>
+  </p:clrMapOvr>
+  <p:timing>
+    <p:tnLst>
+      <p:par>
+        <p:cTn id="1" dur="indefinite" restart="never" nodeType="tmRoot"/>
+      </p:par>
+    </p:tnLst>
+  </p:timing>
+</p:sld>
+</file>
+
+<file path=ppt/slides/slide14.xml><?xml version="1.0" encoding="utf-8"?>
+<p:sld xmlns:a="http://schemas.openxmlformats.org/drawingml/2006/main" xmlns:r="http://schemas.openxmlformats.org/officeDocument/2006/relationships" xmlns:p="http://schemas.openxmlformats.org/presentationml/2006/main">
+  <p:cSld>
+    <p:spTree>
+      <p:nvGrpSpPr>
+        <p:cNvPr id="1" name=""/>
+        <p:cNvGrpSpPr/>
+        <p:nvPr/>
+      </p:nvGrpSpPr>
+      <p:grpSpPr>
+        <a:xfrm>
+          <a:off x="0" y="0"/>
+          <a:ext cx="0" cy="0"/>
+          <a:chOff x="0" y="0"/>
+          <a:chExt cx="0" cy="0"/>
+        </a:xfrm>
+      </p:grpSpPr>
+      <p:sp>
+        <p:nvSpPr>
+          <p:cNvPr id="4" name="橢圓 3"/>
+          <p:cNvSpPr/>
+          <p:nvPr/>
+        </p:nvSpPr>
+        <p:spPr>
+          <a:xfrm>
+            <a:off x="345688" y="920843"/>
+            <a:ext cx="172720" cy="162560"/>
+          </a:xfrm>
+          <a:prstGeom prst="ellipse">
+            <a:avLst/>
+          </a:prstGeom>
+          <a:solidFill>
+            <a:schemeClr val="tx1">
+              <a:lumMod val="65000"/>
+              <a:lumOff val="35000"/>
+            </a:schemeClr>
+          </a:solidFill>
+          <a:ln>
+            <a:noFill/>
+          </a:ln>
+        </p:spPr>
+        <p:style>
+          <a:lnRef idx="2">
+            <a:schemeClr val="accent1">
+              <a:shade val="50000"/>
+            </a:schemeClr>
+          </a:lnRef>
+          <a:fillRef idx="1">
+            <a:schemeClr val="accent1"/>
+          </a:fillRef>
+          <a:effectRef idx="0">
+            <a:schemeClr val="accent1"/>
+          </a:effectRef>
+          <a:fontRef idx="minor">
+            <a:schemeClr val="lt1"/>
+          </a:fontRef>
+        </p:style>
+        <p:txBody>
+          <a:bodyPr rtlCol="0" anchor="ctr"/>
+          <a:lstStyle/>
+          <a:p>
+            <a:pPr algn="ctr"/>
+            <a:endParaRPr lang="zh-TW" altLang="en-US"/>
+          </a:p>
+        </p:txBody>
+      </p:sp>
+      <p:cxnSp>
+        <p:nvCxnSpPr>
+          <p:cNvPr id="5" name="直線接點 4"/>
+          <p:cNvCxnSpPr>
+            <a:stCxn id="4" idx="6"/>
+          </p:cNvCxnSpPr>
+          <p:nvPr/>
+        </p:nvCxnSpPr>
+        <p:spPr>
+          <a:xfrm>
+            <a:off x="518408" y="1002123"/>
+            <a:ext cx="9226483" cy="0"/>
+          </a:xfrm>
+          <a:prstGeom prst="line">
+            <a:avLst/>
+          </a:prstGeom>
+          <a:ln w="25400">
+            <a:solidFill>
+              <a:schemeClr val="tx1">
+                <a:lumMod val="65000"/>
+                <a:lumOff val="35000"/>
+              </a:schemeClr>
+            </a:solidFill>
+          </a:ln>
+        </p:spPr>
+        <p:style>
+          <a:lnRef idx="1">
+            <a:schemeClr val="accent1"/>
+          </a:lnRef>
+          <a:fillRef idx="0">
+            <a:schemeClr val="accent1"/>
+          </a:fillRef>
+          <a:effectRef idx="0">
+            <a:schemeClr val="accent1"/>
+          </a:effectRef>
+          <a:fontRef idx="minor">
+            <a:schemeClr val="tx1"/>
+          </a:fontRef>
+        </p:style>
+      </p:cxnSp>
+      <p:sp>
+        <p:nvSpPr>
+          <p:cNvPr id="6" name="矩形 5"/>
+          <p:cNvSpPr/>
+          <p:nvPr/>
+        </p:nvSpPr>
+        <p:spPr>
+          <a:xfrm>
+            <a:off x="432048" y="417348"/>
+            <a:ext cx="9412128" cy="584775"/>
+          </a:xfrm>
+          <a:prstGeom prst="rect">
+            <a:avLst/>
+          </a:prstGeom>
+          <a:noFill/>
+        </p:spPr>
+        <p:txBody>
+          <a:bodyPr wrap="none" lIns="91440" tIns="45720" rIns="91440" bIns="45720">
+            <a:spAutoFit/>
+          </a:bodyPr>
+          <a:lstStyle/>
+          <a:p>
+            <a:pPr algn="ctr"/>
+            <a:r>
+              <a:rPr lang="en-US" altLang="zh-TW" sz="3200" b="1" dirty="0" smtClean="0">
+                <a:ln w="0"/>
+                <a:solidFill>
+                  <a:schemeClr val="accent1"/>
+                </a:solidFill>
+                <a:effectLst>
+                  <a:outerShdw blurRad="38100" dist="25400" dir="5400000" algn="ctr" rotWithShape="0">
+                    <a:srgbClr val="6E747A">
+                      <a:alpha val="43000"/>
+                    </a:srgbClr>
+                  </a:outerShdw>
+                </a:effectLst>
+                <a:latin typeface="Times New Roman" panose="02020603050405020304" pitchFamily="18" charset="0"/>
+                <a:cs typeface="Times New Roman" panose="02020603050405020304" pitchFamily="18" charset="0"/>
+              </a:rPr>
+              <a:t>MEC-Based UAVs’ Traffic Management Framework</a:t>
+            </a:r>
+            <a:endParaRPr lang="zh-TW" altLang="en-US" sz="3200" b="1" cap="none" spc="0" dirty="0">
+              <a:ln w="0"/>
+              <a:solidFill>
+                <a:schemeClr val="accent1"/>
+              </a:solidFill>
+              <a:effectLst>
+                <a:outerShdw blurRad="38100" dist="25400" dir="5400000" algn="ctr" rotWithShape="0">
+                  <a:srgbClr val="6E747A">
+                    <a:alpha val="43000"/>
+                  </a:srgbClr>
+                </a:outerShdw>
+              </a:effectLst>
+              <a:latin typeface="Times New Roman" panose="02020603050405020304" pitchFamily="18" charset="0"/>
+              <a:cs typeface="Times New Roman" panose="02020603050405020304" pitchFamily="18" charset="0"/>
+            </a:endParaRPr>
+          </a:p>
+        </p:txBody>
+      </p:sp>
+      <p:sp>
+        <p:nvSpPr>
+          <p:cNvPr id="9" name="投影片編號版面配置區 8"/>
+          <p:cNvSpPr>
+            <a:spLocks noGrp="1"/>
+          </p:cNvSpPr>
+          <p:nvPr>
+            <p:ph type="sldNum" sz="quarter" idx="12"/>
+          </p:nvPr>
+        </p:nvSpPr>
+        <p:spPr/>
+        <p:txBody>
+          <a:bodyPr/>
+          <a:lstStyle/>
+          <a:p>
+            <a:fld id="{C128DF73-0FD1-4EFB-B6B9-20BE1557E8C1}" type="slidenum">
+              <a:rPr lang="zh-TW" altLang="en-US" smtClean="0"/>
+              <a:t>14</a:t>
+            </a:fld>
+            <a:endParaRPr lang="zh-TW" altLang="en-US"/>
+          </a:p>
+        </p:txBody>
+      </p:sp>
+    </p:spTree>
+    <p:extLst>
+      <p:ext uri="{BB962C8B-B14F-4D97-AF65-F5344CB8AC3E}">
+        <p14:creationId xmlns:p14="http://schemas.microsoft.com/office/powerpoint/2010/main" val="1742973904"/>
+      </p:ext>
+    </p:extLst>
+  </p:cSld>
+  <p:clrMapOvr>
+    <a:masterClrMapping/>
+  </p:clrMapOvr>
+</p:sld>
+</file>
+
+<file path=ppt/slides/slide15.xml><?xml version="1.0" encoding="utf-8"?>
+<p:sld xmlns:a="http://schemas.openxmlformats.org/drawingml/2006/main" xmlns:r="http://schemas.openxmlformats.org/officeDocument/2006/relationships" xmlns:p="http://schemas.openxmlformats.org/presentationml/2006/main">
+  <p:cSld>
+    <p:spTree>
+      <p:nvGrpSpPr>
+        <p:cNvPr id="1" name=""/>
+        <p:cNvGrpSpPr/>
+        <p:nvPr/>
+      </p:nvGrpSpPr>
+      <p:grpSpPr>
+        <a:xfrm>
+          <a:off x="0" y="0"/>
+          <a:ext cx="0" cy="0"/>
+          <a:chOff x="0" y="0"/>
+          <a:chExt cx="0" cy="0"/>
+        </a:xfrm>
+      </p:grpSpPr>
+      <p:grpSp>
+        <p:nvGrpSpPr>
+          <p:cNvPr id="4" name="群組 3"/>
+          <p:cNvGrpSpPr/>
+          <p:nvPr/>
+        </p:nvGrpSpPr>
+        <p:grpSpPr>
+          <a:xfrm>
+            <a:off x="4194355" y="2765260"/>
+            <a:ext cx="3608525" cy="963460"/>
+            <a:chOff x="0" y="2115"/>
+            <a:chExt cx="2787289" cy="575639"/>
+          </a:xfrm>
+        </p:grpSpPr>
+        <p:sp>
+          <p:nvSpPr>
+            <p:cNvPr id="5" name="圓角矩形 4"/>
+            <p:cNvSpPr/>
+            <p:nvPr/>
+          </p:nvSpPr>
+          <p:spPr>
+            <a:xfrm>
+              <a:off x="0" y="2115"/>
+              <a:ext cx="2787289" cy="575639"/>
+            </a:xfrm>
+            <a:prstGeom prst="roundRect">
+              <a:avLst/>
+            </a:prstGeom>
+          </p:spPr>
+          <p:style>
+            <a:lnRef idx="2">
+              <a:schemeClr val="lt1">
+                <a:hueOff val="0"/>
+                <a:satOff val="0"/>
+                <a:lumOff val="0"/>
+                <a:alphaOff val="0"/>
+              </a:schemeClr>
+            </a:lnRef>
+            <a:fillRef idx="1">
+              <a:schemeClr val="accent3">
+                <a:shade val="50000"/>
+                <a:hueOff val="0"/>
+                <a:satOff val="0"/>
+                <a:lumOff val="0"/>
+                <a:alphaOff val="0"/>
+              </a:schemeClr>
+            </a:fillRef>
+            <a:effectRef idx="0">
+              <a:schemeClr val="accent3">
+                <a:shade val="50000"/>
+                <a:hueOff val="0"/>
+                <a:satOff val="0"/>
+                <a:lumOff val="0"/>
+                <a:alphaOff val="0"/>
+              </a:schemeClr>
+            </a:effectRef>
+            <a:fontRef idx="minor">
+              <a:schemeClr val="lt1"/>
+            </a:fontRef>
+          </p:style>
+        </p:sp>
+        <p:sp>
+          <p:nvSpPr>
+            <p:cNvPr id="6" name="圓角矩形 4"/>
+            <p:cNvSpPr txBox="1"/>
+            <p:nvPr/>
+          </p:nvSpPr>
+          <p:spPr>
+            <a:xfrm>
+              <a:off x="28100" y="30215"/>
+              <a:ext cx="2731089" cy="519439"/>
+            </a:xfrm>
+            <a:prstGeom prst="rect">
+              <a:avLst/>
+            </a:prstGeom>
+            <a:solidFill>
+              <a:schemeClr val="tx2">
+                <a:lumMod val="75000"/>
+              </a:schemeClr>
+            </a:solidFill>
+          </p:spPr>
+          <p:style>
+            <a:lnRef idx="0">
+              <a:scrgbClr r="0" g="0" b="0"/>
+            </a:lnRef>
+            <a:fillRef idx="0">
+              <a:scrgbClr r="0" g="0" b="0"/>
+            </a:fillRef>
+            <a:effectRef idx="0">
+              <a:scrgbClr r="0" g="0" b="0"/>
+            </a:effectRef>
+            <a:fontRef idx="minor">
+              <a:schemeClr val="lt1"/>
+            </a:fontRef>
+          </p:style>
+          <p:txBody>
+            <a:bodyPr spcFirstLastPara="0" vert="horz" wrap="square" lIns="91440" tIns="91440" rIns="91440" bIns="91440" numCol="1" spcCol="1270" anchor="ctr" anchorCtr="0">
+              <a:noAutofit/>
+            </a:bodyPr>
+            <a:lstStyle/>
+            <a:p>
+              <a:pPr lvl="0" algn="ctr" defTabSz="1066800" rtl="0">
+                <a:lnSpc>
+                  <a:spcPct val="90000"/>
+                </a:lnSpc>
+                <a:spcBef>
+                  <a:spcPct val="0"/>
+                </a:spcBef>
+                <a:spcAft>
+                  <a:spcPct val="35000"/>
+                </a:spcAft>
+              </a:pPr>
+              <a:r>
+                <a:rPr lang="en-US" altLang="zh-TW" sz="3200" dirty="0" smtClean="0"/>
+                <a:t>DISCUSSION</a:t>
+              </a:r>
+              <a:endParaRPr lang="zh-TW" sz="3200" kern="1200" dirty="0"/>
+            </a:p>
+          </p:txBody>
+        </p:sp>
+      </p:grpSp>
+      <p:sp>
+        <p:nvSpPr>
+          <p:cNvPr id="2" name="投影片編號版面配置區 1"/>
+          <p:cNvSpPr>
+            <a:spLocks noGrp="1"/>
+          </p:cNvSpPr>
+          <p:nvPr>
+            <p:ph type="sldNum" sz="quarter" idx="12"/>
+          </p:nvPr>
+        </p:nvSpPr>
+        <p:spPr/>
+        <p:txBody>
+          <a:bodyPr/>
+          <a:lstStyle/>
+          <a:p>
+            <a:fld id="{C128DF73-0FD1-4EFB-B6B9-20BE1557E8C1}" type="slidenum">
+              <a:rPr lang="zh-TW" altLang="en-US" smtClean="0"/>
+              <a:t>15</a:t>
+            </a:fld>
+            <a:endParaRPr lang="zh-TW" altLang="en-US"/>
+          </a:p>
+        </p:txBody>
+      </p:sp>
+    </p:spTree>
+    <p:extLst>
+      <p:ext uri="{BB962C8B-B14F-4D97-AF65-F5344CB8AC3E}">
+        <p14:creationId xmlns:p14="http://schemas.microsoft.com/office/powerpoint/2010/main" val="676040135"/>
+      </p:ext>
+    </p:extLst>
+  </p:cSld>
+  <p:clrMapOvr>
+    <a:masterClrMapping/>
+  </p:clrMapOvr>
+  <p:timing>
+    <p:tnLst>
+      <p:par>
+        <p:cTn id="1" dur="indefinite" restart="never" nodeType="tmRoot"/>
+      </p:par>
+    </p:tnLst>
+  </p:timing>
+</p:sld>
+</file>
+
+<file path=ppt/slides/slide16.xml><?xml version="1.0" encoding="utf-8"?>
 <p:sld xmlns:a="http://schemas.openxmlformats.org/drawingml/2006/main" xmlns:r="http://schemas.openxmlformats.org/officeDocument/2006/relationships" xmlns:p="http://schemas.openxmlformats.org/presentationml/2006/main">
   <p:cSld>
     <p:spTree>
@@ -9862,6 +14971,29 @@
           </a:extLst>
         </p:spPr>
       </p:pic>
+      <p:sp>
+        <p:nvSpPr>
+          <p:cNvPr id="2" name="投影片編號版面配置區 1"/>
+          <p:cNvSpPr>
+            <a:spLocks noGrp="1"/>
+          </p:cNvSpPr>
+          <p:nvPr>
+            <p:ph type="sldNum" sz="quarter" idx="12"/>
+          </p:nvPr>
+        </p:nvSpPr>
+        <p:spPr/>
+        <p:txBody>
+          <a:bodyPr/>
+          <a:lstStyle/>
+          <a:p>
+            <a:fld id="{C128DF73-0FD1-4EFB-B6B9-20BE1557E8C1}" type="slidenum">
+              <a:rPr lang="zh-TW" altLang="en-US" smtClean="0"/>
+              <a:t>16</a:t>
+            </a:fld>
+            <a:endParaRPr lang="zh-TW" altLang="en-US"/>
+          </a:p>
+        </p:txBody>
+      </p:sp>
     </p:spTree>
     <p:extLst>
       <p:ext uri="{BB962C8B-B14F-4D97-AF65-F5344CB8AC3E}">
@@ -9882,7 +15014,7 @@
 </p:sld>
 </file>
 
-<file path=ppt/slides/slide11.xml><?xml version="1.0" encoding="utf-8"?>
+<file path=ppt/slides/slide17.xml><?xml version="1.0" encoding="utf-8"?>
 <p:sld xmlns:a="http://schemas.openxmlformats.org/drawingml/2006/main" xmlns:r="http://schemas.openxmlformats.org/officeDocument/2006/relationships" xmlns:p="http://schemas.openxmlformats.org/presentationml/2006/main">
   <p:cSld>
     <p:spTree>
@@ -9907,7 +15039,7 @@
         </p:nvSpPr>
         <p:spPr>
           <a:xfrm>
-            <a:off x="1954949" y="2662535"/>
+            <a:off x="1853349" y="2672695"/>
             <a:ext cx="8444684" cy="923330"/>
           </a:xfrm>
           <a:prstGeom prst="rect">
@@ -9981,6 +15113,29 @@
                 </a:outerShdw>
               </a:effectLst>
             </a:endParaRPr>
+          </a:p>
+        </p:txBody>
+      </p:sp>
+      <p:sp>
+        <p:nvSpPr>
+          <p:cNvPr id="2" name="投影片編號版面配置區 1"/>
+          <p:cNvSpPr>
+            <a:spLocks noGrp="1"/>
+          </p:cNvSpPr>
+          <p:nvPr>
+            <p:ph type="sldNum" sz="quarter" idx="12"/>
+          </p:nvPr>
+        </p:nvSpPr>
+        <p:spPr/>
+        <p:txBody>
+          <a:bodyPr/>
+          <a:lstStyle/>
+          <a:p>
+            <a:fld id="{C128DF73-0FD1-4EFB-B6B9-20BE1557E8C1}" type="slidenum">
+              <a:rPr lang="zh-TW" altLang="en-US" smtClean="0"/>
+              <a:t>17</a:t>
+            </a:fld>
+            <a:endParaRPr lang="zh-TW" altLang="en-US"/>
           </a:p>
         </p:txBody>
       </p:sp>
@@ -10091,7 +15246,7 @@
           <p:nvPr>
             <p:extLst>
               <p:ext uri="{D42A27DB-BD31-4B8C-83A1-F6EECF244321}">
-                <p14:modId xmlns:p14="http://schemas.microsoft.com/office/powerpoint/2010/main" val="235533743"/>
+                <p14:modId xmlns:p14="http://schemas.microsoft.com/office/powerpoint/2010/main" val="3056118813"/>
               </p:ext>
             </p:extLst>
           </p:nvPr>
@@ -10106,6 +15261,29 @@
           </a:graphicData>
         </a:graphic>
       </p:graphicFrame>
+      <p:sp>
+        <p:nvSpPr>
+          <p:cNvPr id="2" name="投影片編號版面配置區 1"/>
+          <p:cNvSpPr>
+            <a:spLocks noGrp="1"/>
+          </p:cNvSpPr>
+          <p:nvPr>
+            <p:ph type="sldNum" sz="quarter" idx="12"/>
+          </p:nvPr>
+        </p:nvSpPr>
+        <p:spPr/>
+        <p:txBody>
+          <a:bodyPr/>
+          <a:lstStyle/>
+          <a:p>
+            <a:fld id="{C128DF73-0FD1-4EFB-B6B9-20BE1557E8C1}" type="slidenum">
+              <a:rPr lang="zh-TW" altLang="en-US" smtClean="0"/>
+              <a:t>2</a:t>
+            </a:fld>
+            <a:endParaRPr lang="zh-TW" altLang="en-US"/>
+          </a:p>
+        </p:txBody>
+      </p:sp>
     </p:spTree>
     <p:extLst>
       <p:ext uri="{BB962C8B-B14F-4D97-AF65-F5344CB8AC3E}">
@@ -10264,6 +15442,29 @@
           </p:txBody>
         </p:sp>
       </p:grpSp>
+      <p:sp>
+        <p:nvSpPr>
+          <p:cNvPr id="2" name="投影片編號版面配置區 1"/>
+          <p:cNvSpPr>
+            <a:spLocks noGrp="1"/>
+          </p:cNvSpPr>
+          <p:nvPr>
+            <p:ph type="sldNum" sz="quarter" idx="12"/>
+          </p:nvPr>
+        </p:nvSpPr>
+        <p:spPr/>
+        <p:txBody>
+          <a:bodyPr/>
+          <a:lstStyle/>
+          <a:p>
+            <a:fld id="{C128DF73-0FD1-4EFB-B6B9-20BE1557E8C1}" type="slidenum">
+              <a:rPr lang="zh-TW" altLang="en-US" smtClean="0"/>
+              <a:t>3</a:t>
+            </a:fld>
+            <a:endParaRPr lang="zh-TW" altLang="en-US"/>
+          </a:p>
+        </p:txBody>
+      </p:sp>
     </p:spTree>
     <p:extLst>
       <p:ext uri="{BB962C8B-B14F-4D97-AF65-F5344CB8AC3E}">
@@ -10398,8 +15599,8 @@
         </p:nvSpPr>
         <p:spPr>
           <a:xfrm>
-            <a:off x="518408" y="417348"/>
-            <a:ext cx="2200218" cy="584775"/>
+            <a:off x="451081" y="417348"/>
+            <a:ext cx="2267545" cy="584775"/>
           </a:xfrm>
           <a:prstGeom prst="rect">
             <a:avLst/>
@@ -10414,7 +15615,7 @@
           <a:p>
             <a:pPr algn="ctr"/>
             <a:r>
-              <a:rPr lang="en-US" altLang="zh-TW" sz="3200" b="0" cap="none" spc="0" dirty="0" smtClean="0">
+              <a:rPr lang="en-US" altLang="zh-TW" sz="3200" b="1" cap="none" spc="0" dirty="0" smtClean="0">
                 <a:ln w="0"/>
                 <a:solidFill>
                   <a:schemeClr val="accent1"/>
@@ -10431,7 +15632,7 @@
               </a:rPr>
               <a:t>Why UAV ?</a:t>
             </a:r>
-            <a:endParaRPr lang="zh-TW" altLang="en-US" sz="3200" b="0" cap="none" spc="0" dirty="0">
+            <a:endParaRPr lang="zh-TW" altLang="en-US" sz="3200" b="1" cap="none" spc="0" dirty="0">
               <a:ln w="0"/>
               <a:solidFill>
                 <a:schemeClr val="accent1"/>
@@ -10445,6 +15646,232 @@
               </a:effectLst>
               <a:latin typeface="Times New Roman" panose="02020603050405020304" pitchFamily="18" charset="0"/>
               <a:cs typeface="Times New Roman" panose="02020603050405020304" pitchFamily="18" charset="0"/>
+            </a:endParaRPr>
+          </a:p>
+        </p:txBody>
+      </p:sp>
+      <p:pic>
+        <p:nvPicPr>
+          <p:cNvPr id="1028" name="Picture 4" descr="https://www.marketsandmarkets.com/Images/unmanned-aerial-vehicles-uav-market9.jpg"/>
+          <p:cNvPicPr>
+            <a:picLocks noChangeAspect="1" noChangeArrowheads="1"/>
+          </p:cNvPicPr>
+          <p:nvPr/>
+        </p:nvPicPr>
+        <p:blipFill>
+          <a:blip r:embed="rId2">
+            <a:extLst>
+              <a:ext uri="{28A0092B-C50C-407E-A947-70E740481C1C}">
+                <a14:useLocalDpi xmlns:a14="http://schemas.microsoft.com/office/drawing/2010/main" val="0"/>
+              </a:ext>
+            </a:extLst>
+          </a:blip>
+          <a:srcRect/>
+          <a:stretch>
+            <a:fillRect/>
+          </a:stretch>
+        </p:blipFill>
+        <p:spPr bwMode="auto">
+          <a:xfrm>
+            <a:off x="5255870" y="2985642"/>
+            <a:ext cx="6191250" cy="2419351"/>
+          </a:xfrm>
+          <a:prstGeom prst="rect">
+            <a:avLst/>
+          </a:prstGeom>
+          <a:noFill/>
+          <a:extLst>
+            <a:ext uri="{909E8E84-426E-40DD-AFC4-6F175D3DCCD1}">
+              <a14:hiddenFill xmlns:a14="http://schemas.microsoft.com/office/drawing/2010/main">
+                <a:solidFill>
+                  <a:srgbClr val="FFFFFF"/>
+                </a:solidFill>
+              </a14:hiddenFill>
+            </a:ext>
+          </a:extLst>
+        </p:spPr>
+      </p:pic>
+      <p:sp>
+        <p:nvSpPr>
+          <p:cNvPr id="8" name="文字方塊 7"/>
+          <p:cNvSpPr txBox="1"/>
+          <p:nvPr/>
+        </p:nvSpPr>
+        <p:spPr>
+          <a:xfrm>
+            <a:off x="5255870" y="1450093"/>
+            <a:ext cx="5784725" cy="369332"/>
+          </a:xfrm>
+          <a:prstGeom prst="rect">
+            <a:avLst/>
+          </a:prstGeom>
+          <a:noFill/>
+        </p:spPr>
+        <p:txBody>
+          <a:bodyPr wrap="none" rtlCol="0">
+            <a:spAutoFit/>
+          </a:bodyPr>
+          <a:lstStyle/>
+          <a:p>
+            <a:pPr marL="285750" indent="-285750">
+              <a:buFont typeface="Wingdings" panose="05000000000000000000" pitchFamily="2" charset="2"/>
+              <a:buChar char="p"/>
+            </a:pPr>
+            <a:r>
+              <a:rPr lang="en-US" altLang="zh-TW" dirty="0" smtClean="0">
+                <a:latin typeface="Times New Roman" panose="02020603050405020304" pitchFamily="18" charset="0"/>
+                <a:cs typeface="Times New Roman" panose="02020603050405020304" pitchFamily="18" charset="0"/>
+              </a:rPr>
+              <a:t>UAV’s market is expected to reach $45.8 billion by 2025.</a:t>
+            </a:r>
+            <a:endParaRPr lang="zh-TW" altLang="en-US" dirty="0">
+              <a:latin typeface="Times New Roman" panose="02020603050405020304" pitchFamily="18" charset="0"/>
+              <a:cs typeface="Times New Roman" panose="02020603050405020304" pitchFamily="18" charset="0"/>
+            </a:endParaRPr>
+          </a:p>
+        </p:txBody>
+      </p:sp>
+      <p:sp>
+        <p:nvSpPr>
+          <p:cNvPr id="11" name="文字方塊 10"/>
+          <p:cNvSpPr txBox="1"/>
+          <p:nvPr/>
+        </p:nvSpPr>
+        <p:spPr>
+          <a:xfrm>
+            <a:off x="518408" y="1450093"/>
+            <a:ext cx="2375715" cy="369332"/>
+          </a:xfrm>
+          <a:prstGeom prst="rect">
+            <a:avLst/>
+          </a:prstGeom>
+          <a:noFill/>
+        </p:spPr>
+        <p:txBody>
+          <a:bodyPr wrap="none" rtlCol="0">
+            <a:spAutoFit/>
+          </a:bodyPr>
+          <a:lstStyle/>
+          <a:p>
+            <a:pPr marL="285750" indent="-285750">
+              <a:buFont typeface="Wingdings" panose="05000000000000000000" pitchFamily="2" charset="2"/>
+              <a:buChar char="p"/>
+            </a:pPr>
+            <a:r>
+              <a:rPr lang="en-US" altLang="zh-TW" dirty="0" smtClean="0">
+                <a:latin typeface="Times New Roman" panose="02020603050405020304" pitchFamily="18" charset="0"/>
+                <a:cs typeface="Times New Roman" panose="02020603050405020304" pitchFamily="18" charset="0"/>
+              </a:rPr>
+              <a:t>UAV is widely used.</a:t>
+            </a:r>
+            <a:endParaRPr lang="zh-TW" altLang="en-US" dirty="0">
+              <a:latin typeface="Times New Roman" panose="02020603050405020304" pitchFamily="18" charset="0"/>
+              <a:cs typeface="Times New Roman" panose="02020603050405020304" pitchFamily="18" charset="0"/>
+            </a:endParaRPr>
+          </a:p>
+        </p:txBody>
+      </p:sp>
+      <p:graphicFrame>
+        <p:nvGraphicFramePr>
+          <p:cNvPr id="9" name="資料庫圖表 8"/>
+          <p:cNvGraphicFramePr/>
+          <p:nvPr>
+            <p:extLst>
+              <p:ext uri="{D42A27DB-BD31-4B8C-83A1-F6EECF244321}">
+                <p14:modId xmlns:p14="http://schemas.microsoft.com/office/powerpoint/2010/main" val="621606964"/>
+              </p:ext>
+            </p:extLst>
+          </p:nvPr>
+        </p:nvGraphicFramePr>
+        <p:xfrm>
+          <a:off x="813883" y="2186115"/>
+          <a:ext cx="4019374" cy="3988262"/>
+        </p:xfrm>
+        <a:graphic>
+          <a:graphicData uri="http://schemas.openxmlformats.org/drawingml/2006/diagram">
+            <dgm:relIds xmlns:dgm="http://schemas.openxmlformats.org/drawingml/2006/diagram" xmlns:r="http://schemas.openxmlformats.org/officeDocument/2006/relationships" r:dm="rId3" r:lo="rId4" r:qs="rId5" r:cs="rId6"/>
+          </a:graphicData>
+        </a:graphic>
+      </p:graphicFrame>
+      <p:sp>
+        <p:nvSpPr>
+          <p:cNvPr id="12" name="投影片編號版面配置區 11"/>
+          <p:cNvSpPr>
+            <a:spLocks noGrp="1"/>
+          </p:cNvSpPr>
+          <p:nvPr>
+            <p:ph type="sldNum" sz="quarter" idx="12"/>
+          </p:nvPr>
+        </p:nvSpPr>
+        <p:spPr/>
+        <p:txBody>
+          <a:bodyPr/>
+          <a:lstStyle/>
+          <a:p>
+            <a:fld id="{C128DF73-0FD1-4EFB-B6B9-20BE1557E8C1}" type="slidenum">
+              <a:rPr lang="zh-TW" altLang="en-US" smtClean="0"/>
+              <a:t>4</a:t>
+            </a:fld>
+            <a:endParaRPr lang="zh-TW" altLang="en-US"/>
+          </a:p>
+        </p:txBody>
+      </p:sp>
+      <p:sp>
+        <p:nvSpPr>
+          <p:cNvPr id="16" name="橢圓形圖說文字 15"/>
+          <p:cNvSpPr/>
+          <p:nvPr/>
+        </p:nvSpPr>
+        <p:spPr>
+          <a:xfrm>
+            <a:off x="10485120" y="2612570"/>
+            <a:ext cx="1524000" cy="580445"/>
+          </a:xfrm>
+          <a:prstGeom prst="wedgeEllipseCallout">
+            <a:avLst/>
+          </a:prstGeom>
+          <a:solidFill>
+            <a:schemeClr val="accent1">
+              <a:lumMod val="50000"/>
+            </a:schemeClr>
+          </a:solidFill>
+          <a:ln>
+            <a:noFill/>
+          </a:ln>
+        </p:spPr>
+        <p:style>
+          <a:lnRef idx="0">
+            <a:scrgbClr r="0" g="0" b="0"/>
+          </a:lnRef>
+          <a:fillRef idx="0">
+            <a:scrgbClr r="0" g="0" b="0"/>
+          </a:fillRef>
+          <a:effectRef idx="0">
+            <a:scrgbClr r="0" g="0" b="0"/>
+          </a:effectRef>
+          <a:fontRef idx="minor">
+            <a:schemeClr val="lt1"/>
+          </a:fontRef>
+        </p:style>
+        <p:txBody>
+          <a:bodyPr rtlCol="0" anchor="ctr"/>
+          <a:lstStyle/>
+          <a:p>
+            <a:pPr algn="ctr"/>
+            <a:r>
+              <a:rPr lang="en-US" altLang="zh-TW" sz="1400" dirty="0" smtClean="0">
+                <a:solidFill>
+                  <a:schemeClr val="bg1"/>
+                </a:solidFill>
+                <a:latin typeface="Comic Sans MS" panose="030F0702030302020204" pitchFamily="66" charset="0"/>
+              </a:rPr>
+              <a:t>1.4 trillion NTD</a:t>
+            </a:r>
+            <a:endParaRPr lang="zh-TW" altLang="en-US" sz="1400" dirty="0">
+              <a:solidFill>
+                <a:schemeClr val="bg1"/>
+              </a:solidFill>
+              <a:latin typeface="Comic Sans MS" panose="030F0702030302020204" pitchFamily="66" charset="0"/>
             </a:endParaRPr>
           </a:p>
         </p:txBody>
@@ -10546,7 +15973,7 @@
         <p:spPr>
           <a:xfrm>
             <a:off x="518408" y="1002123"/>
-            <a:ext cx="5431873" cy="0"/>
+            <a:ext cx="5577592" cy="0"/>
           </a:xfrm>
           <a:prstGeom prst="line">
             <a:avLst/>
@@ -10583,8 +16010,8 @@
         </p:nvSpPr>
         <p:spPr>
           <a:xfrm>
-            <a:off x="518408" y="417348"/>
-            <a:ext cx="5431873" cy="584775"/>
+            <a:off x="432048" y="417348"/>
+            <a:ext cx="5773889" cy="584775"/>
           </a:xfrm>
           <a:prstGeom prst="rect">
             <a:avLst/>
@@ -10599,7 +16026,7 @@
           <a:p>
             <a:pPr algn="ctr"/>
             <a:r>
-              <a:rPr lang="en-US" altLang="zh-TW" sz="3200" b="0" cap="none" spc="0" dirty="0" smtClean="0">
+              <a:rPr lang="en-US" altLang="zh-TW" sz="3200" b="1" cap="none" spc="0" dirty="0" smtClean="0">
                 <a:ln w="0"/>
                 <a:solidFill>
                   <a:schemeClr val="accent1"/>
@@ -10616,7 +16043,7 @@
               </a:rPr>
               <a:t>Air Traffic Management (ATM)</a:t>
             </a:r>
-            <a:endParaRPr lang="zh-TW" altLang="en-US" sz="3200" b="0" cap="none" spc="0" dirty="0">
+            <a:endParaRPr lang="zh-TW" altLang="en-US" sz="3200" b="1" cap="none" spc="0" dirty="0">
               <a:ln w="0"/>
               <a:solidFill>
                 <a:schemeClr val="accent1"/>
@@ -10630,6 +16057,359 @@
               </a:effectLst>
               <a:latin typeface="Times New Roman" panose="02020603050405020304" pitchFamily="18" charset="0"/>
               <a:cs typeface="Times New Roman" panose="02020603050405020304" pitchFamily="18" charset="0"/>
+            </a:endParaRPr>
+          </a:p>
+        </p:txBody>
+      </p:sp>
+      <p:sp>
+        <p:nvSpPr>
+          <p:cNvPr id="3" name="投影片編號版面配置區 2"/>
+          <p:cNvSpPr>
+            <a:spLocks noGrp="1"/>
+          </p:cNvSpPr>
+          <p:nvPr>
+            <p:ph type="sldNum" sz="quarter" idx="12"/>
+          </p:nvPr>
+        </p:nvSpPr>
+        <p:spPr/>
+        <p:txBody>
+          <a:bodyPr/>
+          <a:lstStyle/>
+          <a:p>
+            <a:fld id="{C128DF73-0FD1-4EFB-B6B9-20BE1557E8C1}" type="slidenum">
+              <a:rPr lang="zh-TW" altLang="en-US" smtClean="0"/>
+              <a:t>5</a:t>
+            </a:fld>
+            <a:endParaRPr lang="zh-TW" altLang="en-US"/>
+          </a:p>
+        </p:txBody>
+      </p:sp>
+      <p:sp>
+        <p:nvSpPr>
+          <p:cNvPr id="7" name="文字方塊 6"/>
+          <p:cNvSpPr txBox="1"/>
+          <p:nvPr/>
+        </p:nvSpPr>
+        <p:spPr>
+          <a:xfrm>
+            <a:off x="432048" y="1580199"/>
+            <a:ext cx="7627281" cy="369332"/>
+          </a:xfrm>
+          <a:prstGeom prst="rect">
+            <a:avLst/>
+          </a:prstGeom>
+          <a:noFill/>
+        </p:spPr>
+        <p:txBody>
+          <a:bodyPr wrap="none" rtlCol="0">
+            <a:spAutoFit/>
+          </a:bodyPr>
+          <a:lstStyle/>
+          <a:p>
+            <a:pPr marL="285750" indent="-285750">
+              <a:buFont typeface="Wingdings" panose="05000000000000000000" pitchFamily="2" charset="2"/>
+              <a:buChar char="p"/>
+            </a:pPr>
+            <a:r>
+              <a:rPr lang="en-US" altLang="zh-TW" dirty="0" smtClean="0">
+                <a:latin typeface="Times New Roman" panose="02020603050405020304" pitchFamily="18" charset="0"/>
+                <a:cs typeface="Times New Roman" panose="02020603050405020304" pitchFamily="18" charset="0"/>
+              </a:rPr>
+              <a:t>Each UAV is manually and individually operated (or use pre-define program).</a:t>
+            </a:r>
+            <a:endParaRPr lang="zh-TW" altLang="en-US" dirty="0">
+              <a:latin typeface="Times New Roman" panose="02020603050405020304" pitchFamily="18" charset="0"/>
+              <a:cs typeface="Times New Roman" panose="02020603050405020304" pitchFamily="18" charset="0"/>
+            </a:endParaRPr>
+          </a:p>
+        </p:txBody>
+      </p:sp>
+      <p:sp>
+        <p:nvSpPr>
+          <p:cNvPr id="8" name="文字方塊 7"/>
+          <p:cNvSpPr txBox="1"/>
+          <p:nvPr/>
+        </p:nvSpPr>
+        <p:spPr>
+          <a:xfrm>
+            <a:off x="432048" y="2268360"/>
+            <a:ext cx="8673528" cy="369332"/>
+          </a:xfrm>
+          <a:prstGeom prst="rect">
+            <a:avLst/>
+          </a:prstGeom>
+          <a:noFill/>
+        </p:spPr>
+        <p:txBody>
+          <a:bodyPr wrap="none" rtlCol="0">
+            <a:spAutoFit/>
+          </a:bodyPr>
+          <a:lstStyle/>
+          <a:p>
+            <a:pPr marL="285750" indent="-285750">
+              <a:buFont typeface="Wingdings" panose="05000000000000000000" pitchFamily="2" charset="2"/>
+              <a:buChar char="p"/>
+            </a:pPr>
+            <a:r>
+              <a:rPr lang="en-US" altLang="zh-TW" dirty="0" smtClean="0">
+                <a:latin typeface="Times New Roman" panose="02020603050405020304" pitchFamily="18" charset="0"/>
+                <a:cs typeface="Times New Roman" panose="02020603050405020304" pitchFamily="18" charset="0"/>
+              </a:rPr>
+              <a:t>In challenging environments, we must keep UAV stayed in Visual-Line-of-Sight of pilot.</a:t>
+            </a:r>
+            <a:endParaRPr lang="zh-TW" altLang="en-US" dirty="0">
+              <a:latin typeface="Times New Roman" panose="02020603050405020304" pitchFamily="18" charset="0"/>
+              <a:cs typeface="Times New Roman" panose="02020603050405020304" pitchFamily="18" charset="0"/>
+            </a:endParaRPr>
+          </a:p>
+        </p:txBody>
+      </p:sp>
+      <p:sp>
+        <p:nvSpPr>
+          <p:cNvPr id="9" name="文字方塊 8"/>
+          <p:cNvSpPr txBox="1"/>
+          <p:nvPr/>
+        </p:nvSpPr>
+        <p:spPr>
+          <a:xfrm>
+            <a:off x="432048" y="3037800"/>
+            <a:ext cx="7030899" cy="369332"/>
+          </a:xfrm>
+          <a:prstGeom prst="rect">
+            <a:avLst/>
+          </a:prstGeom>
+          <a:noFill/>
+        </p:spPr>
+        <p:txBody>
+          <a:bodyPr wrap="none" rtlCol="0">
+            <a:spAutoFit/>
+          </a:bodyPr>
+          <a:lstStyle/>
+          <a:p>
+            <a:pPr marL="285750" indent="-285750">
+              <a:buFont typeface="Wingdings" panose="05000000000000000000" pitchFamily="2" charset="2"/>
+              <a:buChar char="p"/>
+            </a:pPr>
+            <a:r>
+              <a:rPr lang="en-US" altLang="zh-TW" dirty="0" smtClean="0">
+                <a:latin typeface="Times New Roman" panose="02020603050405020304" pitchFamily="18" charset="0"/>
+                <a:cs typeface="Times New Roman" panose="02020603050405020304" pitchFamily="18" charset="0"/>
+              </a:rPr>
+              <a:t>Rely on voice communication between air traffic controllers and pilots.</a:t>
+            </a:r>
+            <a:endParaRPr lang="zh-TW" altLang="en-US" dirty="0">
+              <a:latin typeface="Times New Roman" panose="02020603050405020304" pitchFamily="18" charset="0"/>
+              <a:cs typeface="Times New Roman" panose="02020603050405020304" pitchFamily="18" charset="0"/>
+            </a:endParaRPr>
+          </a:p>
+        </p:txBody>
+      </p:sp>
+      <p:sp>
+        <p:nvSpPr>
+          <p:cNvPr id="10" name="圓角矩形 9"/>
+          <p:cNvSpPr/>
+          <p:nvPr/>
+        </p:nvSpPr>
+        <p:spPr>
+          <a:xfrm>
+            <a:off x="345688" y="1475544"/>
+            <a:ext cx="8738060" cy="2046514"/>
+          </a:xfrm>
+          <a:prstGeom prst="roundRect">
+            <a:avLst/>
+          </a:prstGeom>
+          <a:noFill/>
+          <a:ln w="19050">
+            <a:solidFill>
+              <a:srgbClr val="FF0000"/>
+            </a:solidFill>
+          </a:ln>
+        </p:spPr>
+        <p:style>
+          <a:lnRef idx="2">
+            <a:schemeClr val="accent1">
+              <a:shade val="50000"/>
+            </a:schemeClr>
+          </a:lnRef>
+          <a:fillRef idx="1">
+            <a:schemeClr val="accent1"/>
+          </a:fillRef>
+          <a:effectRef idx="0">
+            <a:schemeClr val="accent1"/>
+          </a:effectRef>
+          <a:fontRef idx="minor">
+            <a:schemeClr val="lt1"/>
+          </a:fontRef>
+        </p:style>
+        <p:txBody>
+          <a:bodyPr rtlCol="0" anchor="ctr"/>
+          <a:lstStyle/>
+          <a:p>
+            <a:pPr algn="ctr"/>
+            <a:endParaRPr lang="zh-TW" altLang="en-US"/>
+          </a:p>
+        </p:txBody>
+      </p:sp>
+      <p:pic>
+        <p:nvPicPr>
+          <p:cNvPr id="2050" name="Picture 2" descr="「Air traffic management」的圖片搜尋結果"/>
+          <p:cNvPicPr>
+            <a:picLocks noChangeAspect="1" noChangeArrowheads="1"/>
+          </p:cNvPicPr>
+          <p:nvPr/>
+        </p:nvPicPr>
+        <p:blipFill>
+          <a:blip r:embed="rId2" cstate="print">
+            <a:extLst>
+              <a:ext uri="{28A0092B-C50C-407E-A947-70E740481C1C}">
+                <a14:useLocalDpi xmlns:a14="http://schemas.microsoft.com/office/drawing/2010/main" val="0"/>
+              </a:ext>
+            </a:extLst>
+          </a:blip>
+          <a:srcRect/>
+          <a:stretch>
+            <a:fillRect/>
+          </a:stretch>
+        </p:blipFill>
+        <p:spPr bwMode="auto">
+          <a:xfrm>
+            <a:off x="8145689" y="3751546"/>
+            <a:ext cx="3911328" cy="2614071"/>
+          </a:xfrm>
+          <a:prstGeom prst="rect">
+            <a:avLst/>
+          </a:prstGeom>
+          <a:noFill/>
+          <a:extLst>
+            <a:ext uri="{909E8E84-426E-40DD-AFC4-6F175D3DCCD1}">
+              <a14:hiddenFill xmlns:a14="http://schemas.microsoft.com/office/drawing/2010/main">
+                <a:solidFill>
+                  <a:srgbClr val="FFFFFF"/>
+                </a:solidFill>
+              </a14:hiddenFill>
+            </a:ext>
+          </a:extLst>
+        </p:spPr>
+      </p:pic>
+      <p:sp>
+        <p:nvSpPr>
+          <p:cNvPr id="11" name="向下箭號 10"/>
+          <p:cNvSpPr/>
+          <p:nvPr/>
+        </p:nvSpPr>
+        <p:spPr>
+          <a:xfrm>
+            <a:off x="4231900" y="3744199"/>
+            <a:ext cx="113678" cy="931665"/>
+          </a:xfrm>
+          <a:prstGeom prst="downArrow">
+            <a:avLst/>
+          </a:prstGeom>
+          <a:solidFill>
+            <a:schemeClr val="tx2">
+              <a:lumMod val="75000"/>
+            </a:schemeClr>
+          </a:solidFill>
+          <a:ln>
+            <a:noFill/>
+          </a:ln>
+        </p:spPr>
+        <p:style>
+          <a:lnRef idx="2">
+            <a:schemeClr val="accent1">
+              <a:shade val="50000"/>
+            </a:schemeClr>
+          </a:lnRef>
+          <a:fillRef idx="1">
+            <a:schemeClr val="accent1"/>
+          </a:fillRef>
+          <a:effectRef idx="0">
+            <a:schemeClr val="accent1"/>
+          </a:effectRef>
+          <a:fontRef idx="minor">
+            <a:schemeClr val="lt1"/>
+          </a:fontRef>
+        </p:style>
+        <p:txBody>
+          <a:bodyPr rtlCol="0" anchor="ctr"/>
+          <a:lstStyle/>
+          <a:p>
+            <a:pPr algn="ctr"/>
+            <a:endParaRPr lang="zh-TW" altLang="en-US"/>
+          </a:p>
+        </p:txBody>
+      </p:sp>
+      <p:sp>
+        <p:nvSpPr>
+          <p:cNvPr id="13" name="矩形 12"/>
+          <p:cNvSpPr/>
+          <p:nvPr/>
+        </p:nvSpPr>
+        <p:spPr>
+          <a:xfrm>
+            <a:off x="-506270" y="4858527"/>
+            <a:ext cx="9590018" cy="400110"/>
+          </a:xfrm>
+          <a:prstGeom prst="rect">
+            <a:avLst/>
+          </a:prstGeom>
+          <a:noFill/>
+        </p:spPr>
+        <p:txBody>
+          <a:bodyPr wrap="square" lIns="91440" tIns="45720" rIns="91440" bIns="45720">
+            <a:spAutoFit/>
+          </a:bodyPr>
+          <a:lstStyle/>
+          <a:p>
+            <a:pPr algn="ctr"/>
+            <a:r>
+              <a:rPr lang="en-US" altLang="zh-TW" sz="2000" b="1" cap="none" spc="0" dirty="0" smtClean="0">
+                <a:ln w="12700">
+                  <a:solidFill>
+                    <a:schemeClr val="tx2">
+                      <a:lumMod val="75000"/>
+                    </a:schemeClr>
+                  </a:solidFill>
+                  <a:prstDash val="solid"/>
+                </a:ln>
+                <a:solidFill>
+                  <a:schemeClr val="accent6">
+                    <a:lumMod val="60000"/>
+                    <a:lumOff val="40000"/>
+                  </a:schemeClr>
+                </a:solidFill>
+                <a:effectLst>
+                  <a:outerShdw dist="38100" dir="2640000" algn="bl" rotWithShape="0">
+                    <a:schemeClr val="tx2">
+                      <a:lumMod val="75000"/>
+                    </a:schemeClr>
+                  </a:outerShdw>
+                </a:effectLst>
+              </a:rPr>
+              <a:t>That’s not designed to handle the expected high density of UAVs traffic.</a:t>
+            </a:r>
+            <a:endParaRPr lang="zh-TW" altLang="en-US" sz="2000" b="1" cap="none" spc="0" dirty="0">
+              <a:ln w="12700">
+                <a:solidFill>
+                  <a:schemeClr val="tx2">
+                    <a:lumMod val="75000"/>
+                  </a:schemeClr>
+                </a:solidFill>
+                <a:prstDash val="solid"/>
+              </a:ln>
+              <a:solidFill>
+                <a:schemeClr val="accent6">
+                  <a:lumMod val="60000"/>
+                  <a:lumOff val="40000"/>
+                </a:schemeClr>
+              </a:solidFill>
+              <a:effectLst>
+                <a:outerShdw dist="38100" dir="2640000" algn="bl" rotWithShape="0">
+                  <a:schemeClr val="tx2">
+                    <a:lumMod val="75000"/>
+                  </a:schemeClr>
+                </a:outerShdw>
+              </a:effectLst>
             </a:endParaRPr>
           </a:p>
         </p:txBody>
@@ -10671,6 +16451,389 @@
           <a:chExt cx="0" cy="0"/>
         </a:xfrm>
       </p:grpSpPr>
+      <p:sp>
+        <p:nvSpPr>
+          <p:cNvPr id="2" name="橢圓 1"/>
+          <p:cNvSpPr/>
+          <p:nvPr/>
+        </p:nvSpPr>
+        <p:spPr>
+          <a:xfrm>
+            <a:off x="345688" y="920843"/>
+            <a:ext cx="172720" cy="162560"/>
+          </a:xfrm>
+          <a:prstGeom prst="ellipse">
+            <a:avLst/>
+          </a:prstGeom>
+          <a:solidFill>
+            <a:schemeClr val="tx1">
+              <a:lumMod val="65000"/>
+              <a:lumOff val="35000"/>
+            </a:schemeClr>
+          </a:solidFill>
+          <a:ln>
+            <a:noFill/>
+          </a:ln>
+        </p:spPr>
+        <p:style>
+          <a:lnRef idx="2">
+            <a:schemeClr val="accent1">
+              <a:shade val="50000"/>
+            </a:schemeClr>
+          </a:lnRef>
+          <a:fillRef idx="1">
+            <a:schemeClr val="accent1"/>
+          </a:fillRef>
+          <a:effectRef idx="0">
+            <a:schemeClr val="accent1"/>
+          </a:effectRef>
+          <a:fontRef idx="minor">
+            <a:schemeClr val="lt1"/>
+          </a:fontRef>
+        </p:style>
+        <p:txBody>
+          <a:bodyPr rtlCol="0" anchor="ctr"/>
+          <a:lstStyle/>
+          <a:p>
+            <a:pPr algn="ctr"/>
+            <a:endParaRPr lang="zh-TW" altLang="en-US"/>
+          </a:p>
+        </p:txBody>
+      </p:sp>
+      <p:cxnSp>
+        <p:nvCxnSpPr>
+          <p:cNvPr id="3" name="直線接點 2"/>
+          <p:cNvCxnSpPr>
+            <a:stCxn id="2" idx="6"/>
+          </p:cNvCxnSpPr>
+          <p:nvPr/>
+        </p:nvCxnSpPr>
+        <p:spPr>
+          <a:xfrm>
+            <a:off x="518408" y="1002123"/>
+            <a:ext cx="5891101" cy="0"/>
+          </a:xfrm>
+          <a:prstGeom prst="line">
+            <a:avLst/>
+          </a:prstGeom>
+          <a:ln w="25400">
+            <a:solidFill>
+              <a:schemeClr val="tx1">
+                <a:lumMod val="65000"/>
+                <a:lumOff val="35000"/>
+              </a:schemeClr>
+            </a:solidFill>
+          </a:ln>
+        </p:spPr>
+        <p:style>
+          <a:lnRef idx="1">
+            <a:schemeClr val="accent1"/>
+          </a:lnRef>
+          <a:fillRef idx="0">
+            <a:schemeClr val="accent1"/>
+          </a:fillRef>
+          <a:effectRef idx="0">
+            <a:schemeClr val="accent1"/>
+          </a:effectRef>
+          <a:fontRef idx="minor">
+            <a:schemeClr val="tx1"/>
+          </a:fontRef>
+        </p:style>
+      </p:cxnSp>
+      <p:sp>
+        <p:nvSpPr>
+          <p:cNvPr id="4" name="矩形 3"/>
+          <p:cNvSpPr/>
+          <p:nvPr/>
+        </p:nvSpPr>
+        <p:spPr>
+          <a:xfrm>
+            <a:off x="432048" y="417348"/>
+            <a:ext cx="6048002" cy="584775"/>
+          </a:xfrm>
+          <a:prstGeom prst="rect">
+            <a:avLst/>
+          </a:prstGeom>
+          <a:noFill/>
+        </p:spPr>
+        <p:txBody>
+          <a:bodyPr wrap="none" lIns="91440" tIns="45720" rIns="91440" bIns="45720">
+            <a:spAutoFit/>
+          </a:bodyPr>
+          <a:lstStyle/>
+          <a:p>
+            <a:pPr algn="ctr"/>
+            <a:r>
+              <a:rPr lang="en-US" altLang="zh-TW" sz="3200" b="1" cap="none" spc="0" dirty="0" smtClean="0">
+                <a:ln w="0"/>
+                <a:solidFill>
+                  <a:schemeClr val="accent1"/>
+                </a:solidFill>
+                <a:effectLst>
+                  <a:outerShdw blurRad="38100" dist="25400" dir="5400000" algn="ctr" rotWithShape="0">
+                    <a:srgbClr val="6E747A">
+                      <a:alpha val="43000"/>
+                    </a:srgbClr>
+                  </a:outerShdw>
+                </a:effectLst>
+                <a:latin typeface="Times New Roman" panose="02020603050405020304" pitchFamily="18" charset="0"/>
+                <a:cs typeface="Times New Roman" panose="02020603050405020304" pitchFamily="18" charset="0"/>
+              </a:rPr>
+              <a:t>UAV</a:t>
+            </a:r>
+            <a:r>
+              <a:rPr lang="zh-TW" altLang="en-US" sz="3200" b="1" cap="none" spc="0" dirty="0" smtClean="0">
+                <a:ln w="0"/>
+                <a:solidFill>
+                  <a:schemeClr val="accent1"/>
+                </a:solidFill>
+                <a:effectLst>
+                  <a:outerShdw blurRad="38100" dist="25400" dir="5400000" algn="ctr" rotWithShape="0">
+                    <a:srgbClr val="6E747A">
+                      <a:alpha val="43000"/>
+                    </a:srgbClr>
+                  </a:outerShdw>
+                </a:effectLst>
+                <a:latin typeface="Times New Roman" panose="02020603050405020304" pitchFamily="18" charset="0"/>
+                <a:cs typeface="Times New Roman" panose="02020603050405020304" pitchFamily="18" charset="0"/>
+              </a:rPr>
+              <a:t> </a:t>
+            </a:r>
+            <a:r>
+              <a:rPr lang="en-US" altLang="zh-TW" sz="3200" b="1" cap="none" spc="0" dirty="0" smtClean="0">
+                <a:ln w="0"/>
+                <a:solidFill>
+                  <a:schemeClr val="accent1"/>
+                </a:solidFill>
+                <a:effectLst>
+                  <a:outerShdw blurRad="38100" dist="25400" dir="5400000" algn="ctr" rotWithShape="0">
+                    <a:srgbClr val="6E747A">
+                      <a:alpha val="43000"/>
+                    </a:srgbClr>
+                  </a:outerShdw>
+                </a:effectLst>
+                <a:latin typeface="Times New Roman" panose="02020603050405020304" pitchFamily="18" charset="0"/>
+                <a:cs typeface="Times New Roman" panose="02020603050405020304" pitchFamily="18" charset="0"/>
+              </a:rPr>
+              <a:t>Traffic Management (UTM</a:t>
+            </a:r>
+            <a:r>
+              <a:rPr lang="en-US" altLang="zh-TW" sz="3200" b="1" cap="none" spc="0" dirty="0" smtClean="0">
+                <a:ln w="0"/>
+                <a:solidFill>
+                  <a:schemeClr val="accent1"/>
+                </a:solidFill>
+                <a:effectLst>
+                  <a:outerShdw blurRad="38100" dist="25400" dir="5400000" algn="ctr" rotWithShape="0">
+                    <a:srgbClr val="6E747A">
+                      <a:alpha val="43000"/>
+                    </a:srgbClr>
+                  </a:outerShdw>
+                </a:effectLst>
+                <a:latin typeface="Times New Roman" panose="02020603050405020304" pitchFamily="18" charset="0"/>
+                <a:cs typeface="Times New Roman" panose="02020603050405020304" pitchFamily="18" charset="0"/>
+              </a:rPr>
+              <a:t>)</a:t>
+            </a:r>
+            <a:endParaRPr lang="zh-TW" altLang="en-US" sz="3200" b="1" cap="none" spc="0" dirty="0">
+              <a:ln w="0"/>
+              <a:solidFill>
+                <a:schemeClr val="accent1"/>
+              </a:solidFill>
+              <a:effectLst>
+                <a:outerShdw blurRad="38100" dist="25400" dir="5400000" algn="ctr" rotWithShape="0">
+                  <a:srgbClr val="6E747A">
+                    <a:alpha val="43000"/>
+                  </a:srgbClr>
+                </a:outerShdw>
+              </a:effectLst>
+              <a:latin typeface="Times New Roman" panose="02020603050405020304" pitchFamily="18" charset="0"/>
+              <a:cs typeface="Times New Roman" panose="02020603050405020304" pitchFamily="18" charset="0"/>
+            </a:endParaRPr>
+          </a:p>
+        </p:txBody>
+      </p:sp>
+      <p:sp>
+        <p:nvSpPr>
+          <p:cNvPr id="7" name="投影片編號版面配置區 6"/>
+          <p:cNvSpPr>
+            <a:spLocks noGrp="1"/>
+          </p:cNvSpPr>
+          <p:nvPr>
+            <p:ph type="sldNum" sz="quarter" idx="12"/>
+          </p:nvPr>
+        </p:nvSpPr>
+        <p:spPr/>
+        <p:txBody>
+          <a:bodyPr/>
+          <a:lstStyle/>
+          <a:p>
+            <a:fld id="{C128DF73-0FD1-4EFB-B6B9-20BE1557E8C1}" type="slidenum">
+              <a:rPr lang="zh-TW" altLang="en-US" smtClean="0"/>
+              <a:t>6</a:t>
+            </a:fld>
+            <a:endParaRPr lang="zh-TW" altLang="en-US"/>
+          </a:p>
+        </p:txBody>
+      </p:sp>
+      <p:sp>
+        <p:nvSpPr>
+          <p:cNvPr id="8" name="文字方塊 7"/>
+          <p:cNvSpPr txBox="1"/>
+          <p:nvPr/>
+        </p:nvSpPr>
+        <p:spPr>
+          <a:xfrm>
+            <a:off x="518408" y="1402231"/>
+            <a:ext cx="4934108" cy="369332"/>
+          </a:xfrm>
+          <a:prstGeom prst="rect">
+            <a:avLst/>
+          </a:prstGeom>
+          <a:noFill/>
+        </p:spPr>
+        <p:txBody>
+          <a:bodyPr wrap="none" rtlCol="0">
+            <a:spAutoFit/>
+          </a:bodyPr>
+          <a:lstStyle/>
+          <a:p>
+            <a:pPr marL="285750" indent="-285750">
+              <a:buFont typeface="Wingdings" panose="05000000000000000000" pitchFamily="2" charset="2"/>
+              <a:buChar char="p"/>
+            </a:pPr>
+            <a:r>
+              <a:rPr lang="en-US" altLang="zh-TW" dirty="0" smtClean="0">
+                <a:latin typeface="Times New Roman" panose="02020603050405020304" pitchFamily="18" charset="0"/>
+                <a:cs typeface="Times New Roman" panose="02020603050405020304" pitchFamily="18" charset="0"/>
+              </a:rPr>
+              <a:t>Used to handle the high density of UAVs traffic.</a:t>
+            </a:r>
+            <a:endParaRPr lang="zh-TW" altLang="en-US" dirty="0">
+              <a:latin typeface="Times New Roman" panose="02020603050405020304" pitchFamily="18" charset="0"/>
+              <a:cs typeface="Times New Roman" panose="02020603050405020304" pitchFamily="18" charset="0"/>
+            </a:endParaRPr>
+          </a:p>
+        </p:txBody>
+      </p:sp>
+      <p:sp>
+        <p:nvSpPr>
+          <p:cNvPr id="9" name="文字方塊 8"/>
+          <p:cNvSpPr txBox="1"/>
+          <p:nvPr/>
+        </p:nvSpPr>
+        <p:spPr>
+          <a:xfrm>
+            <a:off x="518408" y="2171670"/>
+            <a:ext cx="7907036" cy="369332"/>
+          </a:xfrm>
+          <a:prstGeom prst="rect">
+            <a:avLst/>
+          </a:prstGeom>
+          <a:noFill/>
+        </p:spPr>
+        <p:txBody>
+          <a:bodyPr wrap="none" rtlCol="0">
+            <a:spAutoFit/>
+          </a:bodyPr>
+          <a:lstStyle/>
+          <a:p>
+            <a:pPr marL="285750" indent="-285750">
+              <a:buFont typeface="Wingdings" panose="05000000000000000000" pitchFamily="2" charset="2"/>
+              <a:buChar char="p"/>
+            </a:pPr>
+            <a:r>
+              <a:rPr lang="en-US" altLang="zh-TW" dirty="0" smtClean="0">
+                <a:latin typeface="Times New Roman" panose="02020603050405020304" pitchFamily="18" charset="0"/>
+                <a:cs typeface="Times New Roman" panose="02020603050405020304" pitchFamily="18" charset="0"/>
+              </a:rPr>
+              <a:t>Mitigate the risk of collision among small UAVs, flying in uncontrolled airspace.</a:t>
+            </a:r>
+            <a:endParaRPr lang="zh-TW" altLang="en-US" dirty="0">
+              <a:latin typeface="Times New Roman" panose="02020603050405020304" pitchFamily="18" charset="0"/>
+              <a:cs typeface="Times New Roman" panose="02020603050405020304" pitchFamily="18" charset="0"/>
+            </a:endParaRPr>
+          </a:p>
+        </p:txBody>
+      </p:sp>
+      <p:pic>
+        <p:nvPicPr>
+          <p:cNvPr id="11" name="Picture 2" descr="「FAA Logo」的圖片搜尋結果"/>
+          <p:cNvPicPr>
+            <a:picLocks noChangeAspect="1" noChangeArrowheads="1"/>
+          </p:cNvPicPr>
+          <p:nvPr/>
+        </p:nvPicPr>
+        <p:blipFill rotWithShape="1">
+          <a:blip r:embed="rId2" cstate="print">
+            <a:extLst>
+              <a:ext uri="{28A0092B-C50C-407E-A947-70E740481C1C}">
+                <a14:useLocalDpi xmlns:a14="http://schemas.microsoft.com/office/drawing/2010/main" val="0"/>
+              </a:ext>
+            </a:extLst>
+          </a:blip>
+          <a:srcRect l="5156" t="3694" r="4965" b="11758"/>
+          <a:stretch/>
+        </p:blipFill>
+        <p:spPr bwMode="auto">
+          <a:xfrm>
+            <a:off x="7096125" y="508406"/>
+            <a:ext cx="1171575" cy="1149993"/>
+          </a:xfrm>
+          <a:prstGeom prst="rect">
+            <a:avLst/>
+          </a:prstGeom>
+          <a:noFill/>
+          <a:extLst>
+            <a:ext uri="{909E8E84-426E-40DD-AFC4-6F175D3DCCD1}">
+              <a14:hiddenFill xmlns:a14="http://schemas.microsoft.com/office/drawing/2010/main">
+                <a:solidFill>
+                  <a:srgbClr val="FFFFFF"/>
+                </a:solidFill>
+              </a14:hiddenFill>
+            </a:ext>
+          </a:extLst>
+        </p:spPr>
+      </p:pic>
+      <p:pic>
+        <p:nvPicPr>
+          <p:cNvPr id="3076" name="Picture 4" descr="「NASA Logo」的圖片搜尋結果"/>
+          <p:cNvPicPr>
+            <a:picLocks noChangeAspect="1" noChangeArrowheads="1"/>
+          </p:cNvPicPr>
+          <p:nvPr/>
+        </p:nvPicPr>
+        <p:blipFill rotWithShape="1">
+          <a:blip r:embed="rId3" cstate="print">
+            <a:extLst>
+              <a:ext uri="{28A0092B-C50C-407E-A947-70E740481C1C}">
+                <a14:useLocalDpi xmlns:a14="http://schemas.microsoft.com/office/drawing/2010/main" val="0"/>
+              </a:ext>
+            </a:extLst>
+          </a:blip>
+          <a:srcRect l="5095" t="1328" r="2852" b="32352"/>
+          <a:stretch/>
+        </p:blipFill>
+        <p:spPr bwMode="auto">
+          <a:xfrm>
+            <a:off x="8522632" y="457831"/>
+            <a:ext cx="1388677" cy="1200568"/>
+          </a:xfrm>
+          <a:prstGeom prst="rect">
+            <a:avLst/>
+          </a:prstGeom>
+          <a:noFill/>
+          <a:extLst>
+            <a:ext uri="{909E8E84-426E-40DD-AFC4-6F175D3DCCD1}">
+              <a14:hiddenFill xmlns:a14="http://schemas.microsoft.com/office/drawing/2010/main">
+                <a:solidFill>
+                  <a:srgbClr val="FFFFFF"/>
+                </a:solidFill>
+              </a14:hiddenFill>
+            </a:ext>
+          </a:extLst>
+        </p:spPr>
+      </p:pic>
     </p:spTree>
     <p:extLst>
       <p:ext uri="{BB962C8B-B14F-4D97-AF65-F5344CB8AC3E}">
@@ -10708,131 +16871,181 @@
           <a:chExt cx="0" cy="0"/>
         </a:xfrm>
       </p:grpSpPr>
-      <p:grpSp>
-        <p:nvGrpSpPr>
-          <p:cNvPr id="4" name="群組 3"/>
-          <p:cNvGrpSpPr/>
+      <p:sp>
+        <p:nvSpPr>
+          <p:cNvPr id="4" name="橢圓 3"/>
+          <p:cNvSpPr/>
           <p:nvPr/>
-        </p:nvGrpSpPr>
-        <p:grpSpPr>
+        </p:nvSpPr>
+        <p:spPr>
           <a:xfrm>
-            <a:off x="4194355" y="2765260"/>
-            <a:ext cx="3608525" cy="963460"/>
-            <a:chOff x="0" y="2115"/>
-            <a:chExt cx="2787289" cy="575639"/>
+            <a:off x="345688" y="920843"/>
+            <a:ext cx="172720" cy="162560"/>
           </a:xfrm>
-        </p:grpSpPr>
-        <p:sp>
-          <p:nvSpPr>
-            <p:cNvPr id="5" name="圓角矩形 4"/>
-            <p:cNvSpPr/>
-            <p:nvPr/>
-          </p:nvSpPr>
-          <p:spPr>
-            <a:xfrm>
-              <a:off x="0" y="2115"/>
-              <a:ext cx="2787289" cy="575639"/>
-            </a:xfrm>
-            <a:prstGeom prst="roundRect">
-              <a:avLst/>
-            </a:prstGeom>
-          </p:spPr>
-          <p:style>
-            <a:lnRef idx="2">
-              <a:schemeClr val="lt1">
-                <a:hueOff val="0"/>
-                <a:satOff val="0"/>
-                <a:lumOff val="0"/>
-                <a:alphaOff val="0"/>
-              </a:schemeClr>
-            </a:lnRef>
-            <a:fillRef idx="1">
-              <a:schemeClr val="accent3">
-                <a:shade val="50000"/>
-                <a:hueOff val="0"/>
-                <a:satOff val="0"/>
-                <a:lumOff val="0"/>
-                <a:alphaOff val="0"/>
-              </a:schemeClr>
-            </a:fillRef>
-            <a:effectRef idx="0">
-              <a:schemeClr val="accent3">
-                <a:shade val="50000"/>
-                <a:hueOff val="0"/>
-                <a:satOff val="0"/>
-                <a:lumOff val="0"/>
-                <a:alphaOff val="0"/>
-              </a:schemeClr>
-            </a:effectRef>
-            <a:fontRef idx="minor">
-              <a:schemeClr val="lt1"/>
-            </a:fontRef>
-          </p:style>
-        </p:sp>
-        <p:sp>
-          <p:nvSpPr>
-            <p:cNvPr id="6" name="圓角矩形 4"/>
-            <p:cNvSpPr txBox="1"/>
-            <p:nvPr/>
-          </p:nvSpPr>
-          <p:spPr>
-            <a:xfrm>
-              <a:off x="28100" y="30215"/>
-              <a:ext cx="2731089" cy="519439"/>
-            </a:xfrm>
-            <a:prstGeom prst="rect">
-              <a:avLst/>
-            </a:prstGeom>
+          <a:prstGeom prst="ellipse">
+            <a:avLst/>
+          </a:prstGeom>
+          <a:solidFill>
+            <a:schemeClr val="tx1">
+              <a:lumMod val="65000"/>
+              <a:lumOff val="35000"/>
+            </a:schemeClr>
+          </a:solidFill>
+          <a:ln>
+            <a:noFill/>
+          </a:ln>
+        </p:spPr>
+        <p:style>
+          <a:lnRef idx="2">
+            <a:schemeClr val="accent1">
+              <a:shade val="50000"/>
+            </a:schemeClr>
+          </a:lnRef>
+          <a:fillRef idx="1">
+            <a:schemeClr val="accent1"/>
+          </a:fillRef>
+          <a:effectRef idx="0">
+            <a:schemeClr val="accent1"/>
+          </a:effectRef>
+          <a:fontRef idx="minor">
+            <a:schemeClr val="lt1"/>
+          </a:fontRef>
+        </p:style>
+        <p:txBody>
+          <a:bodyPr rtlCol="0" anchor="ctr"/>
+          <a:lstStyle/>
+          <a:p>
+            <a:pPr algn="ctr"/>
+            <a:endParaRPr lang="zh-TW" altLang="en-US"/>
+          </a:p>
+        </p:txBody>
+      </p:sp>
+      <p:cxnSp>
+        <p:nvCxnSpPr>
+          <p:cNvPr id="5" name="直線接點 4"/>
+          <p:cNvCxnSpPr>
+            <a:stCxn id="4" idx="6"/>
+          </p:cNvCxnSpPr>
+          <p:nvPr/>
+        </p:nvCxnSpPr>
+        <p:spPr>
+          <a:xfrm>
+            <a:off x="518408" y="1002123"/>
+            <a:ext cx="6657455" cy="0"/>
+          </a:xfrm>
+          <a:prstGeom prst="line">
+            <a:avLst/>
+          </a:prstGeom>
+          <a:ln w="25400">
             <a:solidFill>
-              <a:schemeClr val="tx2">
-                <a:lumMod val="75000"/>
+              <a:schemeClr val="tx1">
+                <a:lumMod val="65000"/>
+                <a:lumOff val="35000"/>
               </a:schemeClr>
             </a:solidFill>
-          </p:spPr>
-          <p:style>
-            <a:lnRef idx="0">
-              <a:scrgbClr r="0" g="0" b="0"/>
-            </a:lnRef>
-            <a:fillRef idx="0">
-              <a:scrgbClr r="0" g="0" b="0"/>
-            </a:fillRef>
-            <a:effectRef idx="0">
-              <a:scrgbClr r="0" g="0" b="0"/>
-            </a:effectRef>
-            <a:fontRef idx="minor">
-              <a:schemeClr val="lt1"/>
-            </a:fontRef>
-          </p:style>
-          <p:txBody>
-            <a:bodyPr spcFirstLastPara="0" vert="horz" wrap="square" lIns="91440" tIns="91440" rIns="91440" bIns="91440" numCol="1" spcCol="1270" anchor="ctr" anchorCtr="0">
-              <a:noAutofit/>
-            </a:bodyPr>
-            <a:lstStyle/>
-            <a:p>
-              <a:pPr lvl="0" algn="ctr" defTabSz="1066800" rtl="0">
-                <a:lnSpc>
-                  <a:spcPct val="90000"/>
-                </a:lnSpc>
-                <a:spcBef>
-                  <a:spcPct val="0"/>
-                </a:spcBef>
-                <a:spcAft>
-                  <a:spcPct val="35000"/>
-                </a:spcAft>
-              </a:pPr>
-              <a:r>
-                <a:rPr lang="en-US" altLang="zh-TW" sz="3200" dirty="0" smtClean="0"/>
-                <a:t>METHOD</a:t>
-              </a:r>
-              <a:endParaRPr lang="zh-TW" sz="3200" kern="1200" dirty="0"/>
-            </a:p>
-          </p:txBody>
-        </p:sp>
-      </p:grpSp>
+          </a:ln>
+        </p:spPr>
+        <p:style>
+          <a:lnRef idx="1">
+            <a:schemeClr val="accent1"/>
+          </a:lnRef>
+          <a:fillRef idx="0">
+            <a:schemeClr val="accent1"/>
+          </a:fillRef>
+          <a:effectRef idx="0">
+            <a:schemeClr val="accent1"/>
+          </a:effectRef>
+          <a:fontRef idx="minor">
+            <a:schemeClr val="tx1"/>
+          </a:fontRef>
+        </p:style>
+      </p:cxnSp>
+      <p:sp>
+        <p:nvSpPr>
+          <p:cNvPr id="6" name="矩形 5"/>
+          <p:cNvSpPr/>
+          <p:nvPr/>
+        </p:nvSpPr>
+        <p:spPr>
+          <a:xfrm>
+            <a:off x="432048" y="417348"/>
+            <a:ext cx="6875601" cy="584775"/>
+          </a:xfrm>
+          <a:prstGeom prst="rect">
+            <a:avLst/>
+          </a:prstGeom>
+          <a:noFill/>
+        </p:spPr>
+        <p:txBody>
+          <a:bodyPr wrap="none" lIns="91440" tIns="45720" rIns="91440" bIns="45720">
+            <a:spAutoFit/>
+          </a:bodyPr>
+          <a:lstStyle/>
+          <a:p>
+            <a:pPr algn="ctr"/>
+            <a:r>
+              <a:rPr lang="en-US" altLang="zh-TW" sz="3200" b="1" cap="none" spc="0" dirty="0" smtClean="0">
+                <a:ln w="0"/>
+                <a:solidFill>
+                  <a:schemeClr val="accent1"/>
+                </a:solidFill>
+                <a:effectLst>
+                  <a:outerShdw blurRad="38100" dist="25400" dir="5400000" algn="ctr" rotWithShape="0">
+                    <a:srgbClr val="6E747A">
+                      <a:alpha val="43000"/>
+                    </a:srgbClr>
+                  </a:outerShdw>
+                </a:effectLst>
+                <a:latin typeface="Times New Roman" panose="02020603050405020304" pitchFamily="18" charset="0"/>
+                <a:cs typeface="Times New Roman" panose="02020603050405020304" pitchFamily="18" charset="0"/>
+              </a:rPr>
+              <a:t>Multi-Access Edge Computing (MEC)</a:t>
+            </a:r>
+            <a:endParaRPr lang="zh-TW" altLang="en-US" sz="3200" b="1" cap="none" spc="0" dirty="0">
+              <a:ln w="0"/>
+              <a:solidFill>
+                <a:schemeClr val="accent1"/>
+              </a:solidFill>
+              <a:effectLst>
+                <a:outerShdw blurRad="38100" dist="25400" dir="5400000" algn="ctr" rotWithShape="0">
+                  <a:srgbClr val="6E747A">
+                    <a:alpha val="43000"/>
+                  </a:srgbClr>
+                </a:outerShdw>
+              </a:effectLst>
+              <a:latin typeface="Times New Roman" panose="02020603050405020304" pitchFamily="18" charset="0"/>
+              <a:cs typeface="Times New Roman" panose="02020603050405020304" pitchFamily="18" charset="0"/>
+            </a:endParaRPr>
+          </a:p>
+        </p:txBody>
+      </p:sp>
+      <p:sp>
+        <p:nvSpPr>
+          <p:cNvPr id="9" name="投影片編號版面配置區 8"/>
+          <p:cNvSpPr>
+            <a:spLocks noGrp="1"/>
+          </p:cNvSpPr>
+          <p:nvPr>
+            <p:ph type="sldNum" sz="quarter" idx="12"/>
+          </p:nvPr>
+        </p:nvSpPr>
+        <p:spPr/>
+        <p:txBody>
+          <a:bodyPr/>
+          <a:lstStyle/>
+          <a:p>
+            <a:fld id="{C128DF73-0FD1-4EFB-B6B9-20BE1557E8C1}" type="slidenum">
+              <a:rPr lang="zh-TW" altLang="en-US" smtClean="0"/>
+              <a:t>7</a:t>
+            </a:fld>
+            <a:endParaRPr lang="zh-TW" altLang="en-US"/>
+          </a:p>
+        </p:txBody>
+      </p:sp>
     </p:spTree>
     <p:extLst>
       <p:ext uri="{BB962C8B-B14F-4D97-AF65-F5344CB8AC3E}">
-        <p14:creationId xmlns:p14="http://schemas.microsoft.com/office/powerpoint/2010/main" val="2734751437"/>
+        <p14:creationId xmlns:p14="http://schemas.microsoft.com/office/powerpoint/2010/main" val="2469588598"/>
       </p:ext>
     </p:extLst>
   </p:cSld>
@@ -10980,17 +17193,40 @@
               </a:pPr>
               <a:r>
                 <a:rPr lang="en-US" altLang="zh-TW" sz="3200" dirty="0" smtClean="0"/>
-                <a:t>RESULT</a:t>
+                <a:t>EXPERIMENT</a:t>
               </a:r>
               <a:endParaRPr lang="zh-TW" sz="3200" kern="1200" dirty="0"/>
             </a:p>
           </p:txBody>
         </p:sp>
       </p:grpSp>
+      <p:sp>
+        <p:nvSpPr>
+          <p:cNvPr id="2" name="投影片編號版面配置區 1"/>
+          <p:cNvSpPr>
+            <a:spLocks noGrp="1"/>
+          </p:cNvSpPr>
+          <p:nvPr>
+            <p:ph type="sldNum" sz="quarter" idx="12"/>
+          </p:nvPr>
+        </p:nvSpPr>
+        <p:spPr/>
+        <p:txBody>
+          <a:bodyPr/>
+          <a:lstStyle/>
+          <a:p>
+            <a:fld id="{C128DF73-0FD1-4EFB-B6B9-20BE1557E8C1}" type="slidenum">
+              <a:rPr lang="zh-TW" altLang="en-US" smtClean="0"/>
+              <a:t>8</a:t>
+            </a:fld>
+            <a:endParaRPr lang="zh-TW" altLang="en-US"/>
+          </a:p>
+        </p:txBody>
+      </p:sp>
     </p:spTree>
     <p:extLst>
       <p:ext uri="{BB962C8B-B14F-4D97-AF65-F5344CB8AC3E}">
-        <p14:creationId xmlns:p14="http://schemas.microsoft.com/office/powerpoint/2010/main" val="1673562045"/>
+        <p14:creationId xmlns:p14="http://schemas.microsoft.com/office/powerpoint/2010/main" val="2734751437"/>
       </p:ext>
     </p:extLst>
   </p:cSld>
@@ -11024,131 +17260,217 @@
           <a:chExt cx="0" cy="0"/>
         </a:xfrm>
       </p:grpSpPr>
-      <p:grpSp>
-        <p:nvGrpSpPr>
-          <p:cNvPr id="4" name="群組 3"/>
-          <p:cNvGrpSpPr/>
+      <p:sp>
+        <p:nvSpPr>
+          <p:cNvPr id="4" name="橢圓 3"/>
+          <p:cNvSpPr/>
           <p:nvPr/>
-        </p:nvGrpSpPr>
-        <p:grpSpPr>
+        </p:nvSpPr>
+        <p:spPr>
           <a:xfrm>
-            <a:off x="4194355" y="2765260"/>
-            <a:ext cx="3608525" cy="963460"/>
-            <a:chOff x="0" y="2115"/>
-            <a:chExt cx="2787289" cy="575639"/>
+            <a:off x="345688" y="920843"/>
+            <a:ext cx="172720" cy="162560"/>
           </a:xfrm>
-        </p:grpSpPr>
-        <p:sp>
-          <p:nvSpPr>
-            <p:cNvPr id="5" name="圓角矩形 4"/>
-            <p:cNvSpPr/>
-            <p:nvPr/>
-          </p:nvSpPr>
-          <p:spPr>
-            <a:xfrm>
-              <a:off x="0" y="2115"/>
-              <a:ext cx="2787289" cy="575639"/>
-            </a:xfrm>
-            <a:prstGeom prst="roundRect">
-              <a:avLst/>
-            </a:prstGeom>
-          </p:spPr>
-          <p:style>
-            <a:lnRef idx="2">
-              <a:schemeClr val="lt1">
-                <a:hueOff val="0"/>
-                <a:satOff val="0"/>
-                <a:lumOff val="0"/>
-                <a:alphaOff val="0"/>
-              </a:schemeClr>
-            </a:lnRef>
-            <a:fillRef idx="1">
-              <a:schemeClr val="accent3">
-                <a:shade val="50000"/>
-                <a:hueOff val="0"/>
-                <a:satOff val="0"/>
-                <a:lumOff val="0"/>
-                <a:alphaOff val="0"/>
-              </a:schemeClr>
-            </a:fillRef>
-            <a:effectRef idx="0">
-              <a:schemeClr val="accent3">
-                <a:shade val="50000"/>
-                <a:hueOff val="0"/>
-                <a:satOff val="0"/>
-                <a:lumOff val="0"/>
-                <a:alphaOff val="0"/>
-              </a:schemeClr>
-            </a:effectRef>
-            <a:fontRef idx="minor">
-              <a:schemeClr val="lt1"/>
-            </a:fontRef>
-          </p:style>
-        </p:sp>
-        <p:sp>
-          <p:nvSpPr>
-            <p:cNvPr id="6" name="圓角矩形 4"/>
-            <p:cNvSpPr txBox="1"/>
-            <p:nvPr/>
-          </p:nvSpPr>
-          <p:spPr>
-            <a:xfrm>
-              <a:off x="28100" y="30215"/>
-              <a:ext cx="2731089" cy="519439"/>
-            </a:xfrm>
-            <a:prstGeom prst="rect">
-              <a:avLst/>
-            </a:prstGeom>
+          <a:prstGeom prst="ellipse">
+            <a:avLst/>
+          </a:prstGeom>
+          <a:solidFill>
+            <a:schemeClr val="tx1">
+              <a:lumMod val="65000"/>
+              <a:lumOff val="35000"/>
+            </a:schemeClr>
+          </a:solidFill>
+          <a:ln>
+            <a:noFill/>
+          </a:ln>
+        </p:spPr>
+        <p:style>
+          <a:lnRef idx="2">
+            <a:schemeClr val="accent1">
+              <a:shade val="50000"/>
+            </a:schemeClr>
+          </a:lnRef>
+          <a:fillRef idx="1">
+            <a:schemeClr val="accent1"/>
+          </a:fillRef>
+          <a:effectRef idx="0">
+            <a:schemeClr val="accent1"/>
+          </a:effectRef>
+          <a:fontRef idx="minor">
+            <a:schemeClr val="lt1"/>
+          </a:fontRef>
+        </p:style>
+        <p:txBody>
+          <a:bodyPr rtlCol="0" anchor="ctr"/>
+          <a:lstStyle/>
+          <a:p>
+            <a:pPr algn="ctr"/>
+            <a:endParaRPr lang="zh-TW" altLang="en-US"/>
+          </a:p>
+        </p:txBody>
+      </p:sp>
+      <p:cxnSp>
+        <p:nvCxnSpPr>
+          <p:cNvPr id="5" name="直線接點 4"/>
+          <p:cNvCxnSpPr>
+            <a:stCxn id="4" idx="6"/>
+          </p:cNvCxnSpPr>
+          <p:nvPr/>
+        </p:nvCxnSpPr>
+        <p:spPr>
+          <a:xfrm>
+            <a:off x="518408" y="1002123"/>
+            <a:ext cx="4532563" cy="0"/>
+          </a:xfrm>
+          <a:prstGeom prst="line">
+            <a:avLst/>
+          </a:prstGeom>
+          <a:ln w="25400">
             <a:solidFill>
-              <a:schemeClr val="tx2">
-                <a:lumMod val="75000"/>
+              <a:schemeClr val="tx1">
+                <a:lumMod val="65000"/>
+                <a:lumOff val="35000"/>
               </a:schemeClr>
             </a:solidFill>
-          </p:spPr>
-          <p:style>
-            <a:lnRef idx="0">
-              <a:scrgbClr r="0" g="0" b="0"/>
-            </a:lnRef>
-            <a:fillRef idx="0">
-              <a:scrgbClr r="0" g="0" b="0"/>
-            </a:fillRef>
-            <a:effectRef idx="0">
-              <a:scrgbClr r="0" g="0" b="0"/>
-            </a:effectRef>
-            <a:fontRef idx="minor">
-              <a:schemeClr val="lt1"/>
-            </a:fontRef>
-          </p:style>
-          <p:txBody>
-            <a:bodyPr spcFirstLastPara="0" vert="horz" wrap="square" lIns="91440" tIns="91440" rIns="91440" bIns="91440" numCol="1" spcCol="1270" anchor="ctr" anchorCtr="0">
-              <a:noAutofit/>
-            </a:bodyPr>
-            <a:lstStyle/>
-            <a:p>
-              <a:pPr lvl="0" algn="ctr" defTabSz="1066800" rtl="0">
-                <a:lnSpc>
-                  <a:spcPct val="90000"/>
-                </a:lnSpc>
-                <a:spcBef>
-                  <a:spcPct val="0"/>
-                </a:spcBef>
-                <a:spcAft>
-                  <a:spcPct val="35000"/>
-                </a:spcAft>
-              </a:pPr>
-              <a:r>
-                <a:rPr lang="en-US" altLang="zh-TW" sz="3200" dirty="0" smtClean="0"/>
-                <a:t>DISCUSSION</a:t>
-              </a:r>
-              <a:endParaRPr lang="zh-TW" sz="3200" kern="1200" dirty="0"/>
-            </a:p>
-          </p:txBody>
-        </p:sp>
-      </p:grpSp>
+          </a:ln>
+        </p:spPr>
+        <p:style>
+          <a:lnRef idx="1">
+            <a:schemeClr val="accent1"/>
+          </a:lnRef>
+          <a:fillRef idx="0">
+            <a:schemeClr val="accent1"/>
+          </a:fillRef>
+          <a:effectRef idx="0">
+            <a:schemeClr val="accent1"/>
+          </a:effectRef>
+          <a:fontRef idx="minor">
+            <a:schemeClr val="tx1"/>
+          </a:fontRef>
+        </p:style>
+      </p:cxnSp>
+      <p:sp>
+        <p:nvSpPr>
+          <p:cNvPr id="6" name="矩形 5"/>
+          <p:cNvSpPr/>
+          <p:nvPr/>
+        </p:nvSpPr>
+        <p:spPr>
+          <a:xfrm>
+            <a:off x="432048" y="417348"/>
+            <a:ext cx="4685899" cy="584775"/>
+          </a:xfrm>
+          <a:prstGeom prst="rect">
+            <a:avLst/>
+          </a:prstGeom>
+          <a:noFill/>
+        </p:spPr>
+        <p:txBody>
+          <a:bodyPr wrap="none" lIns="91440" tIns="45720" rIns="91440" bIns="45720">
+            <a:spAutoFit/>
+          </a:bodyPr>
+          <a:lstStyle/>
+          <a:p>
+            <a:pPr algn="ctr"/>
+            <a:r>
+              <a:rPr lang="en-US" altLang="zh-TW" sz="3200" b="1" cap="none" spc="0" dirty="0" smtClean="0">
+                <a:ln w="0"/>
+                <a:solidFill>
+                  <a:schemeClr val="accent1"/>
+                </a:solidFill>
+                <a:effectLst>
+                  <a:outerShdw blurRad="38100" dist="25400" dir="5400000" algn="ctr" rotWithShape="0">
+                    <a:srgbClr val="6E747A">
+                      <a:alpha val="43000"/>
+                    </a:srgbClr>
+                  </a:outerShdw>
+                </a:effectLst>
+                <a:latin typeface="Times New Roman" panose="02020603050405020304" pitchFamily="18" charset="0"/>
+                <a:cs typeface="Times New Roman" panose="02020603050405020304" pitchFamily="18" charset="0"/>
+              </a:rPr>
+              <a:t>Experimentation Purpose</a:t>
+            </a:r>
+            <a:endParaRPr lang="zh-TW" altLang="en-US" sz="3200" b="1" cap="none" spc="0" dirty="0">
+              <a:ln w="0"/>
+              <a:solidFill>
+                <a:schemeClr val="accent1"/>
+              </a:solidFill>
+              <a:effectLst>
+                <a:outerShdw blurRad="38100" dist="25400" dir="5400000" algn="ctr" rotWithShape="0">
+                  <a:srgbClr val="6E747A">
+                    <a:alpha val="43000"/>
+                  </a:srgbClr>
+                </a:outerShdw>
+              </a:effectLst>
+              <a:latin typeface="Times New Roman" panose="02020603050405020304" pitchFamily="18" charset="0"/>
+              <a:cs typeface="Times New Roman" panose="02020603050405020304" pitchFamily="18" charset="0"/>
+            </a:endParaRPr>
+          </a:p>
+        </p:txBody>
+      </p:sp>
+      <p:sp>
+        <p:nvSpPr>
+          <p:cNvPr id="8" name="文字方塊 7"/>
+          <p:cNvSpPr txBox="1"/>
+          <p:nvPr/>
+        </p:nvSpPr>
+        <p:spPr>
+          <a:xfrm>
+            <a:off x="853440" y="1402232"/>
+            <a:ext cx="9858596" cy="369332"/>
+          </a:xfrm>
+          <a:prstGeom prst="rect">
+            <a:avLst/>
+          </a:prstGeom>
+          <a:noFill/>
+        </p:spPr>
+        <p:txBody>
+          <a:bodyPr wrap="none" rtlCol="0">
+            <a:spAutoFit/>
+          </a:bodyPr>
+          <a:lstStyle/>
+          <a:p>
+            <a:r>
+              <a:rPr lang="en-US" altLang="zh-TW" dirty="0" smtClean="0">
+                <a:latin typeface="Times New Roman" panose="02020603050405020304" pitchFamily="18" charset="0"/>
+                <a:cs typeface="Times New Roman" panose="02020603050405020304" pitchFamily="18" charset="0"/>
+              </a:rPr>
+              <a:t>The UTM will control the flight plan of each UAV to ensure that it’s flying inside an allowed  geo-fence.</a:t>
+            </a:r>
+            <a:endParaRPr lang="zh-TW" altLang="en-US" dirty="0">
+              <a:latin typeface="Times New Roman" panose="02020603050405020304" pitchFamily="18" charset="0"/>
+              <a:cs typeface="Times New Roman" panose="02020603050405020304" pitchFamily="18" charset="0"/>
+            </a:endParaRPr>
+          </a:p>
+        </p:txBody>
+      </p:sp>
+      <p:sp>
+        <p:nvSpPr>
+          <p:cNvPr id="12" name="投影片編號版面配置區 11"/>
+          <p:cNvSpPr>
+            <a:spLocks noGrp="1"/>
+          </p:cNvSpPr>
+          <p:nvPr>
+            <p:ph type="sldNum" sz="quarter" idx="12"/>
+          </p:nvPr>
+        </p:nvSpPr>
+        <p:spPr/>
+        <p:txBody>
+          <a:bodyPr/>
+          <a:lstStyle/>
+          <a:p>
+            <a:fld id="{C128DF73-0FD1-4EFB-B6B9-20BE1557E8C1}" type="slidenum">
+              <a:rPr lang="zh-TW" altLang="en-US" smtClean="0"/>
+              <a:t>9</a:t>
+            </a:fld>
+            <a:endParaRPr lang="zh-TW" altLang="en-US"/>
+          </a:p>
+        </p:txBody>
+      </p:sp>
     </p:spTree>
     <p:extLst>
       <p:ext uri="{BB962C8B-B14F-4D97-AF65-F5344CB8AC3E}">
-        <p14:creationId xmlns:p14="http://schemas.microsoft.com/office/powerpoint/2010/main" val="676040135"/>
+        <p14:creationId xmlns:p14="http://schemas.microsoft.com/office/powerpoint/2010/main" val="3684509478"/>
       </p:ext>
     </p:extLst>
   </p:cSld>
@@ -11424,4 +17746,265 @@
     </a:ext>
   </a:extLst>
 </a:theme>
+</file>
+
+<file path=ppt/theme/theme2.xml><?xml version="1.0" encoding="utf-8"?>
+<a:theme xmlns:a="http://schemas.openxmlformats.org/drawingml/2006/main" name="Office 佈景主題">
+  <a:themeElements>
+    <a:clrScheme name="Office">
+      <a:dk1>
+        <a:sysClr val="windowText" lastClr="000000"/>
+      </a:dk1>
+      <a:lt1>
+        <a:sysClr val="window" lastClr="FFFFFF"/>
+      </a:lt1>
+      <a:dk2>
+        <a:srgbClr val="44546A"/>
+      </a:dk2>
+      <a:lt2>
+        <a:srgbClr val="E7E6E6"/>
+      </a:lt2>
+      <a:accent1>
+        <a:srgbClr val="5B9BD5"/>
+      </a:accent1>
+      <a:accent2>
+        <a:srgbClr val="ED7D31"/>
+      </a:accent2>
+      <a:accent3>
+        <a:srgbClr val="A5A5A5"/>
+      </a:accent3>
+      <a:accent4>
+        <a:srgbClr val="FFC000"/>
+      </a:accent4>
+      <a:accent5>
+        <a:srgbClr val="4472C4"/>
+      </a:accent5>
+      <a:accent6>
+        <a:srgbClr val="70AD47"/>
+      </a:accent6>
+      <a:hlink>
+        <a:srgbClr val="0563C1"/>
+      </a:hlink>
+      <a:folHlink>
+        <a:srgbClr val="954F72"/>
+      </a:folHlink>
+    </a:clrScheme>
+    <a:fontScheme name="Office">
+      <a:majorFont>
+        <a:latin typeface="Calibri Light" panose="020F0302020204030204"/>
+        <a:ea typeface=""/>
+        <a:cs typeface=""/>
+        <a:font script="Jpan" typeface="游ゴシック Light"/>
+        <a:font script="Hang" typeface="맑은 고딕"/>
+        <a:font script="Hans" typeface="等线 Light"/>
+        <a:font script="Hant" typeface="新細明體"/>
+        <a:font script="Arab" typeface="Times New Roman"/>
+        <a:font script="Hebr" typeface="Times New Roman"/>
+        <a:font script="Thai" typeface="Angsana New"/>
+        <a:font script="Ethi" typeface="Nyala"/>
+        <a:font script="Beng" typeface="Vrinda"/>
+        <a:font script="Gujr" typeface="Shruti"/>
+        <a:font script="Khmr" typeface="MoolBoran"/>
+        <a:font script="Knda" typeface="Tunga"/>
+        <a:font script="Guru" typeface="Raavi"/>
+        <a:font script="Cans" typeface="Euphemia"/>
+        <a:font script="Cher" typeface="Plantagenet Cherokee"/>
+        <a:font script="Yiii" typeface="Microsoft Yi Baiti"/>
+        <a:font script="Tibt" typeface="Microsoft Himalaya"/>
+        <a:font script="Thaa" typeface="MV Boli"/>
+        <a:font script="Deva" typeface="Mangal"/>
+        <a:font script="Telu" typeface="Gautami"/>
+        <a:font script="Taml" typeface="Latha"/>
+        <a:font script="Syrc" typeface="Estrangelo Edessa"/>
+        <a:font script="Orya" typeface="Kalinga"/>
+        <a:font script="Mlym" typeface="Kartika"/>
+        <a:font script="Laoo" typeface="DokChampa"/>
+        <a:font script="Sinh" typeface="Iskoola Pota"/>
+        <a:font script="Mong" typeface="Mongolian Baiti"/>
+        <a:font script="Viet" typeface="Times New Roman"/>
+        <a:font script="Uigh" typeface="Microsoft Uighur"/>
+        <a:font script="Geor" typeface="Sylfaen"/>
+      </a:majorFont>
+      <a:minorFont>
+        <a:latin typeface="Calibri" panose="020F0502020204030204"/>
+        <a:ea typeface=""/>
+        <a:cs typeface=""/>
+        <a:font script="Jpan" typeface="游ゴシック"/>
+        <a:font script="Hang" typeface="맑은 고딕"/>
+        <a:font script="Hans" typeface="等线"/>
+        <a:font script="Hant" typeface="新細明體"/>
+        <a:font script="Arab" typeface="Arial"/>
+        <a:font script="Hebr" typeface="Arial"/>
+        <a:font script="Thai" typeface="Cordia New"/>
+        <a:font script="Ethi" typeface="Nyala"/>
+        <a:font script="Beng" typeface="Vrinda"/>
+        <a:font script="Gujr" typeface="Shruti"/>
+        <a:font script="Khmr" typeface="DaunPenh"/>
+        <a:font script="Knda" typeface="Tunga"/>
+        <a:font script="Guru" typeface="Raavi"/>
+        <a:font script="Cans" typeface="Euphemia"/>
+        <a:font script="Cher" typeface="Plantagenet Cherokee"/>
+        <a:font script="Yiii" typeface="Microsoft Yi Baiti"/>
+        <a:font script="Tibt" typeface="Microsoft Himalaya"/>
+        <a:font script="Thaa" typeface="MV Boli"/>
+        <a:font script="Deva" typeface="Mangal"/>
+        <a:font script="Telu" typeface="Gautami"/>
+        <a:font script="Taml" typeface="Latha"/>
+        <a:font script="Syrc" typeface="Estrangelo Edessa"/>
+        <a:font script="Orya" typeface="Kalinga"/>
+        <a:font script="Mlym" typeface="Kartika"/>
+        <a:font script="Laoo" typeface="DokChampa"/>
+        <a:font script="Sinh" typeface="Iskoola Pota"/>
+        <a:font script="Mong" typeface="Mongolian Baiti"/>
+        <a:font script="Viet" typeface="Arial"/>
+        <a:font script="Uigh" typeface="Microsoft Uighur"/>
+        <a:font script="Geor" typeface="Sylfaen"/>
+      </a:minorFont>
+    </a:fontScheme>
+    <a:fmtScheme name="Office">
+      <a:fillStyleLst>
+        <a:solidFill>
+          <a:schemeClr val="phClr"/>
+        </a:solidFill>
+        <a:gradFill rotWithShape="1">
+          <a:gsLst>
+            <a:gs pos="0">
+              <a:schemeClr val="phClr">
+                <a:lumMod val="110000"/>
+                <a:satMod val="105000"/>
+                <a:tint val="67000"/>
+              </a:schemeClr>
+            </a:gs>
+            <a:gs pos="50000">
+              <a:schemeClr val="phClr">
+                <a:lumMod val="105000"/>
+                <a:satMod val="103000"/>
+                <a:tint val="73000"/>
+              </a:schemeClr>
+            </a:gs>
+            <a:gs pos="100000">
+              <a:schemeClr val="phClr">
+                <a:lumMod val="105000"/>
+                <a:satMod val="109000"/>
+                <a:tint val="81000"/>
+              </a:schemeClr>
+            </a:gs>
+          </a:gsLst>
+          <a:lin ang="5400000" scaled="0"/>
+        </a:gradFill>
+        <a:gradFill rotWithShape="1">
+          <a:gsLst>
+            <a:gs pos="0">
+              <a:schemeClr val="phClr">
+                <a:satMod val="103000"/>
+                <a:lumMod val="102000"/>
+                <a:tint val="94000"/>
+              </a:schemeClr>
+            </a:gs>
+            <a:gs pos="50000">
+              <a:schemeClr val="phClr">
+                <a:satMod val="110000"/>
+                <a:lumMod val="100000"/>
+                <a:shade val="100000"/>
+              </a:schemeClr>
+            </a:gs>
+            <a:gs pos="100000">
+              <a:schemeClr val="phClr">
+                <a:lumMod val="99000"/>
+                <a:satMod val="120000"/>
+                <a:shade val="78000"/>
+              </a:schemeClr>
+            </a:gs>
+          </a:gsLst>
+          <a:lin ang="5400000" scaled="0"/>
+        </a:gradFill>
+      </a:fillStyleLst>
+      <a:lnStyleLst>
+        <a:ln w="6350" cap="flat" cmpd="sng" algn="ctr">
+          <a:solidFill>
+            <a:schemeClr val="phClr"/>
+          </a:solidFill>
+          <a:prstDash val="solid"/>
+          <a:miter lim="800000"/>
+        </a:ln>
+        <a:ln w="12700" cap="flat" cmpd="sng" algn="ctr">
+          <a:solidFill>
+            <a:schemeClr val="phClr"/>
+          </a:solidFill>
+          <a:prstDash val="solid"/>
+          <a:miter lim="800000"/>
+        </a:ln>
+        <a:ln w="19050" cap="flat" cmpd="sng" algn="ctr">
+          <a:solidFill>
+            <a:schemeClr val="phClr"/>
+          </a:solidFill>
+          <a:prstDash val="solid"/>
+          <a:miter lim="800000"/>
+        </a:ln>
+      </a:lnStyleLst>
+      <a:effectStyleLst>
+        <a:effectStyle>
+          <a:effectLst/>
+        </a:effectStyle>
+        <a:effectStyle>
+          <a:effectLst/>
+        </a:effectStyle>
+        <a:effectStyle>
+          <a:effectLst>
+            <a:outerShdw blurRad="57150" dist="19050" dir="5400000" algn="ctr" rotWithShape="0">
+              <a:srgbClr val="000000">
+                <a:alpha val="63000"/>
+              </a:srgbClr>
+            </a:outerShdw>
+          </a:effectLst>
+        </a:effectStyle>
+      </a:effectStyleLst>
+      <a:bgFillStyleLst>
+        <a:solidFill>
+          <a:schemeClr val="phClr"/>
+        </a:solidFill>
+        <a:solidFill>
+          <a:schemeClr val="phClr">
+            <a:tint val="95000"/>
+            <a:satMod val="170000"/>
+          </a:schemeClr>
+        </a:solidFill>
+        <a:gradFill rotWithShape="1">
+          <a:gsLst>
+            <a:gs pos="0">
+              <a:schemeClr val="phClr">
+                <a:tint val="93000"/>
+                <a:satMod val="150000"/>
+                <a:shade val="98000"/>
+                <a:lumMod val="102000"/>
+              </a:schemeClr>
+            </a:gs>
+            <a:gs pos="50000">
+              <a:schemeClr val="phClr">
+                <a:tint val="98000"/>
+                <a:satMod val="130000"/>
+                <a:shade val="90000"/>
+                <a:lumMod val="103000"/>
+              </a:schemeClr>
+            </a:gs>
+            <a:gs pos="100000">
+              <a:schemeClr val="phClr">
+                <a:shade val="63000"/>
+                <a:satMod val="120000"/>
+              </a:schemeClr>
+            </a:gs>
+          </a:gsLst>
+          <a:lin ang="5400000" scaled="0"/>
+        </a:gradFill>
+      </a:bgFillStyleLst>
+    </a:fmtScheme>
+  </a:themeElements>
+  <a:objectDefaults/>
+  <a:extraClrSchemeLst/>
+  <a:extLst>
+    <a:ext uri="{05A4C25C-085E-4340-85A3-A5531E510DB2}">
+      <thm15:themeFamily xmlns:thm15="http://schemas.microsoft.com/office/thememl/2012/main" name="Office Theme" id="{62F939B6-93AF-4DB8-9C6B-D6C7DFDC589F}" vid="{4A3C46E8-61CC-4603-A589-7422A47A8E4A}"/>
+    </a:ext>
+  </a:extLst>
+</a:theme>
 </file>
--- a/wireless_network/PaperReading/Report.pptx
+++ b/wireless_network/PaperReading/Report.pptx
@@ -5,7 +5,7 @@
     <p:sldMasterId id="2147483648" r:id="rId1"/>
   </p:sldMasterIdLst>
   <p:notesMasterIdLst>
-    <p:notesMasterId r:id="rId19"/>
+    <p:notesMasterId r:id="rId20"/>
   </p:notesMasterIdLst>
   <p:sldIdLst>
     <p:sldId id="256" r:id="rId2"/>
@@ -14,17 +14,18 @@
     <p:sldId id="262" r:id="rId5"/>
     <p:sldId id="265" r:id="rId6"/>
     <p:sldId id="266" r:id="rId7"/>
-    <p:sldId id="267" r:id="rId8"/>
-    <p:sldId id="259" r:id="rId9"/>
-    <p:sldId id="268" r:id="rId10"/>
-    <p:sldId id="269" r:id="rId11"/>
-    <p:sldId id="270" r:id="rId12"/>
-    <p:sldId id="271" r:id="rId13"/>
-    <p:sldId id="260" r:id="rId14"/>
-    <p:sldId id="272" r:id="rId15"/>
-    <p:sldId id="261" r:id="rId16"/>
-    <p:sldId id="264" r:id="rId17"/>
-    <p:sldId id="263" r:id="rId18"/>
+    <p:sldId id="273" r:id="rId8"/>
+    <p:sldId id="267" r:id="rId9"/>
+    <p:sldId id="259" r:id="rId10"/>
+    <p:sldId id="268" r:id="rId11"/>
+    <p:sldId id="269" r:id="rId12"/>
+    <p:sldId id="270" r:id="rId13"/>
+    <p:sldId id="271" r:id="rId14"/>
+    <p:sldId id="260" r:id="rId15"/>
+    <p:sldId id="272" r:id="rId16"/>
+    <p:sldId id="261" r:id="rId17"/>
+    <p:sldId id="264" r:id="rId18"/>
+    <p:sldId id="263" r:id="rId19"/>
   </p:sldIdLst>
   <p:sldSz cx="12192000" cy="6858000"/>
   <p:notesSz cx="6858000" cy="9144000"/>
@@ -3231,6 +3232,13 @@
         </dgm:presLayoutVars>
       </dgm:prSet>
       <dgm:spPr/>
+      <dgm:t>
+        <a:bodyPr/>
+        <a:lstStyle/>
+        <a:p>
+          <a:endParaRPr lang="zh-TW" altLang="en-US"/>
+        </a:p>
+      </dgm:t>
     </dgm:pt>
     <dgm:pt modelId="{8228D403-AE9D-4E50-BFB0-33EC6DB9138A}" type="pres">
       <dgm:prSet presAssocID="{E3F53DBF-BC6D-4145-9F20-651FA81B3FAA}" presName="parentLin" presStyleCnt="0"/>
@@ -3239,6 +3247,13 @@
     <dgm:pt modelId="{787066C6-C7AE-4346-89F4-EA5F782C199D}" type="pres">
       <dgm:prSet presAssocID="{E3F53DBF-BC6D-4145-9F20-651FA81B3FAA}" presName="parentLeftMargin" presStyleLbl="node1" presStyleIdx="0" presStyleCnt="6"/>
       <dgm:spPr/>
+      <dgm:t>
+        <a:bodyPr/>
+        <a:lstStyle/>
+        <a:p>
+          <a:endParaRPr lang="zh-TW" altLang="en-US"/>
+        </a:p>
+      </dgm:t>
     </dgm:pt>
     <dgm:pt modelId="{7D260D49-0D20-4200-9DC7-87523391D85C}" type="pres">
       <dgm:prSet presAssocID="{E3F53DBF-BC6D-4145-9F20-651FA81B3FAA}" presName="parentText" presStyleLbl="node1" presStyleIdx="0" presStyleCnt="6">
@@ -3279,6 +3294,13 @@
     <dgm:pt modelId="{3D502BA0-BA0F-40E6-B2C6-858154638667}" type="pres">
       <dgm:prSet presAssocID="{D46826CE-9073-4114-B747-0AFE44BFD2AD}" presName="parentLeftMargin" presStyleLbl="node1" presStyleIdx="0" presStyleCnt="6"/>
       <dgm:spPr/>
+      <dgm:t>
+        <a:bodyPr/>
+        <a:lstStyle/>
+        <a:p>
+          <a:endParaRPr lang="zh-TW" altLang="en-US"/>
+        </a:p>
+      </dgm:t>
     </dgm:pt>
     <dgm:pt modelId="{0D37081F-1AF6-4DA9-B8A7-3297FA5070C0}" type="pres">
       <dgm:prSet presAssocID="{D46826CE-9073-4114-B747-0AFE44BFD2AD}" presName="parentText" presStyleLbl="node1" presStyleIdx="1" presStyleCnt="6">
@@ -3319,6 +3341,13 @@
     <dgm:pt modelId="{C373F2DC-F76F-4F81-B2A7-FC4510DB7E13}" type="pres">
       <dgm:prSet presAssocID="{3100A6B6-92F8-482A-9877-97552F8E6AA2}" presName="parentLeftMargin" presStyleLbl="node1" presStyleIdx="1" presStyleCnt="6"/>
       <dgm:spPr/>
+      <dgm:t>
+        <a:bodyPr/>
+        <a:lstStyle/>
+        <a:p>
+          <a:endParaRPr lang="zh-TW" altLang="en-US"/>
+        </a:p>
+      </dgm:t>
     </dgm:pt>
     <dgm:pt modelId="{A8938B52-4E50-4B77-BEAF-B90AAC008B48}" type="pres">
       <dgm:prSet presAssocID="{3100A6B6-92F8-482A-9877-97552F8E6AA2}" presName="parentText" presStyleLbl="node1" presStyleIdx="2" presStyleCnt="6">
@@ -3359,6 +3388,13 @@
     <dgm:pt modelId="{E62D6D35-0A96-4F80-8CB4-26D1853A8753}" type="pres">
       <dgm:prSet presAssocID="{9587FA3C-2D7E-408C-9665-216865C1D0F8}" presName="parentLeftMargin" presStyleLbl="node1" presStyleIdx="2" presStyleCnt="6"/>
       <dgm:spPr/>
+      <dgm:t>
+        <a:bodyPr/>
+        <a:lstStyle/>
+        <a:p>
+          <a:endParaRPr lang="zh-TW" altLang="en-US"/>
+        </a:p>
+      </dgm:t>
     </dgm:pt>
     <dgm:pt modelId="{9953F839-BE67-4285-87C1-9C4CD09B452B}" type="pres">
       <dgm:prSet presAssocID="{9587FA3C-2D7E-408C-9665-216865C1D0F8}" presName="parentText" presStyleLbl="node1" presStyleIdx="3" presStyleCnt="6">
@@ -3368,6 +3404,13 @@
         </dgm:presLayoutVars>
       </dgm:prSet>
       <dgm:spPr/>
+      <dgm:t>
+        <a:bodyPr/>
+        <a:lstStyle/>
+        <a:p>
+          <a:endParaRPr lang="zh-TW" altLang="en-US"/>
+        </a:p>
+      </dgm:t>
     </dgm:pt>
     <dgm:pt modelId="{F8C18606-20D3-4C4A-9244-CED9D0354A79}" type="pres">
       <dgm:prSet presAssocID="{9587FA3C-2D7E-408C-9665-216865C1D0F8}" presName="negativeSpace" presStyleCnt="0"/>
@@ -3392,6 +3435,13 @@
     <dgm:pt modelId="{D9386E0B-A62E-4B95-872C-2C2AAE7AA1AD}" type="pres">
       <dgm:prSet presAssocID="{631AB1C7-01C6-4B9B-8061-180D0E05D977}" presName="parentLeftMargin" presStyleLbl="node1" presStyleIdx="3" presStyleCnt="6"/>
       <dgm:spPr/>
+      <dgm:t>
+        <a:bodyPr/>
+        <a:lstStyle/>
+        <a:p>
+          <a:endParaRPr lang="zh-TW" altLang="en-US"/>
+        </a:p>
+      </dgm:t>
     </dgm:pt>
     <dgm:pt modelId="{7B1167EB-EDCB-4F83-889E-1A8C486BA576}" type="pres">
       <dgm:prSet presAssocID="{631AB1C7-01C6-4B9B-8061-180D0E05D977}" presName="parentText" presStyleLbl="node1" presStyleIdx="4" presStyleCnt="6">
@@ -3432,6 +3482,13 @@
     <dgm:pt modelId="{4C4A9F59-C5D6-47C5-872D-47CFF0262320}" type="pres">
       <dgm:prSet presAssocID="{23FAD997-D954-4EF6-95F8-429D3A839711}" presName="parentLeftMargin" presStyleLbl="node1" presStyleIdx="4" presStyleCnt="6"/>
       <dgm:spPr/>
+      <dgm:t>
+        <a:bodyPr/>
+        <a:lstStyle/>
+        <a:p>
+          <a:endParaRPr lang="zh-TW" altLang="en-US"/>
+        </a:p>
+      </dgm:t>
     </dgm:pt>
     <dgm:pt modelId="{B00105C3-0411-41B2-9D02-27041BD9AAD1}" type="pres">
       <dgm:prSet presAssocID="{23FAD997-D954-4EF6-95F8-429D3A839711}" presName="parentText" presStyleLbl="node1" presStyleIdx="5" presStyleCnt="6">
@@ -3441,6 +3498,13 @@
         </dgm:presLayoutVars>
       </dgm:prSet>
       <dgm:spPr/>
+      <dgm:t>
+        <a:bodyPr/>
+        <a:lstStyle/>
+        <a:p>
+          <a:endParaRPr lang="zh-TW" altLang="en-US"/>
+        </a:p>
+      </dgm:t>
     </dgm:pt>
     <dgm:pt modelId="{4E7016B0-1F1D-4B28-97C2-D2EDFD96AF29}" type="pres">
       <dgm:prSet presAssocID="{23FAD997-D954-4EF6-95F8-429D3A839711}" presName="negativeSpace" presStyleCnt="0"/>
@@ -3456,25 +3520,25 @@
     </dgm:pt>
   </dgm:ptLst>
   <dgm:cxnLst>
+    <dgm:cxn modelId="{6A991D20-B001-4F66-86BA-A1167312A107}" type="presOf" srcId="{631AB1C7-01C6-4B9B-8061-180D0E05D977}" destId="{7B1167EB-EDCB-4F83-889E-1A8C486BA576}" srcOrd="1" destOrd="0" presId="urn:microsoft.com/office/officeart/2005/8/layout/list1"/>
+    <dgm:cxn modelId="{B2ED7AC7-7F5E-4D21-8E40-4A8844F60B18}" type="presOf" srcId="{631AB1C7-01C6-4B9B-8061-180D0E05D977}" destId="{D9386E0B-A62E-4B95-872C-2C2AAE7AA1AD}" srcOrd="0" destOrd="0" presId="urn:microsoft.com/office/officeart/2005/8/layout/list1"/>
+    <dgm:cxn modelId="{9F5C8464-C41A-42EE-AB08-6B5E0A408CE2}" type="presOf" srcId="{E3F53DBF-BC6D-4145-9F20-651FA81B3FAA}" destId="{787066C6-C7AE-4346-89F4-EA5F782C199D}" srcOrd="0" destOrd="0" presId="urn:microsoft.com/office/officeart/2005/8/layout/list1"/>
+    <dgm:cxn modelId="{3244FE73-E61A-4F73-A69F-2027EB2E7239}" srcId="{39742039-D199-48F0-B3C9-65CF46174A37}" destId="{23FAD997-D954-4EF6-95F8-429D3A839711}" srcOrd="5" destOrd="0" parTransId="{544F9581-085E-422F-BE8F-F5432EED151A}" sibTransId="{2D75054C-C7F9-4F9E-89B9-693A384CB4B0}"/>
+    <dgm:cxn modelId="{93CEE9E9-D9BA-430C-B1E9-1CE5E8313A72}" type="presOf" srcId="{3100A6B6-92F8-482A-9877-97552F8E6AA2}" destId="{A8938B52-4E50-4B77-BEAF-B90AAC008B48}" srcOrd="1" destOrd="0" presId="urn:microsoft.com/office/officeart/2005/8/layout/list1"/>
+    <dgm:cxn modelId="{21ACAADE-5747-4580-96F1-76EAE153F816}" type="presOf" srcId="{E3F53DBF-BC6D-4145-9F20-651FA81B3FAA}" destId="{7D260D49-0D20-4200-9DC7-87523391D85C}" srcOrd="1" destOrd="0" presId="urn:microsoft.com/office/officeart/2005/8/layout/list1"/>
+    <dgm:cxn modelId="{32115369-97AA-495F-AF67-F5B7B22519A0}" type="presOf" srcId="{23FAD997-D954-4EF6-95F8-429D3A839711}" destId="{4C4A9F59-C5D6-47C5-872D-47CFF0262320}" srcOrd="0" destOrd="0" presId="urn:microsoft.com/office/officeart/2005/8/layout/list1"/>
+    <dgm:cxn modelId="{D5CB08CF-1773-4BFD-9855-25CC8F5068FB}" type="presOf" srcId="{D46826CE-9073-4114-B747-0AFE44BFD2AD}" destId="{3D502BA0-BA0F-40E6-B2C6-858154638667}" srcOrd="0" destOrd="0" presId="urn:microsoft.com/office/officeart/2005/8/layout/list1"/>
+    <dgm:cxn modelId="{CED8CC1D-4B57-4768-994A-8FA3C19C1F75}" srcId="{39742039-D199-48F0-B3C9-65CF46174A37}" destId="{3100A6B6-92F8-482A-9877-97552F8E6AA2}" srcOrd="2" destOrd="0" parTransId="{7242473A-65AB-44A3-B820-9169C727D3B3}" sibTransId="{0DBDA2D3-B3C1-4260-A7B3-69F4E783626E}"/>
+    <dgm:cxn modelId="{0920734A-E9F1-4522-B0F7-5793DB4B5BC3}" srcId="{39742039-D199-48F0-B3C9-65CF46174A37}" destId="{631AB1C7-01C6-4B9B-8061-180D0E05D977}" srcOrd="4" destOrd="0" parTransId="{6EAD4FF9-57E3-44E8-9FE5-2BFE37C55C0C}" sibTransId="{9603281B-041C-4E9D-97DA-88A6377C4017}"/>
     <dgm:cxn modelId="{E21897ED-56D4-45B2-B254-74307EEA68A0}" type="presOf" srcId="{39742039-D199-48F0-B3C9-65CF46174A37}" destId="{3B3A0FD9-BC97-45C5-91AC-F8873C4B66E2}" srcOrd="0" destOrd="0" presId="urn:microsoft.com/office/officeart/2005/8/layout/list1"/>
-    <dgm:cxn modelId="{CED8CC1D-4B57-4768-994A-8FA3C19C1F75}" srcId="{39742039-D199-48F0-B3C9-65CF46174A37}" destId="{3100A6B6-92F8-482A-9877-97552F8E6AA2}" srcOrd="2" destOrd="0" parTransId="{7242473A-65AB-44A3-B820-9169C727D3B3}" sibTransId="{0DBDA2D3-B3C1-4260-A7B3-69F4E783626E}"/>
-    <dgm:cxn modelId="{32115369-97AA-495F-AF67-F5B7B22519A0}" type="presOf" srcId="{23FAD997-D954-4EF6-95F8-429D3A839711}" destId="{4C4A9F59-C5D6-47C5-872D-47CFF0262320}" srcOrd="0" destOrd="0" presId="urn:microsoft.com/office/officeart/2005/8/layout/list1"/>
-    <dgm:cxn modelId="{B2ED7AC7-7F5E-4D21-8E40-4A8844F60B18}" type="presOf" srcId="{631AB1C7-01C6-4B9B-8061-180D0E05D977}" destId="{D9386E0B-A62E-4B95-872C-2C2AAE7AA1AD}" srcOrd="0" destOrd="0" presId="urn:microsoft.com/office/officeart/2005/8/layout/list1"/>
-    <dgm:cxn modelId="{0920734A-E9F1-4522-B0F7-5793DB4B5BC3}" srcId="{39742039-D199-48F0-B3C9-65CF46174A37}" destId="{631AB1C7-01C6-4B9B-8061-180D0E05D977}" srcOrd="4" destOrd="0" parTransId="{6EAD4FF9-57E3-44E8-9FE5-2BFE37C55C0C}" sibTransId="{9603281B-041C-4E9D-97DA-88A6377C4017}"/>
-    <dgm:cxn modelId="{ADDFB1D4-59D3-46DD-91D6-41FF564FDF18}" srcId="{39742039-D199-48F0-B3C9-65CF46174A37}" destId="{9587FA3C-2D7E-408C-9665-216865C1D0F8}" srcOrd="3" destOrd="0" parTransId="{8094CF93-2DE8-4E12-BC7F-7017CCB60C17}" sibTransId="{F29B28CB-7A12-401C-91B7-0D92E19750DB}"/>
-    <dgm:cxn modelId="{6A991D20-B001-4F66-86BA-A1167312A107}" type="presOf" srcId="{631AB1C7-01C6-4B9B-8061-180D0E05D977}" destId="{7B1167EB-EDCB-4F83-889E-1A8C486BA576}" srcOrd="1" destOrd="0" presId="urn:microsoft.com/office/officeart/2005/8/layout/list1"/>
-    <dgm:cxn modelId="{93CEE9E9-D9BA-430C-B1E9-1CE5E8313A72}" type="presOf" srcId="{3100A6B6-92F8-482A-9877-97552F8E6AA2}" destId="{A8938B52-4E50-4B77-BEAF-B90AAC008B48}" srcOrd="1" destOrd="0" presId="urn:microsoft.com/office/officeart/2005/8/layout/list1"/>
-    <dgm:cxn modelId="{3244FE73-E61A-4F73-A69F-2027EB2E7239}" srcId="{39742039-D199-48F0-B3C9-65CF46174A37}" destId="{23FAD997-D954-4EF6-95F8-429D3A839711}" srcOrd="5" destOrd="0" parTransId="{544F9581-085E-422F-BE8F-F5432EED151A}" sibTransId="{2D75054C-C7F9-4F9E-89B9-693A384CB4B0}"/>
-    <dgm:cxn modelId="{44288D0C-9995-4381-BAD9-28B221A9BA56}" type="presOf" srcId="{9587FA3C-2D7E-408C-9665-216865C1D0F8}" destId="{E62D6D35-0A96-4F80-8CB4-26D1853A8753}" srcOrd="0" destOrd="0" presId="urn:microsoft.com/office/officeart/2005/8/layout/list1"/>
-    <dgm:cxn modelId="{90A6EAB9-7718-4C86-AFA5-7B61AECAB6CF}" type="presOf" srcId="{3100A6B6-92F8-482A-9877-97552F8E6AA2}" destId="{C373F2DC-F76F-4F81-B2A7-FC4510DB7E13}" srcOrd="0" destOrd="0" presId="urn:microsoft.com/office/officeart/2005/8/layout/list1"/>
+    <dgm:cxn modelId="{6E7D865F-AA08-408F-BF9D-507F2D4BCB12}" type="presOf" srcId="{23FAD997-D954-4EF6-95F8-429D3A839711}" destId="{B00105C3-0411-41B2-9D02-27041BD9AAD1}" srcOrd="1" destOrd="0" presId="urn:microsoft.com/office/officeart/2005/8/layout/list1"/>
     <dgm:cxn modelId="{DEF3F5BC-9773-4C41-8B68-E248165D5BEB}" srcId="{39742039-D199-48F0-B3C9-65CF46174A37}" destId="{D46826CE-9073-4114-B747-0AFE44BFD2AD}" srcOrd="1" destOrd="0" parTransId="{A4562589-CEDA-48F1-89FD-0D8DE370003F}" sibTransId="{22228A1D-B2E6-48C3-B3A9-E97FC9717BA6}"/>
-    <dgm:cxn modelId="{4965941B-308F-44CE-8198-8602E67E7E9D}" srcId="{39742039-D199-48F0-B3C9-65CF46174A37}" destId="{E3F53DBF-BC6D-4145-9F20-651FA81B3FAA}" srcOrd="0" destOrd="0" parTransId="{FAA7BD04-577A-40CD-B082-8A74B1A67DC4}" sibTransId="{6C15A940-9F43-4ACC-96D7-F6BAABE853E6}"/>
     <dgm:cxn modelId="{E7DF8A49-A93F-4E36-90AF-97E4F9952D80}" type="presOf" srcId="{9587FA3C-2D7E-408C-9665-216865C1D0F8}" destId="{9953F839-BE67-4285-87C1-9C4CD09B452B}" srcOrd="1" destOrd="0" presId="urn:microsoft.com/office/officeart/2005/8/layout/list1"/>
     <dgm:cxn modelId="{1A448FDA-CDFD-4A36-9679-A19E9D365B90}" type="presOf" srcId="{D46826CE-9073-4114-B747-0AFE44BFD2AD}" destId="{0D37081F-1AF6-4DA9-B8A7-3297FA5070C0}" srcOrd="1" destOrd="0" presId="urn:microsoft.com/office/officeart/2005/8/layout/list1"/>
-    <dgm:cxn modelId="{D5CB08CF-1773-4BFD-9855-25CC8F5068FB}" type="presOf" srcId="{D46826CE-9073-4114-B747-0AFE44BFD2AD}" destId="{3D502BA0-BA0F-40E6-B2C6-858154638667}" srcOrd="0" destOrd="0" presId="urn:microsoft.com/office/officeart/2005/8/layout/list1"/>
-    <dgm:cxn modelId="{21ACAADE-5747-4580-96F1-76EAE153F816}" type="presOf" srcId="{E3F53DBF-BC6D-4145-9F20-651FA81B3FAA}" destId="{7D260D49-0D20-4200-9DC7-87523391D85C}" srcOrd="1" destOrd="0" presId="urn:microsoft.com/office/officeart/2005/8/layout/list1"/>
-    <dgm:cxn modelId="{6E7D865F-AA08-408F-BF9D-507F2D4BCB12}" type="presOf" srcId="{23FAD997-D954-4EF6-95F8-429D3A839711}" destId="{B00105C3-0411-41B2-9D02-27041BD9AAD1}" srcOrd="1" destOrd="0" presId="urn:microsoft.com/office/officeart/2005/8/layout/list1"/>
-    <dgm:cxn modelId="{9F5C8464-C41A-42EE-AB08-6B5E0A408CE2}" type="presOf" srcId="{E3F53DBF-BC6D-4145-9F20-651FA81B3FAA}" destId="{787066C6-C7AE-4346-89F4-EA5F782C199D}" srcOrd="0" destOrd="0" presId="urn:microsoft.com/office/officeart/2005/8/layout/list1"/>
+    <dgm:cxn modelId="{44288D0C-9995-4381-BAD9-28B221A9BA56}" type="presOf" srcId="{9587FA3C-2D7E-408C-9665-216865C1D0F8}" destId="{E62D6D35-0A96-4F80-8CB4-26D1853A8753}" srcOrd="0" destOrd="0" presId="urn:microsoft.com/office/officeart/2005/8/layout/list1"/>
+    <dgm:cxn modelId="{4965941B-308F-44CE-8198-8602E67E7E9D}" srcId="{39742039-D199-48F0-B3C9-65CF46174A37}" destId="{E3F53DBF-BC6D-4145-9F20-651FA81B3FAA}" srcOrd="0" destOrd="0" parTransId="{FAA7BD04-577A-40CD-B082-8A74B1A67DC4}" sibTransId="{6C15A940-9F43-4ACC-96D7-F6BAABE853E6}"/>
+    <dgm:cxn modelId="{ADDFB1D4-59D3-46DD-91D6-41FF564FDF18}" srcId="{39742039-D199-48F0-B3C9-65CF46174A37}" destId="{9587FA3C-2D7E-408C-9665-216865C1D0F8}" srcOrd="3" destOrd="0" parTransId="{8094CF93-2DE8-4E12-BC7F-7017CCB60C17}" sibTransId="{F29B28CB-7A12-401C-91B7-0D92E19750DB}"/>
+    <dgm:cxn modelId="{90A6EAB9-7718-4C86-AFA5-7B61AECAB6CF}" type="presOf" srcId="{3100A6B6-92F8-482A-9877-97552F8E6AA2}" destId="{C373F2DC-F76F-4F81-B2A7-FC4510DB7E13}" srcOrd="0" destOrd="0" presId="urn:microsoft.com/office/officeart/2005/8/layout/list1"/>
     <dgm:cxn modelId="{BCA39563-8110-4520-93D3-8D87982EF1E1}" type="presParOf" srcId="{3B3A0FD9-BC97-45C5-91AC-F8873C4B66E2}" destId="{8228D403-AE9D-4E50-BFB0-33EC6DB9138A}" srcOrd="0" destOrd="0" presId="urn:microsoft.com/office/officeart/2005/8/layout/list1"/>
     <dgm:cxn modelId="{64E3D82E-6B62-44D6-AB31-DFA1F1A2B8D8}" type="presParOf" srcId="{8228D403-AE9D-4E50-BFB0-33EC6DB9138A}" destId="{787066C6-C7AE-4346-89F4-EA5F782C199D}" srcOrd="0" destOrd="0" presId="urn:microsoft.com/office/officeart/2005/8/layout/list1"/>
     <dgm:cxn modelId="{7D3E371E-1B72-458C-915D-7CB12F3830F6}" type="presParOf" srcId="{8228D403-AE9D-4E50-BFB0-33EC6DB9138A}" destId="{7D260D49-0D20-4200-9DC7-87523391D85C}" srcOrd="1" destOrd="0" presId="urn:microsoft.com/office/officeart/2005/8/layout/list1"/>
@@ -13265,19 +13329,8 @@
                 <a:latin typeface="Times New Roman" panose="02020603050405020304" pitchFamily="18" charset="0"/>
                 <a:cs typeface="Times New Roman" panose="02020603050405020304" pitchFamily="18" charset="0"/>
               </a:rPr>
-              <a:t>Date : </a:t>
+              <a:t>Date : 2019 / 12 /30</a:t>
             </a:r>
-            <a:r>
-              <a:rPr lang="en-US" altLang="zh-TW" sz="2000" dirty="0" smtClean="0">
-                <a:latin typeface="Times New Roman" panose="02020603050405020304" pitchFamily="18" charset="0"/>
-                <a:cs typeface="Times New Roman" panose="02020603050405020304" pitchFamily="18" charset="0"/>
-              </a:rPr>
-              <a:t>2019 / 12 /30</a:t>
-            </a:r>
-            <a:endParaRPr lang="en-US" altLang="zh-TW" sz="2000" dirty="0" smtClean="0">
-              <a:latin typeface="Times New Roman" panose="02020603050405020304" pitchFamily="18" charset="0"/>
-              <a:cs typeface="Times New Roman" panose="02020603050405020304" pitchFamily="18" charset="0"/>
-            </a:endParaRPr>
           </a:p>
           <a:p>
             <a:r>
@@ -13732,6 +13785,250 @@
         <p:spPr>
           <a:xfrm>
             <a:off x="518408" y="1002123"/>
+            <a:ext cx="4532563" cy="0"/>
+          </a:xfrm>
+          <a:prstGeom prst="line">
+            <a:avLst/>
+          </a:prstGeom>
+          <a:ln w="25400">
+            <a:solidFill>
+              <a:schemeClr val="tx1">
+                <a:lumMod val="65000"/>
+                <a:lumOff val="35000"/>
+              </a:schemeClr>
+            </a:solidFill>
+          </a:ln>
+        </p:spPr>
+        <p:style>
+          <a:lnRef idx="1">
+            <a:schemeClr val="accent1"/>
+          </a:lnRef>
+          <a:fillRef idx="0">
+            <a:schemeClr val="accent1"/>
+          </a:fillRef>
+          <a:effectRef idx="0">
+            <a:schemeClr val="accent1"/>
+          </a:effectRef>
+          <a:fontRef idx="minor">
+            <a:schemeClr val="tx1"/>
+          </a:fontRef>
+        </p:style>
+      </p:cxnSp>
+      <p:sp>
+        <p:nvSpPr>
+          <p:cNvPr id="6" name="矩形 5"/>
+          <p:cNvSpPr/>
+          <p:nvPr/>
+        </p:nvSpPr>
+        <p:spPr>
+          <a:xfrm>
+            <a:off x="432048" y="417348"/>
+            <a:ext cx="4685899" cy="584775"/>
+          </a:xfrm>
+          <a:prstGeom prst="rect">
+            <a:avLst/>
+          </a:prstGeom>
+          <a:noFill/>
+        </p:spPr>
+        <p:txBody>
+          <a:bodyPr wrap="none" lIns="91440" tIns="45720" rIns="91440" bIns="45720">
+            <a:spAutoFit/>
+          </a:bodyPr>
+          <a:lstStyle/>
+          <a:p>
+            <a:pPr algn="ctr"/>
+            <a:r>
+              <a:rPr lang="en-US" altLang="zh-TW" sz="3200" b="1" cap="none" spc="0" dirty="0" smtClean="0">
+                <a:ln w="0"/>
+                <a:solidFill>
+                  <a:schemeClr val="accent1"/>
+                </a:solidFill>
+                <a:effectLst>
+                  <a:outerShdw blurRad="38100" dist="25400" dir="5400000" algn="ctr" rotWithShape="0">
+                    <a:srgbClr val="6E747A">
+                      <a:alpha val="43000"/>
+                    </a:srgbClr>
+                  </a:outerShdw>
+                </a:effectLst>
+                <a:latin typeface="Times New Roman" panose="02020603050405020304" pitchFamily="18" charset="0"/>
+                <a:cs typeface="Times New Roman" panose="02020603050405020304" pitchFamily="18" charset="0"/>
+              </a:rPr>
+              <a:t>Experimentation Purpose</a:t>
+            </a:r>
+            <a:endParaRPr lang="zh-TW" altLang="en-US" sz="3200" b="1" cap="none" spc="0" dirty="0">
+              <a:ln w="0"/>
+              <a:solidFill>
+                <a:schemeClr val="accent1"/>
+              </a:solidFill>
+              <a:effectLst>
+                <a:outerShdw blurRad="38100" dist="25400" dir="5400000" algn="ctr" rotWithShape="0">
+                  <a:srgbClr val="6E747A">
+                    <a:alpha val="43000"/>
+                  </a:srgbClr>
+                </a:outerShdw>
+              </a:effectLst>
+              <a:latin typeface="Times New Roman" panose="02020603050405020304" pitchFamily="18" charset="0"/>
+              <a:cs typeface="Times New Roman" panose="02020603050405020304" pitchFamily="18" charset="0"/>
+            </a:endParaRPr>
+          </a:p>
+        </p:txBody>
+      </p:sp>
+      <p:sp>
+        <p:nvSpPr>
+          <p:cNvPr id="8" name="文字方塊 7"/>
+          <p:cNvSpPr txBox="1"/>
+          <p:nvPr/>
+        </p:nvSpPr>
+        <p:spPr>
+          <a:xfrm>
+            <a:off x="853440" y="1402232"/>
+            <a:ext cx="9858596" cy="369332"/>
+          </a:xfrm>
+          <a:prstGeom prst="rect">
+            <a:avLst/>
+          </a:prstGeom>
+          <a:noFill/>
+        </p:spPr>
+        <p:txBody>
+          <a:bodyPr wrap="none" rtlCol="0">
+            <a:spAutoFit/>
+          </a:bodyPr>
+          <a:lstStyle/>
+          <a:p>
+            <a:r>
+              <a:rPr lang="en-US" altLang="zh-TW" dirty="0" smtClean="0">
+                <a:latin typeface="Times New Roman" panose="02020603050405020304" pitchFamily="18" charset="0"/>
+                <a:cs typeface="Times New Roman" panose="02020603050405020304" pitchFamily="18" charset="0"/>
+              </a:rPr>
+              <a:t>The UTM will control the flight plan of each UAV to ensure that it’s flying inside an allowed  geo-fence.</a:t>
+            </a:r>
+            <a:endParaRPr lang="zh-TW" altLang="en-US" dirty="0">
+              <a:latin typeface="Times New Roman" panose="02020603050405020304" pitchFamily="18" charset="0"/>
+              <a:cs typeface="Times New Roman" panose="02020603050405020304" pitchFamily="18" charset="0"/>
+            </a:endParaRPr>
+          </a:p>
+        </p:txBody>
+      </p:sp>
+      <p:sp>
+        <p:nvSpPr>
+          <p:cNvPr id="12" name="投影片編號版面配置區 11"/>
+          <p:cNvSpPr>
+            <a:spLocks noGrp="1"/>
+          </p:cNvSpPr>
+          <p:nvPr>
+            <p:ph type="sldNum" sz="quarter" idx="12"/>
+          </p:nvPr>
+        </p:nvSpPr>
+        <p:spPr/>
+        <p:txBody>
+          <a:bodyPr/>
+          <a:lstStyle/>
+          <a:p>
+            <a:fld id="{C128DF73-0FD1-4EFB-B6B9-20BE1557E8C1}" type="slidenum">
+              <a:rPr lang="zh-TW" altLang="en-US" smtClean="0"/>
+              <a:t>10</a:t>
+            </a:fld>
+            <a:endParaRPr lang="zh-TW" altLang="en-US"/>
+          </a:p>
+        </p:txBody>
+      </p:sp>
+    </p:spTree>
+    <p:extLst>
+      <p:ext uri="{BB962C8B-B14F-4D97-AF65-F5344CB8AC3E}">
+        <p14:creationId xmlns:p14="http://schemas.microsoft.com/office/powerpoint/2010/main" val="3684509478"/>
+      </p:ext>
+    </p:extLst>
+  </p:cSld>
+  <p:clrMapOvr>
+    <a:masterClrMapping/>
+  </p:clrMapOvr>
+  <p:timing>
+    <p:tnLst>
+      <p:par>
+        <p:cTn id="1" dur="indefinite" restart="never" nodeType="tmRoot"/>
+      </p:par>
+    </p:tnLst>
+  </p:timing>
+</p:sld>
+</file>
+
+<file path=ppt/slides/slide11.xml><?xml version="1.0" encoding="utf-8"?>
+<p:sld xmlns:a="http://schemas.openxmlformats.org/drawingml/2006/main" xmlns:r="http://schemas.openxmlformats.org/officeDocument/2006/relationships" xmlns:p="http://schemas.openxmlformats.org/presentationml/2006/main">
+  <p:cSld>
+    <p:spTree>
+      <p:nvGrpSpPr>
+        <p:cNvPr id="1" name=""/>
+        <p:cNvGrpSpPr/>
+        <p:nvPr/>
+      </p:nvGrpSpPr>
+      <p:grpSpPr>
+        <a:xfrm>
+          <a:off x="0" y="0"/>
+          <a:ext cx="0" cy="0"/>
+          <a:chOff x="0" y="0"/>
+          <a:chExt cx="0" cy="0"/>
+        </a:xfrm>
+      </p:grpSpPr>
+      <p:sp>
+        <p:nvSpPr>
+          <p:cNvPr id="4" name="橢圓 3"/>
+          <p:cNvSpPr/>
+          <p:nvPr/>
+        </p:nvSpPr>
+        <p:spPr>
+          <a:xfrm>
+            <a:off x="345688" y="920843"/>
+            <a:ext cx="172720" cy="162560"/>
+          </a:xfrm>
+          <a:prstGeom prst="ellipse">
+            <a:avLst/>
+          </a:prstGeom>
+          <a:solidFill>
+            <a:schemeClr val="tx1">
+              <a:lumMod val="65000"/>
+              <a:lumOff val="35000"/>
+            </a:schemeClr>
+          </a:solidFill>
+          <a:ln>
+            <a:noFill/>
+          </a:ln>
+        </p:spPr>
+        <p:style>
+          <a:lnRef idx="2">
+            <a:schemeClr val="accent1">
+              <a:shade val="50000"/>
+            </a:schemeClr>
+          </a:lnRef>
+          <a:fillRef idx="1">
+            <a:schemeClr val="accent1"/>
+          </a:fillRef>
+          <a:effectRef idx="0">
+            <a:schemeClr val="accent1"/>
+          </a:effectRef>
+          <a:fontRef idx="minor">
+            <a:schemeClr val="lt1"/>
+          </a:fontRef>
+        </p:style>
+        <p:txBody>
+          <a:bodyPr rtlCol="0" anchor="ctr"/>
+          <a:lstStyle/>
+          <a:p>
+            <a:pPr algn="ctr"/>
+            <a:endParaRPr lang="zh-TW" altLang="en-US"/>
+          </a:p>
+        </p:txBody>
+      </p:sp>
+      <p:cxnSp>
+        <p:nvCxnSpPr>
+          <p:cNvPr id="5" name="直線接點 4"/>
+          <p:cNvCxnSpPr>
+            <a:stCxn id="4" idx="6"/>
+          </p:cNvCxnSpPr>
+          <p:nvPr/>
+        </p:nvCxnSpPr>
+        <p:spPr>
+          <a:xfrm>
+            <a:off x="518408" y="1002123"/>
             <a:ext cx="4152538" cy="0"/>
           </a:xfrm>
           <a:prstGeom prst="line">
@@ -13837,7 +14134,7 @@
           <a:p>
             <a:fld id="{C128DF73-0FD1-4EFB-B6B9-20BE1557E8C1}" type="slidenum">
               <a:rPr lang="zh-TW" altLang="en-US" smtClean="0"/>
-              <a:t>10</a:t>
+              <a:t>11</a:t>
             </a:fld>
             <a:endParaRPr lang="zh-TW" altLang="en-US"/>
           </a:p>
@@ -13863,7 +14160,7 @@
 </p:sld>
 </file>
 
-<file path=ppt/slides/slide11.xml><?xml version="1.0" encoding="utf-8"?>
+<file path=ppt/slides/slide12.xml><?xml version="1.0" encoding="utf-8"?>
 <p:sld xmlns:a="http://schemas.openxmlformats.org/drawingml/2006/main" xmlns:r="http://schemas.openxmlformats.org/officeDocument/2006/relationships" xmlns:p="http://schemas.openxmlformats.org/presentationml/2006/main">
   <p:cSld>
     <p:spTree>
@@ -14045,7 +14342,7 @@
           <a:p>
             <a:fld id="{C128DF73-0FD1-4EFB-B6B9-20BE1557E8C1}" type="slidenum">
               <a:rPr lang="zh-TW" altLang="en-US" smtClean="0"/>
-              <a:t>11</a:t>
+              <a:t>12</a:t>
             </a:fld>
             <a:endParaRPr lang="zh-TW" altLang="en-US"/>
           </a:p>
@@ -14064,7 +14361,7 @@
 </p:sld>
 </file>
 
-<file path=ppt/slides/slide12.xml><?xml version="1.0" encoding="utf-8"?>
+<file path=ppt/slides/slide13.xml><?xml version="1.0" encoding="utf-8"?>
 <p:sld xmlns:a="http://schemas.openxmlformats.org/drawingml/2006/main" xmlns:r="http://schemas.openxmlformats.org/officeDocument/2006/relationships" xmlns:p="http://schemas.openxmlformats.org/presentationml/2006/main">
   <p:cSld>
     <p:spTree>
@@ -14246,7 +14543,7 @@
           <a:p>
             <a:fld id="{C128DF73-0FD1-4EFB-B6B9-20BE1557E8C1}" type="slidenum">
               <a:rPr lang="zh-TW" altLang="en-US" smtClean="0"/>
-              <a:t>12</a:t>
+              <a:t>13</a:t>
             </a:fld>
             <a:endParaRPr lang="zh-TW" altLang="en-US"/>
           </a:p>
@@ -14265,7 +14562,7 @@
 </p:sld>
 </file>
 
-<file path=ppt/slides/slide13.xml><?xml version="1.0" encoding="utf-8"?>
+<file path=ppt/slides/slide14.xml><?xml version="1.0" encoding="utf-8"?>
 <p:sld xmlns:a="http://schemas.openxmlformats.org/drawingml/2006/main" xmlns:r="http://schemas.openxmlformats.org/officeDocument/2006/relationships" xmlns:p="http://schemas.openxmlformats.org/presentationml/2006/main">
   <p:cSld>
     <p:spTree>
@@ -14420,7 +14717,7 @@
           <a:p>
             <a:fld id="{C128DF73-0FD1-4EFB-B6B9-20BE1557E8C1}" type="slidenum">
               <a:rPr lang="zh-TW" altLang="en-US" smtClean="0"/>
-              <a:t>13</a:t>
+              <a:t>14</a:t>
             </a:fld>
             <a:endParaRPr lang="zh-TW" altLang="en-US"/>
           </a:p>
@@ -14446,7 +14743,7 @@
 </p:sld>
 </file>
 
-<file path=ppt/slides/slide14.xml><?xml version="1.0" encoding="utf-8"?>
+<file path=ppt/slides/slide15.xml><?xml version="1.0" encoding="utf-8"?>
 <p:sld xmlns:a="http://schemas.openxmlformats.org/drawingml/2006/main" xmlns:r="http://schemas.openxmlformats.org/officeDocument/2006/relationships" xmlns:p="http://schemas.openxmlformats.org/presentationml/2006/main">
   <p:cSld>
     <p:spTree>
@@ -14628,7 +14925,7 @@
           <a:p>
             <a:fld id="{C128DF73-0FD1-4EFB-B6B9-20BE1557E8C1}" type="slidenum">
               <a:rPr lang="zh-TW" altLang="en-US" smtClean="0"/>
-              <a:t>14</a:t>
+              <a:t>15</a:t>
             </a:fld>
             <a:endParaRPr lang="zh-TW" altLang="en-US"/>
           </a:p>
@@ -14647,7 +14944,7 @@
 </p:sld>
 </file>
 
-<file path=ppt/slides/slide15.xml><?xml version="1.0" encoding="utf-8"?>
+<file path=ppt/slides/slide16.xml><?xml version="1.0" encoding="utf-8"?>
 <p:sld xmlns:a="http://schemas.openxmlformats.org/drawingml/2006/main" xmlns:r="http://schemas.openxmlformats.org/officeDocument/2006/relationships" xmlns:p="http://schemas.openxmlformats.org/presentationml/2006/main">
   <p:cSld>
     <p:spTree>
@@ -14802,7 +15099,7 @@
           <a:p>
             <a:fld id="{C128DF73-0FD1-4EFB-B6B9-20BE1557E8C1}" type="slidenum">
               <a:rPr lang="zh-TW" altLang="en-US" smtClean="0"/>
-              <a:t>15</a:t>
+              <a:t>16</a:t>
             </a:fld>
             <a:endParaRPr lang="zh-TW" altLang="en-US"/>
           </a:p>
@@ -14828,7 +15125,7 @@
 </p:sld>
 </file>
 
-<file path=ppt/slides/slide16.xml><?xml version="1.0" encoding="utf-8"?>
+<file path=ppt/slides/slide17.xml><?xml version="1.0" encoding="utf-8"?>
 <p:sld xmlns:a="http://schemas.openxmlformats.org/drawingml/2006/main" xmlns:r="http://schemas.openxmlformats.org/officeDocument/2006/relationships" xmlns:p="http://schemas.openxmlformats.org/presentationml/2006/main">
   <p:cSld>
     <p:spTree>
@@ -14988,7 +15285,7 @@
           <a:p>
             <a:fld id="{C128DF73-0FD1-4EFB-B6B9-20BE1557E8C1}" type="slidenum">
               <a:rPr lang="zh-TW" altLang="en-US" smtClean="0"/>
-              <a:t>16</a:t>
+              <a:t>17</a:t>
             </a:fld>
             <a:endParaRPr lang="zh-TW" altLang="en-US"/>
           </a:p>
@@ -15014,7 +15311,7 @@
 </p:sld>
 </file>
 
-<file path=ppt/slides/slide17.xml><?xml version="1.0" encoding="utf-8"?>
+<file path=ppt/slides/slide18.xml><?xml version="1.0" encoding="utf-8"?>
 <p:sld xmlns:a="http://schemas.openxmlformats.org/drawingml/2006/main" xmlns:r="http://schemas.openxmlformats.org/officeDocument/2006/relationships" xmlns:p="http://schemas.openxmlformats.org/presentationml/2006/main">
   <p:cSld>
     <p:spTree>
@@ -15133,7 +15430,7 @@
           <a:p>
             <a:fld id="{C128DF73-0FD1-4EFB-B6B9-20BE1557E8C1}" type="slidenum">
               <a:rPr lang="zh-TW" altLang="en-US" smtClean="0"/>
-              <a:t>17</a:t>
+              <a:t>18</a:t>
             </a:fld>
             <a:endParaRPr lang="zh-TW" altLang="en-US"/>
           </a:p>
@@ -16132,7 +16429,7 @@
         </p:nvSpPr>
         <p:spPr>
           <a:xfrm>
-            <a:off x="432048" y="2268360"/>
+            <a:off x="432048" y="2308999"/>
             <a:ext cx="8673528" cy="369332"/>
           </a:xfrm>
           <a:prstGeom prst="rect">
@@ -16615,25 +16912,7 @@
                 <a:latin typeface="Times New Roman" panose="02020603050405020304" pitchFamily="18" charset="0"/>
                 <a:cs typeface="Times New Roman" panose="02020603050405020304" pitchFamily="18" charset="0"/>
               </a:rPr>
-              <a:t>Traffic Management (UTM</a:t>
-            </a:r>
-            <a:r>
-              <a:rPr lang="en-US" altLang="zh-TW" sz="3200" b="1" cap="none" spc="0" dirty="0" smtClean="0">
-                <a:ln w="0"/>
-                <a:solidFill>
-                  <a:schemeClr val="accent1"/>
-                </a:solidFill>
-                <a:effectLst>
-                  <a:outerShdw blurRad="38100" dist="25400" dir="5400000" algn="ctr" rotWithShape="0">
-                    <a:srgbClr val="6E747A">
-                      <a:alpha val="43000"/>
-                    </a:srgbClr>
-                  </a:outerShdw>
-                </a:effectLst>
-                <a:latin typeface="Times New Roman" panose="02020603050405020304" pitchFamily="18" charset="0"/>
-                <a:cs typeface="Times New Roman" panose="02020603050405020304" pitchFamily="18" charset="0"/>
-              </a:rPr>
-              <a:t>)</a:t>
+              <a:t>Traffic Management (UTM)</a:t>
             </a:r>
             <a:endParaRPr lang="zh-TW" altLang="en-US" sz="3200" b="1" cap="none" spc="0" dirty="0">
               <a:ln w="0"/>
@@ -16873,6 +17152,290 @@
       </p:grpSpPr>
       <p:sp>
         <p:nvSpPr>
+          <p:cNvPr id="4" name="投影片編號版面配置區 3"/>
+          <p:cNvSpPr>
+            <a:spLocks noGrp="1"/>
+          </p:cNvSpPr>
+          <p:nvPr>
+            <p:ph type="sldNum" sz="quarter" idx="12"/>
+          </p:nvPr>
+        </p:nvSpPr>
+        <p:spPr/>
+        <p:txBody>
+          <a:bodyPr/>
+          <a:lstStyle/>
+          <a:p>
+            <a:fld id="{C128DF73-0FD1-4EFB-B6B9-20BE1557E8C1}" type="slidenum">
+              <a:rPr lang="zh-TW" altLang="en-US" smtClean="0"/>
+              <a:t>7</a:t>
+            </a:fld>
+            <a:endParaRPr lang="zh-TW" altLang="en-US"/>
+          </a:p>
+        </p:txBody>
+      </p:sp>
+      <p:sp>
+        <p:nvSpPr>
+          <p:cNvPr id="5" name="橢圓 4"/>
+          <p:cNvSpPr/>
+          <p:nvPr/>
+        </p:nvSpPr>
+        <p:spPr>
+          <a:xfrm>
+            <a:off x="345688" y="920843"/>
+            <a:ext cx="172720" cy="162560"/>
+          </a:xfrm>
+          <a:prstGeom prst="ellipse">
+            <a:avLst/>
+          </a:prstGeom>
+          <a:solidFill>
+            <a:schemeClr val="tx1">
+              <a:lumMod val="65000"/>
+              <a:lumOff val="35000"/>
+            </a:schemeClr>
+          </a:solidFill>
+          <a:ln>
+            <a:noFill/>
+          </a:ln>
+        </p:spPr>
+        <p:style>
+          <a:lnRef idx="2">
+            <a:schemeClr val="accent1">
+              <a:shade val="50000"/>
+            </a:schemeClr>
+          </a:lnRef>
+          <a:fillRef idx="1">
+            <a:schemeClr val="accent1"/>
+          </a:fillRef>
+          <a:effectRef idx="0">
+            <a:schemeClr val="accent1"/>
+          </a:effectRef>
+          <a:fontRef idx="minor">
+            <a:schemeClr val="lt1"/>
+          </a:fontRef>
+        </p:style>
+        <p:txBody>
+          <a:bodyPr rtlCol="0" anchor="ctr"/>
+          <a:lstStyle/>
+          <a:p>
+            <a:pPr algn="ctr"/>
+            <a:endParaRPr lang="zh-TW" altLang="en-US"/>
+          </a:p>
+        </p:txBody>
+      </p:sp>
+      <p:cxnSp>
+        <p:nvCxnSpPr>
+          <p:cNvPr id="6" name="直線接點 5"/>
+          <p:cNvCxnSpPr>
+            <a:stCxn id="5" idx="6"/>
+          </p:cNvCxnSpPr>
+          <p:nvPr/>
+        </p:nvCxnSpPr>
+        <p:spPr>
+          <a:xfrm>
+            <a:off x="518408" y="1002123"/>
+            <a:ext cx="5891101" cy="0"/>
+          </a:xfrm>
+          <a:prstGeom prst="line">
+            <a:avLst/>
+          </a:prstGeom>
+          <a:ln w="25400">
+            <a:solidFill>
+              <a:schemeClr val="tx1">
+                <a:lumMod val="65000"/>
+                <a:lumOff val="35000"/>
+              </a:schemeClr>
+            </a:solidFill>
+          </a:ln>
+        </p:spPr>
+        <p:style>
+          <a:lnRef idx="1">
+            <a:schemeClr val="accent1"/>
+          </a:lnRef>
+          <a:fillRef idx="0">
+            <a:schemeClr val="accent1"/>
+          </a:fillRef>
+          <a:effectRef idx="0">
+            <a:schemeClr val="accent1"/>
+          </a:effectRef>
+          <a:fontRef idx="minor">
+            <a:schemeClr val="tx1"/>
+          </a:fontRef>
+        </p:style>
+      </p:cxnSp>
+      <p:sp>
+        <p:nvSpPr>
+          <p:cNvPr id="7" name="矩形 6"/>
+          <p:cNvSpPr/>
+          <p:nvPr/>
+        </p:nvSpPr>
+        <p:spPr>
+          <a:xfrm>
+            <a:off x="432048" y="417348"/>
+            <a:ext cx="6048002" cy="584775"/>
+          </a:xfrm>
+          <a:prstGeom prst="rect">
+            <a:avLst/>
+          </a:prstGeom>
+          <a:noFill/>
+        </p:spPr>
+        <p:txBody>
+          <a:bodyPr wrap="none" lIns="91440" tIns="45720" rIns="91440" bIns="45720">
+            <a:spAutoFit/>
+          </a:bodyPr>
+          <a:lstStyle/>
+          <a:p>
+            <a:pPr algn="ctr"/>
+            <a:r>
+              <a:rPr lang="en-US" altLang="zh-TW" sz="3200" b="1" cap="none" spc="0" dirty="0" smtClean="0">
+                <a:ln w="0"/>
+                <a:solidFill>
+                  <a:schemeClr val="accent1"/>
+                </a:solidFill>
+                <a:effectLst>
+                  <a:outerShdw blurRad="38100" dist="25400" dir="5400000" algn="ctr" rotWithShape="0">
+                    <a:srgbClr val="6E747A">
+                      <a:alpha val="43000"/>
+                    </a:srgbClr>
+                  </a:outerShdw>
+                </a:effectLst>
+                <a:latin typeface="Times New Roman" panose="02020603050405020304" pitchFamily="18" charset="0"/>
+                <a:cs typeface="Times New Roman" panose="02020603050405020304" pitchFamily="18" charset="0"/>
+              </a:rPr>
+              <a:t>UAV</a:t>
+            </a:r>
+            <a:r>
+              <a:rPr lang="zh-TW" altLang="en-US" sz="3200" b="1" cap="none" spc="0" dirty="0" smtClean="0">
+                <a:ln w="0"/>
+                <a:solidFill>
+                  <a:schemeClr val="accent1"/>
+                </a:solidFill>
+                <a:effectLst>
+                  <a:outerShdw blurRad="38100" dist="25400" dir="5400000" algn="ctr" rotWithShape="0">
+                    <a:srgbClr val="6E747A">
+                      <a:alpha val="43000"/>
+                    </a:srgbClr>
+                  </a:outerShdw>
+                </a:effectLst>
+                <a:latin typeface="Times New Roman" panose="02020603050405020304" pitchFamily="18" charset="0"/>
+                <a:cs typeface="Times New Roman" panose="02020603050405020304" pitchFamily="18" charset="0"/>
+              </a:rPr>
+              <a:t> </a:t>
+            </a:r>
+            <a:r>
+              <a:rPr lang="en-US" altLang="zh-TW" sz="3200" b="1" cap="none" spc="0" dirty="0" smtClean="0">
+                <a:ln w="0"/>
+                <a:solidFill>
+                  <a:schemeClr val="accent1"/>
+                </a:solidFill>
+                <a:effectLst>
+                  <a:outerShdw blurRad="38100" dist="25400" dir="5400000" algn="ctr" rotWithShape="0">
+                    <a:srgbClr val="6E747A">
+                      <a:alpha val="43000"/>
+                    </a:srgbClr>
+                  </a:outerShdw>
+                </a:effectLst>
+                <a:latin typeface="Times New Roman" panose="02020603050405020304" pitchFamily="18" charset="0"/>
+                <a:cs typeface="Times New Roman" panose="02020603050405020304" pitchFamily="18" charset="0"/>
+              </a:rPr>
+              <a:t>Traffic Management (UTM)</a:t>
+            </a:r>
+            <a:endParaRPr lang="zh-TW" altLang="en-US" sz="3200" b="1" cap="none" spc="0" dirty="0">
+              <a:ln w="0"/>
+              <a:solidFill>
+                <a:schemeClr val="accent1"/>
+              </a:solidFill>
+              <a:effectLst>
+                <a:outerShdw blurRad="38100" dist="25400" dir="5400000" algn="ctr" rotWithShape="0">
+                  <a:srgbClr val="6E747A">
+                    <a:alpha val="43000"/>
+                  </a:srgbClr>
+                </a:outerShdw>
+              </a:effectLst>
+              <a:latin typeface="Times New Roman" panose="02020603050405020304" pitchFamily="18" charset="0"/>
+              <a:cs typeface="Times New Roman" panose="02020603050405020304" pitchFamily="18" charset="0"/>
+            </a:endParaRPr>
+          </a:p>
+        </p:txBody>
+      </p:sp>
+      <p:sp>
+        <p:nvSpPr>
+          <p:cNvPr id="8" name="文字方塊 7"/>
+          <p:cNvSpPr txBox="1"/>
+          <p:nvPr/>
+        </p:nvSpPr>
+        <p:spPr>
+          <a:xfrm>
+            <a:off x="518408" y="1402231"/>
+            <a:ext cx="7199407" cy="369332"/>
+          </a:xfrm>
+          <a:prstGeom prst="rect">
+            <a:avLst/>
+          </a:prstGeom>
+          <a:noFill/>
+        </p:spPr>
+        <p:txBody>
+          <a:bodyPr wrap="none" rtlCol="0">
+            <a:spAutoFit/>
+          </a:bodyPr>
+          <a:lstStyle/>
+          <a:p>
+            <a:pPr marL="285750" indent="-285750">
+              <a:buFont typeface="Wingdings" panose="05000000000000000000" pitchFamily="2" charset="2"/>
+              <a:buChar char="p"/>
+            </a:pPr>
+            <a:r>
+              <a:rPr lang="en-US" altLang="zh-TW" dirty="0" smtClean="0">
+                <a:latin typeface="Times New Roman" panose="02020603050405020304" pitchFamily="18" charset="0"/>
+                <a:cs typeface="Times New Roman" panose="02020603050405020304" pitchFamily="18" charset="0"/>
+              </a:rPr>
+              <a:t>The following figure is an UTM system concept of operations flow chart.</a:t>
+            </a:r>
+            <a:endParaRPr lang="zh-TW" altLang="en-US" dirty="0">
+              <a:latin typeface="Times New Roman" panose="02020603050405020304" pitchFamily="18" charset="0"/>
+              <a:cs typeface="Times New Roman" panose="02020603050405020304" pitchFamily="18" charset="0"/>
+            </a:endParaRPr>
+          </a:p>
+        </p:txBody>
+      </p:sp>
+    </p:spTree>
+    <p:extLst>
+      <p:ext uri="{BB962C8B-B14F-4D97-AF65-F5344CB8AC3E}">
+        <p14:creationId xmlns:p14="http://schemas.microsoft.com/office/powerpoint/2010/main" val="4031461189"/>
+      </p:ext>
+    </p:extLst>
+  </p:cSld>
+  <p:clrMapOvr>
+    <a:masterClrMapping/>
+  </p:clrMapOvr>
+  <p:timing>
+    <p:tnLst>
+      <p:par>
+        <p:cTn id="1" dur="indefinite" restart="never" nodeType="tmRoot"/>
+      </p:par>
+    </p:tnLst>
+  </p:timing>
+</p:sld>
+</file>
+
+<file path=ppt/slides/slide8.xml><?xml version="1.0" encoding="utf-8"?>
+<p:sld xmlns:a="http://schemas.openxmlformats.org/drawingml/2006/main" xmlns:r="http://schemas.openxmlformats.org/officeDocument/2006/relationships" xmlns:p="http://schemas.openxmlformats.org/presentationml/2006/main">
+  <p:cSld>
+    <p:spTree>
+      <p:nvGrpSpPr>
+        <p:cNvPr id="1" name=""/>
+        <p:cNvGrpSpPr/>
+        <p:nvPr/>
+      </p:nvGrpSpPr>
+      <p:grpSpPr>
+        <a:xfrm>
+          <a:off x="0" y="0"/>
+          <a:ext cx="0" cy="0"/>
+          <a:chOff x="0" y="0"/>
+          <a:chExt cx="0" cy="0"/>
+        </a:xfrm>
+      </p:grpSpPr>
+      <p:sp>
+        <p:nvSpPr>
           <p:cNvPr id="4" name="橢圓 3"/>
           <p:cNvSpPr/>
           <p:nvPr/>
@@ -17036,7 +17599,7 @@
           <a:p>
             <a:fld id="{C128DF73-0FD1-4EFB-B6B9-20BE1557E8C1}" type="slidenum">
               <a:rPr lang="zh-TW" altLang="en-US" smtClean="0"/>
-              <a:t>7</a:t>
+              <a:t>8</a:t>
             </a:fld>
             <a:endParaRPr lang="zh-TW" altLang="en-US"/>
           </a:p>
@@ -17062,7 +17625,7 @@
 </p:sld>
 </file>
 
-<file path=ppt/slides/slide8.xml><?xml version="1.0" encoding="utf-8"?>
+<file path=ppt/slides/slide9.xml><?xml version="1.0" encoding="utf-8"?>
 <p:sld xmlns:a="http://schemas.openxmlformats.org/drawingml/2006/main" xmlns:r="http://schemas.openxmlformats.org/officeDocument/2006/relationships" xmlns:p="http://schemas.openxmlformats.org/presentationml/2006/main">
   <p:cSld>
     <p:spTree>
@@ -17217,7 +17780,7 @@
           <a:p>
             <a:fld id="{C128DF73-0FD1-4EFB-B6B9-20BE1557E8C1}" type="slidenum">
               <a:rPr lang="zh-TW" altLang="en-US" smtClean="0"/>
-              <a:t>8</a:t>
+              <a:t>9</a:t>
             </a:fld>
             <a:endParaRPr lang="zh-TW" altLang="en-US"/>
           </a:p>
@@ -17227,250 +17790,6 @@
     <p:extLst>
       <p:ext uri="{BB962C8B-B14F-4D97-AF65-F5344CB8AC3E}">
         <p14:creationId xmlns:p14="http://schemas.microsoft.com/office/powerpoint/2010/main" val="2734751437"/>
-      </p:ext>
-    </p:extLst>
-  </p:cSld>
-  <p:clrMapOvr>
-    <a:masterClrMapping/>
-  </p:clrMapOvr>
-  <p:timing>
-    <p:tnLst>
-      <p:par>
-        <p:cTn id="1" dur="indefinite" restart="never" nodeType="tmRoot"/>
-      </p:par>
-    </p:tnLst>
-  </p:timing>
-</p:sld>
-</file>
-
-<file path=ppt/slides/slide9.xml><?xml version="1.0" encoding="utf-8"?>
-<p:sld xmlns:a="http://schemas.openxmlformats.org/drawingml/2006/main" xmlns:r="http://schemas.openxmlformats.org/officeDocument/2006/relationships" xmlns:p="http://schemas.openxmlformats.org/presentationml/2006/main">
-  <p:cSld>
-    <p:spTree>
-      <p:nvGrpSpPr>
-        <p:cNvPr id="1" name=""/>
-        <p:cNvGrpSpPr/>
-        <p:nvPr/>
-      </p:nvGrpSpPr>
-      <p:grpSpPr>
-        <a:xfrm>
-          <a:off x="0" y="0"/>
-          <a:ext cx="0" cy="0"/>
-          <a:chOff x="0" y="0"/>
-          <a:chExt cx="0" cy="0"/>
-        </a:xfrm>
-      </p:grpSpPr>
-      <p:sp>
-        <p:nvSpPr>
-          <p:cNvPr id="4" name="橢圓 3"/>
-          <p:cNvSpPr/>
-          <p:nvPr/>
-        </p:nvSpPr>
-        <p:spPr>
-          <a:xfrm>
-            <a:off x="345688" y="920843"/>
-            <a:ext cx="172720" cy="162560"/>
-          </a:xfrm>
-          <a:prstGeom prst="ellipse">
-            <a:avLst/>
-          </a:prstGeom>
-          <a:solidFill>
-            <a:schemeClr val="tx1">
-              <a:lumMod val="65000"/>
-              <a:lumOff val="35000"/>
-            </a:schemeClr>
-          </a:solidFill>
-          <a:ln>
-            <a:noFill/>
-          </a:ln>
-        </p:spPr>
-        <p:style>
-          <a:lnRef idx="2">
-            <a:schemeClr val="accent1">
-              <a:shade val="50000"/>
-            </a:schemeClr>
-          </a:lnRef>
-          <a:fillRef idx="1">
-            <a:schemeClr val="accent1"/>
-          </a:fillRef>
-          <a:effectRef idx="0">
-            <a:schemeClr val="accent1"/>
-          </a:effectRef>
-          <a:fontRef idx="minor">
-            <a:schemeClr val="lt1"/>
-          </a:fontRef>
-        </p:style>
-        <p:txBody>
-          <a:bodyPr rtlCol="0" anchor="ctr"/>
-          <a:lstStyle/>
-          <a:p>
-            <a:pPr algn="ctr"/>
-            <a:endParaRPr lang="zh-TW" altLang="en-US"/>
-          </a:p>
-        </p:txBody>
-      </p:sp>
-      <p:cxnSp>
-        <p:nvCxnSpPr>
-          <p:cNvPr id="5" name="直線接點 4"/>
-          <p:cNvCxnSpPr>
-            <a:stCxn id="4" idx="6"/>
-          </p:cNvCxnSpPr>
-          <p:nvPr/>
-        </p:nvCxnSpPr>
-        <p:spPr>
-          <a:xfrm>
-            <a:off x="518408" y="1002123"/>
-            <a:ext cx="4532563" cy="0"/>
-          </a:xfrm>
-          <a:prstGeom prst="line">
-            <a:avLst/>
-          </a:prstGeom>
-          <a:ln w="25400">
-            <a:solidFill>
-              <a:schemeClr val="tx1">
-                <a:lumMod val="65000"/>
-                <a:lumOff val="35000"/>
-              </a:schemeClr>
-            </a:solidFill>
-          </a:ln>
-        </p:spPr>
-        <p:style>
-          <a:lnRef idx="1">
-            <a:schemeClr val="accent1"/>
-          </a:lnRef>
-          <a:fillRef idx="0">
-            <a:schemeClr val="accent1"/>
-          </a:fillRef>
-          <a:effectRef idx="0">
-            <a:schemeClr val="accent1"/>
-          </a:effectRef>
-          <a:fontRef idx="minor">
-            <a:schemeClr val="tx1"/>
-          </a:fontRef>
-        </p:style>
-      </p:cxnSp>
-      <p:sp>
-        <p:nvSpPr>
-          <p:cNvPr id="6" name="矩形 5"/>
-          <p:cNvSpPr/>
-          <p:nvPr/>
-        </p:nvSpPr>
-        <p:spPr>
-          <a:xfrm>
-            <a:off x="432048" y="417348"/>
-            <a:ext cx="4685899" cy="584775"/>
-          </a:xfrm>
-          <a:prstGeom prst="rect">
-            <a:avLst/>
-          </a:prstGeom>
-          <a:noFill/>
-        </p:spPr>
-        <p:txBody>
-          <a:bodyPr wrap="none" lIns="91440" tIns="45720" rIns="91440" bIns="45720">
-            <a:spAutoFit/>
-          </a:bodyPr>
-          <a:lstStyle/>
-          <a:p>
-            <a:pPr algn="ctr"/>
-            <a:r>
-              <a:rPr lang="en-US" altLang="zh-TW" sz="3200" b="1" cap="none" spc="0" dirty="0" smtClean="0">
-                <a:ln w="0"/>
-                <a:solidFill>
-                  <a:schemeClr val="accent1"/>
-                </a:solidFill>
-                <a:effectLst>
-                  <a:outerShdw blurRad="38100" dist="25400" dir="5400000" algn="ctr" rotWithShape="0">
-                    <a:srgbClr val="6E747A">
-                      <a:alpha val="43000"/>
-                    </a:srgbClr>
-                  </a:outerShdw>
-                </a:effectLst>
-                <a:latin typeface="Times New Roman" panose="02020603050405020304" pitchFamily="18" charset="0"/>
-                <a:cs typeface="Times New Roman" panose="02020603050405020304" pitchFamily="18" charset="0"/>
-              </a:rPr>
-              <a:t>Experimentation Purpose</a:t>
-            </a:r>
-            <a:endParaRPr lang="zh-TW" altLang="en-US" sz="3200" b="1" cap="none" spc="0" dirty="0">
-              <a:ln w="0"/>
-              <a:solidFill>
-                <a:schemeClr val="accent1"/>
-              </a:solidFill>
-              <a:effectLst>
-                <a:outerShdw blurRad="38100" dist="25400" dir="5400000" algn="ctr" rotWithShape="0">
-                  <a:srgbClr val="6E747A">
-                    <a:alpha val="43000"/>
-                  </a:srgbClr>
-                </a:outerShdw>
-              </a:effectLst>
-              <a:latin typeface="Times New Roman" panose="02020603050405020304" pitchFamily="18" charset="0"/>
-              <a:cs typeface="Times New Roman" panose="02020603050405020304" pitchFamily="18" charset="0"/>
-            </a:endParaRPr>
-          </a:p>
-        </p:txBody>
-      </p:sp>
-      <p:sp>
-        <p:nvSpPr>
-          <p:cNvPr id="8" name="文字方塊 7"/>
-          <p:cNvSpPr txBox="1"/>
-          <p:nvPr/>
-        </p:nvSpPr>
-        <p:spPr>
-          <a:xfrm>
-            <a:off x="853440" y="1402232"/>
-            <a:ext cx="9858596" cy="369332"/>
-          </a:xfrm>
-          <a:prstGeom prst="rect">
-            <a:avLst/>
-          </a:prstGeom>
-          <a:noFill/>
-        </p:spPr>
-        <p:txBody>
-          <a:bodyPr wrap="none" rtlCol="0">
-            <a:spAutoFit/>
-          </a:bodyPr>
-          <a:lstStyle/>
-          <a:p>
-            <a:r>
-              <a:rPr lang="en-US" altLang="zh-TW" dirty="0" smtClean="0">
-                <a:latin typeface="Times New Roman" panose="02020603050405020304" pitchFamily="18" charset="0"/>
-                <a:cs typeface="Times New Roman" panose="02020603050405020304" pitchFamily="18" charset="0"/>
-              </a:rPr>
-              <a:t>The UTM will control the flight plan of each UAV to ensure that it’s flying inside an allowed  geo-fence.</a:t>
-            </a:r>
-            <a:endParaRPr lang="zh-TW" altLang="en-US" dirty="0">
-              <a:latin typeface="Times New Roman" panose="02020603050405020304" pitchFamily="18" charset="0"/>
-              <a:cs typeface="Times New Roman" panose="02020603050405020304" pitchFamily="18" charset="0"/>
-            </a:endParaRPr>
-          </a:p>
-        </p:txBody>
-      </p:sp>
-      <p:sp>
-        <p:nvSpPr>
-          <p:cNvPr id="12" name="投影片編號版面配置區 11"/>
-          <p:cNvSpPr>
-            <a:spLocks noGrp="1"/>
-          </p:cNvSpPr>
-          <p:nvPr>
-            <p:ph type="sldNum" sz="quarter" idx="12"/>
-          </p:nvPr>
-        </p:nvSpPr>
-        <p:spPr/>
-        <p:txBody>
-          <a:bodyPr/>
-          <a:lstStyle/>
-          <a:p>
-            <a:fld id="{C128DF73-0FD1-4EFB-B6B9-20BE1557E8C1}" type="slidenum">
-              <a:rPr lang="zh-TW" altLang="en-US" smtClean="0"/>
-              <a:t>9</a:t>
-            </a:fld>
-            <a:endParaRPr lang="zh-TW" altLang="en-US"/>
-          </a:p>
-        </p:txBody>
-      </p:sp>
-    </p:spTree>
-    <p:extLst>
-      <p:ext uri="{BB962C8B-B14F-4D97-AF65-F5344CB8AC3E}">
-        <p14:creationId xmlns:p14="http://schemas.microsoft.com/office/powerpoint/2010/main" val="3684509478"/>
       </p:ext>
     </p:extLst>
   </p:cSld>

--- a/wireless_network/PaperReading/Report.pptx
+++ b/wireless_network/PaperReading/Report.pptx
@@ -18,8 +18,8 @@
     <p:sldId id="267" r:id="rId9"/>
     <p:sldId id="259" r:id="rId10"/>
     <p:sldId id="268" r:id="rId11"/>
-    <p:sldId id="269" r:id="rId12"/>
-    <p:sldId id="270" r:id="rId13"/>
+    <p:sldId id="270" r:id="rId12"/>
+    <p:sldId id="269" r:id="rId13"/>
     <p:sldId id="271" r:id="rId14"/>
     <p:sldId id="260" r:id="rId15"/>
     <p:sldId id="272" r:id="rId16"/>
@@ -10140,7 +10140,7 @@
           <a:p>
             <a:fld id="{90AE32B7-19C5-4095-9C95-F277E30D1456}" type="datetimeFigureOut">
               <a:rPr lang="zh-TW" altLang="en-US" smtClean="0"/>
-              <a:t>2019/12/23</a:t>
+              <a:t>2019/12/24</a:t>
             </a:fld>
             <a:endParaRPr lang="zh-TW" altLang="en-US"/>
           </a:p>
@@ -10539,7 +10539,7 @@
           <a:p>
             <a:fld id="{D0C519A4-C899-4FE3-B2C0-EA32C1E2A373}" type="datetime1">
               <a:rPr lang="zh-TW" altLang="en-US" smtClean="0"/>
-              <a:t>2019/12/23</a:t>
+              <a:t>2019/12/24</a:t>
             </a:fld>
             <a:endParaRPr lang="zh-TW" altLang="en-US"/>
           </a:p>
@@ -10709,7 +10709,7 @@
           <a:p>
             <a:fld id="{AAF725E2-3DF1-496F-923B-ADC93C1FF91E}" type="datetime1">
               <a:rPr lang="zh-TW" altLang="en-US" smtClean="0"/>
-              <a:t>2019/12/23</a:t>
+              <a:t>2019/12/24</a:t>
             </a:fld>
             <a:endParaRPr lang="zh-TW" altLang="en-US"/>
           </a:p>
@@ -10889,7 +10889,7 @@
           <a:p>
             <a:fld id="{BA639709-0C54-4055-B8A5-334E3C574642}" type="datetime1">
               <a:rPr lang="zh-TW" altLang="en-US" smtClean="0"/>
-              <a:t>2019/12/23</a:t>
+              <a:t>2019/12/24</a:t>
             </a:fld>
             <a:endParaRPr lang="zh-TW" altLang="en-US"/>
           </a:p>
@@ -11059,7 +11059,7 @@
           <a:p>
             <a:fld id="{529E66E2-A720-4114-9EAD-35F33426C266}" type="datetime1">
               <a:rPr lang="zh-TW" altLang="en-US" smtClean="0"/>
-              <a:t>2019/12/23</a:t>
+              <a:t>2019/12/24</a:t>
             </a:fld>
             <a:endParaRPr lang="zh-TW" altLang="en-US"/>
           </a:p>
@@ -11305,7 +11305,7 @@
           <a:p>
             <a:fld id="{EC6CA15E-6041-4E19-A88F-713A849FAB1F}" type="datetime1">
               <a:rPr lang="zh-TW" altLang="en-US" smtClean="0"/>
-              <a:t>2019/12/23</a:t>
+              <a:t>2019/12/24</a:t>
             </a:fld>
             <a:endParaRPr lang="zh-TW" altLang="en-US"/>
           </a:p>
@@ -11537,7 +11537,7 @@
           <a:p>
             <a:fld id="{ED1B1673-2459-4015-8514-10CC325F640F}" type="datetime1">
               <a:rPr lang="zh-TW" altLang="en-US" smtClean="0"/>
-              <a:t>2019/12/23</a:t>
+              <a:t>2019/12/24</a:t>
             </a:fld>
             <a:endParaRPr lang="zh-TW" altLang="en-US"/>
           </a:p>
@@ -11904,7 +11904,7 @@
           <a:p>
             <a:fld id="{14BBF4F7-C57C-4105-9534-84A0BF80F02F}" type="datetime1">
               <a:rPr lang="zh-TW" altLang="en-US" smtClean="0"/>
-              <a:t>2019/12/23</a:t>
+              <a:t>2019/12/24</a:t>
             </a:fld>
             <a:endParaRPr lang="zh-TW" altLang="en-US"/>
           </a:p>
@@ -12022,7 +12022,7 @@
           <a:p>
             <a:fld id="{973340D1-97F9-4595-91A4-880B1C854E40}" type="datetime1">
               <a:rPr lang="zh-TW" altLang="en-US" smtClean="0"/>
-              <a:t>2019/12/23</a:t>
+              <a:t>2019/12/24</a:t>
             </a:fld>
             <a:endParaRPr lang="zh-TW" altLang="en-US"/>
           </a:p>
@@ -12117,7 +12117,7 @@
           <a:p>
             <a:fld id="{017D0E3B-C414-4A74-9F90-82C22692D280}" type="datetime1">
               <a:rPr lang="zh-TW" altLang="en-US" smtClean="0"/>
-              <a:t>2019/12/23</a:t>
+              <a:t>2019/12/24</a:t>
             </a:fld>
             <a:endParaRPr lang="zh-TW" altLang="en-US"/>
           </a:p>
@@ -12394,7 +12394,7 @@
           <a:p>
             <a:fld id="{2C132A8D-7E8C-45E9-AF19-479C7BF98E21}" type="datetime1">
               <a:rPr lang="zh-TW" altLang="en-US" smtClean="0"/>
-              <a:t>2019/12/23</a:t>
+              <a:t>2019/12/24</a:t>
             </a:fld>
             <a:endParaRPr lang="zh-TW" altLang="en-US"/>
           </a:p>
@@ -12647,7 +12647,7 @@
           <a:p>
             <a:fld id="{E5E4FAB2-8603-4182-B607-B8D4C5ACF843}" type="datetime1">
               <a:rPr lang="zh-TW" altLang="en-US" smtClean="0"/>
-              <a:t>2019/12/23</a:t>
+              <a:t>2019/12/24</a:t>
             </a:fld>
             <a:endParaRPr lang="zh-TW" altLang="en-US"/>
           </a:p>
@@ -12860,7 +12860,7 @@
           <a:p>
             <a:fld id="{01AA6340-B1F5-49D0-BCE2-BF206B87664B}" type="datetime1">
               <a:rPr lang="zh-TW" altLang="en-US" smtClean="0"/>
-              <a:t>2019/12/23</a:t>
+              <a:t>2019/12/24</a:t>
             </a:fld>
             <a:endParaRPr lang="zh-TW" altLang="en-US"/>
           </a:p>
@@ -13785,7 +13785,729 @@
         <p:spPr>
           <a:xfrm>
             <a:off x="518408" y="1002123"/>
-            <a:ext cx="4532563" cy="0"/>
+            <a:ext cx="5314221" cy="4348"/>
+          </a:xfrm>
+          <a:prstGeom prst="line">
+            <a:avLst/>
+          </a:prstGeom>
+          <a:ln w="25400">
+            <a:solidFill>
+              <a:schemeClr val="tx1">
+                <a:lumMod val="65000"/>
+                <a:lumOff val="35000"/>
+              </a:schemeClr>
+            </a:solidFill>
+          </a:ln>
+        </p:spPr>
+        <p:style>
+          <a:lnRef idx="1">
+            <a:schemeClr val="accent1"/>
+          </a:lnRef>
+          <a:fillRef idx="0">
+            <a:schemeClr val="accent1"/>
+          </a:fillRef>
+          <a:effectRef idx="0">
+            <a:schemeClr val="accent1"/>
+          </a:effectRef>
+          <a:fontRef idx="minor">
+            <a:schemeClr val="tx1"/>
+          </a:fontRef>
+        </p:style>
+      </p:cxnSp>
+      <p:sp>
+        <p:nvSpPr>
+          <p:cNvPr id="6" name="矩形 5"/>
+          <p:cNvSpPr/>
+          <p:nvPr/>
+        </p:nvSpPr>
+        <p:spPr>
+          <a:xfrm>
+            <a:off x="432048" y="421696"/>
+            <a:ext cx="5475153" cy="584775"/>
+          </a:xfrm>
+          <a:prstGeom prst="rect">
+            <a:avLst/>
+          </a:prstGeom>
+          <a:noFill/>
+        </p:spPr>
+        <p:txBody>
+          <a:bodyPr wrap="none" lIns="91440" tIns="45720" rIns="91440" bIns="45720">
+            <a:spAutoFit/>
+          </a:bodyPr>
+          <a:lstStyle/>
+          <a:p>
+            <a:pPr algn="ctr"/>
+            <a:r>
+              <a:rPr lang="en-US" altLang="zh-TW" sz="3200" b="1" cap="none" spc="0" dirty="0" smtClean="0">
+                <a:ln w="0"/>
+                <a:solidFill>
+                  <a:schemeClr val="accent1"/>
+                </a:solidFill>
+                <a:effectLst>
+                  <a:outerShdw blurRad="38100" dist="25400" dir="5400000" algn="ctr" rotWithShape="0">
+                    <a:srgbClr val="6E747A">
+                      <a:alpha val="43000"/>
+                    </a:srgbClr>
+                  </a:outerShdw>
+                </a:effectLst>
+                <a:latin typeface="Times New Roman" panose="02020603050405020304" pitchFamily="18" charset="0"/>
+                <a:cs typeface="Times New Roman" panose="02020603050405020304" pitchFamily="18" charset="0"/>
+              </a:rPr>
+              <a:t>Experimentation </a:t>
+            </a:r>
+            <a:r>
+              <a:rPr lang="en-US" altLang="zh-TW" sz="3200" b="1" cap="none" spc="0" dirty="0" smtClean="0">
+                <a:ln w="0"/>
+                <a:solidFill>
+                  <a:schemeClr val="accent1"/>
+                </a:solidFill>
+                <a:effectLst>
+                  <a:outerShdw blurRad="38100" dist="25400" dir="5400000" algn="ctr" rotWithShape="0">
+                    <a:srgbClr val="6E747A">
+                      <a:alpha val="43000"/>
+                    </a:srgbClr>
+                  </a:outerShdw>
+                </a:effectLst>
+                <a:latin typeface="Times New Roman" panose="02020603050405020304" pitchFamily="18" charset="0"/>
+                <a:cs typeface="Times New Roman" panose="02020603050405020304" pitchFamily="18" charset="0"/>
+              </a:rPr>
+              <a:t>Introduction</a:t>
+            </a:r>
+            <a:endParaRPr lang="zh-TW" altLang="en-US" sz="3200" b="1" cap="none" spc="0" dirty="0">
+              <a:ln w="0"/>
+              <a:solidFill>
+                <a:schemeClr val="accent1"/>
+              </a:solidFill>
+              <a:effectLst>
+                <a:outerShdw blurRad="38100" dist="25400" dir="5400000" algn="ctr" rotWithShape="0">
+                  <a:srgbClr val="6E747A">
+                    <a:alpha val="43000"/>
+                  </a:srgbClr>
+                </a:outerShdw>
+              </a:effectLst>
+              <a:latin typeface="Times New Roman" panose="02020603050405020304" pitchFamily="18" charset="0"/>
+              <a:cs typeface="Times New Roman" panose="02020603050405020304" pitchFamily="18" charset="0"/>
+            </a:endParaRPr>
+          </a:p>
+        </p:txBody>
+      </p:sp>
+      <p:sp>
+        <p:nvSpPr>
+          <p:cNvPr id="8" name="文字方塊 7"/>
+          <p:cNvSpPr txBox="1"/>
+          <p:nvPr/>
+        </p:nvSpPr>
+        <p:spPr>
+          <a:xfrm>
+            <a:off x="518408" y="1385641"/>
+            <a:ext cx="9717545" cy="646331"/>
+          </a:xfrm>
+          <a:prstGeom prst="rect">
+            <a:avLst/>
+          </a:prstGeom>
+          <a:noFill/>
+        </p:spPr>
+        <p:txBody>
+          <a:bodyPr wrap="square" rtlCol="0">
+            <a:spAutoFit/>
+          </a:bodyPr>
+          <a:lstStyle/>
+          <a:p>
+            <a:pPr marL="285750" indent="-285750" algn="just">
+              <a:buFont typeface="Wingdings" panose="05000000000000000000" pitchFamily="2" charset="2"/>
+              <a:buChar char="p"/>
+            </a:pPr>
+            <a:r>
+              <a:rPr lang="en-US" altLang="zh-TW" dirty="0" smtClean="0">
+                <a:latin typeface="Times New Roman" panose="02020603050405020304" pitchFamily="18" charset="0"/>
+                <a:cs typeface="Times New Roman" panose="02020603050405020304" pitchFamily="18" charset="0"/>
+              </a:rPr>
+              <a:t>The management of UAVs’ traffic is mainly based on the dynamic definition of aerial geo-fences to specify the allowed and the restricted flight zones.</a:t>
+            </a:r>
+            <a:endParaRPr lang="zh-TW" altLang="en-US" dirty="0">
+              <a:latin typeface="Times New Roman" panose="02020603050405020304" pitchFamily="18" charset="0"/>
+              <a:cs typeface="Times New Roman" panose="02020603050405020304" pitchFamily="18" charset="0"/>
+            </a:endParaRPr>
+          </a:p>
+        </p:txBody>
+      </p:sp>
+      <p:sp>
+        <p:nvSpPr>
+          <p:cNvPr id="12" name="投影片編號版面配置區 11"/>
+          <p:cNvSpPr>
+            <a:spLocks noGrp="1"/>
+          </p:cNvSpPr>
+          <p:nvPr>
+            <p:ph type="sldNum" sz="quarter" idx="12"/>
+          </p:nvPr>
+        </p:nvSpPr>
+        <p:spPr/>
+        <p:txBody>
+          <a:bodyPr/>
+          <a:lstStyle/>
+          <a:p>
+            <a:fld id="{C128DF73-0FD1-4EFB-B6B9-20BE1557E8C1}" type="slidenum">
+              <a:rPr lang="zh-TW" altLang="en-US" smtClean="0"/>
+              <a:t>10</a:t>
+            </a:fld>
+            <a:endParaRPr lang="zh-TW" altLang="en-US" dirty="0"/>
+          </a:p>
+        </p:txBody>
+      </p:sp>
+      <p:sp>
+        <p:nvSpPr>
+          <p:cNvPr id="3" name="橢圓 2"/>
+          <p:cNvSpPr/>
+          <p:nvPr/>
+        </p:nvSpPr>
+        <p:spPr>
+          <a:xfrm>
+            <a:off x="2376336" y="4404815"/>
+            <a:ext cx="1950720" cy="1811383"/>
+          </a:xfrm>
+          <a:prstGeom prst="ellipse">
+            <a:avLst/>
+          </a:prstGeom>
+          <a:gradFill flip="none" rotWithShape="1">
+            <a:gsLst>
+              <a:gs pos="0">
+                <a:schemeClr val="accent6">
+                  <a:lumMod val="60000"/>
+                  <a:lumOff val="40000"/>
+                  <a:shade val="30000"/>
+                  <a:satMod val="115000"/>
+                </a:schemeClr>
+              </a:gs>
+              <a:gs pos="50000">
+                <a:schemeClr val="accent6">
+                  <a:lumMod val="60000"/>
+                  <a:lumOff val="40000"/>
+                  <a:shade val="67500"/>
+                  <a:satMod val="115000"/>
+                </a:schemeClr>
+              </a:gs>
+              <a:gs pos="100000">
+                <a:schemeClr val="accent6">
+                  <a:lumMod val="60000"/>
+                  <a:lumOff val="40000"/>
+                  <a:shade val="100000"/>
+                  <a:satMod val="115000"/>
+                </a:schemeClr>
+              </a:gs>
+            </a:gsLst>
+            <a:path path="circle">
+              <a:fillToRect l="50000" t="50000" r="50000" b="50000"/>
+            </a:path>
+            <a:tileRect/>
+          </a:gradFill>
+          <a:ln w="28575">
+            <a:solidFill>
+              <a:srgbClr val="FF0000"/>
+            </a:solidFill>
+            <a:prstDash val="lgDash"/>
+          </a:ln>
+        </p:spPr>
+        <p:style>
+          <a:lnRef idx="2">
+            <a:schemeClr val="accent1">
+              <a:shade val="50000"/>
+            </a:schemeClr>
+          </a:lnRef>
+          <a:fillRef idx="1">
+            <a:schemeClr val="accent1"/>
+          </a:fillRef>
+          <a:effectRef idx="0">
+            <a:schemeClr val="accent1"/>
+          </a:effectRef>
+          <a:fontRef idx="minor">
+            <a:schemeClr val="lt1"/>
+          </a:fontRef>
+        </p:style>
+        <p:txBody>
+          <a:bodyPr rtlCol="0" anchor="ctr"/>
+          <a:lstStyle/>
+          <a:p>
+            <a:pPr algn="ctr"/>
+            <a:r>
+              <a:rPr lang="en-US" altLang="zh-TW" dirty="0" smtClean="0">
+                <a:ln>
+                  <a:noFill/>
+                  <a:prstDash val="dash"/>
+                </a:ln>
+              </a:rPr>
+              <a:t>Allowed airspace</a:t>
+            </a:r>
+            <a:endParaRPr lang="zh-TW" altLang="en-US" dirty="0">
+              <a:ln>
+                <a:noFill/>
+                <a:prstDash val="dash"/>
+              </a:ln>
+            </a:endParaRPr>
+          </a:p>
+        </p:txBody>
+      </p:sp>
+      <p:pic>
+        <p:nvPicPr>
+          <p:cNvPr id="7" name="圖片 6"/>
+          <p:cNvPicPr>
+            <a:picLocks noChangeAspect="1"/>
+          </p:cNvPicPr>
+          <p:nvPr/>
+        </p:nvPicPr>
+        <p:blipFill>
+          <a:blip r:embed="rId2" cstate="print">
+            <a:extLst>
+              <a:ext uri="{BEBA8EAE-BF5A-486C-A8C5-ECC9F3942E4B}">
+                <a14:imgProps xmlns:a14="http://schemas.microsoft.com/office/drawing/2010/main">
+                  <a14:imgLayer r:embed="rId3">
+                    <a14:imgEffect>
+                      <a14:backgroundRemoval t="0" b="100000" l="0" r="100000"/>
+                    </a14:imgEffect>
+                  </a14:imgLayer>
+                </a14:imgProps>
+              </a:ext>
+              <a:ext uri="{28A0092B-C50C-407E-A947-70E740481C1C}">
+                <a14:useLocalDpi xmlns:a14="http://schemas.microsoft.com/office/drawing/2010/main" val="0"/>
+              </a:ext>
+            </a:extLst>
+          </a:blip>
+          <a:stretch>
+            <a:fillRect/>
+          </a:stretch>
+        </p:blipFill>
+        <p:spPr>
+          <a:xfrm>
+            <a:off x="3107448" y="4578579"/>
+            <a:ext cx="488496" cy="488496"/>
+          </a:xfrm>
+          <a:prstGeom prst="rect">
+            <a:avLst/>
+          </a:prstGeom>
+        </p:spPr>
+      </p:pic>
+      <p:sp>
+        <p:nvSpPr>
+          <p:cNvPr id="13" name="文字方塊 12"/>
+          <p:cNvSpPr txBox="1"/>
+          <p:nvPr/>
+        </p:nvSpPr>
+        <p:spPr>
+          <a:xfrm>
+            <a:off x="518408" y="2334210"/>
+            <a:ext cx="9909829" cy="369332"/>
+          </a:xfrm>
+          <a:prstGeom prst="rect">
+            <a:avLst/>
+          </a:prstGeom>
+          <a:noFill/>
+        </p:spPr>
+        <p:txBody>
+          <a:bodyPr wrap="none" rtlCol="0">
+            <a:spAutoFit/>
+          </a:bodyPr>
+          <a:lstStyle/>
+          <a:p>
+            <a:pPr marL="285750" indent="-285750">
+              <a:buFont typeface="Wingdings" panose="05000000000000000000" pitchFamily="2" charset="2"/>
+              <a:buChar char="p"/>
+            </a:pPr>
+            <a:r>
+              <a:rPr lang="en-US" altLang="zh-TW" dirty="0" smtClean="0">
+                <a:latin typeface="Times New Roman" panose="02020603050405020304" pitchFamily="18" charset="0"/>
+                <a:cs typeface="Times New Roman" panose="02020603050405020304" pitchFamily="18" charset="0"/>
+              </a:rPr>
+              <a:t>The UTM controls the flight plan of each UAV to ensure that it is flying inside an allowed geo-fences.</a:t>
+            </a:r>
+            <a:endParaRPr lang="zh-TW" altLang="en-US" dirty="0">
+              <a:latin typeface="Times New Roman" panose="02020603050405020304" pitchFamily="18" charset="0"/>
+              <a:cs typeface="Times New Roman" panose="02020603050405020304" pitchFamily="18" charset="0"/>
+            </a:endParaRPr>
+          </a:p>
+        </p:txBody>
+      </p:sp>
+      <p:sp>
+        <p:nvSpPr>
+          <p:cNvPr id="14" name="文字方塊 13"/>
+          <p:cNvSpPr txBox="1"/>
+          <p:nvPr/>
+        </p:nvSpPr>
+        <p:spPr>
+          <a:xfrm>
+            <a:off x="518408" y="3231013"/>
+            <a:ext cx="9920665" cy="646331"/>
+          </a:xfrm>
+          <a:prstGeom prst="rect">
+            <a:avLst/>
+          </a:prstGeom>
+          <a:noFill/>
+        </p:spPr>
+        <p:txBody>
+          <a:bodyPr wrap="none" rtlCol="0">
+            <a:spAutoFit/>
+          </a:bodyPr>
+          <a:lstStyle/>
+          <a:p>
+            <a:pPr marL="285750" indent="-285750">
+              <a:buFont typeface="Wingdings" panose="05000000000000000000" pitchFamily="2" charset="2"/>
+              <a:buChar char="p"/>
+            </a:pPr>
+            <a:r>
+              <a:rPr lang="en-US" altLang="zh-TW" dirty="0" smtClean="0">
+                <a:latin typeface="Times New Roman" panose="02020603050405020304" pitchFamily="18" charset="0"/>
+                <a:cs typeface="Times New Roman" panose="02020603050405020304" pitchFamily="18" charset="0"/>
+              </a:rPr>
+              <a:t>We had known that latency and packet loss will </a:t>
+            </a:r>
+            <a:r>
+              <a:rPr lang="en-US" altLang="zh-TW" dirty="0" smtClean="0">
+                <a:latin typeface="Times New Roman" panose="02020603050405020304" pitchFamily="18" charset="0"/>
+                <a:cs typeface="Times New Roman" panose="02020603050405020304" pitchFamily="18" charset="0"/>
+              </a:rPr>
+              <a:t>damage the reliability of communication, so we lever-</a:t>
+            </a:r>
+          </a:p>
+          <a:p>
+            <a:r>
+              <a:rPr lang="en-US" altLang="zh-TW" dirty="0">
+                <a:latin typeface="Times New Roman" panose="02020603050405020304" pitchFamily="18" charset="0"/>
+                <a:cs typeface="Times New Roman" panose="02020603050405020304" pitchFamily="18" charset="0"/>
+              </a:rPr>
+              <a:t> </a:t>
+            </a:r>
+            <a:r>
+              <a:rPr lang="en-US" altLang="zh-TW" dirty="0" smtClean="0">
+                <a:latin typeface="Times New Roman" panose="02020603050405020304" pitchFamily="18" charset="0"/>
+                <a:cs typeface="Times New Roman" panose="02020603050405020304" pitchFamily="18" charset="0"/>
+              </a:rPr>
+              <a:t>    age this experimentation to test the impact of the two situations.</a:t>
+            </a:r>
+          </a:p>
+        </p:txBody>
+      </p:sp>
+      <p:sp>
+        <p:nvSpPr>
+          <p:cNvPr id="15" name="矩形 14"/>
+          <p:cNvSpPr/>
+          <p:nvPr/>
+        </p:nvSpPr>
+        <p:spPr>
+          <a:xfrm>
+            <a:off x="4430887" y="5144849"/>
+            <a:ext cx="2238883" cy="369332"/>
+          </a:xfrm>
+          <a:prstGeom prst="rect">
+            <a:avLst/>
+          </a:prstGeom>
+          <a:noFill/>
+        </p:spPr>
+        <p:txBody>
+          <a:bodyPr wrap="none" lIns="91440" tIns="45720" rIns="91440" bIns="45720">
+            <a:spAutoFit/>
+            <a:scene3d>
+              <a:camera prst="orthographicFront"/>
+              <a:lightRig rig="harsh" dir="t"/>
+            </a:scene3d>
+            <a:sp3d extrusionH="57150" prstMaterial="matte">
+              <a:bevelT w="63500" h="12700" prst="angle"/>
+              <a:contourClr>
+                <a:schemeClr val="bg1">
+                  <a:lumMod val="65000"/>
+                </a:schemeClr>
+              </a:contourClr>
+            </a:sp3d>
+          </a:bodyPr>
+          <a:lstStyle/>
+          <a:p>
+            <a:pPr algn="ctr"/>
+            <a:r>
+              <a:rPr lang="en-US" altLang="zh-TW" b="1" dirty="0" smtClean="0">
+                <a:ln/>
+                <a:solidFill>
+                  <a:srgbClr val="002060"/>
+                </a:solidFill>
+              </a:rPr>
+              <a:t>What’s the impact of </a:t>
+            </a:r>
+            <a:endParaRPr lang="zh-TW" altLang="en-US" sz="1600" b="1" cap="none" spc="0" dirty="0">
+              <a:ln/>
+              <a:solidFill>
+                <a:srgbClr val="002060"/>
+              </a:solidFill>
+              <a:effectLst/>
+            </a:endParaRPr>
+          </a:p>
+        </p:txBody>
+      </p:sp>
+      <p:grpSp>
+        <p:nvGrpSpPr>
+          <p:cNvPr id="19" name="群組 18"/>
+          <p:cNvGrpSpPr/>
+          <p:nvPr/>
+        </p:nvGrpSpPr>
+        <p:grpSpPr>
+          <a:xfrm>
+            <a:off x="6669770" y="4805465"/>
+            <a:ext cx="2124299" cy="1048100"/>
+            <a:chOff x="6564149" y="4805465"/>
+            <a:chExt cx="2124299" cy="1048100"/>
+          </a:xfrm>
+        </p:grpSpPr>
+        <p:sp>
+          <p:nvSpPr>
+            <p:cNvPr id="16" name="矩形 15"/>
+            <p:cNvSpPr/>
+            <p:nvPr/>
+          </p:nvSpPr>
+          <p:spPr>
+            <a:xfrm>
+              <a:off x="6564149" y="4805465"/>
+              <a:ext cx="1574791" cy="523220"/>
+            </a:xfrm>
+            <a:prstGeom prst="rect">
+              <a:avLst/>
+            </a:prstGeom>
+            <a:noFill/>
+          </p:spPr>
+          <p:txBody>
+            <a:bodyPr wrap="none" lIns="91440" tIns="45720" rIns="91440" bIns="45720">
+              <a:spAutoFit/>
+              <a:scene3d>
+                <a:camera prst="orthographicFront"/>
+                <a:lightRig rig="harsh" dir="t"/>
+              </a:scene3d>
+              <a:sp3d extrusionH="57150" prstMaterial="matte">
+                <a:bevelT w="63500" h="12700" prst="angle"/>
+                <a:contourClr>
+                  <a:schemeClr val="bg1">
+                    <a:lumMod val="65000"/>
+                  </a:schemeClr>
+                </a:contourClr>
+              </a:sp3d>
+            </a:bodyPr>
+            <a:lstStyle/>
+            <a:p>
+              <a:pPr algn="ctr"/>
+              <a:r>
+                <a:rPr lang="en-US" altLang="zh-TW" sz="2800" b="1" dirty="0" smtClean="0">
+                  <a:ln/>
+                  <a:solidFill>
+                    <a:srgbClr val="FF0000"/>
+                  </a:solidFill>
+                </a:rPr>
+                <a:t>Latency ?</a:t>
+              </a:r>
+            </a:p>
+          </p:txBody>
+        </p:sp>
+        <p:sp>
+          <p:nvSpPr>
+            <p:cNvPr id="17" name="矩形 16"/>
+            <p:cNvSpPr/>
+            <p:nvPr/>
+          </p:nvSpPr>
+          <p:spPr>
+            <a:xfrm>
+              <a:off x="6564149" y="5330345"/>
+              <a:ext cx="2124299" cy="523220"/>
+            </a:xfrm>
+            <a:prstGeom prst="rect">
+              <a:avLst/>
+            </a:prstGeom>
+            <a:noFill/>
+          </p:spPr>
+          <p:txBody>
+            <a:bodyPr wrap="none" lIns="91440" tIns="45720" rIns="91440" bIns="45720">
+              <a:spAutoFit/>
+              <a:scene3d>
+                <a:camera prst="orthographicFront"/>
+                <a:lightRig rig="harsh" dir="t"/>
+              </a:scene3d>
+              <a:sp3d extrusionH="57150" prstMaterial="matte">
+                <a:bevelT w="63500" h="12700" prst="angle"/>
+                <a:contourClr>
+                  <a:schemeClr val="bg1">
+                    <a:lumMod val="65000"/>
+                  </a:schemeClr>
+                </a:contourClr>
+              </a:sp3d>
+            </a:bodyPr>
+            <a:lstStyle/>
+            <a:p>
+              <a:pPr algn="ctr"/>
+              <a:r>
+                <a:rPr lang="en-US" altLang="zh-TW" sz="2800" b="1" dirty="0" smtClean="0">
+                  <a:ln/>
+                  <a:solidFill>
+                    <a:srgbClr val="FF0000"/>
+                  </a:solidFill>
+                </a:rPr>
+                <a:t>Packet Loss ?</a:t>
+              </a:r>
+            </a:p>
+          </p:txBody>
+        </p:sp>
+      </p:grpSp>
+    </p:spTree>
+    <p:extLst>
+      <p:ext uri="{BB962C8B-B14F-4D97-AF65-F5344CB8AC3E}">
+        <p14:creationId xmlns:p14="http://schemas.microsoft.com/office/powerpoint/2010/main" val="3684509478"/>
+      </p:ext>
+    </p:extLst>
+  </p:cSld>
+  <p:clrMapOvr>
+    <a:masterClrMapping/>
+  </p:clrMapOvr>
+  <p:timing>
+    <p:tnLst>
+      <p:par>
+        <p:cTn id="1" dur="indefinite" restart="never" nodeType="tmRoot">
+          <p:childTnLst>
+            <p:seq concurrent="1" nextAc="seek">
+              <p:cTn id="2" dur="indefinite" nodeType="mainSeq">
+                <p:childTnLst>
+                  <p:par>
+                    <p:cTn id="3" fill="hold">
+                      <p:stCondLst>
+                        <p:cond delay="indefinite"/>
+                      </p:stCondLst>
+                      <p:childTnLst>
+                        <p:par>
+                          <p:cTn id="4" fill="hold">
+                            <p:stCondLst>
+                              <p:cond delay="0"/>
+                            </p:stCondLst>
+                            <p:childTnLst>
+                              <p:par>
+                                <p:cTn id="5" presetID="0" presetClass="path" presetSubtype="0" accel="50000" decel="50000" fill="hold" nodeType="clickEffect">
+                                  <p:stCondLst>
+                                    <p:cond delay="0"/>
+                                  </p:stCondLst>
+                                  <p:childTnLst>
+                                    <p:animMotion origin="layout" path="M 2.08333E-7 -7.40741E-7 L 2.08333E-7 0.00023 C 0.00195 -0.00208 0.00378 -0.00463 0.00573 -0.00648 C 0.0069 -0.00741 0.00807 -0.00764 0.00937 -0.00764 C 0.01523 -0.00764 0.02122 -0.00694 0.02721 -0.00648 C 0.02773 -0.00555 0.02812 -0.00463 0.02865 -0.00393 C 0.0293 -0.00301 0.03021 -0.00255 0.03073 -0.00139 C 0.03125 -0.00023 0.03112 0.00139 0.03151 0.00255 C 0.03177 0.00347 0.03242 0.00417 0.03294 0.00509 C 0.03372 0.01042 0.03437 0.01435 0.03437 0.02037 C 0.03437 0.02361 0.03411 0.02708 0.03359 0.03032 C 0.03307 0.03403 0.0293 0.03889 0.02786 0.03935 C 0.02539 0.04028 0.02383 0.04074 0.02148 0.0419 C 0.0207 0.04213 0.02005 0.04306 0.01927 0.04306 C 0.01224 0.04398 0.00508 0.04398 -0.00208 0.04445 C -0.00326 0.04468 -0.01315 0.0463 -0.01497 0.04699 C -0.01641 0.04745 -0.01784 0.04861 -0.01927 0.04954 L -0.02135 0.0507 L -0.02565 0.05579 C -0.02643 0.05671 -0.02721 0.05718 -0.02786 0.05833 L -0.02995 0.06227 C -0.02969 0.06644 -0.03008 0.07083 -0.0293 0.075 C -0.02865 0.07778 -0.02656 0.0787 -0.02565 0.08125 C -0.02279 0.08889 -0.02591 0.08171 -0.02214 0.0875 C -0.02083 0.08958 -0.01992 0.09213 -0.01849 0.09398 C -0.01628 0.09699 -0.01536 0.09861 -0.01276 0.10023 C -0.01185 0.10093 -0.01094 0.10116 -0.0099 0.10162 C -0.00586 0.10648 -0.0099 0.10255 -0.00286 0.10532 C -0.0013 0.10602 2.08333E-7 0.10787 0.00143 0.10787 L 0.0151 0.10926 C 0.01576 0.10949 0.01641 0.11019 0.01719 0.11042 C 0.01836 0.11088 0.01953 0.11134 0.0207 0.11181 C 0.02174 0.11204 0.02266 0.1125 0.02357 0.11296 C 0.02461 0.11389 0.02552 0.11458 0.02643 0.11551 C 0.02799 0.11713 0.03073 0.1206 0.03073 0.12083 C 0.03151 0.12245 0.03294 0.1257 0.03294 0.12824 C 0.03294 0.13287 0.03268 0.13773 0.03216 0.14213 C 0.03203 0.14375 0.03138 0.14491 0.03073 0.14607 C 0.03047 0.14653 0.02656 0.15162 0.02578 0.15232 C 0.02513 0.15301 0.02435 0.15324 0.02357 0.1537 C 0.02318 0.1544 0.02279 0.15556 0.02214 0.15625 C 0.02135 0.15695 0.02031 0.15695 0.01927 0.15741 C 0.01862 0.15787 0.01784 0.15833 0.01719 0.1588 C 0.01172 0.1625 0.01549 0.16065 0.00937 0.1625 C 0.00833 0.16343 0.00742 0.16435 0.00651 0.16505 C 0.00482 0.1662 0.00078 0.16713 -0.00065 0.16759 C -0.00378 0.16713 -0.0069 0.16713 -0.0099 0.16644 C -0.01146 0.16597 -0.01276 0.16458 -0.01419 0.16389 C -0.01719 0.16204 -0.01576 0.1632 -0.01849 0.15995 C -0.02266 0.15023 -0.01862 0.15857 -0.02279 0.15232 C -0.02826 0.14421 -0.02174 0.15232 -0.02708 0.14607 C -0.02839 0.13935 -0.02734 0.14329 -0.03073 0.13449 L -0.03216 0.13079 C -0.03372 0.12199 -0.03177 0.13287 -0.03359 0.1206 C -0.03372 0.11921 -0.03398 0.11806 -0.03424 0.1169 C -0.03477 0.11366 -0.0349 0.11088 -0.03568 0.10787 C -0.03607 0.10625 -0.03659 0.10463 -0.03711 0.10278 C -0.03737 0.10116 -0.03737 0.09931 -0.03776 0.09769 C -0.03841 0.09583 -0.03958 0.09468 -0.03997 0.09259 C -0.04063 0.08935 -0.04049 0.08588 -0.04063 0.08241 C -0.04049 0.06945 -0.04049 0.05625 -0.03997 0.04306 C -0.03971 0.0375 -0.03776 0.0338 -0.03633 0.02917 C -0.03581 0.02755 -0.03555 0.0257 -0.0349 0.02407 C -0.03438 0.02269 -0.03346 0.02176 -0.03281 0.02037 C -0.03177 0.01782 -0.03112 0.01482 -0.02995 0.01273 C -0.0293 0.01134 -0.02852 0.01019 -0.02786 0.0088 C -0.02721 0.00764 -0.02708 0.00602 -0.02643 0.00509 C -0.02578 0.00417 -0.02487 0.0044 -0.02422 0.0037 C -0.02344 0.00301 -0.02279 0.00185 -0.02214 0.00116 C -0.02122 0.00023 -0.02018 -0.00046 -0.01927 -0.00139 C -0.01771 -0.00301 -0.01654 -0.00555 -0.01497 -0.00648 C -0.01354 -0.00718 -0.01211 -0.00833 -0.01068 -0.00903 C -0.00977 -0.00949 -0.00872 -0.00972 -0.00781 -0.01018 C -0.00638 -0.01111 -0.00495 -0.01227 -0.00352 -0.01273 C -0.00234 -0.01319 -0.00117 -0.01343 2.08333E-7 -0.01412 C 0.00078 -0.01435 0.00143 -0.01505 0.00221 -0.01528 C 0.00404 -0.0162 0.00612 -0.0162 0.00794 -0.01782 C 0.00885 -0.01875 0.00977 -0.01991 0.01081 -0.02037 C 0.01211 -0.02106 0.01367 -0.0213 0.0151 -0.02176 C 0.01576 -0.02199 0.01641 -0.02292 0.01719 -0.02292 C 0.02057 -0.02292 0.02383 -0.02245 0.02721 -0.02176 C 0.02799 -0.02153 0.02865 -0.0206 0.0293 -0.02037 C 0.03047 -0.01991 0.03177 -0.01944 0.03294 -0.01921 C 0.03385 -0.01829 0.03477 -0.01736 0.03581 -0.01667 C 0.03646 -0.01597 0.03724 -0.01597 0.03789 -0.01528 C 0.04284 -0.01018 0.03542 -0.01505 0.04154 -0.01157 C 0.04219 -0.01018 0.04284 -0.0088 0.04362 -0.00764 C 0.04453 -0.00648 0.0457 -0.00648 0.04648 -0.00509 C 0.04792 -0.00278 0.04818 0.00208 0.04857 0.00509 C 0.04909 0.00764 0.04974 0.00995 0.05 0.01273 C 0.05026 0.01435 0.05052 0.01597 0.05078 0.01782 C 0.05104 0.01898 0.0513 0.02014 0.05143 0.02153 C 0.05182 0.02361 0.05169 0.02593 0.05221 0.02778 C 0.05286 0.03056 0.05508 0.03542 0.05508 0.03565 C 0.05664 0.04653 0.05469 0.03449 0.05716 0.0456 C 0.0582 0.05 0.05937 0.05787 0.06003 0.06227 C 0.05977 0.07523 0.06003 0.08843 0.05937 0.10162 C 0.05924 0.10347 0.05833 0.10486 0.05794 0.10671 C 0.05768 0.10787 0.05742 0.10926 0.05716 0.11042 C 0.0569 0.11204 0.05677 0.11389 0.05651 0.11551 C 0.05625 0.1169 0.05599 0.11806 0.05573 0.11945 C 0.05547 0.12107 0.05534 0.12269 0.05508 0.12454 C 0.05482 0.1257 0.05456 0.12685 0.0543 0.12824 C 0.05404 0.13032 0.05404 0.13264 0.05365 0.13449 C 0.05312 0.13727 0.05169 0.14097 0.05078 0.14352 C 0.05013 0.14514 0.04948 0.14722 0.04857 0.14861 C 0.04779 0.14977 0.04661 0.15 0.04583 0.15116 C 0.04479 0.15232 0.04401 0.15394 0.04297 0.15486 C 0.04206 0.15579 0.04102 0.15556 0.0401 0.15625 C 0.03763 0.1581 0.03555 0.16181 0.03294 0.1625 C 0.03151 0.16296 0.03008 0.1632 0.02865 0.16389 C 0.02721 0.16435 0.02578 0.16574 0.02435 0.16644 C 0.02122 0.16759 0.0181 0.16806 0.0151 0.16898 C 0.01315 0.17014 0.01133 0.17176 0.00937 0.17269 C 0.00768 0.17361 0.00039 0.175 -0.00065 0.17523 C -0.00703 0.17801 -0.00013 0.17523 -0.01133 0.17778 C -0.01263 0.17801 -0.0138 0.1787 -0.01497 0.17917 L -0.0293 0.17778 C -0.03021 0.17732 -0.02956 0.17431 -0.02995 0.17269 C -0.03034 0.17107 -0.0332 0.16482 -0.03359 0.16389 C -0.03724 0.15324 -0.0332 0.16366 -0.03568 0.15486 C -0.03607 0.15347 -0.03659 0.15232 -0.03711 0.15116 C -0.03867 0.14722 -0.04206 0.13958 -0.04206 0.13982 C -0.04349 0.13333 -0.04505 0.12616 -0.04714 0.1206 L -0.04857 0.1169 C -0.04961 0.11088 -0.05026 0.1088 -0.05065 0.10278 C -0.05299 0.07222 -0.05013 0.10347 -0.05208 0.08241 C -0.05182 0.06644 -0.05182 0.05023 -0.05143 0.03426 C -0.0513 0.03241 -0.05104 0.03079 -0.05065 0.02917 C -0.05026 0.02732 -0.04974 0.0257 -0.04922 0.02407 C -0.04896 0.02153 -0.04896 0.01898 -0.04857 0.01644 C -0.04753 0.01111 -0.04414 0.00208 -0.04206 -0.00139 C -0.04167 -0.00208 -0.04115 -0.00301 -0.04063 -0.00393 C -0.03997 -0.00555 -0.03932 -0.00741 -0.03854 -0.00903 C -0.03659 -0.0125 -0.03294 -0.01643 -0.03073 -0.01921 L -0.02852 -0.02176 C -0.02786 -0.02245 -0.02721 -0.02384 -0.02643 -0.0243 L -0.02135 -0.02685 C -0.0207 -0.02708 -0.01992 -0.02778 -0.01927 -0.02801 C -0.0181 -0.02847 -0.0168 -0.02893 -0.01563 -0.02917 C -0.00521 -0.02847 0.00534 -0.02824 0.01576 -0.02685 C 0.02917 -0.02477 0.01654 -0.02593 0.02214 -0.02176 C 0.02331 -0.02083 0.02461 -0.02083 0.02578 -0.02037 C 0.02721 -0.01875 0.02852 -0.0169 0.03008 -0.01528 C 0.03607 -0.00949 0.02734 -0.02639 0.03932 -0.00509 C 0.04049 -0.00301 0.04167 -0.00069 0.04297 0.00116 C 0.04362 0.00232 0.0444 0.00278 0.04505 0.0037 C 0.04596 0.00486 0.04701 0.00625 0.04792 0.00764 C 0.04818 0.0088 0.04818 0.01019 0.04857 0.01134 C 0.04987 0.01505 0.05286 0.02153 0.05286 0.02176 C 0.05312 0.02292 0.05339 0.02407 0.05365 0.02523 C 0.05469 0.02986 0.05508 0.03032 0.05651 0.03426 C 0.05677 0.03681 0.0569 0.03935 0.05716 0.0419 C 0.05872 0.05417 0.05703 0.03565 0.05859 0.0507 C 0.05898 0.0537 0.05911 0.05671 0.05937 0.05972 C 0.05911 0.06759 0.05951 0.07593 0.05859 0.0838 C 0.05781 0.09097 0.05599 0.09051 0.05365 0.09398 C 0.05286 0.09514 0.05208 0.0963 0.05143 0.09769 C 0.05091 0.09884 0.05065 0.10046 0.05 0.10162 C 0.04831 0.1044 0.04583 0.10579 0.0444 0.10926 C 0.04362 0.11088 0.0431 0.11273 0.04219 0.11435 C 0.04206 0.11458 0.0362 0.12245 0.03437 0.12454 C 0.03346 0.12546 0.03242 0.12639 0.03151 0.12685 C 0.02982 0.12801 0.02812 0.1287 0.02643 0.1294 C 0.02578 0.12986 0.025 0.13032 0.02435 0.13079 C 0.02331 0.13148 0.02253 0.13264 0.02148 0.13333 C 0.01536 0.13773 0.01927 0.13449 0.01367 0.13704 C 0.00495 0.1412 0.01393 0.13843 0.0043 0.14097 C -0.00052 0.14375 0.00534 0.14051 -0.00286 0.14352 C -0.00352 0.14375 -0.0043 0.14421 -0.00495 0.14468 C -0.01016 0.14421 -0.01549 0.14468 -0.0207 0.14352 C -0.02148 0.14329 -0.02201 0.14167 -0.02279 0.14097 C -0.02813 0.13681 -0.02578 0.14028 -0.02995 0.13588 C -0.03138 0.13426 -0.03281 0.13241 -0.03424 0.13079 C -0.03542 0.1294 -0.03672 0.12824 -0.03776 0.12685 C -0.0474 0.11551 -0.0418 0.12083 -0.04779 0.11551 C -0.04831 0.11435 -0.0487 0.11296 -0.04922 0.11181 C -0.05443 0.10116 -0.04987 0.11273 -0.05495 0.10023 C -0.05599 0.09792 -0.05729 0.0956 -0.05781 0.09259 C -0.06029 0.07986 -0.05651 0.09977 -0.05924 0.0838 C -0.06185 0.06829 -0.05977 0.08287 -0.06133 0.07107 C -0.06094 0.06296 -0.06081 0.05486 -0.06003 0.04699 C -0.05977 0.04491 -0.05703 0.04028 -0.05638 0.03935 C -0.05573 0.03843 -0.05495 0.0375 -0.0543 0.03681 C -0.04857 0.03125 -0.04857 0.03218 -0.04063 0.02917 C -0.03919 0.0287 -0.03776 0.02824 -0.03633 0.02778 L 0.00365 0.02917 C 0.00456 0.02917 0.00547 0.03009 0.00651 0.03032 C 0.0082 0.03102 0.0112 0.03195 0.01289 0.03287 C 0.02031 0.03727 0.01341 0.03333 0.01862 0.03796 C 0.01927 0.03866 0.02005 0.03889 0.0207 0.03935 C 0.02174 0.04097 0.02253 0.04306 0.02357 0.04445 C 0.02448 0.0456 0.02565 0.04583 0.02643 0.04699 C 0.02708 0.04792 0.02734 0.04954 0.02786 0.0507 C 0.02839 0.05162 0.02878 0.05255 0.0293 0.05324 C 0.02995 0.05417 0.03086 0.05486 0.03151 0.05579 C 0.03255 0.05741 0.03333 0.05926 0.03437 0.06088 L 0.0401 0.07107 L 0.04505 0.07986 C 0.04622 0.08171 0.04857 0.08472 0.05 0.08634 C 0.05104 0.08727 0.05208 0.08773 0.05286 0.08889 C 0.05352 0.08958 0.05378 0.09074 0.0543 0.09144 C 0.05573 0.09282 0.05977 0.09352 0.06081 0.09398 C 0.06146 0.09421 0.06224 0.09468 0.06289 0.09514 C 0.06406 0.09491 0.0694 0.09468 0.07148 0.09259 C 0.07305 0.0912 0.07578 0.0875 0.07578 0.08773 C 0.07604 0.08634 0.07656 0.08519 0.07643 0.0838 C 0.07604 0.07732 0.07552 0.07708 0.07357 0.07361 L 0.07292 0.06991 " pathEditMode="relative" rAng="0" ptsTypes="AAAAAAAAAAAAAAAAAAAAAAAAAAAAAAAAAAAAAAAAAAAAAAAAAAAAAAAAAAAAAAAAAAAAAAAAAAAAAAAAAAAAAAAAAAAAAAAAAAAAAAAAAAAAAAAAAAAAAAAAAAAAAAAAAAAAAAAAAAAAAAAAAAAAAAAAAAAAAAAAAAAAAAAAAAAAAAAAAAAAAAAAAAAAAAAAAAAAAAAAAAAAAAAAA">
+                                      <p:cBhvr>
+                                        <p:cTn id="6" dur="5000" fill="hold"/>
+                                        <p:tgtEl>
+                                          <p:spTgt spid="7"/>
+                                        </p:tgtEl>
+                                        <p:attrNameLst>
+                                          <p:attrName>ppt_x</p:attrName>
+                                          <p:attrName>ppt_y</p:attrName>
+                                        </p:attrNameLst>
+                                      </p:cBhvr>
+                                      <p:rCtr x="755" y="7500"/>
+                                    </p:animMotion>
+                                  </p:childTnLst>
+                                </p:cTn>
+                              </p:par>
+                            </p:childTnLst>
+                          </p:cTn>
+                        </p:par>
+                      </p:childTnLst>
+                    </p:cTn>
+                  </p:par>
+                </p:childTnLst>
+              </p:cTn>
+              <p:prevCondLst>
+                <p:cond evt="onPrev" delay="0">
+                  <p:tgtEl>
+                    <p:sldTgt/>
+                  </p:tgtEl>
+                </p:cond>
+              </p:prevCondLst>
+              <p:nextCondLst>
+                <p:cond evt="onNext" delay="0">
+                  <p:tgtEl>
+                    <p:sldTgt/>
+                  </p:tgtEl>
+                </p:cond>
+              </p:nextCondLst>
+            </p:seq>
+          </p:childTnLst>
+        </p:cTn>
+      </p:par>
+    </p:tnLst>
+  </p:timing>
+</p:sld>
+</file>
+
+<file path=ppt/slides/slide11.xml><?xml version="1.0" encoding="utf-8"?>
+<p:sld xmlns:a="http://schemas.openxmlformats.org/drawingml/2006/main" xmlns:r="http://schemas.openxmlformats.org/officeDocument/2006/relationships" xmlns:p="http://schemas.openxmlformats.org/presentationml/2006/main">
+  <p:cSld>
+    <p:spTree>
+      <p:nvGrpSpPr>
+        <p:cNvPr id="1" name=""/>
+        <p:cNvGrpSpPr/>
+        <p:nvPr/>
+      </p:nvGrpSpPr>
+      <p:grpSpPr>
+        <a:xfrm>
+          <a:off x="0" y="0"/>
+          <a:ext cx="0" cy="0"/>
+          <a:chOff x="0" y="0"/>
+          <a:chExt cx="0" cy="0"/>
+        </a:xfrm>
+      </p:grpSpPr>
+      <p:sp>
+        <p:nvSpPr>
+          <p:cNvPr id="4" name="橢圓 3"/>
+          <p:cNvSpPr/>
+          <p:nvPr/>
+        </p:nvSpPr>
+        <p:spPr>
+          <a:xfrm>
+            <a:off x="345688" y="920843"/>
+            <a:ext cx="172720" cy="162560"/>
+          </a:xfrm>
+          <a:prstGeom prst="ellipse">
+            <a:avLst/>
+          </a:prstGeom>
+          <a:solidFill>
+            <a:schemeClr val="tx1">
+              <a:lumMod val="65000"/>
+              <a:lumOff val="35000"/>
+            </a:schemeClr>
+          </a:solidFill>
+          <a:ln>
+            <a:noFill/>
+          </a:ln>
+        </p:spPr>
+        <p:style>
+          <a:lnRef idx="2">
+            <a:schemeClr val="accent1">
+              <a:shade val="50000"/>
+            </a:schemeClr>
+          </a:lnRef>
+          <a:fillRef idx="1">
+            <a:schemeClr val="accent1"/>
+          </a:fillRef>
+          <a:effectRef idx="0">
+            <a:schemeClr val="accent1"/>
+          </a:effectRef>
+          <a:fontRef idx="minor">
+            <a:schemeClr val="lt1"/>
+          </a:fontRef>
+        </p:style>
+        <p:txBody>
+          <a:bodyPr rtlCol="0" anchor="ctr"/>
+          <a:lstStyle/>
+          <a:p>
+            <a:pPr algn="ctr"/>
+            <a:endParaRPr lang="zh-TW" altLang="en-US"/>
+          </a:p>
+        </p:txBody>
+      </p:sp>
+      <p:cxnSp>
+        <p:nvCxnSpPr>
+          <p:cNvPr id="5" name="直線接點 4"/>
+          <p:cNvCxnSpPr>
+            <a:stCxn id="4" idx="6"/>
+          </p:cNvCxnSpPr>
+          <p:nvPr/>
+        </p:nvCxnSpPr>
+        <p:spPr>
+          <a:xfrm>
+            <a:off x="518408" y="1002123"/>
+            <a:ext cx="5368586" cy="0"/>
           </a:xfrm>
           <a:prstGeom prst="line">
             <a:avLst/>
@@ -13823,7 +14545,7 @@
         <p:spPr>
           <a:xfrm>
             <a:off x="432048" y="417348"/>
-            <a:ext cx="4685899" cy="584775"/>
+            <a:ext cx="5551521" cy="584775"/>
           </a:xfrm>
           <a:prstGeom prst="rect">
             <a:avLst/>
@@ -13853,7 +14575,7 @@
                 <a:latin typeface="Times New Roman" panose="02020603050405020304" pitchFamily="18" charset="0"/>
                 <a:cs typeface="Times New Roman" panose="02020603050405020304" pitchFamily="18" charset="0"/>
               </a:rPr>
-              <a:t>Experimentation Purpose</a:t>
+              <a:t>Experimentation Methodology</a:t>
             </a:r>
             <a:endParaRPr lang="zh-TW" altLang="en-US" sz="3200" b="1" cap="none" spc="0" dirty="0">
               <a:ln w="0"/>
@@ -13875,43 +14597,7 @@
       </p:sp>
       <p:sp>
         <p:nvSpPr>
-          <p:cNvPr id="8" name="文字方塊 7"/>
-          <p:cNvSpPr txBox="1"/>
-          <p:nvPr/>
-        </p:nvSpPr>
-        <p:spPr>
-          <a:xfrm>
-            <a:off x="853440" y="1402232"/>
-            <a:ext cx="9858596" cy="369332"/>
-          </a:xfrm>
-          <a:prstGeom prst="rect">
-            <a:avLst/>
-          </a:prstGeom>
-          <a:noFill/>
-        </p:spPr>
-        <p:txBody>
-          <a:bodyPr wrap="none" rtlCol="0">
-            <a:spAutoFit/>
-          </a:bodyPr>
-          <a:lstStyle/>
-          <a:p>
-            <a:r>
-              <a:rPr lang="en-US" altLang="zh-TW" dirty="0" smtClean="0">
-                <a:latin typeface="Times New Roman" panose="02020603050405020304" pitchFamily="18" charset="0"/>
-                <a:cs typeface="Times New Roman" panose="02020603050405020304" pitchFamily="18" charset="0"/>
-              </a:rPr>
-              <a:t>The UTM will control the flight plan of each UAV to ensure that it’s flying inside an allowed  geo-fence.</a:t>
-            </a:r>
-            <a:endParaRPr lang="zh-TW" altLang="en-US" dirty="0">
-              <a:latin typeface="Times New Roman" panose="02020603050405020304" pitchFamily="18" charset="0"/>
-              <a:cs typeface="Times New Roman" panose="02020603050405020304" pitchFamily="18" charset="0"/>
-            </a:endParaRPr>
-          </a:p>
-        </p:txBody>
-      </p:sp>
-      <p:sp>
-        <p:nvSpPr>
-          <p:cNvPr id="12" name="投影片編號版面配置區 11"/>
+          <p:cNvPr id="9" name="投影片編號版面配置區 8"/>
           <p:cNvSpPr>
             <a:spLocks noGrp="1"/>
           </p:cNvSpPr>
@@ -13926,7 +14612,7 @@
           <a:p>
             <a:fld id="{C128DF73-0FD1-4EFB-B6B9-20BE1557E8C1}" type="slidenum">
               <a:rPr lang="zh-TW" altLang="en-US" smtClean="0"/>
-              <a:t>10</a:t>
+              <a:t>11</a:t>
             </a:fld>
             <a:endParaRPr lang="zh-TW" altLang="en-US"/>
           </a:p>
@@ -13935,7 +14621,7 @@
     </p:spTree>
     <p:extLst>
       <p:ext uri="{BB962C8B-B14F-4D97-AF65-F5344CB8AC3E}">
-        <p14:creationId xmlns:p14="http://schemas.microsoft.com/office/powerpoint/2010/main" val="3684509478"/>
+        <p14:creationId xmlns:p14="http://schemas.microsoft.com/office/powerpoint/2010/main" val="1908816381"/>
       </p:ext>
     </p:extLst>
   </p:cSld>
@@ -13952,7 +14638,7 @@
 </p:sld>
 </file>
 
-<file path=ppt/slides/slide11.xml><?xml version="1.0" encoding="utf-8"?>
+<file path=ppt/slides/slide12.xml><?xml version="1.0" encoding="utf-8"?>
 <p:sld xmlns:a="http://schemas.openxmlformats.org/drawingml/2006/main" xmlns:r="http://schemas.openxmlformats.org/officeDocument/2006/relationships" xmlns:p="http://schemas.openxmlformats.org/presentationml/2006/main">
   <p:cSld>
     <p:spTree>
@@ -14134,7 +14820,7 @@
           <a:p>
             <a:fld id="{C128DF73-0FD1-4EFB-B6B9-20BE1557E8C1}" type="slidenum">
               <a:rPr lang="zh-TW" altLang="en-US" smtClean="0"/>
-              <a:t>11</a:t>
+              <a:t>12</a:t>
             </a:fld>
             <a:endParaRPr lang="zh-TW" altLang="en-US"/>
           </a:p>
@@ -14157,207 +14843,6 @@
       </p:par>
     </p:tnLst>
   </p:timing>
-</p:sld>
-</file>
-
-<file path=ppt/slides/slide12.xml><?xml version="1.0" encoding="utf-8"?>
-<p:sld xmlns:a="http://schemas.openxmlformats.org/drawingml/2006/main" xmlns:r="http://schemas.openxmlformats.org/officeDocument/2006/relationships" xmlns:p="http://schemas.openxmlformats.org/presentationml/2006/main">
-  <p:cSld>
-    <p:spTree>
-      <p:nvGrpSpPr>
-        <p:cNvPr id="1" name=""/>
-        <p:cNvGrpSpPr/>
-        <p:nvPr/>
-      </p:nvGrpSpPr>
-      <p:grpSpPr>
-        <a:xfrm>
-          <a:off x="0" y="0"/>
-          <a:ext cx="0" cy="0"/>
-          <a:chOff x="0" y="0"/>
-          <a:chExt cx="0" cy="0"/>
-        </a:xfrm>
-      </p:grpSpPr>
-      <p:sp>
-        <p:nvSpPr>
-          <p:cNvPr id="4" name="橢圓 3"/>
-          <p:cNvSpPr/>
-          <p:nvPr/>
-        </p:nvSpPr>
-        <p:spPr>
-          <a:xfrm>
-            <a:off x="345688" y="920843"/>
-            <a:ext cx="172720" cy="162560"/>
-          </a:xfrm>
-          <a:prstGeom prst="ellipse">
-            <a:avLst/>
-          </a:prstGeom>
-          <a:solidFill>
-            <a:schemeClr val="tx1">
-              <a:lumMod val="65000"/>
-              <a:lumOff val="35000"/>
-            </a:schemeClr>
-          </a:solidFill>
-          <a:ln>
-            <a:noFill/>
-          </a:ln>
-        </p:spPr>
-        <p:style>
-          <a:lnRef idx="2">
-            <a:schemeClr val="accent1">
-              <a:shade val="50000"/>
-            </a:schemeClr>
-          </a:lnRef>
-          <a:fillRef idx="1">
-            <a:schemeClr val="accent1"/>
-          </a:fillRef>
-          <a:effectRef idx="0">
-            <a:schemeClr val="accent1"/>
-          </a:effectRef>
-          <a:fontRef idx="minor">
-            <a:schemeClr val="lt1"/>
-          </a:fontRef>
-        </p:style>
-        <p:txBody>
-          <a:bodyPr rtlCol="0" anchor="ctr"/>
-          <a:lstStyle/>
-          <a:p>
-            <a:pPr algn="ctr"/>
-            <a:endParaRPr lang="zh-TW" altLang="en-US"/>
-          </a:p>
-        </p:txBody>
-      </p:sp>
-      <p:cxnSp>
-        <p:nvCxnSpPr>
-          <p:cNvPr id="5" name="直線接點 4"/>
-          <p:cNvCxnSpPr>
-            <a:stCxn id="4" idx="6"/>
-          </p:cNvCxnSpPr>
-          <p:nvPr/>
-        </p:nvCxnSpPr>
-        <p:spPr>
-          <a:xfrm>
-            <a:off x="518408" y="1002123"/>
-            <a:ext cx="5368586" cy="0"/>
-          </a:xfrm>
-          <a:prstGeom prst="line">
-            <a:avLst/>
-          </a:prstGeom>
-          <a:ln w="25400">
-            <a:solidFill>
-              <a:schemeClr val="tx1">
-                <a:lumMod val="65000"/>
-                <a:lumOff val="35000"/>
-              </a:schemeClr>
-            </a:solidFill>
-          </a:ln>
-        </p:spPr>
-        <p:style>
-          <a:lnRef idx="1">
-            <a:schemeClr val="accent1"/>
-          </a:lnRef>
-          <a:fillRef idx="0">
-            <a:schemeClr val="accent1"/>
-          </a:fillRef>
-          <a:effectRef idx="0">
-            <a:schemeClr val="accent1"/>
-          </a:effectRef>
-          <a:fontRef idx="minor">
-            <a:schemeClr val="tx1"/>
-          </a:fontRef>
-        </p:style>
-      </p:cxnSp>
-      <p:sp>
-        <p:nvSpPr>
-          <p:cNvPr id="6" name="矩形 5"/>
-          <p:cNvSpPr/>
-          <p:nvPr/>
-        </p:nvSpPr>
-        <p:spPr>
-          <a:xfrm>
-            <a:off x="432048" y="417348"/>
-            <a:ext cx="5551521" cy="584775"/>
-          </a:xfrm>
-          <a:prstGeom prst="rect">
-            <a:avLst/>
-          </a:prstGeom>
-          <a:noFill/>
-        </p:spPr>
-        <p:txBody>
-          <a:bodyPr wrap="none" lIns="91440" tIns="45720" rIns="91440" bIns="45720">
-            <a:spAutoFit/>
-          </a:bodyPr>
-          <a:lstStyle/>
-          <a:p>
-            <a:pPr algn="ctr"/>
-            <a:r>
-              <a:rPr lang="en-US" altLang="zh-TW" sz="3200" b="1" cap="none" spc="0" dirty="0" smtClean="0">
-                <a:ln w="0"/>
-                <a:solidFill>
-                  <a:schemeClr val="accent1"/>
-                </a:solidFill>
-                <a:effectLst>
-                  <a:outerShdw blurRad="38100" dist="25400" dir="5400000" algn="ctr" rotWithShape="0">
-                    <a:srgbClr val="6E747A">
-                      <a:alpha val="43000"/>
-                    </a:srgbClr>
-                  </a:outerShdw>
-                </a:effectLst>
-                <a:latin typeface="Times New Roman" panose="02020603050405020304" pitchFamily="18" charset="0"/>
-                <a:cs typeface="Times New Roman" panose="02020603050405020304" pitchFamily="18" charset="0"/>
-              </a:rPr>
-              <a:t>Experimentation Methodology</a:t>
-            </a:r>
-            <a:endParaRPr lang="zh-TW" altLang="en-US" sz="3200" b="1" cap="none" spc="0" dirty="0">
-              <a:ln w="0"/>
-              <a:solidFill>
-                <a:schemeClr val="accent1"/>
-              </a:solidFill>
-              <a:effectLst>
-                <a:outerShdw blurRad="38100" dist="25400" dir="5400000" algn="ctr" rotWithShape="0">
-                  <a:srgbClr val="6E747A">
-                    <a:alpha val="43000"/>
-                  </a:srgbClr>
-                </a:outerShdw>
-              </a:effectLst>
-              <a:latin typeface="Times New Roman" panose="02020603050405020304" pitchFamily="18" charset="0"/>
-              <a:cs typeface="Times New Roman" panose="02020603050405020304" pitchFamily="18" charset="0"/>
-            </a:endParaRPr>
-          </a:p>
-        </p:txBody>
-      </p:sp>
-      <p:sp>
-        <p:nvSpPr>
-          <p:cNvPr id="9" name="投影片編號版面配置區 8"/>
-          <p:cNvSpPr>
-            <a:spLocks noGrp="1"/>
-          </p:cNvSpPr>
-          <p:nvPr>
-            <p:ph type="sldNum" sz="quarter" idx="12"/>
-          </p:nvPr>
-        </p:nvSpPr>
-        <p:spPr/>
-        <p:txBody>
-          <a:bodyPr/>
-          <a:lstStyle/>
-          <a:p>
-            <a:fld id="{C128DF73-0FD1-4EFB-B6B9-20BE1557E8C1}" type="slidenum">
-              <a:rPr lang="zh-TW" altLang="en-US" smtClean="0"/>
-              <a:t>12</a:t>
-            </a:fld>
-            <a:endParaRPr lang="zh-TW" altLang="en-US"/>
-          </a:p>
-        </p:txBody>
-      </p:sp>
-    </p:spTree>
-    <p:extLst>
-      <p:ext uri="{BB962C8B-B14F-4D97-AF65-F5344CB8AC3E}">
-        <p14:creationId xmlns:p14="http://schemas.microsoft.com/office/powerpoint/2010/main" val="1908816381"/>
-      </p:ext>
-    </p:extLst>
-  </p:cSld>
-  <p:clrMapOvr>
-    <a:masterClrMapping/>
-  </p:clrMapOvr>
 </p:sld>
 </file>
 
@@ -14931,6 +15416,30 @@
           </a:p>
         </p:txBody>
       </p:sp>
+      <p:pic>
+        <p:nvPicPr>
+          <p:cNvPr id="2" name="圖片 1"/>
+          <p:cNvPicPr>
+            <a:picLocks noChangeAspect="1"/>
+          </p:cNvPicPr>
+          <p:nvPr/>
+        </p:nvPicPr>
+        <p:blipFill>
+          <a:blip r:embed="rId2"/>
+          <a:stretch>
+            <a:fillRect/>
+          </a:stretch>
+        </p:blipFill>
+        <p:spPr>
+          <a:xfrm>
+            <a:off x="1467644" y="2254392"/>
+            <a:ext cx="8808472" cy="4101957"/>
+          </a:xfrm>
+          <a:prstGeom prst="rect">
+            <a:avLst/>
+          </a:prstGeom>
+        </p:spPr>
+      </p:pic>
     </p:spTree>
     <p:extLst>
       <p:ext uri="{BB962C8B-B14F-4D97-AF65-F5344CB8AC3E}">
@@ -16377,7 +16886,7 @@
               <a:rPr lang="zh-TW" altLang="en-US" smtClean="0"/>
               <a:t>5</a:t>
             </a:fld>
-            <a:endParaRPr lang="zh-TW" altLang="en-US"/>
+            <a:endParaRPr lang="zh-TW" altLang="en-US" dirty="0"/>
           </a:p>
         </p:txBody>
       </p:sp>
@@ -17113,6 +17622,401 @@
           </a:extLst>
         </p:spPr>
       </p:pic>
+      <p:sp>
+        <p:nvSpPr>
+          <p:cNvPr id="12" name="文字方塊 11"/>
+          <p:cNvSpPr txBox="1"/>
+          <p:nvPr/>
+        </p:nvSpPr>
+        <p:spPr>
+          <a:xfrm>
+            <a:off x="518408" y="2941109"/>
+            <a:ext cx="8992975" cy="369332"/>
+          </a:xfrm>
+          <a:prstGeom prst="rect">
+            <a:avLst/>
+          </a:prstGeom>
+          <a:noFill/>
+        </p:spPr>
+        <p:txBody>
+          <a:bodyPr wrap="none" rtlCol="0">
+            <a:spAutoFit/>
+          </a:bodyPr>
+          <a:lstStyle/>
+          <a:p>
+            <a:pPr marL="285750" indent="-285750">
+              <a:buFont typeface="Wingdings" panose="05000000000000000000" pitchFamily="2" charset="2"/>
+              <a:buChar char="p"/>
+            </a:pPr>
+            <a:r>
+              <a:rPr lang="en-US" altLang="zh-TW" dirty="0" smtClean="0">
+                <a:latin typeface="Times New Roman" panose="02020603050405020304" pitchFamily="18" charset="0"/>
+                <a:cs typeface="Times New Roman" panose="02020603050405020304" pitchFamily="18" charset="0"/>
+              </a:rPr>
+              <a:t>A standard UTM must offer are the identification, the localization and the steering of UAVs.</a:t>
+            </a:r>
+          </a:p>
+        </p:txBody>
+      </p:sp>
+      <p:pic>
+        <p:nvPicPr>
+          <p:cNvPr id="6" name="圖片 5"/>
+          <p:cNvPicPr>
+            <a:picLocks noChangeAspect="1"/>
+          </p:cNvPicPr>
+          <p:nvPr/>
+        </p:nvPicPr>
+        <p:blipFill>
+          <a:blip r:embed="rId4"/>
+          <a:stretch>
+            <a:fillRect/>
+          </a:stretch>
+        </p:blipFill>
+        <p:spPr>
+          <a:xfrm>
+            <a:off x="6428087" y="3710548"/>
+            <a:ext cx="5577765" cy="2544389"/>
+          </a:xfrm>
+          <a:prstGeom prst="rect">
+            <a:avLst/>
+          </a:prstGeom>
+        </p:spPr>
+      </p:pic>
+      <p:sp>
+        <p:nvSpPr>
+          <p:cNvPr id="10" name="文字方塊 9"/>
+          <p:cNvSpPr txBox="1"/>
+          <p:nvPr/>
+        </p:nvSpPr>
+        <p:spPr>
+          <a:xfrm>
+            <a:off x="8046900" y="6254937"/>
+            <a:ext cx="2806794" cy="307777"/>
+          </a:xfrm>
+          <a:prstGeom prst="rect">
+            <a:avLst/>
+          </a:prstGeom>
+          <a:noFill/>
+        </p:spPr>
+        <p:txBody>
+          <a:bodyPr wrap="none" rtlCol="0">
+            <a:spAutoFit/>
+          </a:bodyPr>
+          <a:lstStyle/>
+          <a:p>
+            <a:r>
+              <a:rPr lang="en-US" altLang="zh-TW" sz="1400" dirty="0" smtClean="0">
+                <a:latin typeface="Times New Roman" panose="02020603050405020304" pitchFamily="18" charset="0"/>
+                <a:cs typeface="Times New Roman" panose="02020603050405020304" pitchFamily="18" charset="0"/>
+              </a:rPr>
+              <a:t>Fig. 5G Cellular-Connected Devices</a:t>
+            </a:r>
+            <a:endParaRPr lang="zh-TW" altLang="en-US" sz="1400" dirty="0">
+              <a:latin typeface="Times New Roman" panose="02020603050405020304" pitchFamily="18" charset="0"/>
+              <a:cs typeface="Times New Roman" panose="02020603050405020304" pitchFamily="18" charset="0"/>
+            </a:endParaRPr>
+          </a:p>
+        </p:txBody>
+      </p:sp>
+      <p:sp>
+        <p:nvSpPr>
+          <p:cNvPr id="14" name="文字方塊 13"/>
+          <p:cNvSpPr txBox="1"/>
+          <p:nvPr/>
+        </p:nvSpPr>
+        <p:spPr>
+          <a:xfrm>
+            <a:off x="518408" y="3710548"/>
+            <a:ext cx="6064481" cy="646331"/>
+          </a:xfrm>
+          <a:prstGeom prst="rect">
+            <a:avLst/>
+          </a:prstGeom>
+          <a:noFill/>
+        </p:spPr>
+        <p:txBody>
+          <a:bodyPr wrap="none" rtlCol="0">
+            <a:spAutoFit/>
+          </a:bodyPr>
+          <a:lstStyle/>
+          <a:p>
+            <a:pPr marL="285750" indent="-285750" algn="just">
+              <a:buFont typeface="Wingdings" panose="05000000000000000000" pitchFamily="2" charset="2"/>
+              <a:buChar char="p"/>
+            </a:pPr>
+            <a:r>
+              <a:rPr lang="en-US" altLang="zh-TW" dirty="0" smtClean="0">
+                <a:latin typeface="Times New Roman" panose="02020603050405020304" pitchFamily="18" charset="0"/>
+                <a:cs typeface="Times New Roman" panose="02020603050405020304" pitchFamily="18" charset="0"/>
+              </a:rPr>
+              <a:t>Use cellular mobile networks to support the communication </a:t>
+            </a:r>
+          </a:p>
+          <a:p>
+            <a:pPr algn="just"/>
+            <a:r>
+              <a:rPr lang="en-US" altLang="zh-TW" dirty="0">
+                <a:latin typeface="Times New Roman" panose="02020603050405020304" pitchFamily="18" charset="0"/>
+                <a:cs typeface="Times New Roman" panose="02020603050405020304" pitchFamily="18" charset="0"/>
+              </a:rPr>
+              <a:t> </a:t>
+            </a:r>
+            <a:r>
+              <a:rPr lang="en-US" altLang="zh-TW" dirty="0" smtClean="0">
+                <a:latin typeface="Times New Roman" panose="02020603050405020304" pitchFamily="18" charset="0"/>
+                <a:cs typeface="Times New Roman" panose="02020603050405020304" pitchFamily="18" charset="0"/>
+              </a:rPr>
+              <a:t>    between UTM service and UAVs.</a:t>
+            </a:r>
+          </a:p>
+        </p:txBody>
+      </p:sp>
+      <p:grpSp>
+        <p:nvGrpSpPr>
+          <p:cNvPr id="16" name="群組 15"/>
+          <p:cNvGrpSpPr/>
+          <p:nvPr/>
+        </p:nvGrpSpPr>
+        <p:grpSpPr>
+          <a:xfrm>
+            <a:off x="1374308" y="4861490"/>
+            <a:ext cx="2610119" cy="1701223"/>
+            <a:chOff x="969414" y="4706255"/>
+            <a:chExt cx="2725782" cy="1628503"/>
+          </a:xfrm>
+        </p:grpSpPr>
+        <p:sp>
+          <p:nvSpPr>
+            <p:cNvPr id="15" name="書卷 (水平) 14"/>
+            <p:cNvSpPr/>
+            <p:nvPr/>
+          </p:nvSpPr>
+          <p:spPr>
+            <a:xfrm>
+              <a:off x="969414" y="4706255"/>
+              <a:ext cx="2725782" cy="1628503"/>
+            </a:xfrm>
+            <a:prstGeom prst="horizontalScroll">
+              <a:avLst/>
+            </a:prstGeom>
+          </p:spPr>
+          <p:style>
+            <a:lnRef idx="3">
+              <a:schemeClr val="lt1"/>
+            </a:lnRef>
+            <a:fillRef idx="1">
+              <a:schemeClr val="accent3"/>
+            </a:fillRef>
+            <a:effectRef idx="1">
+              <a:schemeClr val="accent3"/>
+            </a:effectRef>
+            <a:fontRef idx="minor">
+              <a:schemeClr val="lt1"/>
+            </a:fontRef>
+          </p:style>
+          <p:txBody>
+            <a:bodyPr rtlCol="0" anchor="ctr"/>
+            <a:lstStyle/>
+            <a:p>
+              <a:pPr algn="ctr"/>
+              <a:endParaRPr lang="zh-TW" altLang="en-US"/>
+            </a:p>
+          </p:txBody>
+        </p:sp>
+        <p:sp>
+          <p:nvSpPr>
+            <p:cNvPr id="13" name="文字方塊 12"/>
+            <p:cNvSpPr txBox="1"/>
+            <p:nvPr/>
+          </p:nvSpPr>
+          <p:spPr>
+            <a:xfrm>
+              <a:off x="1210489" y="4920344"/>
+              <a:ext cx="2484706" cy="1414179"/>
+            </a:xfrm>
+            <a:prstGeom prst="rect">
+              <a:avLst/>
+            </a:prstGeom>
+            <a:noFill/>
+          </p:spPr>
+          <p:txBody>
+            <a:bodyPr wrap="square" rtlCol="0">
+              <a:spAutoFit/>
+            </a:bodyPr>
+            <a:lstStyle/>
+            <a:p>
+              <a:pPr marL="285750" indent="-285750">
+                <a:buFont typeface="Wingdings" panose="05000000000000000000" pitchFamily="2" charset="2"/>
+                <a:buChar char="Ø"/>
+              </a:pPr>
+              <a:r>
+                <a:rPr lang="en-US" altLang="zh-TW" b="1" dirty="0" smtClean="0">
+                  <a:latin typeface="Candara Light" panose="020E0502030303020204" pitchFamily="34" charset="0"/>
+                </a:rPr>
+                <a:t>Advantage</a:t>
+              </a:r>
+              <a:r>
+                <a:rPr lang="zh-TW" altLang="en-US" b="1" dirty="0" smtClean="0">
+                  <a:latin typeface="Candara Light" panose="020E0502030303020204" pitchFamily="34" charset="0"/>
+                </a:rPr>
+                <a:t>：</a:t>
+              </a:r>
+              <a:endParaRPr lang="en-US" altLang="zh-TW" b="1" dirty="0" smtClean="0">
+                <a:latin typeface="Candara Light" panose="020E0502030303020204" pitchFamily="34" charset="0"/>
+              </a:endParaRPr>
+            </a:p>
+            <a:p>
+              <a:pPr marL="742950" lvl="1" indent="-285750">
+                <a:buFont typeface="Arial" panose="020B0604020202020204" pitchFamily="34" charset="0"/>
+                <a:buChar char="•"/>
+              </a:pPr>
+              <a:r>
+                <a:rPr lang="en-US" altLang="zh-TW" dirty="0" smtClean="0">
+                  <a:solidFill>
+                    <a:srgbClr val="FF0000"/>
+                  </a:solidFill>
+                  <a:latin typeface="Candara Light" panose="020E0502030303020204" pitchFamily="34" charset="0"/>
+                </a:rPr>
+                <a:t>Scalable</a:t>
+              </a:r>
+            </a:p>
+            <a:p>
+              <a:pPr marL="742950" lvl="1" indent="-285750">
+                <a:buFont typeface="Arial" panose="020B0604020202020204" pitchFamily="34" charset="0"/>
+                <a:buChar char="•"/>
+              </a:pPr>
+              <a:r>
+                <a:rPr lang="en-US" altLang="zh-TW" dirty="0" smtClean="0">
+                  <a:solidFill>
+                    <a:srgbClr val="FF0000"/>
+                  </a:solidFill>
+                  <a:latin typeface="Candara Light" panose="020E0502030303020204" pitchFamily="34" charset="0"/>
+                </a:rPr>
+                <a:t>Secure</a:t>
+              </a:r>
+            </a:p>
+            <a:p>
+              <a:pPr marL="742950" lvl="1" indent="-285750">
+                <a:buFont typeface="Arial" panose="020B0604020202020204" pitchFamily="34" charset="0"/>
+                <a:buChar char="•"/>
+              </a:pPr>
+              <a:r>
+                <a:rPr lang="en-US" altLang="zh-TW" dirty="0" smtClean="0">
+                  <a:solidFill>
+                    <a:srgbClr val="FF0000"/>
+                  </a:solidFill>
+                  <a:latin typeface="Candara Light" panose="020E0502030303020204" pitchFamily="34" charset="0"/>
+                </a:rPr>
+                <a:t>Ready-for-use</a:t>
+              </a:r>
+              <a:endParaRPr lang="zh-TW" altLang="en-US" dirty="0">
+                <a:solidFill>
+                  <a:srgbClr val="FF0000"/>
+                </a:solidFill>
+                <a:latin typeface="Candara Light" panose="020E0502030303020204" pitchFamily="34" charset="0"/>
+              </a:endParaRPr>
+            </a:p>
+          </p:txBody>
+        </p:sp>
+      </p:grpSp>
+      <p:sp>
+        <p:nvSpPr>
+          <p:cNvPr id="17" name="上彎箭號 16"/>
+          <p:cNvSpPr/>
+          <p:nvPr/>
+        </p:nvSpPr>
+        <p:spPr>
+          <a:xfrm rot="5400000">
+            <a:off x="340224" y="4835499"/>
+            <a:ext cx="1408198" cy="659968"/>
+          </a:xfrm>
+          <a:prstGeom prst="bentUpArrow">
+            <a:avLst>
+              <a:gd name="adj1" fmla="val 12983"/>
+              <a:gd name="adj2" fmla="val 13919"/>
+              <a:gd name="adj3" fmla="val 20738"/>
+            </a:avLst>
+          </a:prstGeom>
+          <a:solidFill>
+            <a:schemeClr val="accent1">
+              <a:lumMod val="50000"/>
+            </a:schemeClr>
+          </a:solidFill>
+          <a:ln>
+            <a:noFill/>
+          </a:ln>
+        </p:spPr>
+        <p:style>
+          <a:lnRef idx="2">
+            <a:schemeClr val="accent1">
+              <a:shade val="50000"/>
+            </a:schemeClr>
+          </a:lnRef>
+          <a:fillRef idx="1">
+            <a:schemeClr val="accent1"/>
+          </a:fillRef>
+          <a:effectRef idx="0">
+            <a:schemeClr val="accent1"/>
+          </a:effectRef>
+          <a:fontRef idx="minor">
+            <a:schemeClr val="lt1"/>
+          </a:fontRef>
+        </p:style>
+        <p:txBody>
+          <a:bodyPr rtlCol="0" anchor="ctr"/>
+          <a:lstStyle/>
+          <a:p>
+            <a:pPr algn="ctr"/>
+            <a:endParaRPr lang="zh-TW" altLang="en-US"/>
+          </a:p>
+        </p:txBody>
+      </p:sp>
+      <p:sp>
+        <p:nvSpPr>
+          <p:cNvPr id="19" name="圓角矩形 18"/>
+          <p:cNvSpPr/>
+          <p:nvPr/>
+        </p:nvSpPr>
+        <p:spPr>
+          <a:xfrm>
+            <a:off x="518408" y="3653522"/>
+            <a:ext cx="5891101" cy="807861"/>
+          </a:xfrm>
+          <a:prstGeom prst="roundRect">
+            <a:avLst/>
+          </a:prstGeom>
+          <a:noFill/>
+          <a:ln w="19050">
+            <a:solidFill>
+              <a:srgbClr val="FF0000"/>
+            </a:solidFill>
+          </a:ln>
+        </p:spPr>
+        <p:style>
+          <a:lnRef idx="2">
+            <a:schemeClr val="accent1">
+              <a:shade val="50000"/>
+            </a:schemeClr>
+          </a:lnRef>
+          <a:fillRef idx="1">
+            <a:schemeClr val="accent1"/>
+          </a:fillRef>
+          <a:effectRef idx="0">
+            <a:schemeClr val="accent1"/>
+          </a:effectRef>
+          <a:fontRef idx="minor">
+            <a:schemeClr val="lt1"/>
+          </a:fontRef>
+        </p:style>
+        <p:txBody>
+          <a:bodyPr rtlCol="0" anchor="ctr"/>
+          <a:lstStyle/>
+          <a:p>
+            <a:pPr algn="ctr"/>
+            <a:endParaRPr lang="zh-TW" altLang="en-US"/>
+          </a:p>
+        </p:txBody>
+      </p:sp>
     </p:spTree>
     <p:extLst>
       <p:ext uri="{BB962C8B-B14F-4D97-AF65-F5344CB8AC3E}">
@@ -17365,8 +18269,8 @@
         </p:nvSpPr>
         <p:spPr>
           <a:xfrm>
-            <a:off x="518408" y="1402231"/>
-            <a:ext cx="7199407" cy="369332"/>
+            <a:off x="518408" y="1410939"/>
+            <a:ext cx="3518912" cy="646331"/>
           </a:xfrm>
           <a:prstGeom prst="rect">
             <a:avLst/>
@@ -17379,7 +18283,7 @@
           </a:bodyPr>
           <a:lstStyle/>
           <a:p>
-            <a:pPr marL="285750" indent="-285750">
+            <a:pPr marL="285750" indent="-285750" algn="just">
               <a:buFont typeface="Wingdings" panose="05000000000000000000" pitchFamily="2" charset="2"/>
               <a:buChar char="p"/>
             </a:pPr>
@@ -17388,7 +18292,44 @@
                 <a:latin typeface="Times New Roman" panose="02020603050405020304" pitchFamily="18" charset="0"/>
                 <a:cs typeface="Times New Roman" panose="02020603050405020304" pitchFamily="18" charset="0"/>
               </a:rPr>
-              <a:t>The following figure is an UTM system concept of operations flow chart.</a:t>
+              <a:t>The </a:t>
+            </a:r>
+            <a:r>
+              <a:rPr lang="en-US" altLang="zh-TW" dirty="0" smtClean="0">
+                <a:latin typeface="Times New Roman" panose="02020603050405020304" pitchFamily="18" charset="0"/>
+                <a:cs typeface="Times New Roman" panose="02020603050405020304" pitchFamily="18" charset="0"/>
+              </a:rPr>
+              <a:t>figure </a:t>
+            </a:r>
+            <a:r>
+              <a:rPr lang="en-US" altLang="zh-TW" dirty="0" smtClean="0">
+                <a:latin typeface="Times New Roman" panose="02020603050405020304" pitchFamily="18" charset="0"/>
+                <a:cs typeface="Times New Roman" panose="02020603050405020304" pitchFamily="18" charset="0"/>
+              </a:rPr>
+              <a:t>is an </a:t>
+            </a:r>
+            <a:r>
+              <a:rPr lang="en-US" altLang="zh-TW" dirty="0" smtClean="0">
+                <a:latin typeface="Times New Roman" panose="02020603050405020304" pitchFamily="18" charset="0"/>
+                <a:cs typeface="Times New Roman" panose="02020603050405020304" pitchFamily="18" charset="0"/>
+              </a:rPr>
+              <a:t>UTM system</a:t>
+            </a:r>
+          </a:p>
+          <a:p>
+            <a:r>
+              <a:rPr lang="en-US" altLang="zh-TW" dirty="0" smtClean="0">
+                <a:latin typeface="Times New Roman" panose="02020603050405020304" pitchFamily="18" charset="0"/>
+                <a:cs typeface="Times New Roman" panose="02020603050405020304" pitchFamily="18" charset="0"/>
+              </a:rPr>
+              <a:t>     concept </a:t>
+            </a:r>
+            <a:r>
+              <a:rPr lang="en-US" altLang="zh-TW" dirty="0" smtClean="0">
+                <a:latin typeface="Times New Roman" panose="02020603050405020304" pitchFamily="18" charset="0"/>
+                <a:cs typeface="Times New Roman" panose="02020603050405020304" pitchFamily="18" charset="0"/>
+              </a:rPr>
+              <a:t>of operations flow chart.</a:t>
             </a:r>
             <a:endParaRPr lang="zh-TW" altLang="en-US" dirty="0">
               <a:latin typeface="Times New Roman" panose="02020603050405020304" pitchFamily="18" charset="0"/>
@@ -17397,6 +18338,30 @@
           </a:p>
         </p:txBody>
       </p:sp>
+      <p:pic>
+        <p:nvPicPr>
+          <p:cNvPr id="2" name="圖片 1"/>
+          <p:cNvPicPr>
+            <a:picLocks noChangeAspect="1"/>
+          </p:cNvPicPr>
+          <p:nvPr/>
+        </p:nvPicPr>
+        <p:blipFill>
+          <a:blip r:embed="rId2"/>
+          <a:stretch>
+            <a:fillRect/>
+          </a:stretch>
+        </p:blipFill>
+        <p:spPr>
+          <a:xfrm>
+            <a:off x="4300129" y="1067976"/>
+            <a:ext cx="7378065" cy="5790024"/>
+          </a:xfrm>
+          <a:prstGeom prst="rect">
+            <a:avLst/>
+          </a:prstGeom>
+        </p:spPr>
+      </p:pic>
     </p:spTree>
     <p:extLst>
       <p:ext uri="{BB962C8B-B14F-4D97-AF65-F5344CB8AC3E}">
@@ -17602,6 +18567,132 @@
               <a:t>8</a:t>
             </a:fld>
             <a:endParaRPr lang="zh-TW" altLang="en-US"/>
+          </a:p>
+        </p:txBody>
+      </p:sp>
+      <p:pic>
+        <p:nvPicPr>
+          <p:cNvPr id="2" name="圖片 1"/>
+          <p:cNvPicPr>
+            <a:picLocks noChangeAspect="1"/>
+          </p:cNvPicPr>
+          <p:nvPr/>
+        </p:nvPicPr>
+        <p:blipFill>
+          <a:blip r:embed="rId2">
+            <a:extLst>
+              <a:ext uri="{28A0092B-C50C-407E-A947-70E740481C1C}">
+                <a14:useLocalDpi xmlns:a14="http://schemas.microsoft.com/office/drawing/2010/main" val="0"/>
+              </a:ext>
+            </a:extLst>
+          </a:blip>
+          <a:stretch>
+            <a:fillRect/>
+          </a:stretch>
+        </p:blipFill>
+        <p:spPr>
+          <a:xfrm>
+            <a:off x="6217374" y="1312691"/>
+            <a:ext cx="5774327" cy="5130427"/>
+          </a:xfrm>
+          <a:prstGeom prst="rect">
+            <a:avLst/>
+          </a:prstGeom>
+        </p:spPr>
+      </p:pic>
+      <p:sp>
+        <p:nvSpPr>
+          <p:cNvPr id="8" name="文字方塊 7"/>
+          <p:cNvSpPr txBox="1"/>
+          <p:nvPr/>
+        </p:nvSpPr>
+        <p:spPr>
+          <a:xfrm>
+            <a:off x="518408" y="1402232"/>
+            <a:ext cx="5295039" cy="369332"/>
+          </a:xfrm>
+          <a:prstGeom prst="rect">
+            <a:avLst/>
+          </a:prstGeom>
+          <a:noFill/>
+        </p:spPr>
+        <p:txBody>
+          <a:bodyPr wrap="none" rtlCol="0">
+            <a:spAutoFit/>
+          </a:bodyPr>
+          <a:lstStyle/>
+          <a:p>
+            <a:pPr marL="285750" indent="-285750">
+              <a:buFont typeface="Wingdings" panose="05000000000000000000" pitchFamily="2" charset="2"/>
+              <a:buChar char="p"/>
+            </a:pPr>
+            <a:r>
+              <a:rPr lang="en-US" altLang="zh-TW" dirty="0" smtClean="0">
+                <a:latin typeface="Times New Roman" panose="02020603050405020304" pitchFamily="18" charset="0"/>
+                <a:cs typeface="Times New Roman" panose="02020603050405020304" pitchFamily="18" charset="0"/>
+              </a:rPr>
+              <a:t>MEC push cloud-like services to the network edges.</a:t>
+            </a:r>
+            <a:endParaRPr lang="zh-TW" altLang="en-US" dirty="0">
+              <a:latin typeface="Times New Roman" panose="02020603050405020304" pitchFamily="18" charset="0"/>
+              <a:cs typeface="Times New Roman" panose="02020603050405020304" pitchFamily="18" charset="0"/>
+            </a:endParaRPr>
+          </a:p>
+        </p:txBody>
+      </p:sp>
+      <p:sp>
+        <p:nvSpPr>
+          <p:cNvPr id="10" name="文字方塊 9"/>
+          <p:cNvSpPr txBox="1"/>
+          <p:nvPr/>
+        </p:nvSpPr>
+        <p:spPr>
+          <a:xfrm>
+            <a:off x="518407" y="2090393"/>
+            <a:ext cx="5846472" cy="646331"/>
+          </a:xfrm>
+          <a:prstGeom prst="rect">
+            <a:avLst/>
+          </a:prstGeom>
+          <a:noFill/>
+        </p:spPr>
+        <p:txBody>
+          <a:bodyPr wrap="none" rtlCol="0">
+            <a:spAutoFit/>
+          </a:bodyPr>
+          <a:lstStyle/>
+          <a:p>
+            <a:pPr marL="285750" indent="-285750">
+              <a:buFont typeface="Wingdings" panose="05000000000000000000" pitchFamily="2" charset="2"/>
+              <a:buChar char="p"/>
+            </a:pPr>
+            <a:r>
+              <a:rPr lang="en-US" altLang="zh-TW" dirty="0" smtClean="0">
+                <a:latin typeface="Times New Roman" panose="02020603050405020304" pitchFamily="18" charset="0"/>
+                <a:cs typeface="Times New Roman" panose="02020603050405020304" pitchFamily="18" charset="0"/>
+              </a:rPr>
+              <a:t>This will reduce the latency and increase the reliability of</a:t>
+            </a:r>
+          </a:p>
+          <a:p>
+            <a:r>
+              <a:rPr lang="en-US" altLang="zh-TW" dirty="0">
+                <a:latin typeface="Times New Roman" panose="02020603050405020304" pitchFamily="18" charset="0"/>
+                <a:cs typeface="Times New Roman" panose="02020603050405020304" pitchFamily="18" charset="0"/>
+              </a:rPr>
+              <a:t> </a:t>
+            </a:r>
+            <a:r>
+              <a:rPr lang="en-US" altLang="zh-TW" dirty="0" smtClean="0">
+                <a:latin typeface="Times New Roman" panose="02020603050405020304" pitchFamily="18" charset="0"/>
+                <a:cs typeface="Times New Roman" panose="02020603050405020304" pitchFamily="18" charset="0"/>
+              </a:rPr>
+              <a:t>    the communication.</a:t>
+            </a:r>
+            <a:endParaRPr lang="zh-TW" altLang="en-US" dirty="0">
+              <a:latin typeface="Times New Roman" panose="02020603050405020304" pitchFamily="18" charset="0"/>
+              <a:cs typeface="Times New Roman" panose="02020603050405020304" pitchFamily="18" charset="0"/>
+            </a:endParaRPr>
           </a:p>
         </p:txBody>
       </p:sp>

--- a/wireless_network/PaperReading/Report.pptx
+++ b/wireless_network/PaperReading/Report.pptx
@@ -5,7 +5,7 @@
     <p:sldMasterId id="2147483648" r:id="rId1"/>
   </p:sldMasterIdLst>
   <p:notesMasterIdLst>
-    <p:notesMasterId r:id="rId20"/>
+    <p:notesMasterId r:id="rId26"/>
   </p:notesMasterIdLst>
   <p:sldIdLst>
     <p:sldId id="256" r:id="rId2"/>
@@ -19,13 +19,19 @@
     <p:sldId id="259" r:id="rId10"/>
     <p:sldId id="268" r:id="rId11"/>
     <p:sldId id="270" r:id="rId12"/>
-    <p:sldId id="269" r:id="rId13"/>
-    <p:sldId id="271" r:id="rId14"/>
-    <p:sldId id="260" r:id="rId15"/>
-    <p:sldId id="272" r:id="rId16"/>
-    <p:sldId id="261" r:id="rId17"/>
-    <p:sldId id="264" r:id="rId18"/>
-    <p:sldId id="263" r:id="rId19"/>
+    <p:sldId id="274" r:id="rId13"/>
+    <p:sldId id="269" r:id="rId14"/>
+    <p:sldId id="275" r:id="rId15"/>
+    <p:sldId id="271" r:id="rId16"/>
+    <p:sldId id="276" r:id="rId17"/>
+    <p:sldId id="277" r:id="rId18"/>
+    <p:sldId id="260" r:id="rId19"/>
+    <p:sldId id="272" r:id="rId20"/>
+    <p:sldId id="278" r:id="rId21"/>
+    <p:sldId id="279" r:id="rId22"/>
+    <p:sldId id="261" r:id="rId23"/>
+    <p:sldId id="264" r:id="rId24"/>
+    <p:sldId id="263" r:id="rId25"/>
   </p:sldIdLst>
   <p:sldSz cx="12192000" cy="6858000"/>
   <p:notesSz cx="6858000" cy="9144000"/>
@@ -10140,7 +10146,7 @@
           <a:p>
             <a:fld id="{90AE32B7-19C5-4095-9C95-F277E30D1456}" type="datetimeFigureOut">
               <a:rPr lang="zh-TW" altLang="en-US" smtClean="0"/>
-              <a:t>2019/12/24</a:t>
+              <a:t>2019/12/26</a:t>
             </a:fld>
             <a:endParaRPr lang="zh-TW" altLang="en-US"/>
           </a:p>
@@ -10539,7 +10545,7 @@
           <a:p>
             <a:fld id="{D0C519A4-C899-4FE3-B2C0-EA32C1E2A373}" type="datetime1">
               <a:rPr lang="zh-TW" altLang="en-US" smtClean="0"/>
-              <a:t>2019/12/24</a:t>
+              <a:t>2019/12/26</a:t>
             </a:fld>
             <a:endParaRPr lang="zh-TW" altLang="en-US"/>
           </a:p>
@@ -10709,7 +10715,7 @@
           <a:p>
             <a:fld id="{AAF725E2-3DF1-496F-923B-ADC93C1FF91E}" type="datetime1">
               <a:rPr lang="zh-TW" altLang="en-US" smtClean="0"/>
-              <a:t>2019/12/24</a:t>
+              <a:t>2019/12/26</a:t>
             </a:fld>
             <a:endParaRPr lang="zh-TW" altLang="en-US"/>
           </a:p>
@@ -10889,7 +10895,7 @@
           <a:p>
             <a:fld id="{BA639709-0C54-4055-B8A5-334E3C574642}" type="datetime1">
               <a:rPr lang="zh-TW" altLang="en-US" smtClean="0"/>
-              <a:t>2019/12/24</a:t>
+              <a:t>2019/12/26</a:t>
             </a:fld>
             <a:endParaRPr lang="zh-TW" altLang="en-US"/>
           </a:p>
@@ -11059,7 +11065,7 @@
           <a:p>
             <a:fld id="{529E66E2-A720-4114-9EAD-35F33426C266}" type="datetime1">
               <a:rPr lang="zh-TW" altLang="en-US" smtClean="0"/>
-              <a:t>2019/12/24</a:t>
+              <a:t>2019/12/26</a:t>
             </a:fld>
             <a:endParaRPr lang="zh-TW" altLang="en-US"/>
           </a:p>
@@ -11305,7 +11311,7 @@
           <a:p>
             <a:fld id="{EC6CA15E-6041-4E19-A88F-713A849FAB1F}" type="datetime1">
               <a:rPr lang="zh-TW" altLang="en-US" smtClean="0"/>
-              <a:t>2019/12/24</a:t>
+              <a:t>2019/12/26</a:t>
             </a:fld>
             <a:endParaRPr lang="zh-TW" altLang="en-US"/>
           </a:p>
@@ -11537,7 +11543,7 @@
           <a:p>
             <a:fld id="{ED1B1673-2459-4015-8514-10CC325F640F}" type="datetime1">
               <a:rPr lang="zh-TW" altLang="en-US" smtClean="0"/>
-              <a:t>2019/12/24</a:t>
+              <a:t>2019/12/26</a:t>
             </a:fld>
             <a:endParaRPr lang="zh-TW" altLang="en-US"/>
           </a:p>
@@ -11904,7 +11910,7 @@
           <a:p>
             <a:fld id="{14BBF4F7-C57C-4105-9534-84A0BF80F02F}" type="datetime1">
               <a:rPr lang="zh-TW" altLang="en-US" smtClean="0"/>
-              <a:t>2019/12/24</a:t>
+              <a:t>2019/12/26</a:t>
             </a:fld>
             <a:endParaRPr lang="zh-TW" altLang="en-US"/>
           </a:p>
@@ -12022,7 +12028,7 @@
           <a:p>
             <a:fld id="{973340D1-97F9-4595-91A4-880B1C854E40}" type="datetime1">
               <a:rPr lang="zh-TW" altLang="en-US" smtClean="0"/>
-              <a:t>2019/12/24</a:t>
+              <a:t>2019/12/26</a:t>
             </a:fld>
             <a:endParaRPr lang="zh-TW" altLang="en-US"/>
           </a:p>
@@ -12117,7 +12123,7 @@
           <a:p>
             <a:fld id="{017D0E3B-C414-4A74-9F90-82C22692D280}" type="datetime1">
               <a:rPr lang="zh-TW" altLang="en-US" smtClean="0"/>
-              <a:t>2019/12/24</a:t>
+              <a:t>2019/12/26</a:t>
             </a:fld>
             <a:endParaRPr lang="zh-TW" altLang="en-US"/>
           </a:p>
@@ -12394,7 +12400,7 @@
           <a:p>
             <a:fld id="{2C132A8D-7E8C-45E9-AF19-479C7BF98E21}" type="datetime1">
               <a:rPr lang="zh-TW" altLang="en-US" smtClean="0"/>
-              <a:t>2019/12/24</a:t>
+              <a:t>2019/12/26</a:t>
             </a:fld>
             <a:endParaRPr lang="zh-TW" altLang="en-US"/>
           </a:p>
@@ -12647,7 +12653,7 @@
           <a:p>
             <a:fld id="{E5E4FAB2-8603-4182-B607-B8D4C5ACF843}" type="datetime1">
               <a:rPr lang="zh-TW" altLang="en-US" smtClean="0"/>
-              <a:t>2019/12/24</a:t>
+              <a:t>2019/12/26</a:t>
             </a:fld>
             <a:endParaRPr lang="zh-TW" altLang="en-US"/>
           </a:p>
@@ -12860,7 +12866,7 @@
           <a:p>
             <a:fld id="{01AA6340-B1F5-49D0-BCE2-BF206B87664B}" type="datetime1">
               <a:rPr lang="zh-TW" altLang="en-US" smtClean="0"/>
-              <a:t>2019/12/24</a:t>
+              <a:t>2019/12/26</a:t>
             </a:fld>
             <a:endParaRPr lang="zh-TW" altLang="en-US"/>
           </a:p>
@@ -13853,25 +13859,7 @@
                 <a:latin typeface="Times New Roman" panose="02020603050405020304" pitchFamily="18" charset="0"/>
                 <a:cs typeface="Times New Roman" panose="02020603050405020304" pitchFamily="18" charset="0"/>
               </a:rPr>
-              <a:t>Experimentation </a:t>
-            </a:r>
-            <a:r>
-              <a:rPr lang="en-US" altLang="zh-TW" sz="3200" b="1" cap="none" spc="0" dirty="0" smtClean="0">
-                <a:ln w="0"/>
-                <a:solidFill>
-                  <a:schemeClr val="accent1"/>
-                </a:solidFill>
-                <a:effectLst>
-                  <a:outerShdw blurRad="38100" dist="25400" dir="5400000" algn="ctr" rotWithShape="0">
-                    <a:srgbClr val="6E747A">
-                      <a:alpha val="43000"/>
-                    </a:srgbClr>
-                  </a:outerShdw>
-                </a:effectLst>
-                <a:latin typeface="Times New Roman" panose="02020603050405020304" pitchFamily="18" charset="0"/>
-                <a:cs typeface="Times New Roman" panose="02020603050405020304" pitchFamily="18" charset="0"/>
-              </a:rPr>
-              <a:t>Introduction</a:t>
+              <a:t>Experimentation Introduction</a:t>
             </a:r>
             <a:endParaRPr lang="zh-TW" altLang="en-US" sz="3200" b="1" cap="none" spc="0" dirty="0">
               <a:ln w="0"/>
@@ -14156,14 +14144,7 @@
                 <a:latin typeface="Times New Roman" panose="02020603050405020304" pitchFamily="18" charset="0"/>
                 <a:cs typeface="Times New Roman" panose="02020603050405020304" pitchFamily="18" charset="0"/>
               </a:rPr>
-              <a:t>We had known that latency and packet loss will </a:t>
-            </a:r>
-            <a:r>
-              <a:rPr lang="en-US" altLang="zh-TW" dirty="0" smtClean="0">
-                <a:latin typeface="Times New Roman" panose="02020603050405020304" pitchFamily="18" charset="0"/>
-                <a:cs typeface="Times New Roman" panose="02020603050405020304" pitchFamily="18" charset="0"/>
-              </a:rPr>
-              <a:t>damage the reliability of communication, so we lever-</a:t>
+              <a:t>We had known that latency and packet loss will damage the reliability of communication, so we lever-</a:t>
             </a:r>
           </a:p>
           <a:p>
@@ -14618,6 +14599,274 @@
           </a:p>
         </p:txBody>
       </p:sp>
+      <p:grpSp>
+        <p:nvGrpSpPr>
+          <p:cNvPr id="13" name="群組 12"/>
+          <p:cNvGrpSpPr/>
+          <p:nvPr/>
+        </p:nvGrpSpPr>
+        <p:grpSpPr>
+          <a:xfrm>
+            <a:off x="1124965" y="3129839"/>
+            <a:ext cx="9524058" cy="3304888"/>
+            <a:chOff x="1194610" y="3051462"/>
+            <a:chExt cx="9524058" cy="3304888"/>
+          </a:xfrm>
+        </p:grpSpPr>
+        <p:pic>
+          <p:nvPicPr>
+            <p:cNvPr id="10" name="圖片 9"/>
+            <p:cNvPicPr>
+              <a:picLocks noChangeAspect="1"/>
+            </p:cNvPicPr>
+            <p:nvPr/>
+          </p:nvPicPr>
+          <p:blipFill>
+            <a:blip r:embed="rId2"/>
+            <a:stretch>
+              <a:fillRect/>
+            </a:stretch>
+          </p:blipFill>
+          <p:spPr>
+            <a:xfrm>
+              <a:off x="1194610" y="3051462"/>
+              <a:ext cx="9384767" cy="3304888"/>
+            </a:xfrm>
+            <a:prstGeom prst="rect">
+              <a:avLst/>
+            </a:prstGeom>
+          </p:spPr>
+        </p:pic>
+        <mc:AlternateContent xmlns:mc="http://schemas.openxmlformats.org/markup-compatibility/2006" xmlns:a14="http://schemas.microsoft.com/office/drawing/2010/main">
+          <mc:Choice Requires="a14">
+            <p:sp>
+              <p:nvSpPr>
+                <p:cNvPr id="11" name="文字方塊 10"/>
+                <p:cNvSpPr txBox="1"/>
+                <p:nvPr/>
+              </p:nvSpPr>
+              <p:spPr>
+                <a:xfrm>
+                  <a:off x="10222828" y="3387634"/>
+                  <a:ext cx="495840" cy="369332"/>
+                </a:xfrm>
+                <a:prstGeom prst="rect">
+                  <a:avLst/>
+                </a:prstGeom>
+                <a:noFill/>
+              </p:spPr>
+              <p:txBody>
+                <a:bodyPr wrap="none" rtlCol="0">
+                  <a:spAutoFit/>
+                </a:bodyPr>
+                <a:lstStyle/>
+                <a:p>
+                  <a:pPr/>
+                  <a14:m>
+                    <m:oMathPara xmlns:m="http://schemas.openxmlformats.org/officeDocument/2006/math">
+                      <m:oMathParaPr>
+                        <m:jc m:val="centerGroup"/>
+                      </m:oMathParaPr>
+                      <m:oMath xmlns:m="http://schemas.openxmlformats.org/officeDocument/2006/math">
+                        <m:sSub>
+                          <m:sSubPr>
+                            <m:ctrlPr>
+                              <a:rPr lang="en-US" altLang="zh-TW" b="0" i="1" smtClean="0">
+                                <a:latin typeface="Cambria Math" panose="02040503050406030204" pitchFamily="18" charset="0"/>
+                              </a:rPr>
+                            </m:ctrlPr>
+                          </m:sSubPr>
+                          <m:e>
+                            <m:r>
+                              <a:rPr lang="en-US" altLang="zh-TW" b="0" i="1" smtClean="0">
+                                <a:latin typeface="Cambria Math" panose="02040503050406030204" pitchFamily="18" charset="0"/>
+                              </a:rPr>
+                              <m:t>𝑀</m:t>
+                            </m:r>
+                          </m:e>
+                          <m:sub>
+                            <m:r>
+                              <a:rPr lang="en-US" altLang="zh-TW" b="0" i="1" smtClean="0">
+                                <a:latin typeface="Cambria Math" panose="02040503050406030204" pitchFamily="18" charset="0"/>
+                              </a:rPr>
+                              <m:t>𝑖</m:t>
+                            </m:r>
+                          </m:sub>
+                        </m:sSub>
+                      </m:oMath>
+                    </m:oMathPara>
+                  </a14:m>
+                  <a:endParaRPr lang="zh-TW" altLang="en-US" dirty="0"/>
+                </a:p>
+              </p:txBody>
+            </p:sp>
+          </mc:Choice>
+          <mc:Fallback xmlns="">
+            <p:sp>
+              <p:nvSpPr>
+                <p:cNvPr id="11" name="文字方塊 10"/>
+                <p:cNvSpPr txBox="1">
+                  <a:spLocks noRot="1" noChangeAspect="1" noMove="1" noResize="1" noEditPoints="1" noAdjustHandles="1" noChangeArrowheads="1" noChangeShapeType="1" noTextEdit="1"/>
+                </p:cNvSpPr>
+                <p:nvPr/>
+              </p:nvSpPr>
+              <p:spPr>
+                <a:xfrm>
+                  <a:off x="10222828" y="3387634"/>
+                  <a:ext cx="495840" cy="369332"/>
+                </a:xfrm>
+                <a:prstGeom prst="rect">
+                  <a:avLst/>
+                </a:prstGeom>
+                <a:blipFill>
+                  <a:blip r:embed="rId3"/>
+                  <a:stretch>
+                    <a:fillRect b="-1667"/>
+                  </a:stretch>
+                </a:blipFill>
+              </p:spPr>
+              <p:txBody>
+                <a:bodyPr/>
+                <a:lstStyle/>
+                <a:p>
+                  <a:r>
+                    <a:rPr lang="zh-TW" altLang="en-US">
+                      <a:noFill/>
+                    </a:rPr>
+                    <a:t> </a:t>
+                  </a:r>
+                </a:p>
+              </p:txBody>
+            </p:sp>
+          </mc:Fallback>
+        </mc:AlternateContent>
+        <p:sp>
+          <p:nvSpPr>
+            <p:cNvPr id="12" name="矩形 11"/>
+            <p:cNvSpPr/>
+            <p:nvPr/>
+          </p:nvSpPr>
+          <p:spPr>
+            <a:xfrm>
+              <a:off x="2377440" y="3051462"/>
+              <a:ext cx="3317966" cy="867395"/>
+            </a:xfrm>
+            <a:prstGeom prst="rect">
+              <a:avLst/>
+            </a:prstGeom>
+            <a:noFill/>
+            <a:ln>
+              <a:solidFill>
+                <a:schemeClr val="tx1"/>
+              </a:solidFill>
+            </a:ln>
+          </p:spPr>
+          <p:style>
+            <a:lnRef idx="2">
+              <a:schemeClr val="accent1">
+                <a:shade val="50000"/>
+              </a:schemeClr>
+            </a:lnRef>
+            <a:fillRef idx="1">
+              <a:schemeClr val="accent1"/>
+            </a:fillRef>
+            <a:effectRef idx="0">
+              <a:schemeClr val="accent1"/>
+            </a:effectRef>
+            <a:fontRef idx="minor">
+              <a:schemeClr val="lt1"/>
+            </a:fontRef>
+          </p:style>
+          <p:txBody>
+            <a:bodyPr rtlCol="0" anchor="ctr"/>
+            <a:lstStyle/>
+            <a:p>
+              <a:pPr algn="ctr"/>
+              <a:endParaRPr lang="zh-TW" altLang="en-US"/>
+            </a:p>
+          </p:txBody>
+        </p:sp>
+      </p:grpSp>
+      <p:sp>
+        <p:nvSpPr>
+          <p:cNvPr id="15" name="文字方塊 14"/>
+          <p:cNvSpPr txBox="1"/>
+          <p:nvPr/>
+        </p:nvSpPr>
+        <p:spPr>
+          <a:xfrm>
+            <a:off x="518408" y="2196760"/>
+            <a:ext cx="9717545" cy="646331"/>
+          </a:xfrm>
+          <a:prstGeom prst="rect">
+            <a:avLst/>
+          </a:prstGeom>
+          <a:noFill/>
+        </p:spPr>
+        <p:txBody>
+          <a:bodyPr wrap="square" rtlCol="0">
+            <a:spAutoFit/>
+          </a:bodyPr>
+          <a:lstStyle/>
+          <a:p>
+            <a:pPr marL="285750" indent="-285750" algn="just">
+              <a:buFont typeface="Wingdings" panose="05000000000000000000" pitchFamily="2" charset="2"/>
+              <a:buChar char="p"/>
+            </a:pPr>
+            <a:r>
+              <a:rPr lang="en-US" altLang="zh-TW" dirty="0" smtClean="0">
+                <a:latin typeface="Times New Roman" panose="02020603050405020304" pitchFamily="18" charset="0"/>
+                <a:cs typeface="Times New Roman" panose="02020603050405020304" pitchFamily="18" charset="0"/>
+              </a:rPr>
+              <a:t>The authors configure the following experimental scene. They want to keep the UAV flying on the border without crossing.</a:t>
+            </a:r>
+            <a:endParaRPr lang="zh-TW" altLang="en-US" dirty="0">
+              <a:latin typeface="Times New Roman" panose="02020603050405020304" pitchFamily="18" charset="0"/>
+              <a:cs typeface="Times New Roman" panose="02020603050405020304" pitchFamily="18" charset="0"/>
+            </a:endParaRPr>
+          </a:p>
+        </p:txBody>
+      </p:sp>
+      <p:sp>
+        <p:nvSpPr>
+          <p:cNvPr id="16" name="文字方塊 15"/>
+          <p:cNvSpPr txBox="1"/>
+          <p:nvPr/>
+        </p:nvSpPr>
+        <p:spPr>
+          <a:xfrm>
+            <a:off x="518408" y="1316916"/>
+            <a:ext cx="9717545" cy="646331"/>
+          </a:xfrm>
+          <a:prstGeom prst="rect">
+            <a:avLst/>
+          </a:prstGeom>
+          <a:noFill/>
+        </p:spPr>
+        <p:txBody>
+          <a:bodyPr wrap="square" rtlCol="0">
+            <a:spAutoFit/>
+          </a:bodyPr>
+          <a:lstStyle/>
+          <a:p>
+            <a:pPr marL="285750" indent="-285750" algn="just">
+              <a:buFont typeface="Wingdings" panose="05000000000000000000" pitchFamily="2" charset="2"/>
+              <a:buChar char="p"/>
+            </a:pPr>
+            <a:r>
+              <a:rPr lang="en-US" altLang="zh-TW" dirty="0" smtClean="0">
+                <a:latin typeface="Times New Roman" panose="02020603050405020304" pitchFamily="18" charset="0"/>
+                <a:cs typeface="Times New Roman" panose="02020603050405020304" pitchFamily="18" charset="0"/>
+              </a:rPr>
+              <a:t>In order to investigate the impact of latency and packet loss to UAV control, the authors find a most challenging case.</a:t>
+            </a:r>
+            <a:endParaRPr lang="zh-TW" altLang="en-US" dirty="0">
+              <a:latin typeface="Times New Roman" panose="02020603050405020304" pitchFamily="18" charset="0"/>
+              <a:cs typeface="Times New Roman" panose="02020603050405020304" pitchFamily="18" charset="0"/>
+            </a:endParaRPr>
+          </a:p>
+        </p:txBody>
+      </p:sp>
     </p:spTree>
     <p:extLst>
       <p:ext uri="{BB962C8B-B14F-4D97-AF65-F5344CB8AC3E}">
@@ -14639,6 +14888,1405 @@
 </file>
 
 <file path=ppt/slides/slide12.xml><?xml version="1.0" encoding="utf-8"?>
+<p:sld xmlns:a="http://schemas.openxmlformats.org/drawingml/2006/main" xmlns:r="http://schemas.openxmlformats.org/officeDocument/2006/relationships" xmlns:p="http://schemas.openxmlformats.org/presentationml/2006/main">
+  <p:cSld>
+    <p:spTree>
+      <p:nvGrpSpPr>
+        <p:cNvPr id="1" name=""/>
+        <p:cNvGrpSpPr/>
+        <p:nvPr/>
+      </p:nvGrpSpPr>
+      <p:grpSpPr>
+        <a:xfrm>
+          <a:off x="0" y="0"/>
+          <a:ext cx="0" cy="0"/>
+          <a:chOff x="0" y="0"/>
+          <a:chExt cx="0" cy="0"/>
+        </a:xfrm>
+      </p:grpSpPr>
+      <p:sp>
+        <p:nvSpPr>
+          <p:cNvPr id="4" name="投影片編號版面配置區 3"/>
+          <p:cNvSpPr>
+            <a:spLocks noGrp="1"/>
+          </p:cNvSpPr>
+          <p:nvPr>
+            <p:ph type="sldNum" sz="quarter" idx="12"/>
+          </p:nvPr>
+        </p:nvSpPr>
+        <p:spPr/>
+        <p:txBody>
+          <a:bodyPr/>
+          <a:lstStyle/>
+          <a:p>
+            <a:fld id="{C128DF73-0FD1-4EFB-B6B9-20BE1557E8C1}" type="slidenum">
+              <a:rPr lang="zh-TW" altLang="en-US" smtClean="0"/>
+              <a:t>12</a:t>
+            </a:fld>
+            <a:endParaRPr lang="zh-TW" altLang="en-US"/>
+          </a:p>
+        </p:txBody>
+      </p:sp>
+      <p:sp>
+        <p:nvSpPr>
+          <p:cNvPr id="5" name="橢圓 4"/>
+          <p:cNvSpPr/>
+          <p:nvPr/>
+        </p:nvSpPr>
+        <p:spPr>
+          <a:xfrm>
+            <a:off x="345688" y="920843"/>
+            <a:ext cx="172720" cy="162560"/>
+          </a:xfrm>
+          <a:prstGeom prst="ellipse">
+            <a:avLst/>
+          </a:prstGeom>
+          <a:solidFill>
+            <a:schemeClr val="tx1">
+              <a:lumMod val="65000"/>
+              <a:lumOff val="35000"/>
+            </a:schemeClr>
+          </a:solidFill>
+          <a:ln>
+            <a:noFill/>
+          </a:ln>
+        </p:spPr>
+        <p:style>
+          <a:lnRef idx="2">
+            <a:schemeClr val="accent1">
+              <a:shade val="50000"/>
+            </a:schemeClr>
+          </a:lnRef>
+          <a:fillRef idx="1">
+            <a:schemeClr val="accent1"/>
+          </a:fillRef>
+          <a:effectRef idx="0">
+            <a:schemeClr val="accent1"/>
+          </a:effectRef>
+          <a:fontRef idx="minor">
+            <a:schemeClr val="lt1"/>
+          </a:fontRef>
+        </p:style>
+        <p:txBody>
+          <a:bodyPr rtlCol="0" anchor="ctr"/>
+          <a:lstStyle/>
+          <a:p>
+            <a:pPr algn="ctr"/>
+            <a:endParaRPr lang="zh-TW" altLang="en-US"/>
+          </a:p>
+        </p:txBody>
+      </p:sp>
+      <p:cxnSp>
+        <p:nvCxnSpPr>
+          <p:cNvPr id="6" name="直線接點 5"/>
+          <p:cNvCxnSpPr>
+            <a:stCxn id="5" idx="6"/>
+          </p:cNvCxnSpPr>
+          <p:nvPr/>
+        </p:nvCxnSpPr>
+        <p:spPr>
+          <a:xfrm>
+            <a:off x="518408" y="1002123"/>
+            <a:ext cx="5368586" cy="0"/>
+          </a:xfrm>
+          <a:prstGeom prst="line">
+            <a:avLst/>
+          </a:prstGeom>
+          <a:ln w="25400">
+            <a:solidFill>
+              <a:schemeClr val="tx1">
+                <a:lumMod val="65000"/>
+                <a:lumOff val="35000"/>
+              </a:schemeClr>
+            </a:solidFill>
+          </a:ln>
+        </p:spPr>
+        <p:style>
+          <a:lnRef idx="1">
+            <a:schemeClr val="accent1"/>
+          </a:lnRef>
+          <a:fillRef idx="0">
+            <a:schemeClr val="accent1"/>
+          </a:fillRef>
+          <a:effectRef idx="0">
+            <a:schemeClr val="accent1"/>
+          </a:effectRef>
+          <a:fontRef idx="minor">
+            <a:schemeClr val="tx1"/>
+          </a:fontRef>
+        </p:style>
+      </p:cxnSp>
+      <p:sp>
+        <p:nvSpPr>
+          <p:cNvPr id="7" name="矩形 6"/>
+          <p:cNvSpPr/>
+          <p:nvPr/>
+        </p:nvSpPr>
+        <p:spPr>
+          <a:xfrm>
+            <a:off x="432048" y="417348"/>
+            <a:ext cx="5551521" cy="584775"/>
+          </a:xfrm>
+          <a:prstGeom prst="rect">
+            <a:avLst/>
+          </a:prstGeom>
+          <a:noFill/>
+        </p:spPr>
+        <p:txBody>
+          <a:bodyPr wrap="none" lIns="91440" tIns="45720" rIns="91440" bIns="45720">
+            <a:spAutoFit/>
+          </a:bodyPr>
+          <a:lstStyle/>
+          <a:p>
+            <a:pPr algn="ctr"/>
+            <a:r>
+              <a:rPr lang="en-US" altLang="zh-TW" sz="3200" b="1" cap="none" spc="0" dirty="0" smtClean="0">
+                <a:ln w="0"/>
+                <a:solidFill>
+                  <a:schemeClr val="accent1"/>
+                </a:solidFill>
+                <a:effectLst>
+                  <a:outerShdw blurRad="38100" dist="25400" dir="5400000" algn="ctr" rotWithShape="0">
+                    <a:srgbClr val="6E747A">
+                      <a:alpha val="43000"/>
+                    </a:srgbClr>
+                  </a:outerShdw>
+                </a:effectLst>
+                <a:latin typeface="Times New Roman" panose="02020603050405020304" pitchFamily="18" charset="0"/>
+                <a:cs typeface="Times New Roman" panose="02020603050405020304" pitchFamily="18" charset="0"/>
+              </a:rPr>
+              <a:t>Experimentation Methodology</a:t>
+            </a:r>
+            <a:endParaRPr lang="zh-TW" altLang="en-US" sz="3200" b="1" cap="none" spc="0" dirty="0">
+              <a:ln w="0"/>
+              <a:solidFill>
+                <a:schemeClr val="accent1"/>
+              </a:solidFill>
+              <a:effectLst>
+                <a:outerShdw blurRad="38100" dist="25400" dir="5400000" algn="ctr" rotWithShape="0">
+                  <a:srgbClr val="6E747A">
+                    <a:alpha val="43000"/>
+                  </a:srgbClr>
+                </a:outerShdw>
+              </a:effectLst>
+              <a:latin typeface="Times New Roman" panose="02020603050405020304" pitchFamily="18" charset="0"/>
+              <a:cs typeface="Times New Roman" panose="02020603050405020304" pitchFamily="18" charset="0"/>
+            </a:endParaRPr>
+          </a:p>
+        </p:txBody>
+      </p:sp>
+      <p:grpSp>
+        <p:nvGrpSpPr>
+          <p:cNvPr id="8" name="群組 7"/>
+          <p:cNvGrpSpPr/>
+          <p:nvPr/>
+        </p:nvGrpSpPr>
+        <p:grpSpPr>
+          <a:xfrm>
+            <a:off x="6487269" y="3342091"/>
+            <a:ext cx="4866531" cy="1654628"/>
+            <a:chOff x="1194610" y="3051462"/>
+            <a:chExt cx="9524058" cy="3304888"/>
+          </a:xfrm>
+        </p:grpSpPr>
+        <p:pic>
+          <p:nvPicPr>
+            <p:cNvPr id="9" name="圖片 8"/>
+            <p:cNvPicPr>
+              <a:picLocks noChangeAspect="1"/>
+            </p:cNvPicPr>
+            <p:nvPr/>
+          </p:nvPicPr>
+          <p:blipFill>
+            <a:blip r:embed="rId2"/>
+            <a:stretch>
+              <a:fillRect/>
+            </a:stretch>
+          </p:blipFill>
+          <p:spPr>
+            <a:xfrm>
+              <a:off x="1194610" y="3051462"/>
+              <a:ext cx="9384767" cy="3304888"/>
+            </a:xfrm>
+            <a:prstGeom prst="rect">
+              <a:avLst/>
+            </a:prstGeom>
+          </p:spPr>
+        </p:pic>
+        <mc:AlternateContent xmlns:mc="http://schemas.openxmlformats.org/markup-compatibility/2006" xmlns:a14="http://schemas.microsoft.com/office/drawing/2010/main">
+          <mc:Choice Requires="a14">
+            <p:sp>
+              <p:nvSpPr>
+                <p:cNvPr id="10" name="文字方塊 9"/>
+                <p:cNvSpPr txBox="1"/>
+                <p:nvPr/>
+              </p:nvSpPr>
+              <p:spPr>
+                <a:xfrm>
+                  <a:off x="10222828" y="3387634"/>
+                  <a:ext cx="495840" cy="369332"/>
+                </a:xfrm>
+                <a:prstGeom prst="rect">
+                  <a:avLst/>
+                </a:prstGeom>
+                <a:noFill/>
+              </p:spPr>
+              <p:txBody>
+                <a:bodyPr wrap="none" rtlCol="0">
+                  <a:spAutoFit/>
+                </a:bodyPr>
+                <a:lstStyle/>
+                <a:p>
+                  <a:pPr/>
+                  <a14:m>
+                    <m:oMathPara xmlns:m="http://schemas.openxmlformats.org/officeDocument/2006/math">
+                      <m:oMathParaPr>
+                        <m:jc m:val="centerGroup"/>
+                      </m:oMathParaPr>
+                      <m:oMath xmlns:m="http://schemas.openxmlformats.org/officeDocument/2006/math">
+                        <m:sSub>
+                          <m:sSubPr>
+                            <m:ctrlPr>
+                              <a:rPr lang="en-US" altLang="zh-TW" b="0" i="1" smtClean="0">
+                                <a:latin typeface="Cambria Math" panose="02040503050406030204" pitchFamily="18" charset="0"/>
+                              </a:rPr>
+                            </m:ctrlPr>
+                          </m:sSubPr>
+                          <m:e>
+                            <m:r>
+                              <a:rPr lang="en-US" altLang="zh-TW" b="0" i="1" smtClean="0">
+                                <a:latin typeface="Cambria Math" panose="02040503050406030204" pitchFamily="18" charset="0"/>
+                              </a:rPr>
+                              <m:t>𝑀</m:t>
+                            </m:r>
+                          </m:e>
+                          <m:sub>
+                            <m:r>
+                              <a:rPr lang="en-US" altLang="zh-TW" b="0" i="1" smtClean="0">
+                                <a:latin typeface="Cambria Math" panose="02040503050406030204" pitchFamily="18" charset="0"/>
+                              </a:rPr>
+                              <m:t>𝑖</m:t>
+                            </m:r>
+                          </m:sub>
+                        </m:sSub>
+                      </m:oMath>
+                    </m:oMathPara>
+                  </a14:m>
+                  <a:endParaRPr lang="zh-TW" altLang="en-US" dirty="0"/>
+                </a:p>
+              </p:txBody>
+            </p:sp>
+          </mc:Choice>
+          <mc:Fallback xmlns="">
+            <p:sp>
+              <p:nvSpPr>
+                <p:cNvPr id="10" name="文字方塊 9"/>
+                <p:cNvSpPr txBox="1">
+                  <a:spLocks noRot="1" noChangeAspect="1" noMove="1" noResize="1" noEditPoints="1" noAdjustHandles="1" noChangeArrowheads="1" noChangeShapeType="1" noTextEdit="1"/>
+                </p:cNvSpPr>
+                <p:nvPr/>
+              </p:nvSpPr>
+              <p:spPr>
+                <a:xfrm>
+                  <a:off x="10222828" y="3387634"/>
+                  <a:ext cx="495840" cy="369332"/>
+                </a:xfrm>
+                <a:prstGeom prst="rect">
+                  <a:avLst/>
+                </a:prstGeom>
+                <a:blipFill>
+                  <a:blip r:embed="rId3"/>
+                  <a:stretch>
+                    <a:fillRect r="-11864" b="-38636"/>
+                  </a:stretch>
+                </a:blipFill>
+              </p:spPr>
+              <p:txBody>
+                <a:bodyPr/>
+                <a:lstStyle/>
+                <a:p>
+                  <a:r>
+                    <a:rPr lang="zh-TW" altLang="en-US">
+                      <a:noFill/>
+                    </a:rPr>
+                    <a:t> </a:t>
+                  </a:r>
+                </a:p>
+              </p:txBody>
+            </p:sp>
+          </mc:Fallback>
+        </mc:AlternateContent>
+        <p:sp>
+          <p:nvSpPr>
+            <p:cNvPr id="11" name="矩形 10"/>
+            <p:cNvSpPr/>
+            <p:nvPr/>
+          </p:nvSpPr>
+          <p:spPr>
+            <a:xfrm>
+              <a:off x="2377440" y="3051462"/>
+              <a:ext cx="3317966" cy="867395"/>
+            </a:xfrm>
+            <a:prstGeom prst="rect">
+              <a:avLst/>
+            </a:prstGeom>
+            <a:noFill/>
+            <a:ln>
+              <a:solidFill>
+                <a:schemeClr val="tx1"/>
+              </a:solidFill>
+            </a:ln>
+          </p:spPr>
+          <p:style>
+            <a:lnRef idx="2">
+              <a:schemeClr val="accent1">
+                <a:shade val="50000"/>
+              </a:schemeClr>
+            </a:lnRef>
+            <a:fillRef idx="1">
+              <a:schemeClr val="accent1"/>
+            </a:fillRef>
+            <a:effectRef idx="0">
+              <a:schemeClr val="accent1"/>
+            </a:effectRef>
+            <a:fontRef idx="minor">
+              <a:schemeClr val="lt1"/>
+            </a:fontRef>
+          </p:style>
+          <p:txBody>
+            <a:bodyPr rtlCol="0" anchor="ctr"/>
+            <a:lstStyle/>
+            <a:p>
+              <a:pPr algn="ctr"/>
+              <a:endParaRPr lang="zh-TW" altLang="en-US"/>
+            </a:p>
+          </p:txBody>
+        </p:sp>
+      </p:grpSp>
+      <p:sp>
+        <p:nvSpPr>
+          <p:cNvPr id="12" name="文字方塊 11"/>
+          <p:cNvSpPr txBox="1"/>
+          <p:nvPr/>
+        </p:nvSpPr>
+        <p:spPr>
+          <a:xfrm>
+            <a:off x="518409" y="1290298"/>
+            <a:ext cx="6735832" cy="369332"/>
+          </a:xfrm>
+          <a:prstGeom prst="rect">
+            <a:avLst/>
+          </a:prstGeom>
+          <a:noFill/>
+        </p:spPr>
+        <p:txBody>
+          <a:bodyPr wrap="square" rtlCol="0">
+            <a:spAutoFit/>
+          </a:bodyPr>
+          <a:lstStyle/>
+          <a:p>
+            <a:pPr marL="285750" indent="-285750" algn="just">
+              <a:buFont typeface="Wingdings" panose="05000000000000000000" pitchFamily="2" charset="2"/>
+              <a:buChar char="p"/>
+            </a:pPr>
+            <a:r>
+              <a:rPr lang="en-US" altLang="zh-TW" dirty="0" smtClean="0">
+                <a:latin typeface="Times New Roman" panose="02020603050405020304" pitchFamily="18" charset="0"/>
+                <a:cs typeface="Times New Roman" panose="02020603050405020304" pitchFamily="18" charset="0"/>
+              </a:rPr>
+              <a:t>Then we will measure two arguments to evaluate flying stability.</a:t>
+            </a:r>
+            <a:endParaRPr lang="zh-TW" altLang="en-US" dirty="0">
+              <a:latin typeface="Times New Roman" panose="02020603050405020304" pitchFamily="18" charset="0"/>
+              <a:cs typeface="Times New Roman" panose="02020603050405020304" pitchFamily="18" charset="0"/>
+            </a:endParaRPr>
+          </a:p>
+        </p:txBody>
+      </p:sp>
+      <mc:AlternateContent xmlns:mc="http://schemas.openxmlformats.org/markup-compatibility/2006">
+        <mc:Choice xmlns:a14="http://schemas.microsoft.com/office/drawing/2010/main" Requires="a14">
+          <p:sp>
+            <p:nvSpPr>
+              <p:cNvPr id="13" name="文字方塊 12"/>
+              <p:cNvSpPr txBox="1"/>
+              <p:nvPr/>
+            </p:nvSpPr>
+            <p:spPr>
+              <a:xfrm>
+                <a:off x="818855" y="1916344"/>
+                <a:ext cx="4371454" cy="395621"/>
+              </a:xfrm>
+              <a:prstGeom prst="rect">
+                <a:avLst/>
+              </a:prstGeom>
+              <a:noFill/>
+            </p:spPr>
+            <p:txBody>
+              <a:bodyPr wrap="square" rtlCol="0">
+                <a:spAutoFit/>
+              </a:bodyPr>
+              <a:lstStyle/>
+              <a:p>
+                <a:pPr algn="just"/>
+                <a:r>
+                  <a:rPr lang="en-US" altLang="zh-TW" b="1" dirty="0" smtClean="0">
+                    <a:latin typeface="Times New Roman" panose="02020603050405020304" pitchFamily="18" charset="0"/>
+                    <a:cs typeface="Times New Roman" panose="02020603050405020304" pitchFamily="18" charset="0"/>
+                  </a:rPr>
+                  <a:t>1. The average of crossing distances </a:t>
+                </a:r>
+                <a14:m>
+                  <m:oMath xmlns:m="http://schemas.openxmlformats.org/officeDocument/2006/math">
+                    <m:sSub>
+                      <m:sSubPr>
+                        <m:ctrlPr>
+                          <a:rPr lang="en-US" altLang="zh-TW" b="1" i="1" smtClean="0">
+                            <a:latin typeface="Cambria Math" panose="02040503050406030204" pitchFamily="18" charset="0"/>
+                            <a:cs typeface="Times New Roman" panose="02020603050405020304" pitchFamily="18" charset="0"/>
+                          </a:rPr>
+                        </m:ctrlPr>
+                      </m:sSubPr>
+                      <m:e>
+                        <m:r>
+                          <a:rPr lang="en-US" altLang="zh-TW" b="1" i="1" smtClean="0">
+                            <a:latin typeface="Cambria Math" panose="02040503050406030204" pitchFamily="18" charset="0"/>
+                            <a:cs typeface="Times New Roman" panose="02020603050405020304" pitchFamily="18" charset="0"/>
+                          </a:rPr>
+                          <m:t>𝑪</m:t>
+                        </m:r>
+                      </m:e>
+                      <m:sub>
+                        <m:r>
+                          <a:rPr lang="en-US" altLang="zh-TW" b="1" i="1" smtClean="0">
+                            <a:latin typeface="Cambria Math" panose="02040503050406030204" pitchFamily="18" charset="0"/>
+                            <a:cs typeface="Times New Roman" panose="02020603050405020304" pitchFamily="18" charset="0"/>
+                          </a:rPr>
+                          <m:t>𝒂𝒗𝒈</m:t>
+                        </m:r>
+                      </m:sub>
+                    </m:sSub>
+                  </m:oMath>
+                </a14:m>
+                <a:endParaRPr lang="zh-TW" altLang="en-US" b="1" dirty="0">
+                  <a:latin typeface="Times New Roman" panose="02020603050405020304" pitchFamily="18" charset="0"/>
+                  <a:cs typeface="Times New Roman" panose="02020603050405020304" pitchFamily="18" charset="0"/>
+                </a:endParaRPr>
+              </a:p>
+            </p:txBody>
+          </p:sp>
+        </mc:Choice>
+        <mc:Fallback>
+          <p:sp>
+            <p:nvSpPr>
+              <p:cNvPr id="13" name="文字方塊 12"/>
+              <p:cNvSpPr txBox="1">
+                <a:spLocks noRot="1" noChangeAspect="1" noMove="1" noResize="1" noEditPoints="1" noAdjustHandles="1" noChangeArrowheads="1" noChangeShapeType="1" noTextEdit="1"/>
+              </p:cNvSpPr>
+              <p:nvPr/>
+            </p:nvSpPr>
+            <p:spPr>
+              <a:xfrm>
+                <a:off x="818855" y="1916344"/>
+                <a:ext cx="4371454" cy="395621"/>
+              </a:xfrm>
+              <a:prstGeom prst="rect">
+                <a:avLst/>
+              </a:prstGeom>
+              <a:blipFill>
+                <a:blip r:embed="rId4"/>
+                <a:stretch>
+                  <a:fillRect l="-1116" t="-7692" b="-16923"/>
+                </a:stretch>
+              </a:blipFill>
+            </p:spPr>
+            <p:txBody>
+              <a:bodyPr/>
+              <a:lstStyle/>
+              <a:p>
+                <a:r>
+                  <a:rPr lang="zh-TW" altLang="en-US">
+                    <a:noFill/>
+                  </a:rPr>
+                  <a:t> </a:t>
+                </a:r>
+              </a:p>
+            </p:txBody>
+          </p:sp>
+        </mc:Fallback>
+      </mc:AlternateContent>
+      <mc:AlternateContent xmlns:mc="http://schemas.openxmlformats.org/markup-compatibility/2006">
+        <mc:Choice xmlns:a14="http://schemas.microsoft.com/office/drawing/2010/main" Requires="a14">
+          <p:sp>
+            <p:nvSpPr>
+              <p:cNvPr id="14" name="文字方塊 13"/>
+              <p:cNvSpPr txBox="1"/>
+              <p:nvPr/>
+            </p:nvSpPr>
+            <p:spPr>
+              <a:xfrm>
+                <a:off x="1201784" y="2456061"/>
+                <a:ext cx="6902787" cy="741934"/>
+              </a:xfrm>
+              <a:prstGeom prst="rect">
+                <a:avLst/>
+              </a:prstGeom>
+              <a:noFill/>
+            </p:spPr>
+            <p:txBody>
+              <a:bodyPr wrap="none" rtlCol="0">
+                <a:spAutoFit/>
+              </a:bodyPr>
+              <a:lstStyle/>
+              <a:p>
+                <a:pPr/>
+                <a14:m>
+                  <m:oMathPara xmlns:m="http://schemas.openxmlformats.org/officeDocument/2006/math">
+                    <m:oMathParaPr>
+                      <m:jc m:val="centerGroup"/>
+                    </m:oMathParaPr>
+                    <m:oMath xmlns:m="http://schemas.openxmlformats.org/officeDocument/2006/math">
+                      <m:sSub>
+                        <m:sSubPr>
+                          <m:ctrlPr>
+                            <a:rPr lang="en-US" altLang="zh-TW" b="0" i="1" smtClean="0">
+                              <a:latin typeface="Cambria Math" panose="02040503050406030204" pitchFamily="18" charset="0"/>
+                            </a:rPr>
+                          </m:ctrlPr>
+                        </m:sSubPr>
+                        <m:e>
+                          <m:r>
+                            <a:rPr lang="en-US" altLang="zh-TW" b="0" i="1" smtClean="0">
+                              <a:latin typeface="Cambria Math" panose="02040503050406030204" pitchFamily="18" charset="0"/>
+                            </a:rPr>
+                            <m:t>𝐶</m:t>
+                          </m:r>
+                        </m:e>
+                        <m:sub>
+                          <m:r>
+                            <a:rPr lang="en-US" altLang="zh-TW" b="0" i="1" smtClean="0">
+                              <a:latin typeface="Cambria Math" panose="02040503050406030204" pitchFamily="18" charset="0"/>
+                            </a:rPr>
+                            <m:t>𝑎𝑣𝑔</m:t>
+                          </m:r>
+                        </m:sub>
+                      </m:sSub>
+                      <m:r>
+                        <a:rPr lang="en-US" altLang="zh-TW" b="0" i="1" smtClean="0">
+                          <a:latin typeface="Cambria Math" panose="02040503050406030204" pitchFamily="18" charset="0"/>
+                        </a:rPr>
+                        <m:t>=</m:t>
+                      </m:r>
+                      <m:f>
+                        <m:fPr>
+                          <m:ctrlPr>
+                            <a:rPr lang="en-US" altLang="zh-TW" b="0" i="1" smtClean="0">
+                              <a:latin typeface="Cambria Math" panose="02040503050406030204" pitchFamily="18" charset="0"/>
+                            </a:rPr>
+                          </m:ctrlPr>
+                        </m:fPr>
+                        <m:num>
+                          <m:nary>
+                            <m:naryPr>
+                              <m:chr m:val="∑"/>
+                              <m:ctrlPr>
+                                <a:rPr lang="en-US" altLang="zh-TW" b="0" i="1" smtClean="0">
+                                  <a:latin typeface="Cambria Math" panose="02040503050406030204" pitchFamily="18" charset="0"/>
+                                </a:rPr>
+                              </m:ctrlPr>
+                            </m:naryPr>
+                            <m:sub>
+                              <m:r>
+                                <m:rPr>
+                                  <m:brk m:alnAt="23"/>
+                                </m:rPr>
+                                <a:rPr lang="en-US" altLang="zh-TW" b="0" i="1" smtClean="0">
+                                  <a:latin typeface="Cambria Math" panose="02040503050406030204" pitchFamily="18" charset="0"/>
+                                </a:rPr>
+                                <m:t>𝑖</m:t>
+                              </m:r>
+                              <m:r>
+                                <a:rPr lang="en-US" altLang="zh-TW" b="0" i="1" smtClean="0">
+                                  <a:latin typeface="Cambria Math" panose="02040503050406030204" pitchFamily="18" charset="0"/>
+                                </a:rPr>
+                                <m:t>=1</m:t>
+                              </m:r>
+                            </m:sub>
+                            <m:sup>
+                              <m:r>
+                                <a:rPr lang="en-US" altLang="zh-TW" b="0" i="1" smtClean="0">
+                                  <a:latin typeface="Cambria Math" panose="02040503050406030204" pitchFamily="18" charset="0"/>
+                                </a:rPr>
+                                <m:t>𝑁</m:t>
+                              </m:r>
+                              <m:sSub>
+                                <m:sSubPr>
+                                  <m:ctrlPr>
+                                    <a:rPr lang="en-US" altLang="zh-TW" b="0" i="1" smtClean="0">
+                                      <a:latin typeface="Cambria Math" panose="02040503050406030204" pitchFamily="18" charset="0"/>
+                                    </a:rPr>
+                                  </m:ctrlPr>
+                                </m:sSubPr>
+                                <m:e>
+                                  <m:r>
+                                    <a:rPr lang="en-US" altLang="zh-TW" b="0" i="1" smtClean="0">
+                                      <a:latin typeface="Cambria Math" panose="02040503050406030204" pitchFamily="18" charset="0"/>
+                                    </a:rPr>
+                                    <m:t>𝑏</m:t>
+                                  </m:r>
+                                </m:e>
+                                <m:sub>
+                                  <m:r>
+                                    <a:rPr lang="en-US" altLang="zh-TW" b="0" i="1" smtClean="0">
+                                      <a:latin typeface="Cambria Math" panose="02040503050406030204" pitchFamily="18" charset="0"/>
+                                    </a:rPr>
+                                    <m:t>𝑚</m:t>
+                                  </m:r>
+                                </m:sub>
+                              </m:sSub>
+                            </m:sup>
+                            <m:e>
+                              <m:sSub>
+                                <m:sSubPr>
+                                  <m:ctrlPr>
+                                    <a:rPr lang="en-US" altLang="zh-TW" b="0" i="1" smtClean="0">
+                                      <a:latin typeface="Cambria Math" panose="02040503050406030204" pitchFamily="18" charset="0"/>
+                                    </a:rPr>
+                                  </m:ctrlPr>
+                                </m:sSubPr>
+                                <m:e>
+                                  <m:r>
+                                    <a:rPr lang="en-US" altLang="zh-TW" b="0" i="1" smtClean="0">
+                                      <a:latin typeface="Cambria Math" panose="02040503050406030204" pitchFamily="18" charset="0"/>
+                                    </a:rPr>
+                                    <m:t>𝑀</m:t>
+                                  </m:r>
+                                </m:e>
+                                <m:sub>
+                                  <m:r>
+                                    <a:rPr lang="en-US" altLang="zh-TW" b="0" i="1" smtClean="0">
+                                      <a:latin typeface="Cambria Math" panose="02040503050406030204" pitchFamily="18" charset="0"/>
+                                    </a:rPr>
+                                    <m:t>𝑖</m:t>
+                                  </m:r>
+                                </m:sub>
+                              </m:sSub>
+                            </m:e>
+                          </m:nary>
+                        </m:num>
+                        <m:den>
+                          <m:r>
+                            <a:rPr lang="en-US" altLang="zh-TW" b="0" i="1" smtClean="0">
+                              <a:latin typeface="Cambria Math" panose="02040503050406030204" pitchFamily="18" charset="0"/>
+                            </a:rPr>
+                            <m:t>𝑁</m:t>
+                          </m:r>
+                          <m:sSub>
+                            <m:sSubPr>
+                              <m:ctrlPr>
+                                <a:rPr lang="en-US" altLang="zh-TW" b="0" i="1" smtClean="0">
+                                  <a:latin typeface="Cambria Math" panose="02040503050406030204" pitchFamily="18" charset="0"/>
+                                </a:rPr>
+                              </m:ctrlPr>
+                            </m:sSubPr>
+                            <m:e>
+                              <m:r>
+                                <a:rPr lang="en-US" altLang="zh-TW" b="0" i="1" smtClean="0">
+                                  <a:latin typeface="Cambria Math" panose="02040503050406030204" pitchFamily="18" charset="0"/>
+                                </a:rPr>
+                                <m:t>𝑏</m:t>
+                              </m:r>
+                            </m:e>
+                            <m:sub>
+                              <m:r>
+                                <a:rPr lang="en-US" altLang="zh-TW" b="0" i="1" smtClean="0">
+                                  <a:latin typeface="Cambria Math" panose="02040503050406030204" pitchFamily="18" charset="0"/>
+                                </a:rPr>
+                                <m:t>𝑚</m:t>
+                              </m:r>
+                            </m:sub>
+                          </m:sSub>
+                        </m:den>
+                      </m:f>
+                      <m:r>
+                        <a:rPr lang="en-US" altLang="zh-TW" b="0" i="0" smtClean="0">
+                          <a:latin typeface="Cambria Math" panose="02040503050406030204" pitchFamily="18" charset="0"/>
+                        </a:rPr>
+                        <m:t> ;</m:t>
+                      </m:r>
+                      <m:sSub>
+                        <m:sSubPr>
+                          <m:ctrlPr>
+                            <a:rPr lang="en-US" altLang="zh-TW" b="0" i="1" smtClean="0">
+                              <a:latin typeface="Cambria Math" panose="02040503050406030204" pitchFamily="18" charset="0"/>
+                            </a:rPr>
+                          </m:ctrlPr>
+                        </m:sSubPr>
+                        <m:e>
+                          <m:r>
+                            <m:rPr>
+                              <m:sty m:val="p"/>
+                            </m:rPr>
+                            <a:rPr lang="en-US" altLang="zh-TW" b="0" i="0" smtClean="0">
+                              <a:latin typeface="Cambria Math" panose="02040503050406030204" pitchFamily="18" charset="0"/>
+                            </a:rPr>
+                            <m:t>M</m:t>
+                          </m:r>
+                        </m:e>
+                        <m:sub>
+                          <m:r>
+                            <m:rPr>
+                              <m:sty m:val="p"/>
+                            </m:rPr>
+                            <a:rPr lang="en-US" altLang="zh-TW" b="0" i="0" smtClean="0">
+                              <a:latin typeface="Cambria Math" panose="02040503050406030204" pitchFamily="18" charset="0"/>
+                            </a:rPr>
+                            <m:t>i</m:t>
+                          </m:r>
+                        </m:sub>
+                      </m:sSub>
+                      <m:r>
+                        <a:rPr lang="en-US" altLang="zh-TW" b="0" i="0" smtClean="0">
+                          <a:latin typeface="Cambria Math" panose="02040503050406030204" pitchFamily="18" charset="0"/>
+                        </a:rPr>
+                        <m:t> </m:t>
+                      </m:r>
+                      <m:r>
+                        <m:rPr>
+                          <m:sty m:val="p"/>
+                        </m:rPr>
+                        <a:rPr lang="en-US" altLang="zh-TW" b="0" i="0" smtClean="0">
+                          <a:latin typeface="Cambria Math" panose="02040503050406030204" pitchFamily="18" charset="0"/>
+                        </a:rPr>
+                        <m:t>is</m:t>
+                      </m:r>
+                      <m:r>
+                        <a:rPr lang="en-US" altLang="zh-TW" b="0" i="0" smtClean="0">
+                          <a:latin typeface="Cambria Math" panose="02040503050406030204" pitchFamily="18" charset="0"/>
+                        </a:rPr>
+                        <m:t> </m:t>
+                      </m:r>
+                      <m:r>
+                        <m:rPr>
+                          <m:sty m:val="p"/>
+                        </m:rPr>
+                        <a:rPr lang="en-US" altLang="zh-TW" b="0" i="0" smtClean="0">
+                          <a:latin typeface="Cambria Math" panose="02040503050406030204" pitchFamily="18" charset="0"/>
+                        </a:rPr>
+                        <m:t>the</m:t>
+                      </m:r>
+                      <m:r>
+                        <a:rPr lang="en-US" altLang="zh-TW" b="0" i="0" smtClean="0">
+                          <a:latin typeface="Cambria Math" panose="02040503050406030204" pitchFamily="18" charset="0"/>
+                        </a:rPr>
+                        <m:t> </m:t>
+                      </m:r>
+                      <m:r>
+                        <m:rPr>
+                          <m:sty m:val="p"/>
+                        </m:rPr>
+                        <a:rPr lang="en-US" altLang="zh-TW" b="0" i="0" smtClean="0">
+                          <a:latin typeface="Cambria Math" panose="02040503050406030204" pitchFamily="18" charset="0"/>
+                        </a:rPr>
+                        <m:t>distance</m:t>
+                      </m:r>
+                      <m:r>
+                        <a:rPr lang="en-US" altLang="zh-TW" b="0" i="0" smtClean="0">
+                          <a:latin typeface="Cambria Math" panose="02040503050406030204" pitchFamily="18" charset="0"/>
+                        </a:rPr>
+                        <m:t> </m:t>
+                      </m:r>
+                      <m:r>
+                        <m:rPr>
+                          <m:sty m:val="p"/>
+                        </m:rPr>
+                        <a:rPr lang="en-US" altLang="zh-TW" b="0" i="0" smtClean="0">
+                          <a:latin typeface="Cambria Math" panose="02040503050406030204" pitchFamily="18" charset="0"/>
+                        </a:rPr>
+                        <m:t>between</m:t>
+                      </m:r>
+                      <m:r>
+                        <a:rPr lang="en-US" altLang="zh-TW" b="0" i="0" smtClean="0">
+                          <a:latin typeface="Cambria Math" panose="02040503050406030204" pitchFamily="18" charset="0"/>
+                        </a:rPr>
+                        <m:t> </m:t>
+                      </m:r>
+                      <m:r>
+                        <m:rPr>
+                          <m:sty m:val="p"/>
+                        </m:rPr>
+                        <a:rPr lang="en-US" altLang="zh-TW" b="0" i="0" smtClean="0">
+                          <a:latin typeface="Cambria Math" panose="02040503050406030204" pitchFamily="18" charset="0"/>
+                        </a:rPr>
+                        <m:t>UAV</m:t>
+                      </m:r>
+                      <m:r>
+                        <a:rPr lang="en-US" altLang="zh-TW" b="0" i="0" smtClean="0">
+                          <a:latin typeface="Cambria Math" panose="02040503050406030204" pitchFamily="18" charset="0"/>
+                        </a:rPr>
+                        <m:t> </m:t>
+                      </m:r>
+                      <m:r>
+                        <m:rPr>
+                          <m:sty m:val="p"/>
+                        </m:rPr>
+                        <a:rPr lang="en-US" altLang="zh-TW" b="0" i="0" smtClean="0">
+                          <a:latin typeface="Cambria Math" panose="02040503050406030204" pitchFamily="18" charset="0"/>
+                        </a:rPr>
+                        <m:t>and</m:t>
+                      </m:r>
+                      <m:r>
+                        <a:rPr lang="en-US" altLang="zh-TW" b="0" i="0" smtClean="0">
+                          <a:latin typeface="Cambria Math" panose="02040503050406030204" pitchFamily="18" charset="0"/>
+                        </a:rPr>
+                        <m:t> </m:t>
+                      </m:r>
+                      <m:r>
+                        <m:rPr>
+                          <m:sty m:val="p"/>
+                        </m:rPr>
+                        <a:rPr lang="en-US" altLang="zh-TW" b="0" i="0" smtClean="0">
+                          <a:latin typeface="Cambria Math" panose="02040503050406030204" pitchFamily="18" charset="0"/>
+                        </a:rPr>
+                        <m:t>border</m:t>
+                      </m:r>
+                      <m:r>
+                        <a:rPr lang="en-US" altLang="zh-TW" b="0" i="0" smtClean="0">
+                          <a:latin typeface="Cambria Math" panose="02040503050406030204" pitchFamily="18" charset="0"/>
+                        </a:rPr>
+                        <m:t>, </m:t>
+                      </m:r>
+                      <m:sSub>
+                        <m:sSubPr>
+                          <m:ctrlPr>
+                            <a:rPr lang="en-US" altLang="zh-TW" b="0" i="1" smtClean="0">
+                              <a:latin typeface="Cambria Math" panose="02040503050406030204" pitchFamily="18" charset="0"/>
+                            </a:rPr>
+                          </m:ctrlPr>
+                        </m:sSubPr>
+                        <m:e>
+                          <m:r>
+                            <m:rPr>
+                              <m:sty m:val="p"/>
+                            </m:rPr>
+                            <a:rPr lang="en-US" altLang="zh-TW" b="0" i="0" smtClean="0">
+                              <a:latin typeface="Cambria Math" panose="02040503050406030204" pitchFamily="18" charset="0"/>
+                            </a:rPr>
+                            <m:t>Nb</m:t>
+                          </m:r>
+                        </m:e>
+                        <m:sub>
+                          <m:r>
+                            <m:rPr>
+                              <m:sty m:val="p"/>
+                            </m:rPr>
+                            <a:rPr lang="en-US" altLang="zh-TW" b="0" i="0" smtClean="0">
+                              <a:latin typeface="Cambria Math" panose="02040503050406030204" pitchFamily="18" charset="0"/>
+                            </a:rPr>
+                            <m:t>m</m:t>
+                          </m:r>
+                        </m:sub>
+                      </m:sSub>
+                    </m:oMath>
+                  </m:oMathPara>
+                </a14:m>
+                <a:endParaRPr lang="zh-TW" altLang="en-US" dirty="0"/>
+              </a:p>
+            </p:txBody>
+          </p:sp>
+        </mc:Choice>
+        <mc:Fallback>
+          <p:sp>
+            <p:nvSpPr>
+              <p:cNvPr id="14" name="文字方塊 13"/>
+              <p:cNvSpPr txBox="1">
+                <a:spLocks noRot="1" noChangeAspect="1" noMove="1" noResize="1" noEditPoints="1" noAdjustHandles="1" noChangeArrowheads="1" noChangeShapeType="1" noTextEdit="1"/>
+              </p:cNvSpPr>
+              <p:nvPr/>
+            </p:nvSpPr>
+            <p:spPr>
+              <a:xfrm>
+                <a:off x="1201784" y="2456061"/>
+                <a:ext cx="6902787" cy="741934"/>
+              </a:xfrm>
+              <a:prstGeom prst="rect">
+                <a:avLst/>
+              </a:prstGeom>
+              <a:blipFill>
+                <a:blip r:embed="rId5"/>
+                <a:stretch>
+                  <a:fillRect/>
+                </a:stretch>
+              </a:blipFill>
+            </p:spPr>
+            <p:txBody>
+              <a:bodyPr/>
+              <a:lstStyle/>
+              <a:p>
+                <a:r>
+                  <a:rPr lang="zh-TW" altLang="en-US">
+                    <a:noFill/>
+                  </a:rPr>
+                  <a:t> </a:t>
+                </a:r>
+              </a:p>
+            </p:txBody>
+          </p:sp>
+        </mc:Fallback>
+      </mc:AlternateContent>
+      <mc:AlternateContent xmlns:mc="http://schemas.openxmlformats.org/markup-compatibility/2006">
+        <mc:Choice xmlns:a14="http://schemas.microsoft.com/office/drawing/2010/main" Requires="a14">
+          <p:sp>
+            <p:nvSpPr>
+              <p:cNvPr id="2" name="文字方塊 1"/>
+              <p:cNvSpPr txBox="1"/>
+              <p:nvPr/>
+            </p:nvSpPr>
+            <p:spPr>
+              <a:xfrm>
+                <a:off x="818855" y="3518263"/>
+                <a:ext cx="2626616" cy="369332"/>
+              </a:xfrm>
+              <a:prstGeom prst="rect">
+                <a:avLst/>
+              </a:prstGeom>
+              <a:noFill/>
+            </p:spPr>
+            <p:txBody>
+              <a:bodyPr wrap="none" rtlCol="0">
+                <a:spAutoFit/>
+              </a:bodyPr>
+              <a:lstStyle/>
+              <a:p>
+                <a:r>
+                  <a:rPr lang="en-US" altLang="zh-TW" b="1" dirty="0" smtClean="0">
+                    <a:latin typeface="Times New Roman" panose="02020603050405020304" pitchFamily="18" charset="0"/>
+                    <a:cs typeface="Times New Roman" panose="02020603050405020304" pitchFamily="18" charset="0"/>
+                  </a:rPr>
+                  <a:t>2.</a:t>
+                </a:r>
+                <a:r>
+                  <a:rPr lang="zh-TW" altLang="en-US" b="1" dirty="0" smtClean="0">
+                    <a:latin typeface="Times New Roman" panose="02020603050405020304" pitchFamily="18" charset="0"/>
+                    <a:cs typeface="Times New Roman" panose="02020603050405020304" pitchFamily="18" charset="0"/>
+                  </a:rPr>
+                  <a:t> </a:t>
+                </a:r>
+                <a:r>
+                  <a:rPr lang="en-US" altLang="zh-TW" b="1" dirty="0" smtClean="0">
+                    <a:latin typeface="Times New Roman" panose="02020603050405020304" pitchFamily="18" charset="0"/>
+                    <a:cs typeface="Times New Roman" panose="02020603050405020304" pitchFamily="18" charset="0"/>
+                  </a:rPr>
+                  <a:t>The deviation ratio </a:t>
+                </a:r>
+                <a14:m>
+                  <m:oMath xmlns:m="http://schemas.openxmlformats.org/officeDocument/2006/math">
+                    <m:sSub>
+                      <m:sSubPr>
+                        <m:ctrlPr>
+                          <a:rPr lang="en-US" altLang="zh-TW" b="1" i="1" smtClean="0">
+                            <a:latin typeface="Cambria Math" panose="02040503050406030204" pitchFamily="18" charset="0"/>
+                          </a:rPr>
+                        </m:ctrlPr>
+                      </m:sSubPr>
+                      <m:e>
+                        <m:r>
+                          <a:rPr lang="en-US" altLang="zh-TW" b="1" i="1" smtClean="0">
+                            <a:latin typeface="Cambria Math" panose="02040503050406030204" pitchFamily="18" charset="0"/>
+                          </a:rPr>
+                          <m:t>𝑫</m:t>
+                        </m:r>
+                      </m:e>
+                      <m:sub>
+                        <m:r>
+                          <a:rPr lang="en-US" altLang="zh-TW" b="1" i="1" smtClean="0">
+                            <a:latin typeface="Cambria Math" panose="02040503050406030204" pitchFamily="18" charset="0"/>
+                          </a:rPr>
+                          <m:t>𝒓</m:t>
+                        </m:r>
+                      </m:sub>
+                    </m:sSub>
+                  </m:oMath>
+                </a14:m>
+                <a:endParaRPr lang="zh-TW" altLang="en-US" b="1" dirty="0">
+                  <a:latin typeface="Times New Roman" panose="02020603050405020304" pitchFamily="18" charset="0"/>
+                  <a:cs typeface="Times New Roman" panose="02020603050405020304" pitchFamily="18" charset="0"/>
+                </a:endParaRPr>
+              </a:p>
+            </p:txBody>
+          </p:sp>
+        </mc:Choice>
+        <mc:Fallback>
+          <p:sp>
+            <p:nvSpPr>
+              <p:cNvPr id="2" name="文字方塊 1"/>
+              <p:cNvSpPr txBox="1">
+                <a:spLocks noRot="1" noChangeAspect="1" noMove="1" noResize="1" noEditPoints="1" noAdjustHandles="1" noChangeArrowheads="1" noChangeShapeType="1" noTextEdit="1"/>
+              </p:cNvSpPr>
+              <p:nvPr/>
+            </p:nvSpPr>
+            <p:spPr>
+              <a:xfrm>
+                <a:off x="818855" y="3518263"/>
+                <a:ext cx="2626616" cy="369332"/>
+              </a:xfrm>
+              <a:prstGeom prst="rect">
+                <a:avLst/>
+              </a:prstGeom>
+              <a:blipFill>
+                <a:blip r:embed="rId6"/>
+                <a:stretch>
+                  <a:fillRect l="-1856" t="-8197" b="-24590"/>
+                </a:stretch>
+              </a:blipFill>
+            </p:spPr>
+            <p:txBody>
+              <a:bodyPr/>
+              <a:lstStyle/>
+              <a:p>
+                <a:r>
+                  <a:rPr lang="zh-TW" altLang="en-US">
+                    <a:noFill/>
+                  </a:rPr>
+                  <a:t> </a:t>
+                </a:r>
+              </a:p>
+            </p:txBody>
+          </p:sp>
+        </mc:Fallback>
+      </mc:AlternateContent>
+      <mc:AlternateContent xmlns:mc="http://schemas.openxmlformats.org/markup-compatibility/2006">
+        <mc:Choice xmlns:a14="http://schemas.microsoft.com/office/drawing/2010/main" Requires="a14">
+          <p:sp>
+            <p:nvSpPr>
+              <p:cNvPr id="3" name="文字方塊 2"/>
+              <p:cNvSpPr txBox="1"/>
+              <p:nvPr/>
+            </p:nvSpPr>
+            <p:spPr>
+              <a:xfrm>
+                <a:off x="1329061" y="4085943"/>
+                <a:ext cx="5719386" cy="1572931"/>
+              </a:xfrm>
+              <a:prstGeom prst="rect">
+                <a:avLst/>
+              </a:prstGeom>
+              <a:noFill/>
+            </p:spPr>
+            <p:txBody>
+              <a:bodyPr wrap="none" rtlCol="0">
+                <a:spAutoFit/>
+              </a:bodyPr>
+              <a:lstStyle/>
+              <a:p>
+                <a:pPr>
+                  <a:lnSpc>
+                    <a:spcPct val="150000"/>
+                  </a:lnSpc>
+                </a:pPr>
+                <a14:m>
+                  <m:oMath xmlns:m="http://schemas.openxmlformats.org/officeDocument/2006/math">
+                    <m:sSub>
+                      <m:sSubPr>
+                        <m:ctrlPr>
+                          <a:rPr lang="en-US" altLang="zh-TW" b="0" i="1" smtClean="0">
+                            <a:latin typeface="Time "/>
+                          </a:rPr>
+                        </m:ctrlPr>
+                      </m:sSubPr>
+                      <m:e>
+                        <m:r>
+                          <a:rPr lang="en-US" altLang="zh-TW" b="0" i="1" smtClean="0">
+                            <a:latin typeface="Time "/>
+                          </a:rPr>
+                          <m:t>𝐷</m:t>
+                        </m:r>
+                      </m:e>
+                      <m:sub>
+                        <m:r>
+                          <a:rPr lang="en-US" altLang="zh-TW" b="0" i="1" smtClean="0">
+                            <a:latin typeface="Time "/>
+                          </a:rPr>
+                          <m:t>𝑟</m:t>
+                        </m:r>
+                      </m:sub>
+                    </m:sSub>
+                    <m:r>
+                      <a:rPr lang="en-US" altLang="zh-TW" b="0" i="1" smtClean="0">
+                        <a:latin typeface="Time "/>
+                      </a:rPr>
+                      <m:t>=</m:t>
+                    </m:r>
+                    <m:f>
+                      <m:fPr>
+                        <m:ctrlPr>
+                          <a:rPr lang="en-US" altLang="zh-TW" b="0" i="1" smtClean="0">
+                            <a:latin typeface="Time "/>
+                          </a:rPr>
+                        </m:ctrlPr>
+                      </m:fPr>
+                      <m:num>
+                        <m:sSub>
+                          <m:sSubPr>
+                            <m:ctrlPr>
+                              <a:rPr lang="en-US" altLang="zh-TW" b="0" i="1" smtClean="0">
+                                <a:latin typeface="Time "/>
+                              </a:rPr>
+                            </m:ctrlPr>
+                          </m:sSubPr>
+                          <m:e>
+                            <m:r>
+                              <a:rPr lang="en-US" altLang="zh-TW" b="0" i="1" smtClean="0">
+                                <a:latin typeface="Time "/>
+                              </a:rPr>
+                              <m:t>𝑂</m:t>
+                            </m:r>
+                          </m:e>
+                          <m:sub>
+                            <m:r>
+                              <a:rPr lang="en-US" altLang="zh-TW" b="0" i="1" smtClean="0">
+                                <a:latin typeface="Time "/>
+                              </a:rPr>
+                              <m:t>𝐷</m:t>
+                            </m:r>
+                          </m:sub>
+                        </m:sSub>
+                        <m:r>
+                          <a:rPr lang="en-US" altLang="zh-TW" b="0" i="1" smtClean="0">
+                            <a:latin typeface="Time "/>
+                          </a:rPr>
+                          <m:t>×100</m:t>
+                        </m:r>
+                      </m:num>
+                      <m:den>
+                        <m:sSub>
+                          <m:sSubPr>
+                            <m:ctrlPr>
+                              <a:rPr lang="en-US" altLang="zh-TW" b="0" i="1" smtClean="0">
+                                <a:latin typeface="Time "/>
+                              </a:rPr>
+                            </m:ctrlPr>
+                          </m:sSubPr>
+                          <m:e>
+                            <m:r>
+                              <a:rPr lang="en-US" altLang="zh-TW" b="0" i="1" smtClean="0">
+                                <a:latin typeface="Time "/>
+                              </a:rPr>
+                              <m:t>𝑇</m:t>
+                            </m:r>
+                          </m:e>
+                          <m:sub>
+                            <m:r>
+                              <a:rPr lang="en-US" altLang="zh-TW" b="0" i="1" smtClean="0">
+                                <a:latin typeface="Time "/>
+                              </a:rPr>
+                              <m:t>𝐷</m:t>
+                            </m:r>
+                          </m:sub>
+                        </m:sSub>
+                      </m:den>
+                    </m:f>
+                  </m:oMath>
+                </a14:m>
+                <a:r>
+                  <a:rPr lang="zh-TW" altLang="en-US" dirty="0" smtClean="0">
+                    <a:latin typeface="Times New Roman" panose="02020603050405020304" pitchFamily="18" charset="0"/>
+                    <a:cs typeface="Times New Roman" panose="02020603050405020304" pitchFamily="18" charset="0"/>
+                  </a:rPr>
+                  <a:t> </a:t>
+                </a:r>
+                <a:r>
+                  <a:rPr lang="en-US" altLang="zh-TW" dirty="0" smtClean="0">
+                    <a:latin typeface="Times New Roman" panose="02020603050405020304" pitchFamily="18" charset="0"/>
+                    <a:cs typeface="Times New Roman" panose="02020603050405020304" pitchFamily="18" charset="0"/>
+                  </a:rPr>
+                  <a:t>;</a:t>
+                </a:r>
+              </a:p>
+              <a:p>
+                <a:pPr>
+                  <a:lnSpc>
+                    <a:spcPct val="150000"/>
+                  </a:lnSpc>
+                </a:pPr>
+                <a:r>
+                  <a:rPr lang="en-US" altLang="zh-TW" dirty="0"/>
+                  <a:t> </a:t>
+                </a:r>
+                <a:r>
+                  <a:rPr lang="en-US" altLang="zh-TW" dirty="0" smtClean="0"/>
+                  <a:t>   </a:t>
+                </a:r>
+                <a14:m>
+                  <m:oMath xmlns:m="http://schemas.openxmlformats.org/officeDocument/2006/math">
+                    <m:sSub>
+                      <m:sSubPr>
+                        <m:ctrlPr>
+                          <a:rPr lang="en-US" altLang="zh-TW" b="0" i="1" smtClean="0">
+                            <a:latin typeface="Time "/>
+                          </a:rPr>
+                        </m:ctrlPr>
+                      </m:sSubPr>
+                      <m:e>
+                        <m:r>
+                          <a:rPr lang="en-US" altLang="zh-TW" b="0" i="1" smtClean="0">
+                            <a:latin typeface="Time "/>
+                          </a:rPr>
+                          <m:t>𝑂</m:t>
+                        </m:r>
+                      </m:e>
+                      <m:sub>
+                        <m:r>
+                          <a:rPr lang="en-US" altLang="zh-TW" b="0" i="1" smtClean="0">
+                            <a:latin typeface="Time "/>
+                          </a:rPr>
+                          <m:t>𝐷</m:t>
+                        </m:r>
+                      </m:sub>
+                    </m:sSub>
+                  </m:oMath>
+                </a14:m>
+                <a:r>
+                  <a:rPr lang="en-US" altLang="zh-TW" dirty="0" smtClean="0">
+                    <a:latin typeface="Times New Roman" panose="02020603050405020304" pitchFamily="18" charset="0"/>
+                    <a:cs typeface="Times New Roman" panose="02020603050405020304" pitchFamily="18" charset="0"/>
+                  </a:rPr>
+                  <a:t> is the distance traveled outside the allowed geo-fence.</a:t>
+                </a:r>
+              </a:p>
+              <a:p>
+                <a:pPr>
+                  <a:lnSpc>
+                    <a:spcPct val="150000"/>
+                  </a:lnSpc>
+                </a:pPr>
+                <a:r>
+                  <a:rPr lang="en-US" altLang="zh-TW" dirty="0">
+                    <a:latin typeface="Times New Roman" panose="02020603050405020304" pitchFamily="18" charset="0"/>
+                    <a:cs typeface="Times New Roman" panose="02020603050405020304" pitchFamily="18" charset="0"/>
+                  </a:rPr>
+                  <a:t> </a:t>
+                </a:r>
+                <a:r>
+                  <a:rPr lang="en-US" altLang="zh-TW" dirty="0" smtClean="0">
+                    <a:latin typeface="Times New Roman" panose="02020603050405020304" pitchFamily="18" charset="0"/>
+                    <a:cs typeface="Times New Roman" panose="02020603050405020304" pitchFamily="18" charset="0"/>
+                  </a:rPr>
+                  <a:t>   </a:t>
+                </a:r>
+                <a14:m>
+                  <m:oMath xmlns:m="http://schemas.openxmlformats.org/officeDocument/2006/math">
+                    <m:sSub>
+                      <m:sSubPr>
+                        <m:ctrlPr>
+                          <a:rPr lang="en-US" altLang="zh-TW" b="0" i="1" smtClean="0">
+                            <a:latin typeface="Cambria Math" panose="02040503050406030204" pitchFamily="18" charset="0"/>
+                            <a:cs typeface="Times New Roman" panose="02020603050405020304" pitchFamily="18" charset="0"/>
+                          </a:rPr>
+                        </m:ctrlPr>
+                      </m:sSubPr>
+                      <m:e>
+                        <m:r>
+                          <a:rPr lang="en-US" altLang="zh-TW" b="0" i="1" smtClean="0">
+                            <a:latin typeface="Cambria Math" panose="02040503050406030204" pitchFamily="18" charset="0"/>
+                            <a:cs typeface="Times New Roman" panose="02020603050405020304" pitchFamily="18" charset="0"/>
+                          </a:rPr>
+                          <m:t>𝑇</m:t>
+                        </m:r>
+                      </m:e>
+                      <m:sub>
+                        <m:r>
+                          <a:rPr lang="en-US" altLang="zh-TW" b="0" i="1" smtClean="0">
+                            <a:latin typeface="Cambria Math" panose="02040503050406030204" pitchFamily="18" charset="0"/>
+                            <a:cs typeface="Times New Roman" panose="02020603050405020304" pitchFamily="18" charset="0"/>
+                          </a:rPr>
+                          <m:t>𝐷</m:t>
+                        </m:r>
+                      </m:sub>
+                    </m:sSub>
+                  </m:oMath>
+                </a14:m>
+                <a:r>
+                  <a:rPr lang="zh-TW" altLang="en-US" dirty="0" smtClean="0">
+                    <a:latin typeface="Times New Roman" panose="02020603050405020304" pitchFamily="18" charset="0"/>
+                    <a:cs typeface="Times New Roman" panose="02020603050405020304" pitchFamily="18" charset="0"/>
+                  </a:rPr>
+                  <a:t> </a:t>
+                </a:r>
+                <a:r>
+                  <a:rPr lang="en-US" altLang="zh-TW" dirty="0" smtClean="0">
+                    <a:latin typeface="Times New Roman" panose="02020603050405020304" pitchFamily="18" charset="0"/>
+                    <a:cs typeface="Times New Roman" panose="02020603050405020304" pitchFamily="18" charset="0"/>
+                  </a:rPr>
+                  <a:t>is the total traveled distance.</a:t>
+                </a:r>
+                <a:endParaRPr lang="zh-TW" altLang="en-US" dirty="0">
+                  <a:latin typeface="Times New Roman" panose="02020603050405020304" pitchFamily="18" charset="0"/>
+                  <a:cs typeface="Times New Roman" panose="02020603050405020304" pitchFamily="18" charset="0"/>
+                </a:endParaRPr>
+              </a:p>
+            </p:txBody>
+          </p:sp>
+        </mc:Choice>
+        <mc:Fallback>
+          <p:sp>
+            <p:nvSpPr>
+              <p:cNvPr id="3" name="文字方塊 2"/>
+              <p:cNvSpPr txBox="1">
+                <a:spLocks noRot="1" noChangeAspect="1" noMove="1" noResize="1" noEditPoints="1" noAdjustHandles="1" noChangeArrowheads="1" noChangeShapeType="1" noTextEdit="1"/>
+              </p:cNvSpPr>
+              <p:nvPr/>
+            </p:nvSpPr>
+            <p:spPr>
+              <a:xfrm>
+                <a:off x="1329061" y="4085943"/>
+                <a:ext cx="5719386" cy="1572931"/>
+              </a:xfrm>
+              <a:prstGeom prst="rect">
+                <a:avLst/>
+              </a:prstGeom>
+              <a:blipFill>
+                <a:blip r:embed="rId7"/>
+                <a:stretch>
+                  <a:fillRect b="-2326"/>
+                </a:stretch>
+              </a:blipFill>
+            </p:spPr>
+            <p:txBody>
+              <a:bodyPr/>
+              <a:lstStyle/>
+              <a:p>
+                <a:r>
+                  <a:rPr lang="zh-TW" altLang="en-US">
+                    <a:noFill/>
+                  </a:rPr>
+                  <a:t> </a:t>
+                </a:r>
+              </a:p>
+            </p:txBody>
+          </p:sp>
+        </mc:Fallback>
+      </mc:AlternateContent>
+    </p:spTree>
+    <p:extLst>
+      <p:ext uri="{BB962C8B-B14F-4D97-AF65-F5344CB8AC3E}">
+        <p14:creationId xmlns:p14="http://schemas.microsoft.com/office/powerpoint/2010/main" val="3981747845"/>
+      </p:ext>
+    </p:extLst>
+  </p:cSld>
+  <p:clrMapOvr>
+    <a:masterClrMapping/>
+  </p:clrMapOvr>
+  <p:timing>
+    <p:tnLst>
+      <p:par>
+        <p:cTn id="1" dur="indefinite" restart="never" nodeType="tmRoot"/>
+      </p:par>
+    </p:tnLst>
+  </p:timing>
+</p:sld>
+</file>
+
+<file path=ppt/slides/slide13.xml><?xml version="1.0" encoding="utf-8"?>
 <p:sld xmlns:a="http://schemas.openxmlformats.org/drawingml/2006/main" xmlns:r="http://schemas.openxmlformats.org/officeDocument/2006/relationships" xmlns:p="http://schemas.openxmlformats.org/presentationml/2006/main">
   <p:cSld>
     <p:spTree>
@@ -14820,12 +16468,350 @@
           <a:p>
             <a:fld id="{C128DF73-0FD1-4EFB-B6B9-20BE1557E8C1}" type="slidenum">
               <a:rPr lang="zh-TW" altLang="en-US" smtClean="0"/>
-              <a:t>12</a:t>
+              <a:t>13</a:t>
             </a:fld>
             <a:endParaRPr lang="zh-TW" altLang="en-US"/>
           </a:p>
         </p:txBody>
       </p:sp>
+      <p:graphicFrame>
+        <p:nvGraphicFramePr>
+          <p:cNvPr id="8" name="表格 7"/>
+          <p:cNvGraphicFramePr>
+            <a:graphicFrameLocks noGrp="1"/>
+          </p:cNvGraphicFramePr>
+          <p:nvPr>
+            <p:extLst>
+              <p:ext uri="{D42A27DB-BD31-4B8C-83A1-F6EECF244321}">
+                <p14:modId xmlns:p14="http://schemas.microsoft.com/office/powerpoint/2010/main" val="2461746657"/>
+              </p:ext>
+            </p:extLst>
+          </p:nvPr>
+        </p:nvGraphicFramePr>
+        <p:xfrm>
+          <a:off x="2124165" y="1928470"/>
+          <a:ext cx="8128000" cy="3139440"/>
+        </p:xfrm>
+        <a:graphic>
+          <a:graphicData uri="http://schemas.openxmlformats.org/drawingml/2006/table">
+            <a:tbl>
+              <a:tblPr firstRow="1" bandRow="1">
+                <a:tableStyleId>{5C22544A-7EE6-4342-B048-85BDC9FD1C3A}</a:tableStyleId>
+              </a:tblPr>
+              <a:tblGrid>
+                <a:gridCol w="2169160">
+                  <a:extLst>
+                    <a:ext uri="{9D8B030D-6E8A-4147-A177-3AD203B41FA5}">
+                      <a16:colId xmlns:a16="http://schemas.microsoft.com/office/drawing/2014/main" val="1674461806"/>
+                    </a:ext>
+                  </a:extLst>
+                </a:gridCol>
+                <a:gridCol w="5958840">
+                  <a:extLst>
+                    <a:ext uri="{9D8B030D-6E8A-4147-A177-3AD203B41FA5}">
+                      <a16:colId xmlns:a16="http://schemas.microsoft.com/office/drawing/2014/main" val="813402410"/>
+                    </a:ext>
+                  </a:extLst>
+                </a:gridCol>
+              </a:tblGrid>
+              <a:tr h="370840">
+                <a:tc gridSpan="2">
+                  <a:txBody>
+                    <a:bodyPr/>
+                    <a:lstStyle/>
+                    <a:p>
+                      <a:pPr algn="ctr"/>
+                      <a:r>
+                        <a:rPr lang="en-US" altLang="zh-TW" sz="2000" dirty="0" smtClean="0">
+                          <a:latin typeface="Times New Roman" panose="02020603050405020304" pitchFamily="18" charset="0"/>
+                          <a:cs typeface="Times New Roman" panose="02020603050405020304" pitchFamily="18" charset="0"/>
+                        </a:rPr>
+                        <a:t>EXPERIMENT TOOL</a:t>
+                      </a:r>
+                      <a:endParaRPr lang="zh-TW" altLang="en-US" sz="2000" dirty="0">
+                        <a:latin typeface="Times New Roman" panose="02020603050405020304" pitchFamily="18" charset="0"/>
+                        <a:cs typeface="Times New Roman" panose="02020603050405020304" pitchFamily="18" charset="0"/>
+                      </a:endParaRPr>
+                    </a:p>
+                  </a:txBody>
+                  <a:tcPr anchor="ctr"/>
+                </a:tc>
+                <a:tc hMerge="1">
+                  <a:txBody>
+                    <a:bodyPr/>
+                    <a:lstStyle/>
+                    <a:p>
+                      <a:endParaRPr lang="zh-TW" altLang="en-US" dirty="0"/>
+                    </a:p>
+                  </a:txBody>
+                  <a:tcPr/>
+                </a:tc>
+                <a:extLst>
+                  <a:ext uri="{0D108BD9-81ED-4DB2-BD59-A6C34878D82A}">
+                    <a16:rowId xmlns:a16="http://schemas.microsoft.com/office/drawing/2014/main" val="1371713188"/>
+                  </a:ext>
+                </a:extLst>
+              </a:tr>
+              <a:tr h="370840">
+                <a:tc>
+                  <a:txBody>
+                    <a:bodyPr/>
+                    <a:lstStyle/>
+                    <a:p>
+                      <a:pPr algn="just"/>
+                      <a:r>
+                        <a:rPr lang="en-US" altLang="zh-TW" b="1" dirty="0" smtClean="0">
+                          <a:latin typeface="Times New Roman" panose="02020603050405020304" pitchFamily="18" charset="0"/>
+                          <a:cs typeface="Times New Roman" panose="02020603050405020304" pitchFamily="18" charset="0"/>
+                        </a:rPr>
+                        <a:t>UAV Controller</a:t>
+                      </a:r>
+                    </a:p>
+                    <a:p>
+                      <a:pPr algn="just"/>
+                      <a:r>
+                        <a:rPr lang="en-US" altLang="zh-TW" b="1" dirty="0" smtClean="0">
+                          <a:latin typeface="Times New Roman" panose="02020603050405020304" pitchFamily="18" charset="0"/>
+                          <a:cs typeface="Times New Roman" panose="02020603050405020304" pitchFamily="18" charset="0"/>
+                        </a:rPr>
+                        <a:t>(First VM)</a:t>
+                      </a:r>
+                      <a:endParaRPr lang="zh-TW" altLang="en-US" b="1" dirty="0">
+                        <a:latin typeface="Times New Roman" panose="02020603050405020304" pitchFamily="18" charset="0"/>
+                        <a:cs typeface="Times New Roman" panose="02020603050405020304" pitchFamily="18" charset="0"/>
+                      </a:endParaRPr>
+                    </a:p>
+                  </a:txBody>
+                  <a:tcPr anchor="ctr"/>
+                </a:tc>
+                <a:tc>
+                  <a:txBody>
+                    <a:bodyPr/>
+                    <a:lstStyle/>
+                    <a:p>
+                      <a:pPr algn="just"/>
+                      <a:r>
+                        <a:rPr lang="en-US" altLang="zh-TW" dirty="0" smtClean="0">
+                          <a:latin typeface="Times New Roman" panose="02020603050405020304" pitchFamily="18" charset="0"/>
+                          <a:cs typeface="Times New Roman" panose="02020603050405020304" pitchFamily="18" charset="0"/>
+                        </a:rPr>
+                        <a:t>UAV</a:t>
+                      </a:r>
+                      <a:r>
+                        <a:rPr lang="en-US" altLang="zh-TW" baseline="0" dirty="0" smtClean="0">
+                          <a:latin typeface="Times New Roman" panose="02020603050405020304" pitchFamily="18" charset="0"/>
+                          <a:cs typeface="Times New Roman" panose="02020603050405020304" pitchFamily="18" charset="0"/>
+                        </a:rPr>
+                        <a:t> Controller is developed using the Python drone-kit API which is an implementation of the </a:t>
+                      </a:r>
+                      <a:r>
+                        <a:rPr lang="en-US" altLang="zh-TW" baseline="0" dirty="0" err="1" smtClean="0">
+                          <a:latin typeface="Times New Roman" panose="02020603050405020304" pitchFamily="18" charset="0"/>
+                          <a:cs typeface="Times New Roman" panose="02020603050405020304" pitchFamily="18" charset="0"/>
+                        </a:rPr>
+                        <a:t>MAVLink</a:t>
+                      </a:r>
+                      <a:r>
+                        <a:rPr lang="en-US" altLang="zh-TW" baseline="0" dirty="0" smtClean="0">
+                          <a:latin typeface="Times New Roman" panose="02020603050405020304" pitchFamily="18" charset="0"/>
+                          <a:cs typeface="Times New Roman" panose="02020603050405020304" pitchFamily="18" charset="0"/>
+                        </a:rPr>
+                        <a:t> protocol, used for the communication with drones.</a:t>
+                      </a:r>
+                      <a:endParaRPr lang="zh-TW" altLang="en-US" dirty="0">
+                        <a:latin typeface="Times New Roman" panose="02020603050405020304" pitchFamily="18" charset="0"/>
+                        <a:cs typeface="Times New Roman" panose="02020603050405020304" pitchFamily="18" charset="0"/>
+                      </a:endParaRPr>
+                    </a:p>
+                  </a:txBody>
+                  <a:tcPr anchor="ctr"/>
+                </a:tc>
+                <a:extLst>
+                  <a:ext uri="{0D108BD9-81ED-4DB2-BD59-A6C34878D82A}">
+                    <a16:rowId xmlns:a16="http://schemas.microsoft.com/office/drawing/2014/main" val="162700189"/>
+                  </a:ext>
+                </a:extLst>
+              </a:tr>
+              <a:tr h="370840">
+                <a:tc>
+                  <a:txBody>
+                    <a:bodyPr/>
+                    <a:lstStyle/>
+                    <a:p>
+                      <a:pPr algn="just"/>
+                      <a:r>
+                        <a:rPr lang="en-US" altLang="zh-TW" b="1" dirty="0" smtClean="0">
+                          <a:latin typeface="Times New Roman" panose="02020603050405020304" pitchFamily="18" charset="0"/>
+                          <a:cs typeface="Times New Roman" panose="02020603050405020304" pitchFamily="18" charset="0"/>
+                        </a:rPr>
+                        <a:t>Network</a:t>
+                      </a:r>
+                    </a:p>
+                    <a:p>
+                      <a:pPr algn="just"/>
+                      <a:r>
+                        <a:rPr lang="en-US" altLang="zh-TW" b="1" dirty="0" smtClean="0">
+                          <a:latin typeface="Times New Roman" panose="02020603050405020304" pitchFamily="18" charset="0"/>
+                          <a:cs typeface="Times New Roman" panose="02020603050405020304" pitchFamily="18" charset="0"/>
+                        </a:rPr>
+                        <a:t>(Second VM)</a:t>
+                      </a:r>
+                      <a:endParaRPr lang="zh-TW" altLang="en-US" b="1" dirty="0">
+                        <a:latin typeface="Times New Roman" panose="02020603050405020304" pitchFamily="18" charset="0"/>
+                        <a:cs typeface="Times New Roman" panose="02020603050405020304" pitchFamily="18" charset="0"/>
+                      </a:endParaRPr>
+                    </a:p>
+                  </a:txBody>
+                  <a:tcPr anchor="ctr"/>
+                </a:tc>
+                <a:tc>
+                  <a:txBody>
+                    <a:bodyPr/>
+                    <a:lstStyle/>
+                    <a:p>
+                      <a:pPr algn="just"/>
+                      <a:r>
+                        <a:rPr lang="en-US" altLang="zh-TW" dirty="0" smtClean="0">
+                          <a:latin typeface="Times New Roman" panose="02020603050405020304" pitchFamily="18" charset="0"/>
+                          <a:cs typeface="Times New Roman" panose="02020603050405020304" pitchFamily="18" charset="0"/>
+                        </a:rPr>
+                        <a:t>Through network emulator to simulate the communication between UAV Controller and UAV with latency and packet loss.</a:t>
+                      </a:r>
+                      <a:endParaRPr lang="zh-TW" altLang="en-US" dirty="0">
+                        <a:latin typeface="Times New Roman" panose="02020603050405020304" pitchFamily="18" charset="0"/>
+                        <a:cs typeface="Times New Roman" panose="02020603050405020304" pitchFamily="18" charset="0"/>
+                      </a:endParaRPr>
+                    </a:p>
+                  </a:txBody>
+                  <a:tcPr anchor="ctr"/>
+                </a:tc>
+                <a:extLst>
+                  <a:ext uri="{0D108BD9-81ED-4DB2-BD59-A6C34878D82A}">
+                    <a16:rowId xmlns:a16="http://schemas.microsoft.com/office/drawing/2014/main" val="3931736344"/>
+                  </a:ext>
+                </a:extLst>
+              </a:tr>
+              <a:tr h="370840">
+                <a:tc>
+                  <a:txBody>
+                    <a:bodyPr/>
+                    <a:lstStyle/>
+                    <a:p>
+                      <a:pPr algn="just"/>
+                      <a:r>
+                        <a:rPr lang="en-US" altLang="zh-TW" b="1" dirty="0" smtClean="0">
+                          <a:latin typeface="Times New Roman" panose="02020603050405020304" pitchFamily="18" charset="0"/>
+                          <a:cs typeface="Times New Roman" panose="02020603050405020304" pitchFamily="18" charset="0"/>
+                        </a:rPr>
+                        <a:t>UAV</a:t>
+                      </a:r>
+                      <a:r>
+                        <a:rPr lang="en-US" altLang="zh-TW" b="1" baseline="0" dirty="0" smtClean="0">
+                          <a:latin typeface="Times New Roman" panose="02020603050405020304" pitchFamily="18" charset="0"/>
+                          <a:cs typeface="Times New Roman" panose="02020603050405020304" pitchFamily="18" charset="0"/>
+                        </a:rPr>
+                        <a:t> operation</a:t>
+                      </a:r>
+                    </a:p>
+                    <a:p>
+                      <a:pPr algn="just"/>
+                      <a:r>
+                        <a:rPr lang="en-US" altLang="zh-TW" b="1" baseline="0" dirty="0" smtClean="0">
+                          <a:latin typeface="Times New Roman" panose="02020603050405020304" pitchFamily="18" charset="0"/>
+                          <a:cs typeface="Times New Roman" panose="02020603050405020304" pitchFamily="18" charset="0"/>
+                        </a:rPr>
+                        <a:t>(Third VM)</a:t>
+                      </a:r>
+                      <a:endParaRPr lang="zh-TW" altLang="en-US" b="1" dirty="0">
+                        <a:latin typeface="Times New Roman" panose="02020603050405020304" pitchFamily="18" charset="0"/>
+                        <a:cs typeface="Times New Roman" panose="02020603050405020304" pitchFamily="18" charset="0"/>
+                      </a:endParaRPr>
+                    </a:p>
+                  </a:txBody>
+                  <a:tcPr anchor="ctr"/>
+                </a:tc>
+                <a:tc>
+                  <a:txBody>
+                    <a:bodyPr/>
+                    <a:lstStyle/>
+                    <a:p>
+                      <a:pPr marL="0" marR="0" indent="0" algn="just" defTabSz="914400" rtl="0" eaLnBrk="1" fontAlgn="auto" latinLnBrk="0" hangingPunct="1">
+                        <a:lnSpc>
+                          <a:spcPct val="100000"/>
+                        </a:lnSpc>
+                        <a:spcBef>
+                          <a:spcPts val="0"/>
+                        </a:spcBef>
+                        <a:spcAft>
+                          <a:spcPts val="0"/>
+                        </a:spcAft>
+                        <a:buClrTx/>
+                        <a:buSzTx/>
+                        <a:buFontTx/>
+                        <a:buNone/>
+                        <a:tabLst/>
+                        <a:defRPr/>
+                      </a:pPr>
+                      <a:r>
+                        <a:rPr lang="en-US" altLang="zh-TW" dirty="0" smtClean="0">
+                          <a:latin typeface="Times New Roman" panose="02020603050405020304" pitchFamily="18" charset="0"/>
+                          <a:cs typeface="Times New Roman" panose="02020603050405020304" pitchFamily="18" charset="0"/>
+                        </a:rPr>
+                        <a:t>Using</a:t>
+                      </a:r>
+                      <a:r>
+                        <a:rPr lang="en-US" altLang="zh-TW" baseline="0" dirty="0" smtClean="0">
+                          <a:latin typeface="Times New Roman" panose="02020603050405020304" pitchFamily="18" charset="0"/>
+                          <a:cs typeface="Times New Roman" panose="02020603050405020304" pitchFamily="18" charset="0"/>
+                        </a:rPr>
+                        <a:t> Software-In-the-Loop(SITL) emulator</a:t>
+                      </a:r>
+                      <a:r>
+                        <a:rPr lang="zh-TW" altLang="en-US" baseline="0" dirty="0" smtClean="0">
+                          <a:latin typeface="Times New Roman" panose="02020603050405020304" pitchFamily="18" charset="0"/>
+                          <a:cs typeface="Times New Roman" panose="02020603050405020304" pitchFamily="18" charset="0"/>
+                        </a:rPr>
+                        <a:t> </a:t>
+                      </a:r>
+                      <a:r>
+                        <a:rPr lang="en-US" altLang="zh-TW" baseline="0" dirty="0" smtClean="0">
+                          <a:latin typeface="Times New Roman" panose="02020603050405020304" pitchFamily="18" charset="0"/>
+                          <a:cs typeface="Times New Roman" panose="02020603050405020304" pitchFamily="18" charset="0"/>
+                        </a:rPr>
+                        <a:t>that allows running the open-source UAVs’ autopilot </a:t>
+                      </a:r>
+                      <a:r>
+                        <a:rPr lang="en-US" altLang="zh-TW" baseline="0" dirty="0" err="1" smtClean="0">
+                          <a:latin typeface="Times New Roman" panose="02020603050405020304" pitchFamily="18" charset="0"/>
+                          <a:cs typeface="Times New Roman" panose="02020603050405020304" pitchFamily="18" charset="0"/>
+                        </a:rPr>
+                        <a:t>ArduCopter</a:t>
+                      </a:r>
+                      <a:r>
+                        <a:rPr lang="en-US" altLang="zh-TW" baseline="0" dirty="0" smtClean="0">
+                          <a:latin typeface="Times New Roman" panose="02020603050405020304" pitchFamily="18" charset="0"/>
+                          <a:cs typeface="Times New Roman" panose="02020603050405020304" pitchFamily="18" charset="0"/>
+                        </a:rPr>
+                        <a:t> with the same behavior of a real UAV.</a:t>
+                      </a:r>
+                      <a:endParaRPr lang="zh-TW" altLang="en-US" dirty="0" smtClean="0">
+                        <a:latin typeface="Times New Roman" panose="02020603050405020304" pitchFamily="18" charset="0"/>
+                        <a:cs typeface="Times New Roman" panose="02020603050405020304" pitchFamily="18" charset="0"/>
+                      </a:endParaRPr>
+                    </a:p>
+                  </a:txBody>
+                  <a:tcPr anchor="ctr"/>
+                </a:tc>
+                <a:extLst>
+                  <a:ext uri="{0D108BD9-81ED-4DB2-BD59-A6C34878D82A}">
+                    <a16:rowId xmlns:a16="http://schemas.microsoft.com/office/drawing/2014/main" val="3675122198"/>
+                  </a:ext>
+                </a:extLst>
+              </a:tr>
+            </a:tbl>
+          </a:graphicData>
+        </a:graphic>
+      </p:graphicFrame>
     </p:spTree>
     <p:extLst>
       <p:ext uri="{BB962C8B-B14F-4D97-AF65-F5344CB8AC3E}">
@@ -14846,7 +16832,802 @@
 </p:sld>
 </file>
 
-<file path=ppt/slides/slide13.xml><?xml version="1.0" encoding="utf-8"?>
+<file path=ppt/slides/slide14.xml><?xml version="1.0" encoding="utf-8"?>
+<p:sld xmlns:a="http://schemas.openxmlformats.org/drawingml/2006/main" xmlns:r="http://schemas.openxmlformats.org/officeDocument/2006/relationships" xmlns:p="http://schemas.openxmlformats.org/presentationml/2006/main">
+  <p:cSld>
+    <p:spTree>
+      <p:nvGrpSpPr>
+        <p:cNvPr id="1" name=""/>
+        <p:cNvGrpSpPr/>
+        <p:nvPr/>
+      </p:nvGrpSpPr>
+      <p:grpSpPr>
+        <a:xfrm>
+          <a:off x="0" y="0"/>
+          <a:ext cx="0" cy="0"/>
+          <a:chOff x="0" y="0"/>
+          <a:chExt cx="0" cy="0"/>
+        </a:xfrm>
+      </p:grpSpPr>
+      <p:sp>
+        <p:nvSpPr>
+          <p:cNvPr id="4" name="投影片編號版面配置區 3"/>
+          <p:cNvSpPr>
+            <a:spLocks noGrp="1"/>
+          </p:cNvSpPr>
+          <p:nvPr>
+            <p:ph type="sldNum" sz="quarter" idx="12"/>
+          </p:nvPr>
+        </p:nvSpPr>
+        <p:spPr/>
+        <p:txBody>
+          <a:bodyPr/>
+          <a:lstStyle/>
+          <a:p>
+            <a:fld id="{C128DF73-0FD1-4EFB-B6B9-20BE1557E8C1}" type="slidenum">
+              <a:rPr lang="zh-TW" altLang="en-US" smtClean="0"/>
+              <a:t>14</a:t>
+            </a:fld>
+            <a:endParaRPr lang="zh-TW" altLang="en-US"/>
+          </a:p>
+        </p:txBody>
+      </p:sp>
+      <p:sp>
+        <p:nvSpPr>
+          <p:cNvPr id="5" name="橢圓 4"/>
+          <p:cNvSpPr/>
+          <p:nvPr/>
+        </p:nvSpPr>
+        <p:spPr>
+          <a:xfrm>
+            <a:off x="345688" y="920843"/>
+            <a:ext cx="172720" cy="162560"/>
+          </a:xfrm>
+          <a:prstGeom prst="ellipse">
+            <a:avLst/>
+          </a:prstGeom>
+          <a:solidFill>
+            <a:schemeClr val="tx1">
+              <a:lumMod val="65000"/>
+              <a:lumOff val="35000"/>
+            </a:schemeClr>
+          </a:solidFill>
+          <a:ln>
+            <a:noFill/>
+          </a:ln>
+        </p:spPr>
+        <p:style>
+          <a:lnRef idx="2">
+            <a:schemeClr val="accent1">
+              <a:shade val="50000"/>
+            </a:schemeClr>
+          </a:lnRef>
+          <a:fillRef idx="1">
+            <a:schemeClr val="accent1"/>
+          </a:fillRef>
+          <a:effectRef idx="0">
+            <a:schemeClr val="accent1"/>
+          </a:effectRef>
+          <a:fontRef idx="minor">
+            <a:schemeClr val="lt1"/>
+          </a:fontRef>
+        </p:style>
+        <p:txBody>
+          <a:bodyPr rtlCol="0" anchor="ctr"/>
+          <a:lstStyle/>
+          <a:p>
+            <a:pPr algn="ctr"/>
+            <a:endParaRPr lang="zh-TW" altLang="en-US"/>
+          </a:p>
+        </p:txBody>
+      </p:sp>
+      <p:cxnSp>
+        <p:nvCxnSpPr>
+          <p:cNvPr id="6" name="直線接點 5"/>
+          <p:cNvCxnSpPr>
+            <a:stCxn id="5" idx="6"/>
+          </p:cNvCxnSpPr>
+          <p:nvPr/>
+        </p:nvCxnSpPr>
+        <p:spPr>
+          <a:xfrm>
+            <a:off x="518408" y="1002123"/>
+            <a:ext cx="4152538" cy="0"/>
+          </a:xfrm>
+          <a:prstGeom prst="line">
+            <a:avLst/>
+          </a:prstGeom>
+          <a:ln w="25400">
+            <a:solidFill>
+              <a:schemeClr val="tx1">
+                <a:lumMod val="65000"/>
+                <a:lumOff val="35000"/>
+              </a:schemeClr>
+            </a:solidFill>
+          </a:ln>
+        </p:spPr>
+        <p:style>
+          <a:lnRef idx="1">
+            <a:schemeClr val="accent1"/>
+          </a:lnRef>
+          <a:fillRef idx="0">
+            <a:schemeClr val="accent1"/>
+          </a:fillRef>
+          <a:effectRef idx="0">
+            <a:schemeClr val="accent1"/>
+          </a:effectRef>
+          <a:fontRef idx="minor">
+            <a:schemeClr val="tx1"/>
+          </a:fontRef>
+        </p:style>
+      </p:cxnSp>
+      <p:sp>
+        <p:nvSpPr>
+          <p:cNvPr id="7" name="矩形 6"/>
+          <p:cNvSpPr/>
+          <p:nvPr/>
+        </p:nvSpPr>
+        <p:spPr>
+          <a:xfrm>
+            <a:off x="419461" y="417348"/>
+            <a:ext cx="4251485" cy="584775"/>
+          </a:xfrm>
+          <a:prstGeom prst="rect">
+            <a:avLst/>
+          </a:prstGeom>
+          <a:noFill/>
+        </p:spPr>
+        <p:txBody>
+          <a:bodyPr wrap="none" lIns="91440" tIns="45720" rIns="91440" bIns="45720">
+            <a:spAutoFit/>
+          </a:bodyPr>
+          <a:lstStyle/>
+          <a:p>
+            <a:pPr algn="ctr"/>
+            <a:r>
+              <a:rPr lang="en-US" altLang="zh-TW" sz="3200" b="1" cap="none" spc="0" dirty="0" smtClean="0">
+                <a:ln w="0"/>
+                <a:solidFill>
+                  <a:schemeClr val="accent1"/>
+                </a:solidFill>
+                <a:effectLst>
+                  <a:outerShdw blurRad="38100" dist="25400" dir="5400000" algn="ctr" rotWithShape="0">
+                    <a:srgbClr val="6E747A">
+                      <a:alpha val="43000"/>
+                    </a:srgbClr>
+                  </a:outerShdw>
+                </a:effectLst>
+                <a:latin typeface="Times New Roman" panose="02020603050405020304" pitchFamily="18" charset="0"/>
+                <a:cs typeface="Times New Roman" panose="02020603050405020304" pitchFamily="18" charset="0"/>
+              </a:rPr>
+              <a:t>Experimentation Setup</a:t>
+            </a:r>
+            <a:endParaRPr lang="zh-TW" altLang="en-US" sz="3200" b="1" cap="none" spc="0" dirty="0">
+              <a:ln w="0"/>
+              <a:solidFill>
+                <a:schemeClr val="accent1"/>
+              </a:solidFill>
+              <a:effectLst>
+                <a:outerShdw blurRad="38100" dist="25400" dir="5400000" algn="ctr" rotWithShape="0">
+                  <a:srgbClr val="6E747A">
+                    <a:alpha val="43000"/>
+                  </a:srgbClr>
+                </a:outerShdw>
+              </a:effectLst>
+              <a:latin typeface="Times New Roman" panose="02020603050405020304" pitchFamily="18" charset="0"/>
+              <a:cs typeface="Times New Roman" panose="02020603050405020304" pitchFamily="18" charset="0"/>
+            </a:endParaRPr>
+          </a:p>
+        </p:txBody>
+      </p:sp>
+      <p:sp>
+        <p:nvSpPr>
+          <p:cNvPr id="8" name="文字方塊 7"/>
+          <p:cNvSpPr txBox="1"/>
+          <p:nvPr/>
+        </p:nvSpPr>
+        <p:spPr>
+          <a:xfrm>
+            <a:off x="518408" y="1298846"/>
+            <a:ext cx="6735832" cy="369332"/>
+          </a:xfrm>
+          <a:prstGeom prst="rect">
+            <a:avLst/>
+          </a:prstGeom>
+          <a:noFill/>
+        </p:spPr>
+        <p:txBody>
+          <a:bodyPr wrap="square" rtlCol="0">
+            <a:spAutoFit/>
+          </a:bodyPr>
+          <a:lstStyle/>
+          <a:p>
+            <a:pPr marL="285750" indent="-285750" algn="just">
+              <a:buFont typeface="Wingdings" panose="05000000000000000000" pitchFamily="2" charset="2"/>
+              <a:buChar char="p"/>
+            </a:pPr>
+            <a:r>
+              <a:rPr lang="en-US" altLang="zh-TW" dirty="0" smtClean="0">
+                <a:latin typeface="Times New Roman" panose="02020603050405020304" pitchFamily="18" charset="0"/>
+                <a:cs typeface="Times New Roman" panose="02020603050405020304" pitchFamily="18" charset="0"/>
+              </a:rPr>
+              <a:t>The important configuration of UAV Controller.</a:t>
+            </a:r>
+            <a:endParaRPr lang="zh-TW" altLang="en-US" dirty="0">
+              <a:latin typeface="Times New Roman" panose="02020603050405020304" pitchFamily="18" charset="0"/>
+              <a:cs typeface="Times New Roman" panose="02020603050405020304" pitchFamily="18" charset="0"/>
+            </a:endParaRPr>
+          </a:p>
+        </p:txBody>
+      </p:sp>
+      <p:sp>
+        <p:nvSpPr>
+          <p:cNvPr id="9" name="橢圓 8"/>
+          <p:cNvSpPr/>
+          <p:nvPr/>
+        </p:nvSpPr>
+        <p:spPr>
+          <a:xfrm>
+            <a:off x="3126377" y="2673531"/>
+            <a:ext cx="2804160" cy="2612572"/>
+          </a:xfrm>
+          <a:prstGeom prst="ellipse">
+            <a:avLst/>
+          </a:prstGeom>
+          <a:solidFill>
+            <a:schemeClr val="bg2"/>
+          </a:solidFill>
+          <a:ln w="28575">
+            <a:solidFill>
+              <a:schemeClr val="tx1"/>
+            </a:solidFill>
+          </a:ln>
+        </p:spPr>
+        <p:style>
+          <a:lnRef idx="2">
+            <a:schemeClr val="accent1">
+              <a:shade val="50000"/>
+            </a:schemeClr>
+          </a:lnRef>
+          <a:fillRef idx="1">
+            <a:schemeClr val="accent1"/>
+          </a:fillRef>
+          <a:effectRef idx="0">
+            <a:schemeClr val="accent1"/>
+          </a:effectRef>
+          <a:fontRef idx="minor">
+            <a:schemeClr val="lt1"/>
+          </a:fontRef>
+        </p:style>
+        <p:txBody>
+          <a:bodyPr rtlCol="0" anchor="ctr"/>
+          <a:lstStyle/>
+          <a:p>
+            <a:pPr algn="ctr"/>
+            <a:endParaRPr lang="zh-TW" altLang="en-US" dirty="0"/>
+          </a:p>
+        </p:txBody>
+      </p:sp>
+      <p:sp>
+        <p:nvSpPr>
+          <p:cNvPr id="10" name="矩形 9"/>
+          <p:cNvSpPr/>
+          <p:nvPr/>
+        </p:nvSpPr>
+        <p:spPr>
+          <a:xfrm>
+            <a:off x="3642092" y="2200259"/>
+            <a:ext cx="1772729" cy="369332"/>
+          </a:xfrm>
+          <a:prstGeom prst="rect">
+            <a:avLst/>
+          </a:prstGeom>
+        </p:spPr>
+        <p:txBody>
+          <a:bodyPr wrap="none">
+            <a:spAutoFit/>
+          </a:bodyPr>
+          <a:lstStyle/>
+          <a:p>
+            <a:pPr algn="ctr"/>
+            <a:r>
+              <a:rPr lang="en-US" altLang="zh-TW" dirty="0" smtClean="0"/>
+              <a:t>Allowed airspace</a:t>
+            </a:r>
+            <a:endParaRPr lang="zh-TW" altLang="en-US" dirty="0"/>
+          </a:p>
+        </p:txBody>
+      </p:sp>
+      <p:cxnSp>
+        <p:nvCxnSpPr>
+          <p:cNvPr id="12" name="直線單箭頭接點 11"/>
+          <p:cNvCxnSpPr/>
+          <p:nvPr/>
+        </p:nvCxnSpPr>
+        <p:spPr>
+          <a:xfrm flipV="1">
+            <a:off x="3126377" y="3979817"/>
+            <a:ext cx="1402079" cy="17418"/>
+          </a:xfrm>
+          <a:prstGeom prst="straightConnector1">
+            <a:avLst/>
+          </a:prstGeom>
+          <a:ln w="19050">
+            <a:solidFill>
+              <a:srgbClr val="FF0000"/>
+            </a:solidFill>
+            <a:headEnd type="triangle"/>
+            <a:tailEnd type="triangle"/>
+          </a:ln>
+        </p:spPr>
+        <p:style>
+          <a:lnRef idx="1">
+            <a:schemeClr val="accent1"/>
+          </a:lnRef>
+          <a:fillRef idx="0">
+            <a:schemeClr val="accent1"/>
+          </a:fillRef>
+          <a:effectRef idx="0">
+            <a:schemeClr val="accent1"/>
+          </a:effectRef>
+          <a:fontRef idx="minor">
+            <a:schemeClr val="tx1"/>
+          </a:fontRef>
+        </p:style>
+      </p:cxnSp>
+      <p:sp>
+        <p:nvSpPr>
+          <p:cNvPr id="18" name="文字方塊 17"/>
+          <p:cNvSpPr txBox="1"/>
+          <p:nvPr/>
+        </p:nvSpPr>
+        <p:spPr>
+          <a:xfrm>
+            <a:off x="3506655" y="3689458"/>
+            <a:ext cx="756938" cy="307777"/>
+          </a:xfrm>
+          <a:prstGeom prst="rect">
+            <a:avLst/>
+          </a:prstGeom>
+          <a:noFill/>
+        </p:spPr>
+        <p:txBody>
+          <a:bodyPr wrap="none" rtlCol="0">
+            <a:spAutoFit/>
+          </a:bodyPr>
+          <a:lstStyle/>
+          <a:p>
+            <a:r>
+              <a:rPr lang="en-US" altLang="zh-TW" sz="1400" b="1" dirty="0" smtClean="0">
+                <a:solidFill>
+                  <a:srgbClr val="FF0000"/>
+                </a:solidFill>
+              </a:rPr>
+              <a:t>200 (m)</a:t>
+            </a:r>
+            <a:endParaRPr lang="zh-TW" altLang="en-US" sz="1400" b="1" dirty="0">
+              <a:solidFill>
+                <a:srgbClr val="FF0000"/>
+              </a:solidFill>
+            </a:endParaRPr>
+          </a:p>
+        </p:txBody>
+      </p:sp>
+      <p:pic>
+        <p:nvPicPr>
+          <p:cNvPr id="19" name="圖片 18"/>
+          <p:cNvPicPr>
+            <a:picLocks noChangeAspect="1"/>
+          </p:cNvPicPr>
+          <p:nvPr/>
+        </p:nvPicPr>
+        <p:blipFill>
+          <a:blip r:embed="rId2" cstate="print">
+            <a:extLst>
+              <a:ext uri="{BEBA8EAE-BF5A-486C-A8C5-ECC9F3942E4B}">
+                <a14:imgProps xmlns:a14="http://schemas.microsoft.com/office/drawing/2010/main">
+                  <a14:imgLayer r:embed="rId3">
+                    <a14:imgEffect>
+                      <a14:backgroundRemoval t="0" b="100000" l="0" r="100000"/>
+                    </a14:imgEffect>
+                  </a14:imgLayer>
+                </a14:imgProps>
+              </a:ext>
+              <a:ext uri="{28A0092B-C50C-407E-A947-70E740481C1C}">
+                <a14:useLocalDpi xmlns:a14="http://schemas.microsoft.com/office/drawing/2010/main" val="0"/>
+              </a:ext>
+            </a:extLst>
+          </a:blip>
+          <a:stretch>
+            <a:fillRect/>
+          </a:stretch>
+        </p:blipFill>
+        <p:spPr>
+          <a:xfrm>
+            <a:off x="2950693" y="3735569"/>
+            <a:ext cx="488496" cy="488496"/>
+          </a:xfrm>
+          <a:prstGeom prst="rect">
+            <a:avLst/>
+          </a:prstGeom>
+        </p:spPr>
+      </p:pic>
+      <p:cxnSp>
+        <p:nvCxnSpPr>
+          <p:cNvPr id="23" name="直線單箭頭接點 22"/>
+          <p:cNvCxnSpPr/>
+          <p:nvPr/>
+        </p:nvCxnSpPr>
+        <p:spPr>
+          <a:xfrm flipV="1">
+            <a:off x="2928380" y="2872043"/>
+            <a:ext cx="510809" cy="985652"/>
+          </a:xfrm>
+          <a:prstGeom prst="straightConnector1">
+            <a:avLst/>
+          </a:prstGeom>
+          <a:ln w="28575">
+            <a:tailEnd type="triangle"/>
+          </a:ln>
+        </p:spPr>
+        <p:style>
+          <a:lnRef idx="1">
+            <a:schemeClr val="accent1"/>
+          </a:lnRef>
+          <a:fillRef idx="0">
+            <a:schemeClr val="accent1"/>
+          </a:fillRef>
+          <a:effectRef idx="0">
+            <a:schemeClr val="accent1"/>
+          </a:effectRef>
+          <a:fontRef idx="minor">
+            <a:schemeClr val="tx1"/>
+          </a:fontRef>
+        </p:style>
+      </p:cxnSp>
+      <p:sp>
+        <p:nvSpPr>
+          <p:cNvPr id="26" name="文字方塊 25"/>
+          <p:cNvSpPr txBox="1"/>
+          <p:nvPr/>
+        </p:nvSpPr>
+        <p:spPr>
+          <a:xfrm>
+            <a:off x="2435620" y="3122547"/>
+            <a:ext cx="809837" cy="307777"/>
+          </a:xfrm>
+          <a:prstGeom prst="rect">
+            <a:avLst/>
+          </a:prstGeom>
+          <a:noFill/>
+        </p:spPr>
+        <p:txBody>
+          <a:bodyPr wrap="none" rtlCol="0">
+            <a:spAutoFit/>
+          </a:bodyPr>
+          <a:lstStyle/>
+          <a:p>
+            <a:r>
+              <a:rPr lang="en-US" altLang="zh-TW" sz="1400" b="1" dirty="0" smtClean="0">
+                <a:solidFill>
+                  <a:schemeClr val="accent5">
+                    <a:lumMod val="75000"/>
+                  </a:schemeClr>
+                </a:solidFill>
+              </a:rPr>
+              <a:t>10 (m/s)</a:t>
+            </a:r>
+            <a:endParaRPr lang="zh-TW" altLang="en-US" sz="1400" b="1" dirty="0">
+              <a:solidFill>
+                <a:schemeClr val="accent5">
+                  <a:lumMod val="75000"/>
+                </a:schemeClr>
+              </a:solidFill>
+            </a:endParaRPr>
+          </a:p>
+        </p:txBody>
+      </p:sp>
+      <p:sp>
+        <p:nvSpPr>
+          <p:cNvPr id="27" name="文字方塊 26"/>
+          <p:cNvSpPr txBox="1"/>
+          <p:nvPr/>
+        </p:nvSpPr>
+        <p:spPr>
+          <a:xfrm>
+            <a:off x="6275071" y="2673531"/>
+            <a:ext cx="2424895" cy="369332"/>
+          </a:xfrm>
+          <a:prstGeom prst="rect">
+            <a:avLst/>
+          </a:prstGeom>
+          <a:noFill/>
+        </p:spPr>
+        <p:txBody>
+          <a:bodyPr wrap="none" rtlCol="0">
+            <a:spAutoFit/>
+          </a:bodyPr>
+          <a:lstStyle/>
+          <a:p>
+            <a:r>
+              <a:rPr lang="en-US" altLang="zh-TW" b="1" dirty="0" smtClean="0">
+                <a:solidFill>
+                  <a:schemeClr val="accent6">
+                    <a:lumMod val="75000"/>
+                  </a:schemeClr>
+                </a:solidFill>
+              </a:rPr>
+              <a:t>Flying duration : 300 (s)</a:t>
+            </a:r>
+            <a:endParaRPr lang="zh-TW" altLang="en-US" b="1" dirty="0">
+              <a:solidFill>
+                <a:schemeClr val="accent6">
+                  <a:lumMod val="75000"/>
+                </a:schemeClr>
+              </a:solidFill>
+            </a:endParaRPr>
+          </a:p>
+        </p:txBody>
+      </p:sp>
+      <p:sp>
+        <p:nvSpPr>
+          <p:cNvPr id="28" name="文字方塊 27"/>
+          <p:cNvSpPr txBox="1"/>
+          <p:nvPr/>
+        </p:nvSpPr>
+        <p:spPr>
+          <a:xfrm>
+            <a:off x="6275071" y="3276435"/>
+            <a:ext cx="2184252" cy="369332"/>
+          </a:xfrm>
+          <a:prstGeom prst="rect">
+            <a:avLst/>
+          </a:prstGeom>
+          <a:noFill/>
+        </p:spPr>
+        <p:txBody>
+          <a:bodyPr wrap="none" rtlCol="0">
+            <a:spAutoFit/>
+          </a:bodyPr>
+          <a:lstStyle/>
+          <a:p>
+            <a:r>
+              <a:rPr lang="en-US" altLang="zh-TW" b="1" dirty="0" smtClean="0">
+                <a:solidFill>
+                  <a:schemeClr val="tx2">
+                    <a:lumMod val="75000"/>
+                  </a:schemeClr>
+                </a:solidFill>
+              </a:rPr>
+              <a:t>Frequency : 100 (Hz) </a:t>
+            </a:r>
+            <a:endParaRPr lang="zh-TW" altLang="en-US" b="1" dirty="0">
+              <a:solidFill>
+                <a:schemeClr val="tx2">
+                  <a:lumMod val="75000"/>
+                </a:schemeClr>
+              </a:solidFill>
+            </a:endParaRPr>
+          </a:p>
+        </p:txBody>
+      </p:sp>
+      <p:sp>
+        <p:nvSpPr>
+          <p:cNvPr id="29" name="向下箭號 28"/>
+          <p:cNvSpPr/>
+          <p:nvPr/>
+        </p:nvSpPr>
+        <p:spPr>
+          <a:xfrm>
+            <a:off x="7175863" y="3843346"/>
+            <a:ext cx="191334" cy="714305"/>
+          </a:xfrm>
+          <a:prstGeom prst="downArrow">
+            <a:avLst/>
+          </a:prstGeom>
+          <a:solidFill>
+            <a:schemeClr val="accent3">
+              <a:lumMod val="75000"/>
+            </a:schemeClr>
+          </a:solidFill>
+          <a:ln>
+            <a:noFill/>
+          </a:ln>
+        </p:spPr>
+        <p:style>
+          <a:lnRef idx="2">
+            <a:schemeClr val="accent1">
+              <a:shade val="50000"/>
+            </a:schemeClr>
+          </a:lnRef>
+          <a:fillRef idx="1">
+            <a:schemeClr val="accent1"/>
+          </a:fillRef>
+          <a:effectRef idx="0">
+            <a:schemeClr val="accent1"/>
+          </a:effectRef>
+          <a:fontRef idx="minor">
+            <a:schemeClr val="lt1"/>
+          </a:fontRef>
+        </p:style>
+        <p:txBody>
+          <a:bodyPr rtlCol="0" anchor="ctr"/>
+          <a:lstStyle/>
+          <a:p>
+            <a:pPr algn="ctr"/>
+            <a:endParaRPr lang="zh-TW" altLang="en-US"/>
+          </a:p>
+        </p:txBody>
+      </p:sp>
+      <mc:AlternateContent xmlns:mc="http://schemas.openxmlformats.org/markup-compatibility/2006">
+        <mc:Choice xmlns:a14="http://schemas.microsoft.com/office/drawing/2010/main" Requires="a14">
+          <p:sp>
+            <p:nvSpPr>
+              <p:cNvPr id="30" name="文字方塊 29"/>
+              <p:cNvSpPr txBox="1"/>
+              <p:nvPr/>
+            </p:nvSpPr>
+            <p:spPr>
+              <a:xfrm>
+                <a:off x="6276240" y="4693921"/>
+                <a:ext cx="4668720" cy="785536"/>
+              </a:xfrm>
+              <a:prstGeom prst="rect">
+                <a:avLst/>
+              </a:prstGeom>
+              <a:noFill/>
+            </p:spPr>
+            <p:txBody>
+              <a:bodyPr wrap="square" rtlCol="0">
+                <a:spAutoFit/>
+              </a:bodyPr>
+              <a:lstStyle/>
+              <a:p>
+                <a:r>
+                  <a:rPr lang="en-US" altLang="zh-TW" dirty="0" smtClean="0">
+                    <a:latin typeface="Times New Roman" panose="02020603050405020304" pitchFamily="18" charset="0"/>
+                    <a:cs typeface="Times New Roman" panose="02020603050405020304" pitchFamily="18" charset="0"/>
+                  </a:rPr>
+                  <a:t>Check the states of UAV and correct deviation every </a:t>
+                </a:r>
+                <a14:m>
+                  <m:oMath xmlns:m="http://schemas.openxmlformats.org/officeDocument/2006/math">
+                    <m:f>
+                      <m:fPr>
+                        <m:ctrlPr>
+                          <a:rPr lang="en-US" altLang="zh-TW" i="1" smtClean="0">
+                            <a:latin typeface="Cambria Math" panose="02040503050406030204" pitchFamily="18" charset="0"/>
+                          </a:rPr>
+                        </m:ctrlPr>
+                      </m:fPr>
+                      <m:num>
+                        <m:r>
+                          <a:rPr lang="en-US" altLang="zh-TW" b="0" i="1" smtClean="0">
+                            <a:latin typeface="Cambria Math" panose="02040503050406030204" pitchFamily="18" charset="0"/>
+                          </a:rPr>
+                          <m:t>1</m:t>
+                        </m:r>
+                      </m:num>
+                      <m:den>
+                        <m:r>
+                          <a:rPr lang="en-US" altLang="zh-TW" b="0" i="1" smtClean="0">
+                            <a:latin typeface="Cambria Math" panose="02040503050406030204" pitchFamily="18" charset="0"/>
+                          </a:rPr>
+                          <m:t>100</m:t>
+                        </m:r>
+                      </m:den>
+                    </m:f>
+                    <m:r>
+                      <a:rPr lang="en-US" altLang="zh-TW" b="0" i="1" smtClean="0">
+                        <a:latin typeface="Cambria Math" panose="02040503050406030204" pitchFamily="18" charset="0"/>
+                      </a:rPr>
+                      <m:t>=0.01</m:t>
+                    </m:r>
+                    <m:d>
+                      <m:dPr>
+                        <m:ctrlPr>
+                          <a:rPr lang="en-US" altLang="zh-TW" b="0" i="1" smtClean="0">
+                            <a:latin typeface="Cambria Math" panose="02040503050406030204" pitchFamily="18" charset="0"/>
+                          </a:rPr>
+                        </m:ctrlPr>
+                      </m:dPr>
+                      <m:e>
+                        <m:r>
+                          <a:rPr lang="en-US" altLang="zh-TW" b="0" i="1" smtClean="0">
+                            <a:latin typeface="Cambria Math" panose="02040503050406030204" pitchFamily="18" charset="0"/>
+                          </a:rPr>
+                          <m:t>𝑠</m:t>
+                        </m:r>
+                      </m:e>
+                    </m:d>
+                    <m:r>
+                      <a:rPr lang="en-US" altLang="zh-TW" b="0" i="1" smtClean="0">
+                        <a:latin typeface="Cambria Math" panose="02040503050406030204" pitchFamily="18" charset="0"/>
+                      </a:rPr>
+                      <m:t>=10(</m:t>
+                    </m:r>
+                    <m:r>
+                      <a:rPr lang="en-US" altLang="zh-TW" b="0" i="1" smtClean="0">
+                        <a:latin typeface="Cambria Math" panose="02040503050406030204" pitchFamily="18" charset="0"/>
+                      </a:rPr>
+                      <m:t>𝑚𝑠</m:t>
+                    </m:r>
+                    <m:r>
+                      <a:rPr lang="en-US" altLang="zh-TW" b="0" i="1" smtClean="0">
+                        <a:latin typeface="Cambria Math" panose="02040503050406030204" pitchFamily="18" charset="0"/>
+                      </a:rPr>
+                      <m:t>)</m:t>
+                    </m:r>
+                  </m:oMath>
+                </a14:m>
+                <a:endParaRPr lang="zh-TW" altLang="en-US" dirty="0">
+                  <a:latin typeface="Times New Roman" panose="02020603050405020304" pitchFamily="18" charset="0"/>
+                  <a:cs typeface="Times New Roman" panose="02020603050405020304" pitchFamily="18" charset="0"/>
+                </a:endParaRPr>
+              </a:p>
+            </p:txBody>
+          </p:sp>
+        </mc:Choice>
+        <mc:Fallback>
+          <p:sp>
+            <p:nvSpPr>
+              <p:cNvPr id="30" name="文字方塊 29"/>
+              <p:cNvSpPr txBox="1">
+                <a:spLocks noRot="1" noChangeAspect="1" noMove="1" noResize="1" noEditPoints="1" noAdjustHandles="1" noChangeArrowheads="1" noChangeShapeType="1" noTextEdit="1"/>
+              </p:cNvSpPr>
+              <p:nvPr/>
+            </p:nvSpPr>
+            <p:spPr>
+              <a:xfrm>
+                <a:off x="6276240" y="4693921"/>
+                <a:ext cx="4668720" cy="785536"/>
+              </a:xfrm>
+              <a:prstGeom prst="rect">
+                <a:avLst/>
+              </a:prstGeom>
+              <a:blipFill>
+                <a:blip r:embed="rId4"/>
+                <a:stretch>
+                  <a:fillRect l="-1176" t="-3876" b="-775"/>
+                </a:stretch>
+              </a:blipFill>
+            </p:spPr>
+            <p:txBody>
+              <a:bodyPr/>
+              <a:lstStyle/>
+              <a:p>
+                <a:r>
+                  <a:rPr lang="zh-TW" altLang="en-US">
+                    <a:noFill/>
+                  </a:rPr>
+                  <a:t> </a:t>
+                </a:r>
+              </a:p>
+            </p:txBody>
+          </p:sp>
+        </mc:Fallback>
+      </mc:AlternateContent>
+    </p:spTree>
+    <p:extLst>
+      <p:ext uri="{BB962C8B-B14F-4D97-AF65-F5344CB8AC3E}">
+        <p14:creationId xmlns:p14="http://schemas.microsoft.com/office/powerpoint/2010/main" val="645743958"/>
+      </p:ext>
+    </p:extLst>
+  </p:cSld>
+  <p:clrMapOvr>
+    <a:masterClrMapping/>
+  </p:clrMapOvr>
+  <p:timing>
+    <p:tnLst>
+      <p:par>
+        <p:cTn id="1" dur="indefinite" restart="never" nodeType="tmRoot"/>
+      </p:par>
+    </p:tnLst>
+  </p:timing>
+</p:sld>
+</file>
+
+<file path=ppt/slides/slide15.xml><?xml version="1.0" encoding="utf-8"?>
 <p:sld xmlns:a="http://schemas.openxmlformats.org/drawingml/2006/main" xmlns:r="http://schemas.openxmlformats.org/officeDocument/2006/relationships" xmlns:p="http://schemas.openxmlformats.org/presentationml/2006/main">
   <p:cSld>
     <p:spTree>
@@ -15028,12 +17809,297 @@
           <a:p>
             <a:fld id="{C128DF73-0FD1-4EFB-B6B9-20BE1557E8C1}" type="slidenum">
               <a:rPr lang="zh-TW" altLang="en-US" smtClean="0"/>
-              <a:t>13</a:t>
+              <a:t>15</a:t>
             </a:fld>
             <a:endParaRPr lang="zh-TW" altLang="en-US"/>
           </a:p>
         </p:txBody>
       </p:sp>
+      <p:sp>
+        <p:nvSpPr>
+          <p:cNvPr id="7" name="文字方塊 6"/>
+          <p:cNvSpPr txBox="1"/>
+          <p:nvPr/>
+        </p:nvSpPr>
+        <p:spPr>
+          <a:xfrm>
+            <a:off x="518408" y="1298846"/>
+            <a:ext cx="6735832" cy="369332"/>
+          </a:xfrm>
+          <a:prstGeom prst="rect">
+            <a:avLst/>
+          </a:prstGeom>
+          <a:noFill/>
+        </p:spPr>
+        <p:txBody>
+          <a:bodyPr wrap="square" rtlCol="0">
+            <a:spAutoFit/>
+          </a:bodyPr>
+          <a:lstStyle/>
+          <a:p>
+            <a:pPr marL="285750" indent="-285750" algn="just">
+              <a:buFont typeface="Wingdings" panose="05000000000000000000" pitchFamily="2" charset="2"/>
+              <a:buChar char="p"/>
+            </a:pPr>
+            <a:r>
+              <a:rPr lang="en-US" altLang="zh-TW" dirty="0" smtClean="0">
+                <a:latin typeface="Times New Roman" panose="02020603050405020304" pitchFamily="18" charset="0"/>
+                <a:cs typeface="Times New Roman" panose="02020603050405020304" pitchFamily="18" charset="0"/>
+              </a:rPr>
+              <a:t>The following figure elaborate the effect of </a:t>
+            </a:r>
+            <a:r>
+              <a:rPr lang="en-US" altLang="zh-TW" b="1" dirty="0" smtClean="0">
+                <a:solidFill>
+                  <a:srgbClr val="FF0000"/>
+                </a:solidFill>
+                <a:latin typeface="Times New Roman" panose="02020603050405020304" pitchFamily="18" charset="0"/>
+                <a:cs typeface="Times New Roman" panose="02020603050405020304" pitchFamily="18" charset="0"/>
+              </a:rPr>
+              <a:t>latency</a:t>
+            </a:r>
+            <a:r>
+              <a:rPr lang="en-US" altLang="zh-TW" dirty="0" smtClean="0">
+                <a:latin typeface="Times New Roman" panose="02020603050405020304" pitchFamily="18" charset="0"/>
+                <a:cs typeface="Times New Roman" panose="02020603050405020304" pitchFamily="18" charset="0"/>
+              </a:rPr>
+              <a:t> to UAV.</a:t>
+            </a:r>
+            <a:endParaRPr lang="zh-TW" altLang="en-US" dirty="0">
+              <a:latin typeface="Times New Roman" panose="02020603050405020304" pitchFamily="18" charset="0"/>
+              <a:cs typeface="Times New Roman" panose="02020603050405020304" pitchFamily="18" charset="0"/>
+            </a:endParaRPr>
+          </a:p>
+        </p:txBody>
+      </p:sp>
+      <p:pic>
+        <p:nvPicPr>
+          <p:cNvPr id="2" name="圖片 1"/>
+          <p:cNvPicPr>
+            <a:picLocks noChangeAspect="1"/>
+          </p:cNvPicPr>
+          <p:nvPr/>
+        </p:nvPicPr>
+        <p:blipFill>
+          <a:blip r:embed="rId2"/>
+          <a:stretch>
+            <a:fillRect/>
+          </a:stretch>
+        </p:blipFill>
+        <p:spPr>
+          <a:xfrm>
+            <a:off x="643024" y="2177735"/>
+            <a:ext cx="10862436" cy="3983118"/>
+          </a:xfrm>
+          <a:prstGeom prst="rect">
+            <a:avLst/>
+          </a:prstGeom>
+        </p:spPr>
+      </p:pic>
+      <mc:AlternateContent xmlns:mc="http://schemas.openxmlformats.org/markup-compatibility/2006">
+        <mc:Choice xmlns:a14="http://schemas.microsoft.com/office/drawing/2010/main" Requires="a14">
+          <p:sp>
+            <p:nvSpPr>
+              <p:cNvPr id="3" name="文字方塊 2"/>
+              <p:cNvSpPr txBox="1"/>
+              <p:nvPr/>
+            </p:nvSpPr>
+            <p:spPr>
+              <a:xfrm>
+                <a:off x="5858691" y="2182576"/>
+                <a:ext cx="685316" cy="391902"/>
+              </a:xfrm>
+              <a:prstGeom prst="rect">
+                <a:avLst/>
+              </a:prstGeom>
+              <a:noFill/>
+            </p:spPr>
+            <p:txBody>
+              <a:bodyPr wrap="none" rtlCol="0">
+                <a:spAutoFit/>
+              </a:bodyPr>
+              <a:lstStyle/>
+              <a:p>
+                <a14:m>
+                  <m:oMathPara xmlns:m="http://schemas.openxmlformats.org/officeDocument/2006/math">
+                    <m:oMathParaPr>
+                      <m:jc m:val="centerGroup"/>
+                    </m:oMathParaPr>
+                    <m:oMath xmlns:m="http://schemas.openxmlformats.org/officeDocument/2006/math">
+                      <m:sSub>
+                        <m:sSubPr>
+                          <m:ctrlPr>
+                            <a:rPr lang="en-US" altLang="zh-TW" b="0" i="1" smtClean="0">
+                              <a:latin typeface="Cambria Math" panose="02040503050406030204" pitchFamily="18" charset="0"/>
+                            </a:rPr>
+                          </m:ctrlPr>
+                        </m:sSubPr>
+                        <m:e>
+                          <m:r>
+                            <a:rPr lang="en-US" altLang="zh-TW" b="0" i="1" smtClean="0">
+                              <a:latin typeface="Cambria Math" panose="02040503050406030204" pitchFamily="18" charset="0"/>
+                            </a:rPr>
+                            <m:t>𝐶</m:t>
+                          </m:r>
+                        </m:e>
+                        <m:sub>
+                          <m:r>
+                            <a:rPr lang="en-US" altLang="zh-TW" b="0" i="1" smtClean="0">
+                              <a:latin typeface="Cambria Math" panose="02040503050406030204" pitchFamily="18" charset="0"/>
+                            </a:rPr>
+                            <m:t>𝑎𝑣𝑔</m:t>
+                          </m:r>
+                        </m:sub>
+                      </m:sSub>
+                    </m:oMath>
+                  </m:oMathPara>
+                </a14:m>
+                <a:endParaRPr lang="zh-TW" altLang="en-US" dirty="0"/>
+              </a:p>
+            </p:txBody>
+          </p:sp>
+        </mc:Choice>
+        <mc:Fallback>
+          <p:sp>
+            <p:nvSpPr>
+              <p:cNvPr id="3" name="文字方塊 2"/>
+              <p:cNvSpPr txBox="1">
+                <a:spLocks noRot="1" noChangeAspect="1" noMove="1" noResize="1" noEditPoints="1" noAdjustHandles="1" noChangeArrowheads="1" noChangeShapeType="1" noTextEdit="1"/>
+              </p:cNvSpPr>
+              <p:nvPr/>
+            </p:nvSpPr>
+            <p:spPr>
+              <a:xfrm>
+                <a:off x="5858691" y="2182576"/>
+                <a:ext cx="685316" cy="391902"/>
+              </a:xfrm>
+              <a:prstGeom prst="rect">
+                <a:avLst/>
+              </a:prstGeom>
+              <a:blipFill>
+                <a:blip r:embed="rId3"/>
+                <a:stretch>
+                  <a:fillRect b="-6250"/>
+                </a:stretch>
+              </a:blipFill>
+            </p:spPr>
+            <p:txBody>
+              <a:bodyPr/>
+              <a:lstStyle/>
+              <a:p>
+                <a:r>
+                  <a:rPr lang="zh-TW" altLang="en-US">
+                    <a:noFill/>
+                  </a:rPr>
+                  <a:t> </a:t>
+                </a:r>
+              </a:p>
+            </p:txBody>
+          </p:sp>
+        </mc:Fallback>
+      </mc:AlternateContent>
+      <mc:AlternateContent xmlns:mc="http://schemas.openxmlformats.org/markup-compatibility/2006">
+        <mc:Choice xmlns:a14="http://schemas.microsoft.com/office/drawing/2010/main" Requires="a14">
+          <p:sp>
+            <p:nvSpPr>
+              <p:cNvPr id="8" name="文字方塊 7"/>
+              <p:cNvSpPr txBox="1"/>
+              <p:nvPr/>
+            </p:nvSpPr>
+            <p:spPr>
+              <a:xfrm>
+                <a:off x="9562011" y="2177735"/>
+                <a:ext cx="488980" cy="369332"/>
+              </a:xfrm>
+              <a:prstGeom prst="rect">
+                <a:avLst/>
+              </a:prstGeom>
+              <a:noFill/>
+            </p:spPr>
+            <p:txBody>
+              <a:bodyPr wrap="none" rtlCol="0">
+                <a:spAutoFit/>
+              </a:bodyPr>
+              <a:lstStyle/>
+              <a:p>
+                <a14:m>
+                  <m:oMathPara xmlns:m="http://schemas.openxmlformats.org/officeDocument/2006/math">
+                    <m:oMathParaPr>
+                      <m:jc m:val="centerGroup"/>
+                    </m:oMathParaPr>
+                    <m:oMath xmlns:m="http://schemas.openxmlformats.org/officeDocument/2006/math">
+                      <m:sSub>
+                        <m:sSubPr>
+                          <m:ctrlPr>
+                            <a:rPr lang="en-US" altLang="zh-TW" b="0" i="1" smtClean="0">
+                              <a:latin typeface="Cambria Math" panose="02040503050406030204" pitchFamily="18" charset="0"/>
+                            </a:rPr>
+                          </m:ctrlPr>
+                        </m:sSubPr>
+                        <m:e>
+                          <m:r>
+                            <a:rPr lang="en-US" altLang="zh-TW" b="0" i="1" smtClean="0">
+                              <a:latin typeface="Cambria Math" panose="02040503050406030204" pitchFamily="18" charset="0"/>
+                            </a:rPr>
+                            <m:t>𝐷</m:t>
+                          </m:r>
+                        </m:e>
+                        <m:sub>
+                          <m:r>
+                            <a:rPr lang="en-US" altLang="zh-TW" b="0" i="1" smtClean="0">
+                              <a:latin typeface="Cambria Math" panose="02040503050406030204" pitchFamily="18" charset="0"/>
+                            </a:rPr>
+                            <m:t>𝑟</m:t>
+                          </m:r>
+                        </m:sub>
+                      </m:sSub>
+                    </m:oMath>
+                  </m:oMathPara>
+                </a14:m>
+                <a:endParaRPr lang="zh-TW" altLang="en-US" dirty="0"/>
+              </a:p>
+            </p:txBody>
+          </p:sp>
+        </mc:Choice>
+        <mc:Fallback>
+          <p:sp>
+            <p:nvSpPr>
+              <p:cNvPr id="8" name="文字方塊 7"/>
+              <p:cNvSpPr txBox="1">
+                <a:spLocks noRot="1" noChangeAspect="1" noMove="1" noResize="1" noEditPoints="1" noAdjustHandles="1" noChangeArrowheads="1" noChangeShapeType="1" noTextEdit="1"/>
+              </p:cNvSpPr>
+              <p:nvPr/>
+            </p:nvSpPr>
+            <p:spPr>
+              <a:xfrm>
+                <a:off x="9562011" y="2177735"/>
+                <a:ext cx="488980" cy="369332"/>
+              </a:xfrm>
+              <a:prstGeom prst="rect">
+                <a:avLst/>
+              </a:prstGeom>
+              <a:blipFill>
+                <a:blip r:embed="rId4"/>
+                <a:stretch>
+                  <a:fillRect/>
+                </a:stretch>
+              </a:blipFill>
+            </p:spPr>
+            <p:txBody>
+              <a:bodyPr/>
+              <a:lstStyle/>
+              <a:p>
+                <a:r>
+                  <a:rPr lang="zh-TW" altLang="en-US">
+                    <a:noFill/>
+                  </a:rPr>
+                  <a:t> </a:t>
+                </a:r>
+              </a:p>
+            </p:txBody>
+          </p:sp>
+        </mc:Fallback>
+      </mc:AlternateContent>
     </p:spTree>
     <p:extLst>
       <p:ext uri="{BB962C8B-B14F-4D97-AF65-F5344CB8AC3E}">
@@ -15044,10 +18110,847 @@
   <p:clrMapOvr>
     <a:masterClrMapping/>
   </p:clrMapOvr>
+  <p:timing>
+    <p:tnLst>
+      <p:par>
+        <p:cTn id="1" dur="indefinite" restart="never" nodeType="tmRoot"/>
+      </p:par>
+    </p:tnLst>
+  </p:timing>
 </p:sld>
 </file>
 
-<file path=ppt/slides/slide14.xml><?xml version="1.0" encoding="utf-8"?>
+<file path=ppt/slides/slide16.xml><?xml version="1.0" encoding="utf-8"?>
+<p:sld xmlns:a="http://schemas.openxmlformats.org/drawingml/2006/main" xmlns:r="http://schemas.openxmlformats.org/officeDocument/2006/relationships" xmlns:p="http://schemas.openxmlformats.org/presentationml/2006/main">
+  <p:cSld>
+    <p:spTree>
+      <p:nvGrpSpPr>
+        <p:cNvPr id="1" name=""/>
+        <p:cNvGrpSpPr/>
+        <p:nvPr/>
+      </p:nvGrpSpPr>
+      <p:grpSpPr>
+        <a:xfrm>
+          <a:off x="0" y="0"/>
+          <a:ext cx="0" cy="0"/>
+          <a:chOff x="0" y="0"/>
+          <a:chExt cx="0" cy="0"/>
+        </a:xfrm>
+      </p:grpSpPr>
+      <p:sp>
+        <p:nvSpPr>
+          <p:cNvPr id="4" name="投影片編號版面配置區 3"/>
+          <p:cNvSpPr>
+            <a:spLocks noGrp="1"/>
+          </p:cNvSpPr>
+          <p:nvPr>
+            <p:ph type="sldNum" sz="quarter" idx="12"/>
+          </p:nvPr>
+        </p:nvSpPr>
+        <p:spPr/>
+        <p:txBody>
+          <a:bodyPr/>
+          <a:lstStyle/>
+          <a:p>
+            <a:fld id="{C128DF73-0FD1-4EFB-B6B9-20BE1557E8C1}" type="slidenum">
+              <a:rPr lang="zh-TW" altLang="en-US" smtClean="0"/>
+              <a:t>16</a:t>
+            </a:fld>
+            <a:endParaRPr lang="zh-TW" altLang="en-US"/>
+          </a:p>
+        </p:txBody>
+      </p:sp>
+      <p:sp>
+        <p:nvSpPr>
+          <p:cNvPr id="5" name="橢圓 4"/>
+          <p:cNvSpPr/>
+          <p:nvPr/>
+        </p:nvSpPr>
+        <p:spPr>
+          <a:xfrm>
+            <a:off x="345688" y="920843"/>
+            <a:ext cx="172720" cy="162560"/>
+          </a:xfrm>
+          <a:prstGeom prst="ellipse">
+            <a:avLst/>
+          </a:prstGeom>
+          <a:solidFill>
+            <a:schemeClr val="tx1">
+              <a:lumMod val="65000"/>
+              <a:lumOff val="35000"/>
+            </a:schemeClr>
+          </a:solidFill>
+          <a:ln>
+            <a:noFill/>
+          </a:ln>
+        </p:spPr>
+        <p:style>
+          <a:lnRef idx="2">
+            <a:schemeClr val="accent1">
+              <a:shade val="50000"/>
+            </a:schemeClr>
+          </a:lnRef>
+          <a:fillRef idx="1">
+            <a:schemeClr val="accent1"/>
+          </a:fillRef>
+          <a:effectRef idx="0">
+            <a:schemeClr val="accent1"/>
+          </a:effectRef>
+          <a:fontRef idx="minor">
+            <a:schemeClr val="lt1"/>
+          </a:fontRef>
+        </p:style>
+        <p:txBody>
+          <a:bodyPr rtlCol="0" anchor="ctr"/>
+          <a:lstStyle/>
+          <a:p>
+            <a:pPr algn="ctr"/>
+            <a:endParaRPr lang="zh-TW" altLang="en-US"/>
+          </a:p>
+        </p:txBody>
+      </p:sp>
+      <p:cxnSp>
+        <p:nvCxnSpPr>
+          <p:cNvPr id="6" name="直線接點 5"/>
+          <p:cNvCxnSpPr>
+            <a:stCxn id="5" idx="6"/>
+          </p:cNvCxnSpPr>
+          <p:nvPr/>
+        </p:nvCxnSpPr>
+        <p:spPr>
+          <a:xfrm>
+            <a:off x="518408" y="1002123"/>
+            <a:ext cx="3610486" cy="0"/>
+          </a:xfrm>
+          <a:prstGeom prst="line">
+            <a:avLst/>
+          </a:prstGeom>
+          <a:ln w="25400">
+            <a:solidFill>
+              <a:schemeClr val="tx1">
+                <a:lumMod val="65000"/>
+                <a:lumOff val="35000"/>
+              </a:schemeClr>
+            </a:solidFill>
+          </a:ln>
+        </p:spPr>
+        <p:style>
+          <a:lnRef idx="1">
+            <a:schemeClr val="accent1"/>
+          </a:lnRef>
+          <a:fillRef idx="0">
+            <a:schemeClr val="accent1"/>
+          </a:fillRef>
+          <a:effectRef idx="0">
+            <a:schemeClr val="accent1"/>
+          </a:effectRef>
+          <a:fontRef idx="minor">
+            <a:schemeClr val="tx1"/>
+          </a:fontRef>
+        </p:style>
+      </p:cxnSp>
+      <p:sp>
+        <p:nvSpPr>
+          <p:cNvPr id="7" name="矩形 6"/>
+          <p:cNvSpPr/>
+          <p:nvPr/>
+        </p:nvSpPr>
+        <p:spPr>
+          <a:xfrm>
+            <a:off x="432048" y="417348"/>
+            <a:ext cx="3696846" cy="584775"/>
+          </a:xfrm>
+          <a:prstGeom prst="rect">
+            <a:avLst/>
+          </a:prstGeom>
+          <a:noFill/>
+        </p:spPr>
+        <p:txBody>
+          <a:bodyPr wrap="none" lIns="91440" tIns="45720" rIns="91440" bIns="45720">
+            <a:spAutoFit/>
+          </a:bodyPr>
+          <a:lstStyle/>
+          <a:p>
+            <a:pPr algn="ctr"/>
+            <a:r>
+              <a:rPr lang="en-US" altLang="zh-TW" sz="3200" b="1" dirty="0" smtClean="0">
+                <a:ln w="0"/>
+                <a:solidFill>
+                  <a:schemeClr val="accent1"/>
+                </a:solidFill>
+                <a:effectLst>
+                  <a:outerShdw blurRad="38100" dist="25400" dir="5400000" algn="ctr" rotWithShape="0">
+                    <a:srgbClr val="6E747A">
+                      <a:alpha val="43000"/>
+                    </a:srgbClr>
+                  </a:outerShdw>
+                </a:effectLst>
+                <a:latin typeface="Times New Roman" panose="02020603050405020304" pitchFamily="18" charset="0"/>
+                <a:cs typeface="Times New Roman" panose="02020603050405020304" pitchFamily="18" charset="0"/>
+              </a:rPr>
+              <a:t>Result &amp; Discussion</a:t>
+            </a:r>
+            <a:endParaRPr lang="zh-TW" altLang="en-US" sz="3200" b="1" cap="none" spc="0" dirty="0">
+              <a:ln w="0"/>
+              <a:solidFill>
+                <a:schemeClr val="accent1"/>
+              </a:solidFill>
+              <a:effectLst>
+                <a:outerShdw blurRad="38100" dist="25400" dir="5400000" algn="ctr" rotWithShape="0">
+                  <a:srgbClr val="6E747A">
+                    <a:alpha val="43000"/>
+                  </a:srgbClr>
+                </a:outerShdw>
+              </a:effectLst>
+              <a:latin typeface="Times New Roman" panose="02020603050405020304" pitchFamily="18" charset="0"/>
+              <a:cs typeface="Times New Roman" panose="02020603050405020304" pitchFamily="18" charset="0"/>
+            </a:endParaRPr>
+          </a:p>
+        </p:txBody>
+      </p:sp>
+      <p:sp>
+        <p:nvSpPr>
+          <p:cNvPr id="8" name="文字方塊 7"/>
+          <p:cNvSpPr txBox="1"/>
+          <p:nvPr/>
+        </p:nvSpPr>
+        <p:spPr>
+          <a:xfrm>
+            <a:off x="518408" y="1298846"/>
+            <a:ext cx="6735832" cy="369332"/>
+          </a:xfrm>
+          <a:prstGeom prst="rect">
+            <a:avLst/>
+          </a:prstGeom>
+          <a:noFill/>
+        </p:spPr>
+        <p:txBody>
+          <a:bodyPr wrap="square" rtlCol="0">
+            <a:spAutoFit/>
+          </a:bodyPr>
+          <a:lstStyle/>
+          <a:p>
+            <a:pPr marL="285750" indent="-285750" algn="just">
+              <a:buFont typeface="Wingdings" panose="05000000000000000000" pitchFamily="2" charset="2"/>
+              <a:buChar char="p"/>
+            </a:pPr>
+            <a:r>
+              <a:rPr lang="en-US" altLang="zh-TW" dirty="0" smtClean="0">
+                <a:latin typeface="Times New Roman" panose="02020603050405020304" pitchFamily="18" charset="0"/>
+                <a:cs typeface="Times New Roman" panose="02020603050405020304" pitchFamily="18" charset="0"/>
+              </a:rPr>
+              <a:t>The following figure elaborate the effect of </a:t>
+            </a:r>
+            <a:r>
+              <a:rPr lang="en-US" altLang="zh-TW" b="1" dirty="0" smtClean="0">
+                <a:solidFill>
+                  <a:srgbClr val="FF0000"/>
+                </a:solidFill>
+                <a:latin typeface="Times New Roman" panose="02020603050405020304" pitchFamily="18" charset="0"/>
+                <a:cs typeface="Times New Roman" panose="02020603050405020304" pitchFamily="18" charset="0"/>
+              </a:rPr>
+              <a:t>packet loss </a:t>
+            </a:r>
+            <a:r>
+              <a:rPr lang="en-US" altLang="zh-TW" dirty="0" smtClean="0">
+                <a:latin typeface="Times New Roman" panose="02020603050405020304" pitchFamily="18" charset="0"/>
+                <a:cs typeface="Times New Roman" panose="02020603050405020304" pitchFamily="18" charset="0"/>
+              </a:rPr>
+              <a:t>to UAV.</a:t>
+            </a:r>
+            <a:endParaRPr lang="zh-TW" altLang="en-US" dirty="0">
+              <a:latin typeface="Times New Roman" panose="02020603050405020304" pitchFamily="18" charset="0"/>
+              <a:cs typeface="Times New Roman" panose="02020603050405020304" pitchFamily="18" charset="0"/>
+            </a:endParaRPr>
+          </a:p>
+        </p:txBody>
+      </p:sp>
+      <p:pic>
+        <p:nvPicPr>
+          <p:cNvPr id="9" name="圖片 8"/>
+          <p:cNvPicPr>
+            <a:picLocks noChangeAspect="1"/>
+          </p:cNvPicPr>
+          <p:nvPr/>
+        </p:nvPicPr>
+        <p:blipFill>
+          <a:blip r:embed="rId2"/>
+          <a:stretch>
+            <a:fillRect/>
+          </a:stretch>
+        </p:blipFill>
+        <p:spPr>
+          <a:xfrm>
+            <a:off x="606220" y="2034569"/>
+            <a:ext cx="10967472" cy="4015488"/>
+          </a:xfrm>
+          <a:prstGeom prst="rect">
+            <a:avLst/>
+          </a:prstGeom>
+        </p:spPr>
+      </p:pic>
+      <mc:AlternateContent xmlns:mc="http://schemas.openxmlformats.org/markup-compatibility/2006">
+        <mc:Choice xmlns:a14="http://schemas.microsoft.com/office/drawing/2010/main" Requires="a14">
+          <p:sp>
+            <p:nvSpPr>
+              <p:cNvPr id="10" name="文字方塊 9"/>
+              <p:cNvSpPr txBox="1"/>
+              <p:nvPr/>
+            </p:nvSpPr>
+            <p:spPr>
+              <a:xfrm>
+                <a:off x="5876108" y="2112908"/>
+                <a:ext cx="685316" cy="391902"/>
+              </a:xfrm>
+              <a:prstGeom prst="rect">
+                <a:avLst/>
+              </a:prstGeom>
+              <a:noFill/>
+            </p:spPr>
+            <p:txBody>
+              <a:bodyPr wrap="none" rtlCol="0">
+                <a:spAutoFit/>
+              </a:bodyPr>
+              <a:lstStyle/>
+              <a:p>
+                <a14:m>
+                  <m:oMathPara xmlns:m="http://schemas.openxmlformats.org/officeDocument/2006/math">
+                    <m:oMathParaPr>
+                      <m:jc m:val="centerGroup"/>
+                    </m:oMathParaPr>
+                    <m:oMath xmlns:m="http://schemas.openxmlformats.org/officeDocument/2006/math">
+                      <m:sSub>
+                        <m:sSubPr>
+                          <m:ctrlPr>
+                            <a:rPr lang="en-US" altLang="zh-TW" b="0" i="1" smtClean="0">
+                              <a:latin typeface="Cambria Math" panose="02040503050406030204" pitchFamily="18" charset="0"/>
+                            </a:rPr>
+                          </m:ctrlPr>
+                        </m:sSubPr>
+                        <m:e>
+                          <m:r>
+                            <a:rPr lang="en-US" altLang="zh-TW" b="0" i="1" smtClean="0">
+                              <a:latin typeface="Cambria Math" panose="02040503050406030204" pitchFamily="18" charset="0"/>
+                            </a:rPr>
+                            <m:t>𝐶</m:t>
+                          </m:r>
+                        </m:e>
+                        <m:sub>
+                          <m:r>
+                            <a:rPr lang="en-US" altLang="zh-TW" b="0" i="1" smtClean="0">
+                              <a:latin typeface="Cambria Math" panose="02040503050406030204" pitchFamily="18" charset="0"/>
+                            </a:rPr>
+                            <m:t>𝑎𝑣𝑔</m:t>
+                          </m:r>
+                        </m:sub>
+                      </m:sSub>
+                    </m:oMath>
+                  </m:oMathPara>
+                </a14:m>
+                <a:endParaRPr lang="zh-TW" altLang="en-US" dirty="0"/>
+              </a:p>
+            </p:txBody>
+          </p:sp>
+        </mc:Choice>
+        <mc:Fallback>
+          <p:sp>
+            <p:nvSpPr>
+              <p:cNvPr id="10" name="文字方塊 9"/>
+              <p:cNvSpPr txBox="1">
+                <a:spLocks noRot="1" noChangeAspect="1" noMove="1" noResize="1" noEditPoints="1" noAdjustHandles="1" noChangeArrowheads="1" noChangeShapeType="1" noTextEdit="1"/>
+              </p:cNvSpPr>
+              <p:nvPr/>
+            </p:nvSpPr>
+            <p:spPr>
+              <a:xfrm>
+                <a:off x="5876108" y="2112908"/>
+                <a:ext cx="685316" cy="391902"/>
+              </a:xfrm>
+              <a:prstGeom prst="rect">
+                <a:avLst/>
+              </a:prstGeom>
+              <a:blipFill>
+                <a:blip r:embed="rId3"/>
+                <a:stretch>
+                  <a:fillRect b="-6250"/>
+                </a:stretch>
+              </a:blipFill>
+            </p:spPr>
+            <p:txBody>
+              <a:bodyPr/>
+              <a:lstStyle/>
+              <a:p>
+                <a:r>
+                  <a:rPr lang="zh-TW" altLang="en-US">
+                    <a:noFill/>
+                  </a:rPr>
+                  <a:t> </a:t>
+                </a:r>
+              </a:p>
+            </p:txBody>
+          </p:sp>
+        </mc:Fallback>
+      </mc:AlternateContent>
+      <mc:AlternateContent xmlns:mc="http://schemas.openxmlformats.org/markup-compatibility/2006">
+        <mc:Choice xmlns:a14="http://schemas.microsoft.com/office/drawing/2010/main" Requires="a14">
+          <p:sp>
+            <p:nvSpPr>
+              <p:cNvPr id="11" name="文字方塊 10"/>
+              <p:cNvSpPr txBox="1"/>
+              <p:nvPr/>
+            </p:nvSpPr>
+            <p:spPr>
+              <a:xfrm>
+                <a:off x="9614262" y="2112908"/>
+                <a:ext cx="488980" cy="369332"/>
+              </a:xfrm>
+              <a:prstGeom prst="rect">
+                <a:avLst/>
+              </a:prstGeom>
+              <a:noFill/>
+            </p:spPr>
+            <p:txBody>
+              <a:bodyPr wrap="none" rtlCol="0">
+                <a:spAutoFit/>
+              </a:bodyPr>
+              <a:lstStyle/>
+              <a:p>
+                <a14:m>
+                  <m:oMathPara xmlns:m="http://schemas.openxmlformats.org/officeDocument/2006/math">
+                    <m:oMathParaPr>
+                      <m:jc m:val="centerGroup"/>
+                    </m:oMathParaPr>
+                    <m:oMath xmlns:m="http://schemas.openxmlformats.org/officeDocument/2006/math">
+                      <m:sSub>
+                        <m:sSubPr>
+                          <m:ctrlPr>
+                            <a:rPr lang="en-US" altLang="zh-TW" b="0" i="1" smtClean="0">
+                              <a:latin typeface="Cambria Math" panose="02040503050406030204" pitchFamily="18" charset="0"/>
+                            </a:rPr>
+                          </m:ctrlPr>
+                        </m:sSubPr>
+                        <m:e>
+                          <m:r>
+                            <a:rPr lang="en-US" altLang="zh-TW" b="0" i="1" smtClean="0">
+                              <a:latin typeface="Cambria Math" panose="02040503050406030204" pitchFamily="18" charset="0"/>
+                            </a:rPr>
+                            <m:t>𝐷</m:t>
+                          </m:r>
+                        </m:e>
+                        <m:sub>
+                          <m:r>
+                            <a:rPr lang="en-US" altLang="zh-TW" b="0" i="1" smtClean="0">
+                              <a:latin typeface="Cambria Math" panose="02040503050406030204" pitchFamily="18" charset="0"/>
+                            </a:rPr>
+                            <m:t>𝑟</m:t>
+                          </m:r>
+                        </m:sub>
+                      </m:sSub>
+                    </m:oMath>
+                  </m:oMathPara>
+                </a14:m>
+                <a:endParaRPr lang="zh-TW" altLang="en-US" dirty="0"/>
+              </a:p>
+            </p:txBody>
+          </p:sp>
+        </mc:Choice>
+        <mc:Fallback>
+          <p:sp>
+            <p:nvSpPr>
+              <p:cNvPr id="11" name="文字方塊 10"/>
+              <p:cNvSpPr txBox="1">
+                <a:spLocks noRot="1" noChangeAspect="1" noMove="1" noResize="1" noEditPoints="1" noAdjustHandles="1" noChangeArrowheads="1" noChangeShapeType="1" noTextEdit="1"/>
+              </p:cNvSpPr>
+              <p:nvPr/>
+            </p:nvSpPr>
+            <p:spPr>
+              <a:xfrm>
+                <a:off x="9614262" y="2112908"/>
+                <a:ext cx="488980" cy="369332"/>
+              </a:xfrm>
+              <a:prstGeom prst="rect">
+                <a:avLst/>
+              </a:prstGeom>
+              <a:blipFill>
+                <a:blip r:embed="rId4"/>
+                <a:stretch>
+                  <a:fillRect/>
+                </a:stretch>
+              </a:blipFill>
+            </p:spPr>
+            <p:txBody>
+              <a:bodyPr/>
+              <a:lstStyle/>
+              <a:p>
+                <a:r>
+                  <a:rPr lang="zh-TW" altLang="en-US">
+                    <a:noFill/>
+                  </a:rPr>
+                  <a:t> </a:t>
+                </a:r>
+              </a:p>
+            </p:txBody>
+          </p:sp>
+        </mc:Fallback>
+      </mc:AlternateContent>
+    </p:spTree>
+    <p:extLst>
+      <p:ext uri="{BB962C8B-B14F-4D97-AF65-F5344CB8AC3E}">
+        <p14:creationId xmlns:p14="http://schemas.microsoft.com/office/powerpoint/2010/main" val="1689997564"/>
+      </p:ext>
+    </p:extLst>
+  </p:cSld>
+  <p:clrMapOvr>
+    <a:masterClrMapping/>
+  </p:clrMapOvr>
+  <p:timing>
+    <p:tnLst>
+      <p:par>
+        <p:cTn id="1" dur="indefinite" restart="never" nodeType="tmRoot"/>
+      </p:par>
+    </p:tnLst>
+  </p:timing>
+</p:sld>
+</file>
+
+<file path=ppt/slides/slide17.xml><?xml version="1.0" encoding="utf-8"?>
+<p:sld xmlns:a="http://schemas.openxmlformats.org/drawingml/2006/main" xmlns:r="http://schemas.openxmlformats.org/officeDocument/2006/relationships" xmlns:p="http://schemas.openxmlformats.org/presentationml/2006/main">
+  <p:cSld>
+    <p:spTree>
+      <p:nvGrpSpPr>
+        <p:cNvPr id="1" name=""/>
+        <p:cNvGrpSpPr/>
+        <p:nvPr/>
+      </p:nvGrpSpPr>
+      <p:grpSpPr>
+        <a:xfrm>
+          <a:off x="0" y="0"/>
+          <a:ext cx="0" cy="0"/>
+          <a:chOff x="0" y="0"/>
+          <a:chExt cx="0" cy="0"/>
+        </a:xfrm>
+      </p:grpSpPr>
+      <p:sp>
+        <p:nvSpPr>
+          <p:cNvPr id="4" name="投影片編號版面配置區 3"/>
+          <p:cNvSpPr>
+            <a:spLocks noGrp="1"/>
+          </p:cNvSpPr>
+          <p:nvPr>
+            <p:ph type="sldNum" sz="quarter" idx="12"/>
+          </p:nvPr>
+        </p:nvSpPr>
+        <p:spPr/>
+        <p:txBody>
+          <a:bodyPr/>
+          <a:lstStyle/>
+          <a:p>
+            <a:fld id="{C128DF73-0FD1-4EFB-B6B9-20BE1557E8C1}" type="slidenum">
+              <a:rPr lang="zh-TW" altLang="en-US" smtClean="0"/>
+              <a:t>17</a:t>
+            </a:fld>
+            <a:endParaRPr lang="zh-TW" altLang="en-US"/>
+          </a:p>
+        </p:txBody>
+      </p:sp>
+      <p:sp>
+        <p:nvSpPr>
+          <p:cNvPr id="5" name="橢圓 4"/>
+          <p:cNvSpPr/>
+          <p:nvPr/>
+        </p:nvSpPr>
+        <p:spPr>
+          <a:xfrm>
+            <a:off x="345688" y="920843"/>
+            <a:ext cx="172720" cy="162560"/>
+          </a:xfrm>
+          <a:prstGeom prst="ellipse">
+            <a:avLst/>
+          </a:prstGeom>
+          <a:solidFill>
+            <a:schemeClr val="tx1">
+              <a:lumMod val="65000"/>
+              <a:lumOff val="35000"/>
+            </a:schemeClr>
+          </a:solidFill>
+          <a:ln>
+            <a:noFill/>
+          </a:ln>
+        </p:spPr>
+        <p:style>
+          <a:lnRef idx="2">
+            <a:schemeClr val="accent1">
+              <a:shade val="50000"/>
+            </a:schemeClr>
+          </a:lnRef>
+          <a:fillRef idx="1">
+            <a:schemeClr val="accent1"/>
+          </a:fillRef>
+          <a:effectRef idx="0">
+            <a:schemeClr val="accent1"/>
+          </a:effectRef>
+          <a:fontRef idx="minor">
+            <a:schemeClr val="lt1"/>
+          </a:fontRef>
+        </p:style>
+        <p:txBody>
+          <a:bodyPr rtlCol="0" anchor="ctr"/>
+          <a:lstStyle/>
+          <a:p>
+            <a:pPr algn="ctr"/>
+            <a:endParaRPr lang="zh-TW" altLang="en-US"/>
+          </a:p>
+        </p:txBody>
+      </p:sp>
+      <p:cxnSp>
+        <p:nvCxnSpPr>
+          <p:cNvPr id="6" name="直線接點 5"/>
+          <p:cNvCxnSpPr>
+            <a:stCxn id="5" idx="6"/>
+          </p:cNvCxnSpPr>
+          <p:nvPr/>
+        </p:nvCxnSpPr>
+        <p:spPr>
+          <a:xfrm>
+            <a:off x="518408" y="1002123"/>
+            <a:ext cx="3610486" cy="0"/>
+          </a:xfrm>
+          <a:prstGeom prst="line">
+            <a:avLst/>
+          </a:prstGeom>
+          <a:ln w="25400">
+            <a:solidFill>
+              <a:schemeClr val="tx1">
+                <a:lumMod val="65000"/>
+                <a:lumOff val="35000"/>
+              </a:schemeClr>
+            </a:solidFill>
+          </a:ln>
+        </p:spPr>
+        <p:style>
+          <a:lnRef idx="1">
+            <a:schemeClr val="accent1"/>
+          </a:lnRef>
+          <a:fillRef idx="0">
+            <a:schemeClr val="accent1"/>
+          </a:fillRef>
+          <a:effectRef idx="0">
+            <a:schemeClr val="accent1"/>
+          </a:effectRef>
+          <a:fontRef idx="minor">
+            <a:schemeClr val="tx1"/>
+          </a:fontRef>
+        </p:style>
+      </p:cxnSp>
+      <p:sp>
+        <p:nvSpPr>
+          <p:cNvPr id="7" name="矩形 6"/>
+          <p:cNvSpPr/>
+          <p:nvPr/>
+        </p:nvSpPr>
+        <p:spPr>
+          <a:xfrm>
+            <a:off x="432048" y="417348"/>
+            <a:ext cx="3696846" cy="584775"/>
+          </a:xfrm>
+          <a:prstGeom prst="rect">
+            <a:avLst/>
+          </a:prstGeom>
+          <a:noFill/>
+        </p:spPr>
+        <p:txBody>
+          <a:bodyPr wrap="none" lIns="91440" tIns="45720" rIns="91440" bIns="45720">
+            <a:spAutoFit/>
+          </a:bodyPr>
+          <a:lstStyle/>
+          <a:p>
+            <a:pPr algn="ctr"/>
+            <a:r>
+              <a:rPr lang="en-US" altLang="zh-TW" sz="3200" b="1" dirty="0" smtClean="0">
+                <a:ln w="0"/>
+                <a:solidFill>
+                  <a:schemeClr val="accent1"/>
+                </a:solidFill>
+                <a:effectLst>
+                  <a:outerShdw blurRad="38100" dist="25400" dir="5400000" algn="ctr" rotWithShape="0">
+                    <a:srgbClr val="6E747A">
+                      <a:alpha val="43000"/>
+                    </a:srgbClr>
+                  </a:outerShdw>
+                </a:effectLst>
+                <a:latin typeface="Times New Roman" panose="02020603050405020304" pitchFamily="18" charset="0"/>
+                <a:cs typeface="Times New Roman" panose="02020603050405020304" pitchFamily="18" charset="0"/>
+              </a:rPr>
+              <a:t>Result &amp; Discussion</a:t>
+            </a:r>
+            <a:endParaRPr lang="zh-TW" altLang="en-US" sz="3200" b="1" cap="none" spc="0" dirty="0">
+              <a:ln w="0"/>
+              <a:solidFill>
+                <a:schemeClr val="accent1"/>
+              </a:solidFill>
+              <a:effectLst>
+                <a:outerShdw blurRad="38100" dist="25400" dir="5400000" algn="ctr" rotWithShape="0">
+                  <a:srgbClr val="6E747A">
+                    <a:alpha val="43000"/>
+                  </a:srgbClr>
+                </a:outerShdw>
+              </a:effectLst>
+              <a:latin typeface="Times New Roman" panose="02020603050405020304" pitchFamily="18" charset="0"/>
+              <a:cs typeface="Times New Roman" panose="02020603050405020304" pitchFamily="18" charset="0"/>
+            </a:endParaRPr>
+          </a:p>
+        </p:txBody>
+      </p:sp>
+      <p:sp>
+        <p:nvSpPr>
+          <p:cNvPr id="8" name="文字方塊 7"/>
+          <p:cNvSpPr txBox="1"/>
+          <p:nvPr/>
+        </p:nvSpPr>
+        <p:spPr>
+          <a:xfrm>
+            <a:off x="518408" y="1483512"/>
+            <a:ext cx="8443337" cy="646331"/>
+          </a:xfrm>
+          <a:prstGeom prst="rect">
+            <a:avLst/>
+          </a:prstGeom>
+          <a:noFill/>
+        </p:spPr>
+        <p:txBody>
+          <a:bodyPr wrap="none" rtlCol="0">
+            <a:spAutoFit/>
+          </a:bodyPr>
+          <a:lstStyle/>
+          <a:p>
+            <a:pPr marL="285750" indent="-285750">
+              <a:buFont typeface="Wingdings" panose="05000000000000000000" pitchFamily="2" charset="2"/>
+              <a:buChar char="p"/>
+            </a:pPr>
+            <a:r>
+              <a:rPr lang="en-US" altLang="zh-TW" dirty="0" smtClean="0">
+                <a:latin typeface="Times New Roman" panose="02020603050405020304" pitchFamily="18" charset="0"/>
+                <a:cs typeface="Times New Roman" panose="02020603050405020304" pitchFamily="18" charset="0"/>
+              </a:rPr>
+              <a:t>In this experiments, the authors measured the exact averages of crossing distances and</a:t>
+            </a:r>
+          </a:p>
+          <a:p>
+            <a:r>
+              <a:rPr lang="en-US" altLang="zh-TW" dirty="0" smtClean="0">
+                <a:latin typeface="Times New Roman" panose="02020603050405020304" pitchFamily="18" charset="0"/>
+                <a:cs typeface="Times New Roman" panose="02020603050405020304" pitchFamily="18" charset="0"/>
+              </a:rPr>
+              <a:t>     the deviation ratios for different values of network latency and packet loss.</a:t>
+            </a:r>
+            <a:endParaRPr lang="zh-TW" altLang="en-US" dirty="0">
+              <a:latin typeface="Times New Roman" panose="02020603050405020304" pitchFamily="18" charset="0"/>
+              <a:cs typeface="Times New Roman" panose="02020603050405020304" pitchFamily="18" charset="0"/>
+            </a:endParaRPr>
+          </a:p>
+        </p:txBody>
+      </p:sp>
+      <p:sp>
+        <p:nvSpPr>
+          <p:cNvPr id="10" name="文字方塊 9"/>
+          <p:cNvSpPr txBox="1"/>
+          <p:nvPr/>
+        </p:nvSpPr>
+        <p:spPr>
+          <a:xfrm>
+            <a:off x="518407" y="2469045"/>
+            <a:ext cx="8443338" cy="646331"/>
+          </a:xfrm>
+          <a:prstGeom prst="rect">
+            <a:avLst/>
+          </a:prstGeom>
+          <a:noFill/>
+        </p:spPr>
+        <p:txBody>
+          <a:bodyPr wrap="square" rtlCol="0">
+            <a:spAutoFit/>
+          </a:bodyPr>
+          <a:lstStyle/>
+          <a:p>
+            <a:pPr marL="285750" indent="-285750" algn="just">
+              <a:buFont typeface="Wingdings" panose="05000000000000000000" pitchFamily="2" charset="2"/>
+              <a:buChar char="p"/>
+            </a:pPr>
+            <a:r>
+              <a:rPr lang="en-US" altLang="zh-TW" dirty="0" smtClean="0">
+                <a:latin typeface="Times New Roman" panose="02020603050405020304" pitchFamily="18" charset="0"/>
+                <a:cs typeface="Times New Roman" panose="02020603050405020304" pitchFamily="18" charset="0"/>
+              </a:rPr>
+              <a:t>When latency or packet loss rate increase, the averages of crossing distances and the deviation will increase as well.</a:t>
+            </a:r>
+            <a:endParaRPr lang="zh-TW" altLang="en-US" dirty="0">
+              <a:latin typeface="Times New Roman" panose="02020603050405020304" pitchFamily="18" charset="0"/>
+              <a:cs typeface="Times New Roman" panose="02020603050405020304" pitchFamily="18" charset="0"/>
+            </a:endParaRPr>
+          </a:p>
+        </p:txBody>
+      </p:sp>
+      <p:sp>
+        <p:nvSpPr>
+          <p:cNvPr id="12" name="文字方塊 11"/>
+          <p:cNvSpPr txBox="1"/>
+          <p:nvPr/>
+        </p:nvSpPr>
+        <p:spPr>
+          <a:xfrm>
+            <a:off x="518407" y="3454578"/>
+            <a:ext cx="8443338" cy="646331"/>
+          </a:xfrm>
+          <a:prstGeom prst="rect">
+            <a:avLst/>
+          </a:prstGeom>
+          <a:noFill/>
+        </p:spPr>
+        <p:txBody>
+          <a:bodyPr wrap="square" rtlCol="0">
+            <a:spAutoFit/>
+          </a:bodyPr>
+          <a:lstStyle/>
+          <a:p>
+            <a:pPr marL="285750" indent="-285750" algn="just">
+              <a:buFont typeface="Wingdings" panose="05000000000000000000" pitchFamily="2" charset="2"/>
+              <a:buChar char="p"/>
+            </a:pPr>
+            <a:r>
+              <a:rPr lang="en-US" altLang="zh-TW" dirty="0" smtClean="0">
+                <a:latin typeface="Times New Roman" panose="02020603050405020304" pitchFamily="18" charset="0"/>
+                <a:cs typeface="Times New Roman" panose="02020603050405020304" pitchFamily="18" charset="0"/>
+              </a:rPr>
+              <a:t>On the other hand, this experimentation would help to choose the placement of the remote UAV controller according to the tolerated deviation.</a:t>
+            </a:r>
+            <a:endParaRPr lang="zh-TW" altLang="en-US" dirty="0">
+              <a:latin typeface="Times New Roman" panose="02020603050405020304" pitchFamily="18" charset="0"/>
+              <a:cs typeface="Times New Roman" panose="02020603050405020304" pitchFamily="18" charset="0"/>
+            </a:endParaRPr>
+          </a:p>
+        </p:txBody>
+      </p:sp>
+    </p:spTree>
+    <p:extLst>
+      <p:ext uri="{BB962C8B-B14F-4D97-AF65-F5344CB8AC3E}">
+        <p14:creationId xmlns:p14="http://schemas.microsoft.com/office/powerpoint/2010/main" val="3243406583"/>
+      </p:ext>
+    </p:extLst>
+  </p:cSld>
+  <p:clrMapOvr>
+    <a:masterClrMapping/>
+  </p:clrMapOvr>
+  <p:timing>
+    <p:tnLst>
+      <p:par>
+        <p:cTn id="1" dur="indefinite" restart="never" nodeType="tmRoot"/>
+      </p:par>
+    </p:tnLst>
+  </p:timing>
+</p:sld>
+</file>
+
+<file path=ppt/slides/slide18.xml><?xml version="1.0" encoding="utf-8"?>
 <p:sld xmlns:a="http://schemas.openxmlformats.org/drawingml/2006/main" xmlns:r="http://schemas.openxmlformats.org/officeDocument/2006/relationships" xmlns:p="http://schemas.openxmlformats.org/presentationml/2006/main">
   <p:cSld>
     <p:spTree>
@@ -15202,7 +19105,7 @@
           <a:p>
             <a:fld id="{C128DF73-0FD1-4EFB-B6B9-20BE1557E8C1}" type="slidenum">
               <a:rPr lang="zh-TW" altLang="en-US" smtClean="0"/>
-              <a:t>14</a:t>
+              <a:t>18</a:t>
             </a:fld>
             <a:endParaRPr lang="zh-TW" altLang="en-US"/>
           </a:p>
@@ -15228,7 +19131,7 @@
 </p:sld>
 </file>
 
-<file path=ppt/slides/slide15.xml><?xml version="1.0" encoding="utf-8"?>
+<file path=ppt/slides/slide19.xml><?xml version="1.0" encoding="utf-8"?>
 <p:sld xmlns:a="http://schemas.openxmlformats.org/drawingml/2006/main" xmlns:r="http://schemas.openxmlformats.org/officeDocument/2006/relationships" xmlns:p="http://schemas.openxmlformats.org/presentationml/2006/main">
   <p:cSld>
     <p:spTree>
@@ -15410,15 +19313,478 @@
           <a:p>
             <a:fld id="{C128DF73-0FD1-4EFB-B6B9-20BE1557E8C1}" type="slidenum">
               <a:rPr lang="zh-TW" altLang="en-US" smtClean="0"/>
-              <a:t>15</a:t>
+              <a:t>19</a:t>
             </a:fld>
             <a:endParaRPr lang="zh-TW" altLang="en-US"/>
           </a:p>
         </p:txBody>
       </p:sp>
+      <p:sp>
+        <p:nvSpPr>
+          <p:cNvPr id="7" name="文字方塊 6"/>
+          <p:cNvSpPr txBox="1"/>
+          <p:nvPr/>
+        </p:nvSpPr>
+        <p:spPr>
+          <a:xfrm>
+            <a:off x="518408" y="1505618"/>
+            <a:ext cx="8795998" cy="646331"/>
+          </a:xfrm>
+          <a:prstGeom prst="rect">
+            <a:avLst/>
+          </a:prstGeom>
+          <a:noFill/>
+        </p:spPr>
+        <p:txBody>
+          <a:bodyPr wrap="none" rtlCol="0">
+            <a:spAutoFit/>
+          </a:bodyPr>
+          <a:lstStyle/>
+          <a:p>
+            <a:pPr marL="285750" indent="-285750">
+              <a:buFont typeface="Wingdings" panose="05000000000000000000" pitchFamily="2" charset="2"/>
+              <a:buChar char="p"/>
+            </a:pPr>
+            <a:r>
+              <a:rPr lang="en-US" altLang="zh-TW" dirty="0" smtClean="0">
+                <a:latin typeface="Times New Roman" panose="02020603050405020304" pitchFamily="18" charset="0"/>
+                <a:cs typeface="Times New Roman" panose="02020603050405020304" pitchFamily="18" charset="0"/>
+              </a:rPr>
+              <a:t>Based on the aforementioned results, the latency and packet loss have a </a:t>
+            </a:r>
+            <a:r>
+              <a:rPr lang="en-US" altLang="zh-TW" dirty="0" err="1" smtClean="0">
+                <a:latin typeface="Times New Roman" panose="02020603050405020304" pitchFamily="18" charset="0"/>
+                <a:cs typeface="Times New Roman" panose="02020603050405020304" pitchFamily="18" charset="0"/>
+              </a:rPr>
+              <a:t>dramatical</a:t>
+            </a:r>
+            <a:r>
+              <a:rPr lang="en-US" altLang="zh-TW" dirty="0" smtClean="0">
+                <a:latin typeface="Times New Roman" panose="02020603050405020304" pitchFamily="18" charset="0"/>
+                <a:cs typeface="Times New Roman" panose="02020603050405020304" pitchFamily="18" charset="0"/>
+              </a:rPr>
+              <a:t> impact</a:t>
+            </a:r>
+          </a:p>
+          <a:p>
+            <a:r>
+              <a:rPr lang="en-US" altLang="zh-TW" dirty="0">
+                <a:latin typeface="Times New Roman" panose="02020603050405020304" pitchFamily="18" charset="0"/>
+                <a:cs typeface="Times New Roman" panose="02020603050405020304" pitchFamily="18" charset="0"/>
+              </a:rPr>
+              <a:t> </a:t>
+            </a:r>
+            <a:r>
+              <a:rPr lang="en-US" altLang="zh-TW" dirty="0" smtClean="0">
+                <a:latin typeface="Times New Roman" panose="02020603050405020304" pitchFamily="18" charset="0"/>
+                <a:cs typeface="Times New Roman" panose="02020603050405020304" pitchFamily="18" charset="0"/>
+              </a:rPr>
+              <a:t>    on the control of the UAVs’ flights.</a:t>
+            </a:r>
+            <a:endParaRPr lang="zh-TW" altLang="en-US" dirty="0">
+              <a:latin typeface="Times New Roman" panose="02020603050405020304" pitchFamily="18" charset="0"/>
+              <a:cs typeface="Times New Roman" panose="02020603050405020304" pitchFamily="18" charset="0"/>
+            </a:endParaRPr>
+          </a:p>
+        </p:txBody>
+      </p:sp>
+      <p:sp>
+        <p:nvSpPr>
+          <p:cNvPr id="10" name="文字方塊 9"/>
+          <p:cNvSpPr txBox="1"/>
+          <p:nvPr/>
+        </p:nvSpPr>
+        <p:spPr>
+          <a:xfrm>
+            <a:off x="518408" y="2574164"/>
+            <a:ext cx="8795999" cy="646331"/>
+          </a:xfrm>
+          <a:prstGeom prst="rect">
+            <a:avLst/>
+          </a:prstGeom>
+          <a:noFill/>
+        </p:spPr>
+        <p:txBody>
+          <a:bodyPr wrap="square" rtlCol="0">
+            <a:spAutoFit/>
+          </a:bodyPr>
+          <a:lstStyle/>
+          <a:p>
+            <a:pPr marL="285750" indent="-285750" algn="just">
+              <a:buFont typeface="Wingdings" panose="05000000000000000000" pitchFamily="2" charset="2"/>
+              <a:buChar char="p"/>
+            </a:pPr>
+            <a:r>
+              <a:rPr lang="en-US" altLang="zh-TW" dirty="0" smtClean="0">
+                <a:latin typeface="Times New Roman" panose="02020603050405020304" pitchFamily="18" charset="0"/>
+                <a:cs typeface="Times New Roman" panose="02020603050405020304" pitchFamily="18" charset="0"/>
+              </a:rPr>
+              <a:t>For this reason, the authors propose a new framework that leverages MEC for ensuring that the UAVs stay within their defined geo-fences as much as possible.</a:t>
+            </a:r>
+            <a:endParaRPr lang="zh-TW" altLang="en-US" dirty="0">
+              <a:latin typeface="Times New Roman" panose="02020603050405020304" pitchFamily="18" charset="0"/>
+              <a:cs typeface="Times New Roman" panose="02020603050405020304" pitchFamily="18" charset="0"/>
+            </a:endParaRPr>
+          </a:p>
+        </p:txBody>
+      </p:sp>
+    </p:spTree>
+    <p:extLst>
+      <p:ext uri="{BB962C8B-B14F-4D97-AF65-F5344CB8AC3E}">
+        <p14:creationId xmlns:p14="http://schemas.microsoft.com/office/powerpoint/2010/main" val="1742973904"/>
+      </p:ext>
+    </p:extLst>
+  </p:cSld>
+  <p:clrMapOvr>
+    <a:masterClrMapping/>
+  </p:clrMapOvr>
+  <p:timing>
+    <p:tnLst>
+      <p:par>
+        <p:cTn id="1" dur="indefinite" restart="never" nodeType="tmRoot"/>
+      </p:par>
+    </p:tnLst>
+  </p:timing>
+</p:sld>
+</file>
+
+<file path=ppt/slides/slide2.xml><?xml version="1.0" encoding="utf-8"?>
+<p:sld xmlns:a="http://schemas.openxmlformats.org/drawingml/2006/main" xmlns:r="http://schemas.openxmlformats.org/officeDocument/2006/relationships" xmlns:p="http://schemas.openxmlformats.org/presentationml/2006/main">
+  <p:cSld>
+    <p:spTree>
+      <p:nvGrpSpPr>
+        <p:cNvPr id="1" name=""/>
+        <p:cNvGrpSpPr/>
+        <p:nvPr/>
+      </p:nvGrpSpPr>
+      <p:grpSpPr>
+        <a:xfrm>
+          <a:off x="0" y="0"/>
+          <a:ext cx="0" cy="0"/>
+          <a:chOff x="0" y="0"/>
+          <a:chExt cx="0" cy="0"/>
+        </a:xfrm>
+      </p:grpSpPr>
       <p:pic>
         <p:nvPicPr>
-          <p:cNvPr id="2" name="圖片 1"/>
+          <p:cNvPr id="1026" name="Picture 2" descr="「UAV figure」的圖片搜尋結果"/>
+          <p:cNvPicPr>
+            <a:picLocks noChangeAspect="1" noChangeArrowheads="1"/>
+          </p:cNvPicPr>
+          <p:nvPr/>
+        </p:nvPicPr>
+        <p:blipFill>
+          <a:blip r:embed="rId2">
+            <a:extLst>
+              <a:ext uri="{28A0092B-C50C-407E-A947-70E740481C1C}">
+                <a14:useLocalDpi xmlns:a14="http://schemas.microsoft.com/office/drawing/2010/main" val="0"/>
+              </a:ext>
+            </a:extLst>
+          </a:blip>
+          <a:srcRect/>
+          <a:stretch>
+            <a:fillRect/>
+          </a:stretch>
+        </p:blipFill>
+        <p:spPr bwMode="auto">
+          <a:xfrm>
+            <a:off x="1794768" y="2529361"/>
+            <a:ext cx="3757672" cy="2691666"/>
+          </a:xfrm>
+          <a:prstGeom prst="rect">
+            <a:avLst/>
+          </a:prstGeom>
+          <a:noFill/>
+          <a:extLst>
+            <a:ext uri="{909E8E84-426E-40DD-AFC4-6F175D3DCCD1}">
+              <a14:hiddenFill xmlns:a14="http://schemas.microsoft.com/office/drawing/2010/main">
+                <a:solidFill>
+                  <a:srgbClr val="FFFFFF"/>
+                </a:solidFill>
+              </a14:hiddenFill>
+            </a:ext>
+          </a:extLst>
+        </p:spPr>
+      </p:pic>
+      <p:graphicFrame>
+        <p:nvGraphicFramePr>
+          <p:cNvPr id="5" name="資料庫圖表 4"/>
+          <p:cNvGraphicFramePr/>
+          <p:nvPr>
+            <p:extLst>
+              <p:ext uri="{D42A27DB-BD31-4B8C-83A1-F6EECF244321}">
+                <p14:modId xmlns:p14="http://schemas.microsoft.com/office/powerpoint/2010/main" val="1429138377"/>
+              </p:ext>
+            </p:extLst>
+          </p:nvPr>
+        </p:nvGraphicFramePr>
+        <p:xfrm>
+          <a:off x="4477111" y="558899"/>
+          <a:ext cx="2787289" cy="577755"/>
+        </p:xfrm>
+        <a:graphic>
+          <a:graphicData uri="http://schemas.openxmlformats.org/drawingml/2006/diagram">
+            <dgm:relIds xmlns:dgm="http://schemas.openxmlformats.org/drawingml/2006/diagram" xmlns:r="http://schemas.openxmlformats.org/officeDocument/2006/relationships" r:dm="rId3" r:lo="rId4" r:qs="rId5" r:cs="rId6"/>
+          </a:graphicData>
+        </a:graphic>
+      </p:graphicFrame>
+      <p:graphicFrame>
+        <p:nvGraphicFramePr>
+          <p:cNvPr id="3" name="資料庫圖表 2"/>
+          <p:cNvGraphicFramePr/>
+          <p:nvPr>
+            <p:extLst>
+              <p:ext uri="{D42A27DB-BD31-4B8C-83A1-F6EECF244321}">
+                <p14:modId xmlns:p14="http://schemas.microsoft.com/office/powerpoint/2010/main" val="3056118813"/>
+              </p:ext>
+            </p:extLst>
+          </p:nvPr>
+        </p:nvGraphicFramePr>
+        <p:xfrm>
+          <a:off x="5552440" y="1989667"/>
+          <a:ext cx="4297680" cy="3771054"/>
+        </p:xfrm>
+        <a:graphic>
+          <a:graphicData uri="http://schemas.openxmlformats.org/drawingml/2006/diagram">
+            <dgm:relIds xmlns:dgm="http://schemas.openxmlformats.org/drawingml/2006/diagram" xmlns:r="http://schemas.openxmlformats.org/officeDocument/2006/relationships" r:dm="rId8" r:lo="rId9" r:qs="rId10" r:cs="rId11"/>
+          </a:graphicData>
+        </a:graphic>
+      </p:graphicFrame>
+      <p:sp>
+        <p:nvSpPr>
+          <p:cNvPr id="2" name="投影片編號版面配置區 1"/>
+          <p:cNvSpPr>
+            <a:spLocks noGrp="1"/>
+          </p:cNvSpPr>
+          <p:nvPr>
+            <p:ph type="sldNum" sz="quarter" idx="12"/>
+          </p:nvPr>
+        </p:nvSpPr>
+        <p:spPr/>
+        <p:txBody>
+          <a:bodyPr/>
+          <a:lstStyle/>
+          <a:p>
+            <a:fld id="{C128DF73-0FD1-4EFB-B6B9-20BE1557E8C1}" type="slidenum">
+              <a:rPr lang="zh-TW" altLang="en-US" smtClean="0"/>
+              <a:t>2</a:t>
+            </a:fld>
+            <a:endParaRPr lang="zh-TW" altLang="en-US"/>
+          </a:p>
+        </p:txBody>
+      </p:sp>
+    </p:spTree>
+    <p:extLst>
+      <p:ext uri="{BB962C8B-B14F-4D97-AF65-F5344CB8AC3E}">
+        <p14:creationId xmlns:p14="http://schemas.microsoft.com/office/powerpoint/2010/main" val="2669328465"/>
+      </p:ext>
+    </p:extLst>
+  </p:cSld>
+  <p:clrMapOvr>
+    <a:masterClrMapping/>
+  </p:clrMapOvr>
+  <p:timing>
+    <p:tnLst>
+      <p:par>
+        <p:cTn id="1" dur="indefinite" restart="never" nodeType="tmRoot"/>
+      </p:par>
+    </p:tnLst>
+  </p:timing>
+</p:sld>
+</file>
+
+<file path=ppt/slides/slide20.xml><?xml version="1.0" encoding="utf-8"?>
+<p:sld xmlns:a="http://schemas.openxmlformats.org/drawingml/2006/main" xmlns:r="http://schemas.openxmlformats.org/officeDocument/2006/relationships" xmlns:p="http://schemas.openxmlformats.org/presentationml/2006/main">
+  <p:cSld>
+    <p:spTree>
+      <p:nvGrpSpPr>
+        <p:cNvPr id="1" name=""/>
+        <p:cNvGrpSpPr/>
+        <p:nvPr/>
+      </p:nvGrpSpPr>
+      <p:grpSpPr>
+        <a:xfrm>
+          <a:off x="0" y="0"/>
+          <a:ext cx="0" cy="0"/>
+          <a:chOff x="0" y="0"/>
+          <a:chExt cx="0" cy="0"/>
+        </a:xfrm>
+      </p:grpSpPr>
+      <p:sp>
+        <p:nvSpPr>
+          <p:cNvPr id="4" name="投影片編號版面配置區 3"/>
+          <p:cNvSpPr>
+            <a:spLocks noGrp="1"/>
+          </p:cNvSpPr>
+          <p:nvPr>
+            <p:ph type="sldNum" sz="quarter" idx="12"/>
+          </p:nvPr>
+        </p:nvSpPr>
+        <p:spPr/>
+        <p:txBody>
+          <a:bodyPr/>
+          <a:lstStyle/>
+          <a:p>
+            <a:fld id="{C128DF73-0FD1-4EFB-B6B9-20BE1557E8C1}" type="slidenum">
+              <a:rPr lang="zh-TW" altLang="en-US" smtClean="0"/>
+              <a:t>20</a:t>
+            </a:fld>
+            <a:endParaRPr lang="zh-TW" altLang="en-US"/>
+          </a:p>
+        </p:txBody>
+      </p:sp>
+      <p:sp>
+        <p:nvSpPr>
+          <p:cNvPr id="5" name="橢圓 4"/>
+          <p:cNvSpPr/>
+          <p:nvPr/>
+        </p:nvSpPr>
+        <p:spPr>
+          <a:xfrm>
+            <a:off x="345688" y="920843"/>
+            <a:ext cx="172720" cy="162560"/>
+          </a:xfrm>
+          <a:prstGeom prst="ellipse">
+            <a:avLst/>
+          </a:prstGeom>
+          <a:solidFill>
+            <a:schemeClr val="tx1">
+              <a:lumMod val="65000"/>
+              <a:lumOff val="35000"/>
+            </a:schemeClr>
+          </a:solidFill>
+          <a:ln>
+            <a:noFill/>
+          </a:ln>
+        </p:spPr>
+        <p:style>
+          <a:lnRef idx="2">
+            <a:schemeClr val="accent1">
+              <a:shade val="50000"/>
+            </a:schemeClr>
+          </a:lnRef>
+          <a:fillRef idx="1">
+            <a:schemeClr val="accent1"/>
+          </a:fillRef>
+          <a:effectRef idx="0">
+            <a:schemeClr val="accent1"/>
+          </a:effectRef>
+          <a:fontRef idx="minor">
+            <a:schemeClr val="lt1"/>
+          </a:fontRef>
+        </p:style>
+        <p:txBody>
+          <a:bodyPr rtlCol="0" anchor="ctr"/>
+          <a:lstStyle/>
+          <a:p>
+            <a:pPr algn="ctr"/>
+            <a:endParaRPr lang="zh-TW" altLang="en-US"/>
+          </a:p>
+        </p:txBody>
+      </p:sp>
+      <p:cxnSp>
+        <p:nvCxnSpPr>
+          <p:cNvPr id="6" name="直線接點 5"/>
+          <p:cNvCxnSpPr>
+            <a:stCxn id="5" idx="6"/>
+          </p:cNvCxnSpPr>
+          <p:nvPr/>
+        </p:nvCxnSpPr>
+        <p:spPr>
+          <a:xfrm>
+            <a:off x="518408" y="1002123"/>
+            <a:ext cx="9226483" cy="0"/>
+          </a:xfrm>
+          <a:prstGeom prst="line">
+            <a:avLst/>
+          </a:prstGeom>
+          <a:ln w="25400">
+            <a:solidFill>
+              <a:schemeClr val="tx1">
+                <a:lumMod val="65000"/>
+                <a:lumOff val="35000"/>
+              </a:schemeClr>
+            </a:solidFill>
+          </a:ln>
+        </p:spPr>
+        <p:style>
+          <a:lnRef idx="1">
+            <a:schemeClr val="accent1"/>
+          </a:lnRef>
+          <a:fillRef idx="0">
+            <a:schemeClr val="accent1"/>
+          </a:fillRef>
+          <a:effectRef idx="0">
+            <a:schemeClr val="accent1"/>
+          </a:effectRef>
+          <a:fontRef idx="minor">
+            <a:schemeClr val="tx1"/>
+          </a:fontRef>
+        </p:style>
+      </p:cxnSp>
+      <p:sp>
+        <p:nvSpPr>
+          <p:cNvPr id="7" name="矩形 6"/>
+          <p:cNvSpPr/>
+          <p:nvPr/>
+        </p:nvSpPr>
+        <p:spPr>
+          <a:xfrm>
+            <a:off x="432048" y="417348"/>
+            <a:ext cx="9412128" cy="584775"/>
+          </a:xfrm>
+          <a:prstGeom prst="rect">
+            <a:avLst/>
+          </a:prstGeom>
+          <a:noFill/>
+        </p:spPr>
+        <p:txBody>
+          <a:bodyPr wrap="none" lIns="91440" tIns="45720" rIns="91440" bIns="45720">
+            <a:spAutoFit/>
+          </a:bodyPr>
+          <a:lstStyle/>
+          <a:p>
+            <a:pPr algn="ctr"/>
+            <a:r>
+              <a:rPr lang="en-US" altLang="zh-TW" sz="3200" b="1" dirty="0" smtClean="0">
+                <a:ln w="0"/>
+                <a:solidFill>
+                  <a:schemeClr val="accent1"/>
+                </a:solidFill>
+                <a:effectLst>
+                  <a:outerShdw blurRad="38100" dist="25400" dir="5400000" algn="ctr" rotWithShape="0">
+                    <a:srgbClr val="6E747A">
+                      <a:alpha val="43000"/>
+                    </a:srgbClr>
+                  </a:outerShdw>
+                </a:effectLst>
+                <a:latin typeface="Times New Roman" panose="02020603050405020304" pitchFamily="18" charset="0"/>
+                <a:cs typeface="Times New Roman" panose="02020603050405020304" pitchFamily="18" charset="0"/>
+              </a:rPr>
+              <a:t>MEC-Based UAVs’ Traffic Management Framework</a:t>
+            </a:r>
+            <a:endParaRPr lang="zh-TW" altLang="en-US" sz="3200" b="1" cap="none" spc="0" dirty="0">
+              <a:ln w="0"/>
+              <a:solidFill>
+                <a:schemeClr val="accent1"/>
+              </a:solidFill>
+              <a:effectLst>
+                <a:outerShdw blurRad="38100" dist="25400" dir="5400000" algn="ctr" rotWithShape="0">
+                  <a:srgbClr val="6E747A">
+                    <a:alpha val="43000"/>
+                  </a:srgbClr>
+                </a:outerShdw>
+              </a:effectLst>
+              <a:latin typeface="Times New Roman" panose="02020603050405020304" pitchFamily="18" charset="0"/>
+              <a:cs typeface="Times New Roman" panose="02020603050405020304" pitchFamily="18" charset="0"/>
+            </a:endParaRPr>
+          </a:p>
+        </p:txBody>
+      </p:sp>
+      <p:pic>
+        <p:nvPicPr>
+          <p:cNvPr id="8" name="圖片 7"/>
           <p:cNvPicPr>
             <a:picLocks noChangeAspect="1"/>
           </p:cNvPicPr>
@@ -15432,28 +19798,363 @@
         </p:blipFill>
         <p:spPr>
           <a:xfrm>
-            <a:off x="1467644" y="2254392"/>
-            <a:ext cx="8808472" cy="4101957"/>
+            <a:off x="2294959" y="1805912"/>
+            <a:ext cx="7449932" cy="3469308"/>
           </a:xfrm>
           <a:prstGeom prst="rect">
             <a:avLst/>
           </a:prstGeom>
         </p:spPr>
       </p:pic>
+      <p:sp>
+        <p:nvSpPr>
+          <p:cNvPr id="9" name="文字方塊 8"/>
+          <p:cNvSpPr txBox="1"/>
+          <p:nvPr/>
+        </p:nvSpPr>
+        <p:spPr>
+          <a:xfrm>
+            <a:off x="518408" y="1320952"/>
+            <a:ext cx="7962436" cy="369332"/>
+          </a:xfrm>
+          <a:prstGeom prst="rect">
+            <a:avLst/>
+          </a:prstGeom>
+          <a:noFill/>
+        </p:spPr>
+        <p:txBody>
+          <a:bodyPr wrap="none" rtlCol="0">
+            <a:spAutoFit/>
+          </a:bodyPr>
+          <a:lstStyle/>
+          <a:p>
+            <a:pPr marL="285750" indent="-285750">
+              <a:buFont typeface="Wingdings" panose="05000000000000000000" pitchFamily="2" charset="2"/>
+              <a:buChar char="p"/>
+            </a:pPr>
+            <a:r>
+              <a:rPr lang="en-US" altLang="zh-TW" dirty="0" smtClean="0">
+                <a:latin typeface="Times New Roman" panose="02020603050405020304" pitchFamily="18" charset="0"/>
+                <a:cs typeface="Times New Roman" panose="02020603050405020304" pitchFamily="18" charset="0"/>
+              </a:rPr>
+              <a:t>The following figure is the architecture of the proposed framework of this paper.</a:t>
+            </a:r>
+            <a:endParaRPr lang="zh-TW" altLang="en-US" dirty="0">
+              <a:latin typeface="Times New Roman" panose="02020603050405020304" pitchFamily="18" charset="0"/>
+              <a:cs typeface="Times New Roman" panose="02020603050405020304" pitchFamily="18" charset="0"/>
+            </a:endParaRPr>
+          </a:p>
+        </p:txBody>
+      </p:sp>
+      <p:sp>
+        <p:nvSpPr>
+          <p:cNvPr id="10" name="文字方塊 9"/>
+          <p:cNvSpPr txBox="1"/>
+          <p:nvPr/>
+        </p:nvSpPr>
+        <p:spPr>
+          <a:xfrm>
+            <a:off x="518408" y="5446453"/>
+            <a:ext cx="5711820" cy="369332"/>
+          </a:xfrm>
+          <a:prstGeom prst="rect">
+            <a:avLst/>
+          </a:prstGeom>
+          <a:noFill/>
+        </p:spPr>
+        <p:txBody>
+          <a:bodyPr wrap="none" rtlCol="0">
+            <a:spAutoFit/>
+          </a:bodyPr>
+          <a:lstStyle/>
+          <a:p>
+            <a:pPr marL="285750" indent="-285750">
+              <a:buFont typeface="Wingdings" panose="05000000000000000000" pitchFamily="2" charset="2"/>
+              <a:buChar char="p"/>
+            </a:pPr>
+            <a:r>
+              <a:rPr lang="en-US" altLang="zh-TW" dirty="0" smtClean="0">
+                <a:latin typeface="Times New Roman" panose="02020603050405020304" pitchFamily="18" charset="0"/>
+                <a:cs typeface="Times New Roman" panose="02020603050405020304" pitchFamily="18" charset="0"/>
+              </a:rPr>
+              <a:t>The proposed framework can be divided into three parts.</a:t>
+            </a:r>
+            <a:endParaRPr lang="zh-TW" altLang="en-US" dirty="0">
+              <a:latin typeface="Times New Roman" panose="02020603050405020304" pitchFamily="18" charset="0"/>
+              <a:cs typeface="Times New Roman" panose="02020603050405020304" pitchFamily="18" charset="0"/>
+            </a:endParaRPr>
+          </a:p>
+        </p:txBody>
+      </p:sp>
     </p:spTree>
     <p:extLst>
       <p:ext uri="{BB962C8B-B14F-4D97-AF65-F5344CB8AC3E}">
-        <p14:creationId xmlns:p14="http://schemas.microsoft.com/office/powerpoint/2010/main" val="1742973904"/>
+        <p14:creationId xmlns:p14="http://schemas.microsoft.com/office/powerpoint/2010/main" val="2126116612"/>
       </p:ext>
     </p:extLst>
   </p:cSld>
   <p:clrMapOvr>
     <a:masterClrMapping/>
   </p:clrMapOvr>
+  <p:timing>
+    <p:tnLst>
+      <p:par>
+        <p:cTn id="1" dur="indefinite" restart="never" nodeType="tmRoot"/>
+      </p:par>
+    </p:tnLst>
+  </p:timing>
 </p:sld>
 </file>
 
-<file path=ppt/slides/slide16.xml><?xml version="1.0" encoding="utf-8"?>
+<file path=ppt/slides/slide21.xml><?xml version="1.0" encoding="utf-8"?>
+<p:sld xmlns:a="http://schemas.openxmlformats.org/drawingml/2006/main" xmlns:r="http://schemas.openxmlformats.org/officeDocument/2006/relationships" xmlns:p="http://schemas.openxmlformats.org/presentationml/2006/main">
+  <p:cSld>
+    <p:spTree>
+      <p:nvGrpSpPr>
+        <p:cNvPr id="1" name=""/>
+        <p:cNvGrpSpPr/>
+        <p:nvPr/>
+      </p:nvGrpSpPr>
+      <p:grpSpPr>
+        <a:xfrm>
+          <a:off x="0" y="0"/>
+          <a:ext cx="0" cy="0"/>
+          <a:chOff x="0" y="0"/>
+          <a:chExt cx="0" cy="0"/>
+        </a:xfrm>
+      </p:grpSpPr>
+      <p:sp>
+        <p:nvSpPr>
+          <p:cNvPr id="4" name="投影片編號版面配置區 3"/>
+          <p:cNvSpPr>
+            <a:spLocks noGrp="1"/>
+          </p:cNvSpPr>
+          <p:nvPr>
+            <p:ph type="sldNum" sz="quarter" idx="12"/>
+          </p:nvPr>
+        </p:nvSpPr>
+        <p:spPr/>
+        <p:txBody>
+          <a:bodyPr/>
+          <a:lstStyle/>
+          <a:p>
+            <a:fld id="{C128DF73-0FD1-4EFB-B6B9-20BE1557E8C1}" type="slidenum">
+              <a:rPr lang="zh-TW" altLang="en-US" smtClean="0"/>
+              <a:t>21</a:t>
+            </a:fld>
+            <a:endParaRPr lang="zh-TW" altLang="en-US"/>
+          </a:p>
+        </p:txBody>
+      </p:sp>
+      <p:sp>
+        <p:nvSpPr>
+          <p:cNvPr id="5" name="橢圓 4"/>
+          <p:cNvSpPr/>
+          <p:nvPr/>
+        </p:nvSpPr>
+        <p:spPr>
+          <a:xfrm>
+            <a:off x="345688" y="920843"/>
+            <a:ext cx="172720" cy="162560"/>
+          </a:xfrm>
+          <a:prstGeom prst="ellipse">
+            <a:avLst/>
+          </a:prstGeom>
+          <a:solidFill>
+            <a:schemeClr val="tx1">
+              <a:lumMod val="65000"/>
+              <a:lumOff val="35000"/>
+            </a:schemeClr>
+          </a:solidFill>
+          <a:ln>
+            <a:noFill/>
+          </a:ln>
+        </p:spPr>
+        <p:style>
+          <a:lnRef idx="2">
+            <a:schemeClr val="accent1">
+              <a:shade val="50000"/>
+            </a:schemeClr>
+          </a:lnRef>
+          <a:fillRef idx="1">
+            <a:schemeClr val="accent1"/>
+          </a:fillRef>
+          <a:effectRef idx="0">
+            <a:schemeClr val="accent1"/>
+          </a:effectRef>
+          <a:fontRef idx="minor">
+            <a:schemeClr val="lt1"/>
+          </a:fontRef>
+        </p:style>
+        <p:txBody>
+          <a:bodyPr rtlCol="0" anchor="ctr"/>
+          <a:lstStyle/>
+          <a:p>
+            <a:pPr algn="ctr"/>
+            <a:endParaRPr lang="zh-TW" altLang="en-US"/>
+          </a:p>
+        </p:txBody>
+      </p:sp>
+      <p:cxnSp>
+        <p:nvCxnSpPr>
+          <p:cNvPr id="6" name="直線接點 5"/>
+          <p:cNvCxnSpPr>
+            <a:stCxn id="5" idx="6"/>
+          </p:cNvCxnSpPr>
+          <p:nvPr/>
+        </p:nvCxnSpPr>
+        <p:spPr>
+          <a:xfrm>
+            <a:off x="518408" y="1002123"/>
+            <a:ext cx="9226483" cy="0"/>
+          </a:xfrm>
+          <a:prstGeom prst="line">
+            <a:avLst/>
+          </a:prstGeom>
+          <a:ln w="25400">
+            <a:solidFill>
+              <a:schemeClr val="tx1">
+                <a:lumMod val="65000"/>
+                <a:lumOff val="35000"/>
+              </a:schemeClr>
+            </a:solidFill>
+          </a:ln>
+        </p:spPr>
+        <p:style>
+          <a:lnRef idx="1">
+            <a:schemeClr val="accent1"/>
+          </a:lnRef>
+          <a:fillRef idx="0">
+            <a:schemeClr val="accent1"/>
+          </a:fillRef>
+          <a:effectRef idx="0">
+            <a:schemeClr val="accent1"/>
+          </a:effectRef>
+          <a:fontRef idx="minor">
+            <a:schemeClr val="tx1"/>
+          </a:fontRef>
+        </p:style>
+      </p:cxnSp>
+      <p:sp>
+        <p:nvSpPr>
+          <p:cNvPr id="7" name="矩形 6"/>
+          <p:cNvSpPr/>
+          <p:nvPr/>
+        </p:nvSpPr>
+        <p:spPr>
+          <a:xfrm>
+            <a:off x="432048" y="417348"/>
+            <a:ext cx="9412128" cy="584775"/>
+          </a:xfrm>
+          <a:prstGeom prst="rect">
+            <a:avLst/>
+          </a:prstGeom>
+          <a:noFill/>
+        </p:spPr>
+        <p:txBody>
+          <a:bodyPr wrap="none" lIns="91440" tIns="45720" rIns="91440" bIns="45720">
+            <a:spAutoFit/>
+          </a:bodyPr>
+          <a:lstStyle/>
+          <a:p>
+            <a:pPr algn="ctr"/>
+            <a:r>
+              <a:rPr lang="en-US" altLang="zh-TW" sz="3200" b="1" dirty="0" smtClean="0">
+                <a:ln w="0"/>
+                <a:solidFill>
+                  <a:schemeClr val="accent1"/>
+                </a:solidFill>
+                <a:effectLst>
+                  <a:outerShdw blurRad="38100" dist="25400" dir="5400000" algn="ctr" rotWithShape="0">
+                    <a:srgbClr val="6E747A">
+                      <a:alpha val="43000"/>
+                    </a:srgbClr>
+                  </a:outerShdw>
+                </a:effectLst>
+                <a:latin typeface="Times New Roman" panose="02020603050405020304" pitchFamily="18" charset="0"/>
+                <a:cs typeface="Times New Roman" panose="02020603050405020304" pitchFamily="18" charset="0"/>
+              </a:rPr>
+              <a:t>MEC-Based UAVs’ Traffic Management Framework</a:t>
+            </a:r>
+            <a:endParaRPr lang="zh-TW" altLang="en-US" sz="3200" b="1" cap="none" spc="0" dirty="0">
+              <a:ln w="0"/>
+              <a:solidFill>
+                <a:schemeClr val="accent1"/>
+              </a:solidFill>
+              <a:effectLst>
+                <a:outerShdw blurRad="38100" dist="25400" dir="5400000" algn="ctr" rotWithShape="0">
+                  <a:srgbClr val="6E747A">
+                    <a:alpha val="43000"/>
+                  </a:srgbClr>
+                </a:outerShdw>
+              </a:effectLst>
+              <a:latin typeface="Times New Roman" panose="02020603050405020304" pitchFamily="18" charset="0"/>
+              <a:cs typeface="Times New Roman" panose="02020603050405020304" pitchFamily="18" charset="0"/>
+            </a:endParaRPr>
+          </a:p>
+        </p:txBody>
+      </p:sp>
+      <p:sp>
+        <p:nvSpPr>
+          <p:cNvPr id="8" name="文字方塊 7"/>
+          <p:cNvSpPr txBox="1"/>
+          <p:nvPr/>
+        </p:nvSpPr>
+        <p:spPr>
+          <a:xfrm>
+            <a:off x="518408" y="1483512"/>
+            <a:ext cx="5711820" cy="369332"/>
+          </a:xfrm>
+          <a:prstGeom prst="rect">
+            <a:avLst/>
+          </a:prstGeom>
+          <a:noFill/>
+        </p:spPr>
+        <p:txBody>
+          <a:bodyPr wrap="none" rtlCol="0">
+            <a:spAutoFit/>
+          </a:bodyPr>
+          <a:lstStyle/>
+          <a:p>
+            <a:pPr marL="285750" indent="-285750">
+              <a:buFont typeface="Wingdings" panose="05000000000000000000" pitchFamily="2" charset="2"/>
+              <a:buChar char="p"/>
+            </a:pPr>
+            <a:r>
+              <a:rPr lang="en-US" altLang="zh-TW" dirty="0" smtClean="0">
+                <a:latin typeface="Times New Roman" panose="02020603050405020304" pitchFamily="18" charset="0"/>
+                <a:cs typeface="Times New Roman" panose="02020603050405020304" pitchFamily="18" charset="0"/>
+              </a:rPr>
+              <a:t>The proposed framework can be divided into three parts.</a:t>
+            </a:r>
+            <a:endParaRPr lang="zh-TW" altLang="en-US" dirty="0">
+              <a:latin typeface="Times New Roman" panose="02020603050405020304" pitchFamily="18" charset="0"/>
+              <a:cs typeface="Times New Roman" panose="02020603050405020304" pitchFamily="18" charset="0"/>
+            </a:endParaRPr>
+          </a:p>
+        </p:txBody>
+      </p:sp>
+    </p:spTree>
+    <p:extLst>
+      <p:ext uri="{BB962C8B-B14F-4D97-AF65-F5344CB8AC3E}">
+        <p14:creationId xmlns:p14="http://schemas.microsoft.com/office/powerpoint/2010/main" val="996935404"/>
+      </p:ext>
+    </p:extLst>
+  </p:cSld>
+  <p:clrMapOvr>
+    <a:masterClrMapping/>
+  </p:clrMapOvr>
+  <p:timing>
+    <p:tnLst>
+      <p:par>
+        <p:cTn id="1" dur="indefinite" restart="never" nodeType="tmRoot"/>
+      </p:par>
+    </p:tnLst>
+  </p:timing>
+</p:sld>
+</file>
+
+<file path=ppt/slides/slide22.xml><?xml version="1.0" encoding="utf-8"?>
 <p:sld xmlns:a="http://schemas.openxmlformats.org/drawingml/2006/main" xmlns:r="http://schemas.openxmlformats.org/officeDocument/2006/relationships" xmlns:p="http://schemas.openxmlformats.org/presentationml/2006/main">
   <p:cSld>
     <p:spTree>
@@ -15608,7 +20309,7 @@
           <a:p>
             <a:fld id="{C128DF73-0FD1-4EFB-B6B9-20BE1557E8C1}" type="slidenum">
               <a:rPr lang="zh-TW" altLang="en-US" smtClean="0"/>
-              <a:t>16</a:t>
+              <a:t>22</a:t>
             </a:fld>
             <a:endParaRPr lang="zh-TW" altLang="en-US"/>
           </a:p>
@@ -15634,7 +20335,7 @@
 </p:sld>
 </file>
 
-<file path=ppt/slides/slide17.xml><?xml version="1.0" encoding="utf-8"?>
+<file path=ppt/slides/slide23.xml><?xml version="1.0" encoding="utf-8"?>
 <p:sld xmlns:a="http://schemas.openxmlformats.org/drawingml/2006/main" xmlns:r="http://schemas.openxmlformats.org/officeDocument/2006/relationships" xmlns:p="http://schemas.openxmlformats.org/presentationml/2006/main">
   <p:cSld>
     <p:spTree>
@@ -15794,7 +20495,7 @@
           <a:p>
             <a:fld id="{C128DF73-0FD1-4EFB-B6B9-20BE1557E8C1}" type="slidenum">
               <a:rPr lang="zh-TW" altLang="en-US" smtClean="0"/>
-              <a:t>17</a:t>
+              <a:t>23</a:t>
             </a:fld>
             <a:endParaRPr lang="zh-TW" altLang="en-US"/>
           </a:p>
@@ -15820,7 +20521,7 @@
 </p:sld>
 </file>
 
-<file path=ppt/slides/slide18.xml><?xml version="1.0" encoding="utf-8"?>
+<file path=ppt/slides/slide24.xml><?xml version="1.0" encoding="utf-8"?>
 <p:sld xmlns:a="http://schemas.openxmlformats.org/drawingml/2006/main" xmlns:r="http://schemas.openxmlformats.org/officeDocument/2006/relationships" xmlns:p="http://schemas.openxmlformats.org/presentationml/2006/main">
   <p:cSld>
     <p:spTree>
@@ -15939,7 +20640,7 @@
           <a:p>
             <a:fld id="{C128DF73-0FD1-4EFB-B6B9-20BE1557E8C1}" type="slidenum">
               <a:rPr lang="zh-TW" altLang="en-US" smtClean="0"/>
-              <a:t>18</a:t>
+              <a:t>24</a:t>
             </a:fld>
             <a:endParaRPr lang="zh-TW" altLang="en-US"/>
           </a:p>
@@ -15949,151 +20650,6 @@
     <p:extLst>
       <p:ext uri="{BB962C8B-B14F-4D97-AF65-F5344CB8AC3E}">
         <p14:creationId xmlns:p14="http://schemas.microsoft.com/office/powerpoint/2010/main" val="2006576480"/>
-      </p:ext>
-    </p:extLst>
-  </p:cSld>
-  <p:clrMapOvr>
-    <a:masterClrMapping/>
-  </p:clrMapOvr>
-  <p:timing>
-    <p:tnLst>
-      <p:par>
-        <p:cTn id="1" dur="indefinite" restart="never" nodeType="tmRoot"/>
-      </p:par>
-    </p:tnLst>
-  </p:timing>
-</p:sld>
-</file>
-
-<file path=ppt/slides/slide2.xml><?xml version="1.0" encoding="utf-8"?>
-<p:sld xmlns:a="http://schemas.openxmlformats.org/drawingml/2006/main" xmlns:r="http://schemas.openxmlformats.org/officeDocument/2006/relationships" xmlns:p="http://schemas.openxmlformats.org/presentationml/2006/main">
-  <p:cSld>
-    <p:spTree>
-      <p:nvGrpSpPr>
-        <p:cNvPr id="1" name=""/>
-        <p:cNvGrpSpPr/>
-        <p:nvPr/>
-      </p:nvGrpSpPr>
-      <p:grpSpPr>
-        <a:xfrm>
-          <a:off x="0" y="0"/>
-          <a:ext cx="0" cy="0"/>
-          <a:chOff x="0" y="0"/>
-          <a:chExt cx="0" cy="0"/>
-        </a:xfrm>
-      </p:grpSpPr>
-      <p:pic>
-        <p:nvPicPr>
-          <p:cNvPr id="1026" name="Picture 2" descr="「UAV figure」的圖片搜尋結果"/>
-          <p:cNvPicPr>
-            <a:picLocks noChangeAspect="1" noChangeArrowheads="1"/>
-          </p:cNvPicPr>
-          <p:nvPr/>
-        </p:nvPicPr>
-        <p:blipFill>
-          <a:blip r:embed="rId2">
-            <a:extLst>
-              <a:ext uri="{28A0092B-C50C-407E-A947-70E740481C1C}">
-                <a14:useLocalDpi xmlns:a14="http://schemas.microsoft.com/office/drawing/2010/main" val="0"/>
-              </a:ext>
-            </a:extLst>
-          </a:blip>
-          <a:srcRect/>
-          <a:stretch>
-            <a:fillRect/>
-          </a:stretch>
-        </p:blipFill>
-        <p:spPr bwMode="auto">
-          <a:xfrm>
-            <a:off x="1794768" y="2529361"/>
-            <a:ext cx="3757672" cy="2691666"/>
-          </a:xfrm>
-          <a:prstGeom prst="rect">
-            <a:avLst/>
-          </a:prstGeom>
-          <a:noFill/>
-          <a:extLst>
-            <a:ext uri="{909E8E84-426E-40DD-AFC4-6F175D3DCCD1}">
-              <a14:hiddenFill xmlns:a14="http://schemas.microsoft.com/office/drawing/2010/main">
-                <a:solidFill>
-                  <a:srgbClr val="FFFFFF"/>
-                </a:solidFill>
-              </a14:hiddenFill>
-            </a:ext>
-          </a:extLst>
-        </p:spPr>
-      </p:pic>
-      <p:graphicFrame>
-        <p:nvGraphicFramePr>
-          <p:cNvPr id="5" name="資料庫圖表 4"/>
-          <p:cNvGraphicFramePr/>
-          <p:nvPr>
-            <p:extLst>
-              <p:ext uri="{D42A27DB-BD31-4B8C-83A1-F6EECF244321}">
-                <p14:modId xmlns:p14="http://schemas.microsoft.com/office/powerpoint/2010/main" val="1429138377"/>
-              </p:ext>
-            </p:extLst>
-          </p:nvPr>
-        </p:nvGraphicFramePr>
-        <p:xfrm>
-          <a:off x="4477111" y="558899"/>
-          <a:ext cx="2787289" cy="577755"/>
-        </p:xfrm>
-        <a:graphic>
-          <a:graphicData uri="http://schemas.openxmlformats.org/drawingml/2006/diagram">
-            <dgm:relIds xmlns:dgm="http://schemas.openxmlformats.org/drawingml/2006/diagram" xmlns:r="http://schemas.openxmlformats.org/officeDocument/2006/relationships" r:dm="rId3" r:lo="rId4" r:qs="rId5" r:cs="rId6"/>
-          </a:graphicData>
-        </a:graphic>
-      </p:graphicFrame>
-      <p:graphicFrame>
-        <p:nvGraphicFramePr>
-          <p:cNvPr id="3" name="資料庫圖表 2"/>
-          <p:cNvGraphicFramePr/>
-          <p:nvPr>
-            <p:extLst>
-              <p:ext uri="{D42A27DB-BD31-4B8C-83A1-F6EECF244321}">
-                <p14:modId xmlns:p14="http://schemas.microsoft.com/office/powerpoint/2010/main" val="3056118813"/>
-              </p:ext>
-            </p:extLst>
-          </p:nvPr>
-        </p:nvGraphicFramePr>
-        <p:xfrm>
-          <a:off x="5552440" y="1989667"/>
-          <a:ext cx="4297680" cy="3771054"/>
-        </p:xfrm>
-        <a:graphic>
-          <a:graphicData uri="http://schemas.openxmlformats.org/drawingml/2006/diagram">
-            <dgm:relIds xmlns:dgm="http://schemas.openxmlformats.org/drawingml/2006/diagram" xmlns:r="http://schemas.openxmlformats.org/officeDocument/2006/relationships" r:dm="rId8" r:lo="rId9" r:qs="rId10" r:cs="rId11"/>
-          </a:graphicData>
-        </a:graphic>
-      </p:graphicFrame>
-      <p:sp>
-        <p:nvSpPr>
-          <p:cNvPr id="2" name="投影片編號版面配置區 1"/>
-          <p:cNvSpPr>
-            <a:spLocks noGrp="1"/>
-          </p:cNvSpPr>
-          <p:nvPr>
-            <p:ph type="sldNum" sz="quarter" idx="12"/>
-          </p:nvPr>
-        </p:nvSpPr>
-        <p:spPr/>
-        <p:txBody>
-          <a:bodyPr/>
-          <a:lstStyle/>
-          <a:p>
-            <a:fld id="{C128DF73-0FD1-4EFB-B6B9-20BE1557E8C1}" type="slidenum">
-              <a:rPr lang="zh-TW" altLang="en-US" smtClean="0"/>
-              <a:t>2</a:t>
-            </a:fld>
-            <a:endParaRPr lang="zh-TW" altLang="en-US"/>
-          </a:p>
-        </p:txBody>
-      </p:sp>
-    </p:spTree>
-    <p:extLst>
-      <p:ext uri="{BB962C8B-B14F-4D97-AF65-F5344CB8AC3E}">
-        <p14:creationId xmlns:p14="http://schemas.microsoft.com/office/powerpoint/2010/main" val="2669328465"/>
       </p:ext>
     </p:extLst>
   </p:cSld>
@@ -18292,28 +22848,7 @@
                 <a:latin typeface="Times New Roman" panose="02020603050405020304" pitchFamily="18" charset="0"/>
                 <a:cs typeface="Times New Roman" panose="02020603050405020304" pitchFamily="18" charset="0"/>
               </a:rPr>
-              <a:t>The </a:t>
-            </a:r>
-            <a:r>
-              <a:rPr lang="en-US" altLang="zh-TW" dirty="0" smtClean="0">
-                <a:latin typeface="Times New Roman" panose="02020603050405020304" pitchFamily="18" charset="0"/>
-                <a:cs typeface="Times New Roman" panose="02020603050405020304" pitchFamily="18" charset="0"/>
-              </a:rPr>
-              <a:t>figure </a:t>
-            </a:r>
-            <a:r>
-              <a:rPr lang="en-US" altLang="zh-TW" dirty="0" smtClean="0">
-                <a:latin typeface="Times New Roman" panose="02020603050405020304" pitchFamily="18" charset="0"/>
-                <a:cs typeface="Times New Roman" panose="02020603050405020304" pitchFamily="18" charset="0"/>
-              </a:rPr>
-              <a:t>is an </a:t>
-            </a:r>
-            <a:r>
-              <a:rPr lang="en-US" altLang="zh-TW" dirty="0" smtClean="0">
-                <a:latin typeface="Times New Roman" panose="02020603050405020304" pitchFamily="18" charset="0"/>
-                <a:cs typeface="Times New Roman" panose="02020603050405020304" pitchFamily="18" charset="0"/>
-              </a:rPr>
-              <a:t>UTM system</a:t>
+              <a:t>The figure is an UTM system</a:t>
             </a:r>
           </a:p>
           <a:p>
@@ -18322,14 +22857,7 @@
                 <a:latin typeface="Times New Roman" panose="02020603050405020304" pitchFamily="18" charset="0"/>
                 <a:cs typeface="Times New Roman" panose="02020603050405020304" pitchFamily="18" charset="0"/>
               </a:rPr>
-              <a:t>     concept </a:t>
-            </a:r>
-            <a:r>
-              <a:rPr lang="en-US" altLang="zh-TW" dirty="0" smtClean="0">
-                <a:latin typeface="Times New Roman" panose="02020603050405020304" pitchFamily="18" charset="0"/>
-                <a:cs typeface="Times New Roman" panose="02020603050405020304" pitchFamily="18" charset="0"/>
-              </a:rPr>
-              <a:t>of operations flow chart.</a:t>
+              <a:t>     concept of operations flow chart.</a:t>
             </a:r>
             <a:endParaRPr lang="zh-TW" altLang="en-US" dirty="0">
               <a:latin typeface="Times New Roman" panose="02020603050405020304" pitchFamily="18" charset="0"/>

--- a/wireless_network/PaperReading/Report.pptx
+++ b/wireless_network/PaperReading/Report.pptx
@@ -5,7 +5,7 @@
     <p:sldMasterId id="2147483648" r:id="rId1"/>
   </p:sldMasterIdLst>
   <p:notesMasterIdLst>
-    <p:notesMasterId r:id="rId26"/>
+    <p:notesMasterId r:id="rId32"/>
   </p:notesMasterIdLst>
   <p:sldIdLst>
     <p:sldId id="256" r:id="rId2"/>
@@ -29,9 +29,15 @@
     <p:sldId id="272" r:id="rId20"/>
     <p:sldId id="278" r:id="rId21"/>
     <p:sldId id="279" r:id="rId22"/>
-    <p:sldId id="261" r:id="rId23"/>
-    <p:sldId id="264" r:id="rId24"/>
-    <p:sldId id="263" r:id="rId25"/>
+    <p:sldId id="280" r:id="rId23"/>
+    <p:sldId id="281" r:id="rId24"/>
+    <p:sldId id="282" r:id="rId25"/>
+    <p:sldId id="283" r:id="rId26"/>
+    <p:sldId id="261" r:id="rId27"/>
+    <p:sldId id="284" r:id="rId28"/>
+    <p:sldId id="285" r:id="rId29"/>
+    <p:sldId id="264" r:id="rId30"/>
+    <p:sldId id="263" r:id="rId31"/>
   </p:sldIdLst>
   <p:sldSz cx="12192000" cy="6858000"/>
   <p:notesSz cx="6858000" cy="9144000"/>
@@ -10146,7 +10152,7 @@
           <a:p>
             <a:fld id="{90AE32B7-19C5-4095-9C95-F277E30D1456}" type="datetimeFigureOut">
               <a:rPr lang="zh-TW" altLang="en-US" smtClean="0"/>
-              <a:t>2019/12/26</a:t>
+              <a:t>2019/12/29</a:t>
             </a:fld>
             <a:endParaRPr lang="zh-TW" altLang="en-US"/>
           </a:p>
@@ -10414,6 +10420,90 @@
 </p:notesMaster>
 </file>
 
+<file path=ppt/notesSlides/notesSlide1.xml><?xml version="1.0" encoding="utf-8"?>
+<p:notes xmlns:a="http://schemas.openxmlformats.org/drawingml/2006/main" xmlns:r="http://schemas.openxmlformats.org/officeDocument/2006/relationships" xmlns:p="http://schemas.openxmlformats.org/presentationml/2006/main">
+  <p:cSld>
+    <p:spTree>
+      <p:nvGrpSpPr>
+        <p:cNvPr id="1" name=""/>
+        <p:cNvGrpSpPr/>
+        <p:nvPr/>
+      </p:nvGrpSpPr>
+      <p:grpSpPr>
+        <a:xfrm>
+          <a:off x="0" y="0"/>
+          <a:ext cx="0" cy="0"/>
+          <a:chOff x="0" y="0"/>
+          <a:chExt cx="0" cy="0"/>
+        </a:xfrm>
+      </p:grpSpPr>
+      <p:sp>
+        <p:nvSpPr>
+          <p:cNvPr id="2" name="投影片圖像版面配置區 1"/>
+          <p:cNvSpPr>
+            <a:spLocks noGrp="1" noRot="1" noChangeAspect="1"/>
+          </p:cNvSpPr>
+          <p:nvPr>
+            <p:ph type="sldImg"/>
+          </p:nvPr>
+        </p:nvSpPr>
+        <p:spPr/>
+      </p:sp>
+      <p:sp>
+        <p:nvSpPr>
+          <p:cNvPr id="3" name="備忘稿版面配置區 2"/>
+          <p:cNvSpPr>
+            <a:spLocks noGrp="1"/>
+          </p:cNvSpPr>
+          <p:nvPr>
+            <p:ph type="body" idx="1"/>
+          </p:nvPr>
+        </p:nvSpPr>
+        <p:spPr/>
+        <p:txBody>
+          <a:bodyPr/>
+          <a:lstStyle/>
+          <a:p>
+            <a:endParaRPr lang="zh-TW" altLang="en-US" dirty="0"/>
+          </a:p>
+        </p:txBody>
+      </p:sp>
+      <p:sp>
+        <p:nvSpPr>
+          <p:cNvPr id="4" name="投影片編號版面配置區 3"/>
+          <p:cNvSpPr>
+            <a:spLocks noGrp="1"/>
+          </p:cNvSpPr>
+          <p:nvPr>
+            <p:ph type="sldNum" sz="quarter" idx="10"/>
+          </p:nvPr>
+        </p:nvSpPr>
+        <p:spPr/>
+        <p:txBody>
+          <a:bodyPr/>
+          <a:lstStyle/>
+          <a:p>
+            <a:fld id="{44447162-ED96-4A84-A335-5A9AFCA350A4}" type="slidenum">
+              <a:rPr lang="zh-TW" altLang="en-US" smtClean="0"/>
+              <a:t>10</a:t>
+            </a:fld>
+            <a:endParaRPr lang="zh-TW" altLang="en-US"/>
+          </a:p>
+        </p:txBody>
+      </p:sp>
+    </p:spTree>
+    <p:extLst>
+      <p:ext uri="{BB962C8B-B14F-4D97-AF65-F5344CB8AC3E}">
+        <p14:creationId xmlns:p14="http://schemas.microsoft.com/office/powerpoint/2010/main" val="862071275"/>
+      </p:ext>
+    </p:extLst>
+  </p:cSld>
+  <p:clrMapOvr>
+    <a:masterClrMapping/>
+  </p:clrMapOvr>
+</p:notes>
+</file>
+
 <file path=ppt/slideLayouts/slideLayout1.xml><?xml version="1.0" encoding="utf-8"?>
 <p:sldLayout xmlns:a="http://schemas.openxmlformats.org/drawingml/2006/main" xmlns:r="http://schemas.openxmlformats.org/officeDocument/2006/relationships" xmlns:p="http://schemas.openxmlformats.org/presentationml/2006/main" type="title" preserve="1">
   <p:cSld name="標題投影片">
@@ -10545,7 +10635,7 @@
           <a:p>
             <a:fld id="{D0C519A4-C899-4FE3-B2C0-EA32C1E2A373}" type="datetime1">
               <a:rPr lang="zh-TW" altLang="en-US" smtClean="0"/>
-              <a:t>2019/12/26</a:t>
+              <a:t>2019/12/29</a:t>
             </a:fld>
             <a:endParaRPr lang="zh-TW" altLang="en-US"/>
           </a:p>
@@ -10715,7 +10805,7 @@
           <a:p>
             <a:fld id="{AAF725E2-3DF1-496F-923B-ADC93C1FF91E}" type="datetime1">
               <a:rPr lang="zh-TW" altLang="en-US" smtClean="0"/>
-              <a:t>2019/12/26</a:t>
+              <a:t>2019/12/29</a:t>
             </a:fld>
             <a:endParaRPr lang="zh-TW" altLang="en-US"/>
           </a:p>
@@ -10895,7 +10985,7 @@
           <a:p>
             <a:fld id="{BA639709-0C54-4055-B8A5-334E3C574642}" type="datetime1">
               <a:rPr lang="zh-TW" altLang="en-US" smtClean="0"/>
-              <a:t>2019/12/26</a:t>
+              <a:t>2019/12/29</a:t>
             </a:fld>
             <a:endParaRPr lang="zh-TW" altLang="en-US"/>
           </a:p>
@@ -11065,7 +11155,7 @@
           <a:p>
             <a:fld id="{529E66E2-A720-4114-9EAD-35F33426C266}" type="datetime1">
               <a:rPr lang="zh-TW" altLang="en-US" smtClean="0"/>
-              <a:t>2019/12/26</a:t>
+              <a:t>2019/12/29</a:t>
             </a:fld>
             <a:endParaRPr lang="zh-TW" altLang="en-US"/>
           </a:p>
@@ -11311,7 +11401,7 @@
           <a:p>
             <a:fld id="{EC6CA15E-6041-4E19-A88F-713A849FAB1F}" type="datetime1">
               <a:rPr lang="zh-TW" altLang="en-US" smtClean="0"/>
-              <a:t>2019/12/26</a:t>
+              <a:t>2019/12/29</a:t>
             </a:fld>
             <a:endParaRPr lang="zh-TW" altLang="en-US"/>
           </a:p>
@@ -11543,7 +11633,7 @@
           <a:p>
             <a:fld id="{ED1B1673-2459-4015-8514-10CC325F640F}" type="datetime1">
               <a:rPr lang="zh-TW" altLang="en-US" smtClean="0"/>
-              <a:t>2019/12/26</a:t>
+              <a:t>2019/12/29</a:t>
             </a:fld>
             <a:endParaRPr lang="zh-TW" altLang="en-US"/>
           </a:p>
@@ -11910,7 +12000,7 @@
           <a:p>
             <a:fld id="{14BBF4F7-C57C-4105-9534-84A0BF80F02F}" type="datetime1">
               <a:rPr lang="zh-TW" altLang="en-US" smtClean="0"/>
-              <a:t>2019/12/26</a:t>
+              <a:t>2019/12/29</a:t>
             </a:fld>
             <a:endParaRPr lang="zh-TW" altLang="en-US"/>
           </a:p>
@@ -12028,7 +12118,7 @@
           <a:p>
             <a:fld id="{973340D1-97F9-4595-91A4-880B1C854E40}" type="datetime1">
               <a:rPr lang="zh-TW" altLang="en-US" smtClean="0"/>
-              <a:t>2019/12/26</a:t>
+              <a:t>2019/12/29</a:t>
             </a:fld>
             <a:endParaRPr lang="zh-TW" altLang="en-US"/>
           </a:p>
@@ -12123,7 +12213,7 @@
           <a:p>
             <a:fld id="{017D0E3B-C414-4A74-9F90-82C22692D280}" type="datetime1">
               <a:rPr lang="zh-TW" altLang="en-US" smtClean="0"/>
-              <a:t>2019/12/26</a:t>
+              <a:t>2019/12/29</a:t>
             </a:fld>
             <a:endParaRPr lang="zh-TW" altLang="en-US"/>
           </a:p>
@@ -12400,7 +12490,7 @@
           <a:p>
             <a:fld id="{2C132A8D-7E8C-45E9-AF19-479C7BF98E21}" type="datetime1">
               <a:rPr lang="zh-TW" altLang="en-US" smtClean="0"/>
-              <a:t>2019/12/26</a:t>
+              <a:t>2019/12/29</a:t>
             </a:fld>
             <a:endParaRPr lang="zh-TW" altLang="en-US"/>
           </a:p>
@@ -12653,7 +12743,7 @@
           <a:p>
             <a:fld id="{E5E4FAB2-8603-4182-B607-B8D4C5ACF843}" type="datetime1">
               <a:rPr lang="zh-TW" altLang="en-US" smtClean="0"/>
-              <a:t>2019/12/26</a:t>
+              <a:t>2019/12/29</a:t>
             </a:fld>
             <a:endParaRPr lang="zh-TW" altLang="en-US"/>
           </a:p>
@@ -12866,7 +12956,7 @@
           <a:p>
             <a:fld id="{01AA6340-B1F5-49D0-BCE2-BF206B87664B}" type="datetime1">
               <a:rPr lang="zh-TW" altLang="en-US" smtClean="0"/>
-              <a:t>2019/12/26</a:t>
+              <a:t>2019/12/29</a:t>
             </a:fld>
             <a:endParaRPr lang="zh-TW" altLang="en-US"/>
           </a:p>
@@ -14043,11 +14133,11 @@
           <p:nvPr/>
         </p:nvPicPr>
         <p:blipFill>
-          <a:blip r:embed="rId2" cstate="print">
+          <a:blip r:embed="rId3" cstate="print">
             <a:extLst>
               <a:ext uri="{BEBA8EAE-BF5A-486C-A8C5-ECC9F3942E4B}">
                 <a14:imgProps xmlns:a14="http://schemas.microsoft.com/office/drawing/2010/main">
-                  <a14:imgLayer r:embed="rId3">
+                  <a14:imgLayer r:embed="rId4">
                     <a14:imgEffect>
                       <a14:backgroundRemoval t="0" b="100000" l="0" r="100000"/>
                     </a14:imgEffect>
@@ -14359,14 +14449,86 @@
                             </p:stCondLst>
                             <p:childTnLst>
                               <p:par>
-                                <p:cTn id="5" presetID="0" presetClass="path" presetSubtype="0" accel="50000" decel="50000" fill="hold" nodeType="clickEffect">
+                                <p:cTn id="5" presetID="1" presetClass="entr" presetSubtype="0" fill="hold" grpId="0" nodeType="clickEffect">
+                                  <p:stCondLst>
+                                    <p:cond delay="0"/>
+                                  </p:stCondLst>
+                                  <p:childTnLst>
+                                    <p:set>
+                                      <p:cBhvr>
+                                        <p:cTn id="6" dur="1" fill="hold">
+                                          <p:stCondLst>
+                                            <p:cond delay="0"/>
+                                          </p:stCondLst>
+                                        </p:cTn>
+                                        <p:tgtEl>
+                                          <p:spTgt spid="8"/>
+                                        </p:tgtEl>
+                                        <p:attrNameLst>
+                                          <p:attrName>style.visibility</p:attrName>
+                                        </p:attrNameLst>
+                                      </p:cBhvr>
+                                      <p:to>
+                                        <p:strVal val="visible"/>
+                                      </p:to>
+                                    </p:set>
+                                  </p:childTnLst>
+                                </p:cTn>
+                              </p:par>
+                            </p:childTnLst>
+                          </p:cTn>
+                        </p:par>
+                      </p:childTnLst>
+                    </p:cTn>
+                  </p:par>
+                  <p:par>
+                    <p:cTn id="7" fill="hold">
+                      <p:stCondLst>
+                        <p:cond delay="indefinite"/>
+                      </p:stCondLst>
+                      <p:childTnLst>
+                        <p:par>
+                          <p:cTn id="8" fill="hold">
+                            <p:stCondLst>
+                              <p:cond delay="0"/>
+                            </p:stCondLst>
+                            <p:childTnLst>
+                              <p:par>
+                                <p:cTn id="9" presetID="1" presetClass="entr" presetSubtype="0" fill="hold" grpId="0" nodeType="clickEffect">
+                                  <p:stCondLst>
+                                    <p:cond delay="0"/>
+                                  </p:stCondLst>
+                                  <p:childTnLst>
+                                    <p:set>
+                                      <p:cBhvr>
+                                        <p:cTn id="10" dur="1" fill="hold">
+                                          <p:stCondLst>
+                                            <p:cond delay="0"/>
+                                          </p:stCondLst>
+                                        </p:cTn>
+                                        <p:tgtEl>
+                                          <p:spTgt spid="13"/>
+                                        </p:tgtEl>
+                                        <p:attrNameLst>
+                                          <p:attrName>style.visibility</p:attrName>
+                                        </p:attrNameLst>
+                                      </p:cBhvr>
+                                      <p:to>
+                                        <p:strVal val="visible"/>
+                                      </p:to>
+                                    </p:set>
+                                  </p:childTnLst>
+                                </p:cTn>
+                              </p:par>
+                              <p:par>
+                                <p:cTn id="11" presetID="0" presetClass="path" presetSubtype="0" accel="50000" decel="50000" fill="hold" nodeType="withEffect">
                                   <p:stCondLst>
                                     <p:cond delay="0"/>
                                   </p:stCondLst>
                                   <p:childTnLst>
                                     <p:animMotion origin="layout" path="M 2.08333E-7 -7.40741E-7 L 2.08333E-7 0.00023 C 0.00195 -0.00208 0.00378 -0.00463 0.00573 -0.00648 C 0.0069 -0.00741 0.00807 -0.00764 0.00937 -0.00764 C 0.01523 -0.00764 0.02122 -0.00694 0.02721 -0.00648 C 0.02773 -0.00555 0.02812 -0.00463 0.02865 -0.00393 C 0.0293 -0.00301 0.03021 -0.00255 0.03073 -0.00139 C 0.03125 -0.00023 0.03112 0.00139 0.03151 0.00255 C 0.03177 0.00347 0.03242 0.00417 0.03294 0.00509 C 0.03372 0.01042 0.03437 0.01435 0.03437 0.02037 C 0.03437 0.02361 0.03411 0.02708 0.03359 0.03032 C 0.03307 0.03403 0.0293 0.03889 0.02786 0.03935 C 0.02539 0.04028 0.02383 0.04074 0.02148 0.0419 C 0.0207 0.04213 0.02005 0.04306 0.01927 0.04306 C 0.01224 0.04398 0.00508 0.04398 -0.00208 0.04445 C -0.00326 0.04468 -0.01315 0.0463 -0.01497 0.04699 C -0.01641 0.04745 -0.01784 0.04861 -0.01927 0.04954 L -0.02135 0.0507 L -0.02565 0.05579 C -0.02643 0.05671 -0.02721 0.05718 -0.02786 0.05833 L -0.02995 0.06227 C -0.02969 0.06644 -0.03008 0.07083 -0.0293 0.075 C -0.02865 0.07778 -0.02656 0.0787 -0.02565 0.08125 C -0.02279 0.08889 -0.02591 0.08171 -0.02214 0.0875 C -0.02083 0.08958 -0.01992 0.09213 -0.01849 0.09398 C -0.01628 0.09699 -0.01536 0.09861 -0.01276 0.10023 C -0.01185 0.10093 -0.01094 0.10116 -0.0099 0.10162 C -0.00586 0.10648 -0.0099 0.10255 -0.00286 0.10532 C -0.0013 0.10602 2.08333E-7 0.10787 0.00143 0.10787 L 0.0151 0.10926 C 0.01576 0.10949 0.01641 0.11019 0.01719 0.11042 C 0.01836 0.11088 0.01953 0.11134 0.0207 0.11181 C 0.02174 0.11204 0.02266 0.1125 0.02357 0.11296 C 0.02461 0.11389 0.02552 0.11458 0.02643 0.11551 C 0.02799 0.11713 0.03073 0.1206 0.03073 0.12083 C 0.03151 0.12245 0.03294 0.1257 0.03294 0.12824 C 0.03294 0.13287 0.03268 0.13773 0.03216 0.14213 C 0.03203 0.14375 0.03138 0.14491 0.03073 0.14607 C 0.03047 0.14653 0.02656 0.15162 0.02578 0.15232 C 0.02513 0.15301 0.02435 0.15324 0.02357 0.1537 C 0.02318 0.1544 0.02279 0.15556 0.02214 0.15625 C 0.02135 0.15695 0.02031 0.15695 0.01927 0.15741 C 0.01862 0.15787 0.01784 0.15833 0.01719 0.1588 C 0.01172 0.1625 0.01549 0.16065 0.00937 0.1625 C 0.00833 0.16343 0.00742 0.16435 0.00651 0.16505 C 0.00482 0.1662 0.00078 0.16713 -0.00065 0.16759 C -0.00378 0.16713 -0.0069 0.16713 -0.0099 0.16644 C -0.01146 0.16597 -0.01276 0.16458 -0.01419 0.16389 C -0.01719 0.16204 -0.01576 0.1632 -0.01849 0.15995 C -0.02266 0.15023 -0.01862 0.15857 -0.02279 0.15232 C -0.02826 0.14421 -0.02174 0.15232 -0.02708 0.14607 C -0.02839 0.13935 -0.02734 0.14329 -0.03073 0.13449 L -0.03216 0.13079 C -0.03372 0.12199 -0.03177 0.13287 -0.03359 0.1206 C -0.03372 0.11921 -0.03398 0.11806 -0.03424 0.1169 C -0.03477 0.11366 -0.0349 0.11088 -0.03568 0.10787 C -0.03607 0.10625 -0.03659 0.10463 -0.03711 0.10278 C -0.03737 0.10116 -0.03737 0.09931 -0.03776 0.09769 C -0.03841 0.09583 -0.03958 0.09468 -0.03997 0.09259 C -0.04063 0.08935 -0.04049 0.08588 -0.04063 0.08241 C -0.04049 0.06945 -0.04049 0.05625 -0.03997 0.04306 C -0.03971 0.0375 -0.03776 0.0338 -0.03633 0.02917 C -0.03581 0.02755 -0.03555 0.0257 -0.0349 0.02407 C -0.03438 0.02269 -0.03346 0.02176 -0.03281 0.02037 C -0.03177 0.01782 -0.03112 0.01482 -0.02995 0.01273 C -0.0293 0.01134 -0.02852 0.01019 -0.02786 0.0088 C -0.02721 0.00764 -0.02708 0.00602 -0.02643 0.00509 C -0.02578 0.00417 -0.02487 0.0044 -0.02422 0.0037 C -0.02344 0.00301 -0.02279 0.00185 -0.02214 0.00116 C -0.02122 0.00023 -0.02018 -0.00046 -0.01927 -0.00139 C -0.01771 -0.00301 -0.01654 -0.00555 -0.01497 -0.00648 C -0.01354 -0.00718 -0.01211 -0.00833 -0.01068 -0.00903 C -0.00977 -0.00949 -0.00872 -0.00972 -0.00781 -0.01018 C -0.00638 -0.01111 -0.00495 -0.01227 -0.00352 -0.01273 C -0.00234 -0.01319 -0.00117 -0.01343 2.08333E-7 -0.01412 C 0.00078 -0.01435 0.00143 -0.01505 0.00221 -0.01528 C 0.00404 -0.0162 0.00612 -0.0162 0.00794 -0.01782 C 0.00885 -0.01875 0.00977 -0.01991 0.01081 -0.02037 C 0.01211 -0.02106 0.01367 -0.0213 0.0151 -0.02176 C 0.01576 -0.02199 0.01641 -0.02292 0.01719 -0.02292 C 0.02057 -0.02292 0.02383 -0.02245 0.02721 -0.02176 C 0.02799 -0.02153 0.02865 -0.0206 0.0293 -0.02037 C 0.03047 -0.01991 0.03177 -0.01944 0.03294 -0.01921 C 0.03385 -0.01829 0.03477 -0.01736 0.03581 -0.01667 C 0.03646 -0.01597 0.03724 -0.01597 0.03789 -0.01528 C 0.04284 -0.01018 0.03542 -0.01505 0.04154 -0.01157 C 0.04219 -0.01018 0.04284 -0.0088 0.04362 -0.00764 C 0.04453 -0.00648 0.0457 -0.00648 0.04648 -0.00509 C 0.04792 -0.00278 0.04818 0.00208 0.04857 0.00509 C 0.04909 0.00764 0.04974 0.00995 0.05 0.01273 C 0.05026 0.01435 0.05052 0.01597 0.05078 0.01782 C 0.05104 0.01898 0.0513 0.02014 0.05143 0.02153 C 0.05182 0.02361 0.05169 0.02593 0.05221 0.02778 C 0.05286 0.03056 0.05508 0.03542 0.05508 0.03565 C 0.05664 0.04653 0.05469 0.03449 0.05716 0.0456 C 0.0582 0.05 0.05937 0.05787 0.06003 0.06227 C 0.05977 0.07523 0.06003 0.08843 0.05937 0.10162 C 0.05924 0.10347 0.05833 0.10486 0.05794 0.10671 C 0.05768 0.10787 0.05742 0.10926 0.05716 0.11042 C 0.0569 0.11204 0.05677 0.11389 0.05651 0.11551 C 0.05625 0.1169 0.05599 0.11806 0.05573 0.11945 C 0.05547 0.12107 0.05534 0.12269 0.05508 0.12454 C 0.05482 0.1257 0.05456 0.12685 0.0543 0.12824 C 0.05404 0.13032 0.05404 0.13264 0.05365 0.13449 C 0.05312 0.13727 0.05169 0.14097 0.05078 0.14352 C 0.05013 0.14514 0.04948 0.14722 0.04857 0.14861 C 0.04779 0.14977 0.04661 0.15 0.04583 0.15116 C 0.04479 0.15232 0.04401 0.15394 0.04297 0.15486 C 0.04206 0.15579 0.04102 0.15556 0.0401 0.15625 C 0.03763 0.1581 0.03555 0.16181 0.03294 0.1625 C 0.03151 0.16296 0.03008 0.1632 0.02865 0.16389 C 0.02721 0.16435 0.02578 0.16574 0.02435 0.16644 C 0.02122 0.16759 0.0181 0.16806 0.0151 0.16898 C 0.01315 0.17014 0.01133 0.17176 0.00937 0.17269 C 0.00768 0.17361 0.00039 0.175 -0.00065 0.17523 C -0.00703 0.17801 -0.00013 0.17523 -0.01133 0.17778 C -0.01263 0.17801 -0.0138 0.1787 -0.01497 0.17917 L -0.0293 0.17778 C -0.03021 0.17732 -0.02956 0.17431 -0.02995 0.17269 C -0.03034 0.17107 -0.0332 0.16482 -0.03359 0.16389 C -0.03724 0.15324 -0.0332 0.16366 -0.03568 0.15486 C -0.03607 0.15347 -0.03659 0.15232 -0.03711 0.15116 C -0.03867 0.14722 -0.04206 0.13958 -0.04206 0.13982 C -0.04349 0.13333 -0.04505 0.12616 -0.04714 0.1206 L -0.04857 0.1169 C -0.04961 0.11088 -0.05026 0.1088 -0.05065 0.10278 C -0.05299 0.07222 -0.05013 0.10347 -0.05208 0.08241 C -0.05182 0.06644 -0.05182 0.05023 -0.05143 0.03426 C -0.0513 0.03241 -0.05104 0.03079 -0.05065 0.02917 C -0.05026 0.02732 -0.04974 0.0257 -0.04922 0.02407 C -0.04896 0.02153 -0.04896 0.01898 -0.04857 0.01644 C -0.04753 0.01111 -0.04414 0.00208 -0.04206 -0.00139 C -0.04167 -0.00208 -0.04115 -0.00301 -0.04063 -0.00393 C -0.03997 -0.00555 -0.03932 -0.00741 -0.03854 -0.00903 C -0.03659 -0.0125 -0.03294 -0.01643 -0.03073 -0.01921 L -0.02852 -0.02176 C -0.02786 -0.02245 -0.02721 -0.02384 -0.02643 -0.0243 L -0.02135 -0.02685 C -0.0207 -0.02708 -0.01992 -0.02778 -0.01927 -0.02801 C -0.0181 -0.02847 -0.0168 -0.02893 -0.01563 -0.02917 C -0.00521 -0.02847 0.00534 -0.02824 0.01576 -0.02685 C 0.02917 -0.02477 0.01654 -0.02593 0.02214 -0.02176 C 0.02331 -0.02083 0.02461 -0.02083 0.02578 -0.02037 C 0.02721 -0.01875 0.02852 -0.0169 0.03008 -0.01528 C 0.03607 -0.00949 0.02734 -0.02639 0.03932 -0.00509 C 0.04049 -0.00301 0.04167 -0.00069 0.04297 0.00116 C 0.04362 0.00232 0.0444 0.00278 0.04505 0.0037 C 0.04596 0.00486 0.04701 0.00625 0.04792 0.00764 C 0.04818 0.0088 0.04818 0.01019 0.04857 0.01134 C 0.04987 0.01505 0.05286 0.02153 0.05286 0.02176 C 0.05312 0.02292 0.05339 0.02407 0.05365 0.02523 C 0.05469 0.02986 0.05508 0.03032 0.05651 0.03426 C 0.05677 0.03681 0.0569 0.03935 0.05716 0.0419 C 0.05872 0.05417 0.05703 0.03565 0.05859 0.0507 C 0.05898 0.0537 0.05911 0.05671 0.05937 0.05972 C 0.05911 0.06759 0.05951 0.07593 0.05859 0.0838 C 0.05781 0.09097 0.05599 0.09051 0.05365 0.09398 C 0.05286 0.09514 0.05208 0.0963 0.05143 0.09769 C 0.05091 0.09884 0.05065 0.10046 0.05 0.10162 C 0.04831 0.1044 0.04583 0.10579 0.0444 0.10926 C 0.04362 0.11088 0.0431 0.11273 0.04219 0.11435 C 0.04206 0.11458 0.0362 0.12245 0.03437 0.12454 C 0.03346 0.12546 0.03242 0.12639 0.03151 0.12685 C 0.02982 0.12801 0.02812 0.1287 0.02643 0.1294 C 0.02578 0.12986 0.025 0.13032 0.02435 0.13079 C 0.02331 0.13148 0.02253 0.13264 0.02148 0.13333 C 0.01536 0.13773 0.01927 0.13449 0.01367 0.13704 C 0.00495 0.1412 0.01393 0.13843 0.0043 0.14097 C -0.00052 0.14375 0.00534 0.14051 -0.00286 0.14352 C -0.00352 0.14375 -0.0043 0.14421 -0.00495 0.14468 C -0.01016 0.14421 -0.01549 0.14468 -0.0207 0.14352 C -0.02148 0.14329 -0.02201 0.14167 -0.02279 0.14097 C -0.02813 0.13681 -0.02578 0.14028 -0.02995 0.13588 C -0.03138 0.13426 -0.03281 0.13241 -0.03424 0.13079 C -0.03542 0.1294 -0.03672 0.12824 -0.03776 0.12685 C -0.0474 0.11551 -0.0418 0.12083 -0.04779 0.11551 C -0.04831 0.11435 -0.0487 0.11296 -0.04922 0.11181 C -0.05443 0.10116 -0.04987 0.11273 -0.05495 0.10023 C -0.05599 0.09792 -0.05729 0.0956 -0.05781 0.09259 C -0.06029 0.07986 -0.05651 0.09977 -0.05924 0.0838 C -0.06185 0.06829 -0.05977 0.08287 -0.06133 0.07107 C -0.06094 0.06296 -0.06081 0.05486 -0.06003 0.04699 C -0.05977 0.04491 -0.05703 0.04028 -0.05638 0.03935 C -0.05573 0.03843 -0.05495 0.0375 -0.0543 0.03681 C -0.04857 0.03125 -0.04857 0.03218 -0.04063 0.02917 C -0.03919 0.0287 -0.03776 0.02824 -0.03633 0.02778 L 0.00365 0.02917 C 0.00456 0.02917 0.00547 0.03009 0.00651 0.03032 C 0.0082 0.03102 0.0112 0.03195 0.01289 0.03287 C 0.02031 0.03727 0.01341 0.03333 0.01862 0.03796 C 0.01927 0.03866 0.02005 0.03889 0.0207 0.03935 C 0.02174 0.04097 0.02253 0.04306 0.02357 0.04445 C 0.02448 0.0456 0.02565 0.04583 0.02643 0.04699 C 0.02708 0.04792 0.02734 0.04954 0.02786 0.0507 C 0.02839 0.05162 0.02878 0.05255 0.0293 0.05324 C 0.02995 0.05417 0.03086 0.05486 0.03151 0.05579 C 0.03255 0.05741 0.03333 0.05926 0.03437 0.06088 L 0.0401 0.07107 L 0.04505 0.07986 C 0.04622 0.08171 0.04857 0.08472 0.05 0.08634 C 0.05104 0.08727 0.05208 0.08773 0.05286 0.08889 C 0.05352 0.08958 0.05378 0.09074 0.0543 0.09144 C 0.05573 0.09282 0.05977 0.09352 0.06081 0.09398 C 0.06146 0.09421 0.06224 0.09468 0.06289 0.09514 C 0.06406 0.09491 0.0694 0.09468 0.07148 0.09259 C 0.07305 0.0912 0.07578 0.0875 0.07578 0.08773 C 0.07604 0.08634 0.07656 0.08519 0.07643 0.0838 C 0.07604 0.07732 0.07552 0.07708 0.07357 0.07361 L 0.07292 0.06991 " pathEditMode="relative" rAng="0" ptsTypes="AAAAAAAAAAAAAAAAAAAAAAAAAAAAAAAAAAAAAAAAAAAAAAAAAAAAAAAAAAAAAAAAAAAAAAAAAAAAAAAAAAAAAAAAAAAAAAAAAAAAAAAAAAAAAAAAAAAAAAAAAAAAAAAAAAAAAAAAAAAAAAAAAAAAAAAAAAAAAAAAAAAAAAAAAAAAAAAAAAAAAAAAAAAAAAAAAAAAAAAAAAAAAAAAA">
                                       <p:cBhvr>
-                                        <p:cTn id="6" dur="5000" fill="hold"/>
+                                        <p:cTn id="12" dur="5000" fill="hold"/>
                                         <p:tgtEl>
                                           <p:spTgt spid="7"/>
                                         </p:tgtEl>
@@ -14377,6 +14539,105 @@
                                       </p:cBhvr>
                                       <p:rCtr x="755" y="7500"/>
                                     </p:animMotion>
+                                  </p:childTnLst>
+                                </p:cTn>
+                              </p:par>
+                            </p:childTnLst>
+                          </p:cTn>
+                        </p:par>
+                      </p:childTnLst>
+                    </p:cTn>
+                  </p:par>
+                  <p:par>
+                    <p:cTn id="13" fill="hold">
+                      <p:stCondLst>
+                        <p:cond delay="indefinite"/>
+                      </p:stCondLst>
+                      <p:childTnLst>
+                        <p:par>
+                          <p:cTn id="14" fill="hold">
+                            <p:stCondLst>
+                              <p:cond delay="0"/>
+                            </p:stCondLst>
+                            <p:childTnLst>
+                              <p:par>
+                                <p:cTn id="15" presetID="1" presetClass="entr" presetSubtype="0" fill="hold" grpId="0" nodeType="clickEffect">
+                                  <p:stCondLst>
+                                    <p:cond delay="0"/>
+                                  </p:stCondLst>
+                                  <p:childTnLst>
+                                    <p:set>
+                                      <p:cBhvr>
+                                        <p:cTn id="16" dur="1" fill="hold">
+                                          <p:stCondLst>
+                                            <p:cond delay="0"/>
+                                          </p:stCondLst>
+                                        </p:cTn>
+                                        <p:tgtEl>
+                                          <p:spTgt spid="14"/>
+                                        </p:tgtEl>
+                                        <p:attrNameLst>
+                                          <p:attrName>style.visibility</p:attrName>
+                                        </p:attrNameLst>
+                                      </p:cBhvr>
+                                      <p:to>
+                                        <p:strVal val="visible"/>
+                                      </p:to>
+                                    </p:set>
+                                  </p:childTnLst>
+                                </p:cTn>
+                              </p:par>
+                              <p:par>
+                                <p:cTn id="17" presetID="1" presetClass="entr" presetSubtype="0" fill="hold" grpId="0" nodeType="withEffect">
+                                  <p:stCondLst>
+                                    <p:cond delay="0"/>
+                                  </p:stCondLst>
+                                  <p:childTnLst>
+                                    <p:set>
+                                      <p:cBhvr>
+                                        <p:cTn id="18" dur="1" fill="hold">
+                                          <p:stCondLst>
+                                            <p:cond delay="0"/>
+                                          </p:stCondLst>
+                                        </p:cTn>
+                                        <p:tgtEl>
+                                          <p:spTgt spid="15"/>
+                                        </p:tgtEl>
+                                        <p:attrNameLst>
+                                          <p:attrName>style.visibility</p:attrName>
+                                        </p:attrNameLst>
+                                      </p:cBhvr>
+                                      <p:to>
+                                        <p:strVal val="visible"/>
+                                      </p:to>
+                                    </p:set>
+                                  </p:childTnLst>
+                                </p:cTn>
+                              </p:par>
+                              <p:par>
+                                <p:cTn id="19" presetID="1" presetClass="entr" presetSubtype="0" fill="hold" nodeType="withEffect">
+                                  <p:stCondLst>
+                                    <p:cond delay="0"/>
+                                  </p:stCondLst>
+                                  <p:childTnLst>
+                                    <p:set>
+                                      <p:cBhvr>
+                                        <p:cTn id="20" dur="1" fill="hold">
+                                          <p:stCondLst>
+                                            <p:cond delay="0"/>
+                                          </p:stCondLst>
+                                        </p:cTn>
+                                        <p:tgtEl>
+                                          <p:spTgt spid="19"/>
+                                        </p:tgtEl>
+                                        <p:attrNameLst>
+                                          <p:attrName>style.visibility</p:attrName>
+                                        </p:attrNameLst>
+                                      </p:cBhvr>
+                                      <p:to>
+                                        <p:strVal val="visible"/>
+                                      </p:to>
+                                    </p:set>
                                   </p:childTnLst>
                                 </p:cTn>
                               </p:par>
@@ -14407,6 +14668,12 @@
         </p:cTn>
       </p:par>
     </p:tnLst>
+    <p:bldLst>
+      <p:bldP spid="8" grpId="0"/>
+      <p:bldP spid="13" grpId="0"/>
+      <p:bldP spid="14" grpId="0"/>
+      <p:bldP spid="15" grpId="0"/>
+    </p:bldLst>
   </p:timing>
 </p:sld>
 </file>
@@ -14880,9 +15147,153 @@
   <p:timing>
     <p:tnLst>
       <p:par>
-        <p:cTn id="1" dur="indefinite" restart="never" nodeType="tmRoot"/>
+        <p:cTn id="1" dur="indefinite" restart="never" nodeType="tmRoot">
+          <p:childTnLst>
+            <p:seq concurrent="1" nextAc="seek">
+              <p:cTn id="2" dur="indefinite" nodeType="mainSeq">
+                <p:childTnLst>
+                  <p:par>
+                    <p:cTn id="3" fill="hold">
+                      <p:stCondLst>
+                        <p:cond delay="indefinite"/>
+                      </p:stCondLst>
+                      <p:childTnLst>
+                        <p:par>
+                          <p:cTn id="4" fill="hold">
+                            <p:stCondLst>
+                              <p:cond delay="0"/>
+                            </p:stCondLst>
+                            <p:childTnLst>
+                              <p:par>
+                                <p:cTn id="5" presetID="1" presetClass="entr" presetSubtype="0" fill="hold" grpId="0" nodeType="clickEffect">
+                                  <p:stCondLst>
+                                    <p:cond delay="0"/>
+                                  </p:stCondLst>
+                                  <p:childTnLst>
+                                    <p:set>
+                                      <p:cBhvr>
+                                        <p:cTn id="6" dur="1" fill="hold">
+                                          <p:stCondLst>
+                                            <p:cond delay="0"/>
+                                          </p:stCondLst>
+                                        </p:cTn>
+                                        <p:tgtEl>
+                                          <p:spTgt spid="16"/>
+                                        </p:tgtEl>
+                                        <p:attrNameLst>
+                                          <p:attrName>style.visibility</p:attrName>
+                                        </p:attrNameLst>
+                                      </p:cBhvr>
+                                      <p:to>
+                                        <p:strVal val="visible"/>
+                                      </p:to>
+                                    </p:set>
+                                  </p:childTnLst>
+                                </p:cTn>
+                              </p:par>
+                            </p:childTnLst>
+                          </p:cTn>
+                        </p:par>
+                      </p:childTnLst>
+                    </p:cTn>
+                  </p:par>
+                  <p:par>
+                    <p:cTn id="7" fill="hold">
+                      <p:stCondLst>
+                        <p:cond delay="indefinite"/>
+                      </p:stCondLst>
+                      <p:childTnLst>
+                        <p:par>
+                          <p:cTn id="8" fill="hold">
+                            <p:stCondLst>
+                              <p:cond delay="0"/>
+                            </p:stCondLst>
+                            <p:childTnLst>
+                              <p:par>
+                                <p:cTn id="9" presetID="1" presetClass="entr" presetSubtype="0" fill="hold" grpId="0" nodeType="clickEffect">
+                                  <p:stCondLst>
+                                    <p:cond delay="0"/>
+                                  </p:stCondLst>
+                                  <p:childTnLst>
+                                    <p:set>
+                                      <p:cBhvr>
+                                        <p:cTn id="10" dur="1" fill="hold">
+                                          <p:stCondLst>
+                                            <p:cond delay="0"/>
+                                          </p:stCondLst>
+                                        </p:cTn>
+                                        <p:tgtEl>
+                                          <p:spTgt spid="15"/>
+                                        </p:tgtEl>
+                                        <p:attrNameLst>
+                                          <p:attrName>style.visibility</p:attrName>
+                                        </p:attrNameLst>
+                                      </p:cBhvr>
+                                      <p:to>
+                                        <p:strVal val="visible"/>
+                                      </p:to>
+                                    </p:set>
+                                  </p:childTnLst>
+                                </p:cTn>
+                              </p:par>
+                              <p:par>
+                                <p:cTn id="11" presetID="1" presetClass="entr" presetSubtype="0" fill="hold" nodeType="withEffect">
+                                  <p:stCondLst>
+                                    <p:cond delay="0"/>
+                                  </p:stCondLst>
+                                  <p:childTnLst>
+                                    <p:set>
+                                      <p:cBhvr>
+                                        <p:cTn id="12" dur="1" fill="hold">
+                                          <p:stCondLst>
+                                            <p:cond delay="0"/>
+                                          </p:stCondLst>
+                                        </p:cTn>
+                                        <p:tgtEl>
+                                          <p:spTgt spid="13"/>
+                                        </p:tgtEl>
+                                        <p:attrNameLst>
+                                          <p:attrName>style.visibility</p:attrName>
+                                        </p:attrNameLst>
+                                      </p:cBhvr>
+                                      <p:to>
+                                        <p:strVal val="visible"/>
+                                      </p:to>
+                                    </p:set>
+                                  </p:childTnLst>
+                                </p:cTn>
+                              </p:par>
+                            </p:childTnLst>
+                          </p:cTn>
+                        </p:par>
+                      </p:childTnLst>
+                    </p:cTn>
+                  </p:par>
+                </p:childTnLst>
+              </p:cTn>
+              <p:prevCondLst>
+                <p:cond evt="onPrev" delay="0">
+                  <p:tgtEl>
+                    <p:sldTgt/>
+                  </p:tgtEl>
+                </p:cond>
+              </p:prevCondLst>
+              <p:nextCondLst>
+                <p:cond evt="onNext" delay="0">
+                  <p:tgtEl>
+                    <p:sldTgt/>
+                  </p:tgtEl>
+                </p:cond>
+              </p:nextCondLst>
+            </p:seq>
+          </p:childTnLst>
+        </p:cTn>
       </p:par>
     </p:tnLst>
+    <p:bldLst>
+      <p:bldP spid="15" grpId="0"/>
+      <p:bldP spid="16" grpId="0"/>
+    </p:bldLst>
   </p:timing>
 </p:sld>
 </file>
@@ -15083,7 +15494,7 @@
         </p:nvGrpSpPr>
         <p:grpSpPr>
           <a:xfrm>
-            <a:off x="6487269" y="3342091"/>
+            <a:off x="6487269" y="3291167"/>
             <a:ext cx="4866531" cy="1654628"/>
             <a:chOff x="1194610" y="3051462"/>
             <a:chExt cx="9524058" cy="3304888"/>
@@ -15303,8 +15714,8 @@
           </a:p>
         </p:txBody>
       </p:sp>
-      <mc:AlternateContent xmlns:mc="http://schemas.openxmlformats.org/markup-compatibility/2006">
-        <mc:Choice xmlns:a14="http://schemas.microsoft.com/office/drawing/2010/main" Requires="a14">
+      <mc:AlternateContent xmlns:mc="http://schemas.openxmlformats.org/markup-compatibility/2006" xmlns:a14="http://schemas.microsoft.com/office/drawing/2010/main">
+        <mc:Choice Requires="a14">
           <p:sp>
             <p:nvSpPr>
               <p:cNvPr id="13" name="文字方塊 12"/>
@@ -15375,7 +15786,7 @@
             </p:txBody>
           </p:sp>
         </mc:Choice>
-        <mc:Fallback>
+        <mc:Fallback xmlns="">
           <p:sp>
             <p:nvSpPr>
               <p:cNvPr id="13" name="文字方塊 12"/>
@@ -15414,8 +15825,8 @@
           </p:sp>
         </mc:Fallback>
       </mc:AlternateContent>
-      <mc:AlternateContent xmlns:mc="http://schemas.openxmlformats.org/markup-compatibility/2006">
-        <mc:Choice xmlns:a14="http://schemas.microsoft.com/office/drawing/2010/main" Requires="a14">
+      <mc:AlternateContent xmlns:mc="http://schemas.openxmlformats.org/markup-compatibility/2006" xmlns:a14="http://schemas.microsoft.com/office/drawing/2010/main">
+        <mc:Choice Requires="a14">
           <p:sp>
             <p:nvSpPr>
               <p:cNvPr id="14" name="文字方塊 13"/>
@@ -15794,7 +16205,7 @@
             </p:txBody>
           </p:sp>
         </mc:Choice>
-        <mc:Fallback>
+        <mc:Fallback xmlns="">
           <p:sp>
             <p:nvSpPr>
               <p:cNvPr id="14" name="文字方塊 13"/>
@@ -15843,7 +16254,7 @@
             </p:nvSpPr>
             <p:spPr>
               <a:xfrm>
-                <a:off x="818855" y="3518263"/>
+                <a:off x="818855" y="3523433"/>
                 <a:ext cx="2626616" cy="369332"/>
               </a:xfrm>
               <a:prstGeom prst="rect">
@@ -15926,7 +16337,7 @@
             </p:nvSpPr>
             <p:spPr>
               <a:xfrm>
-                <a:off x="818855" y="3518263"/>
+                <a:off x="818855" y="3523433"/>
                 <a:ext cx="2626616" cy="369332"/>
               </a:xfrm>
               <a:prstGeom prst="rect">
@@ -15935,7 +16346,7 @@
               <a:blipFill>
                 <a:blip r:embed="rId6"/>
                 <a:stretch>
-                  <a:fillRect l="-1856" t="-8197" b="-24590"/>
+                  <a:fillRect l="-1856" t="-9836" b="-24590"/>
                 </a:stretch>
               </a:blipFill>
             </p:spPr>
@@ -15954,8 +16365,8 @@
           </p:sp>
         </mc:Fallback>
       </mc:AlternateContent>
-      <mc:AlternateContent xmlns:mc="http://schemas.openxmlformats.org/markup-compatibility/2006">
-        <mc:Choice xmlns:a14="http://schemas.microsoft.com/office/drawing/2010/main" Requires="a14">
+      <mc:AlternateContent xmlns:mc="http://schemas.openxmlformats.org/markup-compatibility/2006" xmlns:a14="http://schemas.microsoft.com/office/drawing/2010/main">
+        <mc:Choice Requires="a14">
           <p:sp>
             <p:nvSpPr>
               <p:cNvPr id="3" name="文字方塊 2"/>
@@ -15989,14 +16400,14 @@
                       <m:sSubPr>
                         <m:ctrlPr>
                           <a:rPr lang="en-US" altLang="zh-TW" b="0" i="1" smtClean="0">
-                            <a:latin typeface="Time "/>
+                            <a:latin typeface="Cambria Math" panose="02040503050406030204" pitchFamily="18" charset="0"/>
                           </a:rPr>
                         </m:ctrlPr>
                       </m:sSubPr>
                       <m:e>
                         <m:r>
                           <a:rPr lang="en-US" altLang="zh-TW" b="0" i="1" smtClean="0">
-                            <a:latin typeface="Time "/>
+                            <a:latin typeface="Cambria Math" panose="02040503050406030204" pitchFamily="18" charset="0"/>
                           </a:rPr>
                           <m:t>𝐷</m:t>
                         </m:r>
@@ -16004,7 +16415,7 @@
                       <m:sub>
                         <m:r>
                           <a:rPr lang="en-US" altLang="zh-TW" b="0" i="1" smtClean="0">
-                            <a:latin typeface="Time "/>
+                            <a:latin typeface="Cambria Math" panose="02040503050406030204" pitchFamily="18" charset="0"/>
                           </a:rPr>
                           <m:t>𝑟</m:t>
                         </m:r>
@@ -16012,7 +16423,7 @@
                     </m:sSub>
                     <m:r>
                       <a:rPr lang="en-US" altLang="zh-TW" b="0" i="1" smtClean="0">
-                        <a:latin typeface="Time "/>
+                        <a:latin typeface="Cambria Math" panose="02040503050406030204" pitchFamily="18" charset="0"/>
                       </a:rPr>
                       <m:t>=</m:t>
                     </m:r>
@@ -16020,7 +16431,7 @@
                       <m:fPr>
                         <m:ctrlPr>
                           <a:rPr lang="en-US" altLang="zh-TW" b="0" i="1" smtClean="0">
-                            <a:latin typeface="Time "/>
+                            <a:latin typeface="Cambria Math" panose="02040503050406030204" pitchFamily="18" charset="0"/>
                           </a:rPr>
                         </m:ctrlPr>
                       </m:fPr>
@@ -16029,14 +16440,14 @@
                           <m:sSubPr>
                             <m:ctrlPr>
                               <a:rPr lang="en-US" altLang="zh-TW" b="0" i="1" smtClean="0">
-                                <a:latin typeface="Time "/>
+                                <a:latin typeface="Cambria Math" panose="02040503050406030204" pitchFamily="18" charset="0"/>
                               </a:rPr>
                             </m:ctrlPr>
                           </m:sSubPr>
                           <m:e>
                             <m:r>
                               <a:rPr lang="en-US" altLang="zh-TW" b="0" i="1" smtClean="0">
-                                <a:latin typeface="Time "/>
+                                <a:latin typeface="Cambria Math" panose="02040503050406030204" pitchFamily="18" charset="0"/>
                               </a:rPr>
                               <m:t>𝑂</m:t>
                             </m:r>
@@ -16044,7 +16455,7 @@
                           <m:sub>
                             <m:r>
                               <a:rPr lang="en-US" altLang="zh-TW" b="0" i="1" smtClean="0">
-                                <a:latin typeface="Time "/>
+                                <a:latin typeface="Cambria Math" panose="02040503050406030204" pitchFamily="18" charset="0"/>
                               </a:rPr>
                               <m:t>𝐷</m:t>
                             </m:r>
@@ -16052,7 +16463,7 @@
                         </m:sSub>
                         <m:r>
                           <a:rPr lang="en-US" altLang="zh-TW" b="0" i="1" smtClean="0">
-                            <a:latin typeface="Time "/>
+                            <a:latin typeface="Cambria Math" panose="02040503050406030204" pitchFamily="18" charset="0"/>
                           </a:rPr>
                           <m:t>×100</m:t>
                         </m:r>
@@ -16062,14 +16473,14 @@
                           <m:sSubPr>
                             <m:ctrlPr>
                               <a:rPr lang="en-US" altLang="zh-TW" b="0" i="1" smtClean="0">
-                                <a:latin typeface="Time "/>
+                                <a:latin typeface="Cambria Math" panose="02040503050406030204" pitchFamily="18" charset="0"/>
                               </a:rPr>
                             </m:ctrlPr>
                           </m:sSubPr>
                           <m:e>
                             <m:r>
                               <a:rPr lang="en-US" altLang="zh-TW" b="0" i="1" smtClean="0">
-                                <a:latin typeface="Time "/>
+                                <a:latin typeface="Cambria Math" panose="02040503050406030204" pitchFamily="18" charset="0"/>
                               </a:rPr>
                               <m:t>𝑇</m:t>
                             </m:r>
@@ -16077,7 +16488,7 @@
                           <m:sub>
                             <m:r>
                               <a:rPr lang="en-US" altLang="zh-TW" b="0" i="1" smtClean="0">
-                                <a:latin typeface="Time "/>
+                                <a:latin typeface="Cambria Math" panose="02040503050406030204" pitchFamily="18" charset="0"/>
                               </a:rPr>
                               <m:t>𝐷</m:t>
                             </m:r>
@@ -16122,14 +16533,14 @@
                       <m:sSubPr>
                         <m:ctrlPr>
                           <a:rPr lang="en-US" altLang="zh-TW" b="0" i="1" smtClean="0">
-                            <a:latin typeface="Time "/>
+                            <a:latin typeface="Cambria Math" panose="02040503050406030204" pitchFamily="18" charset="0"/>
                           </a:rPr>
                         </m:ctrlPr>
                       </m:sSubPr>
                       <m:e>
                         <m:r>
                           <a:rPr lang="en-US" altLang="zh-TW" b="0" i="1" smtClean="0">
-                            <a:latin typeface="Time "/>
+                            <a:latin typeface="Cambria Math" panose="02040503050406030204" pitchFamily="18" charset="0"/>
                           </a:rPr>
                           <m:t>𝑂</m:t>
                         </m:r>
@@ -16137,7 +16548,7 @@
                       <m:sub>
                         <m:r>
                           <a:rPr lang="en-US" altLang="zh-TW" b="0" i="1" smtClean="0">
-                            <a:latin typeface="Time "/>
+                            <a:latin typeface="Cambria Math" panose="02040503050406030204" pitchFamily="18" charset="0"/>
                           </a:rPr>
                           <m:t>𝐷</m:t>
                         </m:r>
@@ -16227,7 +16638,7 @@
             </p:txBody>
           </p:sp>
         </mc:Choice>
-        <mc:Fallback>
+        <mc:Fallback xmlns="">
           <p:sp>
             <p:nvSpPr>
               <p:cNvPr id="3" name="文字方塊 2"/>
@@ -16279,9 +16690,200 @@
   <p:timing>
     <p:tnLst>
       <p:par>
-        <p:cTn id="1" dur="indefinite" restart="never" nodeType="tmRoot"/>
+        <p:cTn id="1" dur="indefinite" restart="never" nodeType="tmRoot">
+          <p:childTnLst>
+            <p:seq concurrent="1" nextAc="seek">
+              <p:cTn id="2" dur="indefinite" nodeType="mainSeq">
+                <p:childTnLst>
+                  <p:par>
+                    <p:cTn id="3" fill="hold">
+                      <p:stCondLst>
+                        <p:cond delay="indefinite"/>
+                      </p:stCondLst>
+                      <p:childTnLst>
+                        <p:par>
+                          <p:cTn id="4" fill="hold">
+                            <p:stCondLst>
+                              <p:cond delay="0"/>
+                            </p:stCondLst>
+                            <p:childTnLst>
+                              <p:par>
+                                <p:cTn id="5" presetID="1" presetClass="entr" presetSubtype="0" fill="hold" grpId="0" nodeType="clickEffect">
+                                  <p:stCondLst>
+                                    <p:cond delay="0"/>
+                                  </p:stCondLst>
+                                  <p:childTnLst>
+                                    <p:set>
+                                      <p:cBhvr>
+                                        <p:cTn id="6" dur="1" fill="hold">
+                                          <p:stCondLst>
+                                            <p:cond delay="0"/>
+                                          </p:stCondLst>
+                                        </p:cTn>
+                                        <p:tgtEl>
+                                          <p:spTgt spid="13"/>
+                                        </p:tgtEl>
+                                        <p:attrNameLst>
+                                          <p:attrName>style.visibility</p:attrName>
+                                        </p:attrNameLst>
+                                      </p:cBhvr>
+                                      <p:to>
+                                        <p:strVal val="visible"/>
+                                      </p:to>
+                                    </p:set>
+                                  </p:childTnLst>
+                                </p:cTn>
+                              </p:par>
+                            </p:childTnLst>
+                          </p:cTn>
+                        </p:par>
+                        <p:par>
+                          <p:cTn id="7" fill="hold">
+                            <p:stCondLst>
+                              <p:cond delay="0"/>
+                            </p:stCondLst>
+                            <p:childTnLst>
+                              <p:par>
+                                <p:cTn id="8" presetID="1" presetClass="entr" presetSubtype="0" fill="hold" grpId="0" nodeType="afterEffect">
+                                  <p:stCondLst>
+                                    <p:cond delay="0"/>
+                                  </p:stCondLst>
+                                  <p:childTnLst>
+                                    <p:set>
+                                      <p:cBhvr>
+                                        <p:cTn id="9" dur="1" fill="hold">
+                                          <p:stCondLst>
+                                            <p:cond delay="0"/>
+                                          </p:stCondLst>
+                                        </p:cTn>
+                                        <p:tgtEl>
+                                          <p:spTgt spid="14"/>
+                                        </p:tgtEl>
+                                        <p:attrNameLst>
+                                          <p:attrName>style.visibility</p:attrName>
+                                        </p:attrNameLst>
+                                      </p:cBhvr>
+                                      <p:to>
+                                        <p:strVal val="visible"/>
+                                      </p:to>
+                                    </p:set>
+                                  </p:childTnLst>
+                                </p:cTn>
+                              </p:par>
+                            </p:childTnLst>
+                          </p:cTn>
+                        </p:par>
+                      </p:childTnLst>
+                    </p:cTn>
+                  </p:par>
+                  <p:par>
+                    <p:cTn id="10" fill="hold">
+                      <p:stCondLst>
+                        <p:cond delay="indefinite"/>
+                      </p:stCondLst>
+                      <p:childTnLst>
+                        <p:par>
+                          <p:cTn id="11" fill="hold">
+                            <p:stCondLst>
+                              <p:cond delay="0"/>
+                            </p:stCondLst>
+                            <p:childTnLst>
+                              <p:par>
+                                <p:cTn id="12" presetID="1" presetClass="entr" presetSubtype="0" fill="hold" grpId="0" nodeType="clickEffect">
+                                  <p:stCondLst>
+                                    <p:cond delay="0"/>
+                                  </p:stCondLst>
+                                  <p:childTnLst>
+                                    <p:set>
+                                      <p:cBhvr>
+                                        <p:cTn id="13" dur="1" fill="hold">
+                                          <p:stCondLst>
+                                            <p:cond delay="0"/>
+                                          </p:stCondLst>
+                                        </p:cTn>
+                                        <p:tgtEl>
+                                          <p:spTgt spid="2"/>
+                                        </p:tgtEl>
+                                        <p:attrNameLst>
+                                          <p:attrName>style.visibility</p:attrName>
+                                        </p:attrNameLst>
+                                      </p:cBhvr>
+                                      <p:to>
+                                        <p:strVal val="visible"/>
+                                      </p:to>
+                                    </p:set>
+                                  </p:childTnLst>
+                                </p:cTn>
+                              </p:par>
+                            </p:childTnLst>
+                          </p:cTn>
+                        </p:par>
+                        <p:par>
+                          <p:cTn id="14" fill="hold">
+                            <p:stCondLst>
+                              <p:cond delay="0"/>
+                            </p:stCondLst>
+                            <p:childTnLst>
+                              <p:par>
+                                <p:cTn id="15" presetID="1" presetClass="entr" presetSubtype="0" fill="hold" grpId="0" nodeType="afterEffect">
+                                  <p:stCondLst>
+                                    <p:cond delay="0"/>
+                                  </p:stCondLst>
+                                  <p:childTnLst>
+                                    <p:set>
+                                      <p:cBhvr>
+                                        <p:cTn id="16" dur="1" fill="hold">
+                                          <p:stCondLst>
+                                            <p:cond delay="0"/>
+                                          </p:stCondLst>
+                                        </p:cTn>
+                                        <p:tgtEl>
+                                          <p:spTgt spid="3"/>
+                                        </p:tgtEl>
+                                        <p:attrNameLst>
+                                          <p:attrName>style.visibility</p:attrName>
+                                        </p:attrNameLst>
+                                      </p:cBhvr>
+                                      <p:to>
+                                        <p:strVal val="visible"/>
+                                      </p:to>
+                                    </p:set>
+                                  </p:childTnLst>
+                                </p:cTn>
+                              </p:par>
+                            </p:childTnLst>
+                          </p:cTn>
+                        </p:par>
+                      </p:childTnLst>
+                    </p:cTn>
+                  </p:par>
+                </p:childTnLst>
+              </p:cTn>
+              <p:prevCondLst>
+                <p:cond evt="onPrev" delay="0">
+                  <p:tgtEl>
+                    <p:sldTgt/>
+                  </p:tgtEl>
+                </p:cond>
+              </p:prevCondLst>
+              <p:nextCondLst>
+                <p:cond evt="onNext" delay="0">
+                  <p:tgtEl>
+                    <p:sldTgt/>
+                  </p:tgtEl>
+                </p:cond>
+              </p:nextCondLst>
+            </p:seq>
+          </p:childTnLst>
+        </p:cTn>
       </p:par>
     </p:tnLst>
+    <p:bldLst>
+      <p:bldP spid="13" grpId="0"/>
+      <p:bldP spid="14" grpId="0"/>
+      <p:bldP spid="2" grpId="0"/>
+      <p:bldP spid="3" grpId="0"/>
+    </p:bldLst>
   </p:timing>
 </p:sld>
 </file>
@@ -16483,7 +17085,7 @@
           <p:nvPr>
             <p:extLst>
               <p:ext uri="{D42A27DB-BD31-4B8C-83A1-F6EECF244321}">
-                <p14:modId xmlns:p14="http://schemas.microsoft.com/office/powerpoint/2010/main" val="2461746657"/>
+                <p14:modId xmlns:p14="http://schemas.microsoft.com/office/powerpoint/2010/main" val="262389598"/>
               </p:ext>
             </p:extLst>
           </p:nvPr>
@@ -16764,7 +17366,7 @@
                           <a:latin typeface="Times New Roman" panose="02020603050405020304" pitchFamily="18" charset="0"/>
                           <a:cs typeface="Times New Roman" panose="02020603050405020304" pitchFamily="18" charset="0"/>
                         </a:rPr>
-                        <a:t> Software-In-the-Loop(SITL) emulator</a:t>
+                        <a:t> Software-In-the-Loop (SITL) emulator</a:t>
                       </a:r>
                       <a:r>
                         <a:rPr lang="zh-TW" altLang="en-US" baseline="0" dirty="0" smtClean="0">
@@ -17459,8 +18061,8 @@
           </a:p>
         </p:txBody>
       </p:sp>
-      <mc:AlternateContent xmlns:mc="http://schemas.openxmlformats.org/markup-compatibility/2006">
-        <mc:Choice xmlns:a14="http://schemas.microsoft.com/office/drawing/2010/main" Requires="a14">
+      <mc:AlternateContent xmlns:mc="http://schemas.openxmlformats.org/markup-compatibility/2006" xmlns:a14="http://schemas.microsoft.com/office/drawing/2010/main">
+        <mc:Choice Requires="a14">
           <p:sp>
             <p:nvSpPr>
               <p:cNvPr id="30" name="文字方塊 29"/>
@@ -17568,7 +18170,7 @@
             </p:txBody>
           </p:sp>
         </mc:Choice>
-        <mc:Fallback>
+        <mc:Fallback xmlns="">
           <p:sp>
             <p:nvSpPr>
               <p:cNvPr id="30" name="文字方塊 29"/>
@@ -17896,8 +18498,8 @@
           </a:prstGeom>
         </p:spPr>
       </p:pic>
-      <mc:AlternateContent xmlns:mc="http://schemas.openxmlformats.org/markup-compatibility/2006">
-        <mc:Choice xmlns:a14="http://schemas.microsoft.com/office/drawing/2010/main" Requires="a14">
+      <mc:AlternateContent xmlns:mc="http://schemas.openxmlformats.org/markup-compatibility/2006" xmlns:a14="http://schemas.microsoft.com/office/drawing/2010/main">
+        <mc:Choice Requires="a14">
           <p:sp>
             <p:nvSpPr>
               <p:cNvPr id="3" name="文字方塊 2"/>
@@ -17906,8 +18508,8 @@
             </p:nvSpPr>
             <p:spPr>
               <a:xfrm>
-                <a:off x="5858691" y="2182576"/>
-                <a:ext cx="685316" cy="391902"/>
+                <a:off x="5329302" y="1883621"/>
+                <a:ext cx="1818126" cy="741934"/>
               </a:xfrm>
               <a:prstGeom prst="rect">
                 <a:avLst/>
@@ -17920,6 +18522,7 @@
               </a:bodyPr>
               <a:lstStyle/>
               <a:p>
+                <a:pPr/>
                 <a14:m>
                   <m:oMathPara xmlns:m="http://schemas.openxmlformats.org/officeDocument/2006/math">
                     <m:oMathParaPr>
@@ -17929,14 +18532,14 @@
                       <m:sSub>
                         <m:sSubPr>
                           <m:ctrlPr>
-                            <a:rPr lang="en-US" altLang="zh-TW" b="0" i="1" smtClean="0">
+                            <a:rPr lang="en-US" altLang="zh-TW" i="1">
                               <a:latin typeface="Cambria Math" panose="02040503050406030204" pitchFamily="18" charset="0"/>
                             </a:rPr>
                           </m:ctrlPr>
                         </m:sSubPr>
                         <m:e>
                           <m:r>
-                            <a:rPr lang="en-US" altLang="zh-TW" b="0" i="1" smtClean="0">
+                            <a:rPr lang="en-US" altLang="zh-TW" i="1">
                               <a:latin typeface="Cambria Math" panose="02040503050406030204" pitchFamily="18" charset="0"/>
                             </a:rPr>
                             <m:t>𝐶</m:t>
@@ -17944,13 +18547,150 @@
                         </m:e>
                         <m:sub>
                           <m:r>
-                            <a:rPr lang="en-US" altLang="zh-TW" b="0" i="1" smtClean="0">
+                            <a:rPr lang="en-US" altLang="zh-TW" i="1">
                               <a:latin typeface="Cambria Math" panose="02040503050406030204" pitchFamily="18" charset="0"/>
                             </a:rPr>
                             <m:t>𝑎𝑣𝑔</m:t>
                           </m:r>
                         </m:sub>
                       </m:sSub>
+                      <m:r>
+                        <a:rPr lang="en-US" altLang="zh-TW" i="1">
+                          <a:latin typeface="Cambria Math" panose="02040503050406030204" pitchFamily="18" charset="0"/>
+                        </a:rPr>
+                        <m:t>=</m:t>
+                      </m:r>
+                      <m:f>
+                        <m:fPr>
+                          <m:ctrlPr>
+                            <a:rPr lang="en-US" altLang="zh-TW" i="1">
+                              <a:latin typeface="Cambria Math" panose="02040503050406030204" pitchFamily="18" charset="0"/>
+                            </a:rPr>
+                          </m:ctrlPr>
+                        </m:fPr>
+                        <m:num>
+                          <m:nary>
+                            <m:naryPr>
+                              <m:chr m:val="∑"/>
+                              <m:ctrlPr>
+                                <a:rPr lang="en-US" altLang="zh-TW" i="1">
+                                  <a:latin typeface="Cambria Math" panose="02040503050406030204" pitchFamily="18" charset="0"/>
+                                </a:rPr>
+                              </m:ctrlPr>
+                            </m:naryPr>
+                            <m:sub>
+                              <m:r>
+                                <m:rPr>
+                                  <m:brk m:alnAt="23"/>
+                                </m:rPr>
+                                <a:rPr lang="en-US" altLang="zh-TW" i="1">
+                                  <a:latin typeface="Cambria Math" panose="02040503050406030204" pitchFamily="18" charset="0"/>
+                                </a:rPr>
+                                <m:t>𝑖</m:t>
+                              </m:r>
+                              <m:r>
+                                <a:rPr lang="en-US" altLang="zh-TW" i="1">
+                                  <a:latin typeface="Cambria Math" panose="02040503050406030204" pitchFamily="18" charset="0"/>
+                                </a:rPr>
+                                <m:t>=1</m:t>
+                              </m:r>
+                            </m:sub>
+                            <m:sup>
+                              <m:r>
+                                <a:rPr lang="en-US" altLang="zh-TW" i="1">
+                                  <a:latin typeface="Cambria Math" panose="02040503050406030204" pitchFamily="18" charset="0"/>
+                                </a:rPr>
+                                <m:t>𝑁</m:t>
+                              </m:r>
+                              <m:sSub>
+                                <m:sSubPr>
+                                  <m:ctrlPr>
+                                    <a:rPr lang="en-US" altLang="zh-TW" i="1">
+                                      <a:latin typeface="Cambria Math" panose="02040503050406030204" pitchFamily="18" charset="0"/>
+                                    </a:rPr>
+                                  </m:ctrlPr>
+                                </m:sSubPr>
+                                <m:e>
+                                  <m:r>
+                                    <a:rPr lang="en-US" altLang="zh-TW" i="1">
+                                      <a:latin typeface="Cambria Math" panose="02040503050406030204" pitchFamily="18" charset="0"/>
+                                    </a:rPr>
+                                    <m:t>𝑏</m:t>
+                                  </m:r>
+                                </m:e>
+                                <m:sub>
+                                  <m:r>
+                                    <a:rPr lang="en-US" altLang="zh-TW" i="1">
+                                      <a:latin typeface="Cambria Math" panose="02040503050406030204" pitchFamily="18" charset="0"/>
+                                    </a:rPr>
+                                    <m:t>𝑚</m:t>
+                                  </m:r>
+                                </m:sub>
+                              </m:sSub>
+                            </m:sup>
+                            <m:e>
+                              <m:sSub>
+                                <m:sSubPr>
+                                  <m:ctrlPr>
+                                    <a:rPr lang="en-US" altLang="zh-TW" i="1">
+                                      <a:latin typeface="Cambria Math" panose="02040503050406030204" pitchFamily="18" charset="0"/>
+                                    </a:rPr>
+                                  </m:ctrlPr>
+                                </m:sSubPr>
+                                <m:e>
+                                  <m:r>
+                                    <a:rPr lang="en-US" altLang="zh-TW" i="1">
+                                      <a:latin typeface="Cambria Math" panose="02040503050406030204" pitchFamily="18" charset="0"/>
+                                    </a:rPr>
+                                    <m:t>𝑀</m:t>
+                                  </m:r>
+                                </m:e>
+                                <m:sub>
+                                  <m:r>
+                                    <a:rPr lang="en-US" altLang="zh-TW" i="1">
+                                      <a:latin typeface="Cambria Math" panose="02040503050406030204" pitchFamily="18" charset="0"/>
+                                    </a:rPr>
+                                    <m:t>𝑖</m:t>
+                                  </m:r>
+                                </m:sub>
+                              </m:sSub>
+                            </m:e>
+                          </m:nary>
+                        </m:num>
+                        <m:den>
+                          <m:r>
+                            <a:rPr lang="en-US" altLang="zh-TW" i="1">
+                              <a:latin typeface="Cambria Math" panose="02040503050406030204" pitchFamily="18" charset="0"/>
+                            </a:rPr>
+                            <m:t>𝑁</m:t>
+                          </m:r>
+                          <m:sSub>
+                            <m:sSubPr>
+                              <m:ctrlPr>
+                                <a:rPr lang="en-US" altLang="zh-TW" i="1">
+                                  <a:latin typeface="Cambria Math" panose="02040503050406030204" pitchFamily="18" charset="0"/>
+                                </a:rPr>
+                              </m:ctrlPr>
+                            </m:sSubPr>
+                            <m:e>
+                              <m:r>
+                                <a:rPr lang="en-US" altLang="zh-TW" i="1">
+                                  <a:latin typeface="Cambria Math" panose="02040503050406030204" pitchFamily="18" charset="0"/>
+                                </a:rPr>
+                                <m:t>𝑏</m:t>
+                              </m:r>
+                            </m:e>
+                            <m:sub>
+                              <m:r>
+                                <a:rPr lang="en-US" altLang="zh-TW" i="1">
+                                  <a:latin typeface="Cambria Math" panose="02040503050406030204" pitchFamily="18" charset="0"/>
+                                </a:rPr>
+                                <m:t>𝑚</m:t>
+                              </m:r>
+                            </m:sub>
+                          </m:sSub>
+                        </m:den>
+                      </m:f>
                     </m:oMath>
                   </m:oMathPara>
                 </a14:m>
@@ -17959,7 +18699,7 @@
             </p:txBody>
           </p:sp>
         </mc:Choice>
-        <mc:Fallback>
+        <mc:Fallback xmlns="">
           <p:sp>
             <p:nvSpPr>
               <p:cNvPr id="3" name="文字方塊 2"/>
@@ -17970,8 +18710,8 @@
             </p:nvSpPr>
             <p:spPr>
               <a:xfrm>
-                <a:off x="5858691" y="2182576"/>
-                <a:ext cx="685316" cy="391902"/>
+                <a:off x="5329302" y="1883621"/>
+                <a:ext cx="1818126" cy="741934"/>
               </a:xfrm>
               <a:prstGeom prst="rect">
                 <a:avLst/>
@@ -17979,7 +18719,7 @@
               <a:blipFill>
                 <a:blip r:embed="rId3"/>
                 <a:stretch>
-                  <a:fillRect b="-6250"/>
+                  <a:fillRect/>
                 </a:stretch>
               </a:blipFill>
             </p:spPr>
@@ -17998,8 +18738,8 @@
           </p:sp>
         </mc:Fallback>
       </mc:AlternateContent>
-      <mc:AlternateContent xmlns:mc="http://schemas.openxmlformats.org/markup-compatibility/2006">
-        <mc:Choice xmlns:a14="http://schemas.microsoft.com/office/drawing/2010/main" Requires="a14">
+      <mc:AlternateContent xmlns:mc="http://schemas.openxmlformats.org/markup-compatibility/2006" xmlns:a14="http://schemas.microsoft.com/office/drawing/2010/main">
+        <mc:Choice Requires="a14">
           <p:sp>
             <p:nvSpPr>
               <p:cNvPr id="8" name="文字方塊 7"/>
@@ -18008,8 +18748,8 @@
             </p:nvSpPr>
             <p:spPr>
               <a:xfrm>
-                <a:off x="9562011" y="2177735"/>
-                <a:ext cx="488980" cy="369332"/>
+                <a:off x="8897868" y="1925555"/>
+                <a:ext cx="1722010" cy="658065"/>
               </a:xfrm>
               <a:prstGeom prst="rect">
                 <a:avLst/>
@@ -18022,6 +18762,7 @@
               </a:bodyPr>
               <a:lstStyle/>
               <a:p>
+                <a:pPr/>
                 <a14:m>
                   <m:oMathPara xmlns:m="http://schemas.openxmlformats.org/officeDocument/2006/math">
                     <m:oMathParaPr>
@@ -18031,14 +18772,14 @@
                       <m:sSub>
                         <m:sSubPr>
                           <m:ctrlPr>
-                            <a:rPr lang="en-US" altLang="zh-TW" b="0" i="1" smtClean="0">
+                            <a:rPr lang="en-US" altLang="zh-TW" i="1">
                               <a:latin typeface="Cambria Math" panose="02040503050406030204" pitchFamily="18" charset="0"/>
                             </a:rPr>
                           </m:ctrlPr>
                         </m:sSubPr>
                         <m:e>
                           <m:r>
-                            <a:rPr lang="en-US" altLang="zh-TW" b="0" i="1" smtClean="0">
+                            <a:rPr lang="en-US" altLang="zh-TW" i="1">
                               <a:latin typeface="Cambria Math" panose="02040503050406030204" pitchFamily="18" charset="0"/>
                             </a:rPr>
                             <m:t>𝐷</m:t>
@@ -18046,13 +18787,88 @@
                         </m:e>
                         <m:sub>
                           <m:r>
-                            <a:rPr lang="en-US" altLang="zh-TW" b="0" i="1" smtClean="0">
+                            <a:rPr lang="en-US" altLang="zh-TW" i="1">
                               <a:latin typeface="Cambria Math" panose="02040503050406030204" pitchFamily="18" charset="0"/>
                             </a:rPr>
                             <m:t>𝑟</m:t>
                           </m:r>
                         </m:sub>
                       </m:sSub>
+                      <m:r>
+                        <a:rPr lang="en-US" altLang="zh-TW" i="1">
+                          <a:latin typeface="Cambria Math" panose="02040503050406030204" pitchFamily="18" charset="0"/>
+                        </a:rPr>
+                        <m:t>=</m:t>
+                      </m:r>
+                      <m:f>
+                        <m:fPr>
+                          <m:ctrlPr>
+                            <a:rPr lang="en-US" altLang="zh-TW" i="1">
+                              <a:latin typeface="Cambria Math" panose="02040503050406030204" pitchFamily="18" charset="0"/>
+                            </a:rPr>
+                          </m:ctrlPr>
+                        </m:fPr>
+                        <m:num>
+                          <m:sSub>
+                            <m:sSubPr>
+                              <m:ctrlPr>
+                                <a:rPr lang="en-US" altLang="zh-TW" i="1">
+                                  <a:latin typeface="Cambria Math" panose="02040503050406030204" pitchFamily="18" charset="0"/>
+                                </a:rPr>
+                              </m:ctrlPr>
+                            </m:sSubPr>
+                            <m:e>
+                              <m:r>
+                                <a:rPr lang="en-US" altLang="zh-TW" i="1">
+                                  <a:latin typeface="Cambria Math" panose="02040503050406030204" pitchFamily="18" charset="0"/>
+                                </a:rPr>
+                                <m:t>𝑂</m:t>
+                              </m:r>
+                            </m:e>
+                            <m:sub>
+                              <m:r>
+                                <a:rPr lang="en-US" altLang="zh-TW" i="1">
+                                  <a:latin typeface="Cambria Math" panose="02040503050406030204" pitchFamily="18" charset="0"/>
+                                </a:rPr>
+                                <m:t>𝐷</m:t>
+                              </m:r>
+                            </m:sub>
+                          </m:sSub>
+                          <m:r>
+                            <a:rPr lang="en-US" altLang="zh-TW" i="1">
+                              <a:latin typeface="Cambria Math" panose="02040503050406030204" pitchFamily="18" charset="0"/>
+                            </a:rPr>
+                            <m:t>×100</m:t>
+                          </m:r>
+                        </m:num>
+                        <m:den>
+                          <m:sSub>
+                            <m:sSubPr>
+                              <m:ctrlPr>
+                                <a:rPr lang="en-US" altLang="zh-TW" i="1">
+                                  <a:latin typeface="Cambria Math" panose="02040503050406030204" pitchFamily="18" charset="0"/>
+                                </a:rPr>
+                              </m:ctrlPr>
+                            </m:sSubPr>
+                            <m:e>
+                              <m:r>
+                                <a:rPr lang="en-US" altLang="zh-TW" i="1">
+                                  <a:latin typeface="Cambria Math" panose="02040503050406030204" pitchFamily="18" charset="0"/>
+                                </a:rPr>
+                                <m:t>𝑇</m:t>
+                              </m:r>
+                            </m:e>
+                            <m:sub>
+                              <m:r>
+                                <a:rPr lang="en-US" altLang="zh-TW" i="1">
+                                  <a:latin typeface="Cambria Math" panose="02040503050406030204" pitchFamily="18" charset="0"/>
+                                </a:rPr>
+                                <m:t>𝐷</m:t>
+                              </m:r>
+                            </m:sub>
+                          </m:sSub>
+                        </m:den>
+                      </m:f>
                     </m:oMath>
                   </m:oMathPara>
                 </a14:m>
@@ -18061,7 +18877,7 @@
             </p:txBody>
           </p:sp>
         </mc:Choice>
-        <mc:Fallback>
+        <mc:Fallback xmlns="">
           <p:sp>
             <p:nvSpPr>
               <p:cNvPr id="8" name="文字方塊 7"/>
@@ -18072,8 +18888,8 @@
             </p:nvSpPr>
             <p:spPr>
               <a:xfrm>
-                <a:off x="9562011" y="2177735"/>
-                <a:ext cx="488980" cy="369332"/>
+                <a:off x="8897868" y="1925555"/>
+                <a:ext cx="1722010" cy="658065"/>
               </a:xfrm>
               <a:prstGeom prst="rect">
                 <a:avLst/>
@@ -18389,8 +19205,8 @@
           </a:prstGeom>
         </p:spPr>
       </p:pic>
-      <mc:AlternateContent xmlns:mc="http://schemas.openxmlformats.org/markup-compatibility/2006">
-        <mc:Choice xmlns:a14="http://schemas.microsoft.com/office/drawing/2010/main" Requires="a14">
+      <mc:AlternateContent xmlns:mc="http://schemas.openxmlformats.org/markup-compatibility/2006" xmlns:a14="http://schemas.microsoft.com/office/drawing/2010/main">
+        <mc:Choice Requires="a14">
           <p:sp>
             <p:nvSpPr>
               <p:cNvPr id="10" name="文字方塊 9"/>
@@ -18399,8 +19215,8 @@
             </p:nvSpPr>
             <p:spPr>
               <a:xfrm>
-                <a:off x="5876108" y="2112908"/>
-                <a:ext cx="685316" cy="391902"/>
+                <a:off x="5510348" y="1799966"/>
+                <a:ext cx="1818126" cy="741934"/>
               </a:xfrm>
               <a:prstGeom prst="rect">
                 <a:avLst/>
@@ -18413,6 +19229,7 @@
               </a:bodyPr>
               <a:lstStyle/>
               <a:p>
+                <a:pPr/>
                 <a14:m>
                   <m:oMathPara xmlns:m="http://schemas.openxmlformats.org/officeDocument/2006/math">
                     <m:oMathParaPr>
@@ -18422,14 +19239,14 @@
                       <m:sSub>
                         <m:sSubPr>
                           <m:ctrlPr>
-                            <a:rPr lang="en-US" altLang="zh-TW" b="0" i="1" smtClean="0">
+                            <a:rPr lang="en-US" altLang="zh-TW" i="1">
                               <a:latin typeface="Cambria Math" panose="02040503050406030204" pitchFamily="18" charset="0"/>
                             </a:rPr>
                           </m:ctrlPr>
                         </m:sSubPr>
                         <m:e>
                           <m:r>
-                            <a:rPr lang="en-US" altLang="zh-TW" b="0" i="1" smtClean="0">
+                            <a:rPr lang="en-US" altLang="zh-TW" i="1">
                               <a:latin typeface="Cambria Math" panose="02040503050406030204" pitchFamily="18" charset="0"/>
                             </a:rPr>
                             <m:t>𝐶</m:t>
@@ -18437,13 +19254,150 @@
                         </m:e>
                         <m:sub>
                           <m:r>
-                            <a:rPr lang="en-US" altLang="zh-TW" b="0" i="1" smtClean="0">
+                            <a:rPr lang="en-US" altLang="zh-TW" i="1">
                               <a:latin typeface="Cambria Math" panose="02040503050406030204" pitchFamily="18" charset="0"/>
                             </a:rPr>
                             <m:t>𝑎𝑣𝑔</m:t>
                           </m:r>
                         </m:sub>
                       </m:sSub>
+                      <m:r>
+                        <a:rPr lang="en-US" altLang="zh-TW" i="1">
+                          <a:latin typeface="Cambria Math" panose="02040503050406030204" pitchFamily="18" charset="0"/>
+                        </a:rPr>
+                        <m:t>=</m:t>
+                      </m:r>
+                      <m:f>
+                        <m:fPr>
+                          <m:ctrlPr>
+                            <a:rPr lang="en-US" altLang="zh-TW" i="1">
+                              <a:latin typeface="Cambria Math" panose="02040503050406030204" pitchFamily="18" charset="0"/>
+                            </a:rPr>
+                          </m:ctrlPr>
+                        </m:fPr>
+                        <m:num>
+                          <m:nary>
+                            <m:naryPr>
+                              <m:chr m:val="∑"/>
+                              <m:ctrlPr>
+                                <a:rPr lang="en-US" altLang="zh-TW" i="1">
+                                  <a:latin typeface="Cambria Math" panose="02040503050406030204" pitchFamily="18" charset="0"/>
+                                </a:rPr>
+                              </m:ctrlPr>
+                            </m:naryPr>
+                            <m:sub>
+                              <m:r>
+                                <m:rPr>
+                                  <m:brk m:alnAt="23"/>
+                                </m:rPr>
+                                <a:rPr lang="en-US" altLang="zh-TW" i="1">
+                                  <a:latin typeface="Cambria Math" panose="02040503050406030204" pitchFamily="18" charset="0"/>
+                                </a:rPr>
+                                <m:t>𝑖</m:t>
+                              </m:r>
+                              <m:r>
+                                <a:rPr lang="en-US" altLang="zh-TW" i="1">
+                                  <a:latin typeface="Cambria Math" panose="02040503050406030204" pitchFamily="18" charset="0"/>
+                                </a:rPr>
+                                <m:t>=1</m:t>
+                              </m:r>
+                            </m:sub>
+                            <m:sup>
+                              <m:r>
+                                <a:rPr lang="en-US" altLang="zh-TW" i="1">
+                                  <a:latin typeface="Cambria Math" panose="02040503050406030204" pitchFamily="18" charset="0"/>
+                                </a:rPr>
+                                <m:t>𝑁</m:t>
+                              </m:r>
+                              <m:sSub>
+                                <m:sSubPr>
+                                  <m:ctrlPr>
+                                    <a:rPr lang="en-US" altLang="zh-TW" i="1">
+                                      <a:latin typeface="Cambria Math" panose="02040503050406030204" pitchFamily="18" charset="0"/>
+                                    </a:rPr>
+                                  </m:ctrlPr>
+                                </m:sSubPr>
+                                <m:e>
+                                  <m:r>
+                                    <a:rPr lang="en-US" altLang="zh-TW" i="1">
+                                      <a:latin typeface="Cambria Math" panose="02040503050406030204" pitchFamily="18" charset="0"/>
+                                    </a:rPr>
+                                    <m:t>𝑏</m:t>
+                                  </m:r>
+                                </m:e>
+                                <m:sub>
+                                  <m:r>
+                                    <a:rPr lang="en-US" altLang="zh-TW" i="1">
+                                      <a:latin typeface="Cambria Math" panose="02040503050406030204" pitchFamily="18" charset="0"/>
+                                    </a:rPr>
+                                    <m:t>𝑚</m:t>
+                                  </m:r>
+                                </m:sub>
+                              </m:sSub>
+                            </m:sup>
+                            <m:e>
+                              <m:sSub>
+                                <m:sSubPr>
+                                  <m:ctrlPr>
+                                    <a:rPr lang="en-US" altLang="zh-TW" i="1">
+                                      <a:latin typeface="Cambria Math" panose="02040503050406030204" pitchFamily="18" charset="0"/>
+                                    </a:rPr>
+                                  </m:ctrlPr>
+                                </m:sSubPr>
+                                <m:e>
+                                  <m:r>
+                                    <a:rPr lang="en-US" altLang="zh-TW" i="1">
+                                      <a:latin typeface="Cambria Math" panose="02040503050406030204" pitchFamily="18" charset="0"/>
+                                    </a:rPr>
+                                    <m:t>𝑀</m:t>
+                                  </m:r>
+                                </m:e>
+                                <m:sub>
+                                  <m:r>
+                                    <a:rPr lang="en-US" altLang="zh-TW" i="1">
+                                      <a:latin typeface="Cambria Math" panose="02040503050406030204" pitchFamily="18" charset="0"/>
+                                    </a:rPr>
+                                    <m:t>𝑖</m:t>
+                                  </m:r>
+                                </m:sub>
+                              </m:sSub>
+                            </m:e>
+                          </m:nary>
+                        </m:num>
+                        <m:den>
+                          <m:r>
+                            <a:rPr lang="en-US" altLang="zh-TW" i="1">
+                              <a:latin typeface="Cambria Math" panose="02040503050406030204" pitchFamily="18" charset="0"/>
+                            </a:rPr>
+                            <m:t>𝑁</m:t>
+                          </m:r>
+                          <m:sSub>
+                            <m:sSubPr>
+                              <m:ctrlPr>
+                                <a:rPr lang="en-US" altLang="zh-TW" i="1">
+                                  <a:latin typeface="Cambria Math" panose="02040503050406030204" pitchFamily="18" charset="0"/>
+                                </a:rPr>
+                              </m:ctrlPr>
+                            </m:sSubPr>
+                            <m:e>
+                              <m:r>
+                                <a:rPr lang="en-US" altLang="zh-TW" i="1">
+                                  <a:latin typeface="Cambria Math" panose="02040503050406030204" pitchFamily="18" charset="0"/>
+                                </a:rPr>
+                                <m:t>𝑏</m:t>
+                              </m:r>
+                            </m:e>
+                            <m:sub>
+                              <m:r>
+                                <a:rPr lang="en-US" altLang="zh-TW" i="1">
+                                  <a:latin typeface="Cambria Math" panose="02040503050406030204" pitchFamily="18" charset="0"/>
+                                </a:rPr>
+                                <m:t>𝑚</m:t>
+                              </m:r>
+                            </m:sub>
+                          </m:sSub>
+                        </m:den>
+                      </m:f>
                     </m:oMath>
                   </m:oMathPara>
                 </a14:m>
@@ -18452,7 +19406,7 @@
             </p:txBody>
           </p:sp>
         </mc:Choice>
-        <mc:Fallback>
+        <mc:Fallback xmlns="">
           <p:sp>
             <p:nvSpPr>
               <p:cNvPr id="10" name="文字方塊 9"/>
@@ -18463,8 +19417,8 @@
             </p:nvSpPr>
             <p:spPr>
               <a:xfrm>
-                <a:off x="5876108" y="2112908"/>
-                <a:ext cx="685316" cy="391902"/>
+                <a:off x="5510348" y="1799966"/>
+                <a:ext cx="1818126" cy="741934"/>
               </a:xfrm>
               <a:prstGeom prst="rect">
                 <a:avLst/>
@@ -18472,7 +19426,7 @@
               <a:blipFill>
                 <a:blip r:embed="rId3"/>
                 <a:stretch>
-                  <a:fillRect b="-6250"/>
+                  <a:fillRect/>
                 </a:stretch>
               </a:blipFill>
             </p:spPr>
@@ -18491,8 +19445,8 @@
           </p:sp>
         </mc:Fallback>
       </mc:AlternateContent>
-      <mc:AlternateContent xmlns:mc="http://schemas.openxmlformats.org/markup-compatibility/2006">
-        <mc:Choice xmlns:a14="http://schemas.microsoft.com/office/drawing/2010/main" Requires="a14">
+      <mc:AlternateContent xmlns:mc="http://schemas.openxmlformats.org/markup-compatibility/2006" xmlns:a14="http://schemas.microsoft.com/office/drawing/2010/main">
+        <mc:Choice Requires="a14">
           <p:sp>
             <p:nvSpPr>
               <p:cNvPr id="11" name="文字方塊 10"/>
@@ -18501,8 +19455,8 @@
             </p:nvSpPr>
             <p:spPr>
               <a:xfrm>
-                <a:off x="9614262" y="2112908"/>
-                <a:ext cx="488980" cy="369332"/>
+                <a:off x="9046372" y="1860009"/>
+                <a:ext cx="1722010" cy="658065"/>
               </a:xfrm>
               <a:prstGeom prst="rect">
                 <a:avLst/>
@@ -18515,6 +19469,7 @@
               </a:bodyPr>
               <a:lstStyle/>
               <a:p>
+                <a:pPr/>
                 <a14:m>
                   <m:oMathPara xmlns:m="http://schemas.openxmlformats.org/officeDocument/2006/math">
                     <m:oMathParaPr>
@@ -18524,14 +19479,14 @@
                       <m:sSub>
                         <m:sSubPr>
                           <m:ctrlPr>
-                            <a:rPr lang="en-US" altLang="zh-TW" b="0" i="1" smtClean="0">
+                            <a:rPr lang="en-US" altLang="zh-TW" i="1">
                               <a:latin typeface="Cambria Math" panose="02040503050406030204" pitchFamily="18" charset="0"/>
                             </a:rPr>
                           </m:ctrlPr>
                         </m:sSubPr>
                         <m:e>
                           <m:r>
-                            <a:rPr lang="en-US" altLang="zh-TW" b="0" i="1" smtClean="0">
+                            <a:rPr lang="en-US" altLang="zh-TW" i="1">
                               <a:latin typeface="Cambria Math" panose="02040503050406030204" pitchFamily="18" charset="0"/>
                             </a:rPr>
                             <m:t>𝐷</m:t>
@@ -18539,13 +19494,88 @@
                         </m:e>
                         <m:sub>
                           <m:r>
-                            <a:rPr lang="en-US" altLang="zh-TW" b="0" i="1" smtClean="0">
+                            <a:rPr lang="en-US" altLang="zh-TW" i="1">
                               <a:latin typeface="Cambria Math" panose="02040503050406030204" pitchFamily="18" charset="0"/>
                             </a:rPr>
                             <m:t>𝑟</m:t>
                           </m:r>
                         </m:sub>
                       </m:sSub>
+                      <m:r>
+                        <a:rPr lang="en-US" altLang="zh-TW" i="1">
+                          <a:latin typeface="Cambria Math" panose="02040503050406030204" pitchFamily="18" charset="0"/>
+                        </a:rPr>
+                        <m:t>=</m:t>
+                      </m:r>
+                      <m:f>
+                        <m:fPr>
+                          <m:ctrlPr>
+                            <a:rPr lang="en-US" altLang="zh-TW" i="1">
+                              <a:latin typeface="Cambria Math" panose="02040503050406030204" pitchFamily="18" charset="0"/>
+                            </a:rPr>
+                          </m:ctrlPr>
+                        </m:fPr>
+                        <m:num>
+                          <m:sSub>
+                            <m:sSubPr>
+                              <m:ctrlPr>
+                                <a:rPr lang="en-US" altLang="zh-TW" i="1">
+                                  <a:latin typeface="Cambria Math" panose="02040503050406030204" pitchFamily="18" charset="0"/>
+                                </a:rPr>
+                              </m:ctrlPr>
+                            </m:sSubPr>
+                            <m:e>
+                              <m:r>
+                                <a:rPr lang="en-US" altLang="zh-TW" i="1">
+                                  <a:latin typeface="Cambria Math" panose="02040503050406030204" pitchFamily="18" charset="0"/>
+                                </a:rPr>
+                                <m:t>𝑂</m:t>
+                              </m:r>
+                            </m:e>
+                            <m:sub>
+                              <m:r>
+                                <a:rPr lang="en-US" altLang="zh-TW" i="1">
+                                  <a:latin typeface="Cambria Math" panose="02040503050406030204" pitchFamily="18" charset="0"/>
+                                </a:rPr>
+                                <m:t>𝐷</m:t>
+                              </m:r>
+                            </m:sub>
+                          </m:sSub>
+                          <m:r>
+                            <a:rPr lang="en-US" altLang="zh-TW" i="1">
+                              <a:latin typeface="Cambria Math" panose="02040503050406030204" pitchFamily="18" charset="0"/>
+                            </a:rPr>
+                            <m:t>×100</m:t>
+                          </m:r>
+                        </m:num>
+                        <m:den>
+                          <m:sSub>
+                            <m:sSubPr>
+                              <m:ctrlPr>
+                                <a:rPr lang="en-US" altLang="zh-TW" i="1">
+                                  <a:latin typeface="Cambria Math" panose="02040503050406030204" pitchFamily="18" charset="0"/>
+                                </a:rPr>
+                              </m:ctrlPr>
+                            </m:sSubPr>
+                            <m:e>
+                              <m:r>
+                                <a:rPr lang="en-US" altLang="zh-TW" i="1">
+                                  <a:latin typeface="Cambria Math" panose="02040503050406030204" pitchFamily="18" charset="0"/>
+                                </a:rPr>
+                                <m:t>𝑇</m:t>
+                              </m:r>
+                            </m:e>
+                            <m:sub>
+                              <m:r>
+                                <a:rPr lang="en-US" altLang="zh-TW" i="1">
+                                  <a:latin typeface="Cambria Math" panose="02040503050406030204" pitchFamily="18" charset="0"/>
+                                </a:rPr>
+                                <m:t>𝐷</m:t>
+                              </m:r>
+                            </m:sub>
+                          </m:sSub>
+                        </m:den>
+                      </m:f>
                     </m:oMath>
                   </m:oMathPara>
                 </a14:m>
@@ -18554,7 +19584,7 @@
             </p:txBody>
           </p:sp>
         </mc:Choice>
-        <mc:Fallback>
+        <mc:Fallback xmlns="">
           <p:sp>
             <p:nvSpPr>
               <p:cNvPr id="11" name="文字方塊 10"/>
@@ -18565,8 +19595,8 @@
             </p:nvSpPr>
             <p:spPr>
               <a:xfrm>
-                <a:off x="9614262" y="2112908"/>
-                <a:ext cx="488980" cy="369332"/>
+                <a:off x="9046372" y="1860009"/>
+                <a:ext cx="1722010" cy="658065"/>
               </a:xfrm>
               <a:prstGeom prst="rect">
                 <a:avLst/>
@@ -19854,8 +20884,8 @@
         </p:nvSpPr>
         <p:spPr>
           <a:xfrm>
-            <a:off x="518408" y="5446453"/>
-            <a:ext cx="5711820" cy="369332"/>
+            <a:off x="518408" y="5894342"/>
+            <a:ext cx="6628738" cy="369332"/>
           </a:xfrm>
           <a:prstGeom prst="rect">
             <a:avLst/>
@@ -19877,11 +20907,125 @@
                 <a:latin typeface="Times New Roman" panose="02020603050405020304" pitchFamily="18" charset="0"/>
                 <a:cs typeface="Times New Roman" panose="02020603050405020304" pitchFamily="18" charset="0"/>
               </a:rPr>
-              <a:t>The proposed framework can be divided into three parts.</a:t>
+              <a:t>The proposed framework can be divided into three parts (A, B, C).</a:t>
             </a:r>
             <a:endParaRPr lang="zh-TW" altLang="en-US" dirty="0">
               <a:latin typeface="Times New Roman" panose="02020603050405020304" pitchFamily="18" charset="0"/>
               <a:cs typeface="Times New Roman" panose="02020603050405020304" pitchFamily="18" charset="0"/>
+            </a:endParaRPr>
+          </a:p>
+        </p:txBody>
+      </p:sp>
+      <p:sp>
+        <p:nvSpPr>
+          <p:cNvPr id="2" name="文字方塊 1"/>
+          <p:cNvSpPr txBox="1"/>
+          <p:nvPr/>
+        </p:nvSpPr>
+        <p:spPr>
+          <a:xfrm>
+            <a:off x="7579894" y="5275220"/>
+            <a:ext cx="317716" cy="369332"/>
+          </a:xfrm>
+          <a:prstGeom prst="rect">
+            <a:avLst/>
+          </a:prstGeom>
+          <a:noFill/>
+        </p:spPr>
+        <p:txBody>
+          <a:bodyPr wrap="none" rtlCol="0">
+            <a:spAutoFit/>
+          </a:bodyPr>
+          <a:lstStyle/>
+          <a:p>
+            <a:r>
+              <a:rPr lang="en-US" altLang="zh-TW" dirty="0" smtClean="0">
+                <a:solidFill>
+                  <a:srgbClr val="FF0000"/>
+                </a:solidFill>
+              </a:rPr>
+              <a:t>A</a:t>
+            </a:r>
+            <a:endParaRPr lang="zh-TW" altLang="en-US" dirty="0">
+              <a:solidFill>
+                <a:srgbClr val="FF0000"/>
+              </a:solidFill>
+            </a:endParaRPr>
+          </a:p>
+        </p:txBody>
+      </p:sp>
+      <p:sp>
+        <p:nvSpPr>
+          <p:cNvPr id="11" name="文字方塊 10"/>
+          <p:cNvSpPr txBox="1"/>
+          <p:nvPr/>
+        </p:nvSpPr>
+        <p:spPr>
+          <a:xfrm>
+            <a:off x="5573755" y="5275220"/>
+            <a:ext cx="317716" cy="369332"/>
+          </a:xfrm>
+          <a:prstGeom prst="rect">
+            <a:avLst/>
+          </a:prstGeom>
+          <a:noFill/>
+        </p:spPr>
+        <p:txBody>
+          <a:bodyPr wrap="none" rtlCol="0">
+            <a:spAutoFit/>
+          </a:bodyPr>
+          <a:lstStyle/>
+          <a:p>
+            <a:r>
+              <a:rPr lang="en-US" altLang="zh-TW" dirty="0" smtClean="0">
+                <a:solidFill>
+                  <a:srgbClr val="FF0000"/>
+                </a:solidFill>
+              </a:rPr>
+              <a:t>B</a:t>
+            </a:r>
+            <a:endParaRPr lang="zh-TW" altLang="en-US" dirty="0">
+              <a:solidFill>
+                <a:srgbClr val="FF0000"/>
+              </a:solidFill>
+            </a:endParaRPr>
+          </a:p>
+        </p:txBody>
+      </p:sp>
+      <p:sp>
+        <p:nvSpPr>
+          <p:cNvPr id="12" name="文字方塊 11"/>
+          <p:cNvSpPr txBox="1"/>
+          <p:nvPr/>
+        </p:nvSpPr>
+        <p:spPr>
+          <a:xfrm>
+            <a:off x="3261894" y="5275220"/>
+            <a:ext cx="308098" cy="369332"/>
+          </a:xfrm>
+          <a:prstGeom prst="rect">
+            <a:avLst/>
+          </a:prstGeom>
+          <a:noFill/>
+        </p:spPr>
+        <p:txBody>
+          <a:bodyPr wrap="none" rtlCol="0">
+            <a:spAutoFit/>
+          </a:bodyPr>
+          <a:lstStyle/>
+          <a:p>
+            <a:r>
+              <a:rPr lang="en-US" altLang="zh-TW" dirty="0">
+                <a:solidFill>
+                  <a:srgbClr val="FF0000"/>
+                </a:solidFill>
+              </a:rPr>
+              <a:t>C</a:t>
+            </a:r>
+            <a:endParaRPr lang="zh-TW" altLang="en-US" dirty="0">
+              <a:solidFill>
+                <a:srgbClr val="FF0000"/>
+              </a:solidFill>
             </a:endParaRPr>
           </a:p>
         </p:txBody>
@@ -20102,8 +21246,8 @@
         </p:nvSpPr>
         <p:spPr>
           <a:xfrm>
-            <a:off x="518408" y="1483512"/>
-            <a:ext cx="5711820" cy="369332"/>
+            <a:off x="518408" y="1471910"/>
+            <a:ext cx="6628738" cy="369332"/>
           </a:xfrm>
           <a:prstGeom prst="rect">
             <a:avLst/>
@@ -20125,7 +21269,257 @@
                 <a:latin typeface="Times New Roman" panose="02020603050405020304" pitchFamily="18" charset="0"/>
                 <a:cs typeface="Times New Roman" panose="02020603050405020304" pitchFamily="18" charset="0"/>
               </a:rPr>
-              <a:t>The proposed framework can be divided into three parts.</a:t>
+              <a:t>The proposed framework can be divided into three parts (A, B, C).</a:t>
+            </a:r>
+            <a:endParaRPr lang="zh-TW" altLang="en-US" dirty="0">
+              <a:latin typeface="Times New Roman" panose="02020603050405020304" pitchFamily="18" charset="0"/>
+              <a:cs typeface="Times New Roman" panose="02020603050405020304" pitchFamily="18" charset="0"/>
+            </a:endParaRPr>
+          </a:p>
+        </p:txBody>
+      </p:sp>
+      <p:sp>
+        <p:nvSpPr>
+          <p:cNvPr id="9" name="文字方塊 8"/>
+          <p:cNvSpPr txBox="1"/>
+          <p:nvPr/>
+        </p:nvSpPr>
+        <p:spPr>
+          <a:xfrm>
+            <a:off x="834435" y="2045083"/>
+            <a:ext cx="10417497" cy="4001095"/>
+          </a:xfrm>
+          <a:prstGeom prst="rect">
+            <a:avLst/>
+          </a:prstGeom>
+          <a:noFill/>
+        </p:spPr>
+        <p:txBody>
+          <a:bodyPr wrap="square" rtlCol="0">
+            <a:spAutoFit/>
+          </a:bodyPr>
+          <a:lstStyle/>
+          <a:p>
+            <a:pPr algn="just"/>
+            <a:r>
+              <a:rPr lang="en-US" altLang="zh-TW" sz="2000" b="1" dirty="0" smtClean="0">
+                <a:latin typeface="Times New Roman" panose="02020603050405020304" pitchFamily="18" charset="0"/>
+                <a:cs typeface="Times New Roman" panose="02020603050405020304" pitchFamily="18" charset="0"/>
+              </a:rPr>
+              <a:t>A. Cloud Domain :</a:t>
+            </a:r>
+          </a:p>
+          <a:p>
+            <a:pPr algn="just"/>
+            <a:r>
+              <a:rPr lang="en-US" altLang="zh-TW" dirty="0">
+                <a:latin typeface="Times New Roman" panose="02020603050405020304" pitchFamily="18" charset="0"/>
+                <a:cs typeface="Times New Roman" panose="02020603050405020304" pitchFamily="18" charset="0"/>
+              </a:rPr>
+              <a:t> </a:t>
+            </a:r>
+            <a:r>
+              <a:rPr lang="en-US" altLang="zh-TW" dirty="0" smtClean="0">
+                <a:latin typeface="Times New Roman" panose="02020603050405020304" pitchFamily="18" charset="0"/>
+                <a:cs typeface="Times New Roman" panose="02020603050405020304" pitchFamily="18" charset="0"/>
+              </a:rPr>
+              <a:t>    The cloud domain hosts all the management services. Here, three principal services can be identified.</a:t>
+            </a:r>
+          </a:p>
+          <a:p>
+            <a:pPr algn="just"/>
+            <a:endParaRPr lang="en-US" altLang="zh-TW" dirty="0">
+              <a:latin typeface="Times New Roman" panose="02020603050405020304" pitchFamily="18" charset="0"/>
+              <a:cs typeface="Times New Roman" panose="02020603050405020304" pitchFamily="18" charset="0"/>
+            </a:endParaRPr>
+          </a:p>
+          <a:p>
+            <a:pPr marL="742950" lvl="1" indent="-285750" algn="just">
+              <a:buFont typeface="Wingdings" panose="05000000000000000000" pitchFamily="2" charset="2"/>
+              <a:buChar char="l"/>
+            </a:pPr>
+            <a:r>
+              <a:rPr lang="en-US" altLang="zh-TW" b="1" dirty="0" smtClean="0">
+                <a:latin typeface="Times New Roman" panose="02020603050405020304" pitchFamily="18" charset="0"/>
+                <a:cs typeface="Times New Roman" panose="02020603050405020304" pitchFamily="18" charset="0"/>
+              </a:rPr>
+              <a:t>UAVs Traffic Management </a:t>
+            </a:r>
+            <a:r>
+              <a:rPr lang="en-US" altLang="zh-TW" b="1" dirty="0" smtClean="0">
+                <a:latin typeface="Times New Roman" panose="02020603050405020304" pitchFamily="18" charset="0"/>
+                <a:cs typeface="Times New Roman" panose="02020603050405020304" pitchFamily="18" charset="0"/>
+              </a:rPr>
+              <a:t>Service</a:t>
+            </a:r>
+            <a:r>
+              <a:rPr lang="zh-TW" altLang="en-US" b="1" dirty="0" smtClean="0">
+                <a:latin typeface="Times New Roman" panose="02020603050405020304" pitchFamily="18" charset="0"/>
+                <a:cs typeface="Times New Roman" panose="02020603050405020304" pitchFamily="18" charset="0"/>
+              </a:rPr>
+              <a:t> </a:t>
+            </a:r>
+            <a:r>
+              <a:rPr lang="en-US" altLang="zh-TW" b="1" dirty="0" smtClean="0">
+                <a:latin typeface="Times New Roman" panose="02020603050405020304" pitchFamily="18" charset="0"/>
+                <a:cs typeface="Times New Roman" panose="02020603050405020304" pitchFamily="18" charset="0"/>
+              </a:rPr>
+              <a:t>(UTMS) </a:t>
+            </a:r>
+            <a:r>
+              <a:rPr lang="en-US" altLang="zh-TW" b="1" dirty="0" smtClean="0">
+                <a:latin typeface="Times New Roman" panose="02020603050405020304" pitchFamily="18" charset="0"/>
+                <a:cs typeface="Times New Roman" panose="02020603050405020304" pitchFamily="18" charset="0"/>
+              </a:rPr>
+              <a:t>: </a:t>
+            </a:r>
+            <a:endParaRPr lang="en-US" altLang="zh-TW" b="1" dirty="0" smtClean="0">
+              <a:latin typeface="Times New Roman" panose="02020603050405020304" pitchFamily="18" charset="0"/>
+              <a:cs typeface="Times New Roman" panose="02020603050405020304" pitchFamily="18" charset="0"/>
+            </a:endParaRPr>
+          </a:p>
+          <a:p>
+            <a:pPr lvl="1" algn="just"/>
+            <a:r>
+              <a:rPr lang="en-US" altLang="zh-TW" b="1" dirty="0">
+                <a:latin typeface="Times New Roman" panose="02020603050405020304" pitchFamily="18" charset="0"/>
+                <a:cs typeface="Times New Roman" panose="02020603050405020304" pitchFamily="18" charset="0"/>
+              </a:rPr>
+              <a:t>	</a:t>
+            </a:r>
+            <a:r>
+              <a:rPr lang="en-US" altLang="zh-TW" dirty="0" smtClean="0">
+                <a:latin typeface="Times New Roman" panose="02020603050405020304" pitchFamily="18" charset="0"/>
+                <a:cs typeface="Times New Roman" panose="02020603050405020304" pitchFamily="18" charset="0"/>
+              </a:rPr>
+              <a:t>UTMS</a:t>
+            </a:r>
+            <a:r>
+              <a:rPr lang="zh-TW" altLang="en-US" dirty="0" smtClean="0">
+                <a:latin typeface="Times New Roman" panose="02020603050405020304" pitchFamily="18" charset="0"/>
+                <a:cs typeface="Times New Roman" panose="02020603050405020304" pitchFamily="18" charset="0"/>
+              </a:rPr>
+              <a:t> </a:t>
+            </a:r>
+            <a:r>
+              <a:rPr lang="en-US" altLang="zh-TW" dirty="0" smtClean="0">
+                <a:latin typeface="Times New Roman" panose="02020603050405020304" pitchFamily="18" charset="0"/>
+                <a:cs typeface="Times New Roman" panose="02020603050405020304" pitchFamily="18" charset="0"/>
+              </a:rPr>
+              <a:t>has all the information such as UAVs’ location, flight plan and airspace restriction. Also, 	this service is responsible for defining geo-</a:t>
+            </a:r>
+            <a:r>
+              <a:rPr lang="en-US" altLang="zh-TW" dirty="0">
+                <a:latin typeface="Times New Roman" panose="02020603050405020304" pitchFamily="18" charset="0"/>
+                <a:cs typeface="Times New Roman" panose="02020603050405020304" pitchFamily="18" charset="0"/>
+              </a:rPr>
+              <a:t>f</a:t>
+            </a:r>
+            <a:r>
+              <a:rPr lang="en-US" altLang="zh-TW" dirty="0" smtClean="0">
+                <a:latin typeface="Times New Roman" panose="02020603050405020304" pitchFamily="18" charset="0"/>
+                <a:cs typeface="Times New Roman" panose="02020603050405020304" pitchFamily="18" charset="0"/>
+              </a:rPr>
+              <a:t>ences.</a:t>
+            </a:r>
+          </a:p>
+          <a:p>
+            <a:pPr lvl="1" algn="just"/>
+            <a:endParaRPr lang="en-US" altLang="zh-TW" dirty="0" smtClean="0">
+              <a:latin typeface="Times New Roman" panose="02020603050405020304" pitchFamily="18" charset="0"/>
+              <a:cs typeface="Times New Roman" panose="02020603050405020304" pitchFamily="18" charset="0"/>
+            </a:endParaRPr>
+          </a:p>
+          <a:p>
+            <a:pPr marL="742950" lvl="1" indent="-285750" algn="just">
+              <a:buFont typeface="Wingdings" panose="05000000000000000000" pitchFamily="2" charset="2"/>
+              <a:buChar char="l"/>
+            </a:pPr>
+            <a:r>
+              <a:rPr lang="en-US" altLang="zh-TW" b="1" dirty="0" smtClean="0">
+                <a:latin typeface="Times New Roman" panose="02020603050405020304" pitchFamily="18" charset="0"/>
+                <a:cs typeface="Times New Roman" panose="02020603050405020304" pitchFamily="18" charset="0"/>
+              </a:rPr>
+              <a:t>Supplementary Data Provider </a:t>
+            </a:r>
+            <a:r>
+              <a:rPr lang="en-US" altLang="zh-TW" b="1" dirty="0" smtClean="0">
+                <a:latin typeface="Times New Roman" panose="02020603050405020304" pitchFamily="18" charset="0"/>
+                <a:cs typeface="Times New Roman" panose="02020603050405020304" pitchFamily="18" charset="0"/>
+              </a:rPr>
+              <a:t>Service (SDPS) : </a:t>
+            </a:r>
+          </a:p>
+          <a:p>
+            <a:pPr lvl="1" algn="just"/>
+            <a:r>
+              <a:rPr lang="en-US" altLang="zh-TW" b="1" dirty="0">
+                <a:latin typeface="Times New Roman" panose="02020603050405020304" pitchFamily="18" charset="0"/>
+                <a:cs typeface="Times New Roman" panose="02020603050405020304" pitchFamily="18" charset="0"/>
+              </a:rPr>
+              <a:t>	</a:t>
+            </a:r>
+            <a:r>
+              <a:rPr lang="en-US" altLang="zh-TW" dirty="0" smtClean="0">
+                <a:latin typeface="Times New Roman" panose="02020603050405020304" pitchFamily="18" charset="0"/>
+                <a:cs typeface="Times New Roman" panose="02020603050405020304" pitchFamily="18" charset="0"/>
+              </a:rPr>
+              <a:t>SDPS provides some useful information for planning UAVs’ flights such as weather forecast and 	location of interest.</a:t>
+            </a:r>
+          </a:p>
+          <a:p>
+            <a:pPr lvl="1" algn="just"/>
+            <a:endParaRPr lang="en-US" altLang="zh-TW" dirty="0" smtClean="0">
+              <a:latin typeface="Times New Roman" panose="02020603050405020304" pitchFamily="18" charset="0"/>
+              <a:cs typeface="Times New Roman" panose="02020603050405020304" pitchFamily="18" charset="0"/>
+            </a:endParaRPr>
+          </a:p>
+          <a:p>
+            <a:pPr marL="742950" lvl="1" indent="-285750" algn="just">
+              <a:buFont typeface="Wingdings" panose="05000000000000000000" pitchFamily="2" charset="2"/>
+              <a:buChar char="l"/>
+            </a:pPr>
+            <a:r>
+              <a:rPr lang="en-US" altLang="zh-TW" b="1" dirty="0" smtClean="0">
+                <a:latin typeface="Times New Roman" panose="02020603050405020304" pitchFamily="18" charset="0"/>
+                <a:cs typeface="Times New Roman" panose="02020603050405020304" pitchFamily="18" charset="0"/>
+              </a:rPr>
+              <a:t>Operator Command and Control </a:t>
+            </a:r>
+            <a:r>
+              <a:rPr lang="en-US" altLang="zh-TW" b="1" dirty="0" smtClean="0">
+                <a:latin typeface="Times New Roman" panose="02020603050405020304" pitchFamily="18" charset="0"/>
+                <a:cs typeface="Times New Roman" panose="02020603050405020304" pitchFamily="18" charset="0"/>
+              </a:rPr>
+              <a:t>Service (OCCS) </a:t>
+            </a:r>
+            <a:r>
+              <a:rPr lang="en-US" altLang="zh-TW" b="1" dirty="0" smtClean="0">
+                <a:latin typeface="Times New Roman" panose="02020603050405020304" pitchFamily="18" charset="0"/>
+                <a:cs typeface="Times New Roman" panose="02020603050405020304" pitchFamily="18" charset="0"/>
+              </a:rPr>
+              <a:t>: </a:t>
+            </a:r>
+            <a:endParaRPr lang="en-US" altLang="zh-TW" b="1" dirty="0" smtClean="0">
+              <a:latin typeface="Times New Roman" panose="02020603050405020304" pitchFamily="18" charset="0"/>
+              <a:cs typeface="Times New Roman" panose="02020603050405020304" pitchFamily="18" charset="0"/>
+            </a:endParaRPr>
+          </a:p>
+          <a:p>
+            <a:pPr lvl="1" algn="just"/>
+            <a:r>
+              <a:rPr lang="en-US" altLang="zh-TW" b="1" dirty="0">
+                <a:latin typeface="Times New Roman" panose="02020603050405020304" pitchFamily="18" charset="0"/>
+                <a:cs typeface="Times New Roman" panose="02020603050405020304" pitchFamily="18" charset="0"/>
+              </a:rPr>
+              <a:t>	</a:t>
+            </a:r>
+            <a:r>
+              <a:rPr lang="en-US" altLang="zh-TW" dirty="0" smtClean="0">
+                <a:latin typeface="Times New Roman" panose="02020603050405020304" pitchFamily="18" charset="0"/>
+                <a:cs typeface="Times New Roman" panose="02020603050405020304" pitchFamily="18" charset="0"/>
+              </a:rPr>
+              <a:t>OCCS provides an interface for the remote operators to monitor and interact with UAVs in real 	time.</a:t>
             </a:r>
             <a:endParaRPr lang="zh-TW" altLang="en-US" dirty="0">
               <a:latin typeface="Times New Roman" panose="02020603050405020304" pitchFamily="18" charset="0"/>
@@ -20155,6 +21549,2765 @@
 </file>
 
 <file path=ppt/slides/slide22.xml><?xml version="1.0" encoding="utf-8"?>
+<p:sld xmlns:a="http://schemas.openxmlformats.org/drawingml/2006/main" xmlns:r="http://schemas.openxmlformats.org/officeDocument/2006/relationships" xmlns:p="http://schemas.openxmlformats.org/presentationml/2006/main">
+  <p:cSld>
+    <p:spTree>
+      <p:nvGrpSpPr>
+        <p:cNvPr id="1" name=""/>
+        <p:cNvGrpSpPr/>
+        <p:nvPr/>
+      </p:nvGrpSpPr>
+      <p:grpSpPr>
+        <a:xfrm>
+          <a:off x="0" y="0"/>
+          <a:ext cx="0" cy="0"/>
+          <a:chOff x="0" y="0"/>
+          <a:chExt cx="0" cy="0"/>
+        </a:xfrm>
+      </p:grpSpPr>
+      <p:sp>
+        <p:nvSpPr>
+          <p:cNvPr id="4" name="投影片編號版面配置區 3"/>
+          <p:cNvSpPr>
+            <a:spLocks noGrp="1"/>
+          </p:cNvSpPr>
+          <p:nvPr>
+            <p:ph type="sldNum" sz="quarter" idx="12"/>
+          </p:nvPr>
+        </p:nvSpPr>
+        <p:spPr/>
+        <p:txBody>
+          <a:bodyPr/>
+          <a:lstStyle/>
+          <a:p>
+            <a:fld id="{C128DF73-0FD1-4EFB-B6B9-20BE1557E8C1}" type="slidenum">
+              <a:rPr lang="zh-TW" altLang="en-US" smtClean="0"/>
+              <a:t>22</a:t>
+            </a:fld>
+            <a:endParaRPr lang="zh-TW" altLang="en-US"/>
+          </a:p>
+        </p:txBody>
+      </p:sp>
+      <p:sp>
+        <p:nvSpPr>
+          <p:cNvPr id="5" name="橢圓 4"/>
+          <p:cNvSpPr/>
+          <p:nvPr/>
+        </p:nvSpPr>
+        <p:spPr>
+          <a:xfrm>
+            <a:off x="345688" y="920843"/>
+            <a:ext cx="172720" cy="162560"/>
+          </a:xfrm>
+          <a:prstGeom prst="ellipse">
+            <a:avLst/>
+          </a:prstGeom>
+          <a:solidFill>
+            <a:schemeClr val="tx1">
+              <a:lumMod val="65000"/>
+              <a:lumOff val="35000"/>
+            </a:schemeClr>
+          </a:solidFill>
+          <a:ln>
+            <a:noFill/>
+          </a:ln>
+        </p:spPr>
+        <p:style>
+          <a:lnRef idx="2">
+            <a:schemeClr val="accent1">
+              <a:shade val="50000"/>
+            </a:schemeClr>
+          </a:lnRef>
+          <a:fillRef idx="1">
+            <a:schemeClr val="accent1"/>
+          </a:fillRef>
+          <a:effectRef idx="0">
+            <a:schemeClr val="accent1"/>
+          </a:effectRef>
+          <a:fontRef idx="minor">
+            <a:schemeClr val="lt1"/>
+          </a:fontRef>
+        </p:style>
+        <p:txBody>
+          <a:bodyPr rtlCol="0" anchor="ctr"/>
+          <a:lstStyle/>
+          <a:p>
+            <a:pPr algn="ctr"/>
+            <a:endParaRPr lang="zh-TW" altLang="en-US"/>
+          </a:p>
+        </p:txBody>
+      </p:sp>
+      <p:cxnSp>
+        <p:nvCxnSpPr>
+          <p:cNvPr id="6" name="直線接點 5"/>
+          <p:cNvCxnSpPr>
+            <a:stCxn id="5" idx="6"/>
+          </p:cNvCxnSpPr>
+          <p:nvPr/>
+        </p:nvCxnSpPr>
+        <p:spPr>
+          <a:xfrm>
+            <a:off x="518408" y="1002123"/>
+            <a:ext cx="9226483" cy="0"/>
+          </a:xfrm>
+          <a:prstGeom prst="line">
+            <a:avLst/>
+          </a:prstGeom>
+          <a:ln w="25400">
+            <a:solidFill>
+              <a:schemeClr val="tx1">
+                <a:lumMod val="65000"/>
+                <a:lumOff val="35000"/>
+              </a:schemeClr>
+            </a:solidFill>
+          </a:ln>
+        </p:spPr>
+        <p:style>
+          <a:lnRef idx="1">
+            <a:schemeClr val="accent1"/>
+          </a:lnRef>
+          <a:fillRef idx="0">
+            <a:schemeClr val="accent1"/>
+          </a:fillRef>
+          <a:effectRef idx="0">
+            <a:schemeClr val="accent1"/>
+          </a:effectRef>
+          <a:fontRef idx="minor">
+            <a:schemeClr val="tx1"/>
+          </a:fontRef>
+        </p:style>
+      </p:cxnSp>
+      <p:sp>
+        <p:nvSpPr>
+          <p:cNvPr id="7" name="矩形 6"/>
+          <p:cNvSpPr/>
+          <p:nvPr/>
+        </p:nvSpPr>
+        <p:spPr>
+          <a:xfrm>
+            <a:off x="432048" y="417348"/>
+            <a:ext cx="9412128" cy="584775"/>
+          </a:xfrm>
+          <a:prstGeom prst="rect">
+            <a:avLst/>
+          </a:prstGeom>
+          <a:noFill/>
+        </p:spPr>
+        <p:txBody>
+          <a:bodyPr wrap="none" lIns="91440" tIns="45720" rIns="91440" bIns="45720">
+            <a:spAutoFit/>
+          </a:bodyPr>
+          <a:lstStyle/>
+          <a:p>
+            <a:pPr algn="ctr"/>
+            <a:r>
+              <a:rPr lang="en-US" altLang="zh-TW" sz="3200" b="1" dirty="0" smtClean="0">
+                <a:ln w="0"/>
+                <a:solidFill>
+                  <a:schemeClr val="accent1"/>
+                </a:solidFill>
+                <a:effectLst>
+                  <a:outerShdw blurRad="38100" dist="25400" dir="5400000" algn="ctr" rotWithShape="0">
+                    <a:srgbClr val="6E747A">
+                      <a:alpha val="43000"/>
+                    </a:srgbClr>
+                  </a:outerShdw>
+                </a:effectLst>
+                <a:latin typeface="Times New Roman" panose="02020603050405020304" pitchFamily="18" charset="0"/>
+                <a:cs typeface="Times New Roman" panose="02020603050405020304" pitchFamily="18" charset="0"/>
+              </a:rPr>
+              <a:t>MEC-Based UAVs’ Traffic Management Framework</a:t>
+            </a:r>
+            <a:endParaRPr lang="zh-TW" altLang="en-US" sz="3200" b="1" cap="none" spc="0" dirty="0">
+              <a:ln w="0"/>
+              <a:solidFill>
+                <a:schemeClr val="accent1"/>
+              </a:solidFill>
+              <a:effectLst>
+                <a:outerShdw blurRad="38100" dist="25400" dir="5400000" algn="ctr" rotWithShape="0">
+                  <a:srgbClr val="6E747A">
+                    <a:alpha val="43000"/>
+                  </a:srgbClr>
+                </a:outerShdw>
+              </a:effectLst>
+              <a:latin typeface="Times New Roman" panose="02020603050405020304" pitchFamily="18" charset="0"/>
+              <a:cs typeface="Times New Roman" panose="02020603050405020304" pitchFamily="18" charset="0"/>
+            </a:endParaRPr>
+          </a:p>
+        </p:txBody>
+      </p:sp>
+      <p:sp>
+        <p:nvSpPr>
+          <p:cNvPr id="9" name="文字方塊 8"/>
+          <p:cNvSpPr txBox="1"/>
+          <p:nvPr/>
+        </p:nvSpPr>
+        <p:spPr>
+          <a:xfrm>
+            <a:off x="786310" y="1323189"/>
+            <a:ext cx="10267769" cy="1477328"/>
+          </a:xfrm>
+          <a:prstGeom prst="rect">
+            <a:avLst/>
+          </a:prstGeom>
+          <a:noFill/>
+        </p:spPr>
+        <p:txBody>
+          <a:bodyPr wrap="square" rtlCol="0">
+            <a:spAutoFit/>
+          </a:bodyPr>
+          <a:lstStyle/>
+          <a:p>
+            <a:r>
+              <a:rPr lang="en-US" altLang="zh-TW" b="1" dirty="0">
+                <a:latin typeface="Times New Roman" panose="02020603050405020304" pitchFamily="18" charset="0"/>
+                <a:cs typeface="Times New Roman" panose="02020603050405020304" pitchFamily="18" charset="0"/>
+              </a:rPr>
+              <a:t>B</a:t>
+            </a:r>
+            <a:r>
+              <a:rPr lang="en-US" altLang="zh-TW" b="1" dirty="0" smtClean="0">
+                <a:latin typeface="Times New Roman" panose="02020603050405020304" pitchFamily="18" charset="0"/>
+                <a:cs typeface="Times New Roman" panose="02020603050405020304" pitchFamily="18" charset="0"/>
+              </a:rPr>
+              <a:t>. Core and </a:t>
+            </a:r>
+            <a:r>
+              <a:rPr lang="en-US" altLang="zh-TW" b="1" dirty="0">
+                <a:latin typeface="Times New Roman" panose="02020603050405020304" pitchFamily="18" charset="0"/>
+                <a:cs typeface="Times New Roman" panose="02020603050405020304" pitchFamily="18" charset="0"/>
+              </a:rPr>
+              <a:t>t</a:t>
+            </a:r>
+            <a:r>
+              <a:rPr lang="en-US" altLang="zh-TW" b="1" dirty="0" smtClean="0">
+                <a:latin typeface="Times New Roman" panose="02020603050405020304" pitchFamily="18" charset="0"/>
+                <a:cs typeface="Times New Roman" panose="02020603050405020304" pitchFamily="18" charset="0"/>
+              </a:rPr>
+              <a:t>ransport </a:t>
+            </a:r>
+            <a:r>
+              <a:rPr lang="en-US" altLang="zh-TW" b="1" dirty="0">
+                <a:latin typeface="Times New Roman" panose="02020603050405020304" pitchFamily="18" charset="0"/>
+                <a:cs typeface="Times New Roman" panose="02020603050405020304" pitchFamily="18" charset="0"/>
+              </a:rPr>
+              <a:t>n</a:t>
+            </a:r>
+            <a:r>
+              <a:rPr lang="en-US" altLang="zh-TW" b="1" dirty="0" smtClean="0">
+                <a:latin typeface="Times New Roman" panose="02020603050405020304" pitchFamily="18" charset="0"/>
+                <a:cs typeface="Times New Roman" panose="02020603050405020304" pitchFamily="18" charset="0"/>
+              </a:rPr>
+              <a:t>etwork :</a:t>
+            </a:r>
+          </a:p>
+          <a:p>
+            <a:pPr algn="just"/>
+            <a:r>
+              <a:rPr lang="en-US" altLang="zh-TW" dirty="0">
+                <a:latin typeface="Times New Roman" panose="02020603050405020304" pitchFamily="18" charset="0"/>
+                <a:cs typeface="Times New Roman" panose="02020603050405020304" pitchFamily="18" charset="0"/>
+              </a:rPr>
+              <a:t> </a:t>
+            </a:r>
+            <a:r>
+              <a:rPr lang="en-US" altLang="zh-TW" dirty="0" smtClean="0">
+                <a:latin typeface="Times New Roman" panose="02020603050405020304" pitchFamily="18" charset="0"/>
+                <a:cs typeface="Times New Roman" panose="02020603050405020304" pitchFamily="18" charset="0"/>
+              </a:rPr>
+              <a:t>    The core and transport networks ensure the transmission of communication traffic between MEC-hosted services and the previous Cloud-hosted services</a:t>
+            </a:r>
+            <a:r>
+              <a:rPr lang="en-US" altLang="zh-TW" dirty="0" smtClean="0">
+                <a:latin typeface="Times New Roman" panose="02020603050405020304" pitchFamily="18" charset="0"/>
+                <a:cs typeface="Times New Roman" panose="02020603050405020304" pitchFamily="18" charset="0"/>
+              </a:rPr>
+              <a:t>. Given that this communication belongs </a:t>
+            </a:r>
+            <a:r>
+              <a:rPr lang="en-US" altLang="zh-TW" dirty="0">
+                <a:latin typeface="Times New Roman" panose="02020603050405020304" pitchFamily="18" charset="0"/>
+                <a:cs typeface="Times New Roman" panose="02020603050405020304" pitchFamily="18" charset="0"/>
+              </a:rPr>
+              <a:t>to </a:t>
+            </a:r>
+            <a:r>
+              <a:rPr lang="en-US" altLang="zh-TW" dirty="0" smtClean="0">
+                <a:latin typeface="Times New Roman" panose="02020603050405020304" pitchFamily="18" charset="0"/>
+                <a:cs typeface="Times New Roman" panose="02020603050405020304" pitchFamily="18" charset="0"/>
+              </a:rPr>
+              <a:t>ultra-</a:t>
+            </a:r>
+            <a:r>
+              <a:rPr lang="en-US" altLang="zh-TW" dirty="0">
+                <a:latin typeface="Times New Roman" panose="02020603050405020304" pitchFamily="18" charset="0"/>
+                <a:cs typeface="Times New Roman" panose="02020603050405020304" pitchFamily="18" charset="0"/>
+              </a:rPr>
+              <a:t>r</a:t>
+            </a:r>
+            <a:r>
+              <a:rPr lang="en-US" altLang="zh-TW" dirty="0" smtClean="0">
+                <a:latin typeface="Times New Roman" panose="02020603050405020304" pitchFamily="18" charset="0"/>
+                <a:cs typeface="Times New Roman" panose="02020603050405020304" pitchFamily="18" charset="0"/>
+              </a:rPr>
+              <a:t>eliable </a:t>
+            </a:r>
+            <a:r>
+              <a:rPr lang="en-US" altLang="zh-TW" dirty="0">
+                <a:latin typeface="Times New Roman" panose="02020603050405020304" pitchFamily="18" charset="0"/>
+                <a:cs typeface="Times New Roman" panose="02020603050405020304" pitchFamily="18" charset="0"/>
+              </a:rPr>
+              <a:t>and </a:t>
+            </a:r>
+            <a:r>
+              <a:rPr lang="en-US" altLang="zh-TW" dirty="0" smtClean="0">
+                <a:latin typeface="Times New Roman" panose="02020603050405020304" pitchFamily="18" charset="0"/>
+                <a:cs typeface="Times New Roman" panose="02020603050405020304" pitchFamily="18" charset="0"/>
+              </a:rPr>
+              <a:t>low-latency Communication, the generated traffic must be treated with a high </a:t>
+            </a:r>
+            <a:r>
+              <a:rPr lang="en-US" altLang="zh-TW" dirty="0" err="1" smtClean="0">
+                <a:latin typeface="Times New Roman" panose="02020603050405020304" pitchFamily="18" charset="0"/>
+                <a:cs typeface="Times New Roman" panose="02020603050405020304" pitchFamily="18" charset="0"/>
+              </a:rPr>
+              <a:t>QoS</a:t>
+            </a:r>
+            <a:r>
+              <a:rPr lang="en-US" altLang="zh-TW" dirty="0" smtClean="0">
+                <a:latin typeface="Times New Roman" panose="02020603050405020304" pitchFamily="18" charset="0"/>
+                <a:cs typeface="Times New Roman" panose="02020603050405020304" pitchFamily="18" charset="0"/>
+              </a:rPr>
+              <a:t>. In this proposed framework, the core and transport networks are considered to be SDN-enabled networks.</a:t>
+            </a:r>
+            <a:endParaRPr lang="zh-TW" altLang="en-US" dirty="0">
+              <a:latin typeface="Times New Roman" panose="02020603050405020304" pitchFamily="18" charset="0"/>
+              <a:cs typeface="Times New Roman" panose="02020603050405020304" pitchFamily="18" charset="0"/>
+            </a:endParaRPr>
+          </a:p>
+        </p:txBody>
+      </p:sp>
+      <p:pic>
+        <p:nvPicPr>
+          <p:cNvPr id="1026" name="Picture 2" descr="「SDN」的圖片搜尋結果"/>
+          <p:cNvPicPr>
+            <a:picLocks noChangeAspect="1" noChangeArrowheads="1"/>
+          </p:cNvPicPr>
+          <p:nvPr/>
+        </p:nvPicPr>
+        <p:blipFill>
+          <a:blip r:embed="rId2">
+            <a:extLst>
+              <a:ext uri="{28A0092B-C50C-407E-A947-70E740481C1C}">
+                <a14:useLocalDpi xmlns:a14="http://schemas.microsoft.com/office/drawing/2010/main" val="0"/>
+              </a:ext>
+            </a:extLst>
+          </a:blip>
+          <a:srcRect/>
+          <a:stretch>
+            <a:fillRect/>
+          </a:stretch>
+        </p:blipFill>
+        <p:spPr bwMode="auto">
+          <a:xfrm>
+            <a:off x="2528074" y="3195149"/>
+            <a:ext cx="6784240" cy="3161201"/>
+          </a:xfrm>
+          <a:prstGeom prst="rect">
+            <a:avLst/>
+          </a:prstGeom>
+          <a:noFill/>
+          <a:extLst>
+            <a:ext uri="{909E8E84-426E-40DD-AFC4-6F175D3DCCD1}">
+              <a14:hiddenFill xmlns:a14="http://schemas.microsoft.com/office/drawing/2010/main">
+                <a:solidFill>
+                  <a:srgbClr val="FFFFFF"/>
+                </a:solidFill>
+              </a14:hiddenFill>
+            </a:ext>
+          </a:extLst>
+        </p:spPr>
+      </p:pic>
+      <p:sp>
+        <p:nvSpPr>
+          <p:cNvPr id="2" name="文字方塊 1"/>
+          <p:cNvSpPr txBox="1"/>
+          <p:nvPr/>
+        </p:nvSpPr>
+        <p:spPr>
+          <a:xfrm>
+            <a:off x="3132572" y="2830024"/>
+            <a:ext cx="5575244" cy="369332"/>
+          </a:xfrm>
+          <a:prstGeom prst="rect">
+            <a:avLst/>
+          </a:prstGeom>
+          <a:noFill/>
+        </p:spPr>
+        <p:txBody>
+          <a:bodyPr wrap="none" rtlCol="0">
+            <a:spAutoFit/>
+          </a:bodyPr>
+          <a:lstStyle/>
+          <a:p>
+            <a:r>
+              <a:rPr lang="en-US" altLang="zh-TW" b="1" dirty="0" smtClean="0">
+                <a:solidFill>
+                  <a:srgbClr val="FF0000"/>
+                </a:solidFill>
+                <a:latin typeface="Times New Roman" panose="02020603050405020304" pitchFamily="18" charset="0"/>
+                <a:cs typeface="Times New Roman" panose="02020603050405020304" pitchFamily="18" charset="0"/>
+              </a:rPr>
+              <a:t>SDN can be used to ensure a flexible </a:t>
+            </a:r>
+            <a:r>
+              <a:rPr lang="en-US" altLang="zh-TW" b="1" dirty="0" err="1" smtClean="0">
+                <a:solidFill>
+                  <a:srgbClr val="FF0000"/>
+                </a:solidFill>
+                <a:latin typeface="Times New Roman" panose="02020603050405020304" pitchFamily="18" charset="0"/>
+                <a:cs typeface="Times New Roman" panose="02020603050405020304" pitchFamily="18" charset="0"/>
+              </a:rPr>
+              <a:t>QoS</a:t>
+            </a:r>
+            <a:r>
+              <a:rPr lang="en-US" altLang="zh-TW" b="1" dirty="0" smtClean="0">
+                <a:solidFill>
+                  <a:srgbClr val="FF0000"/>
+                </a:solidFill>
+                <a:latin typeface="Times New Roman" panose="02020603050405020304" pitchFamily="18" charset="0"/>
+                <a:cs typeface="Times New Roman" panose="02020603050405020304" pitchFamily="18" charset="0"/>
+              </a:rPr>
+              <a:t> provisioning.</a:t>
+            </a:r>
+            <a:endParaRPr lang="zh-TW" altLang="en-US" b="1" dirty="0">
+              <a:solidFill>
+                <a:srgbClr val="FF0000"/>
+              </a:solidFill>
+              <a:latin typeface="Times New Roman" panose="02020603050405020304" pitchFamily="18" charset="0"/>
+              <a:cs typeface="Times New Roman" panose="02020603050405020304" pitchFamily="18" charset="0"/>
+            </a:endParaRPr>
+          </a:p>
+        </p:txBody>
+      </p:sp>
+    </p:spTree>
+    <p:extLst>
+      <p:ext uri="{BB962C8B-B14F-4D97-AF65-F5344CB8AC3E}">
+        <p14:creationId xmlns:p14="http://schemas.microsoft.com/office/powerpoint/2010/main" val="1565547716"/>
+      </p:ext>
+    </p:extLst>
+  </p:cSld>
+  <p:clrMapOvr>
+    <a:masterClrMapping/>
+  </p:clrMapOvr>
+  <p:timing>
+    <p:tnLst>
+      <p:par>
+        <p:cTn id="1" dur="indefinite" restart="never" nodeType="tmRoot"/>
+      </p:par>
+    </p:tnLst>
+  </p:timing>
+</p:sld>
+</file>
+
+<file path=ppt/slides/slide23.xml><?xml version="1.0" encoding="utf-8"?>
+<p:sld xmlns:a="http://schemas.openxmlformats.org/drawingml/2006/main" xmlns:r="http://schemas.openxmlformats.org/officeDocument/2006/relationships" xmlns:p="http://schemas.openxmlformats.org/presentationml/2006/main">
+  <p:cSld>
+    <p:spTree>
+      <p:nvGrpSpPr>
+        <p:cNvPr id="1" name=""/>
+        <p:cNvGrpSpPr/>
+        <p:nvPr/>
+      </p:nvGrpSpPr>
+      <p:grpSpPr>
+        <a:xfrm>
+          <a:off x="0" y="0"/>
+          <a:ext cx="0" cy="0"/>
+          <a:chOff x="0" y="0"/>
+          <a:chExt cx="0" cy="0"/>
+        </a:xfrm>
+      </p:grpSpPr>
+      <p:sp>
+        <p:nvSpPr>
+          <p:cNvPr id="3" name="雲朵形 2"/>
+          <p:cNvSpPr/>
+          <p:nvPr/>
+        </p:nvSpPr>
+        <p:spPr>
+          <a:xfrm>
+            <a:off x="4600575" y="3657757"/>
+            <a:ext cx="4399046" cy="2240295"/>
+          </a:xfrm>
+          <a:prstGeom prst="cloud">
+            <a:avLst/>
+          </a:prstGeom>
+          <a:solidFill>
+            <a:schemeClr val="accent1">
+              <a:lumMod val="20000"/>
+              <a:lumOff val="80000"/>
+            </a:schemeClr>
+          </a:solidFill>
+          <a:ln>
+            <a:noFill/>
+          </a:ln>
+        </p:spPr>
+        <p:style>
+          <a:lnRef idx="2">
+            <a:schemeClr val="accent1">
+              <a:shade val="50000"/>
+            </a:schemeClr>
+          </a:lnRef>
+          <a:fillRef idx="1">
+            <a:schemeClr val="accent1"/>
+          </a:fillRef>
+          <a:effectRef idx="0">
+            <a:schemeClr val="accent1"/>
+          </a:effectRef>
+          <a:fontRef idx="minor">
+            <a:schemeClr val="lt1"/>
+          </a:fontRef>
+        </p:style>
+        <p:txBody>
+          <a:bodyPr rtlCol="0" anchor="ctr"/>
+          <a:lstStyle/>
+          <a:p>
+            <a:pPr algn="ctr"/>
+            <a:endParaRPr lang="zh-TW" altLang="en-US"/>
+          </a:p>
+        </p:txBody>
+      </p:sp>
+      <p:sp>
+        <p:nvSpPr>
+          <p:cNvPr id="4" name="投影片編號版面配置區 3"/>
+          <p:cNvSpPr>
+            <a:spLocks noGrp="1"/>
+          </p:cNvSpPr>
+          <p:nvPr>
+            <p:ph type="sldNum" sz="quarter" idx="12"/>
+          </p:nvPr>
+        </p:nvSpPr>
+        <p:spPr/>
+        <p:txBody>
+          <a:bodyPr/>
+          <a:lstStyle/>
+          <a:p>
+            <a:fld id="{C128DF73-0FD1-4EFB-B6B9-20BE1557E8C1}" type="slidenum">
+              <a:rPr lang="zh-TW" altLang="en-US" smtClean="0"/>
+              <a:t>23</a:t>
+            </a:fld>
+            <a:endParaRPr lang="zh-TW" altLang="en-US"/>
+          </a:p>
+        </p:txBody>
+      </p:sp>
+      <p:sp>
+        <p:nvSpPr>
+          <p:cNvPr id="5" name="橢圓 4"/>
+          <p:cNvSpPr/>
+          <p:nvPr/>
+        </p:nvSpPr>
+        <p:spPr>
+          <a:xfrm>
+            <a:off x="345688" y="920843"/>
+            <a:ext cx="172720" cy="162560"/>
+          </a:xfrm>
+          <a:prstGeom prst="ellipse">
+            <a:avLst/>
+          </a:prstGeom>
+          <a:solidFill>
+            <a:schemeClr val="tx1">
+              <a:lumMod val="65000"/>
+              <a:lumOff val="35000"/>
+            </a:schemeClr>
+          </a:solidFill>
+          <a:ln>
+            <a:noFill/>
+          </a:ln>
+        </p:spPr>
+        <p:style>
+          <a:lnRef idx="2">
+            <a:schemeClr val="accent1">
+              <a:shade val="50000"/>
+            </a:schemeClr>
+          </a:lnRef>
+          <a:fillRef idx="1">
+            <a:schemeClr val="accent1"/>
+          </a:fillRef>
+          <a:effectRef idx="0">
+            <a:schemeClr val="accent1"/>
+          </a:effectRef>
+          <a:fontRef idx="minor">
+            <a:schemeClr val="lt1"/>
+          </a:fontRef>
+        </p:style>
+        <p:txBody>
+          <a:bodyPr rtlCol="0" anchor="ctr"/>
+          <a:lstStyle/>
+          <a:p>
+            <a:pPr algn="ctr"/>
+            <a:endParaRPr lang="zh-TW" altLang="en-US"/>
+          </a:p>
+        </p:txBody>
+      </p:sp>
+      <p:cxnSp>
+        <p:nvCxnSpPr>
+          <p:cNvPr id="6" name="直線接點 5"/>
+          <p:cNvCxnSpPr>
+            <a:stCxn id="5" idx="6"/>
+          </p:cNvCxnSpPr>
+          <p:nvPr/>
+        </p:nvCxnSpPr>
+        <p:spPr>
+          <a:xfrm>
+            <a:off x="518408" y="1002123"/>
+            <a:ext cx="9226483" cy="0"/>
+          </a:xfrm>
+          <a:prstGeom prst="line">
+            <a:avLst/>
+          </a:prstGeom>
+          <a:ln w="25400">
+            <a:solidFill>
+              <a:schemeClr val="tx1">
+                <a:lumMod val="65000"/>
+                <a:lumOff val="35000"/>
+              </a:schemeClr>
+            </a:solidFill>
+          </a:ln>
+        </p:spPr>
+        <p:style>
+          <a:lnRef idx="1">
+            <a:schemeClr val="accent1"/>
+          </a:lnRef>
+          <a:fillRef idx="0">
+            <a:schemeClr val="accent1"/>
+          </a:fillRef>
+          <a:effectRef idx="0">
+            <a:schemeClr val="accent1"/>
+          </a:effectRef>
+          <a:fontRef idx="minor">
+            <a:schemeClr val="tx1"/>
+          </a:fontRef>
+        </p:style>
+      </p:cxnSp>
+      <p:sp>
+        <p:nvSpPr>
+          <p:cNvPr id="7" name="矩形 6"/>
+          <p:cNvSpPr/>
+          <p:nvPr/>
+        </p:nvSpPr>
+        <p:spPr>
+          <a:xfrm>
+            <a:off x="432048" y="417348"/>
+            <a:ext cx="9412128" cy="584775"/>
+          </a:xfrm>
+          <a:prstGeom prst="rect">
+            <a:avLst/>
+          </a:prstGeom>
+          <a:noFill/>
+        </p:spPr>
+        <p:txBody>
+          <a:bodyPr wrap="none" lIns="91440" tIns="45720" rIns="91440" bIns="45720">
+            <a:spAutoFit/>
+          </a:bodyPr>
+          <a:lstStyle/>
+          <a:p>
+            <a:pPr algn="ctr"/>
+            <a:r>
+              <a:rPr lang="en-US" altLang="zh-TW" sz="3200" b="1" dirty="0" smtClean="0">
+                <a:ln w="0"/>
+                <a:solidFill>
+                  <a:schemeClr val="accent1"/>
+                </a:solidFill>
+                <a:effectLst>
+                  <a:outerShdw blurRad="38100" dist="25400" dir="5400000" algn="ctr" rotWithShape="0">
+                    <a:srgbClr val="6E747A">
+                      <a:alpha val="43000"/>
+                    </a:srgbClr>
+                  </a:outerShdw>
+                </a:effectLst>
+                <a:latin typeface="Times New Roman" panose="02020603050405020304" pitchFamily="18" charset="0"/>
+                <a:cs typeface="Times New Roman" panose="02020603050405020304" pitchFamily="18" charset="0"/>
+              </a:rPr>
+              <a:t>MEC-Based UAVs’ Traffic Management Framework</a:t>
+            </a:r>
+            <a:endParaRPr lang="zh-TW" altLang="en-US" sz="3200" b="1" cap="none" spc="0" dirty="0">
+              <a:ln w="0"/>
+              <a:solidFill>
+                <a:schemeClr val="accent1"/>
+              </a:solidFill>
+              <a:effectLst>
+                <a:outerShdw blurRad="38100" dist="25400" dir="5400000" algn="ctr" rotWithShape="0">
+                  <a:srgbClr val="6E747A">
+                    <a:alpha val="43000"/>
+                  </a:srgbClr>
+                </a:outerShdw>
+              </a:effectLst>
+              <a:latin typeface="Times New Roman" panose="02020603050405020304" pitchFamily="18" charset="0"/>
+              <a:cs typeface="Times New Roman" panose="02020603050405020304" pitchFamily="18" charset="0"/>
+            </a:endParaRPr>
+          </a:p>
+        </p:txBody>
+      </p:sp>
+      <p:sp>
+        <p:nvSpPr>
+          <p:cNvPr id="8" name="文字方塊 7"/>
+          <p:cNvSpPr txBox="1"/>
+          <p:nvPr/>
+        </p:nvSpPr>
+        <p:spPr>
+          <a:xfrm>
+            <a:off x="786310" y="1323189"/>
+            <a:ext cx="10567490" cy="1477328"/>
+          </a:xfrm>
+          <a:prstGeom prst="rect">
+            <a:avLst/>
+          </a:prstGeom>
+          <a:noFill/>
+        </p:spPr>
+        <p:txBody>
+          <a:bodyPr wrap="square" rtlCol="0">
+            <a:spAutoFit/>
+          </a:bodyPr>
+          <a:lstStyle/>
+          <a:p>
+            <a:pPr algn="just"/>
+            <a:r>
+              <a:rPr lang="en-US" altLang="zh-TW" b="1" dirty="0" smtClean="0">
+                <a:latin typeface="Times New Roman" panose="02020603050405020304" pitchFamily="18" charset="0"/>
+                <a:cs typeface="Times New Roman" panose="02020603050405020304" pitchFamily="18" charset="0"/>
+              </a:rPr>
+              <a:t>C. Mobile edge computing :</a:t>
+            </a:r>
+          </a:p>
+          <a:p>
+            <a:pPr algn="just"/>
+            <a:r>
+              <a:rPr lang="en-US" altLang="zh-TW" dirty="0">
+                <a:latin typeface="Times New Roman" panose="02020603050405020304" pitchFamily="18" charset="0"/>
+                <a:cs typeface="Times New Roman" panose="02020603050405020304" pitchFamily="18" charset="0"/>
+              </a:rPr>
+              <a:t> </a:t>
+            </a:r>
+            <a:r>
+              <a:rPr lang="en-US" altLang="zh-TW" dirty="0" smtClean="0">
+                <a:latin typeface="Times New Roman" panose="02020603050405020304" pitchFamily="18" charset="0"/>
+                <a:cs typeface="Times New Roman" panose="02020603050405020304" pitchFamily="18" charset="0"/>
+              </a:rPr>
+              <a:t>    </a:t>
+            </a:r>
+            <a:r>
+              <a:rPr lang="en-US" altLang="zh-TW" dirty="0" smtClean="0">
+                <a:latin typeface="Times New Roman" panose="02020603050405020304" pitchFamily="18" charset="0"/>
+                <a:cs typeface="Times New Roman" panose="02020603050405020304" pitchFamily="18" charset="0"/>
+              </a:rPr>
+              <a:t>In this framework, MEC nodes are used to host UAVs Flight Controller service (UFC). The UFC is responsible for the monitoring and controlling the UAVs that connected to MEC nodes. Also, UFC collects information (i.e., geo-fences, weather forecasts and location of interest) and command from cloud-hosted services, and accordingly adapts UAVs’ flights.</a:t>
+            </a:r>
+            <a:endParaRPr lang="zh-TW" altLang="en-US" dirty="0">
+              <a:latin typeface="Times New Roman" panose="02020603050405020304" pitchFamily="18" charset="0"/>
+              <a:cs typeface="Times New Roman" panose="02020603050405020304" pitchFamily="18" charset="0"/>
+            </a:endParaRPr>
+          </a:p>
+        </p:txBody>
+      </p:sp>
+      <p:pic>
+        <p:nvPicPr>
+          <p:cNvPr id="2" name="圖片 1"/>
+          <p:cNvPicPr>
+            <a:picLocks noChangeAspect="1"/>
+          </p:cNvPicPr>
+          <p:nvPr/>
+        </p:nvPicPr>
+        <p:blipFill>
+          <a:blip r:embed="rId2">
+            <a:extLst>
+              <a:ext uri="{BEBA8EAE-BF5A-486C-A8C5-ECC9F3942E4B}">
+                <a14:imgProps xmlns:a14="http://schemas.microsoft.com/office/drawing/2010/main">
+                  <a14:imgLayer r:embed="rId3">
+                    <a14:imgEffect>
+                      <a14:backgroundRemoval t="0" b="100000" l="0" r="100000"/>
+                    </a14:imgEffect>
+                  </a14:imgLayer>
+                </a14:imgProps>
+              </a:ext>
+            </a:extLst>
+          </a:blip>
+          <a:stretch>
+            <a:fillRect/>
+          </a:stretch>
+        </p:blipFill>
+        <p:spPr>
+          <a:xfrm>
+            <a:off x="5159687" y="3894704"/>
+            <a:ext cx="704851" cy="1355759"/>
+          </a:xfrm>
+          <a:prstGeom prst="rect">
+            <a:avLst/>
+          </a:prstGeom>
+        </p:spPr>
+      </p:pic>
+      <p:pic>
+        <p:nvPicPr>
+          <p:cNvPr id="9" name="圖片 8"/>
+          <p:cNvPicPr>
+            <a:picLocks noChangeAspect="1"/>
+          </p:cNvPicPr>
+          <p:nvPr/>
+        </p:nvPicPr>
+        <p:blipFill>
+          <a:blip r:embed="rId4" cstate="print">
+            <a:extLst>
+              <a:ext uri="{BEBA8EAE-BF5A-486C-A8C5-ECC9F3942E4B}">
+                <a14:imgProps xmlns:a14="http://schemas.microsoft.com/office/drawing/2010/main">
+                  <a14:imgLayer r:embed="rId5">
+                    <a14:imgEffect>
+                      <a14:backgroundRemoval t="0" b="100000" l="0" r="100000"/>
+                    </a14:imgEffect>
+                  </a14:imgLayer>
+                </a14:imgProps>
+              </a:ext>
+              <a:ext uri="{28A0092B-C50C-407E-A947-70E740481C1C}">
+                <a14:useLocalDpi xmlns:a14="http://schemas.microsoft.com/office/drawing/2010/main" val="0"/>
+              </a:ext>
+            </a:extLst>
+          </a:blip>
+          <a:stretch>
+            <a:fillRect/>
+          </a:stretch>
+        </p:blipFill>
+        <p:spPr>
+          <a:xfrm>
+            <a:off x="2998818" y="3275140"/>
+            <a:ext cx="488496" cy="488496"/>
+          </a:xfrm>
+          <a:prstGeom prst="rect">
+            <a:avLst/>
+          </a:prstGeom>
+        </p:spPr>
+      </p:pic>
+      <p:pic>
+        <p:nvPicPr>
+          <p:cNvPr id="10" name="圖片 9"/>
+          <p:cNvPicPr>
+            <a:picLocks noChangeAspect="1"/>
+          </p:cNvPicPr>
+          <p:nvPr/>
+        </p:nvPicPr>
+        <p:blipFill>
+          <a:blip r:embed="rId4" cstate="print">
+            <a:extLst>
+              <a:ext uri="{BEBA8EAE-BF5A-486C-A8C5-ECC9F3942E4B}">
+                <a14:imgProps xmlns:a14="http://schemas.microsoft.com/office/drawing/2010/main">
+                  <a14:imgLayer r:embed="rId5">
+                    <a14:imgEffect>
+                      <a14:backgroundRemoval t="0" b="100000" l="0" r="100000"/>
+                    </a14:imgEffect>
+                  </a14:imgLayer>
+                </a14:imgProps>
+              </a:ext>
+              <a:ext uri="{28A0092B-C50C-407E-A947-70E740481C1C}">
+                <a14:useLocalDpi xmlns:a14="http://schemas.microsoft.com/office/drawing/2010/main" val="0"/>
+              </a:ext>
+            </a:extLst>
+          </a:blip>
+          <a:stretch>
+            <a:fillRect/>
+          </a:stretch>
+        </p:blipFill>
+        <p:spPr>
+          <a:xfrm>
+            <a:off x="2211939" y="3885052"/>
+            <a:ext cx="488496" cy="488496"/>
+          </a:xfrm>
+          <a:prstGeom prst="rect">
+            <a:avLst/>
+          </a:prstGeom>
+        </p:spPr>
+      </p:pic>
+      <p:pic>
+        <p:nvPicPr>
+          <p:cNvPr id="11" name="圖片 10"/>
+          <p:cNvPicPr>
+            <a:picLocks noChangeAspect="1"/>
+          </p:cNvPicPr>
+          <p:nvPr/>
+        </p:nvPicPr>
+        <p:blipFill>
+          <a:blip r:embed="rId4" cstate="print">
+            <a:extLst>
+              <a:ext uri="{BEBA8EAE-BF5A-486C-A8C5-ECC9F3942E4B}">
+                <a14:imgProps xmlns:a14="http://schemas.microsoft.com/office/drawing/2010/main">
+                  <a14:imgLayer r:embed="rId5">
+                    <a14:imgEffect>
+                      <a14:backgroundRemoval t="0" b="100000" l="0" r="100000"/>
+                    </a14:imgEffect>
+                  </a14:imgLayer>
+                </a14:imgProps>
+              </a:ext>
+              <a:ext uri="{28A0092B-C50C-407E-A947-70E740481C1C}">
+                <a14:useLocalDpi xmlns:a14="http://schemas.microsoft.com/office/drawing/2010/main" val="0"/>
+              </a:ext>
+            </a:extLst>
+          </a:blip>
+          <a:stretch>
+            <a:fillRect/>
+          </a:stretch>
+        </p:blipFill>
+        <p:spPr>
+          <a:xfrm>
+            <a:off x="2456187" y="5393231"/>
+            <a:ext cx="488496" cy="488496"/>
+          </a:xfrm>
+          <a:prstGeom prst="rect">
+            <a:avLst/>
+          </a:prstGeom>
+        </p:spPr>
+      </p:pic>
+      <p:pic>
+        <p:nvPicPr>
+          <p:cNvPr id="12" name="圖片 11"/>
+          <p:cNvPicPr>
+            <a:picLocks noChangeAspect="1"/>
+          </p:cNvPicPr>
+          <p:nvPr/>
+        </p:nvPicPr>
+        <p:blipFill>
+          <a:blip r:embed="rId4" cstate="print">
+            <a:extLst>
+              <a:ext uri="{BEBA8EAE-BF5A-486C-A8C5-ECC9F3942E4B}">
+                <a14:imgProps xmlns:a14="http://schemas.microsoft.com/office/drawing/2010/main">
+                  <a14:imgLayer r:embed="rId5">
+                    <a14:imgEffect>
+                      <a14:backgroundRemoval t="0" b="100000" l="0" r="100000"/>
+                    </a14:imgEffect>
+                  </a14:imgLayer>
+                </a14:imgProps>
+              </a:ext>
+              <a:ext uri="{28A0092B-C50C-407E-A947-70E740481C1C}">
+                <a14:useLocalDpi xmlns:a14="http://schemas.microsoft.com/office/drawing/2010/main" val="0"/>
+              </a:ext>
+            </a:extLst>
+          </a:blip>
+          <a:stretch>
+            <a:fillRect/>
+          </a:stretch>
+        </p:blipFill>
+        <p:spPr>
+          <a:xfrm>
+            <a:off x="3082049" y="4715351"/>
+            <a:ext cx="488496" cy="488496"/>
+          </a:xfrm>
+          <a:prstGeom prst="rect">
+            <a:avLst/>
+          </a:prstGeom>
+        </p:spPr>
+      </p:pic>
+      <p:pic>
+        <p:nvPicPr>
+          <p:cNvPr id="2050" name="Picture 2" descr="「server icon」的圖片搜尋結果"/>
+          <p:cNvPicPr>
+            <a:picLocks noChangeAspect="1" noChangeArrowheads="1"/>
+          </p:cNvPicPr>
+          <p:nvPr/>
+        </p:nvPicPr>
+        <p:blipFill>
+          <a:blip r:embed="rId6" cstate="print">
+            <a:extLst>
+              <a:ext uri="{BEBA8EAE-BF5A-486C-A8C5-ECC9F3942E4B}">
+                <a14:imgProps xmlns:a14="http://schemas.microsoft.com/office/drawing/2010/main">
+                  <a14:imgLayer r:embed="rId7">
+                    <a14:imgEffect>
+                      <a14:backgroundRemoval t="0" b="100000" l="0" r="100000"/>
+                    </a14:imgEffect>
+                  </a14:imgLayer>
+                </a14:imgProps>
+              </a:ext>
+              <a:ext uri="{28A0092B-C50C-407E-A947-70E740481C1C}">
+                <a14:useLocalDpi xmlns:a14="http://schemas.microsoft.com/office/drawing/2010/main" val="0"/>
+              </a:ext>
+            </a:extLst>
+          </a:blip>
+          <a:srcRect/>
+          <a:stretch>
+            <a:fillRect/>
+          </a:stretch>
+        </p:blipFill>
+        <p:spPr bwMode="auto">
+          <a:xfrm>
+            <a:off x="7372931" y="4149990"/>
+            <a:ext cx="1028282" cy="1028282"/>
+          </a:xfrm>
+          <a:prstGeom prst="rect">
+            <a:avLst/>
+          </a:prstGeom>
+          <a:noFill/>
+          <a:extLst>
+            <a:ext uri="{909E8E84-426E-40DD-AFC4-6F175D3DCCD1}">
+              <a14:hiddenFill xmlns:a14="http://schemas.microsoft.com/office/drawing/2010/main">
+                <a:solidFill>
+                  <a:srgbClr val="FFFFFF"/>
+                </a:solidFill>
+              </a14:hiddenFill>
+            </a:ext>
+          </a:extLst>
+        </p:spPr>
+      </p:pic>
+      <p:pic>
+        <p:nvPicPr>
+          <p:cNvPr id="2054" name="Picture 6" descr="「Service icon」的圖片搜尋結果"/>
+          <p:cNvPicPr>
+            <a:picLocks noChangeAspect="1" noChangeArrowheads="1"/>
+          </p:cNvPicPr>
+          <p:nvPr/>
+        </p:nvPicPr>
+        <p:blipFill>
+          <a:blip r:embed="rId8" cstate="print">
+            <a:extLst>
+              <a:ext uri="{BEBA8EAE-BF5A-486C-A8C5-ECC9F3942E4B}">
+                <a14:imgProps xmlns:a14="http://schemas.microsoft.com/office/drawing/2010/main">
+                  <a14:imgLayer r:embed="rId9">
+                    <a14:imgEffect>
+                      <a14:backgroundRemoval t="0" b="100000" l="0" r="100000"/>
+                    </a14:imgEffect>
+                  </a14:imgLayer>
+                </a14:imgProps>
+              </a:ext>
+              <a:ext uri="{28A0092B-C50C-407E-A947-70E740481C1C}">
+                <a14:useLocalDpi xmlns:a14="http://schemas.microsoft.com/office/drawing/2010/main" val="0"/>
+              </a:ext>
+            </a:extLst>
+          </a:blip>
+          <a:srcRect/>
+          <a:stretch>
+            <a:fillRect/>
+          </a:stretch>
+        </p:blipFill>
+        <p:spPr bwMode="auto">
+          <a:xfrm>
+            <a:off x="6192352" y="4282392"/>
+            <a:ext cx="856274" cy="856274"/>
+          </a:xfrm>
+          <a:prstGeom prst="rect">
+            <a:avLst/>
+          </a:prstGeom>
+          <a:noFill/>
+          <a:extLst>
+            <a:ext uri="{909E8E84-426E-40DD-AFC4-6F175D3DCCD1}">
+              <a14:hiddenFill xmlns:a14="http://schemas.microsoft.com/office/drawing/2010/main">
+                <a:solidFill>
+                  <a:srgbClr val="FFFFFF"/>
+                </a:solidFill>
+              </a14:hiddenFill>
+            </a:ext>
+          </a:extLst>
+        </p:spPr>
+      </p:pic>
+      <p:sp>
+        <p:nvSpPr>
+          <p:cNvPr id="13" name="文字方塊 12"/>
+          <p:cNvSpPr txBox="1"/>
+          <p:nvPr/>
+        </p:nvSpPr>
+        <p:spPr>
+          <a:xfrm>
+            <a:off x="5333815" y="5212817"/>
+            <a:ext cx="370614" cy="307777"/>
+          </a:xfrm>
+          <a:prstGeom prst="rect">
+            <a:avLst/>
+          </a:prstGeom>
+          <a:noFill/>
+        </p:spPr>
+        <p:txBody>
+          <a:bodyPr wrap="none" rtlCol="0">
+            <a:spAutoFit/>
+          </a:bodyPr>
+          <a:lstStyle/>
+          <a:p>
+            <a:r>
+              <a:rPr lang="en-US" altLang="zh-TW" sz="1400" b="1" dirty="0" smtClean="0"/>
+              <a:t>BS</a:t>
+            </a:r>
+            <a:endParaRPr lang="zh-TW" altLang="en-US" sz="1400" b="1" dirty="0"/>
+          </a:p>
+        </p:txBody>
+      </p:sp>
+      <p:sp>
+        <p:nvSpPr>
+          <p:cNvPr id="14" name="文字方塊 13"/>
+          <p:cNvSpPr txBox="1"/>
+          <p:nvPr/>
+        </p:nvSpPr>
+        <p:spPr>
+          <a:xfrm>
+            <a:off x="7420301" y="5212817"/>
+            <a:ext cx="1056892" cy="307777"/>
+          </a:xfrm>
+          <a:prstGeom prst="rect">
+            <a:avLst/>
+          </a:prstGeom>
+          <a:noFill/>
+        </p:spPr>
+        <p:txBody>
+          <a:bodyPr wrap="none" rtlCol="0">
+            <a:spAutoFit/>
+          </a:bodyPr>
+          <a:lstStyle/>
+          <a:p>
+            <a:r>
+              <a:rPr lang="en-US" altLang="zh-TW" sz="1400" b="1" dirty="0" smtClean="0"/>
+              <a:t>Edge Server</a:t>
+            </a:r>
+            <a:endParaRPr lang="zh-TW" altLang="en-US" sz="1400" b="1" dirty="0"/>
+          </a:p>
+        </p:txBody>
+      </p:sp>
+      <p:sp>
+        <p:nvSpPr>
+          <p:cNvPr id="18" name="文字方塊 17"/>
+          <p:cNvSpPr txBox="1"/>
+          <p:nvPr/>
+        </p:nvSpPr>
+        <p:spPr>
+          <a:xfrm>
+            <a:off x="6404085" y="5212819"/>
+            <a:ext cx="476669" cy="307777"/>
+          </a:xfrm>
+          <a:prstGeom prst="rect">
+            <a:avLst/>
+          </a:prstGeom>
+          <a:noFill/>
+        </p:spPr>
+        <p:txBody>
+          <a:bodyPr wrap="none" rtlCol="0">
+            <a:spAutoFit/>
+          </a:bodyPr>
+          <a:lstStyle/>
+          <a:p>
+            <a:r>
+              <a:rPr lang="en-US" altLang="zh-TW" sz="1400" b="1" dirty="0" smtClean="0"/>
+              <a:t>UFC</a:t>
+            </a:r>
+            <a:endParaRPr lang="zh-TW" altLang="en-US" sz="1400" b="1" dirty="0"/>
+          </a:p>
+        </p:txBody>
+      </p:sp>
+      <p:cxnSp>
+        <p:nvCxnSpPr>
+          <p:cNvPr id="16" name="直線接點 15"/>
+          <p:cNvCxnSpPr>
+            <a:stCxn id="9" idx="3"/>
+          </p:cNvCxnSpPr>
+          <p:nvPr/>
+        </p:nvCxnSpPr>
+        <p:spPr>
+          <a:xfrm>
+            <a:off x="3487314" y="3519388"/>
+            <a:ext cx="1846501" cy="763004"/>
+          </a:xfrm>
+          <a:prstGeom prst="line">
+            <a:avLst/>
+          </a:prstGeom>
+          <a:ln w="28575">
+            <a:solidFill>
+              <a:srgbClr val="00B050"/>
+            </a:solidFill>
+            <a:prstDash val="dash"/>
+          </a:ln>
+        </p:spPr>
+        <p:style>
+          <a:lnRef idx="1">
+            <a:schemeClr val="accent1"/>
+          </a:lnRef>
+          <a:fillRef idx="0">
+            <a:schemeClr val="accent1"/>
+          </a:fillRef>
+          <a:effectRef idx="0">
+            <a:schemeClr val="accent1"/>
+          </a:effectRef>
+          <a:fontRef idx="minor">
+            <a:schemeClr val="tx1"/>
+          </a:fontRef>
+        </p:style>
+      </p:cxnSp>
+      <p:cxnSp>
+        <p:nvCxnSpPr>
+          <p:cNvPr id="21" name="直線接點 20"/>
+          <p:cNvCxnSpPr>
+            <a:stCxn id="10" idx="3"/>
+            <a:endCxn id="2" idx="1"/>
+          </p:cNvCxnSpPr>
+          <p:nvPr/>
+        </p:nvCxnSpPr>
+        <p:spPr>
+          <a:xfrm>
+            <a:off x="2700435" y="4129300"/>
+            <a:ext cx="2459252" cy="443284"/>
+          </a:xfrm>
+          <a:prstGeom prst="line">
+            <a:avLst/>
+          </a:prstGeom>
+          <a:ln w="28575">
+            <a:solidFill>
+              <a:srgbClr val="00B050"/>
+            </a:solidFill>
+            <a:prstDash val="dash"/>
+          </a:ln>
+        </p:spPr>
+        <p:style>
+          <a:lnRef idx="1">
+            <a:schemeClr val="accent1"/>
+          </a:lnRef>
+          <a:fillRef idx="0">
+            <a:schemeClr val="accent1"/>
+          </a:fillRef>
+          <a:effectRef idx="0">
+            <a:schemeClr val="accent1"/>
+          </a:effectRef>
+          <a:fontRef idx="minor">
+            <a:schemeClr val="tx1"/>
+          </a:fontRef>
+        </p:style>
+      </p:cxnSp>
+      <p:cxnSp>
+        <p:nvCxnSpPr>
+          <p:cNvPr id="24" name="直線接點 23"/>
+          <p:cNvCxnSpPr>
+            <a:stCxn id="12" idx="3"/>
+          </p:cNvCxnSpPr>
+          <p:nvPr/>
+        </p:nvCxnSpPr>
+        <p:spPr>
+          <a:xfrm flipV="1">
+            <a:off x="3570545" y="4807180"/>
+            <a:ext cx="1577941" cy="152419"/>
+          </a:xfrm>
+          <a:prstGeom prst="line">
+            <a:avLst/>
+          </a:prstGeom>
+          <a:ln w="28575">
+            <a:solidFill>
+              <a:srgbClr val="00B050"/>
+            </a:solidFill>
+            <a:prstDash val="dash"/>
+          </a:ln>
+        </p:spPr>
+        <p:style>
+          <a:lnRef idx="1">
+            <a:schemeClr val="accent1"/>
+          </a:lnRef>
+          <a:fillRef idx="0">
+            <a:schemeClr val="accent1"/>
+          </a:fillRef>
+          <a:effectRef idx="0">
+            <a:schemeClr val="accent1"/>
+          </a:effectRef>
+          <a:fontRef idx="minor">
+            <a:schemeClr val="tx1"/>
+          </a:fontRef>
+        </p:style>
+      </p:cxnSp>
+      <p:cxnSp>
+        <p:nvCxnSpPr>
+          <p:cNvPr id="27" name="直線接點 26"/>
+          <p:cNvCxnSpPr>
+            <a:stCxn id="11" idx="3"/>
+          </p:cNvCxnSpPr>
+          <p:nvPr/>
+        </p:nvCxnSpPr>
+        <p:spPr>
+          <a:xfrm flipV="1">
+            <a:off x="2944683" y="5044127"/>
+            <a:ext cx="2380553" cy="593352"/>
+          </a:xfrm>
+          <a:prstGeom prst="line">
+            <a:avLst/>
+          </a:prstGeom>
+          <a:ln w="28575">
+            <a:solidFill>
+              <a:srgbClr val="00B050"/>
+            </a:solidFill>
+            <a:prstDash val="dash"/>
+          </a:ln>
+        </p:spPr>
+        <p:style>
+          <a:lnRef idx="1">
+            <a:schemeClr val="accent1"/>
+          </a:lnRef>
+          <a:fillRef idx="0">
+            <a:schemeClr val="accent1"/>
+          </a:fillRef>
+          <a:effectRef idx="0">
+            <a:schemeClr val="accent1"/>
+          </a:effectRef>
+          <a:fontRef idx="minor">
+            <a:schemeClr val="tx1"/>
+          </a:fontRef>
+        </p:style>
+      </p:cxnSp>
+      <p:sp>
+        <p:nvSpPr>
+          <p:cNvPr id="26" name="文字方塊 25"/>
+          <p:cNvSpPr txBox="1"/>
+          <p:nvPr/>
+        </p:nvSpPr>
+        <p:spPr>
+          <a:xfrm>
+            <a:off x="6402058" y="5942535"/>
+            <a:ext cx="614784" cy="369332"/>
+          </a:xfrm>
+          <a:prstGeom prst="rect">
+            <a:avLst/>
+          </a:prstGeom>
+          <a:noFill/>
+        </p:spPr>
+        <p:txBody>
+          <a:bodyPr wrap="none" rtlCol="0">
+            <a:spAutoFit/>
+          </a:bodyPr>
+          <a:lstStyle/>
+          <a:p>
+            <a:r>
+              <a:rPr lang="en-US" altLang="zh-TW" b="1" dirty="0" smtClean="0">
+                <a:solidFill>
+                  <a:srgbClr val="FF0000"/>
+                </a:solidFill>
+              </a:rPr>
+              <a:t>MEC</a:t>
+            </a:r>
+            <a:endParaRPr lang="zh-TW" altLang="en-US" b="1" dirty="0">
+              <a:solidFill>
+                <a:srgbClr val="FF0000"/>
+              </a:solidFill>
+            </a:endParaRPr>
+          </a:p>
+        </p:txBody>
+      </p:sp>
+    </p:spTree>
+    <p:extLst>
+      <p:ext uri="{BB962C8B-B14F-4D97-AF65-F5344CB8AC3E}">
+        <p14:creationId xmlns:p14="http://schemas.microsoft.com/office/powerpoint/2010/main" val="3654689462"/>
+      </p:ext>
+    </p:extLst>
+  </p:cSld>
+  <p:clrMapOvr>
+    <a:masterClrMapping/>
+  </p:clrMapOvr>
+  <p:timing>
+    <p:tnLst>
+      <p:par>
+        <p:cTn id="1" dur="indefinite" restart="never" nodeType="tmRoot"/>
+      </p:par>
+    </p:tnLst>
+  </p:timing>
+</p:sld>
+</file>
+
+<file path=ppt/slides/slide24.xml><?xml version="1.0" encoding="utf-8"?>
+<p:sld xmlns:a="http://schemas.openxmlformats.org/drawingml/2006/main" xmlns:r="http://schemas.openxmlformats.org/officeDocument/2006/relationships" xmlns:p="http://schemas.openxmlformats.org/presentationml/2006/main">
+  <p:cSld>
+    <p:spTree>
+      <p:nvGrpSpPr>
+        <p:cNvPr id="1" name=""/>
+        <p:cNvGrpSpPr/>
+        <p:nvPr/>
+      </p:nvGrpSpPr>
+      <p:grpSpPr>
+        <a:xfrm>
+          <a:off x="0" y="0"/>
+          <a:ext cx="0" cy="0"/>
+          <a:chOff x="0" y="0"/>
+          <a:chExt cx="0" cy="0"/>
+        </a:xfrm>
+      </p:grpSpPr>
+      <p:sp>
+        <p:nvSpPr>
+          <p:cNvPr id="4" name="投影片編號版面配置區 3"/>
+          <p:cNvSpPr>
+            <a:spLocks noGrp="1"/>
+          </p:cNvSpPr>
+          <p:nvPr>
+            <p:ph type="sldNum" sz="quarter" idx="12"/>
+          </p:nvPr>
+        </p:nvSpPr>
+        <p:spPr/>
+        <p:txBody>
+          <a:bodyPr/>
+          <a:lstStyle/>
+          <a:p>
+            <a:fld id="{C128DF73-0FD1-4EFB-B6B9-20BE1557E8C1}" type="slidenum">
+              <a:rPr lang="zh-TW" altLang="en-US" smtClean="0"/>
+              <a:t>24</a:t>
+            </a:fld>
+            <a:endParaRPr lang="zh-TW" altLang="en-US"/>
+          </a:p>
+        </p:txBody>
+      </p:sp>
+      <p:sp>
+        <p:nvSpPr>
+          <p:cNvPr id="5" name="橢圓 4"/>
+          <p:cNvSpPr/>
+          <p:nvPr/>
+        </p:nvSpPr>
+        <p:spPr>
+          <a:xfrm>
+            <a:off x="345688" y="920843"/>
+            <a:ext cx="172720" cy="162560"/>
+          </a:xfrm>
+          <a:prstGeom prst="ellipse">
+            <a:avLst/>
+          </a:prstGeom>
+          <a:solidFill>
+            <a:schemeClr val="tx1">
+              <a:lumMod val="65000"/>
+              <a:lumOff val="35000"/>
+            </a:schemeClr>
+          </a:solidFill>
+          <a:ln>
+            <a:noFill/>
+          </a:ln>
+        </p:spPr>
+        <p:style>
+          <a:lnRef idx="2">
+            <a:schemeClr val="accent1">
+              <a:shade val="50000"/>
+            </a:schemeClr>
+          </a:lnRef>
+          <a:fillRef idx="1">
+            <a:schemeClr val="accent1"/>
+          </a:fillRef>
+          <a:effectRef idx="0">
+            <a:schemeClr val="accent1"/>
+          </a:effectRef>
+          <a:fontRef idx="minor">
+            <a:schemeClr val="lt1"/>
+          </a:fontRef>
+        </p:style>
+        <p:txBody>
+          <a:bodyPr rtlCol="0" anchor="ctr"/>
+          <a:lstStyle/>
+          <a:p>
+            <a:pPr algn="ctr"/>
+            <a:endParaRPr lang="zh-TW" altLang="en-US"/>
+          </a:p>
+        </p:txBody>
+      </p:sp>
+      <p:cxnSp>
+        <p:nvCxnSpPr>
+          <p:cNvPr id="6" name="直線接點 5"/>
+          <p:cNvCxnSpPr>
+            <a:stCxn id="5" idx="6"/>
+          </p:cNvCxnSpPr>
+          <p:nvPr/>
+        </p:nvCxnSpPr>
+        <p:spPr>
+          <a:xfrm>
+            <a:off x="518408" y="1002123"/>
+            <a:ext cx="6893045" cy="0"/>
+          </a:xfrm>
+          <a:prstGeom prst="line">
+            <a:avLst/>
+          </a:prstGeom>
+          <a:ln w="25400">
+            <a:solidFill>
+              <a:schemeClr val="tx1">
+                <a:lumMod val="65000"/>
+                <a:lumOff val="35000"/>
+              </a:schemeClr>
+            </a:solidFill>
+          </a:ln>
+        </p:spPr>
+        <p:style>
+          <a:lnRef idx="1">
+            <a:schemeClr val="accent1"/>
+          </a:lnRef>
+          <a:fillRef idx="0">
+            <a:schemeClr val="accent1"/>
+          </a:fillRef>
+          <a:effectRef idx="0">
+            <a:schemeClr val="accent1"/>
+          </a:effectRef>
+          <a:fontRef idx="minor">
+            <a:schemeClr val="tx1"/>
+          </a:fontRef>
+        </p:style>
+      </p:cxnSp>
+      <p:sp>
+        <p:nvSpPr>
+          <p:cNvPr id="7" name="矩形 6"/>
+          <p:cNvSpPr/>
+          <p:nvPr/>
+        </p:nvSpPr>
+        <p:spPr>
+          <a:xfrm>
+            <a:off x="432048" y="417348"/>
+            <a:ext cx="7058087" cy="584775"/>
+          </a:xfrm>
+          <a:prstGeom prst="rect">
+            <a:avLst/>
+          </a:prstGeom>
+          <a:noFill/>
+        </p:spPr>
+        <p:txBody>
+          <a:bodyPr wrap="none" lIns="91440" tIns="45720" rIns="91440" bIns="45720">
+            <a:spAutoFit/>
+          </a:bodyPr>
+          <a:lstStyle/>
+          <a:p>
+            <a:pPr algn="ctr"/>
+            <a:r>
+              <a:rPr lang="en-US" altLang="zh-TW" sz="3200" b="1" dirty="0" smtClean="0">
+                <a:ln w="0"/>
+                <a:solidFill>
+                  <a:schemeClr val="accent1"/>
+                </a:solidFill>
+                <a:effectLst>
+                  <a:outerShdw blurRad="38100" dist="25400" dir="5400000" algn="ctr" rotWithShape="0">
+                    <a:srgbClr val="6E747A">
+                      <a:alpha val="43000"/>
+                    </a:srgbClr>
+                  </a:outerShdw>
+                </a:effectLst>
+                <a:latin typeface="Times New Roman" panose="02020603050405020304" pitchFamily="18" charset="0"/>
+                <a:cs typeface="Times New Roman" panose="02020603050405020304" pitchFamily="18" charset="0"/>
+              </a:rPr>
+              <a:t>Experimentation Tools and Parameters</a:t>
+            </a:r>
+            <a:endParaRPr lang="zh-TW" altLang="en-US" sz="3200" b="1" cap="none" spc="0" dirty="0">
+              <a:ln w="0"/>
+              <a:solidFill>
+                <a:schemeClr val="accent1"/>
+              </a:solidFill>
+              <a:effectLst>
+                <a:outerShdw blurRad="38100" dist="25400" dir="5400000" algn="ctr" rotWithShape="0">
+                  <a:srgbClr val="6E747A">
+                    <a:alpha val="43000"/>
+                  </a:srgbClr>
+                </a:outerShdw>
+              </a:effectLst>
+              <a:latin typeface="Times New Roman" panose="02020603050405020304" pitchFamily="18" charset="0"/>
+              <a:cs typeface="Times New Roman" panose="02020603050405020304" pitchFamily="18" charset="0"/>
+            </a:endParaRPr>
+          </a:p>
+        </p:txBody>
+      </p:sp>
+      <p:sp>
+        <p:nvSpPr>
+          <p:cNvPr id="9" name="文字方塊 8"/>
+          <p:cNvSpPr txBox="1"/>
+          <p:nvPr/>
+        </p:nvSpPr>
+        <p:spPr>
+          <a:xfrm>
+            <a:off x="518409" y="1402231"/>
+            <a:ext cx="3949118" cy="646331"/>
+          </a:xfrm>
+          <a:prstGeom prst="rect">
+            <a:avLst/>
+          </a:prstGeom>
+          <a:noFill/>
+        </p:spPr>
+        <p:txBody>
+          <a:bodyPr wrap="square" rtlCol="0">
+            <a:spAutoFit/>
+          </a:bodyPr>
+          <a:lstStyle/>
+          <a:p>
+            <a:pPr marL="285750" indent="-285750" algn="just">
+              <a:buFont typeface="Wingdings" panose="05000000000000000000" pitchFamily="2" charset="2"/>
+              <a:buChar char="p"/>
+            </a:pPr>
+            <a:r>
+              <a:rPr lang="en-US" altLang="zh-TW" dirty="0" smtClean="0">
+                <a:latin typeface="Times New Roman" panose="02020603050405020304" pitchFamily="18" charset="0"/>
+                <a:cs typeface="Times New Roman" panose="02020603050405020304" pitchFamily="18" charset="0"/>
+              </a:rPr>
+              <a:t>The edge server used in this testbed. It’s Intel Fog Reference Design.</a:t>
+            </a:r>
+            <a:endParaRPr lang="zh-TW" altLang="en-US" dirty="0">
+              <a:latin typeface="Times New Roman" panose="02020603050405020304" pitchFamily="18" charset="0"/>
+              <a:cs typeface="Times New Roman" panose="02020603050405020304" pitchFamily="18" charset="0"/>
+            </a:endParaRPr>
+          </a:p>
+        </p:txBody>
+      </p:sp>
+      <p:pic>
+        <p:nvPicPr>
+          <p:cNvPr id="3074" name="Picture 2" descr="https://i.imgur.com/5jMkY3J.png"/>
+          <p:cNvPicPr>
+            <a:picLocks noChangeAspect="1" noChangeArrowheads="1"/>
+          </p:cNvPicPr>
+          <p:nvPr/>
+        </p:nvPicPr>
+        <p:blipFill rotWithShape="1">
+          <a:blip r:embed="rId2">
+            <a:extLst>
+              <a:ext uri="{28A0092B-C50C-407E-A947-70E740481C1C}">
+                <a14:useLocalDpi xmlns:a14="http://schemas.microsoft.com/office/drawing/2010/main" val="0"/>
+              </a:ext>
+            </a:extLst>
+          </a:blip>
+          <a:srcRect l="170" t="-786" r="-10" b="21405"/>
+          <a:stretch/>
+        </p:blipFill>
+        <p:spPr bwMode="auto">
+          <a:xfrm>
+            <a:off x="5303231" y="1258917"/>
+            <a:ext cx="4872363" cy="1667666"/>
+          </a:xfrm>
+          <a:prstGeom prst="rect">
+            <a:avLst/>
+          </a:prstGeom>
+          <a:noFill/>
+          <a:extLst>
+            <a:ext uri="{909E8E84-426E-40DD-AFC4-6F175D3DCCD1}">
+              <a14:hiddenFill xmlns:a14="http://schemas.microsoft.com/office/drawing/2010/main">
+                <a:solidFill>
+                  <a:srgbClr val="FFFFFF"/>
+                </a:solidFill>
+              </a14:hiddenFill>
+            </a:ext>
+          </a:extLst>
+        </p:spPr>
+      </p:pic>
+      <p:sp>
+        <p:nvSpPr>
+          <p:cNvPr id="12" name="文字方塊 11"/>
+          <p:cNvSpPr txBox="1"/>
+          <p:nvPr/>
+        </p:nvSpPr>
+        <p:spPr>
+          <a:xfrm>
+            <a:off x="518408" y="3248678"/>
+            <a:ext cx="3518912" cy="369332"/>
+          </a:xfrm>
+          <a:prstGeom prst="rect">
+            <a:avLst/>
+          </a:prstGeom>
+          <a:noFill/>
+        </p:spPr>
+        <p:txBody>
+          <a:bodyPr wrap="none" rtlCol="0">
+            <a:spAutoFit/>
+          </a:bodyPr>
+          <a:lstStyle/>
+          <a:p>
+            <a:pPr marL="285750" indent="-285750">
+              <a:buFont typeface="Wingdings" panose="05000000000000000000" pitchFamily="2" charset="2"/>
+              <a:buChar char="p"/>
+            </a:pPr>
+            <a:r>
+              <a:rPr lang="en-US" altLang="zh-TW" dirty="0" smtClean="0">
+                <a:latin typeface="Times New Roman" panose="02020603050405020304" pitchFamily="18" charset="0"/>
+                <a:cs typeface="Times New Roman" panose="02020603050405020304" pitchFamily="18" charset="0"/>
+              </a:rPr>
+              <a:t>The experimentation parameters.</a:t>
+            </a:r>
+            <a:endParaRPr lang="zh-TW" altLang="en-US" dirty="0">
+              <a:latin typeface="Times New Roman" panose="02020603050405020304" pitchFamily="18" charset="0"/>
+              <a:cs typeface="Times New Roman" panose="02020603050405020304" pitchFamily="18" charset="0"/>
+            </a:endParaRPr>
+          </a:p>
+        </p:txBody>
+      </p:sp>
+      <p:pic>
+        <p:nvPicPr>
+          <p:cNvPr id="11" name="圖片 10"/>
+          <p:cNvPicPr>
+            <a:picLocks noChangeAspect="1"/>
+          </p:cNvPicPr>
+          <p:nvPr/>
+        </p:nvPicPr>
+        <p:blipFill>
+          <a:blip r:embed="rId3"/>
+          <a:stretch>
+            <a:fillRect/>
+          </a:stretch>
+        </p:blipFill>
+        <p:spPr>
+          <a:xfrm>
+            <a:off x="4467526" y="3074241"/>
+            <a:ext cx="6543775" cy="3647234"/>
+          </a:xfrm>
+          <a:prstGeom prst="rect">
+            <a:avLst/>
+          </a:prstGeom>
+        </p:spPr>
+      </p:pic>
+    </p:spTree>
+    <p:extLst>
+      <p:ext uri="{BB962C8B-B14F-4D97-AF65-F5344CB8AC3E}">
+        <p14:creationId xmlns:p14="http://schemas.microsoft.com/office/powerpoint/2010/main" val="3455502161"/>
+      </p:ext>
+    </p:extLst>
+  </p:cSld>
+  <p:clrMapOvr>
+    <a:masterClrMapping/>
+  </p:clrMapOvr>
+  <p:timing>
+    <p:tnLst>
+      <p:par>
+        <p:cTn id="1" dur="indefinite" restart="never" nodeType="tmRoot">
+          <p:childTnLst>
+            <p:seq concurrent="1" nextAc="seek">
+              <p:cTn id="2" dur="indefinite" nodeType="mainSeq">
+                <p:childTnLst>
+                  <p:par>
+                    <p:cTn id="3" fill="hold">
+                      <p:stCondLst>
+                        <p:cond delay="indefinite"/>
+                      </p:stCondLst>
+                      <p:childTnLst>
+                        <p:par>
+                          <p:cTn id="4" fill="hold">
+                            <p:stCondLst>
+                              <p:cond delay="0"/>
+                            </p:stCondLst>
+                            <p:childTnLst>
+                              <p:par>
+                                <p:cTn id="5" presetID="1" presetClass="entr" presetSubtype="0" fill="hold" grpId="0" nodeType="clickEffect">
+                                  <p:stCondLst>
+                                    <p:cond delay="0"/>
+                                  </p:stCondLst>
+                                  <p:childTnLst>
+                                    <p:set>
+                                      <p:cBhvr>
+                                        <p:cTn id="6" dur="1" fill="hold">
+                                          <p:stCondLst>
+                                            <p:cond delay="0"/>
+                                          </p:stCondLst>
+                                        </p:cTn>
+                                        <p:tgtEl>
+                                          <p:spTgt spid="9"/>
+                                        </p:tgtEl>
+                                        <p:attrNameLst>
+                                          <p:attrName>style.visibility</p:attrName>
+                                        </p:attrNameLst>
+                                      </p:cBhvr>
+                                      <p:to>
+                                        <p:strVal val="visible"/>
+                                      </p:to>
+                                    </p:set>
+                                  </p:childTnLst>
+                                </p:cTn>
+                              </p:par>
+                              <p:par>
+                                <p:cTn id="7" presetID="1" presetClass="entr" presetSubtype="0" fill="hold" nodeType="withEffect">
+                                  <p:stCondLst>
+                                    <p:cond delay="0"/>
+                                  </p:stCondLst>
+                                  <p:childTnLst>
+                                    <p:set>
+                                      <p:cBhvr>
+                                        <p:cTn id="8" dur="1" fill="hold">
+                                          <p:stCondLst>
+                                            <p:cond delay="0"/>
+                                          </p:stCondLst>
+                                        </p:cTn>
+                                        <p:tgtEl>
+                                          <p:spTgt spid="3074"/>
+                                        </p:tgtEl>
+                                        <p:attrNameLst>
+                                          <p:attrName>style.visibility</p:attrName>
+                                        </p:attrNameLst>
+                                      </p:cBhvr>
+                                      <p:to>
+                                        <p:strVal val="visible"/>
+                                      </p:to>
+                                    </p:set>
+                                  </p:childTnLst>
+                                </p:cTn>
+                              </p:par>
+                            </p:childTnLst>
+                          </p:cTn>
+                        </p:par>
+                      </p:childTnLst>
+                    </p:cTn>
+                  </p:par>
+                  <p:par>
+                    <p:cTn id="9" fill="hold">
+                      <p:stCondLst>
+                        <p:cond delay="indefinite"/>
+                      </p:stCondLst>
+                      <p:childTnLst>
+                        <p:par>
+                          <p:cTn id="10" fill="hold">
+                            <p:stCondLst>
+                              <p:cond delay="0"/>
+                            </p:stCondLst>
+                            <p:childTnLst>
+                              <p:par>
+                                <p:cTn id="11" presetID="1" presetClass="entr" presetSubtype="0" fill="hold" grpId="0" nodeType="clickEffect">
+                                  <p:stCondLst>
+                                    <p:cond delay="0"/>
+                                  </p:stCondLst>
+                                  <p:childTnLst>
+                                    <p:set>
+                                      <p:cBhvr>
+                                        <p:cTn id="12" dur="1" fill="hold">
+                                          <p:stCondLst>
+                                            <p:cond delay="0"/>
+                                          </p:stCondLst>
+                                        </p:cTn>
+                                        <p:tgtEl>
+                                          <p:spTgt spid="12"/>
+                                        </p:tgtEl>
+                                        <p:attrNameLst>
+                                          <p:attrName>style.visibility</p:attrName>
+                                        </p:attrNameLst>
+                                      </p:cBhvr>
+                                      <p:to>
+                                        <p:strVal val="visible"/>
+                                      </p:to>
+                                    </p:set>
+                                  </p:childTnLst>
+                                </p:cTn>
+                              </p:par>
+                              <p:par>
+                                <p:cTn id="13" presetID="1" presetClass="entr" presetSubtype="0" fill="hold" nodeType="withEffect">
+                                  <p:stCondLst>
+                                    <p:cond delay="0"/>
+                                  </p:stCondLst>
+                                  <p:childTnLst>
+                                    <p:set>
+                                      <p:cBhvr>
+                                        <p:cTn id="14" dur="1" fill="hold">
+                                          <p:stCondLst>
+                                            <p:cond delay="0"/>
+                                          </p:stCondLst>
+                                        </p:cTn>
+                                        <p:tgtEl>
+                                          <p:spTgt spid="11"/>
+                                        </p:tgtEl>
+                                        <p:attrNameLst>
+                                          <p:attrName>style.visibility</p:attrName>
+                                        </p:attrNameLst>
+                                      </p:cBhvr>
+                                      <p:to>
+                                        <p:strVal val="visible"/>
+                                      </p:to>
+                                    </p:set>
+                                  </p:childTnLst>
+                                </p:cTn>
+                              </p:par>
+                            </p:childTnLst>
+                          </p:cTn>
+                        </p:par>
+                      </p:childTnLst>
+                    </p:cTn>
+                  </p:par>
+                </p:childTnLst>
+              </p:cTn>
+              <p:prevCondLst>
+                <p:cond evt="onPrev" delay="0">
+                  <p:tgtEl>
+                    <p:sldTgt/>
+                  </p:tgtEl>
+                </p:cond>
+              </p:prevCondLst>
+              <p:nextCondLst>
+                <p:cond evt="onNext" delay="0">
+                  <p:tgtEl>
+                    <p:sldTgt/>
+                  </p:tgtEl>
+                </p:cond>
+              </p:nextCondLst>
+            </p:seq>
+          </p:childTnLst>
+        </p:cTn>
+      </p:par>
+    </p:tnLst>
+    <p:bldLst>
+      <p:bldP spid="9" grpId="0"/>
+      <p:bldP spid="12" grpId="0"/>
+    </p:bldLst>
+  </p:timing>
+</p:sld>
+</file>
+
+<file path=ppt/slides/slide25.xml><?xml version="1.0" encoding="utf-8"?>
+<p:sld xmlns:a="http://schemas.openxmlformats.org/drawingml/2006/main" xmlns:r="http://schemas.openxmlformats.org/officeDocument/2006/relationships" xmlns:p="http://schemas.openxmlformats.org/presentationml/2006/main">
+  <p:cSld>
+    <p:spTree>
+      <p:nvGrpSpPr>
+        <p:cNvPr id="1" name=""/>
+        <p:cNvGrpSpPr/>
+        <p:nvPr/>
+      </p:nvGrpSpPr>
+      <p:grpSpPr>
+        <a:xfrm>
+          <a:off x="0" y="0"/>
+          <a:ext cx="0" cy="0"/>
+          <a:chOff x="0" y="0"/>
+          <a:chExt cx="0" cy="0"/>
+        </a:xfrm>
+      </p:grpSpPr>
+      <p:sp>
+        <p:nvSpPr>
+          <p:cNvPr id="15" name="圓角矩形 14"/>
+          <p:cNvSpPr/>
+          <p:nvPr/>
+        </p:nvSpPr>
+        <p:spPr>
+          <a:xfrm>
+            <a:off x="432048" y="4572000"/>
+            <a:ext cx="6324887" cy="1424539"/>
+          </a:xfrm>
+          <a:prstGeom prst="roundRect">
+            <a:avLst/>
+          </a:prstGeom>
+          <a:solidFill>
+            <a:schemeClr val="accent6">
+              <a:lumMod val="40000"/>
+              <a:lumOff val="60000"/>
+            </a:schemeClr>
+          </a:solidFill>
+          <a:ln>
+            <a:noFill/>
+          </a:ln>
+        </p:spPr>
+        <p:style>
+          <a:lnRef idx="2">
+            <a:schemeClr val="accent1">
+              <a:shade val="50000"/>
+            </a:schemeClr>
+          </a:lnRef>
+          <a:fillRef idx="1">
+            <a:schemeClr val="accent1"/>
+          </a:fillRef>
+          <a:effectRef idx="0">
+            <a:schemeClr val="accent1"/>
+          </a:effectRef>
+          <a:fontRef idx="minor">
+            <a:schemeClr val="lt1"/>
+          </a:fontRef>
+        </p:style>
+        <p:txBody>
+          <a:bodyPr rtlCol="0" anchor="ctr"/>
+          <a:lstStyle/>
+          <a:p>
+            <a:pPr algn="ctr"/>
+            <a:endParaRPr lang="zh-TW" altLang="en-US"/>
+          </a:p>
+        </p:txBody>
+      </p:sp>
+      <p:sp>
+        <p:nvSpPr>
+          <p:cNvPr id="4" name="投影片編號版面配置區 3"/>
+          <p:cNvSpPr>
+            <a:spLocks noGrp="1"/>
+          </p:cNvSpPr>
+          <p:nvPr>
+            <p:ph type="sldNum" sz="quarter" idx="12"/>
+          </p:nvPr>
+        </p:nvSpPr>
+        <p:spPr/>
+        <p:txBody>
+          <a:bodyPr/>
+          <a:lstStyle/>
+          <a:p>
+            <a:fld id="{C128DF73-0FD1-4EFB-B6B9-20BE1557E8C1}" type="slidenum">
+              <a:rPr lang="zh-TW" altLang="en-US" smtClean="0"/>
+              <a:t>25</a:t>
+            </a:fld>
+            <a:endParaRPr lang="zh-TW" altLang="en-US"/>
+          </a:p>
+        </p:txBody>
+      </p:sp>
+      <p:sp>
+        <p:nvSpPr>
+          <p:cNvPr id="5" name="橢圓 4"/>
+          <p:cNvSpPr/>
+          <p:nvPr/>
+        </p:nvSpPr>
+        <p:spPr>
+          <a:xfrm>
+            <a:off x="345688" y="920843"/>
+            <a:ext cx="172720" cy="162560"/>
+          </a:xfrm>
+          <a:prstGeom prst="ellipse">
+            <a:avLst/>
+          </a:prstGeom>
+          <a:solidFill>
+            <a:schemeClr val="tx1">
+              <a:lumMod val="65000"/>
+              <a:lumOff val="35000"/>
+            </a:schemeClr>
+          </a:solidFill>
+          <a:ln>
+            <a:noFill/>
+          </a:ln>
+        </p:spPr>
+        <p:style>
+          <a:lnRef idx="2">
+            <a:schemeClr val="accent1">
+              <a:shade val="50000"/>
+            </a:schemeClr>
+          </a:lnRef>
+          <a:fillRef idx="1">
+            <a:schemeClr val="accent1"/>
+          </a:fillRef>
+          <a:effectRef idx="0">
+            <a:schemeClr val="accent1"/>
+          </a:effectRef>
+          <a:fontRef idx="minor">
+            <a:schemeClr val="lt1"/>
+          </a:fontRef>
+        </p:style>
+        <p:txBody>
+          <a:bodyPr rtlCol="0" anchor="ctr"/>
+          <a:lstStyle/>
+          <a:p>
+            <a:pPr algn="ctr"/>
+            <a:endParaRPr lang="zh-TW" altLang="en-US"/>
+          </a:p>
+        </p:txBody>
+      </p:sp>
+      <p:cxnSp>
+        <p:nvCxnSpPr>
+          <p:cNvPr id="6" name="直線接點 5"/>
+          <p:cNvCxnSpPr>
+            <a:stCxn id="5" idx="6"/>
+          </p:cNvCxnSpPr>
+          <p:nvPr/>
+        </p:nvCxnSpPr>
+        <p:spPr>
+          <a:xfrm>
+            <a:off x="518408" y="1002123"/>
+            <a:ext cx="4440841" cy="0"/>
+          </a:xfrm>
+          <a:prstGeom prst="line">
+            <a:avLst/>
+          </a:prstGeom>
+          <a:ln w="25400">
+            <a:solidFill>
+              <a:schemeClr val="tx1">
+                <a:lumMod val="65000"/>
+                <a:lumOff val="35000"/>
+              </a:schemeClr>
+            </a:solidFill>
+          </a:ln>
+        </p:spPr>
+        <p:style>
+          <a:lnRef idx="1">
+            <a:schemeClr val="accent1"/>
+          </a:lnRef>
+          <a:fillRef idx="0">
+            <a:schemeClr val="accent1"/>
+          </a:fillRef>
+          <a:effectRef idx="0">
+            <a:schemeClr val="accent1"/>
+          </a:effectRef>
+          <a:fontRef idx="minor">
+            <a:schemeClr val="tx1"/>
+          </a:fontRef>
+        </p:style>
+      </p:cxnSp>
+      <p:sp>
+        <p:nvSpPr>
+          <p:cNvPr id="7" name="矩形 6"/>
+          <p:cNvSpPr/>
+          <p:nvPr/>
+        </p:nvSpPr>
+        <p:spPr>
+          <a:xfrm>
+            <a:off x="432048" y="417348"/>
+            <a:ext cx="4527201" cy="584775"/>
+          </a:xfrm>
+          <a:prstGeom prst="rect">
+            <a:avLst/>
+          </a:prstGeom>
+          <a:noFill/>
+        </p:spPr>
+        <p:txBody>
+          <a:bodyPr wrap="none" lIns="91440" tIns="45720" rIns="91440" bIns="45720">
+            <a:spAutoFit/>
+          </a:bodyPr>
+          <a:lstStyle/>
+          <a:p>
+            <a:pPr algn="ctr"/>
+            <a:r>
+              <a:rPr lang="en-US" altLang="zh-TW" sz="3200" b="1" dirty="0" smtClean="0">
+                <a:ln w="0"/>
+                <a:solidFill>
+                  <a:schemeClr val="accent1"/>
+                </a:solidFill>
+                <a:effectLst>
+                  <a:outerShdw blurRad="38100" dist="25400" dir="5400000" algn="ctr" rotWithShape="0">
+                    <a:srgbClr val="6E747A">
+                      <a:alpha val="43000"/>
+                    </a:srgbClr>
+                  </a:outerShdw>
+                </a:effectLst>
+                <a:latin typeface="Times New Roman" panose="02020603050405020304" pitchFamily="18" charset="0"/>
+                <a:cs typeface="Times New Roman" panose="02020603050405020304" pitchFamily="18" charset="0"/>
+              </a:rPr>
+              <a:t>Experimentation Results</a:t>
+            </a:r>
+            <a:endParaRPr lang="zh-TW" altLang="en-US" sz="3200" b="1" cap="none" spc="0" dirty="0">
+              <a:ln w="0"/>
+              <a:solidFill>
+                <a:schemeClr val="accent1"/>
+              </a:solidFill>
+              <a:effectLst>
+                <a:outerShdw blurRad="38100" dist="25400" dir="5400000" algn="ctr" rotWithShape="0">
+                  <a:srgbClr val="6E747A">
+                    <a:alpha val="43000"/>
+                  </a:srgbClr>
+                </a:outerShdw>
+              </a:effectLst>
+              <a:latin typeface="Times New Roman" panose="02020603050405020304" pitchFamily="18" charset="0"/>
+              <a:cs typeface="Times New Roman" panose="02020603050405020304" pitchFamily="18" charset="0"/>
+            </a:endParaRPr>
+          </a:p>
+        </p:txBody>
+      </p:sp>
+      <p:sp>
+        <p:nvSpPr>
+          <p:cNvPr id="9" name="文字方塊 8"/>
+          <p:cNvSpPr txBox="1"/>
+          <p:nvPr/>
+        </p:nvSpPr>
+        <p:spPr>
+          <a:xfrm>
+            <a:off x="518408" y="1320952"/>
+            <a:ext cx="6160661" cy="369332"/>
+          </a:xfrm>
+          <a:prstGeom prst="rect">
+            <a:avLst/>
+          </a:prstGeom>
+          <a:noFill/>
+        </p:spPr>
+        <p:txBody>
+          <a:bodyPr wrap="none" rtlCol="0">
+            <a:spAutoFit/>
+          </a:bodyPr>
+          <a:lstStyle/>
+          <a:p>
+            <a:pPr marL="285750" indent="-285750" algn="just">
+              <a:buFont typeface="Wingdings" panose="05000000000000000000" pitchFamily="2" charset="2"/>
+              <a:buChar char="p"/>
+            </a:pPr>
+            <a:r>
+              <a:rPr lang="en-US" altLang="zh-TW" dirty="0" smtClean="0">
+                <a:latin typeface="Times New Roman" panose="02020603050405020304" pitchFamily="18" charset="0"/>
+                <a:cs typeface="Times New Roman" panose="02020603050405020304" pitchFamily="18" charset="0"/>
+              </a:rPr>
+              <a:t>Communication latency and packet loss would approach to 0.</a:t>
+            </a:r>
+            <a:endParaRPr lang="zh-TW" altLang="en-US" dirty="0">
+              <a:latin typeface="Times New Roman" panose="02020603050405020304" pitchFamily="18" charset="0"/>
+              <a:cs typeface="Times New Roman" panose="02020603050405020304" pitchFamily="18" charset="0"/>
+            </a:endParaRPr>
+          </a:p>
+        </p:txBody>
+      </p:sp>
+      <mc:AlternateContent xmlns:mc="http://schemas.openxmlformats.org/markup-compatibility/2006">
+        <mc:Choice xmlns:a14="http://schemas.microsoft.com/office/drawing/2010/main" Requires="a14">
+          <p:sp>
+            <p:nvSpPr>
+              <p:cNvPr id="10" name="文字方塊 9"/>
+              <p:cNvSpPr txBox="1"/>
+              <p:nvPr/>
+            </p:nvSpPr>
+            <p:spPr>
+              <a:xfrm>
+                <a:off x="518408" y="2079744"/>
+                <a:ext cx="6160661" cy="945900"/>
+              </a:xfrm>
+              <a:prstGeom prst="rect">
+                <a:avLst/>
+              </a:prstGeom>
+              <a:noFill/>
+            </p:spPr>
+            <p:txBody>
+              <a:bodyPr wrap="square" rtlCol="0">
+                <a:spAutoFit/>
+              </a:bodyPr>
+              <a:lstStyle/>
+              <a:p>
+                <a:pPr marL="285750" indent="-285750" algn="just">
+                  <a:buFont typeface="Wingdings" panose="05000000000000000000" pitchFamily="2" charset="2"/>
+                  <a:buChar char="p"/>
+                </a:pPr>
+                <a:r>
+                  <a:rPr lang="en-US" altLang="zh-TW" dirty="0" smtClean="0">
+                    <a:latin typeface="Times New Roman" panose="02020603050405020304" pitchFamily="18" charset="0"/>
+                    <a:cs typeface="Times New Roman" panose="02020603050405020304" pitchFamily="18" charset="0"/>
+                  </a:rPr>
+                  <a:t>The first figure shows the CPU percentage and allocated to a control agent versus the average of the </a:t>
+                </a:r>
+                <a14:m>
+                  <m:oMath xmlns:m="http://schemas.openxmlformats.org/officeDocument/2006/math">
+                    <m:sSub>
+                      <m:sSubPr>
+                        <m:ctrlPr>
+                          <a:rPr lang="en-US" altLang="zh-TW" b="0" i="1" smtClean="0">
+                            <a:latin typeface="Cambria Math" panose="02040503050406030204" pitchFamily="18" charset="0"/>
+                            <a:cs typeface="Times New Roman" panose="02020603050405020304" pitchFamily="18" charset="0"/>
+                          </a:rPr>
+                        </m:ctrlPr>
+                      </m:sSubPr>
+                      <m:e>
+                        <m:r>
+                          <a:rPr lang="en-US" altLang="zh-TW" b="0" i="1" smtClean="0">
+                            <a:latin typeface="Cambria Math" panose="02040503050406030204" pitchFamily="18" charset="0"/>
+                            <a:cs typeface="Times New Roman" panose="02020603050405020304" pitchFamily="18" charset="0"/>
+                          </a:rPr>
+                          <m:t>𝐶</m:t>
+                        </m:r>
+                      </m:e>
+                      <m:sub>
+                        <m:r>
+                          <a:rPr lang="en-US" altLang="zh-TW" b="0" i="1" smtClean="0">
+                            <a:latin typeface="Cambria Math" panose="02040503050406030204" pitchFamily="18" charset="0"/>
+                            <a:cs typeface="Times New Roman" panose="02020603050405020304" pitchFamily="18" charset="0"/>
+                          </a:rPr>
+                          <m:t>𝑎𝑣𝑔</m:t>
+                        </m:r>
+                      </m:sub>
+                    </m:sSub>
+                  </m:oMath>
+                </a14:m>
+                <a:r>
+                  <a:rPr lang="zh-TW" altLang="en-US" dirty="0" smtClean="0">
+                    <a:latin typeface="Times New Roman" panose="02020603050405020304" pitchFamily="18" charset="0"/>
+                    <a:cs typeface="Times New Roman" panose="02020603050405020304" pitchFamily="18" charset="0"/>
+                  </a:rPr>
+                  <a:t> </a:t>
+                </a:r>
+                <a:r>
+                  <a:rPr lang="en-US" altLang="zh-TW" dirty="0" smtClean="0">
+                    <a:latin typeface="Times New Roman" panose="02020603050405020304" pitchFamily="18" charset="0"/>
+                    <a:cs typeface="Times New Roman" panose="02020603050405020304" pitchFamily="18" charset="0"/>
+                  </a:rPr>
+                  <a:t>values of the set of UAVs connected to edge server.</a:t>
+                </a:r>
+                <a:endParaRPr lang="zh-TW" altLang="en-US" dirty="0">
+                  <a:latin typeface="Times New Roman" panose="02020603050405020304" pitchFamily="18" charset="0"/>
+                  <a:cs typeface="Times New Roman" panose="02020603050405020304" pitchFamily="18" charset="0"/>
+                </a:endParaRPr>
+              </a:p>
+            </p:txBody>
+          </p:sp>
+        </mc:Choice>
+        <mc:Fallback>
+          <p:sp>
+            <p:nvSpPr>
+              <p:cNvPr id="10" name="文字方塊 9"/>
+              <p:cNvSpPr txBox="1">
+                <a:spLocks noRot="1" noChangeAspect="1" noMove="1" noResize="1" noEditPoints="1" noAdjustHandles="1" noChangeArrowheads="1" noChangeShapeType="1" noTextEdit="1"/>
+              </p:cNvSpPr>
+              <p:nvPr/>
+            </p:nvSpPr>
+            <p:spPr>
+              <a:xfrm>
+                <a:off x="518408" y="2079744"/>
+                <a:ext cx="6160661" cy="945900"/>
+              </a:xfrm>
+              <a:prstGeom prst="rect">
+                <a:avLst/>
+              </a:prstGeom>
+              <a:blipFill>
+                <a:blip r:embed="rId2"/>
+                <a:stretch>
+                  <a:fillRect l="-593" t="-3226" r="-791" b="-9677"/>
+                </a:stretch>
+              </a:blipFill>
+            </p:spPr>
+            <p:txBody>
+              <a:bodyPr/>
+              <a:lstStyle/>
+              <a:p>
+                <a:r>
+                  <a:rPr lang="zh-TW" altLang="en-US">
+                    <a:noFill/>
+                  </a:rPr>
+                  <a:t> </a:t>
+                </a:r>
+              </a:p>
+            </p:txBody>
+          </p:sp>
+        </mc:Fallback>
+      </mc:AlternateContent>
+      <p:pic>
+        <p:nvPicPr>
+          <p:cNvPr id="11" name="圖片 10"/>
+          <p:cNvPicPr>
+            <a:picLocks noChangeAspect="1"/>
+          </p:cNvPicPr>
+          <p:nvPr/>
+        </p:nvPicPr>
+        <p:blipFill>
+          <a:blip r:embed="rId3"/>
+          <a:stretch>
+            <a:fillRect/>
+          </a:stretch>
+        </p:blipFill>
+        <p:spPr>
+          <a:xfrm>
+            <a:off x="6955506" y="289854"/>
+            <a:ext cx="5076074" cy="2955342"/>
+          </a:xfrm>
+          <a:prstGeom prst="rect">
+            <a:avLst/>
+          </a:prstGeom>
+        </p:spPr>
+      </p:pic>
+      <p:pic>
+        <p:nvPicPr>
+          <p:cNvPr id="12" name="圖片 11"/>
+          <p:cNvPicPr>
+            <a:picLocks noChangeAspect="1"/>
+          </p:cNvPicPr>
+          <p:nvPr/>
+        </p:nvPicPr>
+        <p:blipFill>
+          <a:blip r:embed="rId4"/>
+          <a:stretch>
+            <a:fillRect/>
+          </a:stretch>
+        </p:blipFill>
+        <p:spPr>
+          <a:xfrm>
+            <a:off x="6862328" y="3370164"/>
+            <a:ext cx="5169252" cy="2986186"/>
+          </a:xfrm>
+          <a:prstGeom prst="rect">
+            <a:avLst/>
+          </a:prstGeom>
+        </p:spPr>
+      </p:pic>
+      <p:sp>
+        <p:nvSpPr>
+          <p:cNvPr id="13" name="文字方塊 12"/>
+          <p:cNvSpPr txBox="1"/>
+          <p:nvPr/>
+        </p:nvSpPr>
+        <p:spPr>
+          <a:xfrm>
+            <a:off x="518407" y="3370164"/>
+            <a:ext cx="6160661" cy="923330"/>
+          </a:xfrm>
+          <a:prstGeom prst="rect">
+            <a:avLst/>
+          </a:prstGeom>
+          <a:noFill/>
+        </p:spPr>
+        <p:txBody>
+          <a:bodyPr wrap="square" rtlCol="0">
+            <a:spAutoFit/>
+          </a:bodyPr>
+          <a:lstStyle/>
+          <a:p>
+            <a:pPr marL="285750" indent="-285750" algn="just">
+              <a:buFont typeface="Wingdings" panose="05000000000000000000" pitchFamily="2" charset="2"/>
+              <a:buChar char="p"/>
+            </a:pPr>
+            <a:r>
+              <a:rPr lang="en-US" altLang="zh-TW" dirty="0" smtClean="0">
+                <a:latin typeface="Times New Roman" panose="02020603050405020304" pitchFamily="18" charset="0"/>
+                <a:cs typeface="Times New Roman" panose="02020603050405020304" pitchFamily="18" charset="0"/>
+              </a:rPr>
+              <a:t>The second figure illustrates the evolution of the traffic exchanged between the edge servers and the connected UAVs as a function of the number of UAVs.</a:t>
+            </a:r>
+            <a:endParaRPr lang="zh-TW" altLang="en-US" dirty="0">
+              <a:latin typeface="Times New Roman" panose="02020603050405020304" pitchFamily="18" charset="0"/>
+              <a:cs typeface="Times New Roman" panose="02020603050405020304" pitchFamily="18" charset="0"/>
+            </a:endParaRPr>
+          </a:p>
+        </p:txBody>
+      </p:sp>
+      <p:sp>
+        <p:nvSpPr>
+          <p:cNvPr id="14" name="文字方塊 13"/>
+          <p:cNvSpPr txBox="1"/>
+          <p:nvPr/>
+        </p:nvSpPr>
+        <p:spPr>
+          <a:xfrm>
+            <a:off x="518407" y="4705524"/>
+            <a:ext cx="6160661" cy="1200329"/>
+          </a:xfrm>
+          <a:prstGeom prst="rect">
+            <a:avLst/>
+          </a:prstGeom>
+          <a:noFill/>
+        </p:spPr>
+        <p:txBody>
+          <a:bodyPr wrap="square" rtlCol="0">
+            <a:spAutoFit/>
+          </a:bodyPr>
+          <a:lstStyle/>
+          <a:p>
+            <a:pPr algn="just"/>
+            <a:r>
+              <a:rPr lang="en-US" altLang="zh-TW" dirty="0" smtClean="0">
+                <a:latin typeface="Times New Roman" panose="02020603050405020304" pitchFamily="18" charset="0"/>
+                <a:cs typeface="Times New Roman" panose="02020603050405020304" pitchFamily="18" charset="0"/>
+              </a:rPr>
+              <a:t>During the experimentation, </a:t>
+            </a:r>
+            <a:r>
+              <a:rPr lang="en-US" altLang="zh-TW" dirty="0">
+                <a:latin typeface="Times New Roman" panose="02020603050405020304" pitchFamily="18" charset="0"/>
+                <a:cs typeface="Times New Roman" panose="02020603050405020304" pitchFamily="18" charset="0"/>
+              </a:rPr>
+              <a:t>e</a:t>
+            </a:r>
+            <a:r>
+              <a:rPr lang="en-US" altLang="zh-TW" dirty="0" smtClean="0">
+                <a:latin typeface="Times New Roman" panose="02020603050405020304" pitchFamily="18" charset="0"/>
+                <a:cs typeface="Times New Roman" panose="02020603050405020304" pitchFamily="18" charset="0"/>
+              </a:rPr>
+              <a:t>ach UAV produced </a:t>
+            </a:r>
+            <a:r>
+              <a:rPr lang="en-US" altLang="zh-TW" b="1" dirty="0" smtClean="0">
+                <a:solidFill>
+                  <a:srgbClr val="FF0000"/>
+                </a:solidFill>
+                <a:latin typeface="Times New Roman" panose="02020603050405020304" pitchFamily="18" charset="0"/>
+                <a:cs typeface="Times New Roman" panose="02020603050405020304" pitchFamily="18" charset="0"/>
+              </a:rPr>
+              <a:t>3028Kb</a:t>
+            </a:r>
+            <a:r>
+              <a:rPr lang="en-US" altLang="zh-TW" dirty="0" smtClean="0">
+                <a:latin typeface="Times New Roman" panose="02020603050405020304" pitchFamily="18" charset="0"/>
+                <a:cs typeface="Times New Roman" panose="02020603050405020304" pitchFamily="18" charset="0"/>
+              </a:rPr>
+              <a:t> </a:t>
+            </a:r>
+            <a:r>
+              <a:rPr lang="en-US" altLang="zh-TW" dirty="0">
+                <a:latin typeface="Times New Roman" panose="02020603050405020304" pitchFamily="18" charset="0"/>
+                <a:cs typeface="Times New Roman" panose="02020603050405020304" pitchFamily="18" charset="0"/>
+              </a:rPr>
+              <a:t>of traffic, which corresponds to a rate of </a:t>
+            </a:r>
+            <a:r>
+              <a:rPr lang="en-US" altLang="zh-TW" b="1" dirty="0" smtClean="0">
+                <a:solidFill>
+                  <a:srgbClr val="FF0000"/>
+                </a:solidFill>
+                <a:latin typeface="Times New Roman" panose="02020603050405020304" pitchFamily="18" charset="0"/>
+                <a:cs typeface="Times New Roman" panose="02020603050405020304" pitchFamily="18" charset="0"/>
+              </a:rPr>
+              <a:t>10Kbps</a:t>
+            </a:r>
+            <a:r>
+              <a:rPr lang="en-US" altLang="zh-TW" dirty="0" smtClean="0">
+                <a:latin typeface="Times New Roman" panose="02020603050405020304" pitchFamily="18" charset="0"/>
+                <a:cs typeface="Times New Roman" panose="02020603050405020304" pitchFamily="18" charset="0"/>
+              </a:rPr>
+              <a:t> ; each UAV received </a:t>
+            </a:r>
+            <a:r>
+              <a:rPr lang="en-US" altLang="zh-TW" b="1" dirty="0" smtClean="0">
+                <a:solidFill>
+                  <a:srgbClr val="FF0000"/>
+                </a:solidFill>
+                <a:latin typeface="Times New Roman" panose="02020603050405020304" pitchFamily="18" charset="0"/>
+                <a:cs typeface="Times New Roman" panose="02020603050405020304" pitchFamily="18" charset="0"/>
+              </a:rPr>
+              <a:t>7152Kb</a:t>
+            </a:r>
+            <a:r>
+              <a:rPr lang="en-US" altLang="zh-TW" dirty="0" smtClean="0">
+                <a:latin typeface="Times New Roman" panose="02020603050405020304" pitchFamily="18" charset="0"/>
+                <a:cs typeface="Times New Roman" panose="02020603050405020304" pitchFamily="18" charset="0"/>
+              </a:rPr>
+              <a:t> of traffic, which corresponds to a rate of </a:t>
+            </a:r>
+            <a:r>
+              <a:rPr lang="en-US" altLang="zh-TW" b="1" dirty="0" smtClean="0">
+                <a:solidFill>
+                  <a:srgbClr val="FF0000"/>
+                </a:solidFill>
+                <a:latin typeface="Times New Roman" panose="02020603050405020304" pitchFamily="18" charset="0"/>
+                <a:cs typeface="Times New Roman" panose="02020603050405020304" pitchFamily="18" charset="0"/>
+              </a:rPr>
+              <a:t>24Kbps</a:t>
+            </a:r>
+            <a:r>
+              <a:rPr lang="en-US" altLang="zh-TW" dirty="0" smtClean="0">
+                <a:latin typeface="Times New Roman" panose="02020603050405020304" pitchFamily="18" charset="0"/>
+                <a:cs typeface="Times New Roman" panose="02020603050405020304" pitchFamily="18" charset="0"/>
+              </a:rPr>
+              <a:t>.</a:t>
+            </a:r>
+            <a:endParaRPr lang="zh-TW" altLang="en-US" dirty="0">
+              <a:latin typeface="Times New Roman" panose="02020603050405020304" pitchFamily="18" charset="0"/>
+              <a:cs typeface="Times New Roman" panose="02020603050405020304" pitchFamily="18" charset="0"/>
+            </a:endParaRPr>
+          </a:p>
+        </p:txBody>
+      </p:sp>
+    </p:spTree>
+    <p:extLst>
+      <p:ext uri="{BB962C8B-B14F-4D97-AF65-F5344CB8AC3E}">
+        <p14:creationId xmlns:p14="http://schemas.microsoft.com/office/powerpoint/2010/main" val="2326610539"/>
+      </p:ext>
+    </p:extLst>
+  </p:cSld>
+  <p:clrMapOvr>
+    <a:masterClrMapping/>
+  </p:clrMapOvr>
+  <p:timing>
+    <p:tnLst>
+      <p:par>
+        <p:cTn id="1" dur="indefinite" restart="never" nodeType="tmRoot">
+          <p:childTnLst>
+            <p:seq concurrent="1" nextAc="seek">
+              <p:cTn id="2" dur="indefinite" nodeType="mainSeq">
+                <p:childTnLst>
+                  <p:par>
+                    <p:cTn id="3" fill="hold">
+                      <p:stCondLst>
+                        <p:cond delay="indefinite"/>
+                      </p:stCondLst>
+                      <p:childTnLst>
+                        <p:par>
+                          <p:cTn id="4" fill="hold">
+                            <p:stCondLst>
+                              <p:cond delay="0"/>
+                            </p:stCondLst>
+                            <p:childTnLst>
+                              <p:par>
+                                <p:cTn id="5" presetID="1" presetClass="entr" presetSubtype="0" fill="hold" grpId="0" nodeType="clickEffect">
+                                  <p:stCondLst>
+                                    <p:cond delay="0"/>
+                                  </p:stCondLst>
+                                  <p:childTnLst>
+                                    <p:set>
+                                      <p:cBhvr>
+                                        <p:cTn id="6" dur="1" fill="hold">
+                                          <p:stCondLst>
+                                            <p:cond delay="0"/>
+                                          </p:stCondLst>
+                                        </p:cTn>
+                                        <p:tgtEl>
+                                          <p:spTgt spid="10"/>
+                                        </p:tgtEl>
+                                        <p:attrNameLst>
+                                          <p:attrName>style.visibility</p:attrName>
+                                        </p:attrNameLst>
+                                      </p:cBhvr>
+                                      <p:to>
+                                        <p:strVal val="visible"/>
+                                      </p:to>
+                                    </p:set>
+                                  </p:childTnLst>
+                                </p:cTn>
+                              </p:par>
+                              <p:par>
+                                <p:cTn id="7" presetID="1" presetClass="entr" presetSubtype="0" fill="hold" nodeType="withEffect">
+                                  <p:stCondLst>
+                                    <p:cond delay="0"/>
+                                  </p:stCondLst>
+                                  <p:childTnLst>
+                                    <p:set>
+                                      <p:cBhvr>
+                                        <p:cTn id="8" dur="1" fill="hold">
+                                          <p:stCondLst>
+                                            <p:cond delay="0"/>
+                                          </p:stCondLst>
+                                        </p:cTn>
+                                        <p:tgtEl>
+                                          <p:spTgt spid="11"/>
+                                        </p:tgtEl>
+                                        <p:attrNameLst>
+                                          <p:attrName>style.visibility</p:attrName>
+                                        </p:attrNameLst>
+                                      </p:cBhvr>
+                                      <p:to>
+                                        <p:strVal val="visible"/>
+                                      </p:to>
+                                    </p:set>
+                                  </p:childTnLst>
+                                </p:cTn>
+                              </p:par>
+                            </p:childTnLst>
+                          </p:cTn>
+                        </p:par>
+                      </p:childTnLst>
+                    </p:cTn>
+                  </p:par>
+                  <p:par>
+                    <p:cTn id="9" fill="hold">
+                      <p:stCondLst>
+                        <p:cond delay="indefinite"/>
+                      </p:stCondLst>
+                      <p:childTnLst>
+                        <p:par>
+                          <p:cTn id="10" fill="hold">
+                            <p:stCondLst>
+                              <p:cond delay="0"/>
+                            </p:stCondLst>
+                            <p:childTnLst>
+                              <p:par>
+                                <p:cTn id="11" presetID="1" presetClass="entr" presetSubtype="0" fill="hold" grpId="0" nodeType="clickEffect">
+                                  <p:stCondLst>
+                                    <p:cond delay="0"/>
+                                  </p:stCondLst>
+                                  <p:childTnLst>
+                                    <p:set>
+                                      <p:cBhvr>
+                                        <p:cTn id="12" dur="1" fill="hold">
+                                          <p:stCondLst>
+                                            <p:cond delay="0"/>
+                                          </p:stCondLst>
+                                        </p:cTn>
+                                        <p:tgtEl>
+                                          <p:spTgt spid="13"/>
+                                        </p:tgtEl>
+                                        <p:attrNameLst>
+                                          <p:attrName>style.visibility</p:attrName>
+                                        </p:attrNameLst>
+                                      </p:cBhvr>
+                                      <p:to>
+                                        <p:strVal val="visible"/>
+                                      </p:to>
+                                    </p:set>
+                                  </p:childTnLst>
+                                </p:cTn>
+                              </p:par>
+                              <p:par>
+                                <p:cTn id="13" presetID="1" presetClass="entr" presetSubtype="0" fill="hold" nodeType="withEffect">
+                                  <p:stCondLst>
+                                    <p:cond delay="0"/>
+                                  </p:stCondLst>
+                                  <p:childTnLst>
+                                    <p:set>
+                                      <p:cBhvr>
+                                        <p:cTn id="14" dur="1" fill="hold">
+                                          <p:stCondLst>
+                                            <p:cond delay="0"/>
+                                          </p:stCondLst>
+                                        </p:cTn>
+                                        <p:tgtEl>
+                                          <p:spTgt spid="12"/>
+                                        </p:tgtEl>
+                                        <p:attrNameLst>
+                                          <p:attrName>style.visibility</p:attrName>
+                                        </p:attrNameLst>
+                                      </p:cBhvr>
+                                      <p:to>
+                                        <p:strVal val="visible"/>
+                                      </p:to>
+                                    </p:set>
+                                  </p:childTnLst>
+                                </p:cTn>
+                              </p:par>
+                            </p:childTnLst>
+                          </p:cTn>
+                        </p:par>
+                      </p:childTnLst>
+                    </p:cTn>
+                  </p:par>
+                  <p:par>
+                    <p:cTn id="15" fill="hold">
+                      <p:stCondLst>
+                        <p:cond delay="indefinite"/>
+                      </p:stCondLst>
+                      <p:childTnLst>
+                        <p:par>
+                          <p:cTn id="16" fill="hold">
+                            <p:stCondLst>
+                              <p:cond delay="0"/>
+                            </p:stCondLst>
+                            <p:childTnLst>
+                              <p:par>
+                                <p:cTn id="17" presetID="1" presetClass="entr" presetSubtype="0" fill="hold" grpId="0" nodeType="clickEffect">
+                                  <p:stCondLst>
+                                    <p:cond delay="0"/>
+                                  </p:stCondLst>
+                                  <p:childTnLst>
+                                    <p:set>
+                                      <p:cBhvr>
+                                        <p:cTn id="18" dur="1" fill="hold">
+                                          <p:stCondLst>
+                                            <p:cond delay="0"/>
+                                          </p:stCondLst>
+                                        </p:cTn>
+                                        <p:tgtEl>
+                                          <p:spTgt spid="15"/>
+                                        </p:tgtEl>
+                                        <p:attrNameLst>
+                                          <p:attrName>style.visibility</p:attrName>
+                                        </p:attrNameLst>
+                                      </p:cBhvr>
+                                      <p:to>
+                                        <p:strVal val="visible"/>
+                                      </p:to>
+                                    </p:set>
+                                  </p:childTnLst>
+                                </p:cTn>
+                              </p:par>
+                              <p:par>
+                                <p:cTn id="19" presetID="1" presetClass="entr" presetSubtype="0" fill="hold" grpId="0" nodeType="withEffect">
+                                  <p:stCondLst>
+                                    <p:cond delay="0"/>
+                                  </p:stCondLst>
+                                  <p:childTnLst>
+                                    <p:set>
+                                      <p:cBhvr>
+                                        <p:cTn id="20" dur="1" fill="hold">
+                                          <p:stCondLst>
+                                            <p:cond delay="0"/>
+                                          </p:stCondLst>
+                                        </p:cTn>
+                                        <p:tgtEl>
+                                          <p:spTgt spid="14"/>
+                                        </p:tgtEl>
+                                        <p:attrNameLst>
+                                          <p:attrName>style.visibility</p:attrName>
+                                        </p:attrNameLst>
+                                      </p:cBhvr>
+                                      <p:to>
+                                        <p:strVal val="visible"/>
+                                      </p:to>
+                                    </p:set>
+                                  </p:childTnLst>
+                                </p:cTn>
+                              </p:par>
+                            </p:childTnLst>
+                          </p:cTn>
+                        </p:par>
+                      </p:childTnLst>
+                    </p:cTn>
+                  </p:par>
+                </p:childTnLst>
+              </p:cTn>
+              <p:prevCondLst>
+                <p:cond evt="onPrev" delay="0">
+                  <p:tgtEl>
+                    <p:sldTgt/>
+                  </p:tgtEl>
+                </p:cond>
+              </p:prevCondLst>
+              <p:nextCondLst>
+                <p:cond evt="onNext" delay="0">
+                  <p:tgtEl>
+                    <p:sldTgt/>
+                  </p:tgtEl>
+                </p:cond>
+              </p:nextCondLst>
+            </p:seq>
+          </p:childTnLst>
+        </p:cTn>
+      </p:par>
+    </p:tnLst>
+    <p:bldLst>
+      <p:bldP spid="15" grpId="0" animBg="1"/>
+      <p:bldP spid="10" grpId="0"/>
+      <p:bldP spid="13" grpId="0"/>
+      <p:bldP spid="14" grpId="0"/>
+    </p:bldLst>
+  </p:timing>
+</p:sld>
+</file>
+
+<file path=ppt/slides/slide26.xml><?xml version="1.0" encoding="utf-8"?>
 <p:sld xmlns:a="http://schemas.openxmlformats.org/drawingml/2006/main" xmlns:r="http://schemas.openxmlformats.org/officeDocument/2006/relationships" xmlns:p="http://schemas.openxmlformats.org/presentationml/2006/main">
   <p:cSld>
     <p:spTree>
@@ -20309,7 +24462,7 @@
           <a:p>
             <a:fld id="{C128DF73-0FD1-4EFB-B6B9-20BE1557E8C1}" type="slidenum">
               <a:rPr lang="zh-TW" altLang="en-US" smtClean="0"/>
-              <a:t>22</a:t>
+              <a:t>26</a:t>
             </a:fld>
             <a:endParaRPr lang="zh-TW" altLang="en-US"/>
           </a:p>
@@ -20335,7 +24488,2100 @@
 </p:sld>
 </file>
 
-<file path=ppt/slides/slide23.xml><?xml version="1.0" encoding="utf-8"?>
+<file path=ppt/slides/slide27.xml><?xml version="1.0" encoding="utf-8"?>
+<p:sld xmlns:a="http://schemas.openxmlformats.org/drawingml/2006/main" xmlns:r="http://schemas.openxmlformats.org/officeDocument/2006/relationships" xmlns:p="http://schemas.openxmlformats.org/presentationml/2006/main">
+  <p:cSld>
+    <p:spTree>
+      <p:nvGrpSpPr>
+        <p:cNvPr id="1" name=""/>
+        <p:cNvGrpSpPr/>
+        <p:nvPr/>
+      </p:nvGrpSpPr>
+      <p:grpSpPr>
+        <a:xfrm>
+          <a:off x="0" y="0"/>
+          <a:ext cx="0" cy="0"/>
+          <a:chOff x="0" y="0"/>
+          <a:chExt cx="0" cy="0"/>
+        </a:xfrm>
+      </p:grpSpPr>
+      <p:sp>
+        <p:nvSpPr>
+          <p:cNvPr id="4" name="投影片編號版面配置區 3"/>
+          <p:cNvSpPr>
+            <a:spLocks noGrp="1"/>
+          </p:cNvSpPr>
+          <p:nvPr>
+            <p:ph type="sldNum" sz="quarter" idx="12"/>
+          </p:nvPr>
+        </p:nvSpPr>
+        <p:spPr/>
+        <p:txBody>
+          <a:bodyPr/>
+          <a:lstStyle/>
+          <a:p>
+            <a:fld id="{C128DF73-0FD1-4EFB-B6B9-20BE1557E8C1}" type="slidenum">
+              <a:rPr lang="zh-TW" altLang="en-US" smtClean="0"/>
+              <a:t>27</a:t>
+            </a:fld>
+            <a:endParaRPr lang="zh-TW" altLang="en-US"/>
+          </a:p>
+        </p:txBody>
+      </p:sp>
+      <p:sp>
+        <p:nvSpPr>
+          <p:cNvPr id="5" name="橢圓 4"/>
+          <p:cNvSpPr/>
+          <p:nvPr/>
+        </p:nvSpPr>
+        <p:spPr>
+          <a:xfrm>
+            <a:off x="345688" y="920843"/>
+            <a:ext cx="172720" cy="162560"/>
+          </a:xfrm>
+          <a:prstGeom prst="ellipse">
+            <a:avLst/>
+          </a:prstGeom>
+          <a:solidFill>
+            <a:schemeClr val="tx1">
+              <a:lumMod val="65000"/>
+              <a:lumOff val="35000"/>
+            </a:schemeClr>
+          </a:solidFill>
+          <a:ln>
+            <a:noFill/>
+          </a:ln>
+        </p:spPr>
+        <p:style>
+          <a:lnRef idx="2">
+            <a:schemeClr val="accent1">
+              <a:shade val="50000"/>
+            </a:schemeClr>
+          </a:lnRef>
+          <a:fillRef idx="1">
+            <a:schemeClr val="accent1"/>
+          </a:fillRef>
+          <a:effectRef idx="0">
+            <a:schemeClr val="accent1"/>
+          </a:effectRef>
+          <a:fontRef idx="minor">
+            <a:schemeClr val="lt1"/>
+          </a:fontRef>
+        </p:style>
+        <p:txBody>
+          <a:bodyPr rtlCol="0" anchor="ctr"/>
+          <a:lstStyle/>
+          <a:p>
+            <a:pPr algn="ctr"/>
+            <a:endParaRPr lang="zh-TW" altLang="en-US"/>
+          </a:p>
+        </p:txBody>
+      </p:sp>
+      <p:cxnSp>
+        <p:nvCxnSpPr>
+          <p:cNvPr id="6" name="直線接點 5"/>
+          <p:cNvCxnSpPr>
+            <a:stCxn id="5" idx="6"/>
+          </p:cNvCxnSpPr>
+          <p:nvPr/>
+        </p:nvCxnSpPr>
+        <p:spPr>
+          <a:xfrm>
+            <a:off x="518408" y="1002123"/>
+            <a:ext cx="1984160" cy="0"/>
+          </a:xfrm>
+          <a:prstGeom prst="line">
+            <a:avLst/>
+          </a:prstGeom>
+          <a:ln w="25400">
+            <a:solidFill>
+              <a:schemeClr val="tx1">
+                <a:lumMod val="65000"/>
+                <a:lumOff val="35000"/>
+              </a:schemeClr>
+            </a:solidFill>
+          </a:ln>
+        </p:spPr>
+        <p:style>
+          <a:lnRef idx="1">
+            <a:schemeClr val="accent1"/>
+          </a:lnRef>
+          <a:fillRef idx="0">
+            <a:schemeClr val="accent1"/>
+          </a:fillRef>
+          <a:effectRef idx="0">
+            <a:schemeClr val="accent1"/>
+          </a:effectRef>
+          <a:fontRef idx="minor">
+            <a:schemeClr val="tx1"/>
+          </a:fontRef>
+        </p:style>
+      </p:cxnSp>
+      <p:sp>
+        <p:nvSpPr>
+          <p:cNvPr id="7" name="矩形 6"/>
+          <p:cNvSpPr/>
+          <p:nvPr/>
+        </p:nvSpPr>
+        <p:spPr>
+          <a:xfrm>
+            <a:off x="432048" y="417348"/>
+            <a:ext cx="2145139" cy="584775"/>
+          </a:xfrm>
+          <a:prstGeom prst="rect">
+            <a:avLst/>
+          </a:prstGeom>
+          <a:noFill/>
+        </p:spPr>
+        <p:txBody>
+          <a:bodyPr wrap="none" lIns="91440" tIns="45720" rIns="91440" bIns="45720">
+            <a:spAutoFit/>
+          </a:bodyPr>
+          <a:lstStyle/>
+          <a:p>
+            <a:pPr algn="ctr"/>
+            <a:r>
+              <a:rPr lang="en-US" altLang="zh-TW" sz="3200" b="1" dirty="0" smtClean="0">
+                <a:ln w="0"/>
+                <a:solidFill>
+                  <a:schemeClr val="accent1"/>
+                </a:solidFill>
+                <a:effectLst>
+                  <a:outerShdw blurRad="38100" dist="25400" dir="5400000" algn="ctr" rotWithShape="0">
+                    <a:srgbClr val="6E747A">
+                      <a:alpha val="43000"/>
+                    </a:srgbClr>
+                  </a:outerShdw>
+                </a:effectLst>
+                <a:latin typeface="Times New Roman" panose="02020603050405020304" pitchFamily="18" charset="0"/>
+                <a:cs typeface="Times New Roman" panose="02020603050405020304" pitchFamily="18" charset="0"/>
+              </a:rPr>
+              <a:t>Conclusion</a:t>
+            </a:r>
+            <a:endParaRPr lang="zh-TW" altLang="en-US" sz="3200" b="1" cap="none" spc="0" dirty="0">
+              <a:ln w="0"/>
+              <a:solidFill>
+                <a:schemeClr val="accent1"/>
+              </a:solidFill>
+              <a:effectLst>
+                <a:outerShdw blurRad="38100" dist="25400" dir="5400000" algn="ctr" rotWithShape="0">
+                  <a:srgbClr val="6E747A">
+                    <a:alpha val="43000"/>
+                  </a:srgbClr>
+                </a:outerShdw>
+              </a:effectLst>
+              <a:latin typeface="Times New Roman" panose="02020603050405020304" pitchFamily="18" charset="0"/>
+              <a:cs typeface="Times New Roman" panose="02020603050405020304" pitchFamily="18" charset="0"/>
+            </a:endParaRPr>
+          </a:p>
+        </p:txBody>
+      </p:sp>
+      <p:sp>
+        <p:nvSpPr>
+          <p:cNvPr id="10" name="文字方塊 9"/>
+          <p:cNvSpPr txBox="1"/>
+          <p:nvPr/>
+        </p:nvSpPr>
+        <p:spPr>
+          <a:xfrm>
+            <a:off x="835188" y="1532915"/>
+            <a:ext cx="3690434" cy="369332"/>
+          </a:xfrm>
+          <a:prstGeom prst="rect">
+            <a:avLst/>
+          </a:prstGeom>
+          <a:noFill/>
+        </p:spPr>
+        <p:txBody>
+          <a:bodyPr wrap="none" rtlCol="0">
+            <a:spAutoFit/>
+          </a:bodyPr>
+          <a:lstStyle/>
+          <a:p>
+            <a:r>
+              <a:rPr lang="en-US" altLang="zh-TW" dirty="0" smtClean="0">
+                <a:latin typeface="Comic Sans MS" panose="030F0702030302020204" pitchFamily="66" charset="0"/>
+              </a:rPr>
+              <a:t>Air Traffic Management System</a:t>
+            </a:r>
+            <a:endParaRPr lang="zh-TW" altLang="en-US" dirty="0">
+              <a:latin typeface="Comic Sans MS" panose="030F0702030302020204" pitchFamily="66" charset="0"/>
+            </a:endParaRPr>
+          </a:p>
+        </p:txBody>
+      </p:sp>
+      <p:sp>
+        <p:nvSpPr>
+          <p:cNvPr id="11" name="文字方塊 10"/>
+          <p:cNvSpPr txBox="1"/>
+          <p:nvPr/>
+        </p:nvSpPr>
+        <p:spPr>
+          <a:xfrm>
+            <a:off x="762251" y="3293435"/>
+            <a:ext cx="3836307" cy="369332"/>
+          </a:xfrm>
+          <a:prstGeom prst="rect">
+            <a:avLst/>
+          </a:prstGeom>
+          <a:noFill/>
+        </p:spPr>
+        <p:txBody>
+          <a:bodyPr wrap="none" rtlCol="0">
+            <a:spAutoFit/>
+          </a:bodyPr>
+          <a:lstStyle/>
+          <a:p>
+            <a:r>
+              <a:rPr lang="en-US" altLang="zh-TW" dirty="0" smtClean="0">
+                <a:latin typeface="Comic Sans MS" panose="030F0702030302020204" pitchFamily="66" charset="0"/>
+              </a:rPr>
+              <a:t>UAV Traffic Management System</a:t>
+            </a:r>
+            <a:endParaRPr lang="zh-TW" altLang="en-US" dirty="0">
+              <a:latin typeface="Comic Sans MS" panose="030F0702030302020204" pitchFamily="66" charset="0"/>
+            </a:endParaRPr>
+          </a:p>
+        </p:txBody>
+      </p:sp>
+      <p:sp>
+        <p:nvSpPr>
+          <p:cNvPr id="12" name="文字方塊 11"/>
+          <p:cNvSpPr txBox="1"/>
+          <p:nvPr/>
+        </p:nvSpPr>
+        <p:spPr>
+          <a:xfrm>
+            <a:off x="731793" y="4999972"/>
+            <a:ext cx="3897222" cy="646331"/>
+          </a:xfrm>
+          <a:prstGeom prst="rect">
+            <a:avLst/>
+          </a:prstGeom>
+          <a:noFill/>
+        </p:spPr>
+        <p:txBody>
+          <a:bodyPr wrap="none" rtlCol="0">
+            <a:spAutoFit/>
+          </a:bodyPr>
+          <a:lstStyle/>
+          <a:p>
+            <a:pPr algn="ctr"/>
+            <a:r>
+              <a:rPr lang="en-US" altLang="zh-TW" dirty="0" smtClean="0">
+                <a:latin typeface="Comic Sans MS" panose="030F0702030302020204" pitchFamily="66" charset="0"/>
+              </a:rPr>
+              <a:t>UAV Traffic Management System</a:t>
+            </a:r>
+          </a:p>
+          <a:p>
+            <a:pPr algn="ctr"/>
+            <a:r>
+              <a:rPr lang="en-US" altLang="zh-TW" dirty="0">
+                <a:latin typeface="Comic Sans MS" panose="030F0702030302020204" pitchFamily="66" charset="0"/>
+              </a:rPr>
+              <a:t>w</a:t>
+            </a:r>
+            <a:r>
+              <a:rPr lang="en-US" altLang="zh-TW" dirty="0" smtClean="0">
+                <a:latin typeface="Comic Sans MS" panose="030F0702030302020204" pitchFamily="66" charset="0"/>
+              </a:rPr>
+              <a:t>ith Multi-Access Edge Computing</a:t>
+            </a:r>
+            <a:endParaRPr lang="zh-TW" altLang="en-US" dirty="0">
+              <a:latin typeface="Comic Sans MS" panose="030F0702030302020204" pitchFamily="66" charset="0"/>
+            </a:endParaRPr>
+          </a:p>
+        </p:txBody>
+      </p:sp>
+      <p:sp>
+        <p:nvSpPr>
+          <p:cNvPr id="13" name="向下箭號 12"/>
+          <p:cNvSpPr/>
+          <p:nvPr/>
+        </p:nvSpPr>
+        <p:spPr>
+          <a:xfrm>
+            <a:off x="2577187" y="2069432"/>
+            <a:ext cx="206439" cy="1106905"/>
+          </a:xfrm>
+          <a:prstGeom prst="downArrow">
+            <a:avLst/>
+          </a:prstGeom>
+          <a:solidFill>
+            <a:schemeClr val="accent2">
+              <a:lumMod val="60000"/>
+              <a:lumOff val="40000"/>
+            </a:schemeClr>
+          </a:solidFill>
+          <a:ln>
+            <a:noFill/>
+          </a:ln>
+        </p:spPr>
+        <p:style>
+          <a:lnRef idx="2">
+            <a:schemeClr val="accent1">
+              <a:shade val="50000"/>
+            </a:schemeClr>
+          </a:lnRef>
+          <a:fillRef idx="1">
+            <a:schemeClr val="accent1"/>
+          </a:fillRef>
+          <a:effectRef idx="0">
+            <a:schemeClr val="accent1"/>
+          </a:effectRef>
+          <a:fontRef idx="minor">
+            <a:schemeClr val="lt1"/>
+          </a:fontRef>
+        </p:style>
+        <p:txBody>
+          <a:bodyPr rtlCol="0" anchor="ctr"/>
+          <a:lstStyle/>
+          <a:p>
+            <a:pPr algn="ctr"/>
+            <a:endParaRPr lang="zh-TW" altLang="en-US"/>
+          </a:p>
+        </p:txBody>
+      </p:sp>
+      <p:sp>
+        <p:nvSpPr>
+          <p:cNvPr id="14" name="向下箭號 13"/>
+          <p:cNvSpPr/>
+          <p:nvPr/>
+        </p:nvSpPr>
+        <p:spPr>
+          <a:xfrm>
+            <a:off x="2577186" y="3777917"/>
+            <a:ext cx="206439" cy="1106905"/>
+          </a:xfrm>
+          <a:prstGeom prst="downArrow">
+            <a:avLst/>
+          </a:prstGeom>
+          <a:solidFill>
+            <a:schemeClr val="accent2">
+              <a:lumMod val="60000"/>
+              <a:lumOff val="40000"/>
+            </a:schemeClr>
+          </a:solidFill>
+          <a:ln>
+            <a:noFill/>
+          </a:ln>
+        </p:spPr>
+        <p:style>
+          <a:lnRef idx="2">
+            <a:schemeClr val="accent1">
+              <a:shade val="50000"/>
+            </a:schemeClr>
+          </a:lnRef>
+          <a:fillRef idx="1">
+            <a:schemeClr val="accent1"/>
+          </a:fillRef>
+          <a:effectRef idx="0">
+            <a:schemeClr val="accent1"/>
+          </a:effectRef>
+          <a:fontRef idx="minor">
+            <a:schemeClr val="lt1"/>
+          </a:fontRef>
+        </p:style>
+        <p:txBody>
+          <a:bodyPr rtlCol="0" anchor="ctr"/>
+          <a:lstStyle/>
+          <a:p>
+            <a:pPr algn="ctr"/>
+            <a:endParaRPr lang="zh-TW" altLang="en-US"/>
+          </a:p>
+        </p:txBody>
+      </p:sp>
+      <p:sp>
+        <p:nvSpPr>
+          <p:cNvPr id="15" name="燕尾形向右箭號 14"/>
+          <p:cNvSpPr/>
+          <p:nvPr/>
+        </p:nvSpPr>
+        <p:spPr>
+          <a:xfrm>
+            <a:off x="3407343" y="2374576"/>
+            <a:ext cx="1607419" cy="500514"/>
+          </a:xfrm>
+          <a:prstGeom prst="notchedRightArrow">
+            <a:avLst/>
+          </a:prstGeom>
+          <a:solidFill>
+            <a:schemeClr val="accent6">
+              <a:lumMod val="60000"/>
+              <a:lumOff val="40000"/>
+            </a:schemeClr>
+          </a:solidFill>
+          <a:ln>
+            <a:noFill/>
+          </a:ln>
+        </p:spPr>
+        <p:style>
+          <a:lnRef idx="2">
+            <a:schemeClr val="accent1">
+              <a:shade val="50000"/>
+            </a:schemeClr>
+          </a:lnRef>
+          <a:fillRef idx="1">
+            <a:schemeClr val="accent1"/>
+          </a:fillRef>
+          <a:effectRef idx="0">
+            <a:schemeClr val="accent1"/>
+          </a:effectRef>
+          <a:fontRef idx="minor">
+            <a:schemeClr val="lt1"/>
+          </a:fontRef>
+        </p:style>
+        <p:txBody>
+          <a:bodyPr rtlCol="0" anchor="ctr"/>
+          <a:lstStyle/>
+          <a:p>
+            <a:pPr algn="ctr"/>
+            <a:endParaRPr lang="zh-TW" altLang="en-US"/>
+          </a:p>
+        </p:txBody>
+      </p:sp>
+      <p:sp>
+        <p:nvSpPr>
+          <p:cNvPr id="16" name="燕尾形向右箭號 15"/>
+          <p:cNvSpPr/>
+          <p:nvPr/>
+        </p:nvSpPr>
+        <p:spPr>
+          <a:xfrm>
+            <a:off x="3407342" y="4081112"/>
+            <a:ext cx="1607419" cy="500514"/>
+          </a:xfrm>
+          <a:prstGeom prst="notchedRightArrow">
+            <a:avLst/>
+          </a:prstGeom>
+          <a:solidFill>
+            <a:schemeClr val="accent6">
+              <a:lumMod val="60000"/>
+              <a:lumOff val="40000"/>
+            </a:schemeClr>
+          </a:solidFill>
+          <a:ln>
+            <a:noFill/>
+          </a:ln>
+        </p:spPr>
+        <p:style>
+          <a:lnRef idx="2">
+            <a:schemeClr val="accent1">
+              <a:shade val="50000"/>
+            </a:schemeClr>
+          </a:lnRef>
+          <a:fillRef idx="1">
+            <a:schemeClr val="accent1"/>
+          </a:fillRef>
+          <a:effectRef idx="0">
+            <a:schemeClr val="accent1"/>
+          </a:effectRef>
+          <a:fontRef idx="minor">
+            <a:schemeClr val="lt1"/>
+          </a:fontRef>
+        </p:style>
+        <p:txBody>
+          <a:bodyPr rtlCol="0" anchor="ctr"/>
+          <a:lstStyle/>
+          <a:p>
+            <a:pPr algn="ctr"/>
+            <a:endParaRPr lang="zh-TW" altLang="en-US"/>
+          </a:p>
+        </p:txBody>
+      </p:sp>
+      <p:sp>
+        <p:nvSpPr>
+          <p:cNvPr id="19" name="圓角矩形 18"/>
+          <p:cNvSpPr/>
+          <p:nvPr/>
+        </p:nvSpPr>
+        <p:spPr>
+          <a:xfrm>
+            <a:off x="5515276" y="1994606"/>
+            <a:ext cx="5534525" cy="1256555"/>
+          </a:xfrm>
+          <a:prstGeom prst="roundRect">
+            <a:avLst/>
+          </a:prstGeom>
+          <a:solidFill>
+            <a:schemeClr val="tx2">
+              <a:lumMod val="20000"/>
+              <a:lumOff val="80000"/>
+            </a:schemeClr>
+          </a:solidFill>
+          <a:ln>
+            <a:noFill/>
+          </a:ln>
+        </p:spPr>
+        <p:style>
+          <a:lnRef idx="2">
+            <a:schemeClr val="accent1">
+              <a:shade val="50000"/>
+            </a:schemeClr>
+          </a:lnRef>
+          <a:fillRef idx="1">
+            <a:schemeClr val="accent1"/>
+          </a:fillRef>
+          <a:effectRef idx="0">
+            <a:schemeClr val="accent1"/>
+          </a:effectRef>
+          <a:fontRef idx="minor">
+            <a:schemeClr val="lt1"/>
+          </a:fontRef>
+        </p:style>
+        <p:txBody>
+          <a:bodyPr rtlCol="0" anchor="ctr"/>
+          <a:lstStyle/>
+          <a:p>
+            <a:pPr algn="just"/>
+            <a:r>
+              <a:rPr lang="en-US" altLang="zh-TW" dirty="0" smtClean="0">
+                <a:solidFill>
+                  <a:schemeClr val="tx1">
+                    <a:lumMod val="75000"/>
+                    <a:lumOff val="25000"/>
+                  </a:schemeClr>
+                </a:solidFill>
+                <a:latin typeface="Times New Roman" panose="02020603050405020304" pitchFamily="18" charset="0"/>
+                <a:cs typeface="Times New Roman" panose="02020603050405020304" pitchFamily="18" charset="0"/>
+              </a:rPr>
+              <a:t>Along with the ever-increasing number of UAVs, the on-site control of UAVs, by pilot within VLOS, is becoming all but impossible.</a:t>
+            </a:r>
+            <a:endParaRPr lang="zh-TW" altLang="en-US" dirty="0">
+              <a:solidFill>
+                <a:schemeClr val="tx1">
+                  <a:lumMod val="75000"/>
+                  <a:lumOff val="25000"/>
+                </a:schemeClr>
+              </a:solidFill>
+              <a:latin typeface="Times New Roman" panose="02020603050405020304" pitchFamily="18" charset="0"/>
+              <a:cs typeface="Times New Roman" panose="02020603050405020304" pitchFamily="18" charset="0"/>
+            </a:endParaRPr>
+          </a:p>
+        </p:txBody>
+      </p:sp>
+      <p:sp>
+        <p:nvSpPr>
+          <p:cNvPr id="20" name="圓角矩形 19"/>
+          <p:cNvSpPr/>
+          <p:nvPr/>
+        </p:nvSpPr>
+        <p:spPr>
+          <a:xfrm>
+            <a:off x="5515276" y="3703091"/>
+            <a:ext cx="5534525" cy="1256555"/>
+          </a:xfrm>
+          <a:prstGeom prst="roundRect">
+            <a:avLst/>
+          </a:prstGeom>
+          <a:solidFill>
+            <a:schemeClr val="tx2">
+              <a:lumMod val="20000"/>
+              <a:lumOff val="80000"/>
+            </a:schemeClr>
+          </a:solidFill>
+          <a:ln>
+            <a:noFill/>
+          </a:ln>
+        </p:spPr>
+        <p:style>
+          <a:lnRef idx="2">
+            <a:schemeClr val="accent1">
+              <a:shade val="50000"/>
+            </a:schemeClr>
+          </a:lnRef>
+          <a:fillRef idx="1">
+            <a:schemeClr val="accent1"/>
+          </a:fillRef>
+          <a:effectRef idx="0">
+            <a:schemeClr val="accent1"/>
+          </a:effectRef>
+          <a:fontRef idx="minor">
+            <a:schemeClr val="lt1"/>
+          </a:fontRef>
+        </p:style>
+        <p:txBody>
+          <a:bodyPr rtlCol="0" anchor="ctr"/>
+          <a:lstStyle/>
+          <a:p>
+            <a:pPr algn="just"/>
+            <a:r>
+              <a:rPr lang="en-US" altLang="zh-TW" dirty="0" smtClean="0">
+                <a:solidFill>
+                  <a:schemeClr val="tx1">
+                    <a:lumMod val="75000"/>
+                    <a:lumOff val="25000"/>
+                  </a:schemeClr>
+                </a:solidFill>
+                <a:latin typeface="Times New Roman" panose="02020603050405020304" pitchFamily="18" charset="0"/>
+                <a:cs typeface="Times New Roman" panose="02020603050405020304" pitchFamily="18" charset="0"/>
+              </a:rPr>
+              <a:t>In general UTM system, communication latency and packet loss always have negative effect in controlling UAVs.</a:t>
+            </a:r>
+            <a:endParaRPr lang="zh-TW" altLang="en-US" dirty="0">
+              <a:solidFill>
+                <a:schemeClr val="tx1">
+                  <a:lumMod val="75000"/>
+                  <a:lumOff val="25000"/>
+                </a:schemeClr>
+              </a:solidFill>
+              <a:latin typeface="Times New Roman" panose="02020603050405020304" pitchFamily="18" charset="0"/>
+              <a:cs typeface="Times New Roman" panose="02020603050405020304" pitchFamily="18" charset="0"/>
+            </a:endParaRPr>
+          </a:p>
+        </p:txBody>
+      </p:sp>
+      <p:sp>
+        <p:nvSpPr>
+          <p:cNvPr id="21" name="圓角矩形 20"/>
+          <p:cNvSpPr/>
+          <p:nvPr/>
+        </p:nvSpPr>
+        <p:spPr>
+          <a:xfrm>
+            <a:off x="731793" y="4959646"/>
+            <a:ext cx="3965335" cy="686657"/>
+          </a:xfrm>
+          <a:prstGeom prst="roundRect">
+            <a:avLst/>
+          </a:prstGeom>
+          <a:noFill/>
+          <a:ln w="28575">
+            <a:solidFill>
+              <a:srgbClr val="FF0000"/>
+            </a:solidFill>
+          </a:ln>
+        </p:spPr>
+        <p:style>
+          <a:lnRef idx="2">
+            <a:schemeClr val="accent1">
+              <a:shade val="50000"/>
+            </a:schemeClr>
+          </a:lnRef>
+          <a:fillRef idx="1">
+            <a:schemeClr val="accent1"/>
+          </a:fillRef>
+          <a:effectRef idx="0">
+            <a:schemeClr val="accent1"/>
+          </a:effectRef>
+          <a:fontRef idx="minor">
+            <a:schemeClr val="lt1"/>
+          </a:fontRef>
+        </p:style>
+        <p:txBody>
+          <a:bodyPr rtlCol="0" anchor="ctr"/>
+          <a:lstStyle/>
+          <a:p>
+            <a:pPr algn="ctr"/>
+            <a:endParaRPr lang="zh-TW" altLang="en-US"/>
+          </a:p>
+        </p:txBody>
+      </p:sp>
+      <p:sp>
+        <p:nvSpPr>
+          <p:cNvPr id="22" name="文字方塊 21"/>
+          <p:cNvSpPr txBox="1"/>
+          <p:nvPr/>
+        </p:nvSpPr>
+        <p:spPr>
+          <a:xfrm>
+            <a:off x="1697451" y="5721127"/>
+            <a:ext cx="2034018" cy="338554"/>
+          </a:xfrm>
+          <a:prstGeom prst="rect">
+            <a:avLst/>
+          </a:prstGeom>
+          <a:noFill/>
+        </p:spPr>
+        <p:txBody>
+          <a:bodyPr wrap="none" rtlCol="0">
+            <a:spAutoFit/>
+          </a:bodyPr>
+          <a:lstStyle/>
+          <a:p>
+            <a:r>
+              <a:rPr lang="en-US" altLang="zh-TW" sz="1600" b="1" dirty="0" smtClean="0">
+                <a:solidFill>
+                  <a:srgbClr val="FF0000"/>
+                </a:solidFill>
+                <a:latin typeface="Times New Roman" panose="02020603050405020304" pitchFamily="18" charset="0"/>
+                <a:cs typeface="Times New Roman" panose="02020603050405020304" pitchFamily="18" charset="0"/>
+              </a:rPr>
+              <a:t>Proposed framework</a:t>
+            </a:r>
+            <a:endParaRPr lang="zh-TW" altLang="en-US" sz="1600" b="1" dirty="0">
+              <a:solidFill>
+                <a:srgbClr val="FF0000"/>
+              </a:solidFill>
+              <a:latin typeface="Times New Roman" panose="02020603050405020304" pitchFamily="18" charset="0"/>
+              <a:cs typeface="Times New Roman" panose="02020603050405020304" pitchFamily="18" charset="0"/>
+            </a:endParaRPr>
+          </a:p>
+        </p:txBody>
+      </p:sp>
+    </p:spTree>
+    <p:extLst>
+      <p:ext uri="{BB962C8B-B14F-4D97-AF65-F5344CB8AC3E}">
+        <p14:creationId xmlns:p14="http://schemas.microsoft.com/office/powerpoint/2010/main" val="1150952066"/>
+      </p:ext>
+    </p:extLst>
+  </p:cSld>
+  <p:clrMapOvr>
+    <a:masterClrMapping/>
+  </p:clrMapOvr>
+  <p:timing>
+    <p:tnLst>
+      <p:par>
+        <p:cTn id="1" dur="indefinite" restart="never" nodeType="tmRoot">
+          <p:childTnLst>
+            <p:seq concurrent="1" nextAc="seek">
+              <p:cTn id="2" dur="indefinite" nodeType="mainSeq">
+                <p:childTnLst>
+                  <p:par>
+                    <p:cTn id="3" fill="hold">
+                      <p:stCondLst>
+                        <p:cond delay="indefinite"/>
+                      </p:stCondLst>
+                      <p:childTnLst>
+                        <p:par>
+                          <p:cTn id="4" fill="hold">
+                            <p:stCondLst>
+                              <p:cond delay="0"/>
+                            </p:stCondLst>
+                            <p:childTnLst>
+                              <p:par>
+                                <p:cTn id="5" presetID="22" presetClass="entr" presetSubtype="1" fill="hold" grpId="0" nodeType="clickEffect">
+                                  <p:stCondLst>
+                                    <p:cond delay="0"/>
+                                  </p:stCondLst>
+                                  <p:childTnLst>
+                                    <p:set>
+                                      <p:cBhvr>
+                                        <p:cTn id="6" dur="1" fill="hold">
+                                          <p:stCondLst>
+                                            <p:cond delay="0"/>
+                                          </p:stCondLst>
+                                        </p:cTn>
+                                        <p:tgtEl>
+                                          <p:spTgt spid="13"/>
+                                        </p:tgtEl>
+                                        <p:attrNameLst>
+                                          <p:attrName>style.visibility</p:attrName>
+                                        </p:attrNameLst>
+                                      </p:cBhvr>
+                                      <p:to>
+                                        <p:strVal val="visible"/>
+                                      </p:to>
+                                    </p:set>
+                                    <p:animEffect transition="in" filter="wipe(up)">
+                                      <p:cBhvr>
+                                        <p:cTn id="7" dur="500"/>
+                                        <p:tgtEl>
+                                          <p:spTgt spid="13"/>
+                                        </p:tgtEl>
+                                      </p:cBhvr>
+                                    </p:animEffect>
+                                  </p:childTnLst>
+                                </p:cTn>
+                              </p:par>
+                            </p:childTnLst>
+                          </p:cTn>
+                        </p:par>
+                        <p:par>
+                          <p:cTn id="8" fill="hold">
+                            <p:stCondLst>
+                              <p:cond delay="500"/>
+                            </p:stCondLst>
+                            <p:childTnLst>
+                              <p:par>
+                                <p:cTn id="9" presetID="1" presetClass="entr" presetSubtype="0" fill="hold" grpId="0" nodeType="afterEffect">
+                                  <p:stCondLst>
+                                    <p:cond delay="0"/>
+                                  </p:stCondLst>
+                                  <p:childTnLst>
+                                    <p:set>
+                                      <p:cBhvr>
+                                        <p:cTn id="10" dur="1" fill="hold">
+                                          <p:stCondLst>
+                                            <p:cond delay="0"/>
+                                          </p:stCondLst>
+                                        </p:cTn>
+                                        <p:tgtEl>
+                                          <p:spTgt spid="11"/>
+                                        </p:tgtEl>
+                                        <p:attrNameLst>
+                                          <p:attrName>style.visibility</p:attrName>
+                                        </p:attrNameLst>
+                                      </p:cBhvr>
+                                      <p:to>
+                                        <p:strVal val="visible"/>
+                                      </p:to>
+                                    </p:set>
+                                  </p:childTnLst>
+                                </p:cTn>
+                              </p:par>
+                            </p:childTnLst>
+                          </p:cTn>
+                        </p:par>
+                      </p:childTnLst>
+                    </p:cTn>
+                  </p:par>
+                  <p:par>
+                    <p:cTn id="11" fill="hold">
+                      <p:stCondLst>
+                        <p:cond delay="indefinite"/>
+                      </p:stCondLst>
+                      <p:childTnLst>
+                        <p:par>
+                          <p:cTn id="12" fill="hold">
+                            <p:stCondLst>
+                              <p:cond delay="0"/>
+                            </p:stCondLst>
+                            <p:childTnLst>
+                              <p:par>
+                                <p:cTn id="13" presetID="22" presetClass="entr" presetSubtype="8" fill="hold" grpId="0" nodeType="clickEffect">
+                                  <p:stCondLst>
+                                    <p:cond delay="0"/>
+                                  </p:stCondLst>
+                                  <p:childTnLst>
+                                    <p:set>
+                                      <p:cBhvr>
+                                        <p:cTn id="14" dur="1" fill="hold">
+                                          <p:stCondLst>
+                                            <p:cond delay="0"/>
+                                          </p:stCondLst>
+                                        </p:cTn>
+                                        <p:tgtEl>
+                                          <p:spTgt spid="15"/>
+                                        </p:tgtEl>
+                                        <p:attrNameLst>
+                                          <p:attrName>style.visibility</p:attrName>
+                                        </p:attrNameLst>
+                                      </p:cBhvr>
+                                      <p:to>
+                                        <p:strVal val="visible"/>
+                                      </p:to>
+                                    </p:set>
+                                    <p:animEffect transition="in" filter="wipe(left)">
+                                      <p:cBhvr>
+                                        <p:cTn id="15" dur="500"/>
+                                        <p:tgtEl>
+                                          <p:spTgt spid="15"/>
+                                        </p:tgtEl>
+                                      </p:cBhvr>
+                                    </p:animEffect>
+                                  </p:childTnLst>
+                                </p:cTn>
+                              </p:par>
+                            </p:childTnLst>
+                          </p:cTn>
+                        </p:par>
+                        <p:par>
+                          <p:cTn id="16" fill="hold">
+                            <p:stCondLst>
+                              <p:cond delay="500"/>
+                            </p:stCondLst>
+                            <p:childTnLst>
+                              <p:par>
+                                <p:cTn id="17" presetID="1" presetClass="entr" presetSubtype="0" fill="hold" grpId="0" nodeType="afterEffect">
+                                  <p:stCondLst>
+                                    <p:cond delay="0"/>
+                                  </p:stCondLst>
+                                  <p:childTnLst>
+                                    <p:set>
+                                      <p:cBhvr>
+                                        <p:cTn id="18" dur="1" fill="hold">
+                                          <p:stCondLst>
+                                            <p:cond delay="0"/>
+                                          </p:stCondLst>
+                                        </p:cTn>
+                                        <p:tgtEl>
+                                          <p:spTgt spid="19"/>
+                                        </p:tgtEl>
+                                        <p:attrNameLst>
+                                          <p:attrName>style.visibility</p:attrName>
+                                        </p:attrNameLst>
+                                      </p:cBhvr>
+                                      <p:to>
+                                        <p:strVal val="visible"/>
+                                      </p:to>
+                                    </p:set>
+                                  </p:childTnLst>
+                                </p:cTn>
+                              </p:par>
+                            </p:childTnLst>
+                          </p:cTn>
+                        </p:par>
+                      </p:childTnLst>
+                    </p:cTn>
+                  </p:par>
+                  <p:par>
+                    <p:cTn id="19" fill="hold">
+                      <p:stCondLst>
+                        <p:cond delay="indefinite"/>
+                      </p:stCondLst>
+                      <p:childTnLst>
+                        <p:par>
+                          <p:cTn id="20" fill="hold">
+                            <p:stCondLst>
+                              <p:cond delay="0"/>
+                            </p:stCondLst>
+                            <p:childTnLst>
+                              <p:par>
+                                <p:cTn id="21" presetID="22" presetClass="entr" presetSubtype="1" fill="hold" grpId="0" nodeType="clickEffect">
+                                  <p:stCondLst>
+                                    <p:cond delay="0"/>
+                                  </p:stCondLst>
+                                  <p:childTnLst>
+                                    <p:set>
+                                      <p:cBhvr>
+                                        <p:cTn id="22" dur="1" fill="hold">
+                                          <p:stCondLst>
+                                            <p:cond delay="0"/>
+                                          </p:stCondLst>
+                                        </p:cTn>
+                                        <p:tgtEl>
+                                          <p:spTgt spid="14"/>
+                                        </p:tgtEl>
+                                        <p:attrNameLst>
+                                          <p:attrName>style.visibility</p:attrName>
+                                        </p:attrNameLst>
+                                      </p:cBhvr>
+                                      <p:to>
+                                        <p:strVal val="visible"/>
+                                      </p:to>
+                                    </p:set>
+                                    <p:animEffect transition="in" filter="wipe(up)">
+                                      <p:cBhvr>
+                                        <p:cTn id="23" dur="500"/>
+                                        <p:tgtEl>
+                                          <p:spTgt spid="14"/>
+                                        </p:tgtEl>
+                                      </p:cBhvr>
+                                    </p:animEffect>
+                                  </p:childTnLst>
+                                </p:cTn>
+                              </p:par>
+                            </p:childTnLst>
+                          </p:cTn>
+                        </p:par>
+                        <p:par>
+                          <p:cTn id="24" fill="hold">
+                            <p:stCondLst>
+                              <p:cond delay="500"/>
+                            </p:stCondLst>
+                            <p:childTnLst>
+                              <p:par>
+                                <p:cTn id="25" presetID="1" presetClass="entr" presetSubtype="0" fill="hold" grpId="0" nodeType="afterEffect">
+                                  <p:stCondLst>
+                                    <p:cond delay="0"/>
+                                  </p:stCondLst>
+                                  <p:childTnLst>
+                                    <p:set>
+                                      <p:cBhvr>
+                                        <p:cTn id="26" dur="1" fill="hold">
+                                          <p:stCondLst>
+                                            <p:cond delay="0"/>
+                                          </p:stCondLst>
+                                        </p:cTn>
+                                        <p:tgtEl>
+                                          <p:spTgt spid="12"/>
+                                        </p:tgtEl>
+                                        <p:attrNameLst>
+                                          <p:attrName>style.visibility</p:attrName>
+                                        </p:attrNameLst>
+                                      </p:cBhvr>
+                                      <p:to>
+                                        <p:strVal val="visible"/>
+                                      </p:to>
+                                    </p:set>
+                                  </p:childTnLst>
+                                </p:cTn>
+                              </p:par>
+                            </p:childTnLst>
+                          </p:cTn>
+                        </p:par>
+                        <p:par>
+                          <p:cTn id="27" fill="hold">
+                            <p:stCondLst>
+                              <p:cond delay="500"/>
+                            </p:stCondLst>
+                            <p:childTnLst>
+                              <p:par>
+                                <p:cTn id="28" presetID="1" presetClass="entr" presetSubtype="0" fill="hold" grpId="0" nodeType="afterEffect">
+                                  <p:stCondLst>
+                                    <p:cond delay="0"/>
+                                  </p:stCondLst>
+                                  <p:childTnLst>
+                                    <p:set>
+                                      <p:cBhvr>
+                                        <p:cTn id="29" dur="1" fill="hold">
+                                          <p:stCondLst>
+                                            <p:cond delay="0"/>
+                                          </p:stCondLst>
+                                        </p:cTn>
+                                        <p:tgtEl>
+                                          <p:spTgt spid="21"/>
+                                        </p:tgtEl>
+                                        <p:attrNameLst>
+                                          <p:attrName>style.visibility</p:attrName>
+                                        </p:attrNameLst>
+                                      </p:cBhvr>
+                                      <p:to>
+                                        <p:strVal val="visible"/>
+                                      </p:to>
+                                    </p:set>
+                                  </p:childTnLst>
+                                </p:cTn>
+                              </p:par>
+                            </p:childTnLst>
+                          </p:cTn>
+                        </p:par>
+                        <p:par>
+                          <p:cTn id="30" fill="hold">
+                            <p:stCondLst>
+                              <p:cond delay="500"/>
+                            </p:stCondLst>
+                            <p:childTnLst>
+                              <p:par>
+                                <p:cTn id="31" presetID="1" presetClass="entr" presetSubtype="0" fill="hold" grpId="0" nodeType="afterEffect">
+                                  <p:stCondLst>
+                                    <p:cond delay="0"/>
+                                  </p:stCondLst>
+                                  <p:childTnLst>
+                                    <p:set>
+                                      <p:cBhvr>
+                                        <p:cTn id="32" dur="1" fill="hold">
+                                          <p:stCondLst>
+                                            <p:cond delay="0"/>
+                                          </p:stCondLst>
+                                        </p:cTn>
+                                        <p:tgtEl>
+                                          <p:spTgt spid="22"/>
+                                        </p:tgtEl>
+                                        <p:attrNameLst>
+                                          <p:attrName>style.visibility</p:attrName>
+                                        </p:attrNameLst>
+                                      </p:cBhvr>
+                                      <p:to>
+                                        <p:strVal val="visible"/>
+                                      </p:to>
+                                    </p:set>
+                                  </p:childTnLst>
+                                </p:cTn>
+                              </p:par>
+                            </p:childTnLst>
+                          </p:cTn>
+                        </p:par>
+                      </p:childTnLst>
+                    </p:cTn>
+                  </p:par>
+                  <p:par>
+                    <p:cTn id="33" fill="hold">
+                      <p:stCondLst>
+                        <p:cond delay="indefinite"/>
+                      </p:stCondLst>
+                      <p:childTnLst>
+                        <p:par>
+                          <p:cTn id="34" fill="hold">
+                            <p:stCondLst>
+                              <p:cond delay="0"/>
+                            </p:stCondLst>
+                            <p:childTnLst>
+                              <p:par>
+                                <p:cTn id="35" presetID="22" presetClass="entr" presetSubtype="8" fill="hold" grpId="0" nodeType="clickEffect">
+                                  <p:stCondLst>
+                                    <p:cond delay="0"/>
+                                  </p:stCondLst>
+                                  <p:childTnLst>
+                                    <p:set>
+                                      <p:cBhvr>
+                                        <p:cTn id="36" dur="1" fill="hold">
+                                          <p:stCondLst>
+                                            <p:cond delay="0"/>
+                                          </p:stCondLst>
+                                        </p:cTn>
+                                        <p:tgtEl>
+                                          <p:spTgt spid="16"/>
+                                        </p:tgtEl>
+                                        <p:attrNameLst>
+                                          <p:attrName>style.visibility</p:attrName>
+                                        </p:attrNameLst>
+                                      </p:cBhvr>
+                                      <p:to>
+                                        <p:strVal val="visible"/>
+                                      </p:to>
+                                    </p:set>
+                                    <p:animEffect transition="in" filter="wipe(left)">
+                                      <p:cBhvr>
+                                        <p:cTn id="37" dur="500"/>
+                                        <p:tgtEl>
+                                          <p:spTgt spid="16"/>
+                                        </p:tgtEl>
+                                      </p:cBhvr>
+                                    </p:animEffect>
+                                  </p:childTnLst>
+                                </p:cTn>
+                              </p:par>
+                            </p:childTnLst>
+                          </p:cTn>
+                        </p:par>
+                        <p:par>
+                          <p:cTn id="38" fill="hold">
+                            <p:stCondLst>
+                              <p:cond delay="500"/>
+                            </p:stCondLst>
+                            <p:childTnLst>
+                              <p:par>
+                                <p:cTn id="39" presetID="1" presetClass="entr" presetSubtype="0" fill="hold" grpId="0" nodeType="afterEffect">
+                                  <p:stCondLst>
+                                    <p:cond delay="0"/>
+                                  </p:stCondLst>
+                                  <p:childTnLst>
+                                    <p:set>
+                                      <p:cBhvr>
+                                        <p:cTn id="40" dur="1" fill="hold">
+                                          <p:stCondLst>
+                                            <p:cond delay="0"/>
+                                          </p:stCondLst>
+                                        </p:cTn>
+                                        <p:tgtEl>
+                                          <p:spTgt spid="20"/>
+                                        </p:tgtEl>
+                                        <p:attrNameLst>
+                                          <p:attrName>style.visibility</p:attrName>
+                                        </p:attrNameLst>
+                                      </p:cBhvr>
+                                      <p:to>
+                                        <p:strVal val="visible"/>
+                                      </p:to>
+                                    </p:set>
+                                  </p:childTnLst>
+                                </p:cTn>
+                              </p:par>
+                            </p:childTnLst>
+                          </p:cTn>
+                        </p:par>
+                      </p:childTnLst>
+                    </p:cTn>
+                  </p:par>
+                </p:childTnLst>
+              </p:cTn>
+              <p:prevCondLst>
+                <p:cond evt="onPrev" delay="0">
+                  <p:tgtEl>
+                    <p:sldTgt/>
+                  </p:tgtEl>
+                </p:cond>
+              </p:prevCondLst>
+              <p:nextCondLst>
+                <p:cond evt="onNext" delay="0">
+                  <p:tgtEl>
+                    <p:sldTgt/>
+                  </p:tgtEl>
+                </p:cond>
+              </p:nextCondLst>
+            </p:seq>
+          </p:childTnLst>
+        </p:cTn>
+      </p:par>
+    </p:tnLst>
+    <p:bldLst>
+      <p:bldP spid="11" grpId="0"/>
+      <p:bldP spid="12" grpId="0"/>
+      <p:bldP spid="13" grpId="0" animBg="1"/>
+      <p:bldP spid="14" grpId="0" animBg="1"/>
+      <p:bldP spid="15" grpId="0" animBg="1"/>
+      <p:bldP spid="16" grpId="0" animBg="1"/>
+      <p:bldP spid="19" grpId="0" animBg="1"/>
+      <p:bldP spid="20" grpId="0" animBg="1"/>
+      <p:bldP spid="21" grpId="0" animBg="1"/>
+      <p:bldP spid="22" grpId="0"/>
+    </p:bldLst>
+  </p:timing>
+</p:sld>
+</file>
+
+<file path=ppt/slides/slide28.xml><?xml version="1.0" encoding="utf-8"?>
+<p:sld xmlns:a="http://schemas.openxmlformats.org/drawingml/2006/main" xmlns:r="http://schemas.openxmlformats.org/officeDocument/2006/relationships" xmlns:p="http://schemas.openxmlformats.org/presentationml/2006/main">
+  <p:cSld>
+    <p:spTree>
+      <p:nvGrpSpPr>
+        <p:cNvPr id="1" name=""/>
+        <p:cNvGrpSpPr/>
+        <p:nvPr/>
+      </p:nvGrpSpPr>
+      <p:grpSpPr>
+        <a:xfrm>
+          <a:off x="0" y="0"/>
+          <a:ext cx="0" cy="0"/>
+          <a:chOff x="0" y="0"/>
+          <a:chExt cx="0" cy="0"/>
+        </a:xfrm>
+      </p:grpSpPr>
+      <p:sp>
+        <p:nvSpPr>
+          <p:cNvPr id="4" name="投影片編號版面配置區 3"/>
+          <p:cNvSpPr>
+            <a:spLocks noGrp="1"/>
+          </p:cNvSpPr>
+          <p:nvPr>
+            <p:ph type="sldNum" sz="quarter" idx="12"/>
+          </p:nvPr>
+        </p:nvSpPr>
+        <p:spPr/>
+        <p:txBody>
+          <a:bodyPr/>
+          <a:lstStyle/>
+          <a:p>
+            <a:fld id="{C128DF73-0FD1-4EFB-B6B9-20BE1557E8C1}" type="slidenum">
+              <a:rPr lang="zh-TW" altLang="en-US" smtClean="0"/>
+              <a:t>28</a:t>
+            </a:fld>
+            <a:endParaRPr lang="zh-TW" altLang="en-US"/>
+          </a:p>
+        </p:txBody>
+      </p:sp>
+      <p:sp>
+        <p:nvSpPr>
+          <p:cNvPr id="5" name="橢圓 4"/>
+          <p:cNvSpPr/>
+          <p:nvPr/>
+        </p:nvSpPr>
+        <p:spPr>
+          <a:xfrm>
+            <a:off x="345688" y="920843"/>
+            <a:ext cx="172720" cy="162560"/>
+          </a:xfrm>
+          <a:prstGeom prst="ellipse">
+            <a:avLst/>
+          </a:prstGeom>
+          <a:solidFill>
+            <a:schemeClr val="tx1">
+              <a:lumMod val="65000"/>
+              <a:lumOff val="35000"/>
+            </a:schemeClr>
+          </a:solidFill>
+          <a:ln>
+            <a:noFill/>
+          </a:ln>
+        </p:spPr>
+        <p:style>
+          <a:lnRef idx="2">
+            <a:schemeClr val="accent1">
+              <a:shade val="50000"/>
+            </a:schemeClr>
+          </a:lnRef>
+          <a:fillRef idx="1">
+            <a:schemeClr val="accent1"/>
+          </a:fillRef>
+          <a:effectRef idx="0">
+            <a:schemeClr val="accent1"/>
+          </a:effectRef>
+          <a:fontRef idx="minor">
+            <a:schemeClr val="lt1"/>
+          </a:fontRef>
+        </p:style>
+        <p:txBody>
+          <a:bodyPr rtlCol="0" anchor="ctr"/>
+          <a:lstStyle/>
+          <a:p>
+            <a:pPr algn="ctr"/>
+            <a:endParaRPr lang="zh-TW" altLang="en-US"/>
+          </a:p>
+        </p:txBody>
+      </p:sp>
+      <p:cxnSp>
+        <p:nvCxnSpPr>
+          <p:cNvPr id="6" name="直線接點 5"/>
+          <p:cNvCxnSpPr>
+            <a:stCxn id="5" idx="6"/>
+          </p:cNvCxnSpPr>
+          <p:nvPr/>
+        </p:nvCxnSpPr>
+        <p:spPr>
+          <a:xfrm>
+            <a:off x="518408" y="1002123"/>
+            <a:ext cx="3620104" cy="0"/>
+          </a:xfrm>
+          <a:prstGeom prst="line">
+            <a:avLst/>
+          </a:prstGeom>
+          <a:ln w="25400">
+            <a:solidFill>
+              <a:schemeClr val="tx1">
+                <a:lumMod val="65000"/>
+                <a:lumOff val="35000"/>
+              </a:schemeClr>
+            </a:solidFill>
+          </a:ln>
+        </p:spPr>
+        <p:style>
+          <a:lnRef idx="1">
+            <a:schemeClr val="accent1"/>
+          </a:lnRef>
+          <a:fillRef idx="0">
+            <a:schemeClr val="accent1"/>
+          </a:fillRef>
+          <a:effectRef idx="0">
+            <a:schemeClr val="accent1"/>
+          </a:effectRef>
+          <a:fontRef idx="minor">
+            <a:schemeClr val="tx1"/>
+          </a:fontRef>
+        </p:style>
+      </p:cxnSp>
+      <p:sp>
+        <p:nvSpPr>
+          <p:cNvPr id="7" name="矩形 6"/>
+          <p:cNvSpPr/>
+          <p:nvPr/>
+        </p:nvSpPr>
+        <p:spPr>
+          <a:xfrm>
+            <a:off x="432048" y="417348"/>
+            <a:ext cx="3706464" cy="584775"/>
+          </a:xfrm>
+          <a:prstGeom prst="rect">
+            <a:avLst/>
+          </a:prstGeom>
+          <a:noFill/>
+        </p:spPr>
+        <p:txBody>
+          <a:bodyPr wrap="none" lIns="91440" tIns="45720" rIns="91440" bIns="45720">
+            <a:spAutoFit/>
+          </a:bodyPr>
+          <a:lstStyle/>
+          <a:p>
+            <a:pPr algn="ctr"/>
+            <a:r>
+              <a:rPr lang="en-US" altLang="zh-TW" sz="3200" b="1" dirty="0" smtClean="0">
+                <a:ln w="0"/>
+                <a:solidFill>
+                  <a:schemeClr val="accent1"/>
+                </a:solidFill>
+                <a:effectLst>
+                  <a:outerShdw blurRad="38100" dist="25400" dir="5400000" algn="ctr" rotWithShape="0">
+                    <a:srgbClr val="6E747A">
+                      <a:alpha val="43000"/>
+                    </a:srgbClr>
+                  </a:outerShdw>
+                </a:effectLst>
+                <a:latin typeface="Times New Roman" panose="02020603050405020304" pitchFamily="18" charset="0"/>
+                <a:cs typeface="Times New Roman" panose="02020603050405020304" pitchFamily="18" charset="0"/>
+              </a:rPr>
+              <a:t>System Comparison</a:t>
+            </a:r>
+            <a:endParaRPr lang="zh-TW" altLang="en-US" sz="3200" b="1" cap="none" spc="0" dirty="0">
+              <a:ln w="0"/>
+              <a:solidFill>
+                <a:schemeClr val="accent1"/>
+              </a:solidFill>
+              <a:effectLst>
+                <a:outerShdw blurRad="38100" dist="25400" dir="5400000" algn="ctr" rotWithShape="0">
+                  <a:srgbClr val="6E747A">
+                    <a:alpha val="43000"/>
+                  </a:srgbClr>
+                </a:outerShdw>
+              </a:effectLst>
+              <a:latin typeface="Times New Roman" panose="02020603050405020304" pitchFamily="18" charset="0"/>
+              <a:cs typeface="Times New Roman" panose="02020603050405020304" pitchFamily="18" charset="0"/>
+            </a:endParaRPr>
+          </a:p>
+        </p:txBody>
+      </p:sp>
+      <p:graphicFrame>
+        <p:nvGraphicFramePr>
+          <p:cNvPr id="9" name="表格 8"/>
+          <p:cNvGraphicFramePr>
+            <a:graphicFrameLocks noGrp="1"/>
+          </p:cNvGraphicFramePr>
+          <p:nvPr>
+            <p:extLst>
+              <p:ext uri="{D42A27DB-BD31-4B8C-83A1-F6EECF244321}">
+                <p14:modId xmlns:p14="http://schemas.microsoft.com/office/powerpoint/2010/main" val="446998472"/>
+              </p:ext>
+            </p:extLst>
+          </p:nvPr>
+        </p:nvGraphicFramePr>
+        <p:xfrm>
+          <a:off x="518408" y="1668178"/>
+          <a:ext cx="11080035" cy="3972226"/>
+        </p:xfrm>
+        <a:graphic>
+          <a:graphicData uri="http://schemas.openxmlformats.org/drawingml/2006/table">
+            <a:tbl>
+              <a:tblPr firstRow="1" bandRow="1">
+                <a:tableStyleId>{5C22544A-7EE6-4342-B048-85BDC9FD1C3A}</a:tableStyleId>
+              </a:tblPr>
+              <a:tblGrid>
+                <a:gridCol w="2263293">
+                  <a:extLst>
+                    <a:ext uri="{9D8B030D-6E8A-4147-A177-3AD203B41FA5}">
+                      <a16:colId xmlns:a16="http://schemas.microsoft.com/office/drawing/2014/main" val="1918159765"/>
+                    </a:ext>
+                  </a:extLst>
+                </a:gridCol>
+                <a:gridCol w="2858703">
+                  <a:extLst>
+                    <a:ext uri="{9D8B030D-6E8A-4147-A177-3AD203B41FA5}">
+                      <a16:colId xmlns:a16="http://schemas.microsoft.com/office/drawing/2014/main" val="1418114469"/>
+                    </a:ext>
+                  </a:extLst>
+                </a:gridCol>
+                <a:gridCol w="2935705">
+                  <a:extLst>
+                    <a:ext uri="{9D8B030D-6E8A-4147-A177-3AD203B41FA5}">
+                      <a16:colId xmlns:a16="http://schemas.microsoft.com/office/drawing/2014/main" val="1322367685"/>
+                    </a:ext>
+                  </a:extLst>
+                </a:gridCol>
+                <a:gridCol w="3022334">
+                  <a:extLst>
+                    <a:ext uri="{9D8B030D-6E8A-4147-A177-3AD203B41FA5}">
+                      <a16:colId xmlns:a16="http://schemas.microsoft.com/office/drawing/2014/main" val="1294021666"/>
+                    </a:ext>
+                  </a:extLst>
+                </a:gridCol>
+              </a:tblGrid>
+              <a:tr h="687769">
+                <a:tc>
+                  <a:txBody>
+                    <a:bodyPr/>
+                    <a:lstStyle/>
+                    <a:p>
+                      <a:endParaRPr lang="zh-TW" altLang="en-US" dirty="0">
+                        <a:latin typeface="Times New Roman" panose="02020603050405020304" pitchFamily="18" charset="0"/>
+                        <a:cs typeface="Times New Roman" panose="02020603050405020304" pitchFamily="18" charset="0"/>
+                      </a:endParaRPr>
+                    </a:p>
+                  </a:txBody>
+                  <a:tcPr anchor="ctr">
+                    <a:lnTlToBr w="12700" cap="flat" cmpd="sng" algn="ctr">
+                      <a:solidFill>
+                        <a:schemeClr val="tx1"/>
+                      </a:solidFill>
+                      <a:prstDash val="solid"/>
+                      <a:round/>
+                      <a:headEnd type="none" w="med" len="med"/>
+                      <a:tailEnd type="none" w="med" len="med"/>
+                    </a:lnTlToBr>
+                  </a:tcPr>
+                </a:tc>
+                <a:tc>
+                  <a:txBody>
+                    <a:bodyPr/>
+                    <a:lstStyle/>
+                    <a:p>
+                      <a:r>
+                        <a:rPr lang="en-US" altLang="zh-TW" dirty="0" smtClean="0">
+                          <a:latin typeface="Times New Roman" panose="02020603050405020304" pitchFamily="18" charset="0"/>
+                          <a:cs typeface="Times New Roman" panose="02020603050405020304" pitchFamily="18" charset="0"/>
+                        </a:rPr>
+                        <a:t>Air Traffic Management</a:t>
+                      </a:r>
+                      <a:endParaRPr lang="zh-TW" altLang="en-US" dirty="0">
+                        <a:latin typeface="Times New Roman" panose="02020603050405020304" pitchFamily="18" charset="0"/>
+                        <a:cs typeface="Times New Roman" panose="02020603050405020304" pitchFamily="18" charset="0"/>
+                      </a:endParaRPr>
+                    </a:p>
+                  </a:txBody>
+                  <a:tcPr anchor="ctr"/>
+                </a:tc>
+                <a:tc>
+                  <a:txBody>
+                    <a:bodyPr/>
+                    <a:lstStyle/>
+                    <a:p>
+                      <a:r>
+                        <a:rPr lang="en-US" altLang="zh-TW" dirty="0" smtClean="0">
+                          <a:latin typeface="Times New Roman" panose="02020603050405020304" pitchFamily="18" charset="0"/>
+                          <a:cs typeface="Times New Roman" panose="02020603050405020304" pitchFamily="18" charset="0"/>
+                        </a:rPr>
+                        <a:t>UAV Traffic Management</a:t>
+                      </a:r>
+                      <a:endParaRPr lang="zh-TW" altLang="en-US" dirty="0">
+                        <a:latin typeface="Times New Roman" panose="02020603050405020304" pitchFamily="18" charset="0"/>
+                        <a:cs typeface="Times New Roman" panose="02020603050405020304" pitchFamily="18" charset="0"/>
+                      </a:endParaRPr>
+                    </a:p>
+                  </a:txBody>
+                  <a:tcPr anchor="ctr"/>
+                </a:tc>
+                <a:tc>
+                  <a:txBody>
+                    <a:bodyPr/>
+                    <a:lstStyle/>
+                    <a:p>
+                      <a:r>
+                        <a:rPr lang="en-US" altLang="zh-TW" dirty="0" smtClean="0">
+                          <a:latin typeface="Times New Roman" panose="02020603050405020304" pitchFamily="18" charset="0"/>
+                          <a:cs typeface="Times New Roman" panose="02020603050405020304" pitchFamily="18" charset="0"/>
+                        </a:rPr>
+                        <a:t>UAV Traffic Management (MEC)</a:t>
+                      </a:r>
+                      <a:endParaRPr lang="zh-TW" altLang="en-US" dirty="0">
+                        <a:latin typeface="Times New Roman" panose="02020603050405020304" pitchFamily="18" charset="0"/>
+                        <a:cs typeface="Times New Roman" panose="02020603050405020304" pitchFamily="18" charset="0"/>
+                      </a:endParaRPr>
+                    </a:p>
+                  </a:txBody>
+                  <a:tcPr anchor="ctr"/>
+                </a:tc>
+                <a:extLst>
+                  <a:ext uri="{0D108BD9-81ED-4DB2-BD59-A6C34878D82A}">
+                    <a16:rowId xmlns:a16="http://schemas.microsoft.com/office/drawing/2014/main" val="2249161494"/>
+                  </a:ext>
+                </a:extLst>
+              </a:tr>
+              <a:tr h="1277286">
+                <a:tc>
+                  <a:txBody>
+                    <a:bodyPr/>
+                    <a:lstStyle/>
+                    <a:p>
+                      <a:r>
+                        <a:rPr lang="en-US" altLang="zh-TW" b="1" dirty="0" smtClean="0">
+                          <a:solidFill>
+                            <a:schemeClr val="tx1">
+                              <a:lumMod val="75000"/>
+                              <a:lumOff val="25000"/>
+                            </a:schemeClr>
+                          </a:solidFill>
+                          <a:latin typeface="Times New Roman" panose="02020603050405020304" pitchFamily="18" charset="0"/>
+                          <a:cs typeface="Times New Roman" panose="02020603050405020304" pitchFamily="18" charset="0"/>
+                        </a:rPr>
+                        <a:t>Application</a:t>
+                      </a:r>
+                      <a:endParaRPr lang="zh-TW" altLang="en-US" b="1" dirty="0">
+                        <a:solidFill>
+                          <a:schemeClr val="tx1">
+                            <a:lumMod val="75000"/>
+                            <a:lumOff val="25000"/>
+                          </a:schemeClr>
+                        </a:solidFill>
+                        <a:latin typeface="Times New Roman" panose="02020603050405020304" pitchFamily="18" charset="0"/>
+                        <a:cs typeface="Times New Roman" panose="02020603050405020304" pitchFamily="18" charset="0"/>
+                      </a:endParaRPr>
+                    </a:p>
+                  </a:txBody>
+                  <a:tcPr anchor="ctr">
+                    <a:solidFill>
+                      <a:schemeClr val="accent5">
+                        <a:lumMod val="40000"/>
+                        <a:lumOff val="60000"/>
+                      </a:schemeClr>
+                    </a:solidFill>
+                  </a:tcPr>
+                </a:tc>
+                <a:tc>
+                  <a:txBody>
+                    <a:bodyPr/>
+                    <a:lstStyle/>
+                    <a:p>
+                      <a:pPr algn="just"/>
+                      <a:r>
+                        <a:rPr lang="en-US" altLang="zh-TW" dirty="0" smtClean="0">
+                          <a:latin typeface="Times New Roman" panose="02020603050405020304" pitchFamily="18" charset="0"/>
+                          <a:cs typeface="Times New Roman" panose="02020603050405020304" pitchFamily="18" charset="0"/>
+                        </a:rPr>
+                        <a:t>That’s not designed to handle high density of UAVs’ traffic.</a:t>
+                      </a:r>
+                      <a:endParaRPr lang="zh-TW" altLang="en-US" dirty="0">
+                        <a:latin typeface="Times New Roman" panose="02020603050405020304" pitchFamily="18" charset="0"/>
+                        <a:cs typeface="Times New Roman" panose="02020603050405020304" pitchFamily="18" charset="0"/>
+                      </a:endParaRPr>
+                    </a:p>
+                  </a:txBody>
+                  <a:tcPr anchor="ctr"/>
+                </a:tc>
+                <a:tc>
+                  <a:txBody>
+                    <a:bodyPr/>
+                    <a:lstStyle/>
+                    <a:p>
+                      <a:pPr algn="just"/>
+                      <a:r>
+                        <a:rPr lang="en-US" altLang="zh-TW" dirty="0" smtClean="0">
+                          <a:latin typeface="Times New Roman" panose="02020603050405020304" pitchFamily="18" charset="0"/>
+                          <a:cs typeface="Times New Roman" panose="02020603050405020304" pitchFamily="18" charset="0"/>
+                        </a:rPr>
+                        <a:t>That’s designed to handle high density of UAVs’ traffic without high reliability.</a:t>
+                      </a:r>
+                      <a:endParaRPr lang="zh-TW" altLang="en-US" dirty="0">
+                        <a:latin typeface="Times New Roman" panose="02020603050405020304" pitchFamily="18" charset="0"/>
+                        <a:cs typeface="Times New Roman" panose="02020603050405020304" pitchFamily="18" charset="0"/>
+                      </a:endParaRPr>
+                    </a:p>
+                  </a:txBody>
+                  <a:tcPr anchor="ctr"/>
+                </a:tc>
+                <a:tc>
+                  <a:txBody>
+                    <a:bodyPr/>
+                    <a:lstStyle/>
+                    <a:p>
+                      <a:pPr marL="0" marR="0" indent="0" algn="just" defTabSz="914400" rtl="0" eaLnBrk="1" fontAlgn="auto" latinLnBrk="0" hangingPunct="1">
+                        <a:lnSpc>
+                          <a:spcPct val="100000"/>
+                        </a:lnSpc>
+                        <a:spcBef>
+                          <a:spcPts val="0"/>
+                        </a:spcBef>
+                        <a:spcAft>
+                          <a:spcPts val="0"/>
+                        </a:spcAft>
+                        <a:buClrTx/>
+                        <a:buSzTx/>
+                        <a:buFontTx/>
+                        <a:buNone/>
+                        <a:tabLst/>
+                        <a:defRPr/>
+                      </a:pPr>
+                      <a:r>
+                        <a:rPr lang="en-US" altLang="zh-TW" dirty="0" smtClean="0">
+                          <a:latin typeface="Times New Roman" panose="02020603050405020304" pitchFamily="18" charset="0"/>
+                          <a:cs typeface="Times New Roman" panose="02020603050405020304" pitchFamily="18" charset="0"/>
+                        </a:rPr>
+                        <a:t>That’s designed to handle high density of UAVs’ traffic with high reliability.</a:t>
+                      </a:r>
+                      <a:endParaRPr lang="zh-TW" altLang="en-US" dirty="0" smtClean="0">
+                        <a:latin typeface="Times New Roman" panose="02020603050405020304" pitchFamily="18" charset="0"/>
+                        <a:cs typeface="Times New Roman" panose="02020603050405020304" pitchFamily="18" charset="0"/>
+                      </a:endParaRPr>
+                    </a:p>
+                  </a:txBody>
+                  <a:tcPr anchor="ctr"/>
+                </a:tc>
+                <a:extLst>
+                  <a:ext uri="{0D108BD9-81ED-4DB2-BD59-A6C34878D82A}">
+                    <a16:rowId xmlns:a16="http://schemas.microsoft.com/office/drawing/2014/main" val="732389449"/>
+                  </a:ext>
+                </a:extLst>
+              </a:tr>
+              <a:tr h="687769">
+                <a:tc>
+                  <a:txBody>
+                    <a:bodyPr/>
+                    <a:lstStyle/>
+                    <a:p>
+                      <a:r>
+                        <a:rPr lang="en-US" altLang="zh-TW" b="1" dirty="0" smtClean="0">
+                          <a:solidFill>
+                            <a:schemeClr val="tx1">
+                              <a:lumMod val="75000"/>
+                              <a:lumOff val="25000"/>
+                            </a:schemeClr>
+                          </a:solidFill>
+                          <a:latin typeface="Times New Roman" panose="02020603050405020304" pitchFamily="18" charset="0"/>
+                          <a:cs typeface="Times New Roman" panose="02020603050405020304" pitchFamily="18" charset="0"/>
+                        </a:rPr>
+                        <a:t>Latency and packet loss</a:t>
+                      </a:r>
+                      <a:endParaRPr lang="zh-TW" altLang="en-US" b="1" dirty="0">
+                        <a:solidFill>
+                          <a:schemeClr val="tx1">
+                            <a:lumMod val="75000"/>
+                            <a:lumOff val="25000"/>
+                          </a:schemeClr>
+                        </a:solidFill>
+                        <a:latin typeface="Times New Roman" panose="02020603050405020304" pitchFamily="18" charset="0"/>
+                        <a:cs typeface="Times New Roman" panose="02020603050405020304" pitchFamily="18" charset="0"/>
+                      </a:endParaRPr>
+                    </a:p>
+                  </a:txBody>
+                  <a:tcPr anchor="ctr">
+                    <a:solidFill>
+                      <a:schemeClr val="accent5">
+                        <a:lumMod val="40000"/>
+                        <a:lumOff val="60000"/>
+                      </a:schemeClr>
+                    </a:solidFill>
+                  </a:tcPr>
+                </a:tc>
+                <a:tc>
+                  <a:txBody>
+                    <a:bodyPr/>
+                    <a:lstStyle/>
+                    <a:p>
+                      <a:pPr algn="just"/>
+                      <a:r>
+                        <a:rPr lang="en-US" altLang="zh-TW" dirty="0" smtClean="0">
+                          <a:latin typeface="Times New Roman" panose="02020603050405020304" pitchFamily="18" charset="0"/>
+                          <a:cs typeface="Times New Roman" panose="02020603050405020304" pitchFamily="18" charset="0"/>
+                        </a:rPr>
+                        <a:t>With</a:t>
+                      </a:r>
+                      <a:r>
+                        <a:rPr lang="en-US" altLang="zh-TW" baseline="0" dirty="0" smtClean="0">
+                          <a:latin typeface="Times New Roman" panose="02020603050405020304" pitchFamily="18" charset="0"/>
+                          <a:cs typeface="Times New Roman" panose="02020603050405020304" pitchFamily="18" charset="0"/>
+                        </a:rPr>
+                        <a:t> higher latency and packet loss.</a:t>
+                      </a:r>
+                      <a:endParaRPr lang="zh-TW" altLang="en-US" dirty="0">
+                        <a:latin typeface="Times New Roman" panose="02020603050405020304" pitchFamily="18" charset="0"/>
+                        <a:cs typeface="Times New Roman" panose="02020603050405020304" pitchFamily="18" charset="0"/>
+                      </a:endParaRPr>
+                    </a:p>
+                  </a:txBody>
+                  <a:tcPr anchor="ctr"/>
+                </a:tc>
+                <a:tc>
+                  <a:txBody>
+                    <a:bodyPr/>
+                    <a:lstStyle/>
+                    <a:p>
+                      <a:pPr algn="just"/>
+                      <a:r>
+                        <a:rPr lang="en-US" altLang="zh-TW" dirty="0" smtClean="0">
+                          <a:latin typeface="Times New Roman" panose="02020603050405020304" pitchFamily="18" charset="0"/>
+                          <a:cs typeface="Times New Roman" panose="02020603050405020304" pitchFamily="18" charset="0"/>
+                        </a:rPr>
+                        <a:t>With higher latency and packet loss.</a:t>
+                      </a:r>
+                    </a:p>
+                  </a:txBody>
+                  <a:tcPr anchor="ctr"/>
+                </a:tc>
+                <a:tc>
+                  <a:txBody>
+                    <a:bodyPr/>
+                    <a:lstStyle/>
+                    <a:p>
+                      <a:pPr algn="just"/>
+                      <a:r>
+                        <a:rPr lang="en-US" altLang="zh-TW" dirty="0" smtClean="0">
+                          <a:latin typeface="Times New Roman" panose="02020603050405020304" pitchFamily="18" charset="0"/>
+                          <a:cs typeface="Times New Roman" panose="02020603050405020304" pitchFamily="18" charset="0"/>
+                        </a:rPr>
+                        <a:t>Latency</a:t>
+                      </a:r>
+                      <a:r>
+                        <a:rPr lang="en-US" altLang="zh-TW" baseline="0" dirty="0" smtClean="0">
+                          <a:latin typeface="Times New Roman" panose="02020603050405020304" pitchFamily="18" charset="0"/>
+                          <a:cs typeface="Times New Roman" panose="02020603050405020304" pitchFamily="18" charset="0"/>
+                        </a:rPr>
+                        <a:t> and packet loss would approach 0.</a:t>
+                      </a:r>
+                      <a:endParaRPr lang="zh-TW" altLang="en-US" dirty="0">
+                        <a:latin typeface="Times New Roman" panose="02020603050405020304" pitchFamily="18" charset="0"/>
+                        <a:cs typeface="Times New Roman" panose="02020603050405020304" pitchFamily="18" charset="0"/>
+                      </a:endParaRPr>
+                    </a:p>
+                  </a:txBody>
+                  <a:tcPr anchor="ctr"/>
+                </a:tc>
+                <a:extLst>
+                  <a:ext uri="{0D108BD9-81ED-4DB2-BD59-A6C34878D82A}">
+                    <a16:rowId xmlns:a16="http://schemas.microsoft.com/office/drawing/2014/main" val="317817134"/>
+                  </a:ext>
+                </a:extLst>
+              </a:tr>
+              <a:tr h="659701">
+                <a:tc>
+                  <a:txBody>
+                    <a:bodyPr/>
+                    <a:lstStyle/>
+                    <a:p>
+                      <a:r>
+                        <a:rPr lang="en-US" altLang="zh-TW" b="1" dirty="0" smtClean="0">
+                          <a:solidFill>
+                            <a:schemeClr val="tx1">
+                              <a:lumMod val="75000"/>
+                              <a:lumOff val="25000"/>
+                            </a:schemeClr>
+                          </a:solidFill>
+                          <a:latin typeface="Times New Roman" panose="02020603050405020304" pitchFamily="18" charset="0"/>
+                          <a:cs typeface="Times New Roman" panose="02020603050405020304" pitchFamily="18" charset="0"/>
+                        </a:rPr>
+                        <a:t>Cost</a:t>
+                      </a:r>
+                      <a:endParaRPr lang="zh-TW" altLang="en-US" b="1" dirty="0">
+                        <a:solidFill>
+                          <a:schemeClr val="tx1">
+                            <a:lumMod val="75000"/>
+                            <a:lumOff val="25000"/>
+                          </a:schemeClr>
+                        </a:solidFill>
+                        <a:latin typeface="Times New Roman" panose="02020603050405020304" pitchFamily="18" charset="0"/>
+                        <a:cs typeface="Times New Roman" panose="02020603050405020304" pitchFamily="18" charset="0"/>
+                      </a:endParaRPr>
+                    </a:p>
+                  </a:txBody>
+                  <a:tcPr anchor="ctr">
+                    <a:solidFill>
+                      <a:schemeClr val="accent5">
+                        <a:lumMod val="40000"/>
+                        <a:lumOff val="60000"/>
+                      </a:schemeClr>
+                    </a:solidFill>
+                  </a:tcPr>
+                </a:tc>
+                <a:tc>
+                  <a:txBody>
+                    <a:bodyPr/>
+                    <a:lstStyle/>
+                    <a:p>
+                      <a:pPr algn="just"/>
+                      <a:r>
+                        <a:rPr lang="en-US" altLang="zh-TW" dirty="0" smtClean="0">
+                          <a:latin typeface="Times New Roman" panose="02020603050405020304" pitchFamily="18" charset="0"/>
+                          <a:cs typeface="Times New Roman" panose="02020603050405020304" pitchFamily="18" charset="0"/>
+                        </a:rPr>
+                        <a:t>High (Labor cost)</a:t>
+                      </a:r>
+                      <a:endParaRPr lang="zh-TW" altLang="en-US" dirty="0">
+                        <a:latin typeface="Times New Roman" panose="02020603050405020304" pitchFamily="18" charset="0"/>
+                        <a:cs typeface="Times New Roman" panose="02020603050405020304" pitchFamily="18" charset="0"/>
+                      </a:endParaRPr>
+                    </a:p>
+                  </a:txBody>
+                  <a:tcPr anchor="ctr"/>
+                </a:tc>
+                <a:tc>
+                  <a:txBody>
+                    <a:bodyPr/>
+                    <a:lstStyle/>
+                    <a:p>
+                      <a:pPr algn="just"/>
+                      <a:r>
+                        <a:rPr lang="en-US" altLang="zh-TW" dirty="0" smtClean="0">
+                          <a:latin typeface="Times New Roman" panose="02020603050405020304" pitchFamily="18" charset="0"/>
+                          <a:cs typeface="Times New Roman" panose="02020603050405020304" pitchFamily="18" charset="0"/>
+                        </a:rPr>
+                        <a:t>Low</a:t>
+                      </a:r>
+                      <a:endParaRPr lang="zh-TW" altLang="en-US" dirty="0">
+                        <a:latin typeface="Times New Roman" panose="02020603050405020304" pitchFamily="18" charset="0"/>
+                        <a:cs typeface="Times New Roman" panose="02020603050405020304" pitchFamily="18" charset="0"/>
+                      </a:endParaRPr>
+                    </a:p>
+                  </a:txBody>
+                  <a:tcPr anchor="ctr"/>
+                </a:tc>
+                <a:tc>
+                  <a:txBody>
+                    <a:bodyPr/>
+                    <a:lstStyle/>
+                    <a:p>
+                      <a:pPr algn="just"/>
+                      <a:r>
+                        <a:rPr lang="en-US" altLang="zh-TW" dirty="0" smtClean="0">
+                          <a:latin typeface="Times New Roman" panose="02020603050405020304" pitchFamily="18" charset="0"/>
+                          <a:cs typeface="Times New Roman" panose="02020603050405020304" pitchFamily="18" charset="0"/>
+                        </a:rPr>
+                        <a:t>High (Deploy</a:t>
+                      </a:r>
+                      <a:r>
+                        <a:rPr lang="en-US" altLang="zh-TW" baseline="0" dirty="0" smtClean="0">
+                          <a:latin typeface="Times New Roman" panose="02020603050405020304" pitchFamily="18" charset="0"/>
+                          <a:cs typeface="Times New Roman" panose="02020603050405020304" pitchFamily="18" charset="0"/>
+                        </a:rPr>
+                        <a:t> edge node</a:t>
+                      </a:r>
+                      <a:r>
+                        <a:rPr lang="en-US" altLang="zh-TW" dirty="0" smtClean="0">
+                          <a:latin typeface="Times New Roman" panose="02020603050405020304" pitchFamily="18" charset="0"/>
+                          <a:cs typeface="Times New Roman" panose="02020603050405020304" pitchFamily="18" charset="0"/>
+                        </a:rPr>
+                        <a:t>)</a:t>
+                      </a:r>
+                      <a:endParaRPr lang="zh-TW" altLang="en-US" dirty="0">
+                        <a:latin typeface="Times New Roman" panose="02020603050405020304" pitchFamily="18" charset="0"/>
+                        <a:cs typeface="Times New Roman" panose="02020603050405020304" pitchFamily="18" charset="0"/>
+                      </a:endParaRPr>
+                    </a:p>
+                  </a:txBody>
+                  <a:tcPr anchor="ctr"/>
+                </a:tc>
+                <a:extLst>
+                  <a:ext uri="{0D108BD9-81ED-4DB2-BD59-A6C34878D82A}">
+                    <a16:rowId xmlns:a16="http://schemas.microsoft.com/office/drawing/2014/main" val="2749496770"/>
+                  </a:ext>
+                </a:extLst>
+              </a:tr>
+              <a:tr h="659701">
+                <a:tc>
+                  <a:txBody>
+                    <a:bodyPr/>
+                    <a:lstStyle/>
+                    <a:p>
+                      <a:r>
+                        <a:rPr lang="en-US" altLang="zh-TW" b="1" dirty="0" smtClean="0">
+                          <a:solidFill>
+                            <a:schemeClr val="tx1">
+                              <a:lumMod val="75000"/>
+                              <a:lumOff val="25000"/>
+                            </a:schemeClr>
+                          </a:solidFill>
+                          <a:latin typeface="Times New Roman" panose="02020603050405020304" pitchFamily="18" charset="0"/>
+                          <a:cs typeface="Times New Roman" panose="02020603050405020304" pitchFamily="18" charset="0"/>
+                        </a:rPr>
+                        <a:t>Scope of application</a:t>
+                      </a:r>
+                      <a:endParaRPr lang="zh-TW" altLang="en-US" b="1" dirty="0">
+                        <a:solidFill>
+                          <a:schemeClr val="tx1">
+                            <a:lumMod val="75000"/>
+                            <a:lumOff val="25000"/>
+                          </a:schemeClr>
+                        </a:solidFill>
+                        <a:latin typeface="Times New Roman" panose="02020603050405020304" pitchFamily="18" charset="0"/>
+                        <a:cs typeface="Times New Roman" panose="02020603050405020304" pitchFamily="18" charset="0"/>
+                      </a:endParaRPr>
+                    </a:p>
+                  </a:txBody>
+                  <a:tcPr anchor="ctr">
+                    <a:solidFill>
+                      <a:schemeClr val="accent5">
+                        <a:lumMod val="40000"/>
+                        <a:lumOff val="60000"/>
+                      </a:schemeClr>
+                    </a:solidFill>
+                  </a:tcPr>
+                </a:tc>
+                <a:tc>
+                  <a:txBody>
+                    <a:bodyPr/>
+                    <a:lstStyle/>
+                    <a:p>
+                      <a:pPr algn="just"/>
+                      <a:r>
+                        <a:rPr lang="en-US" altLang="zh-TW" dirty="0" smtClean="0">
+                          <a:latin typeface="Times New Roman" panose="02020603050405020304" pitchFamily="18" charset="0"/>
+                          <a:cs typeface="Times New Roman" panose="02020603050405020304" pitchFamily="18" charset="0"/>
+                        </a:rPr>
+                        <a:t>Low</a:t>
+                      </a:r>
+                      <a:endParaRPr lang="zh-TW" altLang="en-US" dirty="0">
+                        <a:latin typeface="Times New Roman" panose="02020603050405020304" pitchFamily="18" charset="0"/>
+                        <a:cs typeface="Times New Roman" panose="02020603050405020304" pitchFamily="18" charset="0"/>
+                      </a:endParaRPr>
+                    </a:p>
+                  </a:txBody>
+                  <a:tcPr anchor="ctr"/>
+                </a:tc>
+                <a:tc>
+                  <a:txBody>
+                    <a:bodyPr/>
+                    <a:lstStyle/>
+                    <a:p>
+                      <a:pPr algn="just"/>
+                      <a:r>
+                        <a:rPr lang="en-US" altLang="zh-TW" dirty="0" smtClean="0">
+                          <a:latin typeface="Times New Roman" panose="02020603050405020304" pitchFamily="18" charset="0"/>
+                          <a:cs typeface="Times New Roman" panose="02020603050405020304" pitchFamily="18" charset="0"/>
+                        </a:rPr>
+                        <a:t>Middle</a:t>
+                      </a:r>
+                      <a:endParaRPr lang="zh-TW" altLang="en-US" dirty="0">
+                        <a:latin typeface="Times New Roman" panose="02020603050405020304" pitchFamily="18" charset="0"/>
+                        <a:cs typeface="Times New Roman" panose="02020603050405020304" pitchFamily="18" charset="0"/>
+                      </a:endParaRPr>
+                    </a:p>
+                  </a:txBody>
+                  <a:tcPr anchor="ctr"/>
+                </a:tc>
+                <a:tc>
+                  <a:txBody>
+                    <a:bodyPr/>
+                    <a:lstStyle/>
+                    <a:p>
+                      <a:pPr algn="just"/>
+                      <a:r>
+                        <a:rPr lang="en-US" altLang="zh-TW" dirty="0" smtClean="0">
+                          <a:latin typeface="Times New Roman" panose="02020603050405020304" pitchFamily="18" charset="0"/>
+                          <a:cs typeface="Times New Roman" panose="02020603050405020304" pitchFamily="18" charset="0"/>
+                        </a:rPr>
+                        <a:t>High</a:t>
+                      </a:r>
+                      <a:endParaRPr lang="zh-TW" altLang="en-US" dirty="0">
+                        <a:latin typeface="Times New Roman" panose="02020603050405020304" pitchFamily="18" charset="0"/>
+                        <a:cs typeface="Times New Roman" panose="02020603050405020304" pitchFamily="18" charset="0"/>
+                      </a:endParaRPr>
+                    </a:p>
+                  </a:txBody>
+                  <a:tcPr anchor="ctr"/>
+                </a:tc>
+                <a:extLst>
+                  <a:ext uri="{0D108BD9-81ED-4DB2-BD59-A6C34878D82A}">
+                    <a16:rowId xmlns:a16="http://schemas.microsoft.com/office/drawing/2014/main" val="3345509914"/>
+                  </a:ext>
+                </a:extLst>
+              </a:tr>
+            </a:tbl>
+          </a:graphicData>
+        </a:graphic>
+      </p:graphicFrame>
+      <p:sp>
+        <p:nvSpPr>
+          <p:cNvPr id="10" name="圓角矩形 9"/>
+          <p:cNvSpPr/>
+          <p:nvPr/>
+        </p:nvSpPr>
+        <p:spPr>
+          <a:xfrm>
+            <a:off x="8610600" y="1483794"/>
+            <a:ext cx="2987843" cy="4340994"/>
+          </a:xfrm>
+          <a:prstGeom prst="roundRect">
+            <a:avLst/>
+          </a:prstGeom>
+          <a:noFill/>
+          <a:ln w="28575">
+            <a:solidFill>
+              <a:srgbClr val="FF0000"/>
+            </a:solidFill>
+          </a:ln>
+        </p:spPr>
+        <p:style>
+          <a:lnRef idx="2">
+            <a:schemeClr val="accent1">
+              <a:shade val="50000"/>
+            </a:schemeClr>
+          </a:lnRef>
+          <a:fillRef idx="1">
+            <a:schemeClr val="accent1"/>
+          </a:fillRef>
+          <a:effectRef idx="0">
+            <a:schemeClr val="accent1"/>
+          </a:effectRef>
+          <a:fontRef idx="minor">
+            <a:schemeClr val="lt1"/>
+          </a:fontRef>
+        </p:style>
+        <p:txBody>
+          <a:bodyPr rtlCol="0" anchor="ctr"/>
+          <a:lstStyle/>
+          <a:p>
+            <a:pPr algn="ctr"/>
+            <a:endParaRPr lang="zh-TW" altLang="en-US"/>
+          </a:p>
+        </p:txBody>
+      </p:sp>
+    </p:spTree>
+    <p:extLst>
+      <p:ext uri="{BB962C8B-B14F-4D97-AF65-F5344CB8AC3E}">
+        <p14:creationId xmlns:p14="http://schemas.microsoft.com/office/powerpoint/2010/main" val="812651592"/>
+      </p:ext>
+    </p:extLst>
+  </p:cSld>
+  <p:clrMapOvr>
+    <a:masterClrMapping/>
+  </p:clrMapOvr>
+  <p:timing>
+    <p:tnLst>
+      <p:par>
+        <p:cTn id="1" dur="indefinite" restart="never" nodeType="tmRoot"/>
+      </p:par>
+    </p:tnLst>
+  </p:timing>
+</p:sld>
+</file>
+
+<file path=ppt/slides/slide29.xml><?xml version="1.0" encoding="utf-8"?>
 <p:sld xmlns:a="http://schemas.openxmlformats.org/drawingml/2006/main" xmlns:r="http://schemas.openxmlformats.org/officeDocument/2006/relationships" xmlns:p="http://schemas.openxmlformats.org/presentationml/2006/main">
   <p:cSld>
     <p:spTree>
@@ -20495,7 +26741,7 @@
           <a:p>
             <a:fld id="{C128DF73-0FD1-4EFB-B6B9-20BE1557E8C1}" type="slidenum">
               <a:rPr lang="zh-TW" altLang="en-US" smtClean="0"/>
-              <a:t>23</a:t>
+              <a:t>29</a:t>
             </a:fld>
             <a:endParaRPr lang="zh-TW" altLang="en-US"/>
           </a:p>
@@ -20505,151 +26751,6 @@
     <p:extLst>
       <p:ext uri="{BB962C8B-B14F-4D97-AF65-F5344CB8AC3E}">
         <p14:creationId xmlns:p14="http://schemas.microsoft.com/office/powerpoint/2010/main" val="1357450513"/>
-      </p:ext>
-    </p:extLst>
-  </p:cSld>
-  <p:clrMapOvr>
-    <a:masterClrMapping/>
-  </p:clrMapOvr>
-  <p:timing>
-    <p:tnLst>
-      <p:par>
-        <p:cTn id="1" dur="indefinite" restart="never" nodeType="tmRoot"/>
-      </p:par>
-    </p:tnLst>
-  </p:timing>
-</p:sld>
-</file>
-
-<file path=ppt/slides/slide24.xml><?xml version="1.0" encoding="utf-8"?>
-<p:sld xmlns:a="http://schemas.openxmlformats.org/drawingml/2006/main" xmlns:r="http://schemas.openxmlformats.org/officeDocument/2006/relationships" xmlns:p="http://schemas.openxmlformats.org/presentationml/2006/main">
-  <p:cSld>
-    <p:spTree>
-      <p:nvGrpSpPr>
-        <p:cNvPr id="1" name=""/>
-        <p:cNvGrpSpPr/>
-        <p:nvPr/>
-      </p:nvGrpSpPr>
-      <p:grpSpPr>
-        <a:xfrm>
-          <a:off x="0" y="0"/>
-          <a:ext cx="0" cy="0"/>
-          <a:chOff x="0" y="0"/>
-          <a:chExt cx="0" cy="0"/>
-        </a:xfrm>
-      </p:grpSpPr>
-      <p:sp>
-        <p:nvSpPr>
-          <p:cNvPr id="5" name="矩形 4"/>
-          <p:cNvSpPr/>
-          <p:nvPr/>
-        </p:nvSpPr>
-        <p:spPr>
-          <a:xfrm>
-            <a:off x="1853349" y="2672695"/>
-            <a:ext cx="8444684" cy="923330"/>
-          </a:xfrm>
-          <a:prstGeom prst="rect">
-            <a:avLst/>
-          </a:prstGeom>
-          <a:noFill/>
-        </p:spPr>
-        <p:txBody>
-          <a:bodyPr wrap="none" lIns="91440" tIns="45720" rIns="91440" bIns="45720">
-            <a:spAutoFit/>
-          </a:bodyPr>
-          <a:lstStyle/>
-          <a:p>
-            <a:pPr algn="ctr"/>
-            <a:r>
-              <a:rPr lang="en-US" altLang="zh-TW" sz="5400" b="1" cap="none" spc="0" dirty="0" smtClean="0">
-                <a:ln w="12700">
-                  <a:solidFill>
-                    <a:schemeClr val="tx2">
-                      <a:lumMod val="75000"/>
-                    </a:schemeClr>
-                  </a:solidFill>
-                  <a:prstDash val="solid"/>
-                </a:ln>
-                <a:pattFill prst="dkUpDiag">
-                  <a:fgClr>
-                    <a:schemeClr val="tx2"/>
-                  </a:fgClr>
-                  <a:bgClr>
-                    <a:schemeClr val="tx2">
-                      <a:lumMod val="20000"/>
-                      <a:lumOff val="80000"/>
-                    </a:schemeClr>
-                  </a:bgClr>
-                </a:pattFill>
-                <a:effectLst>
-                  <a:outerShdw dist="38100" dir="2640000" algn="bl" rotWithShape="0">
-                    <a:schemeClr val="tx2">
-                      <a:lumMod val="75000"/>
-                    </a:schemeClr>
-                  </a:outerShdw>
-                </a:effectLst>
-              </a:rPr>
-              <a:t>Thank you for your attention</a:t>
-            </a:r>
-            <a:endParaRPr lang="zh-TW" altLang="en-US" sz="5400" b="1" cap="none" spc="0" dirty="0">
-              <a:ln w="12700">
-                <a:solidFill>
-                  <a:schemeClr val="tx2">
-                    <a:lumMod val="75000"/>
-                  </a:schemeClr>
-                </a:solidFill>
-                <a:prstDash val="solid"/>
-              </a:ln>
-              <a:pattFill prst="dkUpDiag">
-                <a:fgClr>
-                  <a:schemeClr val="tx2"/>
-                </a:fgClr>
-                <a:bgClr>
-                  <a:schemeClr val="tx2">
-                    <a:lumMod val="20000"/>
-                    <a:lumOff val="80000"/>
-                  </a:schemeClr>
-                </a:bgClr>
-              </a:pattFill>
-              <a:effectLst>
-                <a:outerShdw dist="38100" dir="2640000" algn="bl" rotWithShape="0">
-                  <a:schemeClr val="tx2">
-                    <a:lumMod val="75000"/>
-                  </a:schemeClr>
-                </a:outerShdw>
-              </a:effectLst>
-            </a:endParaRPr>
-          </a:p>
-        </p:txBody>
-      </p:sp>
-      <p:sp>
-        <p:nvSpPr>
-          <p:cNvPr id="2" name="投影片編號版面配置區 1"/>
-          <p:cNvSpPr>
-            <a:spLocks noGrp="1"/>
-          </p:cNvSpPr>
-          <p:nvPr>
-            <p:ph type="sldNum" sz="quarter" idx="12"/>
-          </p:nvPr>
-        </p:nvSpPr>
-        <p:spPr/>
-        <p:txBody>
-          <a:bodyPr/>
-          <a:lstStyle/>
-          <a:p>
-            <a:fld id="{C128DF73-0FD1-4EFB-B6B9-20BE1557E8C1}" type="slidenum">
-              <a:rPr lang="zh-TW" altLang="en-US" smtClean="0"/>
-              <a:t>24</a:t>
-            </a:fld>
-            <a:endParaRPr lang="zh-TW" altLang="en-US"/>
-          </a:p>
-        </p:txBody>
-      </p:sp>
-    </p:spTree>
-    <p:extLst>
-      <p:ext uri="{BB962C8B-B14F-4D97-AF65-F5344CB8AC3E}">
-        <p14:creationId xmlns:p14="http://schemas.microsoft.com/office/powerpoint/2010/main" val="2006576480"/>
       </p:ext>
     </p:extLst>
   </p:cSld>
@@ -20831,6 +26932,151 @@
     <p:extLst>
       <p:ext uri="{BB962C8B-B14F-4D97-AF65-F5344CB8AC3E}">
         <p14:creationId xmlns:p14="http://schemas.microsoft.com/office/powerpoint/2010/main" val="2698385786"/>
+      </p:ext>
+    </p:extLst>
+  </p:cSld>
+  <p:clrMapOvr>
+    <a:masterClrMapping/>
+  </p:clrMapOvr>
+  <p:timing>
+    <p:tnLst>
+      <p:par>
+        <p:cTn id="1" dur="indefinite" restart="never" nodeType="tmRoot"/>
+      </p:par>
+    </p:tnLst>
+  </p:timing>
+</p:sld>
+</file>
+
+<file path=ppt/slides/slide30.xml><?xml version="1.0" encoding="utf-8"?>
+<p:sld xmlns:a="http://schemas.openxmlformats.org/drawingml/2006/main" xmlns:r="http://schemas.openxmlformats.org/officeDocument/2006/relationships" xmlns:p="http://schemas.openxmlformats.org/presentationml/2006/main">
+  <p:cSld>
+    <p:spTree>
+      <p:nvGrpSpPr>
+        <p:cNvPr id="1" name=""/>
+        <p:cNvGrpSpPr/>
+        <p:nvPr/>
+      </p:nvGrpSpPr>
+      <p:grpSpPr>
+        <a:xfrm>
+          <a:off x="0" y="0"/>
+          <a:ext cx="0" cy="0"/>
+          <a:chOff x="0" y="0"/>
+          <a:chExt cx="0" cy="0"/>
+        </a:xfrm>
+      </p:grpSpPr>
+      <p:sp>
+        <p:nvSpPr>
+          <p:cNvPr id="5" name="矩形 4"/>
+          <p:cNvSpPr/>
+          <p:nvPr/>
+        </p:nvSpPr>
+        <p:spPr>
+          <a:xfrm>
+            <a:off x="1853349" y="2672695"/>
+            <a:ext cx="8444684" cy="923330"/>
+          </a:xfrm>
+          <a:prstGeom prst="rect">
+            <a:avLst/>
+          </a:prstGeom>
+          <a:noFill/>
+        </p:spPr>
+        <p:txBody>
+          <a:bodyPr wrap="none" lIns="91440" tIns="45720" rIns="91440" bIns="45720">
+            <a:spAutoFit/>
+          </a:bodyPr>
+          <a:lstStyle/>
+          <a:p>
+            <a:pPr algn="ctr"/>
+            <a:r>
+              <a:rPr lang="en-US" altLang="zh-TW" sz="5400" b="1" cap="none" spc="0" dirty="0" smtClean="0">
+                <a:ln w="12700">
+                  <a:solidFill>
+                    <a:schemeClr val="tx2">
+                      <a:lumMod val="75000"/>
+                    </a:schemeClr>
+                  </a:solidFill>
+                  <a:prstDash val="solid"/>
+                </a:ln>
+                <a:pattFill prst="dkUpDiag">
+                  <a:fgClr>
+                    <a:schemeClr val="tx2"/>
+                  </a:fgClr>
+                  <a:bgClr>
+                    <a:schemeClr val="tx2">
+                      <a:lumMod val="20000"/>
+                      <a:lumOff val="80000"/>
+                    </a:schemeClr>
+                  </a:bgClr>
+                </a:pattFill>
+                <a:effectLst>
+                  <a:outerShdw dist="38100" dir="2640000" algn="bl" rotWithShape="0">
+                    <a:schemeClr val="tx2">
+                      <a:lumMod val="75000"/>
+                    </a:schemeClr>
+                  </a:outerShdw>
+                </a:effectLst>
+              </a:rPr>
+              <a:t>Thank you for your attention</a:t>
+            </a:r>
+            <a:endParaRPr lang="zh-TW" altLang="en-US" sz="5400" b="1" cap="none" spc="0" dirty="0">
+              <a:ln w="12700">
+                <a:solidFill>
+                  <a:schemeClr val="tx2">
+                    <a:lumMod val="75000"/>
+                  </a:schemeClr>
+                </a:solidFill>
+                <a:prstDash val="solid"/>
+              </a:ln>
+              <a:pattFill prst="dkUpDiag">
+                <a:fgClr>
+                  <a:schemeClr val="tx2"/>
+                </a:fgClr>
+                <a:bgClr>
+                  <a:schemeClr val="tx2">
+                    <a:lumMod val="20000"/>
+                    <a:lumOff val="80000"/>
+                  </a:schemeClr>
+                </a:bgClr>
+              </a:pattFill>
+              <a:effectLst>
+                <a:outerShdw dist="38100" dir="2640000" algn="bl" rotWithShape="0">
+                  <a:schemeClr val="tx2">
+                    <a:lumMod val="75000"/>
+                  </a:schemeClr>
+                </a:outerShdw>
+              </a:effectLst>
+            </a:endParaRPr>
+          </a:p>
+        </p:txBody>
+      </p:sp>
+      <p:sp>
+        <p:nvSpPr>
+          <p:cNvPr id="2" name="投影片編號版面配置區 1"/>
+          <p:cNvSpPr>
+            <a:spLocks noGrp="1"/>
+          </p:cNvSpPr>
+          <p:nvPr>
+            <p:ph type="sldNum" sz="quarter" idx="12"/>
+          </p:nvPr>
+        </p:nvSpPr>
+        <p:spPr/>
+        <p:txBody>
+          <a:bodyPr/>
+          <a:lstStyle/>
+          <a:p>
+            <a:fld id="{C128DF73-0FD1-4EFB-B6B9-20BE1557E8C1}" type="slidenum">
+              <a:rPr lang="zh-TW" altLang="en-US" smtClean="0"/>
+              <a:t>30</a:t>
+            </a:fld>
+            <a:endParaRPr lang="zh-TW" altLang="en-US"/>
+          </a:p>
+        </p:txBody>
+      </p:sp>
+    </p:spTree>
+    <p:extLst>
+      <p:ext uri="{BB962C8B-B14F-4D97-AF65-F5344CB8AC3E}">
+        <p14:creationId xmlns:p14="http://schemas.microsoft.com/office/powerpoint/2010/main" val="2006576480"/>
       </p:ext>
     </p:extLst>
   </p:cSld>
@@ -21251,9 +27497,211 @@
   <p:timing>
     <p:tnLst>
       <p:par>
-        <p:cTn id="1" dur="indefinite" restart="never" nodeType="tmRoot"/>
+        <p:cTn id="1" dur="indefinite" restart="never" nodeType="tmRoot">
+          <p:childTnLst>
+            <p:seq concurrent="1" nextAc="seek">
+              <p:cTn id="2" dur="indefinite" nodeType="mainSeq">
+                <p:childTnLst>
+                  <p:par>
+                    <p:cTn id="3" fill="hold">
+                      <p:stCondLst>
+                        <p:cond delay="indefinite"/>
+                      </p:stCondLst>
+                      <p:childTnLst>
+                        <p:par>
+                          <p:cTn id="4" fill="hold">
+                            <p:stCondLst>
+                              <p:cond delay="0"/>
+                            </p:stCondLst>
+                            <p:childTnLst>
+                              <p:par>
+                                <p:cTn id="5" presetID="1" presetClass="entr" presetSubtype="0" fill="hold" grpId="0" nodeType="clickEffect">
+                                  <p:stCondLst>
+                                    <p:cond delay="0"/>
+                                  </p:stCondLst>
+                                  <p:childTnLst>
+                                    <p:set>
+                                      <p:cBhvr>
+                                        <p:cTn id="6" dur="1" fill="hold">
+                                          <p:stCondLst>
+                                            <p:cond delay="0"/>
+                                          </p:stCondLst>
+                                        </p:cTn>
+                                        <p:tgtEl>
+                                          <p:spTgt spid="11"/>
+                                        </p:tgtEl>
+                                        <p:attrNameLst>
+                                          <p:attrName>style.visibility</p:attrName>
+                                        </p:attrNameLst>
+                                      </p:cBhvr>
+                                      <p:to>
+                                        <p:strVal val="visible"/>
+                                      </p:to>
+                                    </p:set>
+                                  </p:childTnLst>
+                                </p:cTn>
+                              </p:par>
+                              <p:par>
+                                <p:cTn id="7" presetID="1" presetClass="entr" presetSubtype="0" fill="hold" grpId="0" nodeType="withEffect">
+                                  <p:stCondLst>
+                                    <p:cond delay="0"/>
+                                  </p:stCondLst>
+                                  <p:childTnLst>
+                                    <p:set>
+                                      <p:cBhvr>
+                                        <p:cTn id="8" dur="1" fill="hold">
+                                          <p:stCondLst>
+                                            <p:cond delay="0"/>
+                                          </p:stCondLst>
+                                        </p:cTn>
+                                        <p:tgtEl>
+                                          <p:spTgt spid="9"/>
+                                        </p:tgtEl>
+                                        <p:attrNameLst>
+                                          <p:attrName>style.visibility</p:attrName>
+                                        </p:attrNameLst>
+                                      </p:cBhvr>
+                                      <p:to>
+                                        <p:strVal val="visible"/>
+                                      </p:to>
+                                    </p:set>
+                                  </p:childTnLst>
+                                </p:cTn>
+                              </p:par>
+                            </p:childTnLst>
+                          </p:cTn>
+                        </p:par>
+                      </p:childTnLst>
+                    </p:cTn>
+                  </p:par>
+                  <p:par>
+                    <p:cTn id="9" fill="hold">
+                      <p:stCondLst>
+                        <p:cond delay="indefinite"/>
+                      </p:stCondLst>
+                      <p:childTnLst>
+                        <p:par>
+                          <p:cTn id="10" fill="hold">
+                            <p:stCondLst>
+                              <p:cond delay="0"/>
+                            </p:stCondLst>
+                            <p:childTnLst>
+                              <p:par>
+                                <p:cTn id="11" presetID="1" presetClass="entr" presetSubtype="0" fill="hold" nodeType="clickEffect">
+                                  <p:stCondLst>
+                                    <p:cond delay="0"/>
+                                  </p:stCondLst>
+                                  <p:childTnLst>
+                                    <p:set>
+                                      <p:cBhvr>
+                                        <p:cTn id="12" dur="1" fill="hold">
+                                          <p:stCondLst>
+                                            <p:cond delay="0"/>
+                                          </p:stCondLst>
+                                        </p:cTn>
+                                        <p:tgtEl>
+                                          <p:spTgt spid="1028"/>
+                                        </p:tgtEl>
+                                        <p:attrNameLst>
+                                          <p:attrName>style.visibility</p:attrName>
+                                        </p:attrNameLst>
+                                      </p:cBhvr>
+                                      <p:to>
+                                        <p:strVal val="visible"/>
+                                      </p:to>
+                                    </p:set>
+                                  </p:childTnLst>
+                                </p:cTn>
+                              </p:par>
+                              <p:par>
+                                <p:cTn id="13" presetID="1" presetClass="entr" presetSubtype="0" fill="hold" grpId="0" nodeType="withEffect">
+                                  <p:stCondLst>
+                                    <p:cond delay="0"/>
+                                  </p:stCondLst>
+                                  <p:childTnLst>
+                                    <p:set>
+                                      <p:cBhvr>
+                                        <p:cTn id="14" dur="1" fill="hold">
+                                          <p:stCondLst>
+                                            <p:cond delay="0"/>
+                                          </p:stCondLst>
+                                        </p:cTn>
+                                        <p:tgtEl>
+                                          <p:spTgt spid="8"/>
+                                        </p:tgtEl>
+                                        <p:attrNameLst>
+                                          <p:attrName>style.visibility</p:attrName>
+                                        </p:attrNameLst>
+                                      </p:cBhvr>
+                                      <p:to>
+                                        <p:strVal val="visible"/>
+                                      </p:to>
+                                    </p:set>
+                                  </p:childTnLst>
+                                </p:cTn>
+                              </p:par>
+                              <p:par>
+                                <p:cTn id="15" presetID="1" presetClass="entr" presetSubtype="0" fill="hold" grpId="0" nodeType="withEffect">
+                                  <p:stCondLst>
+                                    <p:cond delay="0"/>
+                                  </p:stCondLst>
+                                  <p:childTnLst>
+                                    <p:set>
+                                      <p:cBhvr>
+                                        <p:cTn id="16" dur="1" fill="hold">
+                                          <p:stCondLst>
+                                            <p:cond delay="0"/>
+                                          </p:stCondLst>
+                                        </p:cTn>
+                                        <p:tgtEl>
+                                          <p:spTgt spid="16"/>
+                                        </p:tgtEl>
+                                        <p:attrNameLst>
+                                          <p:attrName>style.visibility</p:attrName>
+                                        </p:attrNameLst>
+                                      </p:cBhvr>
+                                      <p:to>
+                                        <p:strVal val="visible"/>
+                                      </p:to>
+                                    </p:set>
+                                  </p:childTnLst>
+                                </p:cTn>
+                              </p:par>
+                            </p:childTnLst>
+                          </p:cTn>
+                        </p:par>
+                      </p:childTnLst>
+                    </p:cTn>
+                  </p:par>
+                </p:childTnLst>
+              </p:cTn>
+              <p:prevCondLst>
+                <p:cond evt="onPrev" delay="0">
+                  <p:tgtEl>
+                    <p:sldTgt/>
+                  </p:tgtEl>
+                </p:cond>
+              </p:prevCondLst>
+              <p:nextCondLst>
+                <p:cond evt="onNext" delay="0">
+                  <p:tgtEl>
+                    <p:sldTgt/>
+                  </p:tgtEl>
+                </p:cond>
+              </p:nextCondLst>
+            </p:seq>
+          </p:childTnLst>
+        </p:cTn>
       </p:par>
     </p:tnLst>
+    <p:bldLst>
+      <p:bldP spid="8" grpId="0"/>
+      <p:bldP spid="11" grpId="0"/>
+      <p:bldGraphic spid="9" grpId="0">
+        <p:bldAsOne/>
+      </p:bldGraphic>
+      <p:bldP spid="16" grpId="0" animBg="1"/>
+    </p:bldLst>
   </p:timing>
 </p:sld>
 </file>
@@ -21789,9 +28237,327 @@
   <p:timing>
     <p:tnLst>
       <p:par>
-        <p:cTn id="1" dur="indefinite" restart="never" nodeType="tmRoot"/>
+        <p:cTn id="1" dur="indefinite" restart="never" nodeType="tmRoot">
+          <p:childTnLst>
+            <p:seq concurrent="1" nextAc="seek">
+              <p:cTn id="2" dur="indefinite" nodeType="mainSeq">
+                <p:childTnLst>
+                  <p:par>
+                    <p:cTn id="3" fill="hold">
+                      <p:stCondLst>
+                        <p:cond delay="indefinite"/>
+                      </p:stCondLst>
+                      <p:childTnLst>
+                        <p:par>
+                          <p:cTn id="4" fill="hold">
+                            <p:stCondLst>
+                              <p:cond delay="0"/>
+                            </p:stCondLst>
+                            <p:childTnLst>
+                              <p:par>
+                                <p:cTn id="5" presetID="1" presetClass="entr" presetSubtype="0" fill="hold" grpId="0" nodeType="clickEffect">
+                                  <p:stCondLst>
+                                    <p:cond delay="0"/>
+                                  </p:stCondLst>
+                                  <p:childTnLst>
+                                    <p:set>
+                                      <p:cBhvr>
+                                        <p:cTn id="6" dur="1" fill="hold">
+                                          <p:stCondLst>
+                                            <p:cond delay="0"/>
+                                          </p:stCondLst>
+                                        </p:cTn>
+                                        <p:tgtEl>
+                                          <p:spTgt spid="7"/>
+                                        </p:tgtEl>
+                                        <p:attrNameLst>
+                                          <p:attrName>style.visibility</p:attrName>
+                                        </p:attrNameLst>
+                                      </p:cBhvr>
+                                      <p:to>
+                                        <p:strVal val="visible"/>
+                                      </p:to>
+                                    </p:set>
+                                  </p:childTnLst>
+                                </p:cTn>
+                              </p:par>
+                            </p:childTnLst>
+                          </p:cTn>
+                        </p:par>
+                      </p:childTnLst>
+                    </p:cTn>
+                  </p:par>
+                  <p:par>
+                    <p:cTn id="7" fill="hold">
+                      <p:stCondLst>
+                        <p:cond delay="indefinite"/>
+                      </p:stCondLst>
+                      <p:childTnLst>
+                        <p:par>
+                          <p:cTn id="8" fill="hold">
+                            <p:stCondLst>
+                              <p:cond delay="0"/>
+                            </p:stCondLst>
+                            <p:childTnLst>
+                              <p:par>
+                                <p:cTn id="9" presetID="1" presetClass="entr" presetSubtype="0" fill="hold" grpId="0" nodeType="clickEffect">
+                                  <p:stCondLst>
+                                    <p:cond delay="0"/>
+                                  </p:stCondLst>
+                                  <p:childTnLst>
+                                    <p:set>
+                                      <p:cBhvr>
+                                        <p:cTn id="10" dur="1" fill="hold">
+                                          <p:stCondLst>
+                                            <p:cond delay="0"/>
+                                          </p:stCondLst>
+                                        </p:cTn>
+                                        <p:tgtEl>
+                                          <p:spTgt spid="8"/>
+                                        </p:tgtEl>
+                                        <p:attrNameLst>
+                                          <p:attrName>style.visibility</p:attrName>
+                                        </p:attrNameLst>
+                                      </p:cBhvr>
+                                      <p:to>
+                                        <p:strVal val="visible"/>
+                                      </p:to>
+                                    </p:set>
+                                  </p:childTnLst>
+                                </p:cTn>
+                              </p:par>
+                            </p:childTnLst>
+                          </p:cTn>
+                        </p:par>
+                      </p:childTnLst>
+                    </p:cTn>
+                  </p:par>
+                  <p:par>
+                    <p:cTn id="11" fill="hold">
+                      <p:stCondLst>
+                        <p:cond delay="indefinite"/>
+                      </p:stCondLst>
+                      <p:childTnLst>
+                        <p:par>
+                          <p:cTn id="12" fill="hold">
+                            <p:stCondLst>
+                              <p:cond delay="0"/>
+                            </p:stCondLst>
+                            <p:childTnLst>
+                              <p:par>
+                                <p:cTn id="13" presetID="1" presetClass="entr" presetSubtype="0" fill="hold" grpId="0" nodeType="clickEffect">
+                                  <p:stCondLst>
+                                    <p:cond delay="0"/>
+                                  </p:stCondLst>
+                                  <p:childTnLst>
+                                    <p:set>
+                                      <p:cBhvr>
+                                        <p:cTn id="14" dur="1" fill="hold">
+                                          <p:stCondLst>
+                                            <p:cond delay="0"/>
+                                          </p:stCondLst>
+                                        </p:cTn>
+                                        <p:tgtEl>
+                                          <p:spTgt spid="9"/>
+                                        </p:tgtEl>
+                                        <p:attrNameLst>
+                                          <p:attrName>style.visibility</p:attrName>
+                                        </p:attrNameLst>
+                                      </p:cBhvr>
+                                      <p:to>
+                                        <p:strVal val="visible"/>
+                                      </p:to>
+                                    </p:set>
+                                  </p:childTnLst>
+                                </p:cTn>
+                              </p:par>
+                              <p:par>
+                                <p:cTn id="15" presetID="1" presetClass="entr" presetSubtype="0" fill="hold" nodeType="withEffect">
+                                  <p:stCondLst>
+                                    <p:cond delay="0"/>
+                                  </p:stCondLst>
+                                  <p:childTnLst>
+                                    <p:set>
+                                      <p:cBhvr>
+                                        <p:cTn id="16" dur="1" fill="hold">
+                                          <p:stCondLst>
+                                            <p:cond delay="0"/>
+                                          </p:stCondLst>
+                                        </p:cTn>
+                                        <p:tgtEl>
+                                          <p:spTgt spid="2050"/>
+                                        </p:tgtEl>
+                                        <p:attrNameLst>
+                                          <p:attrName>style.visibility</p:attrName>
+                                        </p:attrNameLst>
+                                      </p:cBhvr>
+                                      <p:to>
+                                        <p:strVal val="visible"/>
+                                      </p:to>
+                                    </p:set>
+                                  </p:childTnLst>
+                                </p:cTn>
+                              </p:par>
+                            </p:childTnLst>
+                          </p:cTn>
+                        </p:par>
+                      </p:childTnLst>
+                    </p:cTn>
+                  </p:par>
+                  <p:par>
+                    <p:cTn id="17" fill="hold">
+                      <p:stCondLst>
+                        <p:cond delay="indefinite"/>
+                      </p:stCondLst>
+                      <p:childTnLst>
+                        <p:par>
+                          <p:cTn id="18" fill="hold">
+                            <p:stCondLst>
+                              <p:cond delay="0"/>
+                            </p:stCondLst>
+                            <p:childTnLst>
+                              <p:par>
+                                <p:cTn id="19" presetID="1" presetClass="entr" presetSubtype="0" fill="hold" grpId="0" nodeType="clickEffect">
+                                  <p:stCondLst>
+                                    <p:cond delay="0"/>
+                                  </p:stCondLst>
+                                  <p:childTnLst>
+                                    <p:set>
+                                      <p:cBhvr>
+                                        <p:cTn id="20" dur="1" fill="hold">
+                                          <p:stCondLst>
+                                            <p:cond delay="0"/>
+                                          </p:stCondLst>
+                                        </p:cTn>
+                                        <p:tgtEl>
+                                          <p:spTgt spid="10"/>
+                                        </p:tgtEl>
+                                        <p:attrNameLst>
+                                          <p:attrName>style.visibility</p:attrName>
+                                        </p:attrNameLst>
+                                      </p:cBhvr>
+                                      <p:to>
+                                        <p:strVal val="visible"/>
+                                      </p:to>
+                                    </p:set>
+                                  </p:childTnLst>
+                                </p:cTn>
+                              </p:par>
+                            </p:childTnLst>
+                          </p:cTn>
+                        </p:par>
+                        <p:par>
+                          <p:cTn id="21" fill="hold">
+                            <p:stCondLst>
+                              <p:cond delay="0"/>
+                            </p:stCondLst>
+                            <p:childTnLst>
+                              <p:par>
+                                <p:cTn id="22" presetID="22" presetClass="entr" presetSubtype="1" fill="hold" grpId="0" nodeType="afterEffect">
+                                  <p:stCondLst>
+                                    <p:cond delay="0"/>
+                                  </p:stCondLst>
+                                  <p:childTnLst>
+                                    <p:set>
+                                      <p:cBhvr>
+                                        <p:cTn id="23" dur="1" fill="hold">
+                                          <p:stCondLst>
+                                            <p:cond delay="0"/>
+                                          </p:stCondLst>
+                                        </p:cTn>
+                                        <p:tgtEl>
+                                          <p:spTgt spid="11"/>
+                                        </p:tgtEl>
+                                        <p:attrNameLst>
+                                          <p:attrName>style.visibility</p:attrName>
+                                        </p:attrNameLst>
+                                      </p:cBhvr>
+                                      <p:to>
+                                        <p:strVal val="visible"/>
+                                      </p:to>
+                                    </p:set>
+                                    <p:animEffect transition="in" filter="wipe(up)">
+                                      <p:cBhvr>
+                                        <p:cTn id="24" dur="500"/>
+                                        <p:tgtEl>
+                                          <p:spTgt spid="11"/>
+                                        </p:tgtEl>
+                                      </p:cBhvr>
+                                    </p:animEffect>
+                                  </p:childTnLst>
+                                </p:cTn>
+                              </p:par>
+                            </p:childTnLst>
+                          </p:cTn>
+                        </p:par>
+                        <p:par>
+                          <p:cTn id="25" fill="hold">
+                            <p:stCondLst>
+                              <p:cond delay="500"/>
+                            </p:stCondLst>
+                            <p:childTnLst>
+                              <p:par>
+                                <p:cTn id="26" presetID="1" presetClass="entr" presetSubtype="0" fill="hold" grpId="0" nodeType="afterEffect">
+                                  <p:stCondLst>
+                                    <p:cond delay="0"/>
+                                  </p:stCondLst>
+                                  <p:childTnLst>
+                                    <p:set>
+                                      <p:cBhvr>
+                                        <p:cTn id="27" dur="1" fill="hold">
+                                          <p:stCondLst>
+                                            <p:cond delay="0"/>
+                                          </p:stCondLst>
+                                        </p:cTn>
+                                        <p:tgtEl>
+                                          <p:spTgt spid="13"/>
+                                        </p:tgtEl>
+                                        <p:attrNameLst>
+                                          <p:attrName>style.visibility</p:attrName>
+                                        </p:attrNameLst>
+                                      </p:cBhvr>
+                                      <p:to>
+                                        <p:strVal val="visible"/>
+                                      </p:to>
+                                    </p:set>
+                                  </p:childTnLst>
+                                </p:cTn>
+                              </p:par>
+                            </p:childTnLst>
+                          </p:cTn>
+                        </p:par>
+                      </p:childTnLst>
+                    </p:cTn>
+                  </p:par>
+                </p:childTnLst>
+              </p:cTn>
+              <p:prevCondLst>
+                <p:cond evt="onPrev" delay="0">
+                  <p:tgtEl>
+                    <p:sldTgt/>
+                  </p:tgtEl>
+                </p:cond>
+              </p:prevCondLst>
+              <p:nextCondLst>
+                <p:cond evt="onNext" delay="0">
+                  <p:tgtEl>
+                    <p:sldTgt/>
+                  </p:tgtEl>
+                </p:cond>
+              </p:nextCondLst>
+            </p:seq>
+          </p:childTnLst>
+        </p:cTn>
       </p:par>
     </p:tnLst>
+    <p:bldLst>
+      <p:bldP spid="7" grpId="0"/>
+      <p:bldP spid="8" grpId="0"/>
+      <p:bldP spid="9" grpId="0"/>
+      <p:bldP spid="10" grpId="0" animBg="1"/>
+      <p:bldP spid="11" grpId="0" animBg="1"/>
+      <p:bldP spid="13" grpId="0"/>
+    </p:bldLst>
   </p:timing>
 </p:sld>
 </file>
@@ -22586,9 +29352,472 @@
   <p:timing>
     <p:tnLst>
       <p:par>
-        <p:cTn id="1" dur="indefinite" restart="never" nodeType="tmRoot"/>
+        <p:cTn id="1" dur="indefinite" restart="never" nodeType="tmRoot">
+          <p:childTnLst>
+            <p:seq concurrent="1" nextAc="seek">
+              <p:cTn id="2" dur="indefinite" nodeType="mainSeq">
+                <p:childTnLst>
+                  <p:par>
+                    <p:cTn id="3" fill="hold">
+                      <p:stCondLst>
+                        <p:cond delay="indefinite"/>
+                      </p:stCondLst>
+                      <p:childTnLst>
+                        <p:par>
+                          <p:cTn id="4" fill="hold">
+                            <p:stCondLst>
+                              <p:cond delay="0"/>
+                            </p:stCondLst>
+                            <p:childTnLst>
+                              <p:par>
+                                <p:cTn id="5" presetID="1" presetClass="entr" presetSubtype="0" fill="hold" nodeType="clickEffect">
+                                  <p:stCondLst>
+                                    <p:cond delay="0"/>
+                                  </p:stCondLst>
+                                  <p:childTnLst>
+                                    <p:set>
+                                      <p:cBhvr>
+                                        <p:cTn id="6" dur="1" fill="hold">
+                                          <p:stCondLst>
+                                            <p:cond delay="0"/>
+                                          </p:stCondLst>
+                                        </p:cTn>
+                                        <p:tgtEl>
+                                          <p:spTgt spid="11"/>
+                                        </p:tgtEl>
+                                        <p:attrNameLst>
+                                          <p:attrName>style.visibility</p:attrName>
+                                        </p:attrNameLst>
+                                      </p:cBhvr>
+                                      <p:to>
+                                        <p:strVal val="visible"/>
+                                      </p:to>
+                                    </p:set>
+                                  </p:childTnLst>
+                                </p:cTn>
+                              </p:par>
+                              <p:par>
+                                <p:cTn id="7" presetID="1" presetClass="entr" presetSubtype="0" fill="hold" nodeType="withEffect">
+                                  <p:stCondLst>
+                                    <p:cond delay="0"/>
+                                  </p:stCondLst>
+                                  <p:childTnLst>
+                                    <p:set>
+                                      <p:cBhvr>
+                                        <p:cTn id="8" dur="1" fill="hold">
+                                          <p:stCondLst>
+                                            <p:cond delay="0"/>
+                                          </p:stCondLst>
+                                        </p:cTn>
+                                        <p:tgtEl>
+                                          <p:spTgt spid="3076"/>
+                                        </p:tgtEl>
+                                        <p:attrNameLst>
+                                          <p:attrName>style.visibility</p:attrName>
+                                        </p:attrNameLst>
+                                      </p:cBhvr>
+                                      <p:to>
+                                        <p:strVal val="visible"/>
+                                      </p:to>
+                                    </p:set>
+                                  </p:childTnLst>
+                                </p:cTn>
+                              </p:par>
+                            </p:childTnLst>
+                          </p:cTn>
+                        </p:par>
+                      </p:childTnLst>
+                    </p:cTn>
+                  </p:par>
+                  <p:par>
+                    <p:cTn id="9" fill="hold">
+                      <p:stCondLst>
+                        <p:cond delay="indefinite"/>
+                      </p:stCondLst>
+                      <p:childTnLst>
+                        <p:par>
+                          <p:cTn id="10" fill="hold">
+                            <p:stCondLst>
+                              <p:cond delay="0"/>
+                            </p:stCondLst>
+                            <p:childTnLst>
+                              <p:par>
+                                <p:cTn id="11" presetID="1" presetClass="entr" presetSubtype="0" fill="hold" grpId="0" nodeType="clickEffect">
+                                  <p:stCondLst>
+                                    <p:cond delay="0"/>
+                                  </p:stCondLst>
+                                  <p:childTnLst>
+                                    <p:set>
+                                      <p:cBhvr>
+                                        <p:cTn id="12" dur="1" fill="hold">
+                                          <p:stCondLst>
+                                            <p:cond delay="0"/>
+                                          </p:stCondLst>
+                                        </p:cTn>
+                                        <p:tgtEl>
+                                          <p:spTgt spid="8"/>
+                                        </p:tgtEl>
+                                        <p:attrNameLst>
+                                          <p:attrName>style.visibility</p:attrName>
+                                        </p:attrNameLst>
+                                      </p:cBhvr>
+                                      <p:to>
+                                        <p:strVal val="visible"/>
+                                      </p:to>
+                                    </p:set>
+                                  </p:childTnLst>
+                                </p:cTn>
+                              </p:par>
+                            </p:childTnLst>
+                          </p:cTn>
+                        </p:par>
+                      </p:childTnLst>
+                    </p:cTn>
+                  </p:par>
+                  <p:par>
+                    <p:cTn id="13" fill="hold">
+                      <p:stCondLst>
+                        <p:cond delay="indefinite"/>
+                      </p:stCondLst>
+                      <p:childTnLst>
+                        <p:par>
+                          <p:cTn id="14" fill="hold">
+                            <p:stCondLst>
+                              <p:cond delay="0"/>
+                            </p:stCondLst>
+                            <p:childTnLst>
+                              <p:par>
+                                <p:cTn id="15" presetID="1" presetClass="entr" presetSubtype="0" fill="hold" grpId="0" nodeType="clickEffect">
+                                  <p:stCondLst>
+                                    <p:cond delay="0"/>
+                                  </p:stCondLst>
+                                  <p:childTnLst>
+                                    <p:set>
+                                      <p:cBhvr>
+                                        <p:cTn id="16" dur="1" fill="hold">
+                                          <p:stCondLst>
+                                            <p:cond delay="0"/>
+                                          </p:stCondLst>
+                                        </p:cTn>
+                                        <p:tgtEl>
+                                          <p:spTgt spid="9"/>
+                                        </p:tgtEl>
+                                        <p:attrNameLst>
+                                          <p:attrName>style.visibility</p:attrName>
+                                        </p:attrNameLst>
+                                      </p:cBhvr>
+                                      <p:to>
+                                        <p:strVal val="visible"/>
+                                      </p:to>
+                                    </p:set>
+                                  </p:childTnLst>
+                                </p:cTn>
+                              </p:par>
+                            </p:childTnLst>
+                          </p:cTn>
+                        </p:par>
+                      </p:childTnLst>
+                    </p:cTn>
+                  </p:par>
+                  <p:par>
+                    <p:cTn id="17" fill="hold">
+                      <p:stCondLst>
+                        <p:cond delay="indefinite"/>
+                      </p:stCondLst>
+                      <p:childTnLst>
+                        <p:par>
+                          <p:cTn id="18" fill="hold">
+                            <p:stCondLst>
+                              <p:cond delay="0"/>
+                            </p:stCondLst>
+                            <p:childTnLst>
+                              <p:par>
+                                <p:cTn id="19" presetID="1" presetClass="entr" presetSubtype="0" fill="hold" grpId="0" nodeType="clickEffect">
+                                  <p:stCondLst>
+                                    <p:cond delay="0"/>
+                                  </p:stCondLst>
+                                  <p:childTnLst>
+                                    <p:set>
+                                      <p:cBhvr>
+                                        <p:cTn id="20" dur="1" fill="hold">
+                                          <p:stCondLst>
+                                            <p:cond delay="0"/>
+                                          </p:stCondLst>
+                                        </p:cTn>
+                                        <p:tgtEl>
+                                          <p:spTgt spid="12"/>
+                                        </p:tgtEl>
+                                        <p:attrNameLst>
+                                          <p:attrName>style.visibility</p:attrName>
+                                        </p:attrNameLst>
+                                      </p:cBhvr>
+                                      <p:to>
+                                        <p:strVal val="visible"/>
+                                      </p:to>
+                                    </p:set>
+                                  </p:childTnLst>
+                                </p:cTn>
+                              </p:par>
+                            </p:childTnLst>
+                          </p:cTn>
+                        </p:par>
+                      </p:childTnLst>
+                    </p:cTn>
+                  </p:par>
+                  <p:par>
+                    <p:cTn id="21" fill="hold">
+                      <p:stCondLst>
+                        <p:cond delay="indefinite"/>
+                      </p:stCondLst>
+                      <p:childTnLst>
+                        <p:par>
+                          <p:cTn id="22" fill="hold">
+                            <p:stCondLst>
+                              <p:cond delay="0"/>
+                            </p:stCondLst>
+                            <p:childTnLst>
+                              <p:par>
+                                <p:cTn id="23" presetID="1" presetClass="entr" presetSubtype="0" fill="hold" grpId="0" nodeType="clickEffect">
+                                  <p:stCondLst>
+                                    <p:cond delay="0"/>
+                                  </p:stCondLst>
+                                  <p:childTnLst>
+                                    <p:set>
+                                      <p:cBhvr>
+                                        <p:cTn id="24" dur="1" fill="hold">
+                                          <p:stCondLst>
+                                            <p:cond delay="0"/>
+                                          </p:stCondLst>
+                                        </p:cTn>
+                                        <p:tgtEl>
+                                          <p:spTgt spid="14"/>
+                                        </p:tgtEl>
+                                        <p:attrNameLst>
+                                          <p:attrName>style.visibility</p:attrName>
+                                        </p:attrNameLst>
+                                      </p:cBhvr>
+                                      <p:to>
+                                        <p:strVal val="visible"/>
+                                      </p:to>
+                                    </p:set>
+                                  </p:childTnLst>
+                                </p:cTn>
+                              </p:par>
+                              <p:par>
+                                <p:cTn id="25" presetID="1" presetClass="entr" presetSubtype="0" fill="hold" grpId="0" nodeType="withEffect">
+                                  <p:stCondLst>
+                                    <p:cond delay="0"/>
+                                  </p:stCondLst>
+                                  <p:childTnLst>
+                                    <p:set>
+                                      <p:cBhvr>
+                                        <p:cTn id="26" dur="1" fill="hold">
+                                          <p:stCondLst>
+                                            <p:cond delay="0"/>
+                                          </p:stCondLst>
+                                        </p:cTn>
+                                        <p:tgtEl>
+                                          <p:spTgt spid="10"/>
+                                        </p:tgtEl>
+                                        <p:attrNameLst>
+                                          <p:attrName>style.visibility</p:attrName>
+                                        </p:attrNameLst>
+                                      </p:cBhvr>
+                                      <p:to>
+                                        <p:strVal val="visible"/>
+                                      </p:to>
+                                    </p:set>
+                                  </p:childTnLst>
+                                </p:cTn>
+                              </p:par>
+                              <p:par>
+                                <p:cTn id="27" presetID="1" presetClass="entr" presetSubtype="0" fill="hold" nodeType="withEffect">
+                                  <p:stCondLst>
+                                    <p:cond delay="0"/>
+                                  </p:stCondLst>
+                                  <p:childTnLst>
+                                    <p:set>
+                                      <p:cBhvr>
+                                        <p:cTn id="28" dur="1" fill="hold">
+                                          <p:stCondLst>
+                                            <p:cond delay="0"/>
+                                          </p:stCondLst>
+                                        </p:cTn>
+                                        <p:tgtEl>
+                                          <p:spTgt spid="6"/>
+                                        </p:tgtEl>
+                                        <p:attrNameLst>
+                                          <p:attrName>style.visibility</p:attrName>
+                                        </p:attrNameLst>
+                                      </p:cBhvr>
+                                      <p:to>
+                                        <p:strVal val="visible"/>
+                                      </p:to>
+                                    </p:set>
+                                  </p:childTnLst>
+                                </p:cTn>
+                              </p:par>
+                            </p:childTnLst>
+                          </p:cTn>
+                        </p:par>
+                      </p:childTnLst>
+                    </p:cTn>
+                  </p:par>
+                  <p:par>
+                    <p:cTn id="29" fill="hold">
+                      <p:stCondLst>
+                        <p:cond delay="indefinite"/>
+                      </p:stCondLst>
+                      <p:childTnLst>
+                        <p:par>
+                          <p:cTn id="30" fill="hold">
+                            <p:stCondLst>
+                              <p:cond delay="0"/>
+                            </p:stCondLst>
+                            <p:childTnLst>
+                              <p:par>
+                                <p:cTn id="31" presetID="1" presetClass="entr" presetSubtype="0" fill="hold" grpId="0" nodeType="clickEffect">
+                                  <p:stCondLst>
+                                    <p:cond delay="0"/>
+                                  </p:stCondLst>
+                                  <p:childTnLst>
+                                    <p:set>
+                                      <p:cBhvr>
+                                        <p:cTn id="32" dur="1" fill="hold">
+                                          <p:stCondLst>
+                                            <p:cond delay="0"/>
+                                          </p:stCondLst>
+                                        </p:cTn>
+                                        <p:tgtEl>
+                                          <p:spTgt spid="19"/>
+                                        </p:tgtEl>
+                                        <p:attrNameLst>
+                                          <p:attrName>style.visibility</p:attrName>
+                                        </p:attrNameLst>
+                                      </p:cBhvr>
+                                      <p:to>
+                                        <p:strVal val="visible"/>
+                                      </p:to>
+                                    </p:set>
+                                  </p:childTnLst>
+                                </p:cTn>
+                              </p:par>
+                            </p:childTnLst>
+                          </p:cTn>
+                        </p:par>
+                        <p:par>
+                          <p:cTn id="33" fill="hold">
+                            <p:stCondLst>
+                              <p:cond delay="0"/>
+                            </p:stCondLst>
+                            <p:childTnLst>
+                              <p:par>
+                                <p:cTn id="34" presetID="22" presetClass="entr" presetSubtype="1" fill="hold" grpId="0" nodeType="afterEffect">
+                                  <p:stCondLst>
+                                    <p:cond delay="0"/>
+                                  </p:stCondLst>
+                                  <p:childTnLst>
+                                    <p:set>
+                                      <p:cBhvr>
+                                        <p:cTn id="35" dur="1" fill="hold">
+                                          <p:stCondLst>
+                                            <p:cond delay="0"/>
+                                          </p:stCondLst>
+                                        </p:cTn>
+                                        <p:tgtEl>
+                                          <p:spTgt spid="17"/>
+                                        </p:tgtEl>
+                                        <p:attrNameLst>
+                                          <p:attrName>style.visibility</p:attrName>
+                                        </p:attrNameLst>
+                                      </p:cBhvr>
+                                      <p:to>
+                                        <p:strVal val="visible"/>
+                                      </p:to>
+                                    </p:set>
+                                    <p:animEffect transition="in" filter="wipe(up)">
+                                      <p:cBhvr>
+                                        <p:cTn id="36" dur="500"/>
+                                        <p:tgtEl>
+                                          <p:spTgt spid="17"/>
+                                        </p:tgtEl>
+                                      </p:cBhvr>
+                                    </p:animEffect>
+                                  </p:childTnLst>
+                                </p:cTn>
+                              </p:par>
+                            </p:childTnLst>
+                          </p:cTn>
+                        </p:par>
+                        <p:par>
+                          <p:cTn id="37" fill="hold">
+                            <p:stCondLst>
+                              <p:cond delay="500"/>
+                            </p:stCondLst>
+                            <p:childTnLst>
+                              <p:par>
+                                <p:cTn id="38" presetID="1" presetClass="entr" presetSubtype="0" fill="hold" nodeType="afterEffect">
+                                  <p:stCondLst>
+                                    <p:cond delay="0"/>
+                                  </p:stCondLst>
+                                  <p:childTnLst>
+                                    <p:set>
+                                      <p:cBhvr>
+                                        <p:cTn id="39" dur="1" fill="hold">
+                                          <p:stCondLst>
+                                            <p:cond delay="0"/>
+                                          </p:stCondLst>
+                                        </p:cTn>
+                                        <p:tgtEl>
+                                          <p:spTgt spid="16"/>
+                                        </p:tgtEl>
+                                        <p:attrNameLst>
+                                          <p:attrName>style.visibility</p:attrName>
+                                        </p:attrNameLst>
+                                      </p:cBhvr>
+                                      <p:to>
+                                        <p:strVal val="visible"/>
+                                      </p:to>
+                                    </p:set>
+                                  </p:childTnLst>
+                                </p:cTn>
+                              </p:par>
+                            </p:childTnLst>
+                          </p:cTn>
+                        </p:par>
+                      </p:childTnLst>
+                    </p:cTn>
+                  </p:par>
+                </p:childTnLst>
+              </p:cTn>
+              <p:prevCondLst>
+                <p:cond evt="onPrev" delay="0">
+                  <p:tgtEl>
+                    <p:sldTgt/>
+                  </p:tgtEl>
+                </p:cond>
+              </p:prevCondLst>
+              <p:nextCondLst>
+                <p:cond evt="onNext" delay="0">
+                  <p:tgtEl>
+                    <p:sldTgt/>
+                  </p:tgtEl>
+                </p:cond>
+              </p:nextCondLst>
+            </p:seq>
+          </p:childTnLst>
+        </p:cTn>
       </p:par>
     </p:tnLst>
+    <p:bldLst>
+      <p:bldP spid="8" grpId="0"/>
+      <p:bldP spid="9" grpId="0"/>
+      <p:bldP spid="12" grpId="0"/>
+      <p:bldP spid="10" grpId="0"/>
+      <p:bldP spid="14" grpId="0"/>
+      <p:bldP spid="17" grpId="0" animBg="1"/>
+      <p:bldP spid="19" grpId="0" animBg="1"/>
+    </p:bldLst>
   </p:timing>
 </p:sld>
 </file>

--- a/wireless_network/PaperReading/Report.pptx
+++ b/wireless_network/PaperReading/Report.pptx
@@ -10152,7 +10152,7 @@
           <a:p>
             <a:fld id="{90AE32B7-19C5-4095-9C95-F277E30D1456}" type="datetimeFigureOut">
               <a:rPr lang="zh-TW" altLang="en-US" smtClean="0"/>
-              <a:t>2019/12/29</a:t>
+              <a:t>2019/12/30</a:t>
             </a:fld>
             <a:endParaRPr lang="zh-TW" altLang="en-US"/>
           </a:p>
@@ -10635,7 +10635,7 @@
           <a:p>
             <a:fld id="{D0C519A4-C899-4FE3-B2C0-EA32C1E2A373}" type="datetime1">
               <a:rPr lang="zh-TW" altLang="en-US" smtClean="0"/>
-              <a:t>2019/12/29</a:t>
+              <a:t>2019/12/30</a:t>
             </a:fld>
             <a:endParaRPr lang="zh-TW" altLang="en-US"/>
           </a:p>
@@ -10805,7 +10805,7 @@
           <a:p>
             <a:fld id="{AAF725E2-3DF1-496F-923B-ADC93C1FF91E}" type="datetime1">
               <a:rPr lang="zh-TW" altLang="en-US" smtClean="0"/>
-              <a:t>2019/12/29</a:t>
+              <a:t>2019/12/30</a:t>
             </a:fld>
             <a:endParaRPr lang="zh-TW" altLang="en-US"/>
           </a:p>
@@ -10985,7 +10985,7 @@
           <a:p>
             <a:fld id="{BA639709-0C54-4055-B8A5-334E3C574642}" type="datetime1">
               <a:rPr lang="zh-TW" altLang="en-US" smtClean="0"/>
-              <a:t>2019/12/29</a:t>
+              <a:t>2019/12/30</a:t>
             </a:fld>
             <a:endParaRPr lang="zh-TW" altLang="en-US"/>
           </a:p>
@@ -11155,7 +11155,7 @@
           <a:p>
             <a:fld id="{529E66E2-A720-4114-9EAD-35F33426C266}" type="datetime1">
               <a:rPr lang="zh-TW" altLang="en-US" smtClean="0"/>
-              <a:t>2019/12/29</a:t>
+              <a:t>2019/12/30</a:t>
             </a:fld>
             <a:endParaRPr lang="zh-TW" altLang="en-US"/>
           </a:p>
@@ -11401,7 +11401,7 @@
           <a:p>
             <a:fld id="{EC6CA15E-6041-4E19-A88F-713A849FAB1F}" type="datetime1">
               <a:rPr lang="zh-TW" altLang="en-US" smtClean="0"/>
-              <a:t>2019/12/29</a:t>
+              <a:t>2019/12/30</a:t>
             </a:fld>
             <a:endParaRPr lang="zh-TW" altLang="en-US"/>
           </a:p>
@@ -11633,7 +11633,7 @@
           <a:p>
             <a:fld id="{ED1B1673-2459-4015-8514-10CC325F640F}" type="datetime1">
               <a:rPr lang="zh-TW" altLang="en-US" smtClean="0"/>
-              <a:t>2019/12/29</a:t>
+              <a:t>2019/12/30</a:t>
             </a:fld>
             <a:endParaRPr lang="zh-TW" altLang="en-US"/>
           </a:p>
@@ -12000,7 +12000,7 @@
           <a:p>
             <a:fld id="{14BBF4F7-C57C-4105-9534-84A0BF80F02F}" type="datetime1">
               <a:rPr lang="zh-TW" altLang="en-US" smtClean="0"/>
-              <a:t>2019/12/29</a:t>
+              <a:t>2019/12/30</a:t>
             </a:fld>
             <a:endParaRPr lang="zh-TW" altLang="en-US"/>
           </a:p>
@@ -12118,7 +12118,7 @@
           <a:p>
             <a:fld id="{973340D1-97F9-4595-91A4-880B1C854E40}" type="datetime1">
               <a:rPr lang="zh-TW" altLang="en-US" smtClean="0"/>
-              <a:t>2019/12/29</a:t>
+              <a:t>2019/12/30</a:t>
             </a:fld>
             <a:endParaRPr lang="zh-TW" altLang="en-US"/>
           </a:p>
@@ -12213,7 +12213,7 @@
           <a:p>
             <a:fld id="{017D0E3B-C414-4A74-9F90-82C22692D280}" type="datetime1">
               <a:rPr lang="zh-TW" altLang="en-US" smtClean="0"/>
-              <a:t>2019/12/29</a:t>
+              <a:t>2019/12/30</a:t>
             </a:fld>
             <a:endParaRPr lang="zh-TW" altLang="en-US"/>
           </a:p>
@@ -12490,7 +12490,7 @@
           <a:p>
             <a:fld id="{2C132A8D-7E8C-45E9-AF19-479C7BF98E21}" type="datetime1">
               <a:rPr lang="zh-TW" altLang="en-US" smtClean="0"/>
-              <a:t>2019/12/29</a:t>
+              <a:t>2019/12/30</a:t>
             </a:fld>
             <a:endParaRPr lang="zh-TW" altLang="en-US"/>
           </a:p>
@@ -12743,7 +12743,7 @@
           <a:p>
             <a:fld id="{E5E4FAB2-8603-4182-B607-B8D4C5ACF843}" type="datetime1">
               <a:rPr lang="zh-TW" altLang="en-US" smtClean="0"/>
-              <a:t>2019/12/29</a:t>
+              <a:t>2019/12/30</a:t>
             </a:fld>
             <a:endParaRPr lang="zh-TW" altLang="en-US"/>
           </a:p>
@@ -12956,7 +12956,7 @@
           <a:p>
             <a:fld id="{01AA6340-B1F5-49D0-BCE2-BF206B87664B}" type="datetime1">
               <a:rPr lang="zh-TW" altLang="en-US" smtClean="0"/>
-              <a:t>2019/12/29</a:t>
+              <a:t>2019/12/30</a:t>
             </a:fld>
             <a:endParaRPr lang="zh-TW" altLang="en-US"/>
           </a:p>
@@ -14462,51 +14462,6 @@
                                           </p:stCondLst>
                                         </p:cTn>
                                         <p:tgtEl>
-                                          <p:spTgt spid="8"/>
-                                        </p:tgtEl>
-                                        <p:attrNameLst>
-                                          <p:attrName>style.visibility</p:attrName>
-                                        </p:attrNameLst>
-                                      </p:cBhvr>
-                                      <p:to>
-                                        <p:strVal val="visible"/>
-                                      </p:to>
-                                    </p:set>
-                                  </p:childTnLst>
-                                </p:cTn>
-                              </p:par>
-                            </p:childTnLst>
-                          </p:cTn>
-                        </p:par>
-                      </p:childTnLst>
-                    </p:cTn>
-                  </p:par>
-                  <p:par>
-                    <p:cTn id="7" fill="hold">
-                      <p:stCondLst>
-                        <p:cond delay="indefinite"/>
-                      </p:stCondLst>
-                      <p:childTnLst>
-                        <p:par>
-                          <p:cTn id="8" fill="hold">
-                            <p:stCondLst>
-                              <p:cond delay="0"/>
-                            </p:stCondLst>
-                            <p:childTnLst>
-                              <p:par>
-                                <p:cTn id="9" presetID="1" presetClass="entr" presetSubtype="0" fill="hold" grpId="0" nodeType="clickEffect">
-                                  <p:stCondLst>
-                                    <p:cond delay="0"/>
-                                  </p:stCondLst>
-                                  <p:childTnLst>
-                                    <p:set>
-                                      <p:cBhvr>
-                                        <p:cTn id="10" dur="1" fill="hold">
-                                          <p:stCondLst>
-                                            <p:cond delay="0"/>
-                                          </p:stCondLst>
-                                        </p:cTn>
-                                        <p:tgtEl>
                                           <p:spTgt spid="13"/>
                                         </p:tgtEl>
                                         <p:attrNameLst>
@@ -14521,14 +14476,14 @@
                                 </p:cTn>
                               </p:par>
                               <p:par>
-                                <p:cTn id="11" presetID="0" presetClass="path" presetSubtype="0" accel="50000" decel="50000" fill="hold" nodeType="withEffect">
+                                <p:cTn id="7" presetID="0" presetClass="path" presetSubtype="0" accel="50000" decel="50000" fill="hold" nodeType="withEffect">
                                   <p:stCondLst>
                                     <p:cond delay="0"/>
                                   </p:stCondLst>
                                   <p:childTnLst>
                                     <p:animMotion origin="layout" path="M 2.08333E-7 -7.40741E-7 L 2.08333E-7 0.00023 C 0.00195 -0.00208 0.00378 -0.00463 0.00573 -0.00648 C 0.0069 -0.00741 0.00807 -0.00764 0.00937 -0.00764 C 0.01523 -0.00764 0.02122 -0.00694 0.02721 -0.00648 C 0.02773 -0.00555 0.02812 -0.00463 0.02865 -0.00393 C 0.0293 -0.00301 0.03021 -0.00255 0.03073 -0.00139 C 0.03125 -0.00023 0.03112 0.00139 0.03151 0.00255 C 0.03177 0.00347 0.03242 0.00417 0.03294 0.00509 C 0.03372 0.01042 0.03437 0.01435 0.03437 0.02037 C 0.03437 0.02361 0.03411 0.02708 0.03359 0.03032 C 0.03307 0.03403 0.0293 0.03889 0.02786 0.03935 C 0.02539 0.04028 0.02383 0.04074 0.02148 0.0419 C 0.0207 0.04213 0.02005 0.04306 0.01927 0.04306 C 0.01224 0.04398 0.00508 0.04398 -0.00208 0.04445 C -0.00326 0.04468 -0.01315 0.0463 -0.01497 0.04699 C -0.01641 0.04745 -0.01784 0.04861 -0.01927 0.04954 L -0.02135 0.0507 L -0.02565 0.05579 C -0.02643 0.05671 -0.02721 0.05718 -0.02786 0.05833 L -0.02995 0.06227 C -0.02969 0.06644 -0.03008 0.07083 -0.0293 0.075 C -0.02865 0.07778 -0.02656 0.0787 -0.02565 0.08125 C -0.02279 0.08889 -0.02591 0.08171 -0.02214 0.0875 C -0.02083 0.08958 -0.01992 0.09213 -0.01849 0.09398 C -0.01628 0.09699 -0.01536 0.09861 -0.01276 0.10023 C -0.01185 0.10093 -0.01094 0.10116 -0.0099 0.10162 C -0.00586 0.10648 -0.0099 0.10255 -0.00286 0.10532 C -0.0013 0.10602 2.08333E-7 0.10787 0.00143 0.10787 L 0.0151 0.10926 C 0.01576 0.10949 0.01641 0.11019 0.01719 0.11042 C 0.01836 0.11088 0.01953 0.11134 0.0207 0.11181 C 0.02174 0.11204 0.02266 0.1125 0.02357 0.11296 C 0.02461 0.11389 0.02552 0.11458 0.02643 0.11551 C 0.02799 0.11713 0.03073 0.1206 0.03073 0.12083 C 0.03151 0.12245 0.03294 0.1257 0.03294 0.12824 C 0.03294 0.13287 0.03268 0.13773 0.03216 0.14213 C 0.03203 0.14375 0.03138 0.14491 0.03073 0.14607 C 0.03047 0.14653 0.02656 0.15162 0.02578 0.15232 C 0.02513 0.15301 0.02435 0.15324 0.02357 0.1537 C 0.02318 0.1544 0.02279 0.15556 0.02214 0.15625 C 0.02135 0.15695 0.02031 0.15695 0.01927 0.15741 C 0.01862 0.15787 0.01784 0.15833 0.01719 0.1588 C 0.01172 0.1625 0.01549 0.16065 0.00937 0.1625 C 0.00833 0.16343 0.00742 0.16435 0.00651 0.16505 C 0.00482 0.1662 0.00078 0.16713 -0.00065 0.16759 C -0.00378 0.16713 -0.0069 0.16713 -0.0099 0.16644 C -0.01146 0.16597 -0.01276 0.16458 -0.01419 0.16389 C -0.01719 0.16204 -0.01576 0.1632 -0.01849 0.15995 C -0.02266 0.15023 -0.01862 0.15857 -0.02279 0.15232 C -0.02826 0.14421 -0.02174 0.15232 -0.02708 0.14607 C -0.02839 0.13935 -0.02734 0.14329 -0.03073 0.13449 L -0.03216 0.13079 C -0.03372 0.12199 -0.03177 0.13287 -0.03359 0.1206 C -0.03372 0.11921 -0.03398 0.11806 -0.03424 0.1169 C -0.03477 0.11366 -0.0349 0.11088 -0.03568 0.10787 C -0.03607 0.10625 -0.03659 0.10463 -0.03711 0.10278 C -0.03737 0.10116 -0.03737 0.09931 -0.03776 0.09769 C -0.03841 0.09583 -0.03958 0.09468 -0.03997 0.09259 C -0.04063 0.08935 -0.04049 0.08588 -0.04063 0.08241 C -0.04049 0.06945 -0.04049 0.05625 -0.03997 0.04306 C -0.03971 0.0375 -0.03776 0.0338 -0.03633 0.02917 C -0.03581 0.02755 -0.03555 0.0257 -0.0349 0.02407 C -0.03438 0.02269 -0.03346 0.02176 -0.03281 0.02037 C -0.03177 0.01782 -0.03112 0.01482 -0.02995 0.01273 C -0.0293 0.01134 -0.02852 0.01019 -0.02786 0.0088 C -0.02721 0.00764 -0.02708 0.00602 -0.02643 0.00509 C -0.02578 0.00417 -0.02487 0.0044 -0.02422 0.0037 C -0.02344 0.00301 -0.02279 0.00185 -0.02214 0.00116 C -0.02122 0.00023 -0.02018 -0.00046 -0.01927 -0.00139 C -0.01771 -0.00301 -0.01654 -0.00555 -0.01497 -0.00648 C -0.01354 -0.00718 -0.01211 -0.00833 -0.01068 -0.00903 C -0.00977 -0.00949 -0.00872 -0.00972 -0.00781 -0.01018 C -0.00638 -0.01111 -0.00495 -0.01227 -0.00352 -0.01273 C -0.00234 -0.01319 -0.00117 -0.01343 2.08333E-7 -0.01412 C 0.00078 -0.01435 0.00143 -0.01505 0.00221 -0.01528 C 0.00404 -0.0162 0.00612 -0.0162 0.00794 -0.01782 C 0.00885 -0.01875 0.00977 -0.01991 0.01081 -0.02037 C 0.01211 -0.02106 0.01367 -0.0213 0.0151 -0.02176 C 0.01576 -0.02199 0.01641 -0.02292 0.01719 -0.02292 C 0.02057 -0.02292 0.02383 -0.02245 0.02721 -0.02176 C 0.02799 -0.02153 0.02865 -0.0206 0.0293 -0.02037 C 0.03047 -0.01991 0.03177 -0.01944 0.03294 -0.01921 C 0.03385 -0.01829 0.03477 -0.01736 0.03581 -0.01667 C 0.03646 -0.01597 0.03724 -0.01597 0.03789 -0.01528 C 0.04284 -0.01018 0.03542 -0.01505 0.04154 -0.01157 C 0.04219 -0.01018 0.04284 -0.0088 0.04362 -0.00764 C 0.04453 -0.00648 0.0457 -0.00648 0.04648 -0.00509 C 0.04792 -0.00278 0.04818 0.00208 0.04857 0.00509 C 0.04909 0.00764 0.04974 0.00995 0.05 0.01273 C 0.05026 0.01435 0.05052 0.01597 0.05078 0.01782 C 0.05104 0.01898 0.0513 0.02014 0.05143 0.02153 C 0.05182 0.02361 0.05169 0.02593 0.05221 0.02778 C 0.05286 0.03056 0.05508 0.03542 0.05508 0.03565 C 0.05664 0.04653 0.05469 0.03449 0.05716 0.0456 C 0.0582 0.05 0.05937 0.05787 0.06003 0.06227 C 0.05977 0.07523 0.06003 0.08843 0.05937 0.10162 C 0.05924 0.10347 0.05833 0.10486 0.05794 0.10671 C 0.05768 0.10787 0.05742 0.10926 0.05716 0.11042 C 0.0569 0.11204 0.05677 0.11389 0.05651 0.11551 C 0.05625 0.1169 0.05599 0.11806 0.05573 0.11945 C 0.05547 0.12107 0.05534 0.12269 0.05508 0.12454 C 0.05482 0.1257 0.05456 0.12685 0.0543 0.12824 C 0.05404 0.13032 0.05404 0.13264 0.05365 0.13449 C 0.05312 0.13727 0.05169 0.14097 0.05078 0.14352 C 0.05013 0.14514 0.04948 0.14722 0.04857 0.14861 C 0.04779 0.14977 0.04661 0.15 0.04583 0.15116 C 0.04479 0.15232 0.04401 0.15394 0.04297 0.15486 C 0.04206 0.15579 0.04102 0.15556 0.0401 0.15625 C 0.03763 0.1581 0.03555 0.16181 0.03294 0.1625 C 0.03151 0.16296 0.03008 0.1632 0.02865 0.16389 C 0.02721 0.16435 0.02578 0.16574 0.02435 0.16644 C 0.02122 0.16759 0.0181 0.16806 0.0151 0.16898 C 0.01315 0.17014 0.01133 0.17176 0.00937 0.17269 C 0.00768 0.17361 0.00039 0.175 -0.00065 0.17523 C -0.00703 0.17801 -0.00013 0.17523 -0.01133 0.17778 C -0.01263 0.17801 -0.0138 0.1787 -0.01497 0.17917 L -0.0293 0.17778 C -0.03021 0.17732 -0.02956 0.17431 -0.02995 0.17269 C -0.03034 0.17107 -0.0332 0.16482 -0.03359 0.16389 C -0.03724 0.15324 -0.0332 0.16366 -0.03568 0.15486 C -0.03607 0.15347 -0.03659 0.15232 -0.03711 0.15116 C -0.03867 0.14722 -0.04206 0.13958 -0.04206 0.13982 C -0.04349 0.13333 -0.04505 0.12616 -0.04714 0.1206 L -0.04857 0.1169 C -0.04961 0.11088 -0.05026 0.1088 -0.05065 0.10278 C -0.05299 0.07222 -0.05013 0.10347 -0.05208 0.08241 C -0.05182 0.06644 -0.05182 0.05023 -0.05143 0.03426 C -0.0513 0.03241 -0.05104 0.03079 -0.05065 0.02917 C -0.05026 0.02732 -0.04974 0.0257 -0.04922 0.02407 C -0.04896 0.02153 -0.04896 0.01898 -0.04857 0.01644 C -0.04753 0.01111 -0.04414 0.00208 -0.04206 -0.00139 C -0.04167 -0.00208 -0.04115 -0.00301 -0.04063 -0.00393 C -0.03997 -0.00555 -0.03932 -0.00741 -0.03854 -0.00903 C -0.03659 -0.0125 -0.03294 -0.01643 -0.03073 -0.01921 L -0.02852 -0.02176 C -0.02786 -0.02245 -0.02721 -0.02384 -0.02643 -0.0243 L -0.02135 -0.02685 C -0.0207 -0.02708 -0.01992 -0.02778 -0.01927 -0.02801 C -0.0181 -0.02847 -0.0168 -0.02893 -0.01563 -0.02917 C -0.00521 -0.02847 0.00534 -0.02824 0.01576 -0.02685 C 0.02917 -0.02477 0.01654 -0.02593 0.02214 -0.02176 C 0.02331 -0.02083 0.02461 -0.02083 0.02578 -0.02037 C 0.02721 -0.01875 0.02852 -0.0169 0.03008 -0.01528 C 0.03607 -0.00949 0.02734 -0.02639 0.03932 -0.00509 C 0.04049 -0.00301 0.04167 -0.00069 0.04297 0.00116 C 0.04362 0.00232 0.0444 0.00278 0.04505 0.0037 C 0.04596 0.00486 0.04701 0.00625 0.04792 0.00764 C 0.04818 0.0088 0.04818 0.01019 0.04857 0.01134 C 0.04987 0.01505 0.05286 0.02153 0.05286 0.02176 C 0.05312 0.02292 0.05339 0.02407 0.05365 0.02523 C 0.05469 0.02986 0.05508 0.03032 0.05651 0.03426 C 0.05677 0.03681 0.0569 0.03935 0.05716 0.0419 C 0.05872 0.05417 0.05703 0.03565 0.05859 0.0507 C 0.05898 0.0537 0.05911 0.05671 0.05937 0.05972 C 0.05911 0.06759 0.05951 0.07593 0.05859 0.0838 C 0.05781 0.09097 0.05599 0.09051 0.05365 0.09398 C 0.05286 0.09514 0.05208 0.0963 0.05143 0.09769 C 0.05091 0.09884 0.05065 0.10046 0.05 0.10162 C 0.04831 0.1044 0.04583 0.10579 0.0444 0.10926 C 0.04362 0.11088 0.0431 0.11273 0.04219 0.11435 C 0.04206 0.11458 0.0362 0.12245 0.03437 0.12454 C 0.03346 0.12546 0.03242 0.12639 0.03151 0.12685 C 0.02982 0.12801 0.02812 0.1287 0.02643 0.1294 C 0.02578 0.12986 0.025 0.13032 0.02435 0.13079 C 0.02331 0.13148 0.02253 0.13264 0.02148 0.13333 C 0.01536 0.13773 0.01927 0.13449 0.01367 0.13704 C 0.00495 0.1412 0.01393 0.13843 0.0043 0.14097 C -0.00052 0.14375 0.00534 0.14051 -0.00286 0.14352 C -0.00352 0.14375 -0.0043 0.14421 -0.00495 0.14468 C -0.01016 0.14421 -0.01549 0.14468 -0.0207 0.14352 C -0.02148 0.14329 -0.02201 0.14167 -0.02279 0.14097 C -0.02813 0.13681 -0.02578 0.14028 -0.02995 0.13588 C -0.03138 0.13426 -0.03281 0.13241 -0.03424 0.13079 C -0.03542 0.1294 -0.03672 0.12824 -0.03776 0.12685 C -0.0474 0.11551 -0.0418 0.12083 -0.04779 0.11551 C -0.04831 0.11435 -0.0487 0.11296 -0.04922 0.11181 C -0.05443 0.10116 -0.04987 0.11273 -0.05495 0.10023 C -0.05599 0.09792 -0.05729 0.0956 -0.05781 0.09259 C -0.06029 0.07986 -0.05651 0.09977 -0.05924 0.0838 C -0.06185 0.06829 -0.05977 0.08287 -0.06133 0.07107 C -0.06094 0.06296 -0.06081 0.05486 -0.06003 0.04699 C -0.05977 0.04491 -0.05703 0.04028 -0.05638 0.03935 C -0.05573 0.03843 -0.05495 0.0375 -0.0543 0.03681 C -0.04857 0.03125 -0.04857 0.03218 -0.04063 0.02917 C -0.03919 0.0287 -0.03776 0.02824 -0.03633 0.02778 L 0.00365 0.02917 C 0.00456 0.02917 0.00547 0.03009 0.00651 0.03032 C 0.0082 0.03102 0.0112 0.03195 0.01289 0.03287 C 0.02031 0.03727 0.01341 0.03333 0.01862 0.03796 C 0.01927 0.03866 0.02005 0.03889 0.0207 0.03935 C 0.02174 0.04097 0.02253 0.04306 0.02357 0.04445 C 0.02448 0.0456 0.02565 0.04583 0.02643 0.04699 C 0.02708 0.04792 0.02734 0.04954 0.02786 0.0507 C 0.02839 0.05162 0.02878 0.05255 0.0293 0.05324 C 0.02995 0.05417 0.03086 0.05486 0.03151 0.05579 C 0.03255 0.05741 0.03333 0.05926 0.03437 0.06088 L 0.0401 0.07107 L 0.04505 0.07986 C 0.04622 0.08171 0.04857 0.08472 0.05 0.08634 C 0.05104 0.08727 0.05208 0.08773 0.05286 0.08889 C 0.05352 0.08958 0.05378 0.09074 0.0543 0.09144 C 0.05573 0.09282 0.05977 0.09352 0.06081 0.09398 C 0.06146 0.09421 0.06224 0.09468 0.06289 0.09514 C 0.06406 0.09491 0.0694 0.09468 0.07148 0.09259 C 0.07305 0.0912 0.07578 0.0875 0.07578 0.08773 C 0.07604 0.08634 0.07656 0.08519 0.07643 0.0838 C 0.07604 0.07732 0.07552 0.07708 0.07357 0.07361 L 0.07292 0.06991 " pathEditMode="relative" rAng="0" ptsTypes="AAAAAAAAAAAAAAAAAAAAAAAAAAAAAAAAAAAAAAAAAAAAAAAAAAAAAAAAAAAAAAAAAAAAAAAAAAAAAAAAAAAAAAAAAAAAAAAAAAAAAAAAAAAAAAAAAAAAAAAAAAAAAAAAAAAAAAAAAAAAAAAAAAAAAAAAAAAAAAAAAAAAAAAAAAAAAAAAAAAAAAAAAAAAAAAAAAAAAAAAAAAAAAAAA">
                                       <p:cBhvr>
-                                        <p:cTn id="12" dur="5000" fill="hold"/>
+                                        <p:cTn id="8" dur="5000" fill="hold"/>
                                         <p:tgtEl>
                                           <p:spTgt spid="7"/>
                                         </p:tgtEl>
@@ -14549,26 +14504,26 @@
                     </p:cTn>
                   </p:par>
                   <p:par>
-                    <p:cTn id="13" fill="hold">
+                    <p:cTn id="9" fill="hold">
                       <p:stCondLst>
                         <p:cond delay="indefinite"/>
                       </p:stCondLst>
                       <p:childTnLst>
                         <p:par>
-                          <p:cTn id="14" fill="hold">
+                          <p:cTn id="10" fill="hold">
                             <p:stCondLst>
                               <p:cond delay="0"/>
                             </p:stCondLst>
                             <p:childTnLst>
                               <p:par>
-                                <p:cTn id="15" presetID="1" presetClass="entr" presetSubtype="0" fill="hold" grpId="0" nodeType="clickEffect">
+                                <p:cTn id="11" presetID="1" presetClass="entr" presetSubtype="0" fill="hold" grpId="0" nodeType="clickEffect">
                                   <p:stCondLst>
                                     <p:cond delay="0"/>
                                   </p:stCondLst>
                                   <p:childTnLst>
                                     <p:set>
                                       <p:cBhvr>
-                                        <p:cTn id="16" dur="1" fill="hold">
+                                        <p:cTn id="12" dur="1" fill="hold">
                                           <p:stCondLst>
                                             <p:cond delay="0"/>
                                           </p:stCondLst>
@@ -14588,14 +14543,14 @@
                                 </p:cTn>
                               </p:par>
                               <p:par>
-                                <p:cTn id="17" presetID="1" presetClass="entr" presetSubtype="0" fill="hold" grpId="0" nodeType="withEffect">
+                                <p:cTn id="13" presetID="1" presetClass="entr" presetSubtype="0" fill="hold" grpId="0" nodeType="withEffect">
                                   <p:stCondLst>
                                     <p:cond delay="0"/>
                                   </p:stCondLst>
                                   <p:childTnLst>
                                     <p:set>
                                       <p:cBhvr>
-                                        <p:cTn id="18" dur="1" fill="hold">
+                                        <p:cTn id="14" dur="1" fill="hold">
                                           <p:stCondLst>
                                             <p:cond delay="0"/>
                                           </p:stCondLst>
@@ -14615,14 +14570,14 @@
                                 </p:cTn>
                               </p:par>
                               <p:par>
-                                <p:cTn id="19" presetID="1" presetClass="entr" presetSubtype="0" fill="hold" nodeType="withEffect">
+                                <p:cTn id="15" presetID="1" presetClass="entr" presetSubtype="0" fill="hold" nodeType="withEffect">
                                   <p:stCondLst>
                                     <p:cond delay="0"/>
                                   </p:stCondLst>
                                   <p:childTnLst>
                                     <p:set>
                                       <p:cBhvr>
-                                        <p:cTn id="20" dur="1" fill="hold">
+                                        <p:cTn id="16" dur="1" fill="hold">
                                           <p:stCondLst>
                                             <p:cond delay="0"/>
                                           </p:stCondLst>
@@ -14669,7 +14624,6 @@
       </p:par>
     </p:tnLst>
     <p:bldLst>
-      <p:bldP spid="8" grpId="0"/>
       <p:bldP spid="13" grpId="0"/>
       <p:bldP spid="14" grpId="0"/>
       <p:bldP spid="15" grpId="0"/>
@@ -16244,8 +16198,8 @@
           </p:sp>
         </mc:Fallback>
       </mc:AlternateContent>
-      <mc:AlternateContent xmlns:mc="http://schemas.openxmlformats.org/markup-compatibility/2006">
-        <mc:Choice xmlns:a14="http://schemas.microsoft.com/office/drawing/2010/main" Requires="a14">
+      <mc:AlternateContent xmlns:mc="http://schemas.openxmlformats.org/markup-compatibility/2006" xmlns:a14="http://schemas.microsoft.com/office/drawing/2010/main">
+        <mc:Choice Requires="a14">
           <p:sp>
             <p:nvSpPr>
               <p:cNvPr id="2" name="文字方塊 1"/>
@@ -16326,7 +16280,7 @@
             </p:txBody>
           </p:sp>
         </mc:Choice>
-        <mc:Fallback>
+        <mc:Fallback xmlns="">
           <p:sp>
             <p:nvSpPr>
               <p:cNvPr id="2" name="文字方塊 1"/>
@@ -21343,14 +21297,7 @@
                 <a:latin typeface="Times New Roman" panose="02020603050405020304" pitchFamily="18" charset="0"/>
                 <a:cs typeface="Times New Roman" panose="02020603050405020304" pitchFamily="18" charset="0"/>
               </a:rPr>
-              <a:t>UAVs Traffic Management </a:t>
-            </a:r>
-            <a:r>
-              <a:rPr lang="en-US" altLang="zh-TW" b="1" dirty="0" smtClean="0">
-                <a:latin typeface="Times New Roman" panose="02020603050405020304" pitchFamily="18" charset="0"/>
-                <a:cs typeface="Times New Roman" panose="02020603050405020304" pitchFamily="18" charset="0"/>
-              </a:rPr>
-              <a:t>Service</a:t>
+              <a:t>UAVs Traffic Management Service</a:t>
             </a:r>
             <a:r>
               <a:rPr lang="zh-TW" altLang="en-US" b="1" dirty="0" smtClean="0">
@@ -21364,19 +21311,8 @@
                 <a:latin typeface="Times New Roman" panose="02020603050405020304" pitchFamily="18" charset="0"/>
                 <a:cs typeface="Times New Roman" panose="02020603050405020304" pitchFamily="18" charset="0"/>
               </a:rPr>
-              <a:t>(UTMS) </a:t>
+              <a:t>(UTMS) : </a:t>
             </a:r>
-            <a:r>
-              <a:rPr lang="en-US" altLang="zh-TW" b="1" dirty="0" smtClean="0">
-                <a:latin typeface="Times New Roman" panose="02020603050405020304" pitchFamily="18" charset="0"/>
-                <a:cs typeface="Times New Roman" panose="02020603050405020304" pitchFamily="18" charset="0"/>
-              </a:rPr>
-              <a:t>: </a:t>
-            </a:r>
-            <a:endParaRPr lang="en-US" altLang="zh-TW" b="1" dirty="0" smtClean="0">
-              <a:latin typeface="Times New Roman" panose="02020603050405020304" pitchFamily="18" charset="0"/>
-              <a:cs typeface="Times New Roman" panose="02020603050405020304" pitchFamily="18" charset="0"/>
-            </a:endParaRPr>
           </a:p>
           <a:p>
             <a:pPr lvl="1" algn="just"/>
@@ -21440,14 +21376,7 @@
                 <a:latin typeface="Times New Roman" panose="02020603050405020304" pitchFamily="18" charset="0"/>
                 <a:cs typeface="Times New Roman" panose="02020603050405020304" pitchFamily="18" charset="0"/>
               </a:rPr>
-              <a:t>Supplementary Data Provider </a:t>
-            </a:r>
-            <a:r>
-              <a:rPr lang="en-US" altLang="zh-TW" b="1" dirty="0" smtClean="0">
-                <a:latin typeface="Times New Roman" panose="02020603050405020304" pitchFamily="18" charset="0"/>
-                <a:cs typeface="Times New Roman" panose="02020603050405020304" pitchFamily="18" charset="0"/>
-              </a:rPr>
-              <a:t>Service (SDPS) : </a:t>
+              <a:t>Supplementary Data Provider Service (SDPS) : </a:t>
             </a:r>
           </a:p>
           <a:p>
@@ -21484,26 +21413,8 @@
                 <a:latin typeface="Times New Roman" panose="02020603050405020304" pitchFamily="18" charset="0"/>
                 <a:cs typeface="Times New Roman" panose="02020603050405020304" pitchFamily="18" charset="0"/>
               </a:rPr>
-              <a:t>Operator Command and Control </a:t>
+              <a:t>Operator Command and Control Service (OCCS) : </a:t>
             </a:r>
-            <a:r>
-              <a:rPr lang="en-US" altLang="zh-TW" b="1" dirty="0" smtClean="0">
-                <a:latin typeface="Times New Roman" panose="02020603050405020304" pitchFamily="18" charset="0"/>
-                <a:cs typeface="Times New Roman" panose="02020603050405020304" pitchFamily="18" charset="0"/>
-              </a:rPr>
-              <a:t>Service (OCCS) </a:t>
-            </a:r>
-            <a:r>
-              <a:rPr lang="en-US" altLang="zh-TW" b="1" dirty="0" smtClean="0">
-                <a:latin typeface="Times New Roman" panose="02020603050405020304" pitchFamily="18" charset="0"/>
-                <a:cs typeface="Times New Roman" panose="02020603050405020304" pitchFamily="18" charset="0"/>
-              </a:rPr>
-              <a:t>: </a:t>
-            </a:r>
-            <a:endParaRPr lang="en-US" altLang="zh-TW" b="1" dirty="0" smtClean="0">
-              <a:latin typeface="Times New Roman" panose="02020603050405020304" pitchFamily="18" charset="0"/>
-              <a:cs typeface="Times New Roman" panose="02020603050405020304" pitchFamily="18" charset="0"/>
-            </a:endParaRPr>
           </a:p>
           <a:p>
             <a:pPr lvl="1" algn="just"/>
@@ -21815,14 +21726,7 @@
                 <a:latin typeface="Times New Roman" panose="02020603050405020304" pitchFamily="18" charset="0"/>
                 <a:cs typeface="Times New Roman" panose="02020603050405020304" pitchFamily="18" charset="0"/>
               </a:rPr>
-              <a:t>    The core and transport networks ensure the transmission of communication traffic between MEC-hosted services and the previous Cloud-hosted services</a:t>
-            </a:r>
-            <a:r>
-              <a:rPr lang="en-US" altLang="zh-TW" dirty="0" smtClean="0">
-                <a:latin typeface="Times New Roman" panose="02020603050405020304" pitchFamily="18" charset="0"/>
-                <a:cs typeface="Times New Roman" panose="02020603050405020304" pitchFamily="18" charset="0"/>
-              </a:rPr>
-              <a:t>. Given that this communication belongs </a:t>
+              <a:t>    The core and transport networks ensure the transmission of communication traffic between MEC-hosted services and the previous Cloud-hosted services. Given that this communication belongs </a:t>
             </a:r>
             <a:r>
               <a:rPr lang="en-US" altLang="zh-TW" dirty="0">
@@ -22292,14 +22196,7 @@
                 <a:latin typeface="Times New Roman" panose="02020603050405020304" pitchFamily="18" charset="0"/>
                 <a:cs typeface="Times New Roman" panose="02020603050405020304" pitchFamily="18" charset="0"/>
               </a:rPr>
-              <a:t>    </a:t>
-            </a:r>
-            <a:r>
-              <a:rPr lang="en-US" altLang="zh-TW" dirty="0" smtClean="0">
-                <a:latin typeface="Times New Roman" panose="02020603050405020304" pitchFamily="18" charset="0"/>
-                <a:cs typeface="Times New Roman" panose="02020603050405020304" pitchFamily="18" charset="0"/>
-              </a:rPr>
-              <a:t>In this framework, MEC nodes are used to host UAVs Flight Controller service (UFC). The UFC is responsible for the monitoring and controlling the UAVs that connected to MEC nodes. Also, UFC collects information (i.e., geo-fences, weather forecasts and location of interest) and command from cloud-hosted services, and accordingly adapts UAVs’ flights.</a:t>
+              <a:t>    In this framework, MEC nodes are used to host UAVs Flight Controller service (UFC). The UFC is responsible for the monitoring and controlling the UAVs that connected to MEC nodes. Also, UFC collects information (i.e., geo-fences, weather forecasts and location of interest) and command from cloud-hosted services, and accordingly adapts UAVs’ flights.</a:t>
             </a:r>
             <a:endParaRPr lang="zh-TW" altLang="en-US" dirty="0">
               <a:latin typeface="Times New Roman" panose="02020603050405020304" pitchFamily="18" charset="0"/>
@@ -23700,8 +23597,8 @@
           </a:p>
         </p:txBody>
       </p:sp>
-      <mc:AlternateContent xmlns:mc="http://schemas.openxmlformats.org/markup-compatibility/2006">
-        <mc:Choice xmlns:a14="http://schemas.microsoft.com/office/drawing/2010/main" Requires="a14">
+      <mc:AlternateContent xmlns:mc="http://schemas.openxmlformats.org/markup-compatibility/2006" xmlns:a14="http://schemas.microsoft.com/office/drawing/2010/main">
+        <mc:Choice Requires="a14">
           <p:sp>
             <p:nvSpPr>
               <p:cNvPr id="10" name="文字方塊 9"/>
@@ -23789,7 +23686,7 @@
             </p:txBody>
           </p:sp>
         </mc:Choice>
-        <mc:Fallback>
+        <mc:Fallback xmlns="">
           <p:sp>
             <p:nvSpPr>
               <p:cNvPr id="10" name="文字方塊 9"/>
